--- a/presentations/Audit 20180301.pptx
+++ b/presentations/Audit 20180301.pptx
@@ -5,7 +5,7 @@
     <p:sldMasterId id="2147483648" r:id="rId1"/>
   </p:sldMasterIdLst>
   <p:notesMasterIdLst>
-    <p:notesMasterId r:id="rId16"/>
+    <p:notesMasterId r:id="rId18"/>
   </p:notesMasterIdLst>
   <p:sldIdLst>
     <p:sldId id="256" r:id="rId2"/>
@@ -15,13 +15,15 @@
     <p:sldId id="389" r:id="rId6"/>
     <p:sldId id="390" r:id="rId7"/>
     <p:sldId id="391" r:id="rId8"/>
-    <p:sldId id="387" r:id="rId9"/>
-    <p:sldId id="336" r:id="rId10"/>
-    <p:sldId id="356" r:id="rId11"/>
-    <p:sldId id="357" r:id="rId12"/>
-    <p:sldId id="368" r:id="rId13"/>
-    <p:sldId id="371" r:id="rId14"/>
-    <p:sldId id="298" r:id="rId15"/>
+    <p:sldId id="392" r:id="rId9"/>
+    <p:sldId id="393" r:id="rId10"/>
+    <p:sldId id="387" r:id="rId11"/>
+    <p:sldId id="336" r:id="rId12"/>
+    <p:sldId id="356" r:id="rId13"/>
+    <p:sldId id="357" r:id="rId14"/>
+    <p:sldId id="368" r:id="rId15"/>
+    <p:sldId id="371" r:id="rId16"/>
+    <p:sldId id="298" r:id="rId17"/>
   </p:sldIdLst>
   <p:sldSz cx="12192000" cy="6858000"/>
   <p:notesSz cx="6858000" cy="9144000"/>
@@ -5049,12 +5051,16 @@
           <a:p>
             <a:pPr algn="l"/>
             <a:r>
+              <a:rPr lang="fi-FI" sz="4800" dirty="0" err="1"/>
+              <a:t>Work</a:t>
+            </a:r>
+            <a:r>
               <a:rPr lang="fi-FI" sz="4800" dirty="0"/>
-              <a:t>Next </a:t>
+              <a:t> in </a:t>
             </a:r>
             <a:r>
               <a:rPr lang="fi-FI" sz="4800" dirty="0" err="1"/>
-              <a:t>Steps</a:t>
+              <a:t>Progress</a:t>
             </a:r>
             <a:endParaRPr lang="en-GB" sz="4800" dirty="0"/>
           </a:p>
@@ -5063,7 +5069,7 @@
     </p:spTree>
     <p:extLst>
       <p:ext uri="{BB962C8B-B14F-4D97-AF65-F5344CB8AC3E}">
-        <p14:creationId xmlns:p14="http://schemas.microsoft.com/office/powerpoint/2010/main" val="682278838"/>
+        <p14:creationId xmlns:p14="http://schemas.microsoft.com/office/powerpoint/2010/main" val="1118677833"/>
       </p:ext>
     </p:extLst>
   </p:cSld>
@@ -5264,36 +5270,17 @@
                 <a:ea typeface="+mj-ea"/>
                 <a:cs typeface="+mj-cs"/>
               </a:rPr>
-              <a:t>Next </a:t>
-            </a:r>
-            <a:r>
-              <a:rPr lang="en-US" sz="4800" dirty="0">
-                <a:solidFill>
-                  <a:schemeClr val="bg1"/>
-                </a:solidFill>
-                <a:latin typeface="+mj-lt"/>
-                <a:ea typeface="+mj-ea"/>
-                <a:cs typeface="+mj-cs"/>
-              </a:rPr>
-              <a:t>steps</a:t>
-            </a:r>
-            <a:endParaRPr lang="en-US" sz="4800" kern="1200" dirty="0">
-              <a:solidFill>
-                <a:schemeClr val="bg1"/>
-              </a:solidFill>
-              <a:latin typeface="+mj-lt"/>
-              <a:ea typeface="+mj-ea"/>
-              <a:cs typeface="+mj-cs"/>
-            </a:endParaRPr>
-          </a:p>
-        </p:txBody>
-      </p:sp>
-      <p:sp>
-        <p:nvSpPr>
-          <p:cNvPr id="2" name="Tekstiruutu 1">
-            <a:extLst>
-              <a:ext uri="{FF2B5EF4-FFF2-40B4-BE49-F238E27FC236}">
-                <a16:creationId xmlns:a16="http://schemas.microsoft.com/office/drawing/2014/main" id="{D65D9A76-79B6-4456-A8A1-C4D9F49FD5D1}"/>
+              <a:t>Perception</a:t>
+            </a:r>
+          </a:p>
+        </p:txBody>
+      </p:sp>
+      <p:sp>
+        <p:nvSpPr>
+          <p:cNvPr id="44" name="Tekstiruutu 43">
+            <a:extLst>
+              <a:ext uri="{FF2B5EF4-FFF2-40B4-BE49-F238E27FC236}">
+                <a16:creationId xmlns:a16="http://schemas.microsoft.com/office/drawing/2014/main" id="{A2FDF6B1-AC81-41A7-9D40-341BFEE80CEF}"/>
               </a:ext>
             </a:extLst>
           </p:cNvPr>
@@ -5302,8 +5289,8 @@
         </p:nvSpPr>
         <p:spPr>
           <a:xfrm>
-            <a:off x="6406100" y="2226367"/>
-            <a:ext cx="3308598" cy="1754326"/>
+            <a:off x="5128665" y="2473105"/>
+            <a:ext cx="6561338" cy="1569660"/>
           </a:xfrm>
           <a:prstGeom prst="rect">
             <a:avLst/>
@@ -5311,110 +5298,22 @@
           <a:noFill/>
         </p:spPr>
         <p:txBody>
-          <a:bodyPr wrap="none" rtlCol="0">
+          <a:bodyPr wrap="square" rtlCol="0">
             <a:spAutoFit/>
           </a:bodyPr>
           <a:lstStyle/>
           <a:p>
             <a:r>
-              <a:rPr lang="fi-FI" b="1" dirty="0" err="1"/>
-              <a:t>Comprehension</a:t>
-            </a:r>
-            <a:r>
-              <a:rPr lang="fi-FI" b="1" dirty="0"/>
-              <a:t>:</a:t>
-            </a:r>
-            <a:br>
-              <a:rPr lang="fi-FI" b="1" dirty="0"/>
-            </a:br>
-            <a:endParaRPr lang="fi-FI" b="1" dirty="0"/>
-          </a:p>
-          <a:p>
-            <a:pPr marL="342900" indent="-342900">
-              <a:buFont typeface="+mj-lt"/>
-              <a:buAutoNum type="arabicPeriod"/>
-            </a:pPr>
-            <a:r>
-              <a:rPr lang="fi-FI" dirty="0" err="1"/>
-              <a:t>Closing</a:t>
-            </a:r>
-            <a:r>
-              <a:rPr lang="fi-FI" dirty="0"/>
-              <a:t> </a:t>
-            </a:r>
-            <a:r>
-              <a:rPr lang="fi-FI" dirty="0" err="1"/>
-              <a:t>the</a:t>
-            </a:r>
-            <a:r>
-              <a:rPr lang="fi-FI" dirty="0"/>
-              <a:t> open </a:t>
-            </a:r>
-            <a:r>
-              <a:rPr lang="fi-FI" dirty="0" err="1"/>
-              <a:t>questions</a:t>
-            </a:r>
-            <a:endParaRPr lang="fi-FI" dirty="0"/>
-          </a:p>
-          <a:p>
-            <a:pPr marL="342900" indent="-342900">
-              <a:buFont typeface="+mj-lt"/>
-              <a:buAutoNum type="arabicPeriod"/>
-            </a:pPr>
-            <a:r>
-              <a:rPr lang="fi-FI" dirty="0"/>
-              <a:t>2d -&gt; 3d </a:t>
-            </a:r>
-            <a:r>
-              <a:rPr lang="fi-FI" dirty="0" err="1"/>
-              <a:t>transformation</a:t>
-            </a:r>
-            <a:endParaRPr lang="fi-FI" dirty="0"/>
-          </a:p>
-          <a:p>
-            <a:pPr marL="342900" indent="-342900">
-              <a:buFont typeface="+mj-lt"/>
-              <a:buAutoNum type="arabicPeriod"/>
-            </a:pPr>
-            <a:r>
-              <a:rPr lang="fi-FI" dirty="0"/>
-              <a:t>World </a:t>
-            </a:r>
-            <a:r>
-              <a:rPr lang="fi-FI" dirty="0" err="1"/>
-              <a:t>object</a:t>
-            </a:r>
-            <a:r>
-              <a:rPr lang="fi-FI" dirty="0"/>
-              <a:t> </a:t>
-            </a:r>
-            <a:r>
-              <a:rPr lang="fi-FI" dirty="0" err="1"/>
-              <a:t>state</a:t>
-            </a:r>
-            <a:r>
-              <a:rPr lang="fi-FI" dirty="0"/>
-              <a:t> </a:t>
-            </a:r>
-            <a:r>
-              <a:rPr lang="fi-FI" dirty="0" err="1"/>
-              <a:t>estimation</a:t>
-            </a:r>
-            <a:endParaRPr lang="fi-FI" dirty="0"/>
-          </a:p>
-          <a:p>
-            <a:pPr marL="342900" indent="-342900">
-              <a:buFont typeface="+mj-lt"/>
-              <a:buAutoNum type="arabicPeriod"/>
-            </a:pPr>
-            <a:endParaRPr lang="en-GB" dirty="0"/>
+              <a:rPr lang="en-GB" sz="1600" dirty="0"/>
+              <a:t>“The first step in achieving SA is to perceive the status, attributes, and dynamics of relevant elements in the environment. Thus, Level 1 SA, the most basic level of SA, involves the processes of monitoring, cue detection, and simple recognition, which lead to an awareness of multiple situational elements (objects, events, people, systems, environmental factors) and their current states (locations, conditions, modes, actions).”</a:t>
+            </a:r>
           </a:p>
         </p:txBody>
       </p:sp>
     </p:spTree>
     <p:extLst>
       <p:ext uri="{BB962C8B-B14F-4D97-AF65-F5344CB8AC3E}">
-        <p14:creationId xmlns:p14="http://schemas.microsoft.com/office/powerpoint/2010/main" val="430660357"/>
+        <p14:creationId xmlns:p14="http://schemas.microsoft.com/office/powerpoint/2010/main" val="606653114"/>
       </p:ext>
     </p:extLst>
   </p:cSld>
@@ -6078,19 +5977,11 @@
             <a:pPr algn="l"/>
             <a:r>
               <a:rPr lang="fi-FI" sz="4800" dirty="0"/>
-              <a:t>To </a:t>
+              <a:t>Next </a:t>
             </a:r>
             <a:r>
               <a:rPr lang="fi-FI" sz="4800" dirty="0" err="1"/>
-              <a:t>Be</a:t>
-            </a:r>
-            <a:r>
-              <a:rPr lang="fi-FI" sz="4800" dirty="0"/>
-              <a:t> </a:t>
-            </a:r>
-            <a:r>
-              <a:rPr lang="fi-FI" sz="4800" dirty="0" err="1"/>
-              <a:t>Discussed</a:t>
+              <a:t>Steps</a:t>
             </a:r>
             <a:endParaRPr lang="en-GB" sz="4800" dirty="0"/>
           </a:p>
@@ -6099,7 +5990,7 @@
     </p:spTree>
     <p:extLst>
       <p:ext uri="{BB962C8B-B14F-4D97-AF65-F5344CB8AC3E}">
-        <p14:creationId xmlns:p14="http://schemas.microsoft.com/office/powerpoint/2010/main" val="3341535097"/>
+        <p14:creationId xmlns:p14="http://schemas.microsoft.com/office/powerpoint/2010/main" val="682278838"/>
       </p:ext>
     </p:extLst>
   </p:cSld>
@@ -6292,6 +6183,17 @@
               </a:spcAft>
             </a:pPr>
             <a:r>
+              <a:rPr lang="en-US" sz="4800" kern="1200" dirty="0">
+                <a:solidFill>
+                  <a:schemeClr val="bg1"/>
+                </a:solidFill>
+                <a:latin typeface="+mj-lt"/>
+                <a:ea typeface="+mj-ea"/>
+                <a:cs typeface="+mj-cs"/>
+              </a:rPr>
+              <a:t>Next </a:t>
+            </a:r>
+            <a:r>
               <a:rPr lang="en-US" sz="4800" dirty="0">
                 <a:solidFill>
                   <a:schemeClr val="bg1"/>
@@ -6300,7 +6202,7 @@
                 <a:ea typeface="+mj-ea"/>
                 <a:cs typeface="+mj-cs"/>
               </a:rPr>
-              <a:t>Method follow-up</a:t>
+              <a:t>steps</a:t>
             </a:r>
             <a:endParaRPr lang="en-US" sz="4800" kern="1200" dirty="0">
               <a:solidFill>
@@ -6318,7 +6220,7 @@
           <p:cNvPr id="2" name="Tekstiruutu 1">
             <a:extLst>
               <a:ext uri="{FF2B5EF4-FFF2-40B4-BE49-F238E27FC236}">
-                <a16:creationId xmlns:a16="http://schemas.microsoft.com/office/drawing/2014/main" id="{6BB30F7A-5F1A-4DE8-836D-D8A2D0BA3F2D}"/>
+                <a16:creationId xmlns:a16="http://schemas.microsoft.com/office/drawing/2014/main" id="{D65D9A76-79B6-4456-A8A1-C4D9F49FD5D1}"/>
               </a:ext>
             </a:extLst>
           </p:cNvPr>
@@ -6327,8 +6229,8 @@
         </p:nvSpPr>
         <p:spPr>
           <a:xfrm>
-            <a:off x="5375253" y="2911977"/>
-            <a:ext cx="3821752" cy="646331"/>
+            <a:off x="6406100" y="2226367"/>
+            <a:ext cx="3308598" cy="1754326"/>
           </a:xfrm>
           <a:prstGeom prst="rect">
             <a:avLst/>
@@ -6341,17 +6243,27 @@
           </a:bodyPr>
           <a:lstStyle/>
           <a:p>
-            <a:pPr marL="285750" indent="-285750">
-              <a:buFont typeface="Arial" panose="020B0604020202020204" pitchFamily="34" charset="0"/>
-              <a:buChar char="•"/>
+            <a:r>
+              <a:rPr lang="fi-FI" b="1" dirty="0" err="1"/>
+              <a:t>Comprehension</a:t>
+            </a:r>
+            <a:r>
+              <a:rPr lang="fi-FI" b="1" dirty="0"/>
+              <a:t>:</a:t>
+            </a:r>
+            <a:br>
+              <a:rPr lang="fi-FI" b="1" dirty="0"/>
+            </a:br>
+            <a:endParaRPr lang="fi-FI" b="1" dirty="0"/>
+          </a:p>
+          <a:p>
+            <a:pPr marL="342900" indent="-342900">
+              <a:buFont typeface="+mj-lt"/>
+              <a:buAutoNum type="arabicPeriod"/>
             </a:pPr>
             <a:r>
-              <a:rPr lang="fi-FI" dirty="0"/>
-              <a:t>Google </a:t>
-            </a:r>
-            <a:r>
               <a:rPr lang="fi-FI" dirty="0" err="1"/>
-              <a:t>search</a:t>
+              <a:t>Closing</a:t>
             </a:r>
             <a:r>
               <a:rPr lang="fi-FI" dirty="0"/>
@@ -6359,21 +6271,45 @@
             </a:r>
             <a:r>
               <a:rPr lang="fi-FI" dirty="0" err="1"/>
-              <a:t>enough</a:t>
+              <a:t>the</a:t>
             </a:r>
             <a:r>
               <a:rPr lang="fi-FI" dirty="0"/>
-              <a:t>?</a:t>
-            </a:r>
-          </a:p>
-          <a:p>
-            <a:pPr marL="285750" indent="-285750">
-              <a:buFont typeface="Arial" panose="020B0604020202020204" pitchFamily="34" charset="0"/>
-              <a:buChar char="•"/>
+              <a:t> open </a:t>
+            </a:r>
+            <a:r>
+              <a:rPr lang="fi-FI" dirty="0" err="1"/>
+              <a:t>questions</a:t>
+            </a:r>
+            <a:endParaRPr lang="fi-FI" dirty="0"/>
+          </a:p>
+          <a:p>
+            <a:pPr marL="342900" indent="-342900">
+              <a:buFont typeface="+mj-lt"/>
+              <a:buAutoNum type="arabicPeriod"/>
             </a:pPr>
             <a:r>
+              <a:rPr lang="fi-FI" dirty="0"/>
+              <a:t>2d -&gt; 3d </a:t>
+            </a:r>
+            <a:r>
               <a:rPr lang="fi-FI" dirty="0" err="1"/>
-              <a:t>Good</a:t>
+              <a:t>transformation</a:t>
+            </a:r>
+            <a:endParaRPr lang="fi-FI" dirty="0"/>
+          </a:p>
+          <a:p>
+            <a:pPr marL="342900" indent="-342900">
+              <a:buFont typeface="+mj-lt"/>
+              <a:buAutoNum type="arabicPeriod"/>
+            </a:pPr>
+            <a:r>
+              <a:rPr lang="fi-FI" dirty="0"/>
+              <a:t>World </a:t>
+            </a:r>
+            <a:r>
+              <a:rPr lang="fi-FI" dirty="0" err="1"/>
+              <a:t>object</a:t>
             </a:r>
             <a:r>
               <a:rPr lang="fi-FI" dirty="0"/>
@@ -6381,15 +6317,7 @@
             </a:r>
             <a:r>
               <a:rPr lang="fi-FI" dirty="0" err="1"/>
-              <a:t>way</a:t>
-            </a:r>
-            <a:r>
-              <a:rPr lang="fi-FI" dirty="0"/>
-              <a:t> of </a:t>
-            </a:r>
-            <a:r>
-              <a:rPr lang="fi-FI" dirty="0" err="1"/>
-              <a:t>following</a:t>
+              <a:t>state</a:t>
             </a:r>
             <a:r>
               <a:rPr lang="fi-FI" dirty="0"/>
@@ -6397,27 +6325,23 @@
             </a:r>
             <a:r>
               <a:rPr lang="fi-FI" dirty="0" err="1"/>
-              <a:t>new</a:t>
-            </a:r>
-            <a:r>
-              <a:rPr lang="fi-FI" dirty="0"/>
-              <a:t> </a:t>
-            </a:r>
-            <a:r>
-              <a:rPr lang="fi-FI" dirty="0" err="1"/>
-              <a:t>papers</a:t>
-            </a:r>
-            <a:r>
-              <a:rPr lang="fi-FI" dirty="0"/>
-              <a:t>?</a:t>
-            </a:r>
+              <a:t>estimation</a:t>
+            </a:r>
+            <a:endParaRPr lang="fi-FI" dirty="0"/>
+          </a:p>
+          <a:p>
+            <a:pPr marL="342900" indent="-342900">
+              <a:buFont typeface="+mj-lt"/>
+              <a:buAutoNum type="arabicPeriod"/>
+            </a:pPr>
+            <a:endParaRPr lang="en-GB" dirty="0"/>
           </a:p>
         </p:txBody>
       </p:sp>
     </p:spTree>
     <p:extLst>
       <p:ext uri="{BB962C8B-B14F-4D97-AF65-F5344CB8AC3E}">
-        <p14:creationId xmlns:p14="http://schemas.microsoft.com/office/powerpoint/2010/main" val="2980159203"/>
+        <p14:creationId xmlns:p14="http://schemas.microsoft.com/office/powerpoint/2010/main" val="430660357"/>
       </p:ext>
     </p:extLst>
   </p:cSld>
@@ -6428,130 +6352,6 @@
 </file>
 
 <file path=ppt/slides/slide14.xml><?xml version="1.0" encoding="utf-8"?>
-<p:sld xmlns:a="http://schemas.openxmlformats.org/drawingml/2006/main" xmlns:r="http://schemas.openxmlformats.org/officeDocument/2006/relationships" xmlns:p="http://schemas.openxmlformats.org/presentationml/2006/main">
-  <p:cSld>
-    <p:spTree>
-      <p:nvGrpSpPr>
-        <p:cNvPr id="1" name=""/>
-        <p:cNvGrpSpPr/>
-        <p:nvPr/>
-      </p:nvGrpSpPr>
-      <p:grpSpPr>
-        <a:xfrm>
-          <a:off x="0" y="0"/>
-          <a:ext cx="0" cy="0"/>
-          <a:chOff x="0" y="0"/>
-          <a:chExt cx="0" cy="0"/>
-        </a:xfrm>
-      </p:grpSpPr>
-      <p:sp>
-        <p:nvSpPr>
-          <p:cNvPr id="2" name="Otsikko 1">
-            <a:extLst>
-              <a:ext uri="{FF2B5EF4-FFF2-40B4-BE49-F238E27FC236}">
-                <a16:creationId xmlns:a16="http://schemas.microsoft.com/office/drawing/2014/main" id="{49E609EE-A375-424B-9FE9-E5C311FC51C5}"/>
-              </a:ext>
-            </a:extLst>
-          </p:cNvPr>
-          <p:cNvSpPr>
-            <a:spLocks noGrp="1"/>
-          </p:cNvSpPr>
-          <p:nvPr>
-            <p:ph type="ctrTitle"/>
-          </p:nvPr>
-        </p:nvSpPr>
-        <p:spPr/>
-        <p:txBody>
-          <a:bodyPr/>
-          <a:lstStyle/>
-          <a:p>
-            <a:r>
-              <a:rPr lang="fi-FI" dirty="0" err="1"/>
-              <a:t>Thank</a:t>
-            </a:r>
-            <a:r>
-              <a:rPr lang="fi-FI" dirty="0"/>
-              <a:t> </a:t>
-            </a:r>
-            <a:r>
-              <a:rPr lang="fi-FI" dirty="0" err="1"/>
-              <a:t>you</a:t>
-            </a:r>
-            <a:r>
-              <a:rPr lang="fi-FI" dirty="0"/>
-              <a:t>!</a:t>
-            </a:r>
-            <a:endParaRPr lang="en-GB" dirty="0"/>
-          </a:p>
-        </p:txBody>
-      </p:sp>
-      <p:sp>
-        <p:nvSpPr>
-          <p:cNvPr id="3" name="Tekstiruutu 2">
-            <a:extLst>
-              <a:ext uri="{FF2B5EF4-FFF2-40B4-BE49-F238E27FC236}">
-                <a16:creationId xmlns:a16="http://schemas.microsoft.com/office/drawing/2014/main" id="{1506AA38-8F86-4309-9943-7572D6D5FD0A}"/>
-              </a:ext>
-            </a:extLst>
-          </p:cNvPr>
-          <p:cNvSpPr txBox="1"/>
-          <p:nvPr/>
-        </p:nvSpPr>
-        <p:spPr>
-          <a:xfrm>
-            <a:off x="3872287" y="4812307"/>
-            <a:ext cx="4089196" cy="923330"/>
-          </a:xfrm>
-          <a:prstGeom prst="rect">
-            <a:avLst/>
-          </a:prstGeom>
-          <a:noFill/>
-        </p:spPr>
-        <p:txBody>
-          <a:bodyPr wrap="none" rtlCol="0">
-            <a:spAutoFit/>
-          </a:bodyPr>
-          <a:lstStyle/>
-          <a:p>
-            <a:pPr algn="ctr"/>
-            <a:r>
-              <a:rPr lang="fi-FI" dirty="0">
-                <a:hlinkClick r:id="rId2"/>
-              </a:rPr>
-              <a:t>lampola@student.tut.fi</a:t>
-            </a:r>
-            <a:endParaRPr lang="fi-FI" dirty="0"/>
-          </a:p>
-          <a:p>
-            <a:pPr algn="ctr"/>
-            <a:r>
-              <a:rPr lang="en-GB" dirty="0">
-                <a:hlinkClick r:id="rId3"/>
-              </a:rPr>
-              <a:t>https://github.com/SakariLampola/Thesis</a:t>
-            </a:r>
-            <a:endParaRPr lang="en-GB" dirty="0"/>
-          </a:p>
-          <a:p>
-            <a:pPr algn="ctr"/>
-            <a:endParaRPr lang="en-GB" dirty="0"/>
-          </a:p>
-        </p:txBody>
-      </p:sp>
-    </p:spTree>
-    <p:extLst>
-      <p:ext uri="{BB962C8B-B14F-4D97-AF65-F5344CB8AC3E}">
-        <p14:creationId xmlns:p14="http://schemas.microsoft.com/office/powerpoint/2010/main" val="4154642894"/>
-      </p:ext>
-    </p:extLst>
-  </p:cSld>
-  <p:clrMapOvr>
-    <a:masterClrMapping/>
-  </p:clrMapOvr>
-</p:sld>
-</file>
-
-<file path=ppt/slides/slide2.xml><?xml version="1.0" encoding="utf-8"?>
 <p:sld xmlns:a="http://schemas.openxmlformats.org/drawingml/2006/main" xmlns:r="http://schemas.openxmlformats.org/officeDocument/2006/relationships" xmlns:p="http://schemas.openxmlformats.org/presentationml/2006/main">
   <p:cSld>
     <p:bg>
@@ -7204,8 +7004,12 @@
           <a:p>
             <a:pPr algn="l"/>
             <a:r>
+              <a:rPr lang="fi-FI" sz="4800" dirty="0"/>
+              <a:t>To </a:t>
+            </a:r>
+            <a:r>
               <a:rPr lang="fi-FI" sz="4800" dirty="0" err="1"/>
-              <a:t>Work</a:t>
+              <a:t>Be</a:t>
             </a:r>
             <a:r>
               <a:rPr lang="fi-FI" sz="4800" dirty="0"/>
@@ -7213,7 +7017,7 @@
             </a:r>
             <a:r>
               <a:rPr lang="fi-FI" sz="4800" dirty="0" err="1"/>
-              <a:t>Done</a:t>
+              <a:t>Discussed</a:t>
             </a:r>
             <a:endParaRPr lang="en-GB" sz="4800" dirty="0"/>
           </a:p>
@@ -7222,7 +7026,7 @@
     </p:spTree>
     <p:extLst>
       <p:ext uri="{BB962C8B-B14F-4D97-AF65-F5344CB8AC3E}">
-        <p14:creationId xmlns:p14="http://schemas.microsoft.com/office/powerpoint/2010/main" val="3668567698"/>
+        <p14:creationId xmlns:p14="http://schemas.microsoft.com/office/powerpoint/2010/main" val="3341535097"/>
       </p:ext>
     </p:extLst>
   </p:cSld>
@@ -7232,7 +7036,7 @@
 </p:sld>
 </file>
 
-<file path=ppt/slides/slide3.xml><?xml version="1.0" encoding="utf-8"?>
+<file path=ppt/slides/slide15.xml><?xml version="1.0" encoding="utf-8"?>
 <p:sld xmlns:a="http://schemas.openxmlformats.org/drawingml/2006/main" xmlns:r="http://schemas.openxmlformats.org/officeDocument/2006/relationships" xmlns:p="http://schemas.openxmlformats.org/presentationml/2006/main">
   <p:cSld>
     <p:bg>
@@ -7423,7 +7227,7 @@
                 <a:ea typeface="+mj-ea"/>
                 <a:cs typeface="+mj-cs"/>
               </a:rPr>
-              <a:t>Image Object Velocity Estimation</a:t>
+              <a:t>Method follow-up</a:t>
             </a:r>
             <a:endParaRPr lang="en-US" sz="4800" kern="1200" dirty="0">
               <a:solidFill>
@@ -7438,10 +7242,10 @@
       </p:sp>
       <p:sp>
         <p:nvSpPr>
-          <p:cNvPr id="8" name="Tekstiruutu 7">
-            <a:extLst>
-              <a:ext uri="{FF2B5EF4-FFF2-40B4-BE49-F238E27FC236}">
-                <a16:creationId xmlns:a16="http://schemas.microsoft.com/office/drawing/2014/main" id="{9B206AA3-16A3-48F3-A1A4-0A4F62824601}"/>
+          <p:cNvPr id="2" name="Tekstiruutu 1">
+            <a:extLst>
+              <a:ext uri="{FF2B5EF4-FFF2-40B4-BE49-F238E27FC236}">
+                <a16:creationId xmlns:a16="http://schemas.microsoft.com/office/drawing/2014/main" id="{6BB30F7A-5F1A-4DE8-836D-D8A2D0BA3F2D}"/>
               </a:ext>
             </a:extLst>
           </p:cNvPr>
@@ -7450,8 +7254,8 @@
         </p:nvSpPr>
         <p:spPr>
           <a:xfrm>
-            <a:off x="5210629" y="277635"/>
-            <a:ext cx="3753463" cy="369332"/>
+            <a:off x="5375253" y="2911977"/>
+            <a:ext cx="3821752" cy="646331"/>
           </a:xfrm>
           <a:prstGeom prst="rect">
             <a:avLst/>
@@ -7464,123 +7268,30 @@
           </a:bodyPr>
           <a:lstStyle/>
           <a:p>
-            <a:r>
-              <a:rPr lang="fi-FI" dirty="0"/>
-              <a:t>Image </a:t>
-            </a:r>
-            <a:r>
-              <a:rPr lang="fi-FI" dirty="0" err="1"/>
-              <a:t>object</a:t>
-            </a:r>
-            <a:r>
-              <a:rPr lang="fi-FI" dirty="0"/>
-              <a:t> </a:t>
-            </a:r>
-            <a:r>
-              <a:rPr lang="fi-FI" dirty="0" err="1"/>
-              <a:t>velocity</a:t>
-            </a:r>
-            <a:r>
-              <a:rPr lang="fi-FI" dirty="0"/>
-              <a:t> is </a:t>
-            </a:r>
-            <a:r>
-              <a:rPr lang="fi-FI" dirty="0" err="1"/>
-              <a:t>necessary</a:t>
-            </a:r>
-            <a:r>
-              <a:rPr lang="fi-FI" dirty="0"/>
-              <a:t> for:</a:t>
-            </a:r>
-            <a:endParaRPr lang="en-GB" dirty="0"/>
-          </a:p>
-        </p:txBody>
-      </p:sp>
-      <p:sp>
-        <p:nvSpPr>
-          <p:cNvPr id="4" name="Tekstiruutu 3">
-            <a:extLst>
-              <a:ext uri="{FF2B5EF4-FFF2-40B4-BE49-F238E27FC236}">
-                <a16:creationId xmlns:a16="http://schemas.microsoft.com/office/drawing/2014/main" id="{970F89D4-A2DF-4165-A957-7BF55DA0DB29}"/>
-              </a:ext>
-            </a:extLst>
-          </p:cNvPr>
-          <p:cNvSpPr txBox="1"/>
-          <p:nvPr/>
-        </p:nvSpPr>
-        <p:spPr>
-          <a:xfrm>
-            <a:off x="5298115" y="745022"/>
-            <a:ext cx="4088507" cy="1015663"/>
-          </a:xfrm>
-          <a:prstGeom prst="rect">
-            <a:avLst/>
-          </a:prstGeom>
-          <a:noFill/>
-        </p:spPr>
-        <p:txBody>
-          <a:bodyPr wrap="square" rtlCol="0">
-            <a:spAutoFit/>
-          </a:bodyPr>
-          <a:lstStyle/>
-          <a:p>
             <a:pPr marL="285750" indent="-285750">
               <a:buFont typeface="Arial" panose="020B0604020202020204" pitchFamily="34" charset="0"/>
               <a:buChar char="•"/>
             </a:pPr>
             <a:r>
-              <a:rPr lang="fi-FI" sz="1200" dirty="0" err="1"/>
-              <a:t>predicting</a:t>
-            </a:r>
-            <a:r>
-              <a:rPr lang="fi-FI" sz="1200" dirty="0"/>
-              <a:t> image </a:t>
-            </a:r>
-            <a:r>
-              <a:rPr lang="fi-FI" sz="1200" dirty="0" err="1"/>
-              <a:t>object</a:t>
-            </a:r>
-            <a:r>
-              <a:rPr lang="fi-FI" sz="1200" dirty="0"/>
+              <a:rPr lang="fi-FI" dirty="0"/>
+              <a:t>Google </a:t>
+            </a:r>
+            <a:r>
+              <a:rPr lang="fi-FI" dirty="0" err="1"/>
+              <a:t>search</a:t>
+            </a:r>
+            <a:r>
+              <a:rPr lang="fi-FI" dirty="0"/>
               <a:t> </a:t>
             </a:r>
             <a:r>
-              <a:rPr lang="fi-FI" sz="1200" dirty="0" err="1"/>
-              <a:t>locations</a:t>
-            </a:r>
-            <a:r>
-              <a:rPr lang="fi-FI" sz="1200" dirty="0"/>
-              <a:t> </a:t>
-            </a:r>
-            <a:r>
-              <a:rPr lang="fi-FI" sz="1200" dirty="0" err="1"/>
-              <a:t>when</a:t>
-            </a:r>
-            <a:r>
-              <a:rPr lang="fi-FI" sz="1200" dirty="0"/>
-              <a:t> </a:t>
-            </a:r>
-            <a:r>
-              <a:rPr lang="fi-FI" sz="1200" dirty="0" err="1"/>
-              <a:t>matching</a:t>
-            </a:r>
-            <a:r>
-              <a:rPr lang="fi-FI" sz="1200" dirty="0"/>
-              <a:t> </a:t>
-            </a:r>
-            <a:r>
-              <a:rPr lang="fi-FI" sz="1200" dirty="0" err="1"/>
-              <a:t>new</a:t>
-            </a:r>
-            <a:r>
-              <a:rPr lang="fi-FI" sz="1200" dirty="0"/>
-              <a:t> </a:t>
-            </a:r>
-            <a:r>
-              <a:rPr lang="fi-FI" sz="1200" dirty="0" err="1"/>
-              <a:t>measurements</a:t>
-            </a:r>
-            <a:endParaRPr lang="fi-FI" sz="1200" dirty="0"/>
+              <a:rPr lang="fi-FI" dirty="0" err="1"/>
+              <a:t>enough</a:t>
+            </a:r>
+            <a:r>
+              <a:rPr lang="fi-FI" dirty="0"/>
+              <a:t>?</a:t>
+            </a:r>
           </a:p>
           <a:p>
             <a:pPr marL="285750" indent="-285750">
@@ -7588,283 +7299,8 @@
               <a:buChar char="•"/>
             </a:pPr>
             <a:r>
-              <a:rPr lang="fi-FI" sz="1200" dirty="0" err="1"/>
-              <a:t>identifying</a:t>
-            </a:r>
-            <a:r>
-              <a:rPr lang="fi-FI" sz="1200" dirty="0"/>
-              <a:t> image </a:t>
-            </a:r>
-            <a:r>
-              <a:rPr lang="fi-FI" sz="1200" dirty="0" err="1"/>
-              <a:t>objects</a:t>
-            </a:r>
-            <a:endParaRPr lang="fi-FI" sz="1200" dirty="0"/>
-          </a:p>
-          <a:p>
-            <a:pPr marL="285750" indent="-285750">
-              <a:buFont typeface="Arial" panose="020B0604020202020204" pitchFamily="34" charset="0"/>
-              <a:buChar char="•"/>
-            </a:pPr>
-            <a:r>
-              <a:rPr lang="fi-FI" sz="1200" dirty="0" err="1"/>
-              <a:t>predicting</a:t>
-            </a:r>
-            <a:r>
-              <a:rPr lang="fi-FI" sz="1200" dirty="0"/>
-              <a:t> image </a:t>
-            </a:r>
-            <a:r>
-              <a:rPr lang="fi-FI" sz="1200" dirty="0" err="1"/>
-              <a:t>object</a:t>
-            </a:r>
-            <a:r>
-              <a:rPr lang="fi-FI" sz="1200" dirty="0"/>
-              <a:t> </a:t>
-            </a:r>
-            <a:r>
-              <a:rPr lang="fi-FI" sz="1200" dirty="0" err="1"/>
-              <a:t>locations</a:t>
-            </a:r>
-            <a:r>
-              <a:rPr lang="fi-FI" sz="1200" dirty="0"/>
-              <a:t> for </a:t>
-            </a:r>
-            <a:r>
-              <a:rPr lang="fi-FI" sz="1200" dirty="0" err="1"/>
-              <a:t>hidden</a:t>
-            </a:r>
-            <a:r>
-              <a:rPr lang="fi-FI" sz="1200" dirty="0"/>
-              <a:t> </a:t>
-            </a:r>
-            <a:r>
-              <a:rPr lang="fi-FI" sz="1200" dirty="0" err="1"/>
-              <a:t>objects</a:t>
-            </a:r>
-            <a:endParaRPr lang="fi-FI" sz="1200" dirty="0"/>
-          </a:p>
-          <a:p>
-            <a:pPr marL="285750" indent="-285750">
-              <a:buFont typeface="Arial" panose="020B0604020202020204" pitchFamily="34" charset="0"/>
-              <a:buChar char="•"/>
-            </a:pPr>
-            <a:endParaRPr lang="en-GB" sz="1200" dirty="0"/>
-          </a:p>
-        </p:txBody>
-      </p:sp>
-      <p:sp>
-        <p:nvSpPr>
-          <p:cNvPr id="11" name="Tekstiruutu 10">
-            <a:extLst>
-              <a:ext uri="{FF2B5EF4-FFF2-40B4-BE49-F238E27FC236}">
-                <a16:creationId xmlns:a16="http://schemas.microsoft.com/office/drawing/2014/main" id="{D1C0B85C-DDEF-4CCB-B745-B773EA571FE9}"/>
-              </a:ext>
-            </a:extLst>
-          </p:cNvPr>
-          <p:cNvSpPr txBox="1"/>
-          <p:nvPr/>
-        </p:nvSpPr>
-        <p:spPr>
-          <a:xfrm>
-            <a:off x="9660557" y="646967"/>
-            <a:ext cx="2194559" cy="2031325"/>
-          </a:xfrm>
-          <a:prstGeom prst="rect">
-            <a:avLst/>
-          </a:prstGeom>
-          <a:noFill/>
-        </p:spPr>
-        <p:txBody>
-          <a:bodyPr wrap="square" rtlCol="0">
-            <a:spAutoFit/>
-          </a:bodyPr>
-          <a:lstStyle/>
-          <a:p>
-            <a:r>
-              <a:rPr lang="fi-FI" sz="900" b="1" dirty="0"/>
-              <a:t>Image </a:t>
-            </a:r>
-            <a:r>
-              <a:rPr lang="fi-FI" sz="900" b="1" dirty="0" err="1"/>
-              <a:t>object</a:t>
-            </a:r>
-            <a:endParaRPr lang="fi-FI" sz="900" b="1" dirty="0"/>
-          </a:p>
-          <a:p>
-            <a:pPr marL="742950" lvl="1" indent="-285750">
-              <a:buFont typeface="Arial" panose="020B0604020202020204" pitchFamily="34" charset="0"/>
-              <a:buChar char="•"/>
-            </a:pPr>
-            <a:r>
-              <a:rPr lang="fi-FI" sz="900" dirty="0"/>
-              <a:t>id</a:t>
-            </a:r>
-          </a:p>
-          <a:p>
-            <a:pPr marL="742950" lvl="1" indent="-285750">
-              <a:buFont typeface="Arial" panose="020B0604020202020204" pitchFamily="34" charset="0"/>
-              <a:buChar char="•"/>
-            </a:pPr>
-            <a:r>
-              <a:rPr lang="fi-FI" sz="900" dirty="0"/>
-              <a:t>status</a:t>
-            </a:r>
-          </a:p>
-          <a:p>
-            <a:pPr marL="742950" lvl="1" indent="-285750">
-              <a:buFont typeface="Arial" panose="020B0604020202020204" pitchFamily="34" charset="0"/>
-              <a:buChar char="•"/>
-            </a:pPr>
-            <a:r>
-              <a:rPr lang="fi-FI" sz="900" dirty="0" err="1"/>
-              <a:t>x_min</a:t>
-            </a:r>
-            <a:endParaRPr lang="fi-FI" sz="900" dirty="0"/>
-          </a:p>
-          <a:p>
-            <a:pPr marL="742950" lvl="1" indent="-285750">
-              <a:buFont typeface="Arial" panose="020B0604020202020204" pitchFamily="34" charset="0"/>
-              <a:buChar char="•"/>
-            </a:pPr>
-            <a:r>
-              <a:rPr lang="fi-FI" sz="900" dirty="0" err="1"/>
-              <a:t>x_max</a:t>
-            </a:r>
-            <a:endParaRPr lang="fi-FI" sz="900" dirty="0"/>
-          </a:p>
-          <a:p>
-            <a:pPr marL="742950" lvl="1" indent="-285750">
-              <a:buFont typeface="Arial" panose="020B0604020202020204" pitchFamily="34" charset="0"/>
-              <a:buChar char="•"/>
-            </a:pPr>
-            <a:r>
-              <a:rPr lang="fi-FI" sz="900" dirty="0" err="1"/>
-              <a:t>y_min</a:t>
-            </a:r>
-            <a:endParaRPr lang="fi-FI" sz="900" dirty="0"/>
-          </a:p>
-          <a:p>
-            <a:pPr marL="742950" lvl="1" indent="-285750">
-              <a:buFont typeface="Arial" panose="020B0604020202020204" pitchFamily="34" charset="0"/>
-              <a:buChar char="•"/>
-            </a:pPr>
-            <a:r>
-              <a:rPr lang="fi-FI" sz="900" dirty="0" err="1"/>
-              <a:t>y_max</a:t>
-            </a:r>
-            <a:endParaRPr lang="fi-FI" sz="900" dirty="0"/>
-          </a:p>
-          <a:p>
-            <a:pPr marL="742950" lvl="1" indent="-285750">
-              <a:buFont typeface="Arial" panose="020B0604020202020204" pitchFamily="34" charset="0"/>
-              <a:buChar char="•"/>
-            </a:pPr>
-            <a:r>
-              <a:rPr lang="fi-FI" sz="900" dirty="0" err="1"/>
-              <a:t>vx_min</a:t>
-            </a:r>
-            <a:endParaRPr lang="fi-FI" sz="900" dirty="0"/>
-          </a:p>
-          <a:p>
-            <a:pPr marL="742950" lvl="1" indent="-285750">
-              <a:buFont typeface="Arial" panose="020B0604020202020204" pitchFamily="34" charset="0"/>
-              <a:buChar char="•"/>
-            </a:pPr>
-            <a:r>
-              <a:rPr lang="fi-FI" sz="900" dirty="0" err="1"/>
-              <a:t>vx_max</a:t>
-            </a:r>
-            <a:endParaRPr lang="fi-FI" sz="900" dirty="0"/>
-          </a:p>
-          <a:p>
-            <a:pPr marL="742950" lvl="1" indent="-285750">
-              <a:buFont typeface="Arial" panose="020B0604020202020204" pitchFamily="34" charset="0"/>
-              <a:buChar char="•"/>
-            </a:pPr>
-            <a:r>
-              <a:rPr lang="fi-FI" sz="900" dirty="0" err="1"/>
-              <a:t>vy_min</a:t>
-            </a:r>
-            <a:endParaRPr lang="fi-FI" sz="900" dirty="0"/>
-          </a:p>
-          <a:p>
-            <a:pPr marL="742950" lvl="1" indent="-285750">
-              <a:buFont typeface="Arial" panose="020B0604020202020204" pitchFamily="34" charset="0"/>
-              <a:buChar char="•"/>
-            </a:pPr>
-            <a:r>
-              <a:rPr lang="fi-FI" sz="900" dirty="0" err="1"/>
-              <a:t>vy_max</a:t>
-            </a:r>
-            <a:endParaRPr lang="fi-FI" sz="900" dirty="0"/>
-          </a:p>
-          <a:p>
-            <a:pPr marL="742950" lvl="1" indent="-285750">
-              <a:buFont typeface="Arial" panose="020B0604020202020204" pitchFamily="34" charset="0"/>
-              <a:buChar char="•"/>
-            </a:pPr>
-            <a:r>
-              <a:rPr lang="fi-FI" sz="900" dirty="0" err="1"/>
-              <a:t>class</a:t>
-            </a:r>
-            <a:endParaRPr lang="fi-FI" sz="900" dirty="0"/>
-          </a:p>
-          <a:p>
-            <a:pPr marL="742950" lvl="1" indent="-285750">
-              <a:buFont typeface="Arial" panose="020B0604020202020204" pitchFamily="34" charset="0"/>
-              <a:buChar char="•"/>
-            </a:pPr>
-            <a:r>
-              <a:rPr lang="fi-FI" sz="900" dirty="0" err="1"/>
-              <a:t>confidence</a:t>
-            </a:r>
-            <a:endParaRPr lang="fi-FI" sz="900" dirty="0"/>
-          </a:p>
-          <a:p>
-            <a:pPr marL="742950" lvl="1" indent="-285750">
-              <a:buFont typeface="Arial" panose="020B0604020202020204" pitchFamily="34" charset="0"/>
-              <a:buChar char="•"/>
-            </a:pPr>
-            <a:r>
-              <a:rPr lang="fi-FI" sz="900" dirty="0" err="1"/>
-              <a:t>appearance</a:t>
-            </a:r>
-            <a:endParaRPr lang="en-GB" sz="900" dirty="0"/>
-          </a:p>
-        </p:txBody>
-      </p:sp>
-      <p:sp>
-        <p:nvSpPr>
-          <p:cNvPr id="12" name="Tekstiruutu 11">
-            <a:extLst>
-              <a:ext uri="{FF2B5EF4-FFF2-40B4-BE49-F238E27FC236}">
-                <a16:creationId xmlns:a16="http://schemas.microsoft.com/office/drawing/2014/main" id="{0055E88A-FB29-4B73-9AC1-DA797C904430}"/>
-              </a:ext>
-            </a:extLst>
-          </p:cNvPr>
-          <p:cNvSpPr txBox="1"/>
-          <p:nvPr/>
-        </p:nvSpPr>
-        <p:spPr>
-          <a:xfrm>
-            <a:off x="5210629" y="2108122"/>
-            <a:ext cx="2142061" cy="369332"/>
-          </a:xfrm>
-          <a:prstGeom prst="rect">
-            <a:avLst/>
-          </a:prstGeom>
-          <a:noFill/>
-        </p:spPr>
-        <p:txBody>
-          <a:bodyPr wrap="none" rtlCol="0">
-            <a:spAutoFit/>
-          </a:bodyPr>
-          <a:lstStyle/>
-          <a:p>
-            <a:r>
               <a:rPr lang="fi-FI" dirty="0" err="1"/>
-              <a:t>Estimation</a:t>
+              <a:t>Good</a:t>
             </a:r>
             <a:r>
               <a:rPr lang="fi-FI" dirty="0"/>
@@ -7872,189 +7308,43 @@
             </a:r>
             <a:r>
               <a:rPr lang="fi-FI" dirty="0" err="1"/>
-              <a:t>algorithm</a:t>
-            </a:r>
-            <a:endParaRPr lang="en-GB" dirty="0"/>
-          </a:p>
-        </p:txBody>
-      </p:sp>
-      <p:pic>
-        <p:nvPicPr>
-          <p:cNvPr id="7" name="Kuva 6">
-            <a:extLst>
-              <a:ext uri="{FF2B5EF4-FFF2-40B4-BE49-F238E27FC236}">
-                <a16:creationId xmlns:a16="http://schemas.microsoft.com/office/drawing/2014/main" id="{136E1E2E-2147-4AF4-A2E5-97606A9C6109}"/>
-              </a:ext>
-            </a:extLst>
-          </p:cNvPr>
-          <p:cNvPicPr>
-            <a:picLocks noChangeAspect="1"/>
-          </p:cNvPicPr>
-          <p:nvPr/>
-        </p:nvPicPr>
-        <p:blipFill>
-          <a:blip r:embed="rId2"/>
-          <a:stretch>
-            <a:fillRect/>
-          </a:stretch>
-        </p:blipFill>
-        <p:spPr>
-          <a:xfrm>
-            <a:off x="5327391" y="2477454"/>
-            <a:ext cx="4029953" cy="3922267"/>
-          </a:xfrm>
-          <a:prstGeom prst="rect">
-            <a:avLst/>
-          </a:prstGeom>
-        </p:spPr>
-      </p:pic>
-      <p:sp>
-        <p:nvSpPr>
-          <p:cNvPr id="9" name="Tekstiruutu 8">
-            <a:extLst>
-              <a:ext uri="{FF2B5EF4-FFF2-40B4-BE49-F238E27FC236}">
-                <a16:creationId xmlns:a16="http://schemas.microsoft.com/office/drawing/2014/main" id="{F77F2547-D40C-4961-AC79-1DAF7909C200}"/>
-              </a:ext>
-            </a:extLst>
-          </p:cNvPr>
-          <p:cNvSpPr txBox="1"/>
-          <p:nvPr/>
-        </p:nvSpPr>
-        <p:spPr>
-          <a:xfrm>
-            <a:off x="7410339" y="5097316"/>
-            <a:ext cx="3730508" cy="400110"/>
-          </a:xfrm>
-          <a:prstGeom prst="rect">
-            <a:avLst/>
-          </a:prstGeom>
-          <a:noFill/>
-        </p:spPr>
-        <p:txBody>
-          <a:bodyPr wrap="none" rtlCol="0">
-            <a:spAutoFit/>
-          </a:bodyPr>
-          <a:lstStyle/>
-          <a:p>
-            <a:r>
-              <a:rPr lang="fi-FI" sz="1000" dirty="0" err="1"/>
-              <a:t>Numerical</a:t>
-            </a:r>
-            <a:r>
-              <a:rPr lang="fi-FI" sz="1000" dirty="0"/>
+              <a:t>way</a:t>
+            </a:r>
+            <a:r>
+              <a:rPr lang="fi-FI" dirty="0"/>
+              <a:t> of </a:t>
+            </a:r>
+            <a:r>
+              <a:rPr lang="fi-FI" dirty="0" err="1"/>
+              <a:t>following</a:t>
+            </a:r>
+            <a:r>
+              <a:rPr lang="fi-FI" dirty="0"/>
               <a:t> </a:t>
             </a:r>
             <a:r>
-              <a:rPr lang="fi-FI" sz="1000" dirty="0" err="1"/>
-              <a:t>values</a:t>
-            </a:r>
-            <a:r>
-              <a:rPr lang="fi-FI" sz="1000" dirty="0"/>
+              <a:rPr lang="fi-FI" dirty="0" err="1"/>
+              <a:t>new</a:t>
+            </a:r>
+            <a:r>
+              <a:rPr lang="fi-FI" dirty="0"/>
               <a:t> </a:t>
             </a:r>
             <a:r>
-              <a:rPr lang="fi-FI" sz="1000" dirty="0" err="1"/>
-              <a:t>are</a:t>
-            </a:r>
-            <a:r>
-              <a:rPr lang="fi-FI" sz="1000" dirty="0"/>
-              <a:t> </a:t>
-            </a:r>
-            <a:r>
-              <a:rPr lang="fi-FI" sz="1000" dirty="0" err="1"/>
-              <a:t>estimated</a:t>
-            </a:r>
-            <a:r>
-              <a:rPr lang="fi-FI" sz="1000" dirty="0"/>
-              <a:t> </a:t>
-            </a:r>
-            <a:r>
-              <a:rPr lang="fi-FI" sz="1000" dirty="0" err="1"/>
-              <a:t>using</a:t>
-            </a:r>
-            <a:r>
-              <a:rPr lang="fi-FI" sz="1000" dirty="0"/>
-              <a:t> </a:t>
-            </a:r>
-            <a:r>
-              <a:rPr lang="fi-FI" sz="1000" dirty="0" err="1"/>
-              <a:t>grid</a:t>
-            </a:r>
-            <a:r>
-              <a:rPr lang="fi-FI" sz="1000" dirty="0"/>
-              <a:t> </a:t>
-            </a:r>
-            <a:r>
-              <a:rPr lang="fi-FI" sz="1000" dirty="0" err="1"/>
-              <a:t>search</a:t>
-            </a:r>
-            <a:r>
-              <a:rPr lang="fi-FI" sz="1000" dirty="0"/>
-              <a:t> and 10 </a:t>
-            </a:r>
-            <a:r>
-              <a:rPr lang="fi-FI" sz="1000" dirty="0" err="1"/>
-              <a:t>step</a:t>
-            </a:r>
-            <a:r>
-              <a:rPr lang="fi-FI" sz="1000" dirty="0"/>
-              <a:t> </a:t>
-            </a:r>
-            <a:r>
-              <a:rPr lang="fi-FI" sz="1000" dirty="0" err="1"/>
-              <a:t>ahead</a:t>
-            </a:r>
-            <a:endParaRPr lang="fi-FI" sz="1000" dirty="0"/>
-          </a:p>
-          <a:p>
-            <a:r>
-              <a:rPr lang="fi-FI" sz="1000" dirty="0" err="1"/>
-              <a:t>mean</a:t>
-            </a:r>
-            <a:r>
-              <a:rPr lang="fi-FI" sz="1000" dirty="0"/>
-              <a:t> </a:t>
-            </a:r>
-            <a:r>
-              <a:rPr lang="fi-FI" sz="1000" dirty="0" err="1"/>
-              <a:t>prediction</a:t>
-            </a:r>
-            <a:r>
-              <a:rPr lang="fi-FI" sz="1000" dirty="0"/>
-              <a:t> </a:t>
-            </a:r>
-            <a:r>
-              <a:rPr lang="fi-FI" sz="1000" dirty="0" err="1"/>
-              <a:t>error</a:t>
-            </a:r>
-            <a:r>
-              <a:rPr lang="fi-FI" sz="1000" dirty="0"/>
-              <a:t>. </a:t>
-            </a:r>
-            <a:r>
-              <a:rPr lang="fi-FI" sz="1000" dirty="0" err="1"/>
-              <a:t>Values</a:t>
-            </a:r>
-            <a:r>
-              <a:rPr lang="fi-FI" sz="1000" dirty="0"/>
-              <a:t> </a:t>
-            </a:r>
-            <a:r>
-              <a:rPr lang="fi-FI" sz="1000" dirty="0" err="1"/>
-              <a:t>rounded</a:t>
-            </a:r>
-            <a:r>
-              <a:rPr lang="fi-FI" sz="1000" dirty="0"/>
-              <a:t>.</a:t>
-            </a:r>
-            <a:endParaRPr lang="en-GB" sz="1000" dirty="0"/>
+              <a:rPr lang="fi-FI" dirty="0" err="1"/>
+              <a:t>papers</a:t>
+            </a:r>
+            <a:r>
+              <a:rPr lang="fi-FI" dirty="0"/>
+              <a:t>?</a:t>
+            </a:r>
           </a:p>
         </p:txBody>
       </p:sp>
     </p:spTree>
     <p:extLst>
       <p:ext uri="{BB962C8B-B14F-4D97-AF65-F5344CB8AC3E}">
-        <p14:creationId xmlns:p14="http://schemas.microsoft.com/office/powerpoint/2010/main" val="3763392121"/>
+        <p14:creationId xmlns:p14="http://schemas.microsoft.com/office/powerpoint/2010/main" val="2980159203"/>
       </p:ext>
     </p:extLst>
   </p:cSld>
@@ -8064,17 +7354,9 @@
 </p:sld>
 </file>
 
-<file path=ppt/slides/slide4.xml><?xml version="1.0" encoding="utf-8"?>
+<file path=ppt/slides/slide16.xml><?xml version="1.0" encoding="utf-8"?>
 <p:sld xmlns:a="http://schemas.openxmlformats.org/drawingml/2006/main" xmlns:r="http://schemas.openxmlformats.org/officeDocument/2006/relationships" xmlns:p="http://schemas.openxmlformats.org/presentationml/2006/main">
   <p:cSld>
-    <p:bg>
-      <p:bgPr>
-        <a:solidFill>
-          <a:schemeClr val="bg1"/>
-        </a:solidFill>
-        <a:effectLst/>
-      </p:bgPr>
-    </p:bg>
     <p:spTree>
       <p:nvGrpSpPr>
         <p:cNvPr id="1" name=""/>
@@ -8091,129 +7373,51 @@
       </p:grpSpPr>
       <p:sp>
         <p:nvSpPr>
-          <p:cNvPr id="71" name="Rectangle 70">
-            <a:extLst>
-              <a:ext uri="{FF2B5EF4-FFF2-40B4-BE49-F238E27FC236}">
-                <a16:creationId xmlns:a16="http://schemas.microsoft.com/office/drawing/2014/main" id="{AB45A142-4255-493C-8284-5D566C121B10}"/>
+          <p:cNvPr id="2" name="Otsikko 1">
+            <a:extLst>
+              <a:ext uri="{FF2B5EF4-FFF2-40B4-BE49-F238E27FC236}">
+                <a16:creationId xmlns:a16="http://schemas.microsoft.com/office/drawing/2014/main" id="{49E609EE-A375-424B-9FE9-E5C311FC51C5}"/>
               </a:ext>
             </a:extLst>
           </p:cNvPr>
           <p:cNvSpPr>
-            <a:spLocks noGrp="1" noRot="1" noChangeAspect="1" noMove="1" noResize="1" noEditPoints="1" noAdjustHandles="1" noChangeArrowheads="1" noChangeShapeType="1" noTextEdit="1"/>
+            <a:spLocks noGrp="1"/>
           </p:cNvSpPr>
           <p:nvPr>
-            <p:extLst>
-              <p:ext uri="{386F3935-93C4-4BCD-93E2-E3B085C9AB24}">
-                <p16:designElem xmlns:p16="http://schemas.microsoft.com/office/powerpoint/2015/main" val="1"/>
-              </p:ext>
-            </p:extLst>
+            <p:ph type="ctrTitle"/>
           </p:nvPr>
         </p:nvSpPr>
-        <p:spPr bwMode="ltGray">
-          <a:xfrm>
-            <a:off x="336884" y="321177"/>
-            <a:ext cx="4332307" cy="6179552"/>
-          </a:xfrm>
-          <a:prstGeom prst="rect">
-            <a:avLst/>
-          </a:prstGeom>
-          <a:solidFill>
-            <a:schemeClr val="tx1">
-              <a:lumMod val="75000"/>
-              <a:lumOff val="25000"/>
-            </a:schemeClr>
-          </a:solidFill>
-          <a:ln w="127000" cap="sq" cmpd="thinThick">
-            <a:solidFill>
-              <a:schemeClr val="tx1">
-                <a:lumMod val="75000"/>
-                <a:lumOff val="25000"/>
-              </a:schemeClr>
-            </a:solidFill>
-          </a:ln>
-        </p:spPr>
-        <p:style>
-          <a:lnRef idx="2">
-            <a:schemeClr val="accent1">
-              <a:shade val="50000"/>
-            </a:schemeClr>
-          </a:lnRef>
-          <a:fillRef idx="1">
-            <a:schemeClr val="accent1"/>
-          </a:fillRef>
-          <a:effectRef idx="0">
-            <a:schemeClr val="accent1"/>
-          </a:effectRef>
-          <a:fontRef idx="minor">
-            <a:schemeClr val="lt1"/>
-          </a:fontRef>
-        </p:style>
-        <p:txBody>
-          <a:bodyPr rtlCol="0" anchor="ctr"/>
-          <a:lstStyle/>
-          <a:p>
-            <a:pPr algn="ctr"/>
-            <a:endParaRPr lang="en-US"/>
-          </a:p>
-        </p:txBody>
-      </p:sp>
-      <p:cxnSp>
-        <p:nvCxnSpPr>
-          <p:cNvPr id="73" name="Straight Connector 72">
-            <a:extLst>
-              <a:ext uri="{FF2B5EF4-FFF2-40B4-BE49-F238E27FC236}">
-                <a16:creationId xmlns:a16="http://schemas.microsoft.com/office/drawing/2014/main" id="{38FB9660-F42F-4313-BBC4-47C007FE484C}"/>
-              </a:ext>
-            </a:extLst>
-          </p:cNvPr>
-          <p:cNvCxnSpPr>
-            <a:cxnSpLocks noGrp="1" noRot="1" noChangeAspect="1" noMove="1" noResize="1" noEditPoints="1" noAdjustHandles="1" noChangeArrowheads="1" noChangeShapeType="1"/>
-          </p:cNvCxnSpPr>
-          <p:nvPr>
-            <p:extLst>
-              <p:ext uri="{386F3935-93C4-4BCD-93E2-E3B085C9AB24}">
-                <p16:designElem xmlns:p16="http://schemas.microsoft.com/office/powerpoint/2015/main" val="1"/>
-              </p:ext>
-            </p:extLst>
-          </p:nvPr>
-        </p:nvCxnSpPr>
-        <p:spPr>
-          <a:xfrm>
-            <a:off x="1191126" y="3910267"/>
-            <a:ext cx="2586790" cy="0"/>
-          </a:xfrm>
-          <a:prstGeom prst="line">
-            <a:avLst/>
-          </a:prstGeom>
-          <a:ln w="22225">
-            <a:solidFill>
-              <a:schemeClr val="bg1">
-                <a:lumMod val="85000"/>
-              </a:schemeClr>
-            </a:solidFill>
-          </a:ln>
-        </p:spPr>
-        <p:style>
-          <a:lnRef idx="1">
-            <a:schemeClr val="accent1"/>
-          </a:lnRef>
-          <a:fillRef idx="0">
-            <a:schemeClr val="accent1"/>
-          </a:fillRef>
-          <a:effectRef idx="0">
-            <a:schemeClr val="accent1"/>
-          </a:effectRef>
-          <a:fontRef idx="minor">
-            <a:schemeClr val="tx1"/>
-          </a:fontRef>
-        </p:style>
-      </p:cxnSp>
-      <p:sp>
-        <p:nvSpPr>
-          <p:cNvPr id="5" name="Tekstiruutu 4">
-            <a:extLst>
-              <a:ext uri="{FF2B5EF4-FFF2-40B4-BE49-F238E27FC236}">
-                <a16:creationId xmlns:a16="http://schemas.microsoft.com/office/drawing/2014/main" id="{96513FD4-02A8-4B70-98A1-6EDA16999002}"/>
+        <p:spPr/>
+        <p:txBody>
+          <a:bodyPr/>
+          <a:lstStyle/>
+          <a:p>
+            <a:r>
+              <a:rPr lang="fi-FI" dirty="0" err="1"/>
+              <a:t>Thank</a:t>
+            </a:r>
+            <a:r>
+              <a:rPr lang="fi-FI" dirty="0"/>
+              <a:t> </a:t>
+            </a:r>
+            <a:r>
+              <a:rPr lang="fi-FI" dirty="0" err="1"/>
+              <a:t>you</a:t>
+            </a:r>
+            <a:r>
+              <a:rPr lang="fi-FI" dirty="0"/>
+              <a:t>!</a:t>
+            </a:r>
+            <a:endParaRPr lang="en-GB" dirty="0"/>
+          </a:p>
+        </p:txBody>
+      </p:sp>
+      <p:sp>
+        <p:nvSpPr>
+          <p:cNvPr id="3" name="Tekstiruutu 2">
+            <a:extLst>
+              <a:ext uri="{FF2B5EF4-FFF2-40B4-BE49-F238E27FC236}">
+                <a16:creationId xmlns:a16="http://schemas.microsoft.com/office/drawing/2014/main" id="{1506AA38-8F86-4309-9943-7572D6D5FD0A}"/>
               </a:ext>
             </a:extLst>
           </p:cNvPr>
@@ -8222,68 +7426,8 @@
         </p:nvSpPr>
         <p:spPr>
           <a:xfrm>
-            <a:off x="501997" y="914400"/>
-            <a:ext cx="4103583" cy="2918123"/>
-          </a:xfrm>
-          <a:prstGeom prst="rect">
-            <a:avLst/>
-          </a:prstGeom>
-        </p:spPr>
-        <p:txBody>
-          <a:bodyPr vert="horz" lIns="91440" tIns="45720" rIns="91440" bIns="45720" rtlCol="0" anchor="b">
-            <a:normAutofit/>
-          </a:bodyPr>
-          <a:lstStyle/>
-          <a:p>
-            <a:pPr algn="ctr">
-              <a:lnSpc>
-                <a:spcPct val="90000"/>
-              </a:lnSpc>
-              <a:spcBef>
-                <a:spcPct val="0"/>
-              </a:spcBef>
-              <a:spcAft>
-                <a:spcPts val="600"/>
-              </a:spcAft>
-            </a:pPr>
-            <a:r>
-              <a:rPr lang="en-US" sz="4800" dirty="0">
-                <a:solidFill>
-                  <a:schemeClr val="bg1"/>
-                </a:solidFill>
-                <a:latin typeface="+mj-lt"/>
-                <a:ea typeface="+mj-ea"/>
-                <a:cs typeface="+mj-cs"/>
-              </a:rPr>
-              <a:t>Image Object Velocity Estimation</a:t>
-            </a:r>
-            <a:endParaRPr lang="en-US" sz="4800" kern="1200" dirty="0">
-              <a:solidFill>
-                <a:schemeClr val="bg1"/>
-              </a:solidFill>
-              <a:latin typeface="+mj-lt"/>
-              <a:ea typeface="+mj-ea"/>
-              <a:cs typeface="+mj-cs"/>
-            </a:endParaRPr>
-          </a:p>
-        </p:txBody>
-      </p:sp>
-      <p:sp>
-        <p:nvSpPr>
-          <p:cNvPr id="8" name="Tekstiruutu 7">
-            <a:extLst>
-              <a:ext uri="{FF2B5EF4-FFF2-40B4-BE49-F238E27FC236}">
-                <a16:creationId xmlns:a16="http://schemas.microsoft.com/office/drawing/2014/main" id="{9B206AA3-16A3-48F3-A1A4-0A4F62824601}"/>
-              </a:ext>
-            </a:extLst>
-          </p:cNvPr>
-          <p:cNvSpPr txBox="1"/>
-          <p:nvPr/>
-        </p:nvSpPr>
-        <p:spPr>
-          <a:xfrm>
-            <a:off x="5210629" y="277635"/>
-            <a:ext cx="2012346" cy="369332"/>
+            <a:off x="3872287" y="4812307"/>
+            <a:ext cx="4089196" cy="923330"/>
           </a:xfrm>
           <a:prstGeom prst="rect">
             <a:avLst/>
@@ -8296,370 +7440,35 @@
           </a:bodyPr>
           <a:lstStyle/>
           <a:p>
-            <a:r>
-              <a:rPr lang="fi-FI" dirty="0" err="1"/>
-              <a:t>Moving</a:t>
-            </a:r>
-            <a:r>
-              <a:rPr lang="fi-FI" dirty="0"/>
-              <a:t> </a:t>
-            </a:r>
-            <a:r>
-              <a:rPr lang="fi-FI" dirty="0" err="1"/>
-              <a:t>object</a:t>
-            </a:r>
-            <a:r>
-              <a:rPr lang="fi-FI" dirty="0"/>
-              <a:t> (</a:t>
-            </a:r>
-            <a:r>
-              <a:rPr lang="fi-FI" dirty="0" err="1"/>
-              <a:t>car</a:t>
-            </a:r>
-            <a:r>
-              <a:rPr lang="fi-FI" dirty="0"/>
-              <a:t>)</a:t>
+            <a:pPr algn="ctr"/>
+            <a:r>
+              <a:rPr lang="fi-FI" dirty="0">
+                <a:hlinkClick r:id="rId2"/>
+              </a:rPr>
+              <a:t>lampola@student.tut.fi</a:t>
+            </a:r>
+            <a:endParaRPr lang="fi-FI" dirty="0"/>
+          </a:p>
+          <a:p>
+            <a:pPr algn="ctr"/>
+            <a:r>
+              <a:rPr lang="en-GB" dirty="0">
+                <a:hlinkClick r:id="rId3"/>
+              </a:rPr>
+              <a:t>https://github.com/SakariLampola/Thesis</a:t>
             </a:r>
             <a:endParaRPr lang="en-GB" dirty="0"/>
           </a:p>
-        </p:txBody>
-      </p:sp>
-      <p:pic>
-        <p:nvPicPr>
-          <p:cNvPr id="2" name="Kuva 1">
-            <a:extLst>
-              <a:ext uri="{FF2B5EF4-FFF2-40B4-BE49-F238E27FC236}">
-                <a16:creationId xmlns:a16="http://schemas.microsoft.com/office/drawing/2014/main" id="{85B2F468-93D9-4C02-91D7-B3A80D2AA1A4}"/>
-              </a:ext>
-            </a:extLst>
-          </p:cNvPr>
-          <p:cNvPicPr>
-            <a:picLocks noChangeAspect="1"/>
-          </p:cNvPicPr>
-          <p:nvPr/>
-        </p:nvPicPr>
-        <p:blipFill>
-          <a:blip r:embed="rId2"/>
-          <a:stretch>
-            <a:fillRect/>
-          </a:stretch>
-        </p:blipFill>
-        <p:spPr>
-          <a:xfrm>
-            <a:off x="5263491" y="955950"/>
-            <a:ext cx="2906732" cy="1999880"/>
-          </a:xfrm>
-          <a:prstGeom prst="rect">
-            <a:avLst/>
-          </a:prstGeom>
-        </p:spPr>
-      </p:pic>
-      <p:sp>
-        <p:nvSpPr>
-          <p:cNvPr id="3" name="Tekstiruutu 2">
-            <a:extLst>
-              <a:ext uri="{FF2B5EF4-FFF2-40B4-BE49-F238E27FC236}">
-                <a16:creationId xmlns:a16="http://schemas.microsoft.com/office/drawing/2014/main" id="{E022C834-D3DD-42C3-A8A3-5F3C71A7619D}"/>
-              </a:ext>
-            </a:extLst>
-          </p:cNvPr>
-          <p:cNvSpPr txBox="1"/>
-          <p:nvPr/>
-        </p:nvSpPr>
-        <p:spPr>
-          <a:xfrm>
-            <a:off x="5356054" y="2939584"/>
-            <a:ext cx="2273379" cy="215444"/>
-          </a:xfrm>
-          <a:prstGeom prst="rect">
-            <a:avLst/>
-          </a:prstGeom>
-          <a:noFill/>
-        </p:spPr>
-        <p:txBody>
-          <a:bodyPr wrap="none" rtlCol="0">
-            <a:spAutoFit/>
-          </a:bodyPr>
-          <a:lstStyle/>
-          <a:p>
-            <a:r>
-              <a:rPr lang="fi-FI" sz="800" dirty="0" err="1"/>
-              <a:t>Measured</a:t>
-            </a:r>
-            <a:r>
-              <a:rPr lang="fi-FI" sz="800" dirty="0"/>
-              <a:t> and </a:t>
-            </a:r>
-            <a:r>
-              <a:rPr lang="fi-FI" sz="800" dirty="0" err="1"/>
-              <a:t>filtered</a:t>
-            </a:r>
-            <a:r>
-              <a:rPr lang="fi-FI" sz="800" dirty="0"/>
-              <a:t> </a:t>
-            </a:r>
-            <a:r>
-              <a:rPr lang="fi-FI" sz="800" dirty="0" err="1"/>
-              <a:t>location</a:t>
-            </a:r>
-            <a:r>
-              <a:rPr lang="fi-FI" sz="800" dirty="0"/>
-              <a:t> (</a:t>
-            </a:r>
-            <a:r>
-              <a:rPr lang="fi-FI" sz="800" dirty="0" err="1"/>
-              <a:t>upper</a:t>
-            </a:r>
-            <a:r>
-              <a:rPr lang="fi-FI" sz="800" dirty="0"/>
-              <a:t> </a:t>
-            </a:r>
-            <a:r>
-              <a:rPr lang="fi-FI" sz="800" dirty="0" err="1"/>
-              <a:t>left</a:t>
-            </a:r>
-            <a:r>
-              <a:rPr lang="fi-FI" sz="800" dirty="0"/>
-              <a:t> </a:t>
-            </a:r>
-            <a:r>
-              <a:rPr lang="fi-FI" sz="800" dirty="0" err="1"/>
-              <a:t>corner</a:t>
-            </a:r>
-            <a:r>
-              <a:rPr lang="fi-FI" sz="800" dirty="0"/>
-              <a:t>)</a:t>
-            </a:r>
-            <a:endParaRPr lang="en-GB" sz="800" dirty="0"/>
-          </a:p>
-        </p:txBody>
-      </p:sp>
-      <p:pic>
-        <p:nvPicPr>
-          <p:cNvPr id="6" name="Kuva 5">
-            <a:extLst>
-              <a:ext uri="{FF2B5EF4-FFF2-40B4-BE49-F238E27FC236}">
-                <a16:creationId xmlns:a16="http://schemas.microsoft.com/office/drawing/2014/main" id="{8D319349-0F6D-4590-96C3-51318B343936}"/>
-              </a:ext>
-            </a:extLst>
-          </p:cNvPr>
-          <p:cNvPicPr>
-            <a:picLocks noChangeAspect="1"/>
-          </p:cNvPicPr>
-          <p:nvPr/>
-        </p:nvPicPr>
-        <p:blipFill>
-          <a:blip r:embed="rId3"/>
-          <a:stretch>
-            <a:fillRect/>
-          </a:stretch>
-        </p:blipFill>
-        <p:spPr>
-          <a:xfrm>
-            <a:off x="8342724" y="952761"/>
-            <a:ext cx="2924749" cy="1999880"/>
-          </a:xfrm>
-          <a:prstGeom prst="rect">
-            <a:avLst/>
-          </a:prstGeom>
-        </p:spPr>
-      </p:pic>
-      <p:sp>
-        <p:nvSpPr>
-          <p:cNvPr id="14" name="Tekstiruutu 13">
-            <a:extLst>
-              <a:ext uri="{FF2B5EF4-FFF2-40B4-BE49-F238E27FC236}">
-                <a16:creationId xmlns:a16="http://schemas.microsoft.com/office/drawing/2014/main" id="{6D849E38-B2E4-4FC2-85B3-B39442565905}"/>
-              </a:ext>
-            </a:extLst>
-          </p:cNvPr>
-          <p:cNvSpPr txBox="1"/>
-          <p:nvPr/>
-        </p:nvSpPr>
-        <p:spPr>
-          <a:xfrm>
-            <a:off x="8450037" y="2955830"/>
-            <a:ext cx="949299" cy="215444"/>
-          </a:xfrm>
-          <a:prstGeom prst="rect">
-            <a:avLst/>
-          </a:prstGeom>
-          <a:noFill/>
-        </p:spPr>
-        <p:txBody>
-          <a:bodyPr wrap="none" rtlCol="0">
-            <a:spAutoFit/>
-          </a:bodyPr>
-          <a:lstStyle/>
-          <a:p>
-            <a:r>
-              <a:rPr lang="fi-FI" sz="800" dirty="0" err="1"/>
-              <a:t>Estimated</a:t>
-            </a:r>
-            <a:r>
-              <a:rPr lang="fi-FI" sz="800" dirty="0"/>
-              <a:t> </a:t>
-            </a:r>
-            <a:r>
-              <a:rPr lang="fi-FI" sz="800" dirty="0" err="1"/>
-              <a:t>velocity</a:t>
-            </a:r>
-            <a:endParaRPr lang="en-GB" sz="800" dirty="0"/>
-          </a:p>
-        </p:txBody>
-      </p:sp>
-      <p:pic>
-        <p:nvPicPr>
-          <p:cNvPr id="10" name="Kuva 9">
-            <a:extLst>
-              <a:ext uri="{FF2B5EF4-FFF2-40B4-BE49-F238E27FC236}">
-                <a16:creationId xmlns:a16="http://schemas.microsoft.com/office/drawing/2014/main" id="{A13C760E-BA1B-4FF9-BB89-A2CD5F00DEB9}"/>
-              </a:ext>
-            </a:extLst>
-          </p:cNvPr>
-          <p:cNvPicPr>
-            <a:picLocks noChangeAspect="1"/>
-          </p:cNvPicPr>
-          <p:nvPr/>
-        </p:nvPicPr>
-        <p:blipFill>
-          <a:blip r:embed="rId4"/>
-          <a:stretch>
-            <a:fillRect/>
-          </a:stretch>
-        </p:blipFill>
-        <p:spPr>
-          <a:xfrm>
-            <a:off x="5263491" y="3628460"/>
-            <a:ext cx="2906732" cy="1992322"/>
-          </a:xfrm>
-          <a:prstGeom prst="rect">
-            <a:avLst/>
-          </a:prstGeom>
-        </p:spPr>
-      </p:pic>
-      <p:sp>
-        <p:nvSpPr>
-          <p:cNvPr id="16" name="Tekstiruutu 15">
-            <a:extLst>
-              <a:ext uri="{FF2B5EF4-FFF2-40B4-BE49-F238E27FC236}">
-                <a16:creationId xmlns:a16="http://schemas.microsoft.com/office/drawing/2014/main" id="{65803031-0CCF-453A-B280-A6410B1621CD}"/>
-              </a:ext>
-            </a:extLst>
-          </p:cNvPr>
-          <p:cNvSpPr txBox="1"/>
-          <p:nvPr/>
-        </p:nvSpPr>
-        <p:spPr>
-          <a:xfrm>
-            <a:off x="5356054" y="5752056"/>
-            <a:ext cx="918841" cy="215444"/>
-          </a:xfrm>
-          <a:prstGeom prst="rect">
-            <a:avLst/>
-          </a:prstGeom>
-          <a:noFill/>
-        </p:spPr>
-        <p:txBody>
-          <a:bodyPr wrap="none" rtlCol="0">
-            <a:spAutoFit/>
-          </a:bodyPr>
-          <a:lstStyle/>
-          <a:p>
-            <a:r>
-              <a:rPr lang="fi-FI" sz="800" dirty="0" err="1"/>
-              <a:t>Location</a:t>
-            </a:r>
-            <a:r>
-              <a:rPr lang="fi-FI" sz="800" dirty="0"/>
-              <a:t> </a:t>
-            </a:r>
-            <a:r>
-              <a:rPr lang="fi-FI" sz="800" dirty="0" err="1"/>
-              <a:t>variance</a:t>
-            </a:r>
-            <a:endParaRPr lang="en-GB" sz="800" dirty="0"/>
-          </a:p>
-        </p:txBody>
-      </p:sp>
-      <p:pic>
-        <p:nvPicPr>
-          <p:cNvPr id="13" name="Kuva 12">
-            <a:extLst>
-              <a:ext uri="{FF2B5EF4-FFF2-40B4-BE49-F238E27FC236}">
-                <a16:creationId xmlns:a16="http://schemas.microsoft.com/office/drawing/2014/main" id="{D8EA34DE-DAA6-484F-A948-BA89448DC6F0}"/>
-              </a:ext>
-            </a:extLst>
-          </p:cNvPr>
-          <p:cNvPicPr>
-            <a:picLocks noChangeAspect="1"/>
-          </p:cNvPicPr>
-          <p:nvPr/>
-        </p:nvPicPr>
-        <p:blipFill>
-          <a:blip r:embed="rId5"/>
-          <a:stretch>
-            <a:fillRect/>
-          </a:stretch>
-        </p:blipFill>
-        <p:spPr>
-          <a:xfrm>
-            <a:off x="8342724" y="3628460"/>
-            <a:ext cx="2935118" cy="1992322"/>
-          </a:xfrm>
-          <a:prstGeom prst="rect">
-            <a:avLst/>
-          </a:prstGeom>
-        </p:spPr>
-      </p:pic>
-      <p:sp>
-        <p:nvSpPr>
-          <p:cNvPr id="18" name="Tekstiruutu 17">
-            <a:extLst>
-              <a:ext uri="{FF2B5EF4-FFF2-40B4-BE49-F238E27FC236}">
-                <a16:creationId xmlns:a16="http://schemas.microsoft.com/office/drawing/2014/main" id="{BD3E7608-9966-4A17-8503-C32F66CAF62D}"/>
-              </a:ext>
-            </a:extLst>
-          </p:cNvPr>
-          <p:cNvSpPr txBox="1"/>
-          <p:nvPr/>
-        </p:nvSpPr>
-        <p:spPr>
-          <a:xfrm>
-            <a:off x="8476486" y="5752056"/>
-            <a:ext cx="896399" cy="215444"/>
-          </a:xfrm>
-          <a:prstGeom prst="rect">
-            <a:avLst/>
-          </a:prstGeom>
-          <a:noFill/>
-        </p:spPr>
-        <p:txBody>
-          <a:bodyPr wrap="none" rtlCol="0">
-            <a:spAutoFit/>
-          </a:bodyPr>
-          <a:lstStyle/>
-          <a:p>
-            <a:r>
-              <a:rPr lang="fi-FI" sz="800" dirty="0" err="1"/>
-              <a:t>Velocity</a:t>
-            </a:r>
-            <a:r>
-              <a:rPr lang="fi-FI" sz="800" dirty="0"/>
-              <a:t> </a:t>
-            </a:r>
-            <a:r>
-              <a:rPr lang="fi-FI" sz="800" dirty="0" err="1"/>
-              <a:t>variance</a:t>
-            </a:r>
-            <a:endParaRPr lang="en-GB" sz="800" dirty="0"/>
+          <a:p>
+            <a:pPr algn="ctr"/>
+            <a:endParaRPr lang="en-GB" dirty="0"/>
           </a:p>
         </p:txBody>
       </p:sp>
     </p:spTree>
     <p:extLst>
       <p:ext uri="{BB962C8B-B14F-4D97-AF65-F5344CB8AC3E}">
-        <p14:creationId xmlns:p14="http://schemas.microsoft.com/office/powerpoint/2010/main" val="478398921"/>
+        <p14:creationId xmlns:p14="http://schemas.microsoft.com/office/powerpoint/2010/main" val="4154642894"/>
       </p:ext>
     </p:extLst>
   </p:cSld>
@@ -8669,1362 +7478,7 @@
 </p:sld>
 </file>
 
-<file path=ppt/slides/slide5.xml><?xml version="1.0" encoding="utf-8"?>
-<p:sld xmlns:a="http://schemas.openxmlformats.org/drawingml/2006/main" xmlns:r="http://schemas.openxmlformats.org/officeDocument/2006/relationships" xmlns:p="http://schemas.openxmlformats.org/presentationml/2006/main">
-  <p:cSld>
-    <p:bg>
-      <p:bgPr>
-        <a:solidFill>
-          <a:schemeClr val="bg1"/>
-        </a:solidFill>
-        <a:effectLst/>
-      </p:bgPr>
-    </p:bg>
-    <p:spTree>
-      <p:nvGrpSpPr>
-        <p:cNvPr id="1" name=""/>
-        <p:cNvGrpSpPr/>
-        <p:nvPr/>
-      </p:nvGrpSpPr>
-      <p:grpSpPr>
-        <a:xfrm>
-          <a:off x="0" y="0"/>
-          <a:ext cx="0" cy="0"/>
-          <a:chOff x="0" y="0"/>
-          <a:chExt cx="0" cy="0"/>
-        </a:xfrm>
-      </p:grpSpPr>
-      <p:sp>
-        <p:nvSpPr>
-          <p:cNvPr id="71" name="Rectangle 70">
-            <a:extLst>
-              <a:ext uri="{FF2B5EF4-FFF2-40B4-BE49-F238E27FC236}">
-                <a16:creationId xmlns:a16="http://schemas.microsoft.com/office/drawing/2014/main" id="{AB45A142-4255-493C-8284-5D566C121B10}"/>
-              </a:ext>
-            </a:extLst>
-          </p:cNvPr>
-          <p:cNvSpPr>
-            <a:spLocks noGrp="1" noRot="1" noChangeAspect="1" noMove="1" noResize="1" noEditPoints="1" noAdjustHandles="1" noChangeArrowheads="1" noChangeShapeType="1" noTextEdit="1"/>
-          </p:cNvSpPr>
-          <p:nvPr>
-            <p:extLst>
-              <p:ext uri="{386F3935-93C4-4BCD-93E2-E3B085C9AB24}">
-                <p16:designElem xmlns:p16="http://schemas.microsoft.com/office/powerpoint/2015/main" val="1"/>
-              </p:ext>
-            </p:extLst>
-          </p:nvPr>
-        </p:nvSpPr>
-        <p:spPr bwMode="ltGray">
-          <a:xfrm>
-            <a:off x="336884" y="321177"/>
-            <a:ext cx="4332307" cy="6179552"/>
-          </a:xfrm>
-          <a:prstGeom prst="rect">
-            <a:avLst/>
-          </a:prstGeom>
-          <a:solidFill>
-            <a:schemeClr val="tx1">
-              <a:lumMod val="75000"/>
-              <a:lumOff val="25000"/>
-            </a:schemeClr>
-          </a:solidFill>
-          <a:ln w="127000" cap="sq" cmpd="thinThick">
-            <a:solidFill>
-              <a:schemeClr val="tx1">
-                <a:lumMod val="75000"/>
-                <a:lumOff val="25000"/>
-              </a:schemeClr>
-            </a:solidFill>
-          </a:ln>
-        </p:spPr>
-        <p:style>
-          <a:lnRef idx="2">
-            <a:schemeClr val="accent1">
-              <a:shade val="50000"/>
-            </a:schemeClr>
-          </a:lnRef>
-          <a:fillRef idx="1">
-            <a:schemeClr val="accent1"/>
-          </a:fillRef>
-          <a:effectRef idx="0">
-            <a:schemeClr val="accent1"/>
-          </a:effectRef>
-          <a:fontRef idx="minor">
-            <a:schemeClr val="lt1"/>
-          </a:fontRef>
-        </p:style>
-        <p:txBody>
-          <a:bodyPr rtlCol="0" anchor="ctr"/>
-          <a:lstStyle/>
-          <a:p>
-            <a:pPr algn="ctr"/>
-            <a:endParaRPr lang="en-US"/>
-          </a:p>
-        </p:txBody>
-      </p:sp>
-      <p:cxnSp>
-        <p:nvCxnSpPr>
-          <p:cNvPr id="73" name="Straight Connector 72">
-            <a:extLst>
-              <a:ext uri="{FF2B5EF4-FFF2-40B4-BE49-F238E27FC236}">
-                <a16:creationId xmlns:a16="http://schemas.microsoft.com/office/drawing/2014/main" id="{38FB9660-F42F-4313-BBC4-47C007FE484C}"/>
-              </a:ext>
-            </a:extLst>
-          </p:cNvPr>
-          <p:cNvCxnSpPr>
-            <a:cxnSpLocks noGrp="1" noRot="1" noChangeAspect="1" noMove="1" noResize="1" noEditPoints="1" noAdjustHandles="1" noChangeArrowheads="1" noChangeShapeType="1"/>
-          </p:cNvCxnSpPr>
-          <p:nvPr>
-            <p:extLst>
-              <p:ext uri="{386F3935-93C4-4BCD-93E2-E3B085C9AB24}">
-                <p16:designElem xmlns:p16="http://schemas.microsoft.com/office/powerpoint/2015/main" val="1"/>
-              </p:ext>
-            </p:extLst>
-          </p:nvPr>
-        </p:nvCxnSpPr>
-        <p:spPr>
-          <a:xfrm>
-            <a:off x="1191126" y="3910267"/>
-            <a:ext cx="2586790" cy="0"/>
-          </a:xfrm>
-          <a:prstGeom prst="line">
-            <a:avLst/>
-          </a:prstGeom>
-          <a:ln w="22225">
-            <a:solidFill>
-              <a:schemeClr val="bg1">
-                <a:lumMod val="85000"/>
-              </a:schemeClr>
-            </a:solidFill>
-          </a:ln>
-        </p:spPr>
-        <p:style>
-          <a:lnRef idx="1">
-            <a:schemeClr val="accent1"/>
-          </a:lnRef>
-          <a:fillRef idx="0">
-            <a:schemeClr val="accent1"/>
-          </a:fillRef>
-          <a:effectRef idx="0">
-            <a:schemeClr val="accent1"/>
-          </a:effectRef>
-          <a:fontRef idx="minor">
-            <a:schemeClr val="tx1"/>
-          </a:fontRef>
-        </p:style>
-      </p:cxnSp>
-      <p:sp>
-        <p:nvSpPr>
-          <p:cNvPr id="5" name="Tekstiruutu 4">
-            <a:extLst>
-              <a:ext uri="{FF2B5EF4-FFF2-40B4-BE49-F238E27FC236}">
-                <a16:creationId xmlns:a16="http://schemas.microsoft.com/office/drawing/2014/main" id="{96513FD4-02A8-4B70-98A1-6EDA16999002}"/>
-              </a:ext>
-            </a:extLst>
-          </p:cNvPr>
-          <p:cNvSpPr txBox="1"/>
-          <p:nvPr/>
-        </p:nvSpPr>
-        <p:spPr>
-          <a:xfrm>
-            <a:off x="501997" y="914400"/>
-            <a:ext cx="4103583" cy="2918123"/>
-          </a:xfrm>
-          <a:prstGeom prst="rect">
-            <a:avLst/>
-          </a:prstGeom>
-        </p:spPr>
-        <p:txBody>
-          <a:bodyPr vert="horz" lIns="91440" tIns="45720" rIns="91440" bIns="45720" rtlCol="0" anchor="b">
-            <a:normAutofit/>
-          </a:bodyPr>
-          <a:lstStyle/>
-          <a:p>
-            <a:pPr algn="ctr">
-              <a:lnSpc>
-                <a:spcPct val="90000"/>
-              </a:lnSpc>
-              <a:spcBef>
-                <a:spcPct val="0"/>
-              </a:spcBef>
-              <a:spcAft>
-                <a:spcPts val="600"/>
-              </a:spcAft>
-            </a:pPr>
-            <a:r>
-              <a:rPr lang="en-US" sz="4800" dirty="0">
-                <a:solidFill>
-                  <a:schemeClr val="bg1"/>
-                </a:solidFill>
-                <a:latin typeface="+mj-lt"/>
-                <a:ea typeface="+mj-ea"/>
-                <a:cs typeface="+mj-cs"/>
-              </a:rPr>
-              <a:t>Image Object Velocity Estimation</a:t>
-            </a:r>
-            <a:endParaRPr lang="en-US" sz="4800" kern="1200" dirty="0">
-              <a:solidFill>
-                <a:schemeClr val="bg1"/>
-              </a:solidFill>
-              <a:latin typeface="+mj-lt"/>
-              <a:ea typeface="+mj-ea"/>
-              <a:cs typeface="+mj-cs"/>
-            </a:endParaRPr>
-          </a:p>
-        </p:txBody>
-      </p:sp>
-      <p:sp>
-        <p:nvSpPr>
-          <p:cNvPr id="8" name="Tekstiruutu 7">
-            <a:extLst>
-              <a:ext uri="{FF2B5EF4-FFF2-40B4-BE49-F238E27FC236}">
-                <a16:creationId xmlns:a16="http://schemas.microsoft.com/office/drawing/2014/main" id="{9B206AA3-16A3-48F3-A1A4-0A4F62824601}"/>
-              </a:ext>
-            </a:extLst>
-          </p:cNvPr>
-          <p:cNvSpPr txBox="1"/>
-          <p:nvPr/>
-        </p:nvSpPr>
-        <p:spPr>
-          <a:xfrm>
-            <a:off x="5210629" y="277635"/>
-            <a:ext cx="2012346" cy="369332"/>
-          </a:xfrm>
-          <a:prstGeom prst="rect">
-            <a:avLst/>
-          </a:prstGeom>
-          <a:noFill/>
-        </p:spPr>
-        <p:txBody>
-          <a:bodyPr wrap="none" rtlCol="0">
-            <a:spAutoFit/>
-          </a:bodyPr>
-          <a:lstStyle/>
-          <a:p>
-            <a:r>
-              <a:rPr lang="fi-FI" dirty="0" err="1"/>
-              <a:t>Moving</a:t>
-            </a:r>
-            <a:r>
-              <a:rPr lang="fi-FI" dirty="0"/>
-              <a:t> </a:t>
-            </a:r>
-            <a:r>
-              <a:rPr lang="fi-FI" dirty="0" err="1"/>
-              <a:t>object</a:t>
-            </a:r>
-            <a:r>
-              <a:rPr lang="fi-FI" dirty="0"/>
-              <a:t> (</a:t>
-            </a:r>
-            <a:r>
-              <a:rPr lang="fi-FI" dirty="0" err="1"/>
-              <a:t>car</a:t>
-            </a:r>
-            <a:r>
-              <a:rPr lang="fi-FI" dirty="0"/>
-              <a:t>)</a:t>
-            </a:r>
-            <a:endParaRPr lang="en-GB" dirty="0"/>
-          </a:p>
-        </p:txBody>
-      </p:sp>
-      <p:sp>
-        <p:nvSpPr>
-          <p:cNvPr id="16" name="Tekstiruutu 15">
-            <a:extLst>
-              <a:ext uri="{FF2B5EF4-FFF2-40B4-BE49-F238E27FC236}">
-                <a16:creationId xmlns:a16="http://schemas.microsoft.com/office/drawing/2014/main" id="{65803031-0CCF-453A-B280-A6410B1621CD}"/>
-              </a:ext>
-            </a:extLst>
-          </p:cNvPr>
-          <p:cNvSpPr txBox="1"/>
-          <p:nvPr/>
-        </p:nvSpPr>
-        <p:spPr>
-          <a:xfrm>
-            <a:off x="6639666" y="5645178"/>
-            <a:ext cx="1717137" cy="215444"/>
-          </a:xfrm>
-          <a:prstGeom prst="rect">
-            <a:avLst/>
-          </a:prstGeom>
-          <a:noFill/>
-        </p:spPr>
-        <p:txBody>
-          <a:bodyPr wrap="none" rtlCol="0">
-            <a:spAutoFit/>
-          </a:bodyPr>
-          <a:lstStyle/>
-          <a:p>
-            <a:r>
-              <a:rPr lang="fi-FI" sz="800" dirty="0"/>
-              <a:t>10 </a:t>
-            </a:r>
-            <a:r>
-              <a:rPr lang="fi-FI" sz="800" dirty="0" err="1"/>
-              <a:t>step</a:t>
-            </a:r>
-            <a:r>
-              <a:rPr lang="fi-FI" sz="800" dirty="0"/>
-              <a:t> </a:t>
-            </a:r>
-            <a:r>
-              <a:rPr lang="fi-FI" sz="800" dirty="0" err="1"/>
-              <a:t>ahead</a:t>
-            </a:r>
-            <a:r>
-              <a:rPr lang="fi-FI" sz="800" dirty="0"/>
-              <a:t> </a:t>
-            </a:r>
-            <a:r>
-              <a:rPr lang="fi-FI" sz="800" dirty="0" err="1"/>
-              <a:t>mean</a:t>
-            </a:r>
-            <a:r>
-              <a:rPr lang="fi-FI" sz="800" dirty="0"/>
-              <a:t> </a:t>
-            </a:r>
-            <a:r>
-              <a:rPr lang="fi-FI" sz="800" dirty="0" err="1"/>
-              <a:t>prediction</a:t>
-            </a:r>
-            <a:r>
-              <a:rPr lang="fi-FI" sz="800" dirty="0"/>
-              <a:t> </a:t>
-            </a:r>
-            <a:r>
-              <a:rPr lang="fi-FI" sz="800" dirty="0" err="1"/>
-              <a:t>error</a:t>
-            </a:r>
-            <a:endParaRPr lang="en-GB" sz="800" dirty="0"/>
-          </a:p>
-        </p:txBody>
-      </p:sp>
-      <p:pic>
-        <p:nvPicPr>
-          <p:cNvPr id="4" name="Kuva 3">
-            <a:extLst>
-              <a:ext uri="{FF2B5EF4-FFF2-40B4-BE49-F238E27FC236}">
-                <a16:creationId xmlns:a16="http://schemas.microsoft.com/office/drawing/2014/main" id="{5D4DD590-44E2-4751-9866-9ACC9C3B16E7}"/>
-              </a:ext>
-            </a:extLst>
-          </p:cNvPr>
-          <p:cNvPicPr>
-            <a:picLocks noChangeAspect="1"/>
-          </p:cNvPicPr>
-          <p:nvPr/>
-        </p:nvPicPr>
-        <p:blipFill>
-          <a:blip r:embed="rId2"/>
-          <a:stretch>
-            <a:fillRect/>
-          </a:stretch>
-        </p:blipFill>
-        <p:spPr>
-          <a:xfrm>
-            <a:off x="6556663" y="1226691"/>
-            <a:ext cx="3109486" cy="4313774"/>
-          </a:xfrm>
-          <a:prstGeom prst="rect">
-            <a:avLst/>
-          </a:prstGeom>
-        </p:spPr>
-      </p:pic>
-    </p:spTree>
-    <p:extLst>
-      <p:ext uri="{BB962C8B-B14F-4D97-AF65-F5344CB8AC3E}">
-        <p14:creationId xmlns:p14="http://schemas.microsoft.com/office/powerpoint/2010/main" val="3498217657"/>
-      </p:ext>
-    </p:extLst>
-  </p:cSld>
-  <p:clrMapOvr>
-    <a:masterClrMapping/>
-  </p:clrMapOvr>
-</p:sld>
-</file>
-
-<file path=ppt/slides/slide6.xml><?xml version="1.0" encoding="utf-8"?>
-<p:sld xmlns:a="http://schemas.openxmlformats.org/drawingml/2006/main" xmlns:r="http://schemas.openxmlformats.org/officeDocument/2006/relationships" xmlns:p="http://schemas.openxmlformats.org/presentationml/2006/main">
-  <p:cSld>
-    <p:bg>
-      <p:bgPr>
-        <a:solidFill>
-          <a:schemeClr val="bg1"/>
-        </a:solidFill>
-        <a:effectLst/>
-      </p:bgPr>
-    </p:bg>
-    <p:spTree>
-      <p:nvGrpSpPr>
-        <p:cNvPr id="1" name=""/>
-        <p:cNvGrpSpPr/>
-        <p:nvPr/>
-      </p:nvGrpSpPr>
-      <p:grpSpPr>
-        <a:xfrm>
-          <a:off x="0" y="0"/>
-          <a:ext cx="0" cy="0"/>
-          <a:chOff x="0" y="0"/>
-          <a:chExt cx="0" cy="0"/>
-        </a:xfrm>
-      </p:grpSpPr>
-      <p:sp>
-        <p:nvSpPr>
-          <p:cNvPr id="71" name="Rectangle 70">
-            <a:extLst>
-              <a:ext uri="{FF2B5EF4-FFF2-40B4-BE49-F238E27FC236}">
-                <a16:creationId xmlns:a16="http://schemas.microsoft.com/office/drawing/2014/main" id="{AB45A142-4255-493C-8284-5D566C121B10}"/>
-              </a:ext>
-            </a:extLst>
-          </p:cNvPr>
-          <p:cNvSpPr>
-            <a:spLocks noGrp="1" noRot="1" noChangeAspect="1" noMove="1" noResize="1" noEditPoints="1" noAdjustHandles="1" noChangeArrowheads="1" noChangeShapeType="1" noTextEdit="1"/>
-          </p:cNvSpPr>
-          <p:nvPr>
-            <p:extLst>
-              <p:ext uri="{386F3935-93C4-4BCD-93E2-E3B085C9AB24}">
-                <p16:designElem xmlns:p16="http://schemas.microsoft.com/office/powerpoint/2015/main" val="1"/>
-              </p:ext>
-            </p:extLst>
-          </p:nvPr>
-        </p:nvSpPr>
-        <p:spPr bwMode="ltGray">
-          <a:xfrm>
-            <a:off x="336884" y="321177"/>
-            <a:ext cx="4332307" cy="6179552"/>
-          </a:xfrm>
-          <a:prstGeom prst="rect">
-            <a:avLst/>
-          </a:prstGeom>
-          <a:solidFill>
-            <a:schemeClr val="tx1">
-              <a:lumMod val="75000"/>
-              <a:lumOff val="25000"/>
-            </a:schemeClr>
-          </a:solidFill>
-          <a:ln w="127000" cap="sq" cmpd="thinThick">
-            <a:solidFill>
-              <a:schemeClr val="tx1">
-                <a:lumMod val="75000"/>
-                <a:lumOff val="25000"/>
-              </a:schemeClr>
-            </a:solidFill>
-          </a:ln>
-        </p:spPr>
-        <p:style>
-          <a:lnRef idx="2">
-            <a:schemeClr val="accent1">
-              <a:shade val="50000"/>
-            </a:schemeClr>
-          </a:lnRef>
-          <a:fillRef idx="1">
-            <a:schemeClr val="accent1"/>
-          </a:fillRef>
-          <a:effectRef idx="0">
-            <a:schemeClr val="accent1"/>
-          </a:effectRef>
-          <a:fontRef idx="minor">
-            <a:schemeClr val="lt1"/>
-          </a:fontRef>
-        </p:style>
-        <p:txBody>
-          <a:bodyPr rtlCol="0" anchor="ctr"/>
-          <a:lstStyle/>
-          <a:p>
-            <a:pPr algn="ctr"/>
-            <a:endParaRPr lang="en-US"/>
-          </a:p>
-        </p:txBody>
-      </p:sp>
-      <p:cxnSp>
-        <p:nvCxnSpPr>
-          <p:cNvPr id="73" name="Straight Connector 72">
-            <a:extLst>
-              <a:ext uri="{FF2B5EF4-FFF2-40B4-BE49-F238E27FC236}">
-                <a16:creationId xmlns:a16="http://schemas.microsoft.com/office/drawing/2014/main" id="{38FB9660-F42F-4313-BBC4-47C007FE484C}"/>
-              </a:ext>
-            </a:extLst>
-          </p:cNvPr>
-          <p:cNvCxnSpPr>
-            <a:cxnSpLocks noGrp="1" noRot="1" noChangeAspect="1" noMove="1" noResize="1" noEditPoints="1" noAdjustHandles="1" noChangeArrowheads="1" noChangeShapeType="1"/>
-          </p:cNvCxnSpPr>
-          <p:nvPr>
-            <p:extLst>
-              <p:ext uri="{386F3935-93C4-4BCD-93E2-E3B085C9AB24}">
-                <p16:designElem xmlns:p16="http://schemas.microsoft.com/office/powerpoint/2015/main" val="1"/>
-              </p:ext>
-            </p:extLst>
-          </p:nvPr>
-        </p:nvCxnSpPr>
-        <p:spPr>
-          <a:xfrm>
-            <a:off x="1191126" y="3910267"/>
-            <a:ext cx="2586790" cy="0"/>
-          </a:xfrm>
-          <a:prstGeom prst="line">
-            <a:avLst/>
-          </a:prstGeom>
-          <a:ln w="22225">
-            <a:solidFill>
-              <a:schemeClr val="bg1">
-                <a:lumMod val="85000"/>
-              </a:schemeClr>
-            </a:solidFill>
-          </a:ln>
-        </p:spPr>
-        <p:style>
-          <a:lnRef idx="1">
-            <a:schemeClr val="accent1"/>
-          </a:lnRef>
-          <a:fillRef idx="0">
-            <a:schemeClr val="accent1"/>
-          </a:fillRef>
-          <a:effectRef idx="0">
-            <a:schemeClr val="accent1"/>
-          </a:effectRef>
-          <a:fontRef idx="minor">
-            <a:schemeClr val="tx1"/>
-          </a:fontRef>
-        </p:style>
-      </p:cxnSp>
-      <p:sp>
-        <p:nvSpPr>
-          <p:cNvPr id="5" name="Tekstiruutu 4">
-            <a:extLst>
-              <a:ext uri="{FF2B5EF4-FFF2-40B4-BE49-F238E27FC236}">
-                <a16:creationId xmlns:a16="http://schemas.microsoft.com/office/drawing/2014/main" id="{96513FD4-02A8-4B70-98A1-6EDA16999002}"/>
-              </a:ext>
-            </a:extLst>
-          </p:cNvPr>
-          <p:cNvSpPr txBox="1"/>
-          <p:nvPr/>
-        </p:nvSpPr>
-        <p:spPr>
-          <a:xfrm>
-            <a:off x="501997" y="914400"/>
-            <a:ext cx="4103583" cy="2918123"/>
-          </a:xfrm>
-          <a:prstGeom prst="rect">
-            <a:avLst/>
-          </a:prstGeom>
-        </p:spPr>
-        <p:txBody>
-          <a:bodyPr vert="horz" lIns="91440" tIns="45720" rIns="91440" bIns="45720" rtlCol="0" anchor="b">
-            <a:normAutofit/>
-          </a:bodyPr>
-          <a:lstStyle/>
-          <a:p>
-            <a:pPr algn="ctr">
-              <a:lnSpc>
-                <a:spcPct val="90000"/>
-              </a:lnSpc>
-              <a:spcBef>
-                <a:spcPct val="0"/>
-              </a:spcBef>
-              <a:spcAft>
-                <a:spcPts val="600"/>
-              </a:spcAft>
-            </a:pPr>
-            <a:r>
-              <a:rPr lang="en-US" sz="4800" dirty="0">
-                <a:solidFill>
-                  <a:schemeClr val="bg1"/>
-                </a:solidFill>
-                <a:latin typeface="+mj-lt"/>
-                <a:ea typeface="+mj-ea"/>
-                <a:cs typeface="+mj-cs"/>
-              </a:rPr>
-              <a:t>Image Object Velocity Estimation</a:t>
-            </a:r>
-            <a:endParaRPr lang="en-US" sz="4800" kern="1200" dirty="0">
-              <a:solidFill>
-                <a:schemeClr val="bg1"/>
-              </a:solidFill>
-              <a:latin typeface="+mj-lt"/>
-              <a:ea typeface="+mj-ea"/>
-              <a:cs typeface="+mj-cs"/>
-            </a:endParaRPr>
-          </a:p>
-        </p:txBody>
-      </p:sp>
-      <p:sp>
-        <p:nvSpPr>
-          <p:cNvPr id="8" name="Tekstiruutu 7">
-            <a:extLst>
-              <a:ext uri="{FF2B5EF4-FFF2-40B4-BE49-F238E27FC236}">
-                <a16:creationId xmlns:a16="http://schemas.microsoft.com/office/drawing/2014/main" id="{9B206AA3-16A3-48F3-A1A4-0A4F62824601}"/>
-              </a:ext>
-            </a:extLst>
-          </p:cNvPr>
-          <p:cNvSpPr txBox="1"/>
-          <p:nvPr/>
-        </p:nvSpPr>
-        <p:spPr>
-          <a:xfrm>
-            <a:off x="5210629" y="277635"/>
-            <a:ext cx="1869166" cy="369332"/>
-          </a:xfrm>
-          <a:prstGeom prst="rect">
-            <a:avLst/>
-          </a:prstGeom>
-          <a:noFill/>
-        </p:spPr>
-        <p:txBody>
-          <a:bodyPr wrap="none" rtlCol="0">
-            <a:spAutoFit/>
-          </a:bodyPr>
-          <a:lstStyle/>
-          <a:p>
-            <a:r>
-              <a:rPr lang="fi-FI" dirty="0" err="1"/>
-              <a:t>Static</a:t>
-            </a:r>
-            <a:r>
-              <a:rPr lang="fi-FI" dirty="0"/>
-              <a:t> </a:t>
-            </a:r>
-            <a:r>
-              <a:rPr lang="fi-FI" dirty="0" err="1"/>
-              <a:t>object</a:t>
-            </a:r>
-            <a:r>
-              <a:rPr lang="fi-FI" dirty="0"/>
-              <a:t> (</a:t>
-            </a:r>
-            <a:r>
-              <a:rPr lang="fi-FI" dirty="0" err="1"/>
-              <a:t>calf</a:t>
-            </a:r>
-            <a:r>
-              <a:rPr lang="fi-FI" dirty="0"/>
-              <a:t>)</a:t>
-            </a:r>
-            <a:endParaRPr lang="en-GB" dirty="0"/>
-          </a:p>
-        </p:txBody>
-      </p:sp>
-      <p:sp>
-        <p:nvSpPr>
-          <p:cNvPr id="3" name="Tekstiruutu 2">
-            <a:extLst>
-              <a:ext uri="{FF2B5EF4-FFF2-40B4-BE49-F238E27FC236}">
-                <a16:creationId xmlns:a16="http://schemas.microsoft.com/office/drawing/2014/main" id="{E022C834-D3DD-42C3-A8A3-5F3C71A7619D}"/>
-              </a:ext>
-            </a:extLst>
-          </p:cNvPr>
-          <p:cNvSpPr txBox="1"/>
-          <p:nvPr/>
-        </p:nvSpPr>
-        <p:spPr>
-          <a:xfrm>
-            <a:off x="5356054" y="2939584"/>
-            <a:ext cx="2295821" cy="215444"/>
-          </a:xfrm>
-          <a:prstGeom prst="rect">
-            <a:avLst/>
-          </a:prstGeom>
-          <a:noFill/>
-        </p:spPr>
-        <p:txBody>
-          <a:bodyPr wrap="none" rtlCol="0">
-            <a:spAutoFit/>
-          </a:bodyPr>
-          <a:lstStyle/>
-          <a:p>
-            <a:r>
-              <a:rPr lang="fi-FI" sz="800" dirty="0" err="1"/>
-              <a:t>Measured</a:t>
-            </a:r>
-            <a:r>
-              <a:rPr lang="fi-FI" sz="800" dirty="0"/>
-              <a:t> and </a:t>
-            </a:r>
-            <a:r>
-              <a:rPr lang="fi-FI" sz="800" dirty="0" err="1"/>
-              <a:t>filtered</a:t>
-            </a:r>
-            <a:r>
-              <a:rPr lang="fi-FI" sz="800" dirty="0"/>
-              <a:t> </a:t>
-            </a:r>
-            <a:r>
-              <a:rPr lang="fi-FI" sz="800" dirty="0" err="1"/>
-              <a:t>location</a:t>
-            </a:r>
-            <a:r>
-              <a:rPr lang="fi-FI" sz="800" dirty="0"/>
-              <a:t>  (</a:t>
-            </a:r>
-            <a:r>
-              <a:rPr lang="fi-FI" sz="800" dirty="0" err="1"/>
-              <a:t>upper</a:t>
-            </a:r>
-            <a:r>
-              <a:rPr lang="fi-FI" sz="800" dirty="0"/>
-              <a:t> </a:t>
-            </a:r>
-            <a:r>
-              <a:rPr lang="fi-FI" sz="800" dirty="0" err="1"/>
-              <a:t>left</a:t>
-            </a:r>
-            <a:r>
-              <a:rPr lang="fi-FI" sz="800" dirty="0"/>
-              <a:t> </a:t>
-            </a:r>
-            <a:r>
-              <a:rPr lang="fi-FI" sz="800" dirty="0" err="1"/>
-              <a:t>corner</a:t>
-            </a:r>
-            <a:r>
-              <a:rPr lang="fi-FI" sz="800" dirty="0"/>
-              <a:t>)</a:t>
-            </a:r>
-            <a:endParaRPr lang="en-GB" sz="800" dirty="0"/>
-          </a:p>
-        </p:txBody>
-      </p:sp>
-      <p:sp>
-        <p:nvSpPr>
-          <p:cNvPr id="14" name="Tekstiruutu 13">
-            <a:extLst>
-              <a:ext uri="{FF2B5EF4-FFF2-40B4-BE49-F238E27FC236}">
-                <a16:creationId xmlns:a16="http://schemas.microsoft.com/office/drawing/2014/main" id="{6D849E38-B2E4-4FC2-85B3-B39442565905}"/>
-              </a:ext>
-            </a:extLst>
-          </p:cNvPr>
-          <p:cNvSpPr txBox="1"/>
-          <p:nvPr/>
-        </p:nvSpPr>
-        <p:spPr>
-          <a:xfrm>
-            <a:off x="8450037" y="2955830"/>
-            <a:ext cx="949299" cy="215444"/>
-          </a:xfrm>
-          <a:prstGeom prst="rect">
-            <a:avLst/>
-          </a:prstGeom>
-          <a:noFill/>
-        </p:spPr>
-        <p:txBody>
-          <a:bodyPr wrap="none" rtlCol="0">
-            <a:spAutoFit/>
-          </a:bodyPr>
-          <a:lstStyle/>
-          <a:p>
-            <a:r>
-              <a:rPr lang="fi-FI" sz="800" dirty="0" err="1"/>
-              <a:t>Estimated</a:t>
-            </a:r>
-            <a:r>
-              <a:rPr lang="fi-FI" sz="800" dirty="0"/>
-              <a:t> </a:t>
-            </a:r>
-            <a:r>
-              <a:rPr lang="fi-FI" sz="800" dirty="0" err="1"/>
-              <a:t>velocity</a:t>
-            </a:r>
-            <a:endParaRPr lang="en-GB" sz="800" dirty="0"/>
-          </a:p>
-        </p:txBody>
-      </p:sp>
-      <p:sp>
-        <p:nvSpPr>
-          <p:cNvPr id="16" name="Tekstiruutu 15">
-            <a:extLst>
-              <a:ext uri="{FF2B5EF4-FFF2-40B4-BE49-F238E27FC236}">
-                <a16:creationId xmlns:a16="http://schemas.microsoft.com/office/drawing/2014/main" id="{65803031-0CCF-453A-B280-A6410B1621CD}"/>
-              </a:ext>
-            </a:extLst>
-          </p:cNvPr>
-          <p:cNvSpPr txBox="1"/>
-          <p:nvPr/>
-        </p:nvSpPr>
-        <p:spPr>
-          <a:xfrm>
-            <a:off x="5356054" y="5752056"/>
-            <a:ext cx="918841" cy="215444"/>
-          </a:xfrm>
-          <a:prstGeom prst="rect">
-            <a:avLst/>
-          </a:prstGeom>
-          <a:noFill/>
-        </p:spPr>
-        <p:txBody>
-          <a:bodyPr wrap="none" rtlCol="0">
-            <a:spAutoFit/>
-          </a:bodyPr>
-          <a:lstStyle/>
-          <a:p>
-            <a:r>
-              <a:rPr lang="fi-FI" sz="800" dirty="0" err="1"/>
-              <a:t>Location</a:t>
-            </a:r>
-            <a:r>
-              <a:rPr lang="fi-FI" sz="800" dirty="0"/>
-              <a:t> </a:t>
-            </a:r>
-            <a:r>
-              <a:rPr lang="fi-FI" sz="800" dirty="0" err="1"/>
-              <a:t>variance</a:t>
-            </a:r>
-            <a:endParaRPr lang="en-GB" sz="800" dirty="0"/>
-          </a:p>
-        </p:txBody>
-      </p:sp>
-      <p:sp>
-        <p:nvSpPr>
-          <p:cNvPr id="18" name="Tekstiruutu 17">
-            <a:extLst>
-              <a:ext uri="{FF2B5EF4-FFF2-40B4-BE49-F238E27FC236}">
-                <a16:creationId xmlns:a16="http://schemas.microsoft.com/office/drawing/2014/main" id="{BD3E7608-9966-4A17-8503-C32F66CAF62D}"/>
-              </a:ext>
-            </a:extLst>
-          </p:cNvPr>
-          <p:cNvSpPr txBox="1"/>
-          <p:nvPr/>
-        </p:nvSpPr>
-        <p:spPr>
-          <a:xfrm>
-            <a:off x="8476486" y="5752056"/>
-            <a:ext cx="896399" cy="215444"/>
-          </a:xfrm>
-          <a:prstGeom prst="rect">
-            <a:avLst/>
-          </a:prstGeom>
-          <a:noFill/>
-        </p:spPr>
-        <p:txBody>
-          <a:bodyPr wrap="none" rtlCol="0">
-            <a:spAutoFit/>
-          </a:bodyPr>
-          <a:lstStyle/>
-          <a:p>
-            <a:r>
-              <a:rPr lang="fi-FI" sz="800" dirty="0" err="1"/>
-              <a:t>Velocity</a:t>
-            </a:r>
-            <a:r>
-              <a:rPr lang="fi-FI" sz="800" dirty="0"/>
-              <a:t> </a:t>
-            </a:r>
-            <a:r>
-              <a:rPr lang="fi-FI" sz="800" dirty="0" err="1"/>
-              <a:t>variance</a:t>
-            </a:r>
-            <a:endParaRPr lang="en-GB" sz="800" dirty="0"/>
-          </a:p>
-        </p:txBody>
-      </p:sp>
-      <p:pic>
-        <p:nvPicPr>
-          <p:cNvPr id="4" name="Kuva 3">
-            <a:extLst>
-              <a:ext uri="{FF2B5EF4-FFF2-40B4-BE49-F238E27FC236}">
-                <a16:creationId xmlns:a16="http://schemas.microsoft.com/office/drawing/2014/main" id="{41B6ACB0-3712-49D4-A87D-F5FCDD838C59}"/>
-              </a:ext>
-            </a:extLst>
-          </p:cNvPr>
-          <p:cNvPicPr>
-            <a:picLocks noChangeAspect="1"/>
-          </p:cNvPicPr>
-          <p:nvPr/>
-        </p:nvPicPr>
-        <p:blipFill>
-          <a:blip r:embed="rId2"/>
-          <a:stretch>
-            <a:fillRect/>
-          </a:stretch>
-        </p:blipFill>
-        <p:spPr>
-          <a:xfrm>
-            <a:off x="5263491" y="952761"/>
-            <a:ext cx="2906732" cy="2017897"/>
-          </a:xfrm>
-          <a:prstGeom prst="rect">
-            <a:avLst/>
-          </a:prstGeom>
-        </p:spPr>
-      </p:pic>
-      <p:pic>
-        <p:nvPicPr>
-          <p:cNvPr id="7" name="Kuva 6">
-            <a:extLst>
-              <a:ext uri="{FF2B5EF4-FFF2-40B4-BE49-F238E27FC236}">
-                <a16:creationId xmlns:a16="http://schemas.microsoft.com/office/drawing/2014/main" id="{45ECB15C-09C2-4C20-A152-AE82CF21322B}"/>
-              </a:ext>
-            </a:extLst>
-          </p:cNvPr>
-          <p:cNvPicPr>
-            <a:picLocks noChangeAspect="1"/>
-          </p:cNvPicPr>
-          <p:nvPr/>
-        </p:nvPicPr>
-        <p:blipFill>
-          <a:blip r:embed="rId3"/>
-          <a:stretch>
-            <a:fillRect/>
-          </a:stretch>
-        </p:blipFill>
-        <p:spPr>
-          <a:xfrm>
-            <a:off x="8450037" y="965346"/>
-            <a:ext cx="2827805" cy="1974237"/>
-          </a:xfrm>
-          <a:prstGeom prst="rect">
-            <a:avLst/>
-          </a:prstGeom>
-        </p:spPr>
-      </p:pic>
-      <p:pic>
-        <p:nvPicPr>
-          <p:cNvPr id="9" name="Kuva 8">
-            <a:extLst>
-              <a:ext uri="{FF2B5EF4-FFF2-40B4-BE49-F238E27FC236}">
-                <a16:creationId xmlns:a16="http://schemas.microsoft.com/office/drawing/2014/main" id="{71584006-4A44-47C1-9E84-8A58538880D8}"/>
-              </a:ext>
-            </a:extLst>
-          </p:cNvPr>
-          <p:cNvPicPr>
-            <a:picLocks noChangeAspect="1"/>
-          </p:cNvPicPr>
-          <p:nvPr/>
-        </p:nvPicPr>
-        <p:blipFill>
-          <a:blip r:embed="rId4"/>
-          <a:stretch>
-            <a:fillRect/>
-          </a:stretch>
-        </p:blipFill>
-        <p:spPr>
-          <a:xfrm>
-            <a:off x="5263491" y="3665549"/>
-            <a:ext cx="2906732" cy="2004020"/>
-          </a:xfrm>
-          <a:prstGeom prst="rect">
-            <a:avLst/>
-          </a:prstGeom>
-        </p:spPr>
-      </p:pic>
-      <p:pic>
-        <p:nvPicPr>
-          <p:cNvPr id="11" name="Kuva 10">
-            <a:extLst>
-              <a:ext uri="{FF2B5EF4-FFF2-40B4-BE49-F238E27FC236}">
-                <a16:creationId xmlns:a16="http://schemas.microsoft.com/office/drawing/2014/main" id="{CA10D589-848C-4899-A650-2FE43DBBB24D}"/>
-              </a:ext>
-            </a:extLst>
-          </p:cNvPr>
-          <p:cNvPicPr>
-            <a:picLocks noChangeAspect="1"/>
-          </p:cNvPicPr>
-          <p:nvPr/>
-        </p:nvPicPr>
-        <p:blipFill>
-          <a:blip r:embed="rId5"/>
-          <a:stretch>
-            <a:fillRect/>
-          </a:stretch>
-        </p:blipFill>
-        <p:spPr>
-          <a:xfrm>
-            <a:off x="8450037" y="3665549"/>
-            <a:ext cx="2827805" cy="1887092"/>
-          </a:xfrm>
-          <a:prstGeom prst="rect">
-            <a:avLst/>
-          </a:prstGeom>
-        </p:spPr>
-      </p:pic>
-    </p:spTree>
-    <p:extLst>
-      <p:ext uri="{BB962C8B-B14F-4D97-AF65-F5344CB8AC3E}">
-        <p14:creationId xmlns:p14="http://schemas.microsoft.com/office/powerpoint/2010/main" val="395509823"/>
-      </p:ext>
-    </p:extLst>
-  </p:cSld>
-  <p:clrMapOvr>
-    <a:masterClrMapping/>
-  </p:clrMapOvr>
-</p:sld>
-</file>
-
-<file path=ppt/slides/slide7.xml><?xml version="1.0" encoding="utf-8"?>
-<p:sld xmlns:a="http://schemas.openxmlformats.org/drawingml/2006/main" xmlns:r="http://schemas.openxmlformats.org/officeDocument/2006/relationships" xmlns:p="http://schemas.openxmlformats.org/presentationml/2006/main">
-  <p:cSld>
-    <p:bg>
-      <p:bgPr>
-        <a:solidFill>
-          <a:schemeClr val="bg1"/>
-        </a:solidFill>
-        <a:effectLst/>
-      </p:bgPr>
-    </p:bg>
-    <p:spTree>
-      <p:nvGrpSpPr>
-        <p:cNvPr id="1" name=""/>
-        <p:cNvGrpSpPr/>
-        <p:nvPr/>
-      </p:nvGrpSpPr>
-      <p:grpSpPr>
-        <a:xfrm>
-          <a:off x="0" y="0"/>
-          <a:ext cx="0" cy="0"/>
-          <a:chOff x="0" y="0"/>
-          <a:chExt cx="0" cy="0"/>
-        </a:xfrm>
-      </p:grpSpPr>
-      <p:sp>
-        <p:nvSpPr>
-          <p:cNvPr id="71" name="Rectangle 70">
-            <a:extLst>
-              <a:ext uri="{FF2B5EF4-FFF2-40B4-BE49-F238E27FC236}">
-                <a16:creationId xmlns:a16="http://schemas.microsoft.com/office/drawing/2014/main" id="{AB45A142-4255-493C-8284-5D566C121B10}"/>
-              </a:ext>
-            </a:extLst>
-          </p:cNvPr>
-          <p:cNvSpPr>
-            <a:spLocks noGrp="1" noRot="1" noChangeAspect="1" noMove="1" noResize="1" noEditPoints="1" noAdjustHandles="1" noChangeArrowheads="1" noChangeShapeType="1" noTextEdit="1"/>
-          </p:cNvSpPr>
-          <p:nvPr>
-            <p:extLst>
-              <p:ext uri="{386F3935-93C4-4BCD-93E2-E3B085C9AB24}">
-                <p16:designElem xmlns:p16="http://schemas.microsoft.com/office/powerpoint/2015/main" val="1"/>
-              </p:ext>
-            </p:extLst>
-          </p:nvPr>
-        </p:nvSpPr>
-        <p:spPr bwMode="ltGray">
-          <a:xfrm>
-            <a:off x="336884" y="321177"/>
-            <a:ext cx="4332307" cy="6179552"/>
-          </a:xfrm>
-          <a:prstGeom prst="rect">
-            <a:avLst/>
-          </a:prstGeom>
-          <a:solidFill>
-            <a:schemeClr val="tx1">
-              <a:lumMod val="75000"/>
-              <a:lumOff val="25000"/>
-            </a:schemeClr>
-          </a:solidFill>
-          <a:ln w="127000" cap="sq" cmpd="thinThick">
-            <a:solidFill>
-              <a:schemeClr val="tx1">
-                <a:lumMod val="75000"/>
-                <a:lumOff val="25000"/>
-              </a:schemeClr>
-            </a:solidFill>
-          </a:ln>
-        </p:spPr>
-        <p:style>
-          <a:lnRef idx="2">
-            <a:schemeClr val="accent1">
-              <a:shade val="50000"/>
-            </a:schemeClr>
-          </a:lnRef>
-          <a:fillRef idx="1">
-            <a:schemeClr val="accent1"/>
-          </a:fillRef>
-          <a:effectRef idx="0">
-            <a:schemeClr val="accent1"/>
-          </a:effectRef>
-          <a:fontRef idx="minor">
-            <a:schemeClr val="lt1"/>
-          </a:fontRef>
-        </p:style>
-        <p:txBody>
-          <a:bodyPr rtlCol="0" anchor="ctr"/>
-          <a:lstStyle/>
-          <a:p>
-            <a:pPr algn="ctr"/>
-            <a:endParaRPr lang="en-US"/>
-          </a:p>
-        </p:txBody>
-      </p:sp>
-      <p:cxnSp>
-        <p:nvCxnSpPr>
-          <p:cNvPr id="73" name="Straight Connector 72">
-            <a:extLst>
-              <a:ext uri="{FF2B5EF4-FFF2-40B4-BE49-F238E27FC236}">
-                <a16:creationId xmlns:a16="http://schemas.microsoft.com/office/drawing/2014/main" id="{38FB9660-F42F-4313-BBC4-47C007FE484C}"/>
-              </a:ext>
-            </a:extLst>
-          </p:cNvPr>
-          <p:cNvCxnSpPr>
-            <a:cxnSpLocks noGrp="1" noRot="1" noChangeAspect="1" noMove="1" noResize="1" noEditPoints="1" noAdjustHandles="1" noChangeArrowheads="1" noChangeShapeType="1"/>
-          </p:cNvCxnSpPr>
-          <p:nvPr>
-            <p:extLst>
-              <p:ext uri="{386F3935-93C4-4BCD-93E2-E3B085C9AB24}">
-                <p16:designElem xmlns:p16="http://schemas.microsoft.com/office/powerpoint/2015/main" val="1"/>
-              </p:ext>
-            </p:extLst>
-          </p:nvPr>
-        </p:nvCxnSpPr>
-        <p:spPr>
-          <a:xfrm>
-            <a:off x="1191126" y="3910267"/>
-            <a:ext cx="2586790" cy="0"/>
-          </a:xfrm>
-          <a:prstGeom prst="line">
-            <a:avLst/>
-          </a:prstGeom>
-          <a:ln w="22225">
-            <a:solidFill>
-              <a:schemeClr val="bg1">
-                <a:lumMod val="85000"/>
-              </a:schemeClr>
-            </a:solidFill>
-          </a:ln>
-        </p:spPr>
-        <p:style>
-          <a:lnRef idx="1">
-            <a:schemeClr val="accent1"/>
-          </a:lnRef>
-          <a:fillRef idx="0">
-            <a:schemeClr val="accent1"/>
-          </a:fillRef>
-          <a:effectRef idx="0">
-            <a:schemeClr val="accent1"/>
-          </a:effectRef>
-          <a:fontRef idx="minor">
-            <a:schemeClr val="tx1"/>
-          </a:fontRef>
-        </p:style>
-      </p:cxnSp>
-      <p:sp>
-        <p:nvSpPr>
-          <p:cNvPr id="5" name="Tekstiruutu 4">
-            <a:extLst>
-              <a:ext uri="{FF2B5EF4-FFF2-40B4-BE49-F238E27FC236}">
-                <a16:creationId xmlns:a16="http://schemas.microsoft.com/office/drawing/2014/main" id="{96513FD4-02A8-4B70-98A1-6EDA16999002}"/>
-              </a:ext>
-            </a:extLst>
-          </p:cNvPr>
-          <p:cNvSpPr txBox="1"/>
-          <p:nvPr/>
-        </p:nvSpPr>
-        <p:spPr>
-          <a:xfrm>
-            <a:off x="501997" y="914400"/>
-            <a:ext cx="4103583" cy="2918123"/>
-          </a:xfrm>
-          <a:prstGeom prst="rect">
-            <a:avLst/>
-          </a:prstGeom>
-        </p:spPr>
-        <p:txBody>
-          <a:bodyPr vert="horz" lIns="91440" tIns="45720" rIns="91440" bIns="45720" rtlCol="0" anchor="b">
-            <a:normAutofit/>
-          </a:bodyPr>
-          <a:lstStyle/>
-          <a:p>
-            <a:pPr algn="ctr">
-              <a:lnSpc>
-                <a:spcPct val="90000"/>
-              </a:lnSpc>
-              <a:spcBef>
-                <a:spcPct val="0"/>
-              </a:spcBef>
-              <a:spcAft>
-                <a:spcPts val="600"/>
-              </a:spcAft>
-            </a:pPr>
-            <a:r>
-              <a:rPr lang="en-US" sz="4800" dirty="0">
-                <a:solidFill>
-                  <a:schemeClr val="bg1"/>
-                </a:solidFill>
-                <a:latin typeface="+mj-lt"/>
-                <a:ea typeface="+mj-ea"/>
-                <a:cs typeface="+mj-cs"/>
-              </a:rPr>
-              <a:t>Image Object Velocity Estimation</a:t>
-            </a:r>
-            <a:endParaRPr lang="en-US" sz="4800" kern="1200" dirty="0">
-              <a:solidFill>
-                <a:schemeClr val="bg1"/>
-              </a:solidFill>
-              <a:latin typeface="+mj-lt"/>
-              <a:ea typeface="+mj-ea"/>
-              <a:cs typeface="+mj-cs"/>
-            </a:endParaRPr>
-          </a:p>
-        </p:txBody>
-      </p:sp>
-      <p:sp>
-        <p:nvSpPr>
-          <p:cNvPr id="16" name="Tekstiruutu 15">
-            <a:extLst>
-              <a:ext uri="{FF2B5EF4-FFF2-40B4-BE49-F238E27FC236}">
-                <a16:creationId xmlns:a16="http://schemas.microsoft.com/office/drawing/2014/main" id="{65803031-0CCF-453A-B280-A6410B1621CD}"/>
-              </a:ext>
-            </a:extLst>
-          </p:cNvPr>
-          <p:cNvSpPr txBox="1"/>
-          <p:nvPr/>
-        </p:nvSpPr>
-        <p:spPr>
-          <a:xfrm>
-            <a:off x="6639666" y="5645178"/>
-            <a:ext cx="1717137" cy="215444"/>
-          </a:xfrm>
-          <a:prstGeom prst="rect">
-            <a:avLst/>
-          </a:prstGeom>
-          <a:noFill/>
-        </p:spPr>
-        <p:txBody>
-          <a:bodyPr wrap="none" rtlCol="0">
-            <a:spAutoFit/>
-          </a:bodyPr>
-          <a:lstStyle/>
-          <a:p>
-            <a:r>
-              <a:rPr lang="fi-FI" sz="800" dirty="0"/>
-              <a:t>10 </a:t>
-            </a:r>
-            <a:r>
-              <a:rPr lang="fi-FI" sz="800" dirty="0" err="1"/>
-              <a:t>step</a:t>
-            </a:r>
-            <a:r>
-              <a:rPr lang="fi-FI" sz="800" dirty="0"/>
-              <a:t> </a:t>
-            </a:r>
-            <a:r>
-              <a:rPr lang="fi-FI" sz="800" dirty="0" err="1"/>
-              <a:t>ahead</a:t>
-            </a:r>
-            <a:r>
-              <a:rPr lang="fi-FI" sz="800" dirty="0"/>
-              <a:t> </a:t>
-            </a:r>
-            <a:r>
-              <a:rPr lang="fi-FI" sz="800" dirty="0" err="1"/>
-              <a:t>mean</a:t>
-            </a:r>
-            <a:r>
-              <a:rPr lang="fi-FI" sz="800" dirty="0"/>
-              <a:t> </a:t>
-            </a:r>
-            <a:r>
-              <a:rPr lang="fi-FI" sz="800" dirty="0" err="1"/>
-              <a:t>prediction</a:t>
-            </a:r>
-            <a:r>
-              <a:rPr lang="fi-FI" sz="800" dirty="0"/>
-              <a:t> </a:t>
-            </a:r>
-            <a:r>
-              <a:rPr lang="fi-FI" sz="800" dirty="0" err="1"/>
-              <a:t>error</a:t>
-            </a:r>
-            <a:endParaRPr lang="en-GB" sz="800" dirty="0"/>
-          </a:p>
-        </p:txBody>
-      </p:sp>
-      <p:sp>
-        <p:nvSpPr>
-          <p:cNvPr id="9" name="Tekstiruutu 8">
-            <a:extLst>
-              <a:ext uri="{FF2B5EF4-FFF2-40B4-BE49-F238E27FC236}">
-                <a16:creationId xmlns:a16="http://schemas.microsoft.com/office/drawing/2014/main" id="{C2CD9C32-91F1-45A6-BFBF-309C2678CFEA}"/>
-              </a:ext>
-            </a:extLst>
-          </p:cNvPr>
-          <p:cNvSpPr txBox="1"/>
-          <p:nvPr/>
-        </p:nvSpPr>
-        <p:spPr>
-          <a:xfrm>
-            <a:off x="5210629" y="277635"/>
-            <a:ext cx="1869166" cy="369332"/>
-          </a:xfrm>
-          <a:prstGeom prst="rect">
-            <a:avLst/>
-          </a:prstGeom>
-          <a:noFill/>
-        </p:spPr>
-        <p:txBody>
-          <a:bodyPr wrap="none" rtlCol="0">
-            <a:spAutoFit/>
-          </a:bodyPr>
-          <a:lstStyle/>
-          <a:p>
-            <a:r>
-              <a:rPr lang="fi-FI" dirty="0" err="1"/>
-              <a:t>Static</a:t>
-            </a:r>
-            <a:r>
-              <a:rPr lang="fi-FI" dirty="0"/>
-              <a:t> </a:t>
-            </a:r>
-            <a:r>
-              <a:rPr lang="fi-FI" dirty="0" err="1"/>
-              <a:t>object</a:t>
-            </a:r>
-            <a:r>
-              <a:rPr lang="fi-FI" dirty="0"/>
-              <a:t> (</a:t>
-            </a:r>
-            <a:r>
-              <a:rPr lang="fi-FI" dirty="0" err="1"/>
-              <a:t>calf</a:t>
-            </a:r>
-            <a:r>
-              <a:rPr lang="fi-FI" dirty="0"/>
-              <a:t>)</a:t>
-            </a:r>
-            <a:endParaRPr lang="en-GB" dirty="0"/>
-          </a:p>
-        </p:txBody>
-      </p:sp>
-      <p:pic>
-        <p:nvPicPr>
-          <p:cNvPr id="2" name="Kuva 1">
-            <a:extLst>
-              <a:ext uri="{FF2B5EF4-FFF2-40B4-BE49-F238E27FC236}">
-                <a16:creationId xmlns:a16="http://schemas.microsoft.com/office/drawing/2014/main" id="{02A59E30-85E0-45D1-961A-09D1FE641097}"/>
-              </a:ext>
-            </a:extLst>
-          </p:cNvPr>
-          <p:cNvPicPr>
-            <a:picLocks noChangeAspect="1"/>
-          </p:cNvPicPr>
-          <p:nvPr/>
-        </p:nvPicPr>
-        <p:blipFill>
-          <a:blip r:embed="rId2"/>
-          <a:stretch>
-            <a:fillRect/>
-          </a:stretch>
-        </p:blipFill>
-        <p:spPr>
-          <a:xfrm>
-            <a:off x="6639666" y="781367"/>
-            <a:ext cx="3469008" cy="4812538"/>
-          </a:xfrm>
-          <a:prstGeom prst="rect">
-            <a:avLst/>
-          </a:prstGeom>
-        </p:spPr>
-      </p:pic>
-    </p:spTree>
-    <p:extLst>
-      <p:ext uri="{BB962C8B-B14F-4D97-AF65-F5344CB8AC3E}">
-        <p14:creationId xmlns:p14="http://schemas.microsoft.com/office/powerpoint/2010/main" val="2484963177"/>
-      </p:ext>
-    </p:extLst>
-  </p:cSld>
-  <p:clrMapOvr>
-    <a:masterClrMapping/>
-  </p:clrMapOvr>
-</p:sld>
-</file>
-
-<file path=ppt/slides/slide8.xml><?xml version="1.0" encoding="utf-8"?>
+<file path=ppt/slides/slide2.xml><?xml version="1.0" encoding="utf-8"?>
 <p:sld xmlns:a="http://schemas.openxmlformats.org/drawingml/2006/main" xmlns:r="http://schemas.openxmlformats.org/officeDocument/2006/relationships" xmlns:p="http://schemas.openxmlformats.org/presentationml/2006/main">
   <p:cSld>
     <p:bg>
@@ -10682,11 +8136,11 @@
             </a:r>
             <a:r>
               <a:rPr lang="fi-FI" sz="4800" dirty="0"/>
-              <a:t> in </a:t>
+              <a:t> </a:t>
             </a:r>
             <a:r>
               <a:rPr lang="fi-FI" sz="4800" dirty="0" err="1"/>
-              <a:t>Progress</a:t>
+              <a:t>Done</a:t>
             </a:r>
             <a:endParaRPr lang="en-GB" sz="4800" dirty="0"/>
           </a:p>
@@ -10695,7 +8149,3949 @@
     </p:spTree>
     <p:extLst>
       <p:ext uri="{BB962C8B-B14F-4D97-AF65-F5344CB8AC3E}">
-        <p14:creationId xmlns:p14="http://schemas.microsoft.com/office/powerpoint/2010/main" val="1118677833"/>
+        <p14:creationId xmlns:p14="http://schemas.microsoft.com/office/powerpoint/2010/main" val="3668567698"/>
+      </p:ext>
+    </p:extLst>
+  </p:cSld>
+  <p:clrMapOvr>
+    <a:masterClrMapping/>
+  </p:clrMapOvr>
+</p:sld>
+</file>
+
+<file path=ppt/slides/slide3.xml><?xml version="1.0" encoding="utf-8"?>
+<p:sld xmlns:a="http://schemas.openxmlformats.org/drawingml/2006/main" xmlns:r="http://schemas.openxmlformats.org/officeDocument/2006/relationships" xmlns:p="http://schemas.openxmlformats.org/presentationml/2006/main">
+  <p:cSld>
+    <p:bg>
+      <p:bgPr>
+        <a:solidFill>
+          <a:schemeClr val="bg1"/>
+        </a:solidFill>
+        <a:effectLst/>
+      </p:bgPr>
+    </p:bg>
+    <p:spTree>
+      <p:nvGrpSpPr>
+        <p:cNvPr id="1" name=""/>
+        <p:cNvGrpSpPr/>
+        <p:nvPr/>
+      </p:nvGrpSpPr>
+      <p:grpSpPr>
+        <a:xfrm>
+          <a:off x="0" y="0"/>
+          <a:ext cx="0" cy="0"/>
+          <a:chOff x="0" y="0"/>
+          <a:chExt cx="0" cy="0"/>
+        </a:xfrm>
+      </p:grpSpPr>
+      <p:sp>
+        <p:nvSpPr>
+          <p:cNvPr id="71" name="Rectangle 70">
+            <a:extLst>
+              <a:ext uri="{FF2B5EF4-FFF2-40B4-BE49-F238E27FC236}">
+                <a16:creationId xmlns:a16="http://schemas.microsoft.com/office/drawing/2014/main" id="{AB45A142-4255-493C-8284-5D566C121B10}"/>
+              </a:ext>
+            </a:extLst>
+          </p:cNvPr>
+          <p:cNvSpPr>
+            <a:spLocks noGrp="1" noRot="1" noChangeAspect="1" noMove="1" noResize="1" noEditPoints="1" noAdjustHandles="1" noChangeArrowheads="1" noChangeShapeType="1" noTextEdit="1"/>
+          </p:cNvSpPr>
+          <p:nvPr>
+            <p:extLst>
+              <p:ext uri="{386F3935-93C4-4BCD-93E2-E3B085C9AB24}">
+                <p16:designElem xmlns:p16="http://schemas.microsoft.com/office/powerpoint/2015/main" val="1"/>
+              </p:ext>
+            </p:extLst>
+          </p:nvPr>
+        </p:nvSpPr>
+        <p:spPr bwMode="ltGray">
+          <a:xfrm>
+            <a:off x="336884" y="321177"/>
+            <a:ext cx="4332307" cy="6179552"/>
+          </a:xfrm>
+          <a:prstGeom prst="rect">
+            <a:avLst/>
+          </a:prstGeom>
+          <a:solidFill>
+            <a:schemeClr val="tx1">
+              <a:lumMod val="75000"/>
+              <a:lumOff val="25000"/>
+            </a:schemeClr>
+          </a:solidFill>
+          <a:ln w="127000" cap="sq" cmpd="thinThick">
+            <a:solidFill>
+              <a:schemeClr val="tx1">
+                <a:lumMod val="75000"/>
+                <a:lumOff val="25000"/>
+              </a:schemeClr>
+            </a:solidFill>
+          </a:ln>
+        </p:spPr>
+        <p:style>
+          <a:lnRef idx="2">
+            <a:schemeClr val="accent1">
+              <a:shade val="50000"/>
+            </a:schemeClr>
+          </a:lnRef>
+          <a:fillRef idx="1">
+            <a:schemeClr val="accent1"/>
+          </a:fillRef>
+          <a:effectRef idx="0">
+            <a:schemeClr val="accent1"/>
+          </a:effectRef>
+          <a:fontRef idx="minor">
+            <a:schemeClr val="lt1"/>
+          </a:fontRef>
+        </p:style>
+        <p:txBody>
+          <a:bodyPr rtlCol="0" anchor="ctr"/>
+          <a:lstStyle/>
+          <a:p>
+            <a:pPr algn="ctr"/>
+            <a:endParaRPr lang="en-US"/>
+          </a:p>
+        </p:txBody>
+      </p:sp>
+      <p:cxnSp>
+        <p:nvCxnSpPr>
+          <p:cNvPr id="73" name="Straight Connector 72">
+            <a:extLst>
+              <a:ext uri="{FF2B5EF4-FFF2-40B4-BE49-F238E27FC236}">
+                <a16:creationId xmlns:a16="http://schemas.microsoft.com/office/drawing/2014/main" id="{38FB9660-F42F-4313-BBC4-47C007FE484C}"/>
+              </a:ext>
+            </a:extLst>
+          </p:cNvPr>
+          <p:cNvCxnSpPr>
+            <a:cxnSpLocks noGrp="1" noRot="1" noChangeAspect="1" noMove="1" noResize="1" noEditPoints="1" noAdjustHandles="1" noChangeArrowheads="1" noChangeShapeType="1"/>
+          </p:cNvCxnSpPr>
+          <p:nvPr>
+            <p:extLst>
+              <p:ext uri="{386F3935-93C4-4BCD-93E2-E3B085C9AB24}">
+                <p16:designElem xmlns:p16="http://schemas.microsoft.com/office/powerpoint/2015/main" val="1"/>
+              </p:ext>
+            </p:extLst>
+          </p:nvPr>
+        </p:nvCxnSpPr>
+        <p:spPr>
+          <a:xfrm>
+            <a:off x="1191126" y="3910267"/>
+            <a:ext cx="2586790" cy="0"/>
+          </a:xfrm>
+          <a:prstGeom prst="line">
+            <a:avLst/>
+          </a:prstGeom>
+          <a:ln w="22225">
+            <a:solidFill>
+              <a:schemeClr val="bg1">
+                <a:lumMod val="85000"/>
+              </a:schemeClr>
+            </a:solidFill>
+          </a:ln>
+        </p:spPr>
+        <p:style>
+          <a:lnRef idx="1">
+            <a:schemeClr val="accent1"/>
+          </a:lnRef>
+          <a:fillRef idx="0">
+            <a:schemeClr val="accent1"/>
+          </a:fillRef>
+          <a:effectRef idx="0">
+            <a:schemeClr val="accent1"/>
+          </a:effectRef>
+          <a:fontRef idx="minor">
+            <a:schemeClr val="tx1"/>
+          </a:fontRef>
+        </p:style>
+      </p:cxnSp>
+      <p:sp>
+        <p:nvSpPr>
+          <p:cNvPr id="5" name="Tekstiruutu 4">
+            <a:extLst>
+              <a:ext uri="{FF2B5EF4-FFF2-40B4-BE49-F238E27FC236}">
+                <a16:creationId xmlns:a16="http://schemas.microsoft.com/office/drawing/2014/main" id="{96513FD4-02A8-4B70-98A1-6EDA16999002}"/>
+              </a:ext>
+            </a:extLst>
+          </p:cNvPr>
+          <p:cNvSpPr txBox="1"/>
+          <p:nvPr/>
+        </p:nvSpPr>
+        <p:spPr>
+          <a:xfrm>
+            <a:off x="501997" y="914400"/>
+            <a:ext cx="4103583" cy="2918123"/>
+          </a:xfrm>
+          <a:prstGeom prst="rect">
+            <a:avLst/>
+          </a:prstGeom>
+        </p:spPr>
+        <p:txBody>
+          <a:bodyPr vert="horz" lIns="91440" tIns="45720" rIns="91440" bIns="45720" rtlCol="0" anchor="b">
+            <a:normAutofit/>
+          </a:bodyPr>
+          <a:lstStyle/>
+          <a:p>
+            <a:pPr algn="ctr">
+              <a:lnSpc>
+                <a:spcPct val="90000"/>
+              </a:lnSpc>
+              <a:spcBef>
+                <a:spcPct val="0"/>
+              </a:spcBef>
+              <a:spcAft>
+                <a:spcPts val="600"/>
+              </a:spcAft>
+            </a:pPr>
+            <a:r>
+              <a:rPr lang="en-US" sz="4800" dirty="0">
+                <a:solidFill>
+                  <a:schemeClr val="bg1"/>
+                </a:solidFill>
+                <a:latin typeface="+mj-lt"/>
+                <a:ea typeface="+mj-ea"/>
+                <a:cs typeface="+mj-cs"/>
+              </a:rPr>
+              <a:t>Image Object Velocity Estimation</a:t>
+            </a:r>
+            <a:endParaRPr lang="en-US" sz="4800" kern="1200" dirty="0">
+              <a:solidFill>
+                <a:schemeClr val="bg1"/>
+              </a:solidFill>
+              <a:latin typeface="+mj-lt"/>
+              <a:ea typeface="+mj-ea"/>
+              <a:cs typeface="+mj-cs"/>
+            </a:endParaRPr>
+          </a:p>
+        </p:txBody>
+      </p:sp>
+      <p:sp>
+        <p:nvSpPr>
+          <p:cNvPr id="8" name="Tekstiruutu 7">
+            <a:extLst>
+              <a:ext uri="{FF2B5EF4-FFF2-40B4-BE49-F238E27FC236}">
+                <a16:creationId xmlns:a16="http://schemas.microsoft.com/office/drawing/2014/main" id="{9B206AA3-16A3-48F3-A1A4-0A4F62824601}"/>
+              </a:ext>
+            </a:extLst>
+          </p:cNvPr>
+          <p:cNvSpPr txBox="1"/>
+          <p:nvPr/>
+        </p:nvSpPr>
+        <p:spPr>
+          <a:xfrm>
+            <a:off x="5210629" y="277635"/>
+            <a:ext cx="3753463" cy="369332"/>
+          </a:xfrm>
+          <a:prstGeom prst="rect">
+            <a:avLst/>
+          </a:prstGeom>
+          <a:noFill/>
+        </p:spPr>
+        <p:txBody>
+          <a:bodyPr wrap="none" rtlCol="0">
+            <a:spAutoFit/>
+          </a:bodyPr>
+          <a:lstStyle/>
+          <a:p>
+            <a:r>
+              <a:rPr lang="fi-FI" dirty="0"/>
+              <a:t>Image </a:t>
+            </a:r>
+            <a:r>
+              <a:rPr lang="fi-FI" dirty="0" err="1"/>
+              <a:t>object</a:t>
+            </a:r>
+            <a:r>
+              <a:rPr lang="fi-FI" dirty="0"/>
+              <a:t> </a:t>
+            </a:r>
+            <a:r>
+              <a:rPr lang="fi-FI" dirty="0" err="1"/>
+              <a:t>velocity</a:t>
+            </a:r>
+            <a:r>
+              <a:rPr lang="fi-FI" dirty="0"/>
+              <a:t> is </a:t>
+            </a:r>
+            <a:r>
+              <a:rPr lang="fi-FI" dirty="0" err="1"/>
+              <a:t>necessary</a:t>
+            </a:r>
+            <a:r>
+              <a:rPr lang="fi-FI" dirty="0"/>
+              <a:t> for:</a:t>
+            </a:r>
+            <a:endParaRPr lang="en-GB" dirty="0"/>
+          </a:p>
+        </p:txBody>
+      </p:sp>
+      <p:sp>
+        <p:nvSpPr>
+          <p:cNvPr id="4" name="Tekstiruutu 3">
+            <a:extLst>
+              <a:ext uri="{FF2B5EF4-FFF2-40B4-BE49-F238E27FC236}">
+                <a16:creationId xmlns:a16="http://schemas.microsoft.com/office/drawing/2014/main" id="{970F89D4-A2DF-4165-A957-7BF55DA0DB29}"/>
+              </a:ext>
+            </a:extLst>
+          </p:cNvPr>
+          <p:cNvSpPr txBox="1"/>
+          <p:nvPr/>
+        </p:nvSpPr>
+        <p:spPr>
+          <a:xfrm>
+            <a:off x="5298115" y="745022"/>
+            <a:ext cx="4088507" cy="1015663"/>
+          </a:xfrm>
+          <a:prstGeom prst="rect">
+            <a:avLst/>
+          </a:prstGeom>
+          <a:noFill/>
+        </p:spPr>
+        <p:txBody>
+          <a:bodyPr wrap="square" rtlCol="0">
+            <a:spAutoFit/>
+          </a:bodyPr>
+          <a:lstStyle/>
+          <a:p>
+            <a:pPr marL="285750" indent="-285750">
+              <a:buFont typeface="Arial" panose="020B0604020202020204" pitchFamily="34" charset="0"/>
+              <a:buChar char="•"/>
+            </a:pPr>
+            <a:r>
+              <a:rPr lang="fi-FI" sz="1200" dirty="0" err="1"/>
+              <a:t>predicting</a:t>
+            </a:r>
+            <a:r>
+              <a:rPr lang="fi-FI" sz="1200" dirty="0"/>
+              <a:t> image </a:t>
+            </a:r>
+            <a:r>
+              <a:rPr lang="fi-FI" sz="1200" dirty="0" err="1"/>
+              <a:t>object</a:t>
+            </a:r>
+            <a:r>
+              <a:rPr lang="fi-FI" sz="1200" dirty="0"/>
+              <a:t> </a:t>
+            </a:r>
+            <a:r>
+              <a:rPr lang="fi-FI" sz="1200" dirty="0" err="1"/>
+              <a:t>locations</a:t>
+            </a:r>
+            <a:r>
+              <a:rPr lang="fi-FI" sz="1200" dirty="0"/>
+              <a:t> </a:t>
+            </a:r>
+            <a:r>
+              <a:rPr lang="fi-FI" sz="1200" dirty="0" err="1"/>
+              <a:t>when</a:t>
+            </a:r>
+            <a:r>
+              <a:rPr lang="fi-FI" sz="1200" dirty="0"/>
+              <a:t> </a:t>
+            </a:r>
+            <a:r>
+              <a:rPr lang="fi-FI" sz="1200" dirty="0" err="1"/>
+              <a:t>matching</a:t>
+            </a:r>
+            <a:r>
+              <a:rPr lang="fi-FI" sz="1200" dirty="0"/>
+              <a:t> </a:t>
+            </a:r>
+            <a:r>
+              <a:rPr lang="fi-FI" sz="1200" dirty="0" err="1"/>
+              <a:t>new</a:t>
+            </a:r>
+            <a:r>
+              <a:rPr lang="fi-FI" sz="1200" dirty="0"/>
+              <a:t> </a:t>
+            </a:r>
+            <a:r>
+              <a:rPr lang="fi-FI" sz="1200" dirty="0" err="1"/>
+              <a:t>measurements</a:t>
+            </a:r>
+            <a:endParaRPr lang="fi-FI" sz="1200" dirty="0"/>
+          </a:p>
+          <a:p>
+            <a:pPr marL="285750" indent="-285750">
+              <a:buFont typeface="Arial" panose="020B0604020202020204" pitchFamily="34" charset="0"/>
+              <a:buChar char="•"/>
+            </a:pPr>
+            <a:r>
+              <a:rPr lang="fi-FI" sz="1200" dirty="0" err="1"/>
+              <a:t>identifying</a:t>
+            </a:r>
+            <a:r>
+              <a:rPr lang="fi-FI" sz="1200" dirty="0"/>
+              <a:t> image </a:t>
+            </a:r>
+            <a:r>
+              <a:rPr lang="fi-FI" sz="1200" dirty="0" err="1"/>
+              <a:t>objects</a:t>
+            </a:r>
+            <a:endParaRPr lang="fi-FI" sz="1200" dirty="0"/>
+          </a:p>
+          <a:p>
+            <a:pPr marL="285750" indent="-285750">
+              <a:buFont typeface="Arial" panose="020B0604020202020204" pitchFamily="34" charset="0"/>
+              <a:buChar char="•"/>
+            </a:pPr>
+            <a:r>
+              <a:rPr lang="fi-FI" sz="1200" dirty="0" err="1"/>
+              <a:t>predicting</a:t>
+            </a:r>
+            <a:r>
+              <a:rPr lang="fi-FI" sz="1200" dirty="0"/>
+              <a:t> image </a:t>
+            </a:r>
+            <a:r>
+              <a:rPr lang="fi-FI" sz="1200" dirty="0" err="1"/>
+              <a:t>object</a:t>
+            </a:r>
+            <a:r>
+              <a:rPr lang="fi-FI" sz="1200" dirty="0"/>
+              <a:t> </a:t>
+            </a:r>
+            <a:r>
+              <a:rPr lang="fi-FI" sz="1200" dirty="0" err="1"/>
+              <a:t>locations</a:t>
+            </a:r>
+            <a:r>
+              <a:rPr lang="fi-FI" sz="1200" dirty="0"/>
+              <a:t> for </a:t>
+            </a:r>
+            <a:r>
+              <a:rPr lang="fi-FI" sz="1200" dirty="0" err="1"/>
+              <a:t>hidden</a:t>
+            </a:r>
+            <a:r>
+              <a:rPr lang="fi-FI" sz="1200" dirty="0"/>
+              <a:t> </a:t>
+            </a:r>
+            <a:r>
+              <a:rPr lang="fi-FI" sz="1200" dirty="0" err="1"/>
+              <a:t>objects</a:t>
+            </a:r>
+            <a:endParaRPr lang="fi-FI" sz="1200" dirty="0"/>
+          </a:p>
+          <a:p>
+            <a:pPr marL="285750" indent="-285750">
+              <a:buFont typeface="Arial" panose="020B0604020202020204" pitchFamily="34" charset="0"/>
+              <a:buChar char="•"/>
+            </a:pPr>
+            <a:endParaRPr lang="en-GB" sz="1200" dirty="0"/>
+          </a:p>
+        </p:txBody>
+      </p:sp>
+      <p:sp>
+        <p:nvSpPr>
+          <p:cNvPr id="11" name="Tekstiruutu 10">
+            <a:extLst>
+              <a:ext uri="{FF2B5EF4-FFF2-40B4-BE49-F238E27FC236}">
+                <a16:creationId xmlns:a16="http://schemas.microsoft.com/office/drawing/2014/main" id="{D1C0B85C-DDEF-4CCB-B745-B773EA571FE9}"/>
+              </a:ext>
+            </a:extLst>
+          </p:cNvPr>
+          <p:cNvSpPr txBox="1"/>
+          <p:nvPr/>
+        </p:nvSpPr>
+        <p:spPr>
+          <a:xfrm>
+            <a:off x="9660557" y="646967"/>
+            <a:ext cx="2194559" cy="2031325"/>
+          </a:xfrm>
+          <a:prstGeom prst="rect">
+            <a:avLst/>
+          </a:prstGeom>
+          <a:noFill/>
+        </p:spPr>
+        <p:txBody>
+          <a:bodyPr wrap="square" rtlCol="0">
+            <a:spAutoFit/>
+          </a:bodyPr>
+          <a:lstStyle/>
+          <a:p>
+            <a:r>
+              <a:rPr lang="fi-FI" sz="900" b="1" dirty="0"/>
+              <a:t>Image </a:t>
+            </a:r>
+            <a:r>
+              <a:rPr lang="fi-FI" sz="900" b="1" dirty="0" err="1"/>
+              <a:t>object</a:t>
+            </a:r>
+            <a:endParaRPr lang="fi-FI" sz="900" b="1" dirty="0"/>
+          </a:p>
+          <a:p>
+            <a:pPr marL="742950" lvl="1" indent="-285750">
+              <a:buFont typeface="Arial" panose="020B0604020202020204" pitchFamily="34" charset="0"/>
+              <a:buChar char="•"/>
+            </a:pPr>
+            <a:r>
+              <a:rPr lang="fi-FI" sz="900" dirty="0"/>
+              <a:t>id</a:t>
+            </a:r>
+          </a:p>
+          <a:p>
+            <a:pPr marL="742950" lvl="1" indent="-285750">
+              <a:buFont typeface="Arial" panose="020B0604020202020204" pitchFamily="34" charset="0"/>
+              <a:buChar char="•"/>
+            </a:pPr>
+            <a:r>
+              <a:rPr lang="fi-FI" sz="900" dirty="0"/>
+              <a:t>status</a:t>
+            </a:r>
+          </a:p>
+          <a:p>
+            <a:pPr marL="742950" lvl="1" indent="-285750">
+              <a:buFont typeface="Arial" panose="020B0604020202020204" pitchFamily="34" charset="0"/>
+              <a:buChar char="•"/>
+            </a:pPr>
+            <a:r>
+              <a:rPr lang="fi-FI" sz="900" dirty="0" err="1"/>
+              <a:t>x_min</a:t>
+            </a:r>
+            <a:endParaRPr lang="fi-FI" sz="900" dirty="0"/>
+          </a:p>
+          <a:p>
+            <a:pPr marL="742950" lvl="1" indent="-285750">
+              <a:buFont typeface="Arial" panose="020B0604020202020204" pitchFamily="34" charset="0"/>
+              <a:buChar char="•"/>
+            </a:pPr>
+            <a:r>
+              <a:rPr lang="fi-FI" sz="900" dirty="0" err="1"/>
+              <a:t>x_max</a:t>
+            </a:r>
+            <a:endParaRPr lang="fi-FI" sz="900" dirty="0"/>
+          </a:p>
+          <a:p>
+            <a:pPr marL="742950" lvl="1" indent="-285750">
+              <a:buFont typeface="Arial" panose="020B0604020202020204" pitchFamily="34" charset="0"/>
+              <a:buChar char="•"/>
+            </a:pPr>
+            <a:r>
+              <a:rPr lang="fi-FI" sz="900" dirty="0" err="1"/>
+              <a:t>y_min</a:t>
+            </a:r>
+            <a:endParaRPr lang="fi-FI" sz="900" dirty="0"/>
+          </a:p>
+          <a:p>
+            <a:pPr marL="742950" lvl="1" indent="-285750">
+              <a:buFont typeface="Arial" panose="020B0604020202020204" pitchFamily="34" charset="0"/>
+              <a:buChar char="•"/>
+            </a:pPr>
+            <a:r>
+              <a:rPr lang="fi-FI" sz="900" dirty="0" err="1"/>
+              <a:t>y_max</a:t>
+            </a:r>
+            <a:endParaRPr lang="fi-FI" sz="900" dirty="0"/>
+          </a:p>
+          <a:p>
+            <a:pPr marL="742950" lvl="1" indent="-285750">
+              <a:buFont typeface="Arial" panose="020B0604020202020204" pitchFamily="34" charset="0"/>
+              <a:buChar char="•"/>
+            </a:pPr>
+            <a:r>
+              <a:rPr lang="fi-FI" sz="900" dirty="0" err="1"/>
+              <a:t>vx_min</a:t>
+            </a:r>
+            <a:endParaRPr lang="fi-FI" sz="900" dirty="0"/>
+          </a:p>
+          <a:p>
+            <a:pPr marL="742950" lvl="1" indent="-285750">
+              <a:buFont typeface="Arial" panose="020B0604020202020204" pitchFamily="34" charset="0"/>
+              <a:buChar char="•"/>
+            </a:pPr>
+            <a:r>
+              <a:rPr lang="fi-FI" sz="900" dirty="0" err="1"/>
+              <a:t>vx_max</a:t>
+            </a:r>
+            <a:endParaRPr lang="fi-FI" sz="900" dirty="0"/>
+          </a:p>
+          <a:p>
+            <a:pPr marL="742950" lvl="1" indent="-285750">
+              <a:buFont typeface="Arial" panose="020B0604020202020204" pitchFamily="34" charset="0"/>
+              <a:buChar char="•"/>
+            </a:pPr>
+            <a:r>
+              <a:rPr lang="fi-FI" sz="900" dirty="0" err="1"/>
+              <a:t>vy_min</a:t>
+            </a:r>
+            <a:endParaRPr lang="fi-FI" sz="900" dirty="0"/>
+          </a:p>
+          <a:p>
+            <a:pPr marL="742950" lvl="1" indent="-285750">
+              <a:buFont typeface="Arial" panose="020B0604020202020204" pitchFamily="34" charset="0"/>
+              <a:buChar char="•"/>
+            </a:pPr>
+            <a:r>
+              <a:rPr lang="fi-FI" sz="900" dirty="0" err="1"/>
+              <a:t>vy_max</a:t>
+            </a:r>
+            <a:endParaRPr lang="fi-FI" sz="900" dirty="0"/>
+          </a:p>
+          <a:p>
+            <a:pPr marL="742950" lvl="1" indent="-285750">
+              <a:buFont typeface="Arial" panose="020B0604020202020204" pitchFamily="34" charset="0"/>
+              <a:buChar char="•"/>
+            </a:pPr>
+            <a:r>
+              <a:rPr lang="fi-FI" sz="900" dirty="0" err="1"/>
+              <a:t>class</a:t>
+            </a:r>
+            <a:endParaRPr lang="fi-FI" sz="900" dirty="0"/>
+          </a:p>
+          <a:p>
+            <a:pPr marL="742950" lvl="1" indent="-285750">
+              <a:buFont typeface="Arial" panose="020B0604020202020204" pitchFamily="34" charset="0"/>
+              <a:buChar char="•"/>
+            </a:pPr>
+            <a:r>
+              <a:rPr lang="fi-FI" sz="900" dirty="0" err="1"/>
+              <a:t>confidence</a:t>
+            </a:r>
+            <a:endParaRPr lang="fi-FI" sz="900" dirty="0"/>
+          </a:p>
+          <a:p>
+            <a:pPr marL="742950" lvl="1" indent="-285750">
+              <a:buFont typeface="Arial" panose="020B0604020202020204" pitchFamily="34" charset="0"/>
+              <a:buChar char="•"/>
+            </a:pPr>
+            <a:r>
+              <a:rPr lang="fi-FI" sz="900" dirty="0" err="1"/>
+              <a:t>appearance</a:t>
+            </a:r>
+            <a:endParaRPr lang="en-GB" sz="900" dirty="0"/>
+          </a:p>
+        </p:txBody>
+      </p:sp>
+      <p:sp>
+        <p:nvSpPr>
+          <p:cNvPr id="12" name="Tekstiruutu 11">
+            <a:extLst>
+              <a:ext uri="{FF2B5EF4-FFF2-40B4-BE49-F238E27FC236}">
+                <a16:creationId xmlns:a16="http://schemas.microsoft.com/office/drawing/2014/main" id="{0055E88A-FB29-4B73-9AC1-DA797C904430}"/>
+              </a:ext>
+            </a:extLst>
+          </p:cNvPr>
+          <p:cNvSpPr txBox="1"/>
+          <p:nvPr/>
+        </p:nvSpPr>
+        <p:spPr>
+          <a:xfrm>
+            <a:off x="5210629" y="2108122"/>
+            <a:ext cx="2142061" cy="369332"/>
+          </a:xfrm>
+          <a:prstGeom prst="rect">
+            <a:avLst/>
+          </a:prstGeom>
+          <a:noFill/>
+        </p:spPr>
+        <p:txBody>
+          <a:bodyPr wrap="none" rtlCol="0">
+            <a:spAutoFit/>
+          </a:bodyPr>
+          <a:lstStyle/>
+          <a:p>
+            <a:r>
+              <a:rPr lang="fi-FI" dirty="0" err="1"/>
+              <a:t>Estimation</a:t>
+            </a:r>
+            <a:r>
+              <a:rPr lang="fi-FI" dirty="0"/>
+              <a:t> </a:t>
+            </a:r>
+            <a:r>
+              <a:rPr lang="fi-FI" dirty="0" err="1"/>
+              <a:t>algorithm</a:t>
+            </a:r>
+            <a:endParaRPr lang="en-GB" dirty="0"/>
+          </a:p>
+        </p:txBody>
+      </p:sp>
+      <p:pic>
+        <p:nvPicPr>
+          <p:cNvPr id="7" name="Kuva 6">
+            <a:extLst>
+              <a:ext uri="{FF2B5EF4-FFF2-40B4-BE49-F238E27FC236}">
+                <a16:creationId xmlns:a16="http://schemas.microsoft.com/office/drawing/2014/main" id="{136E1E2E-2147-4AF4-A2E5-97606A9C6109}"/>
+              </a:ext>
+            </a:extLst>
+          </p:cNvPr>
+          <p:cNvPicPr>
+            <a:picLocks noChangeAspect="1"/>
+          </p:cNvPicPr>
+          <p:nvPr/>
+        </p:nvPicPr>
+        <p:blipFill>
+          <a:blip r:embed="rId2"/>
+          <a:stretch>
+            <a:fillRect/>
+          </a:stretch>
+        </p:blipFill>
+        <p:spPr>
+          <a:xfrm>
+            <a:off x="5327391" y="2477454"/>
+            <a:ext cx="4029953" cy="3922267"/>
+          </a:xfrm>
+          <a:prstGeom prst="rect">
+            <a:avLst/>
+          </a:prstGeom>
+        </p:spPr>
+      </p:pic>
+      <p:sp>
+        <p:nvSpPr>
+          <p:cNvPr id="9" name="Tekstiruutu 8">
+            <a:extLst>
+              <a:ext uri="{FF2B5EF4-FFF2-40B4-BE49-F238E27FC236}">
+                <a16:creationId xmlns:a16="http://schemas.microsoft.com/office/drawing/2014/main" id="{F77F2547-D40C-4961-AC79-1DAF7909C200}"/>
+              </a:ext>
+            </a:extLst>
+          </p:cNvPr>
+          <p:cNvSpPr txBox="1"/>
+          <p:nvPr/>
+        </p:nvSpPr>
+        <p:spPr>
+          <a:xfrm>
+            <a:off x="7410339" y="5097316"/>
+            <a:ext cx="3730508" cy="400110"/>
+          </a:xfrm>
+          <a:prstGeom prst="rect">
+            <a:avLst/>
+          </a:prstGeom>
+          <a:noFill/>
+        </p:spPr>
+        <p:txBody>
+          <a:bodyPr wrap="none" rtlCol="0">
+            <a:spAutoFit/>
+          </a:bodyPr>
+          <a:lstStyle/>
+          <a:p>
+            <a:r>
+              <a:rPr lang="fi-FI" sz="1000" dirty="0" err="1"/>
+              <a:t>Numerical</a:t>
+            </a:r>
+            <a:r>
+              <a:rPr lang="fi-FI" sz="1000" dirty="0"/>
+              <a:t> </a:t>
+            </a:r>
+            <a:r>
+              <a:rPr lang="fi-FI" sz="1000" dirty="0" err="1"/>
+              <a:t>values</a:t>
+            </a:r>
+            <a:r>
+              <a:rPr lang="fi-FI" sz="1000" dirty="0"/>
+              <a:t> </a:t>
+            </a:r>
+            <a:r>
+              <a:rPr lang="fi-FI" sz="1000" dirty="0" err="1"/>
+              <a:t>are</a:t>
+            </a:r>
+            <a:r>
+              <a:rPr lang="fi-FI" sz="1000" dirty="0"/>
+              <a:t> </a:t>
+            </a:r>
+            <a:r>
+              <a:rPr lang="fi-FI" sz="1000" dirty="0" err="1"/>
+              <a:t>estimated</a:t>
+            </a:r>
+            <a:r>
+              <a:rPr lang="fi-FI" sz="1000" dirty="0"/>
+              <a:t> </a:t>
+            </a:r>
+            <a:r>
+              <a:rPr lang="fi-FI" sz="1000" dirty="0" err="1"/>
+              <a:t>using</a:t>
+            </a:r>
+            <a:r>
+              <a:rPr lang="fi-FI" sz="1000" dirty="0"/>
+              <a:t> </a:t>
+            </a:r>
+            <a:r>
+              <a:rPr lang="fi-FI" sz="1000" dirty="0" err="1"/>
+              <a:t>grid</a:t>
+            </a:r>
+            <a:r>
+              <a:rPr lang="fi-FI" sz="1000" dirty="0"/>
+              <a:t> </a:t>
+            </a:r>
+            <a:r>
+              <a:rPr lang="fi-FI" sz="1000" dirty="0" err="1"/>
+              <a:t>search</a:t>
+            </a:r>
+            <a:r>
+              <a:rPr lang="fi-FI" sz="1000" dirty="0"/>
+              <a:t> and 10 </a:t>
+            </a:r>
+            <a:r>
+              <a:rPr lang="fi-FI" sz="1000" dirty="0" err="1"/>
+              <a:t>step</a:t>
+            </a:r>
+            <a:r>
+              <a:rPr lang="fi-FI" sz="1000" dirty="0"/>
+              <a:t> </a:t>
+            </a:r>
+            <a:r>
+              <a:rPr lang="fi-FI" sz="1000" dirty="0" err="1"/>
+              <a:t>ahead</a:t>
+            </a:r>
+            <a:endParaRPr lang="fi-FI" sz="1000" dirty="0"/>
+          </a:p>
+          <a:p>
+            <a:r>
+              <a:rPr lang="fi-FI" sz="1000" dirty="0" err="1"/>
+              <a:t>mean</a:t>
+            </a:r>
+            <a:r>
+              <a:rPr lang="fi-FI" sz="1000" dirty="0"/>
+              <a:t> </a:t>
+            </a:r>
+            <a:r>
+              <a:rPr lang="fi-FI" sz="1000" dirty="0" err="1"/>
+              <a:t>prediction</a:t>
+            </a:r>
+            <a:r>
+              <a:rPr lang="fi-FI" sz="1000" dirty="0"/>
+              <a:t> </a:t>
+            </a:r>
+            <a:r>
+              <a:rPr lang="fi-FI" sz="1000" dirty="0" err="1"/>
+              <a:t>error</a:t>
+            </a:r>
+            <a:r>
+              <a:rPr lang="fi-FI" sz="1000" dirty="0"/>
+              <a:t>. </a:t>
+            </a:r>
+            <a:r>
+              <a:rPr lang="fi-FI" sz="1000" dirty="0" err="1"/>
+              <a:t>Values</a:t>
+            </a:r>
+            <a:r>
+              <a:rPr lang="fi-FI" sz="1000" dirty="0"/>
+              <a:t> </a:t>
+            </a:r>
+            <a:r>
+              <a:rPr lang="fi-FI" sz="1000" dirty="0" err="1"/>
+              <a:t>rounded</a:t>
+            </a:r>
+            <a:r>
+              <a:rPr lang="fi-FI" sz="1000" dirty="0"/>
+              <a:t>.</a:t>
+            </a:r>
+            <a:endParaRPr lang="en-GB" sz="1000" dirty="0"/>
+          </a:p>
+        </p:txBody>
+      </p:sp>
+    </p:spTree>
+    <p:extLst>
+      <p:ext uri="{BB962C8B-B14F-4D97-AF65-F5344CB8AC3E}">
+        <p14:creationId xmlns:p14="http://schemas.microsoft.com/office/powerpoint/2010/main" val="3763392121"/>
+      </p:ext>
+    </p:extLst>
+  </p:cSld>
+  <p:clrMapOvr>
+    <a:masterClrMapping/>
+  </p:clrMapOvr>
+</p:sld>
+</file>
+
+<file path=ppt/slides/slide4.xml><?xml version="1.0" encoding="utf-8"?>
+<p:sld xmlns:a="http://schemas.openxmlformats.org/drawingml/2006/main" xmlns:r="http://schemas.openxmlformats.org/officeDocument/2006/relationships" xmlns:p="http://schemas.openxmlformats.org/presentationml/2006/main">
+  <p:cSld>
+    <p:bg>
+      <p:bgPr>
+        <a:solidFill>
+          <a:schemeClr val="bg1"/>
+        </a:solidFill>
+        <a:effectLst/>
+      </p:bgPr>
+    </p:bg>
+    <p:spTree>
+      <p:nvGrpSpPr>
+        <p:cNvPr id="1" name=""/>
+        <p:cNvGrpSpPr/>
+        <p:nvPr/>
+      </p:nvGrpSpPr>
+      <p:grpSpPr>
+        <a:xfrm>
+          <a:off x="0" y="0"/>
+          <a:ext cx="0" cy="0"/>
+          <a:chOff x="0" y="0"/>
+          <a:chExt cx="0" cy="0"/>
+        </a:xfrm>
+      </p:grpSpPr>
+      <p:sp>
+        <p:nvSpPr>
+          <p:cNvPr id="71" name="Rectangle 70">
+            <a:extLst>
+              <a:ext uri="{FF2B5EF4-FFF2-40B4-BE49-F238E27FC236}">
+                <a16:creationId xmlns:a16="http://schemas.microsoft.com/office/drawing/2014/main" id="{AB45A142-4255-493C-8284-5D566C121B10}"/>
+              </a:ext>
+            </a:extLst>
+          </p:cNvPr>
+          <p:cNvSpPr>
+            <a:spLocks noGrp="1" noRot="1" noChangeAspect="1" noMove="1" noResize="1" noEditPoints="1" noAdjustHandles="1" noChangeArrowheads="1" noChangeShapeType="1" noTextEdit="1"/>
+          </p:cNvSpPr>
+          <p:nvPr>
+            <p:extLst>
+              <p:ext uri="{386F3935-93C4-4BCD-93E2-E3B085C9AB24}">
+                <p16:designElem xmlns:p16="http://schemas.microsoft.com/office/powerpoint/2015/main" val="1"/>
+              </p:ext>
+            </p:extLst>
+          </p:nvPr>
+        </p:nvSpPr>
+        <p:spPr bwMode="ltGray">
+          <a:xfrm>
+            <a:off x="336884" y="321177"/>
+            <a:ext cx="4332307" cy="6179552"/>
+          </a:xfrm>
+          <a:prstGeom prst="rect">
+            <a:avLst/>
+          </a:prstGeom>
+          <a:solidFill>
+            <a:schemeClr val="tx1">
+              <a:lumMod val="75000"/>
+              <a:lumOff val="25000"/>
+            </a:schemeClr>
+          </a:solidFill>
+          <a:ln w="127000" cap="sq" cmpd="thinThick">
+            <a:solidFill>
+              <a:schemeClr val="tx1">
+                <a:lumMod val="75000"/>
+                <a:lumOff val="25000"/>
+              </a:schemeClr>
+            </a:solidFill>
+          </a:ln>
+        </p:spPr>
+        <p:style>
+          <a:lnRef idx="2">
+            <a:schemeClr val="accent1">
+              <a:shade val="50000"/>
+            </a:schemeClr>
+          </a:lnRef>
+          <a:fillRef idx="1">
+            <a:schemeClr val="accent1"/>
+          </a:fillRef>
+          <a:effectRef idx="0">
+            <a:schemeClr val="accent1"/>
+          </a:effectRef>
+          <a:fontRef idx="minor">
+            <a:schemeClr val="lt1"/>
+          </a:fontRef>
+        </p:style>
+        <p:txBody>
+          <a:bodyPr rtlCol="0" anchor="ctr"/>
+          <a:lstStyle/>
+          <a:p>
+            <a:pPr algn="ctr"/>
+            <a:endParaRPr lang="en-US"/>
+          </a:p>
+        </p:txBody>
+      </p:sp>
+      <p:cxnSp>
+        <p:nvCxnSpPr>
+          <p:cNvPr id="73" name="Straight Connector 72">
+            <a:extLst>
+              <a:ext uri="{FF2B5EF4-FFF2-40B4-BE49-F238E27FC236}">
+                <a16:creationId xmlns:a16="http://schemas.microsoft.com/office/drawing/2014/main" id="{38FB9660-F42F-4313-BBC4-47C007FE484C}"/>
+              </a:ext>
+            </a:extLst>
+          </p:cNvPr>
+          <p:cNvCxnSpPr>
+            <a:cxnSpLocks noGrp="1" noRot="1" noChangeAspect="1" noMove="1" noResize="1" noEditPoints="1" noAdjustHandles="1" noChangeArrowheads="1" noChangeShapeType="1"/>
+          </p:cNvCxnSpPr>
+          <p:nvPr>
+            <p:extLst>
+              <p:ext uri="{386F3935-93C4-4BCD-93E2-E3B085C9AB24}">
+                <p16:designElem xmlns:p16="http://schemas.microsoft.com/office/powerpoint/2015/main" val="1"/>
+              </p:ext>
+            </p:extLst>
+          </p:nvPr>
+        </p:nvCxnSpPr>
+        <p:spPr>
+          <a:xfrm>
+            <a:off x="1191126" y="3910267"/>
+            <a:ext cx="2586790" cy="0"/>
+          </a:xfrm>
+          <a:prstGeom prst="line">
+            <a:avLst/>
+          </a:prstGeom>
+          <a:ln w="22225">
+            <a:solidFill>
+              <a:schemeClr val="bg1">
+                <a:lumMod val="85000"/>
+              </a:schemeClr>
+            </a:solidFill>
+          </a:ln>
+        </p:spPr>
+        <p:style>
+          <a:lnRef idx="1">
+            <a:schemeClr val="accent1"/>
+          </a:lnRef>
+          <a:fillRef idx="0">
+            <a:schemeClr val="accent1"/>
+          </a:fillRef>
+          <a:effectRef idx="0">
+            <a:schemeClr val="accent1"/>
+          </a:effectRef>
+          <a:fontRef idx="minor">
+            <a:schemeClr val="tx1"/>
+          </a:fontRef>
+        </p:style>
+      </p:cxnSp>
+      <p:sp>
+        <p:nvSpPr>
+          <p:cNvPr id="5" name="Tekstiruutu 4">
+            <a:extLst>
+              <a:ext uri="{FF2B5EF4-FFF2-40B4-BE49-F238E27FC236}">
+                <a16:creationId xmlns:a16="http://schemas.microsoft.com/office/drawing/2014/main" id="{96513FD4-02A8-4B70-98A1-6EDA16999002}"/>
+              </a:ext>
+            </a:extLst>
+          </p:cNvPr>
+          <p:cNvSpPr txBox="1"/>
+          <p:nvPr/>
+        </p:nvSpPr>
+        <p:spPr>
+          <a:xfrm>
+            <a:off x="501997" y="914400"/>
+            <a:ext cx="4103583" cy="2918123"/>
+          </a:xfrm>
+          <a:prstGeom prst="rect">
+            <a:avLst/>
+          </a:prstGeom>
+        </p:spPr>
+        <p:txBody>
+          <a:bodyPr vert="horz" lIns="91440" tIns="45720" rIns="91440" bIns="45720" rtlCol="0" anchor="b">
+            <a:normAutofit/>
+          </a:bodyPr>
+          <a:lstStyle/>
+          <a:p>
+            <a:pPr algn="ctr">
+              <a:lnSpc>
+                <a:spcPct val="90000"/>
+              </a:lnSpc>
+              <a:spcBef>
+                <a:spcPct val="0"/>
+              </a:spcBef>
+              <a:spcAft>
+                <a:spcPts val="600"/>
+              </a:spcAft>
+            </a:pPr>
+            <a:r>
+              <a:rPr lang="en-US" sz="4800" dirty="0">
+                <a:solidFill>
+                  <a:schemeClr val="bg1"/>
+                </a:solidFill>
+                <a:latin typeface="+mj-lt"/>
+                <a:ea typeface="+mj-ea"/>
+                <a:cs typeface="+mj-cs"/>
+              </a:rPr>
+              <a:t>Image Object Velocity Estimation</a:t>
+            </a:r>
+            <a:endParaRPr lang="en-US" sz="4800" kern="1200" dirty="0">
+              <a:solidFill>
+                <a:schemeClr val="bg1"/>
+              </a:solidFill>
+              <a:latin typeface="+mj-lt"/>
+              <a:ea typeface="+mj-ea"/>
+              <a:cs typeface="+mj-cs"/>
+            </a:endParaRPr>
+          </a:p>
+        </p:txBody>
+      </p:sp>
+      <p:sp>
+        <p:nvSpPr>
+          <p:cNvPr id="8" name="Tekstiruutu 7">
+            <a:extLst>
+              <a:ext uri="{FF2B5EF4-FFF2-40B4-BE49-F238E27FC236}">
+                <a16:creationId xmlns:a16="http://schemas.microsoft.com/office/drawing/2014/main" id="{9B206AA3-16A3-48F3-A1A4-0A4F62824601}"/>
+              </a:ext>
+            </a:extLst>
+          </p:cNvPr>
+          <p:cNvSpPr txBox="1"/>
+          <p:nvPr/>
+        </p:nvSpPr>
+        <p:spPr>
+          <a:xfrm>
+            <a:off x="5210629" y="277635"/>
+            <a:ext cx="2012346" cy="369332"/>
+          </a:xfrm>
+          <a:prstGeom prst="rect">
+            <a:avLst/>
+          </a:prstGeom>
+          <a:noFill/>
+        </p:spPr>
+        <p:txBody>
+          <a:bodyPr wrap="none" rtlCol="0">
+            <a:spAutoFit/>
+          </a:bodyPr>
+          <a:lstStyle/>
+          <a:p>
+            <a:r>
+              <a:rPr lang="fi-FI" dirty="0" err="1"/>
+              <a:t>Moving</a:t>
+            </a:r>
+            <a:r>
+              <a:rPr lang="fi-FI" dirty="0"/>
+              <a:t> </a:t>
+            </a:r>
+            <a:r>
+              <a:rPr lang="fi-FI" dirty="0" err="1"/>
+              <a:t>object</a:t>
+            </a:r>
+            <a:r>
+              <a:rPr lang="fi-FI" dirty="0"/>
+              <a:t> (</a:t>
+            </a:r>
+            <a:r>
+              <a:rPr lang="fi-FI" dirty="0" err="1"/>
+              <a:t>car</a:t>
+            </a:r>
+            <a:r>
+              <a:rPr lang="fi-FI" dirty="0"/>
+              <a:t>)</a:t>
+            </a:r>
+            <a:endParaRPr lang="en-GB" dirty="0"/>
+          </a:p>
+        </p:txBody>
+      </p:sp>
+      <p:pic>
+        <p:nvPicPr>
+          <p:cNvPr id="2" name="Kuva 1">
+            <a:extLst>
+              <a:ext uri="{FF2B5EF4-FFF2-40B4-BE49-F238E27FC236}">
+                <a16:creationId xmlns:a16="http://schemas.microsoft.com/office/drawing/2014/main" id="{85B2F468-93D9-4C02-91D7-B3A80D2AA1A4}"/>
+              </a:ext>
+            </a:extLst>
+          </p:cNvPr>
+          <p:cNvPicPr>
+            <a:picLocks noChangeAspect="1"/>
+          </p:cNvPicPr>
+          <p:nvPr/>
+        </p:nvPicPr>
+        <p:blipFill>
+          <a:blip r:embed="rId2"/>
+          <a:stretch>
+            <a:fillRect/>
+          </a:stretch>
+        </p:blipFill>
+        <p:spPr>
+          <a:xfrm>
+            <a:off x="5263491" y="955950"/>
+            <a:ext cx="2906732" cy="1999880"/>
+          </a:xfrm>
+          <a:prstGeom prst="rect">
+            <a:avLst/>
+          </a:prstGeom>
+        </p:spPr>
+      </p:pic>
+      <p:sp>
+        <p:nvSpPr>
+          <p:cNvPr id="3" name="Tekstiruutu 2">
+            <a:extLst>
+              <a:ext uri="{FF2B5EF4-FFF2-40B4-BE49-F238E27FC236}">
+                <a16:creationId xmlns:a16="http://schemas.microsoft.com/office/drawing/2014/main" id="{E022C834-D3DD-42C3-A8A3-5F3C71A7619D}"/>
+              </a:ext>
+            </a:extLst>
+          </p:cNvPr>
+          <p:cNvSpPr txBox="1"/>
+          <p:nvPr/>
+        </p:nvSpPr>
+        <p:spPr>
+          <a:xfrm>
+            <a:off x="5356054" y="2939584"/>
+            <a:ext cx="2273379" cy="215444"/>
+          </a:xfrm>
+          <a:prstGeom prst="rect">
+            <a:avLst/>
+          </a:prstGeom>
+          <a:noFill/>
+        </p:spPr>
+        <p:txBody>
+          <a:bodyPr wrap="none" rtlCol="0">
+            <a:spAutoFit/>
+          </a:bodyPr>
+          <a:lstStyle/>
+          <a:p>
+            <a:r>
+              <a:rPr lang="fi-FI" sz="800" dirty="0" err="1"/>
+              <a:t>Measured</a:t>
+            </a:r>
+            <a:r>
+              <a:rPr lang="fi-FI" sz="800" dirty="0"/>
+              <a:t> and </a:t>
+            </a:r>
+            <a:r>
+              <a:rPr lang="fi-FI" sz="800" dirty="0" err="1"/>
+              <a:t>filtered</a:t>
+            </a:r>
+            <a:r>
+              <a:rPr lang="fi-FI" sz="800" dirty="0"/>
+              <a:t> </a:t>
+            </a:r>
+            <a:r>
+              <a:rPr lang="fi-FI" sz="800" dirty="0" err="1"/>
+              <a:t>location</a:t>
+            </a:r>
+            <a:r>
+              <a:rPr lang="fi-FI" sz="800" dirty="0"/>
+              <a:t> (</a:t>
+            </a:r>
+            <a:r>
+              <a:rPr lang="fi-FI" sz="800" dirty="0" err="1"/>
+              <a:t>upper</a:t>
+            </a:r>
+            <a:r>
+              <a:rPr lang="fi-FI" sz="800" dirty="0"/>
+              <a:t> </a:t>
+            </a:r>
+            <a:r>
+              <a:rPr lang="fi-FI" sz="800" dirty="0" err="1"/>
+              <a:t>left</a:t>
+            </a:r>
+            <a:r>
+              <a:rPr lang="fi-FI" sz="800" dirty="0"/>
+              <a:t> </a:t>
+            </a:r>
+            <a:r>
+              <a:rPr lang="fi-FI" sz="800" dirty="0" err="1"/>
+              <a:t>corner</a:t>
+            </a:r>
+            <a:r>
+              <a:rPr lang="fi-FI" sz="800" dirty="0"/>
+              <a:t>)</a:t>
+            </a:r>
+            <a:endParaRPr lang="en-GB" sz="800" dirty="0"/>
+          </a:p>
+        </p:txBody>
+      </p:sp>
+      <p:pic>
+        <p:nvPicPr>
+          <p:cNvPr id="6" name="Kuva 5">
+            <a:extLst>
+              <a:ext uri="{FF2B5EF4-FFF2-40B4-BE49-F238E27FC236}">
+                <a16:creationId xmlns:a16="http://schemas.microsoft.com/office/drawing/2014/main" id="{8D319349-0F6D-4590-96C3-51318B343936}"/>
+              </a:ext>
+            </a:extLst>
+          </p:cNvPr>
+          <p:cNvPicPr>
+            <a:picLocks noChangeAspect="1"/>
+          </p:cNvPicPr>
+          <p:nvPr/>
+        </p:nvPicPr>
+        <p:blipFill>
+          <a:blip r:embed="rId3"/>
+          <a:stretch>
+            <a:fillRect/>
+          </a:stretch>
+        </p:blipFill>
+        <p:spPr>
+          <a:xfrm>
+            <a:off x="8342724" y="952761"/>
+            <a:ext cx="2924749" cy="1999880"/>
+          </a:xfrm>
+          <a:prstGeom prst="rect">
+            <a:avLst/>
+          </a:prstGeom>
+        </p:spPr>
+      </p:pic>
+      <p:sp>
+        <p:nvSpPr>
+          <p:cNvPr id="14" name="Tekstiruutu 13">
+            <a:extLst>
+              <a:ext uri="{FF2B5EF4-FFF2-40B4-BE49-F238E27FC236}">
+                <a16:creationId xmlns:a16="http://schemas.microsoft.com/office/drawing/2014/main" id="{6D849E38-B2E4-4FC2-85B3-B39442565905}"/>
+              </a:ext>
+            </a:extLst>
+          </p:cNvPr>
+          <p:cNvSpPr txBox="1"/>
+          <p:nvPr/>
+        </p:nvSpPr>
+        <p:spPr>
+          <a:xfrm>
+            <a:off x="8450037" y="2955830"/>
+            <a:ext cx="949299" cy="215444"/>
+          </a:xfrm>
+          <a:prstGeom prst="rect">
+            <a:avLst/>
+          </a:prstGeom>
+          <a:noFill/>
+        </p:spPr>
+        <p:txBody>
+          <a:bodyPr wrap="none" rtlCol="0">
+            <a:spAutoFit/>
+          </a:bodyPr>
+          <a:lstStyle/>
+          <a:p>
+            <a:r>
+              <a:rPr lang="fi-FI" sz="800" dirty="0" err="1"/>
+              <a:t>Estimated</a:t>
+            </a:r>
+            <a:r>
+              <a:rPr lang="fi-FI" sz="800" dirty="0"/>
+              <a:t> </a:t>
+            </a:r>
+            <a:r>
+              <a:rPr lang="fi-FI" sz="800" dirty="0" err="1"/>
+              <a:t>velocity</a:t>
+            </a:r>
+            <a:endParaRPr lang="en-GB" sz="800" dirty="0"/>
+          </a:p>
+        </p:txBody>
+      </p:sp>
+      <p:pic>
+        <p:nvPicPr>
+          <p:cNvPr id="10" name="Kuva 9">
+            <a:extLst>
+              <a:ext uri="{FF2B5EF4-FFF2-40B4-BE49-F238E27FC236}">
+                <a16:creationId xmlns:a16="http://schemas.microsoft.com/office/drawing/2014/main" id="{A13C760E-BA1B-4FF9-BB89-A2CD5F00DEB9}"/>
+              </a:ext>
+            </a:extLst>
+          </p:cNvPr>
+          <p:cNvPicPr>
+            <a:picLocks noChangeAspect="1"/>
+          </p:cNvPicPr>
+          <p:nvPr/>
+        </p:nvPicPr>
+        <p:blipFill>
+          <a:blip r:embed="rId4"/>
+          <a:stretch>
+            <a:fillRect/>
+          </a:stretch>
+        </p:blipFill>
+        <p:spPr>
+          <a:xfrm>
+            <a:off x="5263491" y="3628460"/>
+            <a:ext cx="2906732" cy="1992322"/>
+          </a:xfrm>
+          <a:prstGeom prst="rect">
+            <a:avLst/>
+          </a:prstGeom>
+        </p:spPr>
+      </p:pic>
+      <p:sp>
+        <p:nvSpPr>
+          <p:cNvPr id="16" name="Tekstiruutu 15">
+            <a:extLst>
+              <a:ext uri="{FF2B5EF4-FFF2-40B4-BE49-F238E27FC236}">
+                <a16:creationId xmlns:a16="http://schemas.microsoft.com/office/drawing/2014/main" id="{65803031-0CCF-453A-B280-A6410B1621CD}"/>
+              </a:ext>
+            </a:extLst>
+          </p:cNvPr>
+          <p:cNvSpPr txBox="1"/>
+          <p:nvPr/>
+        </p:nvSpPr>
+        <p:spPr>
+          <a:xfrm>
+            <a:off x="5356054" y="5752056"/>
+            <a:ext cx="918841" cy="215444"/>
+          </a:xfrm>
+          <a:prstGeom prst="rect">
+            <a:avLst/>
+          </a:prstGeom>
+          <a:noFill/>
+        </p:spPr>
+        <p:txBody>
+          <a:bodyPr wrap="none" rtlCol="0">
+            <a:spAutoFit/>
+          </a:bodyPr>
+          <a:lstStyle/>
+          <a:p>
+            <a:r>
+              <a:rPr lang="fi-FI" sz="800" dirty="0" err="1"/>
+              <a:t>Location</a:t>
+            </a:r>
+            <a:r>
+              <a:rPr lang="fi-FI" sz="800" dirty="0"/>
+              <a:t> </a:t>
+            </a:r>
+            <a:r>
+              <a:rPr lang="fi-FI" sz="800" dirty="0" err="1"/>
+              <a:t>variance</a:t>
+            </a:r>
+            <a:endParaRPr lang="en-GB" sz="800" dirty="0"/>
+          </a:p>
+        </p:txBody>
+      </p:sp>
+      <p:pic>
+        <p:nvPicPr>
+          <p:cNvPr id="13" name="Kuva 12">
+            <a:extLst>
+              <a:ext uri="{FF2B5EF4-FFF2-40B4-BE49-F238E27FC236}">
+                <a16:creationId xmlns:a16="http://schemas.microsoft.com/office/drawing/2014/main" id="{D8EA34DE-DAA6-484F-A948-BA89448DC6F0}"/>
+              </a:ext>
+            </a:extLst>
+          </p:cNvPr>
+          <p:cNvPicPr>
+            <a:picLocks noChangeAspect="1"/>
+          </p:cNvPicPr>
+          <p:nvPr/>
+        </p:nvPicPr>
+        <p:blipFill>
+          <a:blip r:embed="rId5"/>
+          <a:stretch>
+            <a:fillRect/>
+          </a:stretch>
+        </p:blipFill>
+        <p:spPr>
+          <a:xfrm>
+            <a:off x="8342724" y="3628460"/>
+            <a:ext cx="2935118" cy="1992322"/>
+          </a:xfrm>
+          <a:prstGeom prst="rect">
+            <a:avLst/>
+          </a:prstGeom>
+        </p:spPr>
+      </p:pic>
+      <p:sp>
+        <p:nvSpPr>
+          <p:cNvPr id="18" name="Tekstiruutu 17">
+            <a:extLst>
+              <a:ext uri="{FF2B5EF4-FFF2-40B4-BE49-F238E27FC236}">
+                <a16:creationId xmlns:a16="http://schemas.microsoft.com/office/drawing/2014/main" id="{BD3E7608-9966-4A17-8503-C32F66CAF62D}"/>
+              </a:ext>
+            </a:extLst>
+          </p:cNvPr>
+          <p:cNvSpPr txBox="1"/>
+          <p:nvPr/>
+        </p:nvSpPr>
+        <p:spPr>
+          <a:xfrm>
+            <a:off x="8476486" y="5752056"/>
+            <a:ext cx="896399" cy="215444"/>
+          </a:xfrm>
+          <a:prstGeom prst="rect">
+            <a:avLst/>
+          </a:prstGeom>
+          <a:noFill/>
+        </p:spPr>
+        <p:txBody>
+          <a:bodyPr wrap="none" rtlCol="0">
+            <a:spAutoFit/>
+          </a:bodyPr>
+          <a:lstStyle/>
+          <a:p>
+            <a:r>
+              <a:rPr lang="fi-FI" sz="800" dirty="0" err="1"/>
+              <a:t>Velocity</a:t>
+            </a:r>
+            <a:r>
+              <a:rPr lang="fi-FI" sz="800" dirty="0"/>
+              <a:t> </a:t>
+            </a:r>
+            <a:r>
+              <a:rPr lang="fi-FI" sz="800" dirty="0" err="1"/>
+              <a:t>variance</a:t>
+            </a:r>
+            <a:endParaRPr lang="en-GB" sz="800" dirty="0"/>
+          </a:p>
+        </p:txBody>
+      </p:sp>
+    </p:spTree>
+    <p:extLst>
+      <p:ext uri="{BB962C8B-B14F-4D97-AF65-F5344CB8AC3E}">
+        <p14:creationId xmlns:p14="http://schemas.microsoft.com/office/powerpoint/2010/main" val="478398921"/>
+      </p:ext>
+    </p:extLst>
+  </p:cSld>
+  <p:clrMapOvr>
+    <a:masterClrMapping/>
+  </p:clrMapOvr>
+</p:sld>
+</file>
+
+<file path=ppt/slides/slide5.xml><?xml version="1.0" encoding="utf-8"?>
+<p:sld xmlns:a="http://schemas.openxmlformats.org/drawingml/2006/main" xmlns:r="http://schemas.openxmlformats.org/officeDocument/2006/relationships" xmlns:p="http://schemas.openxmlformats.org/presentationml/2006/main">
+  <p:cSld>
+    <p:bg>
+      <p:bgPr>
+        <a:solidFill>
+          <a:schemeClr val="bg1"/>
+        </a:solidFill>
+        <a:effectLst/>
+      </p:bgPr>
+    </p:bg>
+    <p:spTree>
+      <p:nvGrpSpPr>
+        <p:cNvPr id="1" name=""/>
+        <p:cNvGrpSpPr/>
+        <p:nvPr/>
+      </p:nvGrpSpPr>
+      <p:grpSpPr>
+        <a:xfrm>
+          <a:off x="0" y="0"/>
+          <a:ext cx="0" cy="0"/>
+          <a:chOff x="0" y="0"/>
+          <a:chExt cx="0" cy="0"/>
+        </a:xfrm>
+      </p:grpSpPr>
+      <p:sp>
+        <p:nvSpPr>
+          <p:cNvPr id="71" name="Rectangle 70">
+            <a:extLst>
+              <a:ext uri="{FF2B5EF4-FFF2-40B4-BE49-F238E27FC236}">
+                <a16:creationId xmlns:a16="http://schemas.microsoft.com/office/drawing/2014/main" id="{AB45A142-4255-493C-8284-5D566C121B10}"/>
+              </a:ext>
+            </a:extLst>
+          </p:cNvPr>
+          <p:cNvSpPr>
+            <a:spLocks noGrp="1" noRot="1" noChangeAspect="1" noMove="1" noResize="1" noEditPoints="1" noAdjustHandles="1" noChangeArrowheads="1" noChangeShapeType="1" noTextEdit="1"/>
+          </p:cNvSpPr>
+          <p:nvPr>
+            <p:extLst>
+              <p:ext uri="{386F3935-93C4-4BCD-93E2-E3B085C9AB24}">
+                <p16:designElem xmlns:p16="http://schemas.microsoft.com/office/powerpoint/2015/main" val="1"/>
+              </p:ext>
+            </p:extLst>
+          </p:nvPr>
+        </p:nvSpPr>
+        <p:spPr bwMode="ltGray">
+          <a:xfrm>
+            <a:off x="336884" y="321177"/>
+            <a:ext cx="4332307" cy="6179552"/>
+          </a:xfrm>
+          <a:prstGeom prst="rect">
+            <a:avLst/>
+          </a:prstGeom>
+          <a:solidFill>
+            <a:schemeClr val="tx1">
+              <a:lumMod val="75000"/>
+              <a:lumOff val="25000"/>
+            </a:schemeClr>
+          </a:solidFill>
+          <a:ln w="127000" cap="sq" cmpd="thinThick">
+            <a:solidFill>
+              <a:schemeClr val="tx1">
+                <a:lumMod val="75000"/>
+                <a:lumOff val="25000"/>
+              </a:schemeClr>
+            </a:solidFill>
+          </a:ln>
+        </p:spPr>
+        <p:style>
+          <a:lnRef idx="2">
+            <a:schemeClr val="accent1">
+              <a:shade val="50000"/>
+            </a:schemeClr>
+          </a:lnRef>
+          <a:fillRef idx="1">
+            <a:schemeClr val="accent1"/>
+          </a:fillRef>
+          <a:effectRef idx="0">
+            <a:schemeClr val="accent1"/>
+          </a:effectRef>
+          <a:fontRef idx="minor">
+            <a:schemeClr val="lt1"/>
+          </a:fontRef>
+        </p:style>
+        <p:txBody>
+          <a:bodyPr rtlCol="0" anchor="ctr"/>
+          <a:lstStyle/>
+          <a:p>
+            <a:pPr algn="ctr"/>
+            <a:endParaRPr lang="en-US"/>
+          </a:p>
+        </p:txBody>
+      </p:sp>
+      <p:cxnSp>
+        <p:nvCxnSpPr>
+          <p:cNvPr id="73" name="Straight Connector 72">
+            <a:extLst>
+              <a:ext uri="{FF2B5EF4-FFF2-40B4-BE49-F238E27FC236}">
+                <a16:creationId xmlns:a16="http://schemas.microsoft.com/office/drawing/2014/main" id="{38FB9660-F42F-4313-BBC4-47C007FE484C}"/>
+              </a:ext>
+            </a:extLst>
+          </p:cNvPr>
+          <p:cNvCxnSpPr>
+            <a:cxnSpLocks noGrp="1" noRot="1" noChangeAspect="1" noMove="1" noResize="1" noEditPoints="1" noAdjustHandles="1" noChangeArrowheads="1" noChangeShapeType="1"/>
+          </p:cNvCxnSpPr>
+          <p:nvPr>
+            <p:extLst>
+              <p:ext uri="{386F3935-93C4-4BCD-93E2-E3B085C9AB24}">
+                <p16:designElem xmlns:p16="http://schemas.microsoft.com/office/powerpoint/2015/main" val="1"/>
+              </p:ext>
+            </p:extLst>
+          </p:nvPr>
+        </p:nvCxnSpPr>
+        <p:spPr>
+          <a:xfrm>
+            <a:off x="1191126" y="3910267"/>
+            <a:ext cx="2586790" cy="0"/>
+          </a:xfrm>
+          <a:prstGeom prst="line">
+            <a:avLst/>
+          </a:prstGeom>
+          <a:ln w="22225">
+            <a:solidFill>
+              <a:schemeClr val="bg1">
+                <a:lumMod val="85000"/>
+              </a:schemeClr>
+            </a:solidFill>
+          </a:ln>
+        </p:spPr>
+        <p:style>
+          <a:lnRef idx="1">
+            <a:schemeClr val="accent1"/>
+          </a:lnRef>
+          <a:fillRef idx="0">
+            <a:schemeClr val="accent1"/>
+          </a:fillRef>
+          <a:effectRef idx="0">
+            <a:schemeClr val="accent1"/>
+          </a:effectRef>
+          <a:fontRef idx="minor">
+            <a:schemeClr val="tx1"/>
+          </a:fontRef>
+        </p:style>
+      </p:cxnSp>
+      <p:sp>
+        <p:nvSpPr>
+          <p:cNvPr id="5" name="Tekstiruutu 4">
+            <a:extLst>
+              <a:ext uri="{FF2B5EF4-FFF2-40B4-BE49-F238E27FC236}">
+                <a16:creationId xmlns:a16="http://schemas.microsoft.com/office/drawing/2014/main" id="{96513FD4-02A8-4B70-98A1-6EDA16999002}"/>
+              </a:ext>
+            </a:extLst>
+          </p:cNvPr>
+          <p:cNvSpPr txBox="1"/>
+          <p:nvPr/>
+        </p:nvSpPr>
+        <p:spPr>
+          <a:xfrm>
+            <a:off x="501997" y="914400"/>
+            <a:ext cx="4103583" cy="2918123"/>
+          </a:xfrm>
+          <a:prstGeom prst="rect">
+            <a:avLst/>
+          </a:prstGeom>
+        </p:spPr>
+        <p:txBody>
+          <a:bodyPr vert="horz" lIns="91440" tIns="45720" rIns="91440" bIns="45720" rtlCol="0" anchor="b">
+            <a:normAutofit/>
+          </a:bodyPr>
+          <a:lstStyle/>
+          <a:p>
+            <a:pPr algn="ctr">
+              <a:lnSpc>
+                <a:spcPct val="90000"/>
+              </a:lnSpc>
+              <a:spcBef>
+                <a:spcPct val="0"/>
+              </a:spcBef>
+              <a:spcAft>
+                <a:spcPts val="600"/>
+              </a:spcAft>
+            </a:pPr>
+            <a:r>
+              <a:rPr lang="en-US" sz="4800" dirty="0">
+                <a:solidFill>
+                  <a:schemeClr val="bg1"/>
+                </a:solidFill>
+                <a:latin typeface="+mj-lt"/>
+                <a:ea typeface="+mj-ea"/>
+                <a:cs typeface="+mj-cs"/>
+              </a:rPr>
+              <a:t>Image Object Velocity Estimation</a:t>
+            </a:r>
+            <a:endParaRPr lang="en-US" sz="4800" kern="1200" dirty="0">
+              <a:solidFill>
+                <a:schemeClr val="bg1"/>
+              </a:solidFill>
+              <a:latin typeface="+mj-lt"/>
+              <a:ea typeface="+mj-ea"/>
+              <a:cs typeface="+mj-cs"/>
+            </a:endParaRPr>
+          </a:p>
+        </p:txBody>
+      </p:sp>
+      <p:sp>
+        <p:nvSpPr>
+          <p:cNvPr id="8" name="Tekstiruutu 7">
+            <a:extLst>
+              <a:ext uri="{FF2B5EF4-FFF2-40B4-BE49-F238E27FC236}">
+                <a16:creationId xmlns:a16="http://schemas.microsoft.com/office/drawing/2014/main" id="{9B206AA3-16A3-48F3-A1A4-0A4F62824601}"/>
+              </a:ext>
+            </a:extLst>
+          </p:cNvPr>
+          <p:cNvSpPr txBox="1"/>
+          <p:nvPr/>
+        </p:nvSpPr>
+        <p:spPr>
+          <a:xfrm>
+            <a:off x="5210629" y="277635"/>
+            <a:ext cx="2012346" cy="369332"/>
+          </a:xfrm>
+          <a:prstGeom prst="rect">
+            <a:avLst/>
+          </a:prstGeom>
+          <a:noFill/>
+        </p:spPr>
+        <p:txBody>
+          <a:bodyPr wrap="none" rtlCol="0">
+            <a:spAutoFit/>
+          </a:bodyPr>
+          <a:lstStyle/>
+          <a:p>
+            <a:r>
+              <a:rPr lang="fi-FI" dirty="0" err="1"/>
+              <a:t>Moving</a:t>
+            </a:r>
+            <a:r>
+              <a:rPr lang="fi-FI" dirty="0"/>
+              <a:t> </a:t>
+            </a:r>
+            <a:r>
+              <a:rPr lang="fi-FI" dirty="0" err="1"/>
+              <a:t>object</a:t>
+            </a:r>
+            <a:r>
+              <a:rPr lang="fi-FI" dirty="0"/>
+              <a:t> (</a:t>
+            </a:r>
+            <a:r>
+              <a:rPr lang="fi-FI" dirty="0" err="1"/>
+              <a:t>car</a:t>
+            </a:r>
+            <a:r>
+              <a:rPr lang="fi-FI" dirty="0"/>
+              <a:t>)</a:t>
+            </a:r>
+            <a:endParaRPr lang="en-GB" dirty="0"/>
+          </a:p>
+        </p:txBody>
+      </p:sp>
+      <p:sp>
+        <p:nvSpPr>
+          <p:cNvPr id="16" name="Tekstiruutu 15">
+            <a:extLst>
+              <a:ext uri="{FF2B5EF4-FFF2-40B4-BE49-F238E27FC236}">
+                <a16:creationId xmlns:a16="http://schemas.microsoft.com/office/drawing/2014/main" id="{65803031-0CCF-453A-B280-A6410B1621CD}"/>
+              </a:ext>
+            </a:extLst>
+          </p:cNvPr>
+          <p:cNvSpPr txBox="1"/>
+          <p:nvPr/>
+        </p:nvSpPr>
+        <p:spPr>
+          <a:xfrm>
+            <a:off x="6639666" y="5645178"/>
+            <a:ext cx="1717137" cy="215444"/>
+          </a:xfrm>
+          <a:prstGeom prst="rect">
+            <a:avLst/>
+          </a:prstGeom>
+          <a:noFill/>
+        </p:spPr>
+        <p:txBody>
+          <a:bodyPr wrap="none" rtlCol="0">
+            <a:spAutoFit/>
+          </a:bodyPr>
+          <a:lstStyle/>
+          <a:p>
+            <a:r>
+              <a:rPr lang="fi-FI" sz="800" dirty="0"/>
+              <a:t>10 </a:t>
+            </a:r>
+            <a:r>
+              <a:rPr lang="fi-FI" sz="800" dirty="0" err="1"/>
+              <a:t>step</a:t>
+            </a:r>
+            <a:r>
+              <a:rPr lang="fi-FI" sz="800" dirty="0"/>
+              <a:t> </a:t>
+            </a:r>
+            <a:r>
+              <a:rPr lang="fi-FI" sz="800" dirty="0" err="1"/>
+              <a:t>ahead</a:t>
+            </a:r>
+            <a:r>
+              <a:rPr lang="fi-FI" sz="800" dirty="0"/>
+              <a:t> </a:t>
+            </a:r>
+            <a:r>
+              <a:rPr lang="fi-FI" sz="800" dirty="0" err="1"/>
+              <a:t>mean</a:t>
+            </a:r>
+            <a:r>
+              <a:rPr lang="fi-FI" sz="800" dirty="0"/>
+              <a:t> </a:t>
+            </a:r>
+            <a:r>
+              <a:rPr lang="fi-FI" sz="800" dirty="0" err="1"/>
+              <a:t>prediction</a:t>
+            </a:r>
+            <a:r>
+              <a:rPr lang="fi-FI" sz="800" dirty="0"/>
+              <a:t> </a:t>
+            </a:r>
+            <a:r>
+              <a:rPr lang="fi-FI" sz="800" dirty="0" err="1"/>
+              <a:t>error</a:t>
+            </a:r>
+            <a:endParaRPr lang="en-GB" sz="800" dirty="0"/>
+          </a:p>
+        </p:txBody>
+      </p:sp>
+      <p:pic>
+        <p:nvPicPr>
+          <p:cNvPr id="4" name="Kuva 3">
+            <a:extLst>
+              <a:ext uri="{FF2B5EF4-FFF2-40B4-BE49-F238E27FC236}">
+                <a16:creationId xmlns:a16="http://schemas.microsoft.com/office/drawing/2014/main" id="{5D4DD590-44E2-4751-9866-9ACC9C3B16E7}"/>
+              </a:ext>
+            </a:extLst>
+          </p:cNvPr>
+          <p:cNvPicPr>
+            <a:picLocks noChangeAspect="1"/>
+          </p:cNvPicPr>
+          <p:nvPr/>
+        </p:nvPicPr>
+        <p:blipFill>
+          <a:blip r:embed="rId2"/>
+          <a:stretch>
+            <a:fillRect/>
+          </a:stretch>
+        </p:blipFill>
+        <p:spPr>
+          <a:xfrm>
+            <a:off x="6556663" y="1226691"/>
+            <a:ext cx="3109486" cy="4313774"/>
+          </a:xfrm>
+          <a:prstGeom prst="rect">
+            <a:avLst/>
+          </a:prstGeom>
+        </p:spPr>
+      </p:pic>
+    </p:spTree>
+    <p:extLst>
+      <p:ext uri="{BB962C8B-B14F-4D97-AF65-F5344CB8AC3E}">
+        <p14:creationId xmlns:p14="http://schemas.microsoft.com/office/powerpoint/2010/main" val="3498217657"/>
+      </p:ext>
+    </p:extLst>
+  </p:cSld>
+  <p:clrMapOvr>
+    <a:masterClrMapping/>
+  </p:clrMapOvr>
+</p:sld>
+</file>
+
+<file path=ppt/slides/slide6.xml><?xml version="1.0" encoding="utf-8"?>
+<p:sld xmlns:a="http://schemas.openxmlformats.org/drawingml/2006/main" xmlns:r="http://schemas.openxmlformats.org/officeDocument/2006/relationships" xmlns:p="http://schemas.openxmlformats.org/presentationml/2006/main">
+  <p:cSld>
+    <p:bg>
+      <p:bgPr>
+        <a:solidFill>
+          <a:schemeClr val="bg1"/>
+        </a:solidFill>
+        <a:effectLst/>
+      </p:bgPr>
+    </p:bg>
+    <p:spTree>
+      <p:nvGrpSpPr>
+        <p:cNvPr id="1" name=""/>
+        <p:cNvGrpSpPr/>
+        <p:nvPr/>
+      </p:nvGrpSpPr>
+      <p:grpSpPr>
+        <a:xfrm>
+          <a:off x="0" y="0"/>
+          <a:ext cx="0" cy="0"/>
+          <a:chOff x="0" y="0"/>
+          <a:chExt cx="0" cy="0"/>
+        </a:xfrm>
+      </p:grpSpPr>
+      <p:sp>
+        <p:nvSpPr>
+          <p:cNvPr id="71" name="Rectangle 70">
+            <a:extLst>
+              <a:ext uri="{FF2B5EF4-FFF2-40B4-BE49-F238E27FC236}">
+                <a16:creationId xmlns:a16="http://schemas.microsoft.com/office/drawing/2014/main" id="{AB45A142-4255-493C-8284-5D566C121B10}"/>
+              </a:ext>
+            </a:extLst>
+          </p:cNvPr>
+          <p:cNvSpPr>
+            <a:spLocks noGrp="1" noRot="1" noChangeAspect="1" noMove="1" noResize="1" noEditPoints="1" noAdjustHandles="1" noChangeArrowheads="1" noChangeShapeType="1" noTextEdit="1"/>
+          </p:cNvSpPr>
+          <p:nvPr>
+            <p:extLst>
+              <p:ext uri="{386F3935-93C4-4BCD-93E2-E3B085C9AB24}">
+                <p16:designElem xmlns:p16="http://schemas.microsoft.com/office/powerpoint/2015/main" val="1"/>
+              </p:ext>
+            </p:extLst>
+          </p:nvPr>
+        </p:nvSpPr>
+        <p:spPr bwMode="ltGray">
+          <a:xfrm>
+            <a:off x="336884" y="321177"/>
+            <a:ext cx="4332307" cy="6179552"/>
+          </a:xfrm>
+          <a:prstGeom prst="rect">
+            <a:avLst/>
+          </a:prstGeom>
+          <a:solidFill>
+            <a:schemeClr val="tx1">
+              <a:lumMod val="75000"/>
+              <a:lumOff val="25000"/>
+            </a:schemeClr>
+          </a:solidFill>
+          <a:ln w="127000" cap="sq" cmpd="thinThick">
+            <a:solidFill>
+              <a:schemeClr val="tx1">
+                <a:lumMod val="75000"/>
+                <a:lumOff val="25000"/>
+              </a:schemeClr>
+            </a:solidFill>
+          </a:ln>
+        </p:spPr>
+        <p:style>
+          <a:lnRef idx="2">
+            <a:schemeClr val="accent1">
+              <a:shade val="50000"/>
+            </a:schemeClr>
+          </a:lnRef>
+          <a:fillRef idx="1">
+            <a:schemeClr val="accent1"/>
+          </a:fillRef>
+          <a:effectRef idx="0">
+            <a:schemeClr val="accent1"/>
+          </a:effectRef>
+          <a:fontRef idx="minor">
+            <a:schemeClr val="lt1"/>
+          </a:fontRef>
+        </p:style>
+        <p:txBody>
+          <a:bodyPr rtlCol="0" anchor="ctr"/>
+          <a:lstStyle/>
+          <a:p>
+            <a:pPr algn="ctr"/>
+            <a:endParaRPr lang="en-US"/>
+          </a:p>
+        </p:txBody>
+      </p:sp>
+      <p:cxnSp>
+        <p:nvCxnSpPr>
+          <p:cNvPr id="73" name="Straight Connector 72">
+            <a:extLst>
+              <a:ext uri="{FF2B5EF4-FFF2-40B4-BE49-F238E27FC236}">
+                <a16:creationId xmlns:a16="http://schemas.microsoft.com/office/drawing/2014/main" id="{38FB9660-F42F-4313-BBC4-47C007FE484C}"/>
+              </a:ext>
+            </a:extLst>
+          </p:cNvPr>
+          <p:cNvCxnSpPr>
+            <a:cxnSpLocks noGrp="1" noRot="1" noChangeAspect="1" noMove="1" noResize="1" noEditPoints="1" noAdjustHandles="1" noChangeArrowheads="1" noChangeShapeType="1"/>
+          </p:cNvCxnSpPr>
+          <p:nvPr>
+            <p:extLst>
+              <p:ext uri="{386F3935-93C4-4BCD-93E2-E3B085C9AB24}">
+                <p16:designElem xmlns:p16="http://schemas.microsoft.com/office/powerpoint/2015/main" val="1"/>
+              </p:ext>
+            </p:extLst>
+          </p:nvPr>
+        </p:nvCxnSpPr>
+        <p:spPr>
+          <a:xfrm>
+            <a:off x="1191126" y="3910267"/>
+            <a:ext cx="2586790" cy="0"/>
+          </a:xfrm>
+          <a:prstGeom prst="line">
+            <a:avLst/>
+          </a:prstGeom>
+          <a:ln w="22225">
+            <a:solidFill>
+              <a:schemeClr val="bg1">
+                <a:lumMod val="85000"/>
+              </a:schemeClr>
+            </a:solidFill>
+          </a:ln>
+        </p:spPr>
+        <p:style>
+          <a:lnRef idx="1">
+            <a:schemeClr val="accent1"/>
+          </a:lnRef>
+          <a:fillRef idx="0">
+            <a:schemeClr val="accent1"/>
+          </a:fillRef>
+          <a:effectRef idx="0">
+            <a:schemeClr val="accent1"/>
+          </a:effectRef>
+          <a:fontRef idx="minor">
+            <a:schemeClr val="tx1"/>
+          </a:fontRef>
+        </p:style>
+      </p:cxnSp>
+      <p:sp>
+        <p:nvSpPr>
+          <p:cNvPr id="5" name="Tekstiruutu 4">
+            <a:extLst>
+              <a:ext uri="{FF2B5EF4-FFF2-40B4-BE49-F238E27FC236}">
+                <a16:creationId xmlns:a16="http://schemas.microsoft.com/office/drawing/2014/main" id="{96513FD4-02A8-4B70-98A1-6EDA16999002}"/>
+              </a:ext>
+            </a:extLst>
+          </p:cNvPr>
+          <p:cNvSpPr txBox="1"/>
+          <p:nvPr/>
+        </p:nvSpPr>
+        <p:spPr>
+          <a:xfrm>
+            <a:off x="501997" y="914400"/>
+            <a:ext cx="4103583" cy="2918123"/>
+          </a:xfrm>
+          <a:prstGeom prst="rect">
+            <a:avLst/>
+          </a:prstGeom>
+        </p:spPr>
+        <p:txBody>
+          <a:bodyPr vert="horz" lIns="91440" tIns="45720" rIns="91440" bIns="45720" rtlCol="0" anchor="b">
+            <a:normAutofit/>
+          </a:bodyPr>
+          <a:lstStyle/>
+          <a:p>
+            <a:pPr algn="ctr">
+              <a:lnSpc>
+                <a:spcPct val="90000"/>
+              </a:lnSpc>
+              <a:spcBef>
+                <a:spcPct val="0"/>
+              </a:spcBef>
+              <a:spcAft>
+                <a:spcPts val="600"/>
+              </a:spcAft>
+            </a:pPr>
+            <a:r>
+              <a:rPr lang="en-US" sz="4800" dirty="0">
+                <a:solidFill>
+                  <a:schemeClr val="bg1"/>
+                </a:solidFill>
+                <a:latin typeface="+mj-lt"/>
+                <a:ea typeface="+mj-ea"/>
+                <a:cs typeface="+mj-cs"/>
+              </a:rPr>
+              <a:t>Image Object Velocity Estimation</a:t>
+            </a:r>
+            <a:endParaRPr lang="en-US" sz="4800" kern="1200" dirty="0">
+              <a:solidFill>
+                <a:schemeClr val="bg1"/>
+              </a:solidFill>
+              <a:latin typeface="+mj-lt"/>
+              <a:ea typeface="+mj-ea"/>
+              <a:cs typeface="+mj-cs"/>
+            </a:endParaRPr>
+          </a:p>
+        </p:txBody>
+      </p:sp>
+      <p:sp>
+        <p:nvSpPr>
+          <p:cNvPr id="8" name="Tekstiruutu 7">
+            <a:extLst>
+              <a:ext uri="{FF2B5EF4-FFF2-40B4-BE49-F238E27FC236}">
+                <a16:creationId xmlns:a16="http://schemas.microsoft.com/office/drawing/2014/main" id="{9B206AA3-16A3-48F3-A1A4-0A4F62824601}"/>
+              </a:ext>
+            </a:extLst>
+          </p:cNvPr>
+          <p:cNvSpPr txBox="1"/>
+          <p:nvPr/>
+        </p:nvSpPr>
+        <p:spPr>
+          <a:xfrm>
+            <a:off x="5210629" y="277635"/>
+            <a:ext cx="1869166" cy="369332"/>
+          </a:xfrm>
+          <a:prstGeom prst="rect">
+            <a:avLst/>
+          </a:prstGeom>
+          <a:noFill/>
+        </p:spPr>
+        <p:txBody>
+          <a:bodyPr wrap="none" rtlCol="0">
+            <a:spAutoFit/>
+          </a:bodyPr>
+          <a:lstStyle/>
+          <a:p>
+            <a:r>
+              <a:rPr lang="fi-FI" dirty="0" err="1"/>
+              <a:t>Static</a:t>
+            </a:r>
+            <a:r>
+              <a:rPr lang="fi-FI" dirty="0"/>
+              <a:t> </a:t>
+            </a:r>
+            <a:r>
+              <a:rPr lang="fi-FI" dirty="0" err="1"/>
+              <a:t>object</a:t>
+            </a:r>
+            <a:r>
+              <a:rPr lang="fi-FI" dirty="0"/>
+              <a:t> (</a:t>
+            </a:r>
+            <a:r>
+              <a:rPr lang="fi-FI" dirty="0" err="1"/>
+              <a:t>calf</a:t>
+            </a:r>
+            <a:r>
+              <a:rPr lang="fi-FI" dirty="0"/>
+              <a:t>)</a:t>
+            </a:r>
+            <a:endParaRPr lang="en-GB" dirty="0"/>
+          </a:p>
+        </p:txBody>
+      </p:sp>
+      <p:sp>
+        <p:nvSpPr>
+          <p:cNvPr id="3" name="Tekstiruutu 2">
+            <a:extLst>
+              <a:ext uri="{FF2B5EF4-FFF2-40B4-BE49-F238E27FC236}">
+                <a16:creationId xmlns:a16="http://schemas.microsoft.com/office/drawing/2014/main" id="{E022C834-D3DD-42C3-A8A3-5F3C71A7619D}"/>
+              </a:ext>
+            </a:extLst>
+          </p:cNvPr>
+          <p:cNvSpPr txBox="1"/>
+          <p:nvPr/>
+        </p:nvSpPr>
+        <p:spPr>
+          <a:xfrm>
+            <a:off x="5356054" y="2939584"/>
+            <a:ext cx="2295821" cy="215444"/>
+          </a:xfrm>
+          <a:prstGeom prst="rect">
+            <a:avLst/>
+          </a:prstGeom>
+          <a:noFill/>
+        </p:spPr>
+        <p:txBody>
+          <a:bodyPr wrap="none" rtlCol="0">
+            <a:spAutoFit/>
+          </a:bodyPr>
+          <a:lstStyle/>
+          <a:p>
+            <a:r>
+              <a:rPr lang="fi-FI" sz="800" dirty="0" err="1"/>
+              <a:t>Measured</a:t>
+            </a:r>
+            <a:r>
+              <a:rPr lang="fi-FI" sz="800" dirty="0"/>
+              <a:t> and </a:t>
+            </a:r>
+            <a:r>
+              <a:rPr lang="fi-FI" sz="800" dirty="0" err="1"/>
+              <a:t>filtered</a:t>
+            </a:r>
+            <a:r>
+              <a:rPr lang="fi-FI" sz="800" dirty="0"/>
+              <a:t> </a:t>
+            </a:r>
+            <a:r>
+              <a:rPr lang="fi-FI" sz="800" dirty="0" err="1"/>
+              <a:t>location</a:t>
+            </a:r>
+            <a:r>
+              <a:rPr lang="fi-FI" sz="800" dirty="0"/>
+              <a:t>  (</a:t>
+            </a:r>
+            <a:r>
+              <a:rPr lang="fi-FI" sz="800" dirty="0" err="1"/>
+              <a:t>upper</a:t>
+            </a:r>
+            <a:r>
+              <a:rPr lang="fi-FI" sz="800" dirty="0"/>
+              <a:t> </a:t>
+            </a:r>
+            <a:r>
+              <a:rPr lang="fi-FI" sz="800" dirty="0" err="1"/>
+              <a:t>left</a:t>
+            </a:r>
+            <a:r>
+              <a:rPr lang="fi-FI" sz="800" dirty="0"/>
+              <a:t> </a:t>
+            </a:r>
+            <a:r>
+              <a:rPr lang="fi-FI" sz="800" dirty="0" err="1"/>
+              <a:t>corner</a:t>
+            </a:r>
+            <a:r>
+              <a:rPr lang="fi-FI" sz="800" dirty="0"/>
+              <a:t>)</a:t>
+            </a:r>
+            <a:endParaRPr lang="en-GB" sz="800" dirty="0"/>
+          </a:p>
+        </p:txBody>
+      </p:sp>
+      <p:sp>
+        <p:nvSpPr>
+          <p:cNvPr id="14" name="Tekstiruutu 13">
+            <a:extLst>
+              <a:ext uri="{FF2B5EF4-FFF2-40B4-BE49-F238E27FC236}">
+                <a16:creationId xmlns:a16="http://schemas.microsoft.com/office/drawing/2014/main" id="{6D849E38-B2E4-4FC2-85B3-B39442565905}"/>
+              </a:ext>
+            </a:extLst>
+          </p:cNvPr>
+          <p:cNvSpPr txBox="1"/>
+          <p:nvPr/>
+        </p:nvSpPr>
+        <p:spPr>
+          <a:xfrm>
+            <a:off x="8450037" y="2955830"/>
+            <a:ext cx="949299" cy="215444"/>
+          </a:xfrm>
+          <a:prstGeom prst="rect">
+            <a:avLst/>
+          </a:prstGeom>
+          <a:noFill/>
+        </p:spPr>
+        <p:txBody>
+          <a:bodyPr wrap="none" rtlCol="0">
+            <a:spAutoFit/>
+          </a:bodyPr>
+          <a:lstStyle/>
+          <a:p>
+            <a:r>
+              <a:rPr lang="fi-FI" sz="800" dirty="0" err="1"/>
+              <a:t>Estimated</a:t>
+            </a:r>
+            <a:r>
+              <a:rPr lang="fi-FI" sz="800" dirty="0"/>
+              <a:t> </a:t>
+            </a:r>
+            <a:r>
+              <a:rPr lang="fi-FI" sz="800" dirty="0" err="1"/>
+              <a:t>velocity</a:t>
+            </a:r>
+            <a:endParaRPr lang="en-GB" sz="800" dirty="0"/>
+          </a:p>
+        </p:txBody>
+      </p:sp>
+      <p:sp>
+        <p:nvSpPr>
+          <p:cNvPr id="16" name="Tekstiruutu 15">
+            <a:extLst>
+              <a:ext uri="{FF2B5EF4-FFF2-40B4-BE49-F238E27FC236}">
+                <a16:creationId xmlns:a16="http://schemas.microsoft.com/office/drawing/2014/main" id="{65803031-0CCF-453A-B280-A6410B1621CD}"/>
+              </a:ext>
+            </a:extLst>
+          </p:cNvPr>
+          <p:cNvSpPr txBox="1"/>
+          <p:nvPr/>
+        </p:nvSpPr>
+        <p:spPr>
+          <a:xfrm>
+            <a:off x="5356054" y="5752056"/>
+            <a:ext cx="918841" cy="215444"/>
+          </a:xfrm>
+          <a:prstGeom prst="rect">
+            <a:avLst/>
+          </a:prstGeom>
+          <a:noFill/>
+        </p:spPr>
+        <p:txBody>
+          <a:bodyPr wrap="none" rtlCol="0">
+            <a:spAutoFit/>
+          </a:bodyPr>
+          <a:lstStyle/>
+          <a:p>
+            <a:r>
+              <a:rPr lang="fi-FI" sz="800" dirty="0" err="1"/>
+              <a:t>Location</a:t>
+            </a:r>
+            <a:r>
+              <a:rPr lang="fi-FI" sz="800" dirty="0"/>
+              <a:t> </a:t>
+            </a:r>
+            <a:r>
+              <a:rPr lang="fi-FI" sz="800" dirty="0" err="1"/>
+              <a:t>variance</a:t>
+            </a:r>
+            <a:endParaRPr lang="en-GB" sz="800" dirty="0"/>
+          </a:p>
+        </p:txBody>
+      </p:sp>
+      <p:sp>
+        <p:nvSpPr>
+          <p:cNvPr id="18" name="Tekstiruutu 17">
+            <a:extLst>
+              <a:ext uri="{FF2B5EF4-FFF2-40B4-BE49-F238E27FC236}">
+                <a16:creationId xmlns:a16="http://schemas.microsoft.com/office/drawing/2014/main" id="{BD3E7608-9966-4A17-8503-C32F66CAF62D}"/>
+              </a:ext>
+            </a:extLst>
+          </p:cNvPr>
+          <p:cNvSpPr txBox="1"/>
+          <p:nvPr/>
+        </p:nvSpPr>
+        <p:spPr>
+          <a:xfrm>
+            <a:off x="8476486" y="5752056"/>
+            <a:ext cx="896399" cy="215444"/>
+          </a:xfrm>
+          <a:prstGeom prst="rect">
+            <a:avLst/>
+          </a:prstGeom>
+          <a:noFill/>
+        </p:spPr>
+        <p:txBody>
+          <a:bodyPr wrap="none" rtlCol="0">
+            <a:spAutoFit/>
+          </a:bodyPr>
+          <a:lstStyle/>
+          <a:p>
+            <a:r>
+              <a:rPr lang="fi-FI" sz="800" dirty="0" err="1"/>
+              <a:t>Velocity</a:t>
+            </a:r>
+            <a:r>
+              <a:rPr lang="fi-FI" sz="800" dirty="0"/>
+              <a:t> </a:t>
+            </a:r>
+            <a:r>
+              <a:rPr lang="fi-FI" sz="800" dirty="0" err="1"/>
+              <a:t>variance</a:t>
+            </a:r>
+            <a:endParaRPr lang="en-GB" sz="800" dirty="0"/>
+          </a:p>
+        </p:txBody>
+      </p:sp>
+      <p:pic>
+        <p:nvPicPr>
+          <p:cNvPr id="4" name="Kuva 3">
+            <a:extLst>
+              <a:ext uri="{FF2B5EF4-FFF2-40B4-BE49-F238E27FC236}">
+                <a16:creationId xmlns:a16="http://schemas.microsoft.com/office/drawing/2014/main" id="{41B6ACB0-3712-49D4-A87D-F5FCDD838C59}"/>
+              </a:ext>
+            </a:extLst>
+          </p:cNvPr>
+          <p:cNvPicPr>
+            <a:picLocks noChangeAspect="1"/>
+          </p:cNvPicPr>
+          <p:nvPr/>
+        </p:nvPicPr>
+        <p:blipFill>
+          <a:blip r:embed="rId2"/>
+          <a:stretch>
+            <a:fillRect/>
+          </a:stretch>
+        </p:blipFill>
+        <p:spPr>
+          <a:xfrm>
+            <a:off x="5263491" y="952761"/>
+            <a:ext cx="2906732" cy="2017897"/>
+          </a:xfrm>
+          <a:prstGeom prst="rect">
+            <a:avLst/>
+          </a:prstGeom>
+        </p:spPr>
+      </p:pic>
+      <p:pic>
+        <p:nvPicPr>
+          <p:cNvPr id="7" name="Kuva 6">
+            <a:extLst>
+              <a:ext uri="{FF2B5EF4-FFF2-40B4-BE49-F238E27FC236}">
+                <a16:creationId xmlns:a16="http://schemas.microsoft.com/office/drawing/2014/main" id="{45ECB15C-09C2-4C20-A152-AE82CF21322B}"/>
+              </a:ext>
+            </a:extLst>
+          </p:cNvPr>
+          <p:cNvPicPr>
+            <a:picLocks noChangeAspect="1"/>
+          </p:cNvPicPr>
+          <p:nvPr/>
+        </p:nvPicPr>
+        <p:blipFill>
+          <a:blip r:embed="rId3"/>
+          <a:stretch>
+            <a:fillRect/>
+          </a:stretch>
+        </p:blipFill>
+        <p:spPr>
+          <a:xfrm>
+            <a:off x="8450037" y="965346"/>
+            <a:ext cx="2827805" cy="1974237"/>
+          </a:xfrm>
+          <a:prstGeom prst="rect">
+            <a:avLst/>
+          </a:prstGeom>
+        </p:spPr>
+      </p:pic>
+      <p:pic>
+        <p:nvPicPr>
+          <p:cNvPr id="9" name="Kuva 8">
+            <a:extLst>
+              <a:ext uri="{FF2B5EF4-FFF2-40B4-BE49-F238E27FC236}">
+                <a16:creationId xmlns:a16="http://schemas.microsoft.com/office/drawing/2014/main" id="{71584006-4A44-47C1-9E84-8A58538880D8}"/>
+              </a:ext>
+            </a:extLst>
+          </p:cNvPr>
+          <p:cNvPicPr>
+            <a:picLocks noChangeAspect="1"/>
+          </p:cNvPicPr>
+          <p:nvPr/>
+        </p:nvPicPr>
+        <p:blipFill>
+          <a:blip r:embed="rId4"/>
+          <a:stretch>
+            <a:fillRect/>
+          </a:stretch>
+        </p:blipFill>
+        <p:spPr>
+          <a:xfrm>
+            <a:off x="5263491" y="3665549"/>
+            <a:ext cx="2906732" cy="2004020"/>
+          </a:xfrm>
+          <a:prstGeom prst="rect">
+            <a:avLst/>
+          </a:prstGeom>
+        </p:spPr>
+      </p:pic>
+      <p:pic>
+        <p:nvPicPr>
+          <p:cNvPr id="11" name="Kuva 10">
+            <a:extLst>
+              <a:ext uri="{FF2B5EF4-FFF2-40B4-BE49-F238E27FC236}">
+                <a16:creationId xmlns:a16="http://schemas.microsoft.com/office/drawing/2014/main" id="{CA10D589-848C-4899-A650-2FE43DBBB24D}"/>
+              </a:ext>
+            </a:extLst>
+          </p:cNvPr>
+          <p:cNvPicPr>
+            <a:picLocks noChangeAspect="1"/>
+          </p:cNvPicPr>
+          <p:nvPr/>
+        </p:nvPicPr>
+        <p:blipFill>
+          <a:blip r:embed="rId5"/>
+          <a:stretch>
+            <a:fillRect/>
+          </a:stretch>
+        </p:blipFill>
+        <p:spPr>
+          <a:xfrm>
+            <a:off x="8450037" y="3665549"/>
+            <a:ext cx="2827805" cy="1887092"/>
+          </a:xfrm>
+          <a:prstGeom prst="rect">
+            <a:avLst/>
+          </a:prstGeom>
+        </p:spPr>
+      </p:pic>
+    </p:spTree>
+    <p:extLst>
+      <p:ext uri="{BB962C8B-B14F-4D97-AF65-F5344CB8AC3E}">
+        <p14:creationId xmlns:p14="http://schemas.microsoft.com/office/powerpoint/2010/main" val="395509823"/>
+      </p:ext>
+    </p:extLst>
+  </p:cSld>
+  <p:clrMapOvr>
+    <a:masterClrMapping/>
+  </p:clrMapOvr>
+</p:sld>
+</file>
+
+<file path=ppt/slides/slide7.xml><?xml version="1.0" encoding="utf-8"?>
+<p:sld xmlns:a="http://schemas.openxmlformats.org/drawingml/2006/main" xmlns:r="http://schemas.openxmlformats.org/officeDocument/2006/relationships" xmlns:p="http://schemas.openxmlformats.org/presentationml/2006/main">
+  <p:cSld>
+    <p:bg>
+      <p:bgPr>
+        <a:solidFill>
+          <a:schemeClr val="bg1"/>
+        </a:solidFill>
+        <a:effectLst/>
+      </p:bgPr>
+    </p:bg>
+    <p:spTree>
+      <p:nvGrpSpPr>
+        <p:cNvPr id="1" name=""/>
+        <p:cNvGrpSpPr/>
+        <p:nvPr/>
+      </p:nvGrpSpPr>
+      <p:grpSpPr>
+        <a:xfrm>
+          <a:off x="0" y="0"/>
+          <a:ext cx="0" cy="0"/>
+          <a:chOff x="0" y="0"/>
+          <a:chExt cx="0" cy="0"/>
+        </a:xfrm>
+      </p:grpSpPr>
+      <p:sp>
+        <p:nvSpPr>
+          <p:cNvPr id="71" name="Rectangle 70">
+            <a:extLst>
+              <a:ext uri="{FF2B5EF4-FFF2-40B4-BE49-F238E27FC236}">
+                <a16:creationId xmlns:a16="http://schemas.microsoft.com/office/drawing/2014/main" id="{AB45A142-4255-493C-8284-5D566C121B10}"/>
+              </a:ext>
+            </a:extLst>
+          </p:cNvPr>
+          <p:cNvSpPr>
+            <a:spLocks noGrp="1" noRot="1" noChangeAspect="1" noMove="1" noResize="1" noEditPoints="1" noAdjustHandles="1" noChangeArrowheads="1" noChangeShapeType="1" noTextEdit="1"/>
+          </p:cNvSpPr>
+          <p:nvPr>
+            <p:extLst>
+              <p:ext uri="{386F3935-93C4-4BCD-93E2-E3B085C9AB24}">
+                <p16:designElem xmlns:p16="http://schemas.microsoft.com/office/powerpoint/2015/main" val="1"/>
+              </p:ext>
+            </p:extLst>
+          </p:nvPr>
+        </p:nvSpPr>
+        <p:spPr bwMode="ltGray">
+          <a:xfrm>
+            <a:off x="336884" y="321177"/>
+            <a:ext cx="4332307" cy="6179552"/>
+          </a:xfrm>
+          <a:prstGeom prst="rect">
+            <a:avLst/>
+          </a:prstGeom>
+          <a:solidFill>
+            <a:schemeClr val="tx1">
+              <a:lumMod val="75000"/>
+              <a:lumOff val="25000"/>
+            </a:schemeClr>
+          </a:solidFill>
+          <a:ln w="127000" cap="sq" cmpd="thinThick">
+            <a:solidFill>
+              <a:schemeClr val="tx1">
+                <a:lumMod val="75000"/>
+                <a:lumOff val="25000"/>
+              </a:schemeClr>
+            </a:solidFill>
+          </a:ln>
+        </p:spPr>
+        <p:style>
+          <a:lnRef idx="2">
+            <a:schemeClr val="accent1">
+              <a:shade val="50000"/>
+            </a:schemeClr>
+          </a:lnRef>
+          <a:fillRef idx="1">
+            <a:schemeClr val="accent1"/>
+          </a:fillRef>
+          <a:effectRef idx="0">
+            <a:schemeClr val="accent1"/>
+          </a:effectRef>
+          <a:fontRef idx="minor">
+            <a:schemeClr val="lt1"/>
+          </a:fontRef>
+        </p:style>
+        <p:txBody>
+          <a:bodyPr rtlCol="0" anchor="ctr"/>
+          <a:lstStyle/>
+          <a:p>
+            <a:pPr algn="ctr"/>
+            <a:endParaRPr lang="en-US"/>
+          </a:p>
+        </p:txBody>
+      </p:sp>
+      <p:cxnSp>
+        <p:nvCxnSpPr>
+          <p:cNvPr id="73" name="Straight Connector 72">
+            <a:extLst>
+              <a:ext uri="{FF2B5EF4-FFF2-40B4-BE49-F238E27FC236}">
+                <a16:creationId xmlns:a16="http://schemas.microsoft.com/office/drawing/2014/main" id="{38FB9660-F42F-4313-BBC4-47C007FE484C}"/>
+              </a:ext>
+            </a:extLst>
+          </p:cNvPr>
+          <p:cNvCxnSpPr>
+            <a:cxnSpLocks noGrp="1" noRot="1" noChangeAspect="1" noMove="1" noResize="1" noEditPoints="1" noAdjustHandles="1" noChangeArrowheads="1" noChangeShapeType="1"/>
+          </p:cNvCxnSpPr>
+          <p:nvPr>
+            <p:extLst>
+              <p:ext uri="{386F3935-93C4-4BCD-93E2-E3B085C9AB24}">
+                <p16:designElem xmlns:p16="http://schemas.microsoft.com/office/powerpoint/2015/main" val="1"/>
+              </p:ext>
+            </p:extLst>
+          </p:nvPr>
+        </p:nvCxnSpPr>
+        <p:spPr>
+          <a:xfrm>
+            <a:off x="1191126" y="3910267"/>
+            <a:ext cx="2586790" cy="0"/>
+          </a:xfrm>
+          <a:prstGeom prst="line">
+            <a:avLst/>
+          </a:prstGeom>
+          <a:ln w="22225">
+            <a:solidFill>
+              <a:schemeClr val="bg1">
+                <a:lumMod val="85000"/>
+              </a:schemeClr>
+            </a:solidFill>
+          </a:ln>
+        </p:spPr>
+        <p:style>
+          <a:lnRef idx="1">
+            <a:schemeClr val="accent1"/>
+          </a:lnRef>
+          <a:fillRef idx="0">
+            <a:schemeClr val="accent1"/>
+          </a:fillRef>
+          <a:effectRef idx="0">
+            <a:schemeClr val="accent1"/>
+          </a:effectRef>
+          <a:fontRef idx="minor">
+            <a:schemeClr val="tx1"/>
+          </a:fontRef>
+        </p:style>
+      </p:cxnSp>
+      <p:sp>
+        <p:nvSpPr>
+          <p:cNvPr id="5" name="Tekstiruutu 4">
+            <a:extLst>
+              <a:ext uri="{FF2B5EF4-FFF2-40B4-BE49-F238E27FC236}">
+                <a16:creationId xmlns:a16="http://schemas.microsoft.com/office/drawing/2014/main" id="{96513FD4-02A8-4B70-98A1-6EDA16999002}"/>
+              </a:ext>
+            </a:extLst>
+          </p:cNvPr>
+          <p:cNvSpPr txBox="1"/>
+          <p:nvPr/>
+        </p:nvSpPr>
+        <p:spPr>
+          <a:xfrm>
+            <a:off x="501997" y="914400"/>
+            <a:ext cx="4103583" cy="2918123"/>
+          </a:xfrm>
+          <a:prstGeom prst="rect">
+            <a:avLst/>
+          </a:prstGeom>
+        </p:spPr>
+        <p:txBody>
+          <a:bodyPr vert="horz" lIns="91440" tIns="45720" rIns="91440" bIns="45720" rtlCol="0" anchor="b">
+            <a:normAutofit/>
+          </a:bodyPr>
+          <a:lstStyle/>
+          <a:p>
+            <a:pPr algn="ctr">
+              <a:lnSpc>
+                <a:spcPct val="90000"/>
+              </a:lnSpc>
+              <a:spcBef>
+                <a:spcPct val="0"/>
+              </a:spcBef>
+              <a:spcAft>
+                <a:spcPts val="600"/>
+              </a:spcAft>
+            </a:pPr>
+            <a:r>
+              <a:rPr lang="en-US" sz="4800" dirty="0">
+                <a:solidFill>
+                  <a:schemeClr val="bg1"/>
+                </a:solidFill>
+                <a:latin typeface="+mj-lt"/>
+                <a:ea typeface="+mj-ea"/>
+                <a:cs typeface="+mj-cs"/>
+              </a:rPr>
+              <a:t>Image Object Velocity Estimation</a:t>
+            </a:r>
+            <a:endParaRPr lang="en-US" sz="4800" kern="1200" dirty="0">
+              <a:solidFill>
+                <a:schemeClr val="bg1"/>
+              </a:solidFill>
+              <a:latin typeface="+mj-lt"/>
+              <a:ea typeface="+mj-ea"/>
+              <a:cs typeface="+mj-cs"/>
+            </a:endParaRPr>
+          </a:p>
+        </p:txBody>
+      </p:sp>
+      <p:sp>
+        <p:nvSpPr>
+          <p:cNvPr id="16" name="Tekstiruutu 15">
+            <a:extLst>
+              <a:ext uri="{FF2B5EF4-FFF2-40B4-BE49-F238E27FC236}">
+                <a16:creationId xmlns:a16="http://schemas.microsoft.com/office/drawing/2014/main" id="{65803031-0CCF-453A-B280-A6410B1621CD}"/>
+              </a:ext>
+            </a:extLst>
+          </p:cNvPr>
+          <p:cNvSpPr txBox="1"/>
+          <p:nvPr/>
+        </p:nvSpPr>
+        <p:spPr>
+          <a:xfrm>
+            <a:off x="6639666" y="5645178"/>
+            <a:ext cx="1717137" cy="215444"/>
+          </a:xfrm>
+          <a:prstGeom prst="rect">
+            <a:avLst/>
+          </a:prstGeom>
+          <a:noFill/>
+        </p:spPr>
+        <p:txBody>
+          <a:bodyPr wrap="none" rtlCol="0">
+            <a:spAutoFit/>
+          </a:bodyPr>
+          <a:lstStyle/>
+          <a:p>
+            <a:r>
+              <a:rPr lang="fi-FI" sz="800" dirty="0"/>
+              <a:t>10 </a:t>
+            </a:r>
+            <a:r>
+              <a:rPr lang="fi-FI" sz="800" dirty="0" err="1"/>
+              <a:t>step</a:t>
+            </a:r>
+            <a:r>
+              <a:rPr lang="fi-FI" sz="800" dirty="0"/>
+              <a:t> </a:t>
+            </a:r>
+            <a:r>
+              <a:rPr lang="fi-FI" sz="800" dirty="0" err="1"/>
+              <a:t>ahead</a:t>
+            </a:r>
+            <a:r>
+              <a:rPr lang="fi-FI" sz="800" dirty="0"/>
+              <a:t> </a:t>
+            </a:r>
+            <a:r>
+              <a:rPr lang="fi-FI" sz="800" dirty="0" err="1"/>
+              <a:t>mean</a:t>
+            </a:r>
+            <a:r>
+              <a:rPr lang="fi-FI" sz="800" dirty="0"/>
+              <a:t> </a:t>
+            </a:r>
+            <a:r>
+              <a:rPr lang="fi-FI" sz="800" dirty="0" err="1"/>
+              <a:t>prediction</a:t>
+            </a:r>
+            <a:r>
+              <a:rPr lang="fi-FI" sz="800" dirty="0"/>
+              <a:t> </a:t>
+            </a:r>
+            <a:r>
+              <a:rPr lang="fi-FI" sz="800" dirty="0" err="1"/>
+              <a:t>error</a:t>
+            </a:r>
+            <a:endParaRPr lang="en-GB" sz="800" dirty="0"/>
+          </a:p>
+        </p:txBody>
+      </p:sp>
+      <p:sp>
+        <p:nvSpPr>
+          <p:cNvPr id="9" name="Tekstiruutu 8">
+            <a:extLst>
+              <a:ext uri="{FF2B5EF4-FFF2-40B4-BE49-F238E27FC236}">
+                <a16:creationId xmlns:a16="http://schemas.microsoft.com/office/drawing/2014/main" id="{C2CD9C32-91F1-45A6-BFBF-309C2678CFEA}"/>
+              </a:ext>
+            </a:extLst>
+          </p:cNvPr>
+          <p:cNvSpPr txBox="1"/>
+          <p:nvPr/>
+        </p:nvSpPr>
+        <p:spPr>
+          <a:xfrm>
+            <a:off x="5210629" y="277635"/>
+            <a:ext cx="1869166" cy="369332"/>
+          </a:xfrm>
+          <a:prstGeom prst="rect">
+            <a:avLst/>
+          </a:prstGeom>
+          <a:noFill/>
+        </p:spPr>
+        <p:txBody>
+          <a:bodyPr wrap="none" rtlCol="0">
+            <a:spAutoFit/>
+          </a:bodyPr>
+          <a:lstStyle/>
+          <a:p>
+            <a:r>
+              <a:rPr lang="fi-FI" dirty="0" err="1"/>
+              <a:t>Static</a:t>
+            </a:r>
+            <a:r>
+              <a:rPr lang="fi-FI" dirty="0"/>
+              <a:t> </a:t>
+            </a:r>
+            <a:r>
+              <a:rPr lang="fi-FI" dirty="0" err="1"/>
+              <a:t>object</a:t>
+            </a:r>
+            <a:r>
+              <a:rPr lang="fi-FI" dirty="0"/>
+              <a:t> (</a:t>
+            </a:r>
+            <a:r>
+              <a:rPr lang="fi-FI" dirty="0" err="1"/>
+              <a:t>calf</a:t>
+            </a:r>
+            <a:r>
+              <a:rPr lang="fi-FI" dirty="0"/>
+              <a:t>)</a:t>
+            </a:r>
+            <a:endParaRPr lang="en-GB" dirty="0"/>
+          </a:p>
+        </p:txBody>
+      </p:sp>
+      <p:pic>
+        <p:nvPicPr>
+          <p:cNvPr id="2" name="Kuva 1">
+            <a:extLst>
+              <a:ext uri="{FF2B5EF4-FFF2-40B4-BE49-F238E27FC236}">
+                <a16:creationId xmlns:a16="http://schemas.microsoft.com/office/drawing/2014/main" id="{02A59E30-85E0-45D1-961A-09D1FE641097}"/>
+              </a:ext>
+            </a:extLst>
+          </p:cNvPr>
+          <p:cNvPicPr>
+            <a:picLocks noChangeAspect="1"/>
+          </p:cNvPicPr>
+          <p:nvPr/>
+        </p:nvPicPr>
+        <p:blipFill>
+          <a:blip r:embed="rId2"/>
+          <a:stretch>
+            <a:fillRect/>
+          </a:stretch>
+        </p:blipFill>
+        <p:spPr>
+          <a:xfrm>
+            <a:off x="6639666" y="781367"/>
+            <a:ext cx="3469008" cy="4812538"/>
+          </a:xfrm>
+          <a:prstGeom prst="rect">
+            <a:avLst/>
+          </a:prstGeom>
+        </p:spPr>
+      </p:pic>
+    </p:spTree>
+    <p:extLst>
+      <p:ext uri="{BB962C8B-B14F-4D97-AF65-F5344CB8AC3E}">
+        <p14:creationId xmlns:p14="http://schemas.microsoft.com/office/powerpoint/2010/main" val="2484963177"/>
+      </p:ext>
+    </p:extLst>
+  </p:cSld>
+  <p:clrMapOvr>
+    <a:masterClrMapping/>
+  </p:clrMapOvr>
+</p:sld>
+</file>
+
+<file path=ppt/slides/slide8.xml><?xml version="1.0" encoding="utf-8"?>
+<p:sld xmlns:a="http://schemas.openxmlformats.org/drawingml/2006/main" xmlns:r="http://schemas.openxmlformats.org/officeDocument/2006/relationships" xmlns:p="http://schemas.openxmlformats.org/presentationml/2006/main">
+  <p:cSld>
+    <p:bg>
+      <p:bgPr>
+        <a:solidFill>
+          <a:schemeClr val="bg1"/>
+        </a:solidFill>
+        <a:effectLst/>
+      </p:bgPr>
+    </p:bg>
+    <p:spTree>
+      <p:nvGrpSpPr>
+        <p:cNvPr id="1" name=""/>
+        <p:cNvGrpSpPr/>
+        <p:nvPr/>
+      </p:nvGrpSpPr>
+      <p:grpSpPr>
+        <a:xfrm>
+          <a:off x="0" y="0"/>
+          <a:ext cx="0" cy="0"/>
+          <a:chOff x="0" y="0"/>
+          <a:chExt cx="0" cy="0"/>
+        </a:xfrm>
+      </p:grpSpPr>
+      <p:sp>
+        <p:nvSpPr>
+          <p:cNvPr id="71" name="Rectangle 70">
+            <a:extLst>
+              <a:ext uri="{FF2B5EF4-FFF2-40B4-BE49-F238E27FC236}">
+                <a16:creationId xmlns:a16="http://schemas.microsoft.com/office/drawing/2014/main" id="{AB45A142-4255-493C-8284-5D566C121B10}"/>
+              </a:ext>
+            </a:extLst>
+          </p:cNvPr>
+          <p:cNvSpPr>
+            <a:spLocks noGrp="1" noRot="1" noChangeAspect="1" noMove="1" noResize="1" noEditPoints="1" noAdjustHandles="1" noChangeArrowheads="1" noChangeShapeType="1" noTextEdit="1"/>
+          </p:cNvSpPr>
+          <p:nvPr>
+            <p:extLst>
+              <p:ext uri="{386F3935-93C4-4BCD-93E2-E3B085C9AB24}">
+                <p16:designElem xmlns:p16="http://schemas.microsoft.com/office/powerpoint/2015/main" val="1"/>
+              </p:ext>
+            </p:extLst>
+          </p:nvPr>
+        </p:nvSpPr>
+        <p:spPr bwMode="ltGray">
+          <a:xfrm>
+            <a:off x="336884" y="321177"/>
+            <a:ext cx="4332307" cy="6179552"/>
+          </a:xfrm>
+          <a:prstGeom prst="rect">
+            <a:avLst/>
+          </a:prstGeom>
+          <a:solidFill>
+            <a:schemeClr val="tx1">
+              <a:lumMod val="75000"/>
+              <a:lumOff val="25000"/>
+            </a:schemeClr>
+          </a:solidFill>
+          <a:ln w="127000" cap="sq" cmpd="thinThick">
+            <a:solidFill>
+              <a:schemeClr val="tx1">
+                <a:lumMod val="75000"/>
+                <a:lumOff val="25000"/>
+              </a:schemeClr>
+            </a:solidFill>
+          </a:ln>
+        </p:spPr>
+        <p:style>
+          <a:lnRef idx="2">
+            <a:schemeClr val="accent1">
+              <a:shade val="50000"/>
+            </a:schemeClr>
+          </a:lnRef>
+          <a:fillRef idx="1">
+            <a:schemeClr val="accent1"/>
+          </a:fillRef>
+          <a:effectRef idx="0">
+            <a:schemeClr val="accent1"/>
+          </a:effectRef>
+          <a:fontRef idx="minor">
+            <a:schemeClr val="lt1"/>
+          </a:fontRef>
+        </p:style>
+        <p:txBody>
+          <a:bodyPr rtlCol="0" anchor="ctr"/>
+          <a:lstStyle/>
+          <a:p>
+            <a:pPr algn="ctr"/>
+            <a:endParaRPr lang="en-US"/>
+          </a:p>
+        </p:txBody>
+      </p:sp>
+      <p:cxnSp>
+        <p:nvCxnSpPr>
+          <p:cNvPr id="73" name="Straight Connector 72">
+            <a:extLst>
+              <a:ext uri="{FF2B5EF4-FFF2-40B4-BE49-F238E27FC236}">
+                <a16:creationId xmlns:a16="http://schemas.microsoft.com/office/drawing/2014/main" id="{38FB9660-F42F-4313-BBC4-47C007FE484C}"/>
+              </a:ext>
+            </a:extLst>
+          </p:cNvPr>
+          <p:cNvCxnSpPr>
+            <a:cxnSpLocks noGrp="1" noRot="1" noChangeAspect="1" noMove="1" noResize="1" noEditPoints="1" noAdjustHandles="1" noChangeArrowheads="1" noChangeShapeType="1"/>
+          </p:cNvCxnSpPr>
+          <p:nvPr>
+            <p:extLst>
+              <p:ext uri="{386F3935-93C4-4BCD-93E2-E3B085C9AB24}">
+                <p16:designElem xmlns:p16="http://schemas.microsoft.com/office/powerpoint/2015/main" val="1"/>
+              </p:ext>
+            </p:extLst>
+          </p:nvPr>
+        </p:nvCxnSpPr>
+        <p:spPr>
+          <a:xfrm>
+            <a:off x="1191126" y="3910267"/>
+            <a:ext cx="2586790" cy="0"/>
+          </a:xfrm>
+          <a:prstGeom prst="line">
+            <a:avLst/>
+          </a:prstGeom>
+          <a:ln w="22225">
+            <a:solidFill>
+              <a:schemeClr val="bg1">
+                <a:lumMod val="85000"/>
+              </a:schemeClr>
+            </a:solidFill>
+          </a:ln>
+        </p:spPr>
+        <p:style>
+          <a:lnRef idx="1">
+            <a:schemeClr val="accent1"/>
+          </a:lnRef>
+          <a:fillRef idx="0">
+            <a:schemeClr val="accent1"/>
+          </a:fillRef>
+          <a:effectRef idx="0">
+            <a:schemeClr val="accent1"/>
+          </a:effectRef>
+          <a:fontRef idx="minor">
+            <a:schemeClr val="tx1"/>
+          </a:fontRef>
+        </p:style>
+      </p:cxnSp>
+      <p:sp>
+        <p:nvSpPr>
+          <p:cNvPr id="5" name="Tekstiruutu 4">
+            <a:extLst>
+              <a:ext uri="{FF2B5EF4-FFF2-40B4-BE49-F238E27FC236}">
+                <a16:creationId xmlns:a16="http://schemas.microsoft.com/office/drawing/2014/main" id="{96513FD4-02A8-4B70-98A1-6EDA16999002}"/>
+              </a:ext>
+            </a:extLst>
+          </p:cNvPr>
+          <p:cNvSpPr txBox="1"/>
+          <p:nvPr/>
+        </p:nvSpPr>
+        <p:spPr>
+          <a:xfrm>
+            <a:off x="501997" y="914400"/>
+            <a:ext cx="4103583" cy="2918123"/>
+          </a:xfrm>
+          <a:prstGeom prst="rect">
+            <a:avLst/>
+          </a:prstGeom>
+        </p:spPr>
+        <p:txBody>
+          <a:bodyPr vert="horz" lIns="91440" tIns="45720" rIns="91440" bIns="45720" rtlCol="0" anchor="b">
+            <a:normAutofit/>
+          </a:bodyPr>
+          <a:lstStyle/>
+          <a:p>
+            <a:pPr algn="ctr">
+              <a:lnSpc>
+                <a:spcPct val="90000"/>
+              </a:lnSpc>
+              <a:spcBef>
+                <a:spcPct val="0"/>
+              </a:spcBef>
+              <a:spcAft>
+                <a:spcPts val="600"/>
+              </a:spcAft>
+            </a:pPr>
+            <a:r>
+              <a:rPr lang="en-US" sz="4800" kern="1200" dirty="0">
+                <a:solidFill>
+                  <a:schemeClr val="bg1"/>
+                </a:solidFill>
+                <a:latin typeface="+mj-lt"/>
+                <a:ea typeface="+mj-ea"/>
+                <a:cs typeface="+mj-cs"/>
+              </a:rPr>
+              <a:t>Speech Synthesis</a:t>
+            </a:r>
+          </a:p>
+        </p:txBody>
+      </p:sp>
+      <p:sp>
+        <p:nvSpPr>
+          <p:cNvPr id="9" name="Tekstiruutu 8">
+            <a:extLst>
+              <a:ext uri="{FF2B5EF4-FFF2-40B4-BE49-F238E27FC236}">
+                <a16:creationId xmlns:a16="http://schemas.microsoft.com/office/drawing/2014/main" id="{C2CD9C32-91F1-45A6-BFBF-309C2678CFEA}"/>
+              </a:ext>
+            </a:extLst>
+          </p:cNvPr>
+          <p:cNvSpPr txBox="1"/>
+          <p:nvPr/>
+        </p:nvSpPr>
+        <p:spPr>
+          <a:xfrm>
+            <a:off x="5210629" y="277635"/>
+            <a:ext cx="2239652" cy="369332"/>
+          </a:xfrm>
+          <a:prstGeom prst="rect">
+            <a:avLst/>
+          </a:prstGeom>
+          <a:noFill/>
+        </p:spPr>
+        <p:txBody>
+          <a:bodyPr wrap="none" rtlCol="0">
+            <a:spAutoFit/>
+          </a:bodyPr>
+          <a:lstStyle/>
+          <a:p>
+            <a:r>
+              <a:rPr lang="fi-FI" dirty="0"/>
+              <a:t>Software Architecture</a:t>
+            </a:r>
+            <a:endParaRPr lang="en-GB" dirty="0"/>
+          </a:p>
+        </p:txBody>
+      </p:sp>
+      <p:sp>
+        <p:nvSpPr>
+          <p:cNvPr id="8" name="Vuokaavio: Prosessi 7">
+            <a:extLst>
+              <a:ext uri="{FF2B5EF4-FFF2-40B4-BE49-F238E27FC236}">
+                <a16:creationId xmlns:a16="http://schemas.microsoft.com/office/drawing/2014/main" id="{9B0F1D01-B770-434F-806E-F0CEF12089EB}"/>
+              </a:ext>
+            </a:extLst>
+          </p:cNvPr>
+          <p:cNvSpPr/>
+          <p:nvPr/>
+        </p:nvSpPr>
+        <p:spPr>
+          <a:xfrm>
+            <a:off x="7410078" y="2071909"/>
+            <a:ext cx="4445038" cy="1673804"/>
+          </a:xfrm>
+          <a:prstGeom prst="flowChartProcess">
+            <a:avLst/>
+          </a:prstGeom>
+          <a:solidFill>
+            <a:schemeClr val="accent6">
+              <a:lumMod val="60000"/>
+              <a:lumOff val="40000"/>
+            </a:schemeClr>
+          </a:solidFill>
+        </p:spPr>
+        <p:style>
+          <a:lnRef idx="2">
+            <a:schemeClr val="accent1">
+              <a:shade val="50000"/>
+            </a:schemeClr>
+          </a:lnRef>
+          <a:fillRef idx="1">
+            <a:schemeClr val="accent1"/>
+          </a:fillRef>
+          <a:effectRef idx="0">
+            <a:schemeClr val="accent1"/>
+          </a:effectRef>
+          <a:fontRef idx="minor">
+            <a:schemeClr val="lt1"/>
+          </a:fontRef>
+        </p:style>
+        <p:txBody>
+          <a:bodyPr rtlCol="0" anchor="ctr"/>
+          <a:lstStyle/>
+          <a:p>
+            <a:pPr algn="ctr"/>
+            <a:endParaRPr lang="fi-FI" dirty="0"/>
+          </a:p>
+          <a:p>
+            <a:pPr algn="ctr"/>
+            <a:endParaRPr lang="fi-FI" dirty="0"/>
+          </a:p>
+          <a:p>
+            <a:pPr algn="ctr"/>
+            <a:endParaRPr lang="fi-FI" dirty="0"/>
+          </a:p>
+          <a:p>
+            <a:pPr algn="ctr"/>
+            <a:endParaRPr lang="fi-FI" dirty="0"/>
+          </a:p>
+          <a:p>
+            <a:pPr algn="ctr"/>
+            <a:r>
+              <a:rPr lang="fi-FI" dirty="0" err="1"/>
+              <a:t>OpenCV</a:t>
+            </a:r>
+            <a:endParaRPr lang="en-GB" dirty="0"/>
+          </a:p>
+        </p:txBody>
+      </p:sp>
+      <p:sp>
+        <p:nvSpPr>
+          <p:cNvPr id="10" name="Vuokaavio: Prosessi 9">
+            <a:extLst>
+              <a:ext uri="{FF2B5EF4-FFF2-40B4-BE49-F238E27FC236}">
+                <a16:creationId xmlns:a16="http://schemas.microsoft.com/office/drawing/2014/main" id="{221B7058-47BD-4459-AE45-7E105F78352B}"/>
+              </a:ext>
+            </a:extLst>
+          </p:cNvPr>
+          <p:cNvSpPr/>
+          <p:nvPr/>
+        </p:nvSpPr>
+        <p:spPr>
+          <a:xfrm>
+            <a:off x="7660543" y="2631644"/>
+            <a:ext cx="1820849" cy="532813"/>
+          </a:xfrm>
+          <a:prstGeom prst="flowChartProcess">
+            <a:avLst/>
+          </a:prstGeom>
+          <a:ln>
+            <a:noFill/>
+          </a:ln>
+          <a:effectLst>
+            <a:outerShdw blurRad="107950" dist="12700" dir="5400000" algn="ctr">
+              <a:srgbClr val="000000"/>
+            </a:outerShdw>
+          </a:effectLst>
+          <a:scene3d>
+            <a:camera prst="orthographicFront">
+              <a:rot lat="0" lon="0" rev="0"/>
+            </a:camera>
+            <a:lightRig rig="soft" dir="t">
+              <a:rot lat="0" lon="0" rev="0"/>
+            </a:lightRig>
+          </a:scene3d>
+          <a:sp3d contourW="44450" prstMaterial="matte">
+            <a:bevelT w="63500" h="63500" prst="artDeco"/>
+            <a:contourClr>
+              <a:srgbClr val="FFFFFF"/>
+            </a:contourClr>
+          </a:sp3d>
+        </p:spPr>
+        <p:style>
+          <a:lnRef idx="2">
+            <a:schemeClr val="accent1">
+              <a:shade val="50000"/>
+            </a:schemeClr>
+          </a:lnRef>
+          <a:fillRef idx="1">
+            <a:schemeClr val="accent1"/>
+          </a:fillRef>
+          <a:effectRef idx="0">
+            <a:schemeClr val="accent1"/>
+          </a:effectRef>
+          <a:fontRef idx="minor">
+            <a:schemeClr val="lt1"/>
+          </a:fontRef>
+        </p:style>
+        <p:txBody>
+          <a:bodyPr rtlCol="0" anchor="ctr"/>
+          <a:lstStyle/>
+          <a:p>
+            <a:pPr algn="ctr"/>
+            <a:r>
+              <a:rPr lang="fi-FI" dirty="0" err="1"/>
+              <a:t>AnalyzeVideo</a:t>
+            </a:r>
+            <a:endParaRPr lang="en-GB" dirty="0"/>
+          </a:p>
+        </p:txBody>
+      </p:sp>
+      <p:sp>
+        <p:nvSpPr>
+          <p:cNvPr id="11" name="Vuokaavio: Prosessi 10">
+            <a:extLst>
+              <a:ext uri="{FF2B5EF4-FFF2-40B4-BE49-F238E27FC236}">
+                <a16:creationId xmlns:a16="http://schemas.microsoft.com/office/drawing/2014/main" id="{3CC64709-DE92-4C5F-9641-02122D97504F}"/>
+              </a:ext>
+            </a:extLst>
+          </p:cNvPr>
+          <p:cNvSpPr/>
+          <p:nvPr/>
+        </p:nvSpPr>
+        <p:spPr>
+          <a:xfrm>
+            <a:off x="7676445" y="893787"/>
+            <a:ext cx="1765189" cy="613979"/>
+          </a:xfrm>
+          <a:prstGeom prst="flowChartProcess">
+            <a:avLst/>
+          </a:prstGeom>
+          <a:solidFill>
+            <a:schemeClr val="accent2">
+              <a:lumMod val="60000"/>
+              <a:lumOff val="40000"/>
+            </a:schemeClr>
+          </a:solidFill>
+        </p:spPr>
+        <p:style>
+          <a:lnRef idx="2">
+            <a:schemeClr val="accent1">
+              <a:shade val="50000"/>
+            </a:schemeClr>
+          </a:lnRef>
+          <a:fillRef idx="1">
+            <a:schemeClr val="accent1"/>
+          </a:fillRef>
+          <a:effectRef idx="0">
+            <a:schemeClr val="accent1"/>
+          </a:effectRef>
+          <a:fontRef idx="minor">
+            <a:schemeClr val="lt1"/>
+          </a:fontRef>
+        </p:style>
+        <p:txBody>
+          <a:bodyPr rtlCol="0" anchor="ctr"/>
+          <a:lstStyle/>
+          <a:p>
+            <a:pPr algn="ctr"/>
+            <a:r>
+              <a:rPr lang="fi-FI" dirty="0"/>
+              <a:t>Video </a:t>
+            </a:r>
+            <a:r>
+              <a:rPr lang="fi-FI" dirty="0" err="1"/>
+              <a:t>file</a:t>
+            </a:r>
+            <a:endParaRPr lang="en-GB" dirty="0"/>
+          </a:p>
+        </p:txBody>
+      </p:sp>
+      <p:sp>
+        <p:nvSpPr>
+          <p:cNvPr id="12" name="Vuokaavio: Prosessi 11">
+            <a:extLst>
+              <a:ext uri="{FF2B5EF4-FFF2-40B4-BE49-F238E27FC236}">
+                <a16:creationId xmlns:a16="http://schemas.microsoft.com/office/drawing/2014/main" id="{663DB49F-C92D-4E88-88A0-C3B917DD6613}"/>
+              </a:ext>
+            </a:extLst>
+          </p:cNvPr>
+          <p:cNvSpPr/>
+          <p:nvPr/>
+        </p:nvSpPr>
+        <p:spPr>
+          <a:xfrm>
+            <a:off x="9572832" y="899777"/>
+            <a:ext cx="1765189" cy="613979"/>
+          </a:xfrm>
+          <a:prstGeom prst="flowChartProcess">
+            <a:avLst/>
+          </a:prstGeom>
+          <a:solidFill>
+            <a:schemeClr val="accent2">
+              <a:lumMod val="60000"/>
+              <a:lumOff val="40000"/>
+            </a:schemeClr>
+          </a:solidFill>
+        </p:spPr>
+        <p:style>
+          <a:lnRef idx="2">
+            <a:schemeClr val="accent1">
+              <a:shade val="50000"/>
+            </a:schemeClr>
+          </a:lnRef>
+          <a:fillRef idx="1">
+            <a:schemeClr val="accent1"/>
+          </a:fillRef>
+          <a:effectRef idx="0">
+            <a:schemeClr val="accent1"/>
+          </a:effectRef>
+          <a:fontRef idx="minor">
+            <a:schemeClr val="lt1"/>
+          </a:fontRef>
+        </p:style>
+        <p:txBody>
+          <a:bodyPr rtlCol="0" anchor="ctr"/>
+          <a:lstStyle/>
+          <a:p>
+            <a:pPr algn="ctr"/>
+            <a:r>
+              <a:rPr lang="fi-FI" dirty="0" err="1"/>
+              <a:t>Camera</a:t>
+            </a:r>
+            <a:endParaRPr lang="en-GB" dirty="0"/>
+          </a:p>
+        </p:txBody>
+      </p:sp>
+      <p:cxnSp>
+        <p:nvCxnSpPr>
+          <p:cNvPr id="13" name="Suora nuoliyhdysviiva 12">
+            <a:extLst>
+              <a:ext uri="{FF2B5EF4-FFF2-40B4-BE49-F238E27FC236}">
+                <a16:creationId xmlns:a16="http://schemas.microsoft.com/office/drawing/2014/main" id="{BB11B938-C21A-4CBD-A9C2-56E141848255}"/>
+              </a:ext>
+            </a:extLst>
+          </p:cNvPr>
+          <p:cNvCxnSpPr>
+            <a:cxnSpLocks/>
+            <a:stCxn id="12" idx="2"/>
+            <a:endCxn id="10" idx="0"/>
+          </p:cNvCxnSpPr>
+          <p:nvPr/>
+        </p:nvCxnSpPr>
+        <p:spPr>
+          <a:xfrm flipH="1">
+            <a:off x="8570968" y="1513756"/>
+            <a:ext cx="1884459" cy="1117888"/>
+          </a:xfrm>
+          <a:prstGeom prst="straightConnector1">
+            <a:avLst/>
+          </a:prstGeom>
+          <a:ln>
+            <a:tailEnd type="triangle"/>
+          </a:ln>
+        </p:spPr>
+        <p:style>
+          <a:lnRef idx="1">
+            <a:schemeClr val="accent1"/>
+          </a:lnRef>
+          <a:fillRef idx="0">
+            <a:schemeClr val="accent1"/>
+          </a:fillRef>
+          <a:effectRef idx="0">
+            <a:schemeClr val="accent1"/>
+          </a:effectRef>
+          <a:fontRef idx="minor">
+            <a:schemeClr val="tx1"/>
+          </a:fontRef>
+        </p:style>
+      </p:cxnSp>
+      <p:cxnSp>
+        <p:nvCxnSpPr>
+          <p:cNvPr id="14" name="Suora nuoliyhdysviiva 13">
+            <a:extLst>
+              <a:ext uri="{FF2B5EF4-FFF2-40B4-BE49-F238E27FC236}">
+                <a16:creationId xmlns:a16="http://schemas.microsoft.com/office/drawing/2014/main" id="{F8D097F4-CB3C-49B4-B08F-2E4FD49FF156}"/>
+              </a:ext>
+            </a:extLst>
+          </p:cNvPr>
+          <p:cNvCxnSpPr>
+            <a:cxnSpLocks/>
+            <a:stCxn id="11" idx="2"/>
+            <a:endCxn id="10" idx="0"/>
+          </p:cNvCxnSpPr>
+          <p:nvPr/>
+        </p:nvCxnSpPr>
+        <p:spPr>
+          <a:xfrm>
+            <a:off x="8559040" y="1507766"/>
+            <a:ext cx="11928" cy="1123878"/>
+          </a:xfrm>
+          <a:prstGeom prst="straightConnector1">
+            <a:avLst/>
+          </a:prstGeom>
+          <a:ln>
+            <a:tailEnd type="triangle"/>
+          </a:ln>
+        </p:spPr>
+        <p:style>
+          <a:lnRef idx="1">
+            <a:schemeClr val="accent1"/>
+          </a:lnRef>
+          <a:fillRef idx="0">
+            <a:schemeClr val="accent1"/>
+          </a:fillRef>
+          <a:effectRef idx="0">
+            <a:schemeClr val="accent1"/>
+          </a:effectRef>
+          <a:fontRef idx="minor">
+            <a:schemeClr val="tx1"/>
+          </a:fontRef>
+        </p:style>
+      </p:cxnSp>
+      <p:sp>
+        <p:nvSpPr>
+          <p:cNvPr id="15" name="Vuokaavio: Prosessi 14">
+            <a:extLst>
+              <a:ext uri="{FF2B5EF4-FFF2-40B4-BE49-F238E27FC236}">
+                <a16:creationId xmlns:a16="http://schemas.microsoft.com/office/drawing/2014/main" id="{5F7E00C2-EA69-4E57-8388-CCA1B63E9D80}"/>
+              </a:ext>
+            </a:extLst>
+          </p:cNvPr>
+          <p:cNvSpPr/>
+          <p:nvPr/>
+        </p:nvSpPr>
+        <p:spPr>
+          <a:xfrm>
+            <a:off x="9872331" y="2631644"/>
+            <a:ext cx="1820849" cy="532813"/>
+          </a:xfrm>
+          <a:prstGeom prst="flowChartProcess">
+            <a:avLst/>
+          </a:prstGeom>
+        </p:spPr>
+        <p:style>
+          <a:lnRef idx="2">
+            <a:schemeClr val="accent1">
+              <a:shade val="50000"/>
+            </a:schemeClr>
+          </a:lnRef>
+          <a:fillRef idx="1">
+            <a:schemeClr val="accent1"/>
+          </a:fillRef>
+          <a:effectRef idx="0">
+            <a:schemeClr val="accent1"/>
+          </a:effectRef>
+          <a:fontRef idx="minor">
+            <a:schemeClr val="lt1"/>
+          </a:fontRef>
+        </p:style>
+        <p:txBody>
+          <a:bodyPr rtlCol="0" anchor="ctr"/>
+          <a:lstStyle/>
+          <a:p>
+            <a:pPr algn="ctr"/>
+            <a:r>
+              <a:rPr lang="fi-FI" dirty="0" err="1"/>
+              <a:t>ObjectDetection</a:t>
+            </a:r>
+            <a:endParaRPr lang="en-GB" dirty="0"/>
+          </a:p>
+        </p:txBody>
+      </p:sp>
+      <p:sp>
+        <p:nvSpPr>
+          <p:cNvPr id="17" name="Vuokaavio: Prosessi 16">
+            <a:extLst>
+              <a:ext uri="{FF2B5EF4-FFF2-40B4-BE49-F238E27FC236}">
+                <a16:creationId xmlns:a16="http://schemas.microsoft.com/office/drawing/2014/main" id="{54A0D06C-BC01-463F-B4F3-0FAA46F203F8}"/>
+              </a:ext>
+            </a:extLst>
+          </p:cNvPr>
+          <p:cNvSpPr/>
+          <p:nvPr/>
+        </p:nvSpPr>
+        <p:spPr>
+          <a:xfrm>
+            <a:off x="9857754" y="4248769"/>
+            <a:ext cx="1820849" cy="613979"/>
+          </a:xfrm>
+          <a:prstGeom prst="flowChartProcess">
+            <a:avLst/>
+          </a:prstGeom>
+          <a:solidFill>
+            <a:schemeClr val="accent6">
+              <a:lumMod val="75000"/>
+            </a:schemeClr>
+          </a:solidFill>
+        </p:spPr>
+        <p:style>
+          <a:lnRef idx="2">
+            <a:schemeClr val="accent1">
+              <a:shade val="50000"/>
+            </a:schemeClr>
+          </a:lnRef>
+          <a:fillRef idx="1">
+            <a:schemeClr val="accent1"/>
+          </a:fillRef>
+          <a:effectRef idx="0">
+            <a:schemeClr val="accent1"/>
+          </a:effectRef>
+          <a:fontRef idx="minor">
+            <a:schemeClr val="lt1"/>
+          </a:fontRef>
+        </p:style>
+        <p:txBody>
+          <a:bodyPr rtlCol="0" anchor="ctr"/>
+          <a:lstStyle/>
+          <a:p>
+            <a:pPr algn="ctr"/>
+            <a:r>
+              <a:rPr lang="fi-FI" dirty="0" err="1"/>
+              <a:t>MobileNetSSD</a:t>
+            </a:r>
+            <a:r>
+              <a:rPr lang="fi-FI" dirty="0"/>
+              <a:t> (</a:t>
+            </a:r>
+            <a:r>
+              <a:rPr lang="fi-FI" dirty="0" err="1"/>
+              <a:t>caffe</a:t>
+            </a:r>
+            <a:r>
+              <a:rPr lang="fi-FI" dirty="0"/>
+              <a:t>)</a:t>
+            </a:r>
+            <a:endParaRPr lang="en-GB" dirty="0"/>
+          </a:p>
+        </p:txBody>
+      </p:sp>
+      <p:cxnSp>
+        <p:nvCxnSpPr>
+          <p:cNvPr id="18" name="Suora nuoliyhdysviiva 17">
+            <a:extLst>
+              <a:ext uri="{FF2B5EF4-FFF2-40B4-BE49-F238E27FC236}">
+                <a16:creationId xmlns:a16="http://schemas.microsoft.com/office/drawing/2014/main" id="{B672591E-58A5-4A5D-BD7F-F8C97C2CEA23}"/>
+              </a:ext>
+            </a:extLst>
+          </p:cNvPr>
+          <p:cNvCxnSpPr>
+            <a:cxnSpLocks/>
+            <a:stCxn id="15" idx="2"/>
+            <a:endCxn id="17" idx="0"/>
+          </p:cNvCxnSpPr>
+          <p:nvPr/>
+        </p:nvCxnSpPr>
+        <p:spPr>
+          <a:xfrm flipH="1">
+            <a:off x="10768179" y="3164457"/>
+            <a:ext cx="14577" cy="1084312"/>
+          </a:xfrm>
+          <a:prstGeom prst="straightConnector1">
+            <a:avLst/>
+          </a:prstGeom>
+          <a:ln>
+            <a:headEnd type="triangle"/>
+            <a:tailEnd type="triangle"/>
+          </a:ln>
+        </p:spPr>
+        <p:style>
+          <a:lnRef idx="1">
+            <a:schemeClr val="accent1"/>
+          </a:lnRef>
+          <a:fillRef idx="0">
+            <a:schemeClr val="accent1"/>
+          </a:fillRef>
+          <a:effectRef idx="0">
+            <a:schemeClr val="accent1"/>
+          </a:effectRef>
+          <a:fontRef idx="minor">
+            <a:schemeClr val="tx1"/>
+          </a:fontRef>
+        </p:style>
+      </p:cxnSp>
+      <p:cxnSp>
+        <p:nvCxnSpPr>
+          <p:cNvPr id="19" name="Suora nuoliyhdysviiva 18">
+            <a:extLst>
+              <a:ext uri="{FF2B5EF4-FFF2-40B4-BE49-F238E27FC236}">
+                <a16:creationId xmlns:a16="http://schemas.microsoft.com/office/drawing/2014/main" id="{B42B8341-735A-4787-8210-416DBC3F57D2}"/>
+              </a:ext>
+            </a:extLst>
+          </p:cNvPr>
+          <p:cNvCxnSpPr>
+            <a:cxnSpLocks/>
+            <a:stCxn id="10" idx="3"/>
+            <a:endCxn id="15" idx="1"/>
+          </p:cNvCxnSpPr>
+          <p:nvPr/>
+        </p:nvCxnSpPr>
+        <p:spPr>
+          <a:xfrm>
+            <a:off x="9481392" y="2898051"/>
+            <a:ext cx="390939" cy="0"/>
+          </a:xfrm>
+          <a:prstGeom prst="straightConnector1">
+            <a:avLst/>
+          </a:prstGeom>
+          <a:ln>
+            <a:headEnd type="triangle"/>
+            <a:tailEnd type="triangle"/>
+          </a:ln>
+        </p:spPr>
+        <p:style>
+          <a:lnRef idx="1">
+            <a:schemeClr val="accent1"/>
+          </a:lnRef>
+          <a:fillRef idx="0">
+            <a:schemeClr val="accent1"/>
+          </a:fillRef>
+          <a:effectRef idx="0">
+            <a:schemeClr val="accent1"/>
+          </a:effectRef>
+          <a:fontRef idx="minor">
+            <a:schemeClr val="tx1"/>
+          </a:fontRef>
+        </p:style>
+      </p:cxnSp>
+      <p:sp>
+        <p:nvSpPr>
+          <p:cNvPr id="20" name="Vuokaavio: Prosessi 19">
+            <a:extLst>
+              <a:ext uri="{FF2B5EF4-FFF2-40B4-BE49-F238E27FC236}">
+                <a16:creationId xmlns:a16="http://schemas.microsoft.com/office/drawing/2014/main" id="{1822400F-C531-4B9C-B1B7-CB7ABB7ECBC6}"/>
+              </a:ext>
+            </a:extLst>
+          </p:cNvPr>
+          <p:cNvSpPr/>
+          <p:nvPr/>
+        </p:nvSpPr>
+        <p:spPr>
+          <a:xfrm>
+            <a:off x="7660543" y="4248769"/>
+            <a:ext cx="1820849" cy="1640990"/>
+          </a:xfrm>
+          <a:prstGeom prst="flowChartProcess">
+            <a:avLst/>
+          </a:prstGeom>
+        </p:spPr>
+        <p:style>
+          <a:lnRef idx="2">
+            <a:schemeClr val="accent1">
+              <a:shade val="50000"/>
+            </a:schemeClr>
+          </a:lnRef>
+          <a:fillRef idx="1">
+            <a:schemeClr val="accent1"/>
+          </a:fillRef>
+          <a:effectRef idx="0">
+            <a:schemeClr val="accent1"/>
+          </a:effectRef>
+          <a:fontRef idx="minor">
+            <a:schemeClr val="lt1"/>
+          </a:fontRef>
+        </p:style>
+        <p:txBody>
+          <a:bodyPr rtlCol="0" anchor="ctr"/>
+          <a:lstStyle/>
+          <a:p>
+            <a:pPr algn="ctr"/>
+            <a:r>
+              <a:rPr lang="fi-FI" dirty="0" err="1"/>
+              <a:t>ImageClasses</a:t>
+            </a:r>
+            <a:endParaRPr lang="en-GB" dirty="0"/>
+          </a:p>
+        </p:txBody>
+      </p:sp>
+      <p:cxnSp>
+        <p:nvCxnSpPr>
+          <p:cNvPr id="21" name="Suora nuoliyhdysviiva 20">
+            <a:extLst>
+              <a:ext uri="{FF2B5EF4-FFF2-40B4-BE49-F238E27FC236}">
+                <a16:creationId xmlns:a16="http://schemas.microsoft.com/office/drawing/2014/main" id="{2D3C30C0-588B-40AA-99D6-83DC6FE8A9DA}"/>
+              </a:ext>
+            </a:extLst>
+          </p:cNvPr>
+          <p:cNvCxnSpPr>
+            <a:cxnSpLocks/>
+            <a:stCxn id="10" idx="2"/>
+            <a:endCxn id="20" idx="0"/>
+          </p:cNvCxnSpPr>
+          <p:nvPr/>
+        </p:nvCxnSpPr>
+        <p:spPr>
+          <a:xfrm>
+            <a:off x="8570968" y="3164457"/>
+            <a:ext cx="0" cy="1084312"/>
+          </a:xfrm>
+          <a:prstGeom prst="straightConnector1">
+            <a:avLst/>
+          </a:prstGeom>
+          <a:ln>
+            <a:headEnd type="triangle"/>
+            <a:tailEnd type="triangle"/>
+          </a:ln>
+        </p:spPr>
+        <p:style>
+          <a:lnRef idx="1">
+            <a:schemeClr val="accent1"/>
+          </a:lnRef>
+          <a:fillRef idx="0">
+            <a:schemeClr val="accent1"/>
+          </a:fillRef>
+          <a:effectRef idx="0">
+            <a:schemeClr val="accent1"/>
+          </a:effectRef>
+          <a:fontRef idx="minor">
+            <a:schemeClr val="tx1"/>
+          </a:fontRef>
+        </p:style>
+      </p:cxnSp>
+      <p:sp>
+        <p:nvSpPr>
+          <p:cNvPr id="22" name="Vuokaavio: Prosessi 21">
+            <a:extLst>
+              <a:ext uri="{FF2B5EF4-FFF2-40B4-BE49-F238E27FC236}">
+                <a16:creationId xmlns:a16="http://schemas.microsoft.com/office/drawing/2014/main" id="{2BF92122-8B3E-4F67-A7C8-00C19C7BAB4E}"/>
+              </a:ext>
+            </a:extLst>
+          </p:cNvPr>
+          <p:cNvSpPr/>
+          <p:nvPr/>
+        </p:nvSpPr>
+        <p:spPr>
+          <a:xfrm>
+            <a:off x="4919808" y="4487514"/>
+            <a:ext cx="2239651" cy="1224517"/>
+          </a:xfrm>
+          <a:prstGeom prst="flowChartProcess">
+            <a:avLst/>
+          </a:prstGeom>
+          <a:solidFill>
+            <a:schemeClr val="accent6">
+              <a:lumMod val="60000"/>
+              <a:lumOff val="40000"/>
+            </a:schemeClr>
+          </a:solidFill>
+        </p:spPr>
+        <p:style>
+          <a:lnRef idx="2">
+            <a:schemeClr val="accent1">
+              <a:shade val="50000"/>
+            </a:schemeClr>
+          </a:lnRef>
+          <a:fillRef idx="1">
+            <a:schemeClr val="accent1"/>
+          </a:fillRef>
+          <a:effectRef idx="0">
+            <a:schemeClr val="accent1"/>
+          </a:effectRef>
+          <a:fontRef idx="minor">
+            <a:schemeClr val="lt1"/>
+          </a:fontRef>
+        </p:style>
+        <p:txBody>
+          <a:bodyPr rtlCol="0" anchor="ctr"/>
+          <a:lstStyle/>
+          <a:p>
+            <a:pPr algn="ctr"/>
+            <a:endParaRPr lang="fi-FI" dirty="0"/>
+          </a:p>
+          <a:p>
+            <a:pPr algn="ctr"/>
+            <a:endParaRPr lang="fi-FI" dirty="0"/>
+          </a:p>
+          <a:p>
+            <a:pPr algn="ctr"/>
+            <a:endParaRPr lang="fi-FI" dirty="0"/>
+          </a:p>
+          <a:p>
+            <a:pPr algn="ctr"/>
+            <a:r>
+              <a:rPr lang="fi-FI" dirty="0"/>
+              <a:t>pyttsx3</a:t>
+            </a:r>
+            <a:endParaRPr lang="en-GB" dirty="0"/>
+          </a:p>
+        </p:txBody>
+      </p:sp>
+      <p:sp>
+        <p:nvSpPr>
+          <p:cNvPr id="23" name="Vuokaavio: Prosessi 22">
+            <a:extLst>
+              <a:ext uri="{FF2B5EF4-FFF2-40B4-BE49-F238E27FC236}">
+                <a16:creationId xmlns:a16="http://schemas.microsoft.com/office/drawing/2014/main" id="{675DD872-087B-4B59-B802-9579456AB012}"/>
+              </a:ext>
+            </a:extLst>
+          </p:cNvPr>
+          <p:cNvSpPr/>
+          <p:nvPr/>
+        </p:nvSpPr>
+        <p:spPr>
+          <a:xfrm>
+            <a:off x="5129209" y="4803172"/>
+            <a:ext cx="1820849" cy="532813"/>
+          </a:xfrm>
+          <a:prstGeom prst="flowChartProcess">
+            <a:avLst/>
+          </a:prstGeom>
+        </p:spPr>
+        <p:style>
+          <a:lnRef idx="2">
+            <a:schemeClr val="accent1">
+              <a:shade val="50000"/>
+            </a:schemeClr>
+          </a:lnRef>
+          <a:fillRef idx="1">
+            <a:schemeClr val="accent1"/>
+          </a:fillRef>
+          <a:effectRef idx="0">
+            <a:schemeClr val="accent1"/>
+          </a:effectRef>
+          <a:fontRef idx="minor">
+            <a:schemeClr val="lt1"/>
+          </a:fontRef>
+        </p:style>
+        <p:txBody>
+          <a:bodyPr rtlCol="0" anchor="ctr"/>
+          <a:lstStyle/>
+          <a:p>
+            <a:pPr algn="ctr"/>
+            <a:r>
+              <a:rPr lang="fi-FI" dirty="0" err="1"/>
+              <a:t>SpeechSynthesis</a:t>
+            </a:r>
+            <a:endParaRPr lang="en-GB" dirty="0"/>
+          </a:p>
+        </p:txBody>
+      </p:sp>
+      <p:cxnSp>
+        <p:nvCxnSpPr>
+          <p:cNvPr id="24" name="Suora nuoliyhdysviiva 23">
+            <a:extLst>
+              <a:ext uri="{FF2B5EF4-FFF2-40B4-BE49-F238E27FC236}">
+                <a16:creationId xmlns:a16="http://schemas.microsoft.com/office/drawing/2014/main" id="{936C1415-EC94-4919-8CA9-1968A8BA38E9}"/>
+              </a:ext>
+            </a:extLst>
+          </p:cNvPr>
+          <p:cNvCxnSpPr>
+            <a:cxnSpLocks/>
+            <a:stCxn id="20" idx="1"/>
+            <a:endCxn id="23" idx="3"/>
+          </p:cNvCxnSpPr>
+          <p:nvPr/>
+        </p:nvCxnSpPr>
+        <p:spPr>
+          <a:xfrm flipH="1">
+            <a:off x="6950058" y="5069264"/>
+            <a:ext cx="710485" cy="315"/>
+          </a:xfrm>
+          <a:prstGeom prst="straightConnector1">
+            <a:avLst/>
+          </a:prstGeom>
+          <a:ln>
+            <a:tailEnd type="triangle"/>
+          </a:ln>
+        </p:spPr>
+        <p:style>
+          <a:lnRef idx="1">
+            <a:schemeClr val="accent1"/>
+          </a:lnRef>
+          <a:fillRef idx="0">
+            <a:schemeClr val="accent1"/>
+          </a:fillRef>
+          <a:effectRef idx="0">
+            <a:schemeClr val="accent1"/>
+          </a:effectRef>
+          <a:fontRef idx="minor">
+            <a:schemeClr val="tx1"/>
+          </a:fontRef>
+        </p:style>
+      </p:cxnSp>
+      <p:sp>
+        <p:nvSpPr>
+          <p:cNvPr id="30" name="Vuokaavio: Prosessi 29">
+            <a:extLst>
+              <a:ext uri="{FF2B5EF4-FFF2-40B4-BE49-F238E27FC236}">
+                <a16:creationId xmlns:a16="http://schemas.microsoft.com/office/drawing/2014/main" id="{3470D455-8EFC-458C-81EB-A5F429798F04}"/>
+              </a:ext>
+            </a:extLst>
+          </p:cNvPr>
+          <p:cNvSpPr/>
+          <p:nvPr/>
+        </p:nvSpPr>
+        <p:spPr>
+          <a:xfrm>
+            <a:off x="5160587" y="3296288"/>
+            <a:ext cx="1765189" cy="613979"/>
+          </a:xfrm>
+          <a:prstGeom prst="flowChartProcess">
+            <a:avLst/>
+          </a:prstGeom>
+          <a:solidFill>
+            <a:schemeClr val="accent2">
+              <a:lumMod val="60000"/>
+              <a:lumOff val="40000"/>
+            </a:schemeClr>
+          </a:solidFill>
+        </p:spPr>
+        <p:style>
+          <a:lnRef idx="2">
+            <a:schemeClr val="accent1">
+              <a:shade val="50000"/>
+            </a:schemeClr>
+          </a:lnRef>
+          <a:fillRef idx="1">
+            <a:schemeClr val="accent1"/>
+          </a:fillRef>
+          <a:effectRef idx="0">
+            <a:schemeClr val="accent1"/>
+          </a:effectRef>
+          <a:fontRef idx="minor">
+            <a:schemeClr val="lt1"/>
+          </a:fontRef>
+        </p:style>
+        <p:txBody>
+          <a:bodyPr rtlCol="0" anchor="ctr"/>
+          <a:lstStyle/>
+          <a:p>
+            <a:pPr algn="ctr"/>
+            <a:r>
+              <a:rPr lang="fi-FI" dirty="0" err="1"/>
+              <a:t>Speakers</a:t>
+            </a:r>
+            <a:endParaRPr lang="en-GB" dirty="0"/>
+          </a:p>
+        </p:txBody>
+      </p:sp>
+      <p:cxnSp>
+        <p:nvCxnSpPr>
+          <p:cNvPr id="31" name="Suora nuoliyhdysviiva 30">
+            <a:extLst>
+              <a:ext uri="{FF2B5EF4-FFF2-40B4-BE49-F238E27FC236}">
+                <a16:creationId xmlns:a16="http://schemas.microsoft.com/office/drawing/2014/main" id="{82C53833-2DAA-4814-B0EF-B5CB2FC24792}"/>
+              </a:ext>
+            </a:extLst>
+          </p:cNvPr>
+          <p:cNvCxnSpPr>
+            <a:cxnSpLocks/>
+            <a:stCxn id="23" idx="0"/>
+            <a:endCxn id="30" idx="2"/>
+          </p:cNvCxnSpPr>
+          <p:nvPr/>
+        </p:nvCxnSpPr>
+        <p:spPr>
+          <a:xfrm flipV="1">
+            <a:off x="6039634" y="3910267"/>
+            <a:ext cx="3548" cy="892905"/>
+          </a:xfrm>
+          <a:prstGeom prst="straightConnector1">
+            <a:avLst/>
+          </a:prstGeom>
+          <a:ln>
+            <a:tailEnd type="triangle"/>
+          </a:ln>
+        </p:spPr>
+        <p:style>
+          <a:lnRef idx="1">
+            <a:schemeClr val="accent1"/>
+          </a:lnRef>
+          <a:fillRef idx="0">
+            <a:schemeClr val="accent1"/>
+          </a:fillRef>
+          <a:effectRef idx="0">
+            <a:schemeClr val="accent1"/>
+          </a:effectRef>
+          <a:fontRef idx="minor">
+            <a:schemeClr val="tx1"/>
+          </a:fontRef>
+        </p:style>
+      </p:cxnSp>
+    </p:spTree>
+    <p:extLst>
+      <p:ext uri="{BB962C8B-B14F-4D97-AF65-F5344CB8AC3E}">
+        <p14:creationId xmlns:p14="http://schemas.microsoft.com/office/powerpoint/2010/main" val="1243186226"/>
       </p:ext>
     </p:extLst>
   </p:cSld>
@@ -10896,17 +12292,17 @@
                 <a:ea typeface="+mj-ea"/>
                 <a:cs typeface="+mj-cs"/>
               </a:rPr>
-              <a:t>Perception</a:t>
-            </a:r>
-          </a:p>
-        </p:txBody>
-      </p:sp>
-      <p:sp>
-        <p:nvSpPr>
-          <p:cNvPr id="44" name="Tekstiruutu 43">
-            <a:extLst>
-              <a:ext uri="{FF2B5EF4-FFF2-40B4-BE49-F238E27FC236}">
-                <a16:creationId xmlns:a16="http://schemas.microsoft.com/office/drawing/2014/main" id="{A2FDF6B1-AC81-41A7-9D40-341BFEE80CEF}"/>
+              <a:t>Speech Synthesis</a:t>
+            </a:r>
+          </a:p>
+        </p:txBody>
+      </p:sp>
+      <p:sp>
+        <p:nvSpPr>
+          <p:cNvPr id="9" name="Tekstiruutu 8">
+            <a:extLst>
+              <a:ext uri="{FF2B5EF4-FFF2-40B4-BE49-F238E27FC236}">
+                <a16:creationId xmlns:a16="http://schemas.microsoft.com/office/drawing/2014/main" id="{C2CD9C32-91F1-45A6-BFBF-309C2678CFEA}"/>
               </a:ext>
             </a:extLst>
           </p:cNvPr>
@@ -10915,8 +12311,8 @@
         </p:nvSpPr>
         <p:spPr>
           <a:xfrm>
-            <a:off x="5128665" y="2473105"/>
-            <a:ext cx="6561338" cy="1569660"/>
+            <a:off x="5210629" y="277635"/>
+            <a:ext cx="881460" cy="369332"/>
           </a:xfrm>
           <a:prstGeom prst="rect">
             <a:avLst/>
@@ -10924,14 +12320,684 @@
           <a:noFill/>
         </p:spPr>
         <p:txBody>
+          <a:bodyPr wrap="none" rtlCol="0">
+            <a:spAutoFit/>
+          </a:bodyPr>
+          <a:lstStyle/>
+          <a:p>
+            <a:r>
+              <a:rPr lang="fi-FI" dirty="0" err="1"/>
+              <a:t>Entities</a:t>
+            </a:r>
+            <a:endParaRPr lang="en-GB" dirty="0"/>
+          </a:p>
+        </p:txBody>
+      </p:sp>
+      <p:sp>
+        <p:nvSpPr>
+          <p:cNvPr id="25" name="Vuokaavio: Prosessi 24">
+            <a:extLst>
+              <a:ext uri="{FF2B5EF4-FFF2-40B4-BE49-F238E27FC236}">
+                <a16:creationId xmlns:a16="http://schemas.microsoft.com/office/drawing/2014/main" id="{52470BBC-1530-4F92-A58B-80AB9B85E8F0}"/>
+              </a:ext>
+            </a:extLst>
+          </p:cNvPr>
+          <p:cNvSpPr/>
+          <p:nvPr/>
+        </p:nvSpPr>
+        <p:spPr>
+          <a:xfrm>
+            <a:off x="6901845" y="1127141"/>
+            <a:ext cx="1799645" cy="636104"/>
+          </a:xfrm>
+          <a:prstGeom prst="flowChartProcess">
+            <a:avLst/>
+          </a:prstGeom>
+        </p:spPr>
+        <p:style>
+          <a:lnRef idx="2">
+            <a:schemeClr val="accent1">
+              <a:shade val="50000"/>
+            </a:schemeClr>
+          </a:lnRef>
+          <a:fillRef idx="1">
+            <a:schemeClr val="accent1"/>
+          </a:fillRef>
+          <a:effectRef idx="0">
+            <a:schemeClr val="accent1"/>
+          </a:effectRef>
+          <a:fontRef idx="minor">
+            <a:schemeClr val="lt1"/>
+          </a:fontRef>
+        </p:style>
+        <p:txBody>
+          <a:bodyPr rtlCol="0" anchor="ctr"/>
+          <a:lstStyle/>
+          <a:p>
+            <a:pPr algn="ctr"/>
+            <a:r>
+              <a:rPr lang="fi-FI" dirty="0"/>
+              <a:t>Image World</a:t>
+            </a:r>
+            <a:endParaRPr lang="en-GB" dirty="0"/>
+          </a:p>
+        </p:txBody>
+      </p:sp>
+      <p:sp>
+        <p:nvSpPr>
+          <p:cNvPr id="26" name="Vuokaavio: Prosessi 25">
+            <a:extLst>
+              <a:ext uri="{FF2B5EF4-FFF2-40B4-BE49-F238E27FC236}">
+                <a16:creationId xmlns:a16="http://schemas.microsoft.com/office/drawing/2014/main" id="{1E081CA9-404F-42C9-8D5F-2D84D9D0C668}"/>
+              </a:ext>
+            </a:extLst>
+          </p:cNvPr>
+          <p:cNvSpPr/>
+          <p:nvPr/>
+        </p:nvSpPr>
+        <p:spPr>
+          <a:xfrm>
+            <a:off x="5720251" y="2460546"/>
+            <a:ext cx="1799645" cy="636104"/>
+          </a:xfrm>
+          <a:prstGeom prst="flowChartProcess">
+            <a:avLst/>
+          </a:prstGeom>
+        </p:spPr>
+        <p:style>
+          <a:lnRef idx="2">
+            <a:schemeClr val="accent1">
+              <a:shade val="50000"/>
+            </a:schemeClr>
+          </a:lnRef>
+          <a:fillRef idx="1">
+            <a:schemeClr val="accent1"/>
+          </a:fillRef>
+          <a:effectRef idx="0">
+            <a:schemeClr val="accent1"/>
+          </a:effectRef>
+          <a:fontRef idx="minor">
+            <a:schemeClr val="lt1"/>
+          </a:fontRef>
+        </p:style>
+        <p:txBody>
+          <a:bodyPr rtlCol="0" anchor="ctr"/>
+          <a:lstStyle/>
+          <a:p>
+            <a:pPr algn="ctr"/>
+            <a:r>
+              <a:rPr lang="fi-FI" dirty="0"/>
+              <a:t>Image Object</a:t>
+            </a:r>
+            <a:endParaRPr lang="en-GB" dirty="0"/>
+          </a:p>
+        </p:txBody>
+      </p:sp>
+      <p:sp>
+        <p:nvSpPr>
+          <p:cNvPr id="27" name="Vuokaavio: Prosessi 26">
+            <a:extLst>
+              <a:ext uri="{FF2B5EF4-FFF2-40B4-BE49-F238E27FC236}">
+                <a16:creationId xmlns:a16="http://schemas.microsoft.com/office/drawing/2014/main" id="{20439A79-F2DB-4FBA-B91A-2B3C26728A8C}"/>
+              </a:ext>
+            </a:extLst>
+          </p:cNvPr>
+          <p:cNvSpPr/>
+          <p:nvPr/>
+        </p:nvSpPr>
+        <p:spPr>
+          <a:xfrm>
+            <a:off x="8110520" y="2460546"/>
+            <a:ext cx="1799645" cy="636104"/>
+          </a:xfrm>
+          <a:prstGeom prst="flowChartProcess">
+            <a:avLst/>
+          </a:prstGeom>
+        </p:spPr>
+        <p:style>
+          <a:lnRef idx="2">
+            <a:schemeClr val="accent1">
+              <a:shade val="50000"/>
+            </a:schemeClr>
+          </a:lnRef>
+          <a:fillRef idx="1">
+            <a:schemeClr val="accent1"/>
+          </a:fillRef>
+          <a:effectRef idx="0">
+            <a:schemeClr val="accent1"/>
+          </a:effectRef>
+          <a:fontRef idx="minor">
+            <a:schemeClr val="lt1"/>
+          </a:fontRef>
+        </p:style>
+        <p:txBody>
+          <a:bodyPr rtlCol="0" anchor="ctr"/>
+          <a:lstStyle/>
+          <a:p>
+            <a:pPr algn="ctr"/>
+            <a:r>
+              <a:rPr lang="fi-FI" dirty="0" err="1"/>
+              <a:t>Event</a:t>
+            </a:r>
+            <a:endParaRPr lang="en-GB" dirty="0"/>
+          </a:p>
+        </p:txBody>
+      </p:sp>
+      <p:cxnSp>
+        <p:nvCxnSpPr>
+          <p:cNvPr id="28" name="Suora nuoliyhdysviiva 27">
+            <a:extLst>
+              <a:ext uri="{FF2B5EF4-FFF2-40B4-BE49-F238E27FC236}">
+                <a16:creationId xmlns:a16="http://schemas.microsoft.com/office/drawing/2014/main" id="{95A38885-473D-4582-AE91-6FBB0EE3FDC8}"/>
+              </a:ext>
+            </a:extLst>
+          </p:cNvPr>
+          <p:cNvCxnSpPr>
+            <a:cxnSpLocks/>
+            <a:stCxn id="26" idx="0"/>
+          </p:cNvCxnSpPr>
+          <p:nvPr/>
+        </p:nvCxnSpPr>
+        <p:spPr>
+          <a:xfrm flipV="1">
+            <a:off x="6620074" y="1763245"/>
+            <a:ext cx="730752" cy="697301"/>
+          </a:xfrm>
+          <a:prstGeom prst="straightConnector1">
+            <a:avLst/>
+          </a:prstGeom>
+          <a:ln>
+            <a:tailEnd type="triangle"/>
+          </a:ln>
+        </p:spPr>
+        <p:style>
+          <a:lnRef idx="1">
+            <a:schemeClr val="accent1"/>
+          </a:lnRef>
+          <a:fillRef idx="0">
+            <a:schemeClr val="accent1"/>
+          </a:fillRef>
+          <a:effectRef idx="0">
+            <a:schemeClr val="accent1"/>
+          </a:effectRef>
+          <a:fontRef idx="minor">
+            <a:schemeClr val="tx1"/>
+          </a:fontRef>
+        </p:style>
+      </p:cxnSp>
+      <p:cxnSp>
+        <p:nvCxnSpPr>
+          <p:cNvPr id="32" name="Suora nuoliyhdysviiva 31">
+            <a:extLst>
+              <a:ext uri="{FF2B5EF4-FFF2-40B4-BE49-F238E27FC236}">
+                <a16:creationId xmlns:a16="http://schemas.microsoft.com/office/drawing/2014/main" id="{787567FA-F210-4630-BD43-4CCD91DD7B60}"/>
+              </a:ext>
+            </a:extLst>
+          </p:cNvPr>
+          <p:cNvCxnSpPr>
+            <a:cxnSpLocks/>
+            <a:stCxn id="27" idx="0"/>
+          </p:cNvCxnSpPr>
+          <p:nvPr/>
+        </p:nvCxnSpPr>
+        <p:spPr>
+          <a:xfrm flipH="1" flipV="1">
+            <a:off x="8372104" y="1763245"/>
+            <a:ext cx="638239" cy="697301"/>
+          </a:xfrm>
+          <a:prstGeom prst="straightConnector1">
+            <a:avLst/>
+          </a:prstGeom>
+          <a:ln>
+            <a:tailEnd type="triangle"/>
+          </a:ln>
+        </p:spPr>
+        <p:style>
+          <a:lnRef idx="1">
+            <a:schemeClr val="accent1"/>
+          </a:lnRef>
+          <a:fillRef idx="0">
+            <a:schemeClr val="accent1"/>
+          </a:fillRef>
+          <a:effectRef idx="0">
+            <a:schemeClr val="accent1"/>
+          </a:effectRef>
+          <a:fontRef idx="minor">
+            <a:schemeClr val="tx1"/>
+          </a:fontRef>
+        </p:style>
+      </p:cxnSp>
+      <p:sp>
+        <p:nvSpPr>
+          <p:cNvPr id="16" name="Tekstiruutu 15">
+            <a:extLst>
+              <a:ext uri="{FF2B5EF4-FFF2-40B4-BE49-F238E27FC236}">
+                <a16:creationId xmlns:a16="http://schemas.microsoft.com/office/drawing/2014/main" id="{431A94FD-A4C1-4E86-A1CA-DBB4A3514B2D}"/>
+              </a:ext>
+            </a:extLst>
+          </p:cNvPr>
+          <p:cNvSpPr txBox="1"/>
+          <p:nvPr/>
+        </p:nvSpPr>
+        <p:spPr>
+          <a:xfrm>
+            <a:off x="10245636" y="2501599"/>
+            <a:ext cx="856325" cy="553998"/>
+          </a:xfrm>
+          <a:prstGeom prst="rect">
+            <a:avLst/>
+          </a:prstGeom>
+          <a:noFill/>
+        </p:spPr>
+        <p:txBody>
+          <a:bodyPr wrap="none" rtlCol="0">
+            <a:spAutoFit/>
+          </a:bodyPr>
+          <a:lstStyle/>
+          <a:p>
+            <a:r>
+              <a:rPr lang="fi-FI" sz="1000" dirty="0" err="1"/>
+              <a:t>Event</a:t>
+            </a:r>
+            <a:endParaRPr lang="fi-FI" sz="1000" dirty="0"/>
+          </a:p>
+          <a:p>
+            <a:pPr marL="285750" indent="-285750">
+              <a:buFont typeface="Arial" panose="020B0604020202020204" pitchFamily="34" charset="0"/>
+              <a:buChar char="•"/>
+            </a:pPr>
+            <a:r>
+              <a:rPr lang="fi-FI" sz="1000" dirty="0" err="1"/>
+              <a:t>text</a:t>
+            </a:r>
+            <a:endParaRPr lang="fi-FI" sz="1000" dirty="0"/>
+          </a:p>
+          <a:p>
+            <a:pPr marL="285750" indent="-285750">
+              <a:buFont typeface="Arial" panose="020B0604020202020204" pitchFamily="34" charset="0"/>
+              <a:buChar char="•"/>
+            </a:pPr>
+            <a:r>
+              <a:rPr lang="fi-FI" sz="1000" dirty="0" err="1"/>
+              <a:t>priority</a:t>
+            </a:r>
+            <a:endParaRPr lang="en-GB" sz="1000" dirty="0"/>
+          </a:p>
+        </p:txBody>
+      </p:sp>
+      <p:cxnSp>
+        <p:nvCxnSpPr>
+          <p:cNvPr id="33" name="Suora yhdysviiva 32">
+            <a:extLst>
+              <a:ext uri="{FF2B5EF4-FFF2-40B4-BE49-F238E27FC236}">
+                <a16:creationId xmlns:a16="http://schemas.microsoft.com/office/drawing/2014/main" id="{89A2CDEA-D7FD-46E7-96DD-493262639BCE}"/>
+              </a:ext>
+            </a:extLst>
+          </p:cNvPr>
+          <p:cNvCxnSpPr/>
+          <p:nvPr/>
+        </p:nvCxnSpPr>
+        <p:spPr>
+          <a:xfrm>
+            <a:off x="6751122" y="2351314"/>
+            <a:ext cx="59377" cy="109232"/>
+          </a:xfrm>
+          <a:prstGeom prst="line">
+            <a:avLst/>
+          </a:prstGeom>
+        </p:spPr>
+        <p:style>
+          <a:lnRef idx="1">
+            <a:schemeClr val="accent1"/>
+          </a:lnRef>
+          <a:fillRef idx="0">
+            <a:schemeClr val="accent1"/>
+          </a:fillRef>
+          <a:effectRef idx="0">
+            <a:schemeClr val="accent1"/>
+          </a:effectRef>
+          <a:fontRef idx="minor">
+            <a:schemeClr val="tx1"/>
+          </a:fontRef>
+        </p:style>
+      </p:cxnSp>
+      <p:cxnSp>
+        <p:nvCxnSpPr>
+          <p:cNvPr id="35" name="Suora yhdysviiva 34">
+            <a:extLst>
+              <a:ext uri="{FF2B5EF4-FFF2-40B4-BE49-F238E27FC236}">
+                <a16:creationId xmlns:a16="http://schemas.microsoft.com/office/drawing/2014/main" id="{7BF58A33-CAB7-4D72-93B2-502F1C6D2730}"/>
+              </a:ext>
+            </a:extLst>
+          </p:cNvPr>
+          <p:cNvCxnSpPr/>
+          <p:nvPr/>
+        </p:nvCxnSpPr>
+        <p:spPr>
+          <a:xfrm flipH="1">
+            <a:off x="8829304" y="2327564"/>
+            <a:ext cx="59377" cy="132982"/>
+          </a:xfrm>
+          <a:prstGeom prst="line">
+            <a:avLst/>
+          </a:prstGeom>
+        </p:spPr>
+        <p:style>
+          <a:lnRef idx="1">
+            <a:schemeClr val="accent1"/>
+          </a:lnRef>
+          <a:fillRef idx="0">
+            <a:schemeClr val="accent1"/>
+          </a:fillRef>
+          <a:effectRef idx="0">
+            <a:schemeClr val="accent1"/>
+          </a:effectRef>
+          <a:fontRef idx="minor">
+            <a:schemeClr val="tx1"/>
+          </a:fontRef>
+        </p:style>
+      </p:cxnSp>
+      <p:cxnSp>
+        <p:nvCxnSpPr>
+          <p:cNvPr id="37" name="Suora yhdysviiva 36">
+            <a:extLst>
+              <a:ext uri="{FF2B5EF4-FFF2-40B4-BE49-F238E27FC236}">
+                <a16:creationId xmlns:a16="http://schemas.microsoft.com/office/drawing/2014/main" id="{FB00E1F1-61A2-4101-85AB-AA1F14B67868}"/>
+              </a:ext>
+            </a:extLst>
+          </p:cNvPr>
+          <p:cNvCxnSpPr/>
+          <p:nvPr/>
+        </p:nvCxnSpPr>
+        <p:spPr>
+          <a:xfrm flipH="1">
+            <a:off x="6353299" y="2327564"/>
+            <a:ext cx="397823" cy="174035"/>
+          </a:xfrm>
+          <a:prstGeom prst="line">
+            <a:avLst/>
+          </a:prstGeom>
+        </p:spPr>
+        <p:style>
+          <a:lnRef idx="1">
+            <a:schemeClr val="accent1"/>
+          </a:lnRef>
+          <a:fillRef idx="0">
+            <a:schemeClr val="accent1"/>
+          </a:fillRef>
+          <a:effectRef idx="0">
+            <a:schemeClr val="accent1"/>
+          </a:effectRef>
+          <a:fontRef idx="minor">
+            <a:schemeClr val="tx1"/>
+          </a:fontRef>
+        </p:style>
+      </p:cxnSp>
+      <p:cxnSp>
+        <p:nvCxnSpPr>
+          <p:cNvPr id="39" name="Suora yhdysviiva 38">
+            <a:extLst>
+              <a:ext uri="{FF2B5EF4-FFF2-40B4-BE49-F238E27FC236}">
+                <a16:creationId xmlns:a16="http://schemas.microsoft.com/office/drawing/2014/main" id="{5C388D59-2A6C-46AE-99A2-9F0223673C95}"/>
+              </a:ext>
+            </a:extLst>
+          </p:cNvPr>
+          <p:cNvCxnSpPr/>
+          <p:nvPr/>
+        </p:nvCxnSpPr>
+        <p:spPr>
+          <a:xfrm>
+            <a:off x="8888681" y="2327564"/>
+            <a:ext cx="290945" cy="132982"/>
+          </a:xfrm>
+          <a:prstGeom prst="line">
+            <a:avLst/>
+          </a:prstGeom>
+        </p:spPr>
+        <p:style>
+          <a:lnRef idx="1">
+            <a:schemeClr val="accent1"/>
+          </a:lnRef>
+          <a:fillRef idx="0">
+            <a:schemeClr val="accent1"/>
+          </a:fillRef>
+          <a:effectRef idx="0">
+            <a:schemeClr val="accent1"/>
+          </a:effectRef>
+          <a:fontRef idx="minor">
+            <a:schemeClr val="tx1"/>
+          </a:fontRef>
+        </p:style>
+      </p:cxnSp>
+      <p:sp>
+        <p:nvSpPr>
+          <p:cNvPr id="40" name="Tekstiruutu 39">
+            <a:extLst>
+              <a:ext uri="{FF2B5EF4-FFF2-40B4-BE49-F238E27FC236}">
+                <a16:creationId xmlns:a16="http://schemas.microsoft.com/office/drawing/2014/main" id="{4368DEC3-C74A-421B-898C-2F0E909CFE05}"/>
+              </a:ext>
+            </a:extLst>
+          </p:cNvPr>
+          <p:cNvSpPr txBox="1"/>
+          <p:nvPr/>
+        </p:nvSpPr>
+        <p:spPr>
+          <a:xfrm>
+            <a:off x="5651359" y="3976533"/>
+            <a:ext cx="5009872" cy="1569660"/>
+          </a:xfrm>
+          <a:prstGeom prst="rect">
+            <a:avLst/>
+          </a:prstGeom>
+          <a:noFill/>
+        </p:spPr>
+        <p:txBody>
           <a:bodyPr wrap="square" rtlCol="0">
             <a:spAutoFit/>
           </a:bodyPr>
           <a:lstStyle/>
           <a:p>
-            <a:r>
-              <a:rPr lang="en-GB" sz="1600" dirty="0"/>
-              <a:t>“The first step in achieving SA is to perceive the status, attributes, and dynamics of relevant elements in the environment. Thus, Level 1 SA, the most basic level of SA, involves the processes of monitoring, cue detection, and simple recognition, which lead to an awareness of multiple situational elements (objects, events, people, systems, environmental factors) and their current states (locations, conditions, modes, actions).”</a:t>
+            <a:pPr marL="285750" indent="-285750">
+              <a:buFont typeface="Arial" panose="020B0604020202020204" pitchFamily="34" charset="0"/>
+              <a:buChar char="•"/>
+            </a:pPr>
+            <a:r>
+              <a:rPr lang="fi-FI" sz="1600" dirty="0" err="1"/>
+              <a:t>Event</a:t>
+            </a:r>
+            <a:r>
+              <a:rPr lang="fi-FI" sz="1600" dirty="0"/>
+              <a:t> is </a:t>
+            </a:r>
+            <a:r>
+              <a:rPr lang="fi-FI" sz="1600" dirty="0" err="1"/>
+              <a:t>generated</a:t>
+            </a:r>
+            <a:r>
+              <a:rPr lang="fi-FI" sz="1600" dirty="0"/>
+              <a:t> </a:t>
+            </a:r>
+            <a:r>
+              <a:rPr lang="fi-FI" sz="1600" dirty="0" err="1"/>
+              <a:t>when</a:t>
+            </a:r>
+            <a:r>
+              <a:rPr lang="fi-FI" sz="1600" dirty="0"/>
+              <a:t> </a:t>
+            </a:r>
+          </a:p>
+          <a:p>
+            <a:pPr marL="742950" lvl="1" indent="-285750">
+              <a:buFont typeface="Arial" panose="020B0604020202020204" pitchFamily="34" charset="0"/>
+              <a:buChar char="•"/>
+            </a:pPr>
+            <a:r>
+              <a:rPr lang="fi-FI" sz="1600" dirty="0" err="1"/>
+              <a:t>new</a:t>
+            </a:r>
+            <a:r>
+              <a:rPr lang="fi-FI" sz="1600" dirty="0"/>
+              <a:t> image </a:t>
+            </a:r>
+            <a:r>
+              <a:rPr lang="fi-FI" sz="1600" dirty="0" err="1"/>
+              <a:t>object</a:t>
+            </a:r>
+            <a:r>
+              <a:rPr lang="fi-FI" sz="1600" dirty="0"/>
+              <a:t> is </a:t>
+            </a:r>
+            <a:r>
+              <a:rPr lang="fi-FI" sz="1600" dirty="0" err="1"/>
+              <a:t>created</a:t>
+            </a:r>
+            <a:endParaRPr lang="fi-FI" sz="1600" dirty="0"/>
+          </a:p>
+          <a:p>
+            <a:pPr marL="742950" lvl="1" indent="-285750">
+              <a:buFont typeface="Arial" panose="020B0604020202020204" pitchFamily="34" charset="0"/>
+              <a:buChar char="•"/>
+            </a:pPr>
+            <a:r>
+              <a:rPr lang="fi-FI" sz="1600" dirty="0"/>
+              <a:t>image </a:t>
+            </a:r>
+            <a:r>
+              <a:rPr lang="fi-FI" sz="1600" dirty="0" err="1"/>
+              <a:t>object</a:t>
+            </a:r>
+            <a:r>
+              <a:rPr lang="fi-FI" sz="1600" dirty="0"/>
+              <a:t> status is </a:t>
+            </a:r>
+            <a:r>
+              <a:rPr lang="fi-FI" sz="1600" dirty="0" err="1"/>
+              <a:t>changed</a:t>
+            </a:r>
+            <a:endParaRPr lang="fi-FI" sz="1600" dirty="0"/>
+          </a:p>
+          <a:p>
+            <a:pPr marL="285750" indent="-285750">
+              <a:buFont typeface="Arial" panose="020B0604020202020204" pitchFamily="34" charset="0"/>
+              <a:buChar char="•"/>
+            </a:pPr>
+            <a:r>
+              <a:rPr lang="fi-FI" sz="1600" dirty="0" err="1"/>
+              <a:t>Event</a:t>
+            </a:r>
+            <a:r>
+              <a:rPr lang="fi-FI" sz="1600" dirty="0"/>
+              <a:t> </a:t>
+            </a:r>
+            <a:r>
+              <a:rPr lang="fi-FI" sz="1600" dirty="0" err="1"/>
+              <a:t>will</a:t>
+            </a:r>
+            <a:r>
+              <a:rPr lang="fi-FI" sz="1600" dirty="0"/>
+              <a:t> </a:t>
+            </a:r>
+            <a:r>
+              <a:rPr lang="fi-FI" sz="1600" dirty="0" err="1"/>
+              <a:t>pause</a:t>
+            </a:r>
+            <a:r>
+              <a:rPr lang="fi-FI" sz="1600" dirty="0"/>
+              <a:t> </a:t>
+            </a:r>
+            <a:r>
+              <a:rPr lang="fi-FI" sz="1600" dirty="0" err="1"/>
+              <a:t>the</a:t>
+            </a:r>
+            <a:r>
+              <a:rPr lang="fi-FI" sz="1600" dirty="0"/>
+              <a:t> video for </a:t>
+            </a:r>
+            <a:r>
+              <a:rPr lang="fi-FI" sz="1600" dirty="0" err="1"/>
+              <a:t>the</a:t>
+            </a:r>
+            <a:r>
+              <a:rPr lang="fi-FI" sz="1600" dirty="0"/>
+              <a:t> </a:t>
+            </a:r>
+            <a:r>
+              <a:rPr lang="fi-FI" sz="1600" dirty="0" err="1"/>
+              <a:t>duration</a:t>
+            </a:r>
+            <a:r>
+              <a:rPr lang="fi-FI" sz="1600" dirty="0"/>
+              <a:t> of </a:t>
+            </a:r>
+            <a:r>
+              <a:rPr lang="fi-FI" sz="1600" dirty="0" err="1"/>
+              <a:t>speech</a:t>
+            </a:r>
+            <a:r>
+              <a:rPr lang="fi-FI" sz="1600" dirty="0"/>
+              <a:t> (</a:t>
+            </a:r>
+            <a:r>
+              <a:rPr lang="fi-FI" sz="1600" dirty="0" err="1"/>
+              <a:t>not</a:t>
+            </a:r>
+            <a:r>
+              <a:rPr lang="fi-FI" sz="1600" dirty="0"/>
+              <a:t> in </a:t>
+            </a:r>
+            <a:r>
+              <a:rPr lang="fi-FI" sz="1600" dirty="0" err="1"/>
+              <a:t>the</a:t>
+            </a:r>
+            <a:r>
+              <a:rPr lang="fi-FI" sz="1600" dirty="0"/>
+              <a:t> </a:t>
+            </a:r>
+            <a:r>
+              <a:rPr lang="fi-FI" sz="1600" dirty="0" err="1"/>
+              <a:t>final</a:t>
+            </a:r>
+            <a:r>
+              <a:rPr lang="fi-FI" sz="1600" dirty="0"/>
+              <a:t> version)</a:t>
+            </a:r>
+          </a:p>
+          <a:p>
+            <a:pPr marL="285750" indent="-285750">
+              <a:buFont typeface="Arial" panose="020B0604020202020204" pitchFamily="34" charset="0"/>
+              <a:buChar char="•"/>
+            </a:pPr>
+            <a:r>
+              <a:rPr lang="fi-FI" sz="1600" dirty="0" err="1"/>
+              <a:t>Events</a:t>
+            </a:r>
+            <a:r>
+              <a:rPr lang="fi-FI" sz="1600" dirty="0"/>
+              <a:t> </a:t>
+            </a:r>
+            <a:r>
+              <a:rPr lang="fi-FI" sz="1600" dirty="0" err="1"/>
+              <a:t>are</a:t>
+            </a:r>
+            <a:r>
+              <a:rPr lang="fi-FI" sz="1600" dirty="0"/>
+              <a:t> </a:t>
+            </a:r>
+            <a:r>
+              <a:rPr lang="fi-FI" sz="1600" dirty="0" err="1"/>
+              <a:t>collected</a:t>
+            </a:r>
+            <a:r>
+              <a:rPr lang="fi-FI" sz="1600" dirty="0"/>
+              <a:t> (</a:t>
+            </a:r>
+            <a:r>
+              <a:rPr lang="fi-FI" sz="1600" dirty="0" err="1"/>
+              <a:t>history</a:t>
+            </a:r>
+            <a:r>
+              <a:rPr lang="fi-FI" sz="1600" dirty="0"/>
+              <a:t>)</a:t>
             </a:r>
           </a:p>
         </p:txBody>
@@ -10939,7 +13005,7 @@
     </p:spTree>
     <p:extLst>
       <p:ext uri="{BB962C8B-B14F-4D97-AF65-F5344CB8AC3E}">
-        <p14:creationId xmlns:p14="http://schemas.microsoft.com/office/powerpoint/2010/main" val="606653114"/>
+        <p14:creationId xmlns:p14="http://schemas.microsoft.com/office/powerpoint/2010/main" val="2142090842"/>
       </p:ext>
     </p:extLst>
   </p:cSld>

--- a/presentations/Audit 20180301.pptx
+++ b/presentations/Audit 20180301.pptx
@@ -5,7 +5,7 @@
     <p:sldMasterId id="2147483648" r:id="rId1"/>
   </p:sldMasterIdLst>
   <p:notesMasterIdLst>
-    <p:notesMasterId r:id="rId37"/>
+    <p:notesMasterId r:id="rId39"/>
   </p:notesMasterIdLst>
   <p:sldIdLst>
     <p:sldId id="256" r:id="rId2"/>
@@ -36,13 +36,15 @@
     <p:sldId id="412" r:id="rId27"/>
     <p:sldId id="413" r:id="rId28"/>
     <p:sldId id="414" r:id="rId29"/>
-    <p:sldId id="387" r:id="rId30"/>
-    <p:sldId id="336" r:id="rId31"/>
-    <p:sldId id="356" r:id="rId32"/>
-    <p:sldId id="357" r:id="rId33"/>
-    <p:sldId id="368" r:id="rId34"/>
-    <p:sldId id="371" r:id="rId35"/>
-    <p:sldId id="298" r:id="rId36"/>
+    <p:sldId id="415" r:id="rId30"/>
+    <p:sldId id="416" r:id="rId31"/>
+    <p:sldId id="387" r:id="rId32"/>
+    <p:sldId id="336" r:id="rId33"/>
+    <p:sldId id="356" r:id="rId34"/>
+    <p:sldId id="357" r:id="rId35"/>
+    <p:sldId id="368" r:id="rId36"/>
+    <p:sldId id="371" r:id="rId37"/>
+    <p:sldId id="298" r:id="rId38"/>
   </p:sldIdLst>
   <p:sldSz cx="12192000" cy="6858000"/>
   <p:notesSz cx="6858000" cy="9144000"/>
@@ -13293,8 +13295,8 @@
           </a:p>
         </p:txBody>
       </p:sp>
-      <mc:AlternateContent xmlns:mc="http://schemas.openxmlformats.org/markup-compatibility/2006">
-        <mc:Choice xmlns:a14="http://schemas.microsoft.com/office/drawing/2010/main" Requires="a14">
+      <mc:AlternateContent xmlns:mc="http://schemas.openxmlformats.org/markup-compatibility/2006" xmlns:a14="http://schemas.microsoft.com/office/drawing/2010/main">
+        <mc:Choice Requires="a14">
           <p:sp>
             <p:nvSpPr>
               <p:cNvPr id="52" name="Tekstiruutu 51">
@@ -13405,13 +13407,7 @@
                             <a:rPr lang="fi-FI" b="0" i="1" smtClean="0">
                               <a:latin typeface="Cambria Math" panose="02040503050406030204" pitchFamily="18" charset="0"/>
                             </a:rPr>
-                            <m:t>𝐴</m:t>
-                          </m:r>
-                          <m:r>
-                            <a:rPr lang="fi-FI" b="0" i="1" smtClean="0">
-                              <a:latin typeface="Cambria Math" panose="02040503050406030204" pitchFamily="18" charset="0"/>
-                            </a:rPr>
-                            <m:t>𝐺</m:t>
+                            <m:t>𝐴𝐺</m:t>
                           </m:r>
                         </m:num>
                         <m:den>
@@ -13572,7 +13568,7 @@
             </p:txBody>
           </p:sp>
         </mc:Choice>
-        <mc:Fallback>
+        <mc:Fallback xmlns="">
           <p:sp>
             <p:nvSpPr>
               <p:cNvPr id="52" name="Tekstiruutu 51">
@@ -13746,8 +13742,8 @@
           </a:p>
         </p:txBody>
       </p:sp>
-      <mc:AlternateContent xmlns:mc="http://schemas.openxmlformats.org/markup-compatibility/2006">
-        <mc:Choice xmlns:a14="http://schemas.microsoft.com/office/drawing/2010/main" Requires="a14">
+      <mc:AlternateContent xmlns:mc="http://schemas.openxmlformats.org/markup-compatibility/2006" xmlns:a14="http://schemas.microsoft.com/office/drawing/2010/main">
+        <mc:Choice Requires="a14">
           <p:sp>
             <p:nvSpPr>
               <p:cNvPr id="58" name="Tekstiruutu 57">
@@ -13779,6 +13775,7 @@
               </a:bodyPr>
               <a:lstStyle/>
               <a:p>
+                <a:pPr/>
                 <a14:m>
                   <m:oMathPara xmlns:m="http://schemas.openxmlformats.org/officeDocument/2006/math">
                     <m:oMathParaPr>
@@ -13909,7 +13906,7 @@
             </p:txBody>
           </p:sp>
         </mc:Choice>
-        <mc:Fallback>
+        <mc:Fallback xmlns="">
           <p:sp>
             <p:nvSpPr>
               <p:cNvPr id="58" name="Tekstiruutu 57">
@@ -14356,8 +14353,8 @@
           </a:p>
         </p:txBody>
       </p:sp>
-      <mc:AlternateContent xmlns:mc="http://schemas.openxmlformats.org/markup-compatibility/2006">
-        <mc:Choice xmlns:a14="http://schemas.microsoft.com/office/drawing/2010/main" Requires="a14">
+      <mc:AlternateContent xmlns:mc="http://schemas.openxmlformats.org/markup-compatibility/2006" xmlns:a14="http://schemas.microsoft.com/office/drawing/2010/main">
+        <mc:Choice Requires="a14">
           <p:sp>
             <p:nvSpPr>
               <p:cNvPr id="58" name="Tekstiruutu 57">
@@ -14389,6 +14386,7 @@
               </a:bodyPr>
               <a:lstStyle/>
               <a:p>
+                <a:pPr/>
                 <a14:m>
                   <m:oMathPara xmlns:m="http://schemas.openxmlformats.org/officeDocument/2006/math">
                     <m:oMathParaPr>
@@ -14765,7 +14763,7 @@
             </p:txBody>
           </p:sp>
         </mc:Choice>
-        <mc:Fallback>
+        <mc:Fallback xmlns="">
           <p:sp>
             <p:nvSpPr>
               <p:cNvPr id="58" name="Tekstiruutu 57">
@@ -14813,8 +14811,8 @@
           </p:sp>
         </mc:Fallback>
       </mc:AlternateContent>
-      <mc:AlternateContent xmlns:mc="http://schemas.openxmlformats.org/markup-compatibility/2006">
-        <mc:Choice xmlns:a14="http://schemas.microsoft.com/office/drawing/2010/main" Requires="a14">
+      <mc:AlternateContent xmlns:mc="http://schemas.openxmlformats.org/markup-compatibility/2006" xmlns:a14="http://schemas.microsoft.com/office/drawing/2010/main">
+        <mc:Choice Requires="a14">
           <p:sp>
             <p:nvSpPr>
               <p:cNvPr id="32" name="Tekstiruutu 31">
@@ -15179,7 +15177,7 @@
             </p:txBody>
           </p:sp>
         </mc:Choice>
-        <mc:Fallback>
+        <mc:Fallback xmlns="">
           <p:sp>
             <p:nvSpPr>
               <p:cNvPr id="32" name="Tekstiruutu 31">
@@ -15227,8 +15225,8 @@
           </p:sp>
         </mc:Fallback>
       </mc:AlternateContent>
-      <mc:AlternateContent xmlns:mc="http://schemas.openxmlformats.org/markup-compatibility/2006">
-        <mc:Choice xmlns:a14="http://schemas.microsoft.com/office/drawing/2010/main" Requires="a14">
+      <mc:AlternateContent xmlns:mc="http://schemas.openxmlformats.org/markup-compatibility/2006" xmlns:a14="http://schemas.microsoft.com/office/drawing/2010/main">
+        <mc:Choice Requires="a14">
           <p:sp>
             <p:nvSpPr>
               <p:cNvPr id="2" name="Suorakulmio 1">
@@ -15641,7 +15639,7 @@
             </p:txBody>
           </p:sp>
         </mc:Choice>
-        <mc:Fallback>
+        <mc:Fallback xmlns="">
           <p:sp>
             <p:nvSpPr>
               <p:cNvPr id="2" name="Suorakulmio 1">
@@ -15686,8 +15684,8 @@
           </p:sp>
         </mc:Fallback>
       </mc:AlternateContent>
-      <mc:AlternateContent xmlns:mc="http://schemas.openxmlformats.org/markup-compatibility/2006">
-        <mc:Choice xmlns:a14="http://schemas.microsoft.com/office/drawing/2010/main" Requires="a14">
+      <mc:AlternateContent xmlns:mc="http://schemas.openxmlformats.org/markup-compatibility/2006" xmlns:a14="http://schemas.microsoft.com/office/drawing/2010/main">
+        <mc:Choice Requires="a14">
           <p:sp>
             <p:nvSpPr>
               <p:cNvPr id="33" name="Tekstiruutu 32">
@@ -15763,13 +15761,7 @@
                             <a:rPr lang="fi-FI" sz="1600" b="0" i="1" smtClean="0">
                               <a:latin typeface="Cambria Math" panose="02040503050406030204" pitchFamily="18" charset="0"/>
                             </a:rPr>
-                            <m:t>∗</m:t>
-                          </m:r>
-                          <m:r>
-                            <a:rPr lang="fi-FI" sz="1600" b="0" i="1" smtClean="0">
-                              <a:latin typeface="Cambria Math" panose="02040503050406030204" pitchFamily="18" charset="0"/>
-                            </a:rPr>
-                            <m:t>1</m:t>
+                            <m:t>∗1</m:t>
                           </m:r>
                           <m:r>
                             <a:rPr lang="fi-FI" sz="1600" b="0" i="1" smtClean="0">
@@ -15786,16 +15778,7 @@
                             <a:rPr lang="fi-FI" sz="1600" b="0" i="1" smtClean="0">
                               <a:latin typeface="Cambria Math" panose="02040503050406030204" pitchFamily="18" charset="0"/>
                             </a:rPr>
-                            <m:t>1.0*1.0*</m:t>
-                          </m:r>
-                          <m:r>
-                            <m:rPr>
-                              <m:nor/>
-                            </m:rPr>
-                            <a:rPr lang="fi-FI" sz="1600" b="0" i="1" smtClean="0">
-                              <a:latin typeface="Cambria Math" panose="02040503050406030204" pitchFamily="18" charset="0"/>
-                            </a:rPr>
-                            <m:t>100</m:t>
+                            <m:t>1.0∗1.0∗100</m:t>
                           </m:r>
                           <m:r>
                             <a:rPr lang="fi-FI" sz="1600" b="0" i="1" dirty="0" smtClean="0">
@@ -15858,7 +15841,7 @@
             </p:txBody>
           </p:sp>
         </mc:Choice>
-        <mc:Fallback>
+        <mc:Fallback xmlns="">
           <p:sp>
             <p:nvSpPr>
               <p:cNvPr id="33" name="Tekstiruutu 32">
@@ -17469,8 +17452,8 @@
           </a:p>
         </p:txBody>
       </p:sp>
-      <mc:AlternateContent xmlns:mc="http://schemas.openxmlformats.org/markup-compatibility/2006">
-        <mc:Choice xmlns:a14="http://schemas.microsoft.com/office/drawing/2010/main" Requires="a14">
+      <mc:AlternateContent xmlns:mc="http://schemas.openxmlformats.org/markup-compatibility/2006" xmlns:a14="http://schemas.microsoft.com/office/drawing/2010/main">
+        <mc:Choice Requires="a14">
           <p:sp>
             <p:nvSpPr>
               <p:cNvPr id="33" name="Tekstiruutu 32">
@@ -17805,7 +17788,7 @@
             </p:txBody>
           </p:sp>
         </mc:Choice>
-        <mc:Fallback>
+        <mc:Fallback xmlns="">
           <p:sp>
             <p:nvSpPr>
               <p:cNvPr id="33" name="Tekstiruutu 32">
@@ -17853,8 +17836,8 @@
           </p:sp>
         </mc:Fallback>
       </mc:AlternateContent>
-      <mc:AlternateContent xmlns:mc="http://schemas.openxmlformats.org/markup-compatibility/2006">
-        <mc:Choice xmlns:a14="http://schemas.microsoft.com/office/drawing/2010/main" Requires="a14">
+      <mc:AlternateContent xmlns:mc="http://schemas.openxmlformats.org/markup-compatibility/2006" xmlns:a14="http://schemas.microsoft.com/office/drawing/2010/main">
+        <mc:Choice Requires="a14">
           <p:sp>
             <p:nvSpPr>
               <p:cNvPr id="35" name="Tekstiruutu 34">
@@ -17925,7 +17908,7 @@
             </p:txBody>
           </p:sp>
         </mc:Choice>
-        <mc:Fallback>
+        <mc:Fallback xmlns="">
           <p:sp>
             <p:nvSpPr>
               <p:cNvPr id="35" name="Tekstiruutu 34">
@@ -17973,8 +17956,8 @@
           </p:sp>
         </mc:Fallback>
       </mc:AlternateContent>
-      <mc:AlternateContent xmlns:mc="http://schemas.openxmlformats.org/markup-compatibility/2006">
-        <mc:Choice xmlns:a14="http://schemas.microsoft.com/office/drawing/2010/main" Requires="a14">
+      <mc:AlternateContent xmlns:mc="http://schemas.openxmlformats.org/markup-compatibility/2006" xmlns:a14="http://schemas.microsoft.com/office/drawing/2010/main">
+        <mc:Choice Requires="a14">
           <p:sp>
             <p:nvSpPr>
               <p:cNvPr id="40" name="Tekstiruutu 39">
@@ -18041,7 +18024,7 @@
             </p:txBody>
           </p:sp>
         </mc:Choice>
-        <mc:Fallback>
+        <mc:Fallback xmlns="">
           <p:sp>
             <p:nvSpPr>
               <p:cNvPr id="40" name="Tekstiruutu 39">
@@ -18089,8 +18072,8 @@
           </p:sp>
         </mc:Fallback>
       </mc:AlternateContent>
-      <mc:AlternateContent xmlns:mc="http://schemas.openxmlformats.org/markup-compatibility/2006">
-        <mc:Choice xmlns:a14="http://schemas.microsoft.com/office/drawing/2010/main" Requires="a14">
+      <mc:AlternateContent xmlns:mc="http://schemas.openxmlformats.org/markup-compatibility/2006" xmlns:a14="http://schemas.microsoft.com/office/drawing/2010/main">
+        <mc:Choice Requires="a14">
           <p:sp>
             <p:nvSpPr>
               <p:cNvPr id="41" name="Tekstiruutu 40">
@@ -18122,6 +18105,7 @@
               </a:bodyPr>
               <a:lstStyle/>
               <a:p>
+                <a:pPr/>
                 <a14:m>
                   <m:oMathPara xmlns:m="http://schemas.openxmlformats.org/officeDocument/2006/math">
                     <m:oMathParaPr>
@@ -18342,7 +18326,7 @@
             </p:txBody>
           </p:sp>
         </mc:Choice>
-        <mc:Fallback>
+        <mc:Fallback xmlns="">
           <p:sp>
             <p:nvSpPr>
               <p:cNvPr id="41" name="Tekstiruutu 40">
@@ -18610,8 +18594,8 @@
           </a:p>
         </p:txBody>
       </p:sp>
-      <mc:AlternateContent xmlns:mc="http://schemas.openxmlformats.org/markup-compatibility/2006">
-        <mc:Choice xmlns:a14="http://schemas.microsoft.com/office/drawing/2010/main" Requires="a14">
+      <mc:AlternateContent xmlns:mc="http://schemas.openxmlformats.org/markup-compatibility/2006" xmlns:a14="http://schemas.microsoft.com/office/drawing/2010/main">
+        <mc:Choice Requires="a14">
           <p:sp>
             <p:nvSpPr>
               <p:cNvPr id="2" name="Tekstiruutu 1">
@@ -18640,6 +18624,7 @@
               </a:bodyPr>
               <a:lstStyle/>
               <a:p>
+                <a:pPr/>
                 <a14:m>
                   <m:oMathPara xmlns:m="http://schemas.openxmlformats.org/officeDocument/2006/math">
                     <m:oMathParaPr>
@@ -18866,7 +18851,7 @@
             </p:txBody>
           </p:sp>
         </mc:Choice>
-        <mc:Fallback>
+        <mc:Fallback xmlns="">
           <p:sp>
             <p:nvSpPr>
               <p:cNvPr id="2" name="Tekstiruutu 1">
@@ -18911,8 +18896,8 @@
           </p:sp>
         </mc:Fallback>
       </mc:AlternateContent>
-      <mc:AlternateContent xmlns:mc="http://schemas.openxmlformats.org/markup-compatibility/2006">
-        <mc:Choice xmlns:a14="http://schemas.microsoft.com/office/drawing/2010/main" Requires="a14">
+      <mc:AlternateContent xmlns:mc="http://schemas.openxmlformats.org/markup-compatibility/2006" xmlns:a14="http://schemas.microsoft.com/office/drawing/2010/main">
+        <mc:Choice Requires="a14">
           <p:sp>
             <p:nvSpPr>
               <p:cNvPr id="6" name="Tekstiruutu 5">
@@ -18941,6 +18926,7 @@
               </a:bodyPr>
               <a:lstStyle/>
               <a:p>
+                <a:pPr/>
                 <a14:m>
                   <m:oMathPara xmlns:m="http://schemas.openxmlformats.org/officeDocument/2006/math">
                     <m:oMathParaPr>
@@ -19143,7 +19129,7 @@
             </p:txBody>
           </p:sp>
         </mc:Choice>
-        <mc:Fallback>
+        <mc:Fallback xmlns="">
           <p:sp>
             <p:nvSpPr>
               <p:cNvPr id="6" name="Tekstiruutu 5">
@@ -19440,8 +19426,8 @@
           </a:p>
         </p:txBody>
       </p:sp>
-      <mc:AlternateContent xmlns:mc="http://schemas.openxmlformats.org/markup-compatibility/2006">
-        <mc:Choice xmlns:a14="http://schemas.microsoft.com/office/drawing/2010/main" Requires="a14">
+      <mc:AlternateContent xmlns:mc="http://schemas.openxmlformats.org/markup-compatibility/2006" xmlns:a14="http://schemas.microsoft.com/office/drawing/2010/main">
+        <mc:Choice Requires="a14">
           <p:sp>
             <p:nvSpPr>
               <p:cNvPr id="41" name="Suorakulmio 40">
@@ -19821,7 +19807,7 @@
             </p:txBody>
           </p:sp>
         </mc:Choice>
-        <mc:Fallback>
+        <mc:Fallback xmlns="">
           <p:sp>
             <p:nvSpPr>
               <p:cNvPr id="41" name="Suorakulmio 40">
@@ -19883,7 +19869,7 @@
             <p:spPr>
               <a:xfrm>
                 <a:off x="4952704" y="2700511"/>
-                <a:ext cx="3676071" cy="448841"/>
+                <a:ext cx="3712940" cy="448841"/>
               </a:xfrm>
               <a:prstGeom prst="rect">
                 <a:avLst/>
@@ -20211,7 +20197,7 @@
             <p:spPr>
               <a:xfrm>
                 <a:off x="4952704" y="2700511"/>
-                <a:ext cx="3676071" cy="448841"/>
+                <a:ext cx="3712940" cy="448841"/>
               </a:xfrm>
               <a:prstGeom prst="rect">
                 <a:avLst/>
@@ -20219,7 +20205,7 @@
               <a:blipFill>
                 <a:blip r:embed="rId3"/>
                 <a:stretch>
-                  <a:fillRect l="-829" b="-1351"/>
+                  <a:fillRect l="-820" b="-1351"/>
                 </a:stretch>
               </a:blipFill>
             </p:spPr>
@@ -20238,8 +20224,8 @@
           </p:sp>
         </mc:Fallback>
       </mc:AlternateContent>
-      <mc:AlternateContent xmlns:mc="http://schemas.openxmlformats.org/markup-compatibility/2006">
-        <mc:Choice xmlns:a14="http://schemas.microsoft.com/office/drawing/2010/main" Requires="a14">
+      <mc:AlternateContent xmlns:mc="http://schemas.openxmlformats.org/markup-compatibility/2006" xmlns:a14="http://schemas.microsoft.com/office/drawing/2010/main">
+        <mc:Choice Requires="a14">
           <p:sp>
             <p:nvSpPr>
               <p:cNvPr id="46" name="Tekstiruutu 45">
@@ -20445,7 +20431,7 @@
             </p:txBody>
           </p:sp>
         </mc:Choice>
-        <mc:Fallback>
+        <mc:Fallback xmlns="">
           <p:sp>
             <p:nvSpPr>
               <p:cNvPr id="46" name="Tekstiruutu 45">
@@ -20613,8 +20599,8 @@
           </a:fontRef>
         </p:style>
       </p:cxnSp>
-      <mc:AlternateContent xmlns:mc="http://schemas.openxmlformats.org/markup-compatibility/2006">
-        <mc:Choice xmlns:a14="http://schemas.microsoft.com/office/drawing/2010/main" Requires="a14">
+      <mc:AlternateContent xmlns:mc="http://schemas.openxmlformats.org/markup-compatibility/2006" xmlns:a14="http://schemas.microsoft.com/office/drawing/2010/main">
+        <mc:Choice Requires="a14">
           <p:sp>
             <p:nvSpPr>
               <p:cNvPr id="50" name="Tekstiruutu 49">
@@ -20688,7 +20674,7 @@
             </p:txBody>
           </p:sp>
         </mc:Choice>
-        <mc:Fallback>
+        <mc:Fallback xmlns="">
           <p:sp>
             <p:nvSpPr>
               <p:cNvPr id="50" name="Tekstiruutu 49">
@@ -20736,8 +20722,8 @@
           </p:sp>
         </mc:Fallback>
       </mc:AlternateContent>
-      <mc:AlternateContent xmlns:mc="http://schemas.openxmlformats.org/markup-compatibility/2006">
-        <mc:Choice xmlns:a14="http://schemas.microsoft.com/office/drawing/2010/main" Requires="a14">
+      <mc:AlternateContent xmlns:mc="http://schemas.openxmlformats.org/markup-compatibility/2006" xmlns:a14="http://schemas.microsoft.com/office/drawing/2010/main">
+        <mc:Choice Requires="a14">
           <p:sp>
             <p:nvSpPr>
               <p:cNvPr id="51" name="Tekstiruutu 50">
@@ -20804,7 +20790,7 @@
             </p:txBody>
           </p:sp>
         </mc:Choice>
-        <mc:Fallback>
+        <mc:Fallback xmlns="">
           <p:sp>
             <p:nvSpPr>
               <p:cNvPr id="51" name="Tekstiruutu 50">
@@ -20852,8 +20838,8 @@
           </p:sp>
         </mc:Fallback>
       </mc:AlternateContent>
-      <mc:AlternateContent xmlns:mc="http://schemas.openxmlformats.org/markup-compatibility/2006">
-        <mc:Choice xmlns:a14="http://schemas.microsoft.com/office/drawing/2010/main" Requires="a14">
+      <mc:AlternateContent xmlns:mc="http://schemas.openxmlformats.org/markup-compatibility/2006" xmlns:a14="http://schemas.microsoft.com/office/drawing/2010/main">
+        <mc:Choice Requires="a14">
           <p:sp>
             <p:nvSpPr>
               <p:cNvPr id="53" name="Tekstiruutu 52">
@@ -20885,6 +20871,7 @@
               </a:bodyPr>
               <a:lstStyle/>
               <a:p>
+                <a:pPr/>
                 <a14:m>
                   <m:oMathPara xmlns:m="http://schemas.openxmlformats.org/officeDocument/2006/math">
                     <m:oMathParaPr>
@@ -21099,7 +21086,7 @@
             </p:txBody>
           </p:sp>
         </mc:Choice>
-        <mc:Fallback>
+        <mc:Fallback xmlns="">
           <p:sp>
             <p:nvSpPr>
               <p:cNvPr id="53" name="Tekstiruutu 52">
@@ -21164,7 +21151,7 @@
             <p:spPr>
               <a:xfrm>
                 <a:off x="4952704" y="5073916"/>
-                <a:ext cx="5477718" cy="543547"/>
+                <a:ext cx="4992713" cy="493405"/>
               </a:xfrm>
               <a:prstGeom prst="rect">
                 <a:avLst/>
@@ -21176,11 +21163,10 @@
               </a:bodyPr>
               <a:lstStyle/>
               <a:p>
-                <a:pPr/>
                 <a14:m>
                   <m:oMath xmlns:m="http://schemas.openxmlformats.org/officeDocument/2006/math">
                     <m:r>
-                      <a:rPr lang="fi-FI" i="1">
+                      <a:rPr lang="fi-FI" sz="1600" i="1">
                         <a:latin typeface="Cambria Math" panose="02040503050406030204" pitchFamily="18" charset="0"/>
                       </a:rPr>
                       <m:t>=</m:t>
@@ -21188,30 +21174,24 @@
                     <m:f>
                       <m:fPr>
                         <m:ctrlPr>
-                          <a:rPr lang="en-GB" i="1">
+                          <a:rPr lang="en-GB" sz="1600" i="1">
                             <a:latin typeface="Cambria Math" panose="02040503050406030204" pitchFamily="18" charset="0"/>
                           </a:rPr>
                         </m:ctrlPr>
                       </m:fPr>
                       <m:num>
                         <m:r>
-                          <a:rPr lang="fi-FI" i="1">
+                          <a:rPr lang="fi-FI" sz="1600" i="1">
                             <a:latin typeface="Cambria Math" panose="02040503050406030204" pitchFamily="18" charset="0"/>
                           </a:rPr>
-                          <m:t>0.050∗</m:t>
-                        </m:r>
-                        <m:r>
-                          <a:rPr lang="fi-FI" i="1">
-                            <a:latin typeface="Cambria Math" panose="02040503050406030204" pitchFamily="18" charset="0"/>
-                          </a:rPr>
-                          <m:t>1</m:t>
+                          <m:t>0.050∗1</m:t>
                         </m:r>
                       </m:num>
                       <m:den>
                         <m:func>
                           <m:funcPr>
                             <m:ctrlPr>
-                              <a:rPr lang="fi-FI" i="1">
+                              <a:rPr lang="fi-FI" sz="1600" i="1">
                                 <a:latin typeface="Cambria Math" panose="02040503050406030204" pitchFamily="18" charset="0"/>
                               </a:rPr>
                             </m:ctrlPr>
@@ -21221,7 +21201,7 @@
                               <m:rPr>
                                 <m:sty m:val="p"/>
                               </m:rPr>
-                              <a:rPr lang="fi-FI">
+                              <a:rPr lang="fi-FI" sz="1600">
                                 <a:latin typeface="Cambria Math" panose="02040503050406030204" pitchFamily="18" charset="0"/>
                               </a:rPr>
                               <m:t>cos</m:t>
@@ -21231,7 +21211,7 @@
                             <m:d>
                               <m:dPr>
                                 <m:ctrlPr>
-                                  <a:rPr lang="fi-FI" i="1">
+                                  <a:rPr lang="fi-FI" sz="1600" i="1">
                                     <a:latin typeface="Cambria Math" panose="02040503050406030204" pitchFamily="18" charset="0"/>
                                   </a:rPr>
                                 </m:ctrlPr>
@@ -21241,13 +21221,13 @@
                                   <m:rPr>
                                     <m:nor/>
                                   </m:rPr>
-                                  <a:rPr lang="en-GB" dirty="0"/>
+                                  <a:rPr lang="en-GB" sz="1600" dirty="0"/>
                                   <m:t>0.0445</m:t>
                                 </m:r>
                               </m:e>
                             </m:d>
                             <m:r>
-                              <a:rPr lang="fi-FI" i="1">
+                              <a:rPr lang="fi-FI" sz="1600" i="1">
                                 <a:latin typeface="Cambria Math" panose="02040503050406030204" pitchFamily="18" charset="0"/>
                               </a:rPr>
                               <m:t>∗</m:t>
@@ -21255,7 +21235,7 @@
                             <m:func>
                               <m:funcPr>
                                 <m:ctrlPr>
-                                  <a:rPr lang="fi-FI" i="1">
+                                  <a:rPr lang="fi-FI" sz="1600" i="1">
                                     <a:latin typeface="Cambria Math" panose="02040503050406030204" pitchFamily="18" charset="0"/>
                                   </a:rPr>
                                 </m:ctrlPr>
@@ -21265,7 +21245,7 @@
                                   <m:rPr>
                                     <m:sty m:val="p"/>
                                   </m:rPr>
-                                  <a:rPr lang="fi-FI">
+                                  <a:rPr lang="fi-FI" sz="1600">
                                     <a:latin typeface="Cambria Math" panose="02040503050406030204" pitchFamily="18" charset="0"/>
                                   </a:rPr>
                                   <m:t>cos</m:t>
@@ -21275,7 +21255,7 @@
                                 <m:d>
                                   <m:dPr>
                                     <m:ctrlPr>
-                                      <a:rPr lang="fi-FI" i="1">
+                                      <a:rPr lang="fi-FI" sz="1600" i="1">
                                         <a:latin typeface="Cambria Math" panose="02040503050406030204" pitchFamily="18" charset="0"/>
                                       </a:rPr>
                                     </m:ctrlPr>
@@ -21285,7 +21265,7 @@
                                       <m:rPr>
                                         <m:nor/>
                                       </m:rPr>
-                                      <a:rPr lang="en-GB" dirty="0"/>
+                                      <a:rPr lang="en-GB" sz="1600" dirty="0"/>
                                       <m:t>−0.2374</m:t>
                                     </m:r>
                                   </m:e>
@@ -21293,7 +21273,7 @@
                               </m:e>
                             </m:func>
                             <m:r>
-                              <a:rPr lang="fi-FI" i="1" dirty="0">
+                              <a:rPr lang="fi-FI" sz="1600" i="1" dirty="0">
                                 <a:latin typeface="Cambria Math" panose="02040503050406030204" pitchFamily="18" charset="0"/>
                               </a:rPr>
                               <m:t>∗</m:t>
@@ -21304,13 +21284,13 @@
                           <m:rPr>
                             <m:nor/>
                           </m:rPr>
-                          <a:rPr lang="fi-FI" i="1">
+                          <a:rPr lang="fi-FI" sz="1600" i="1">
                             <a:latin typeface="Cambria Math" panose="02040503050406030204" pitchFamily="18" charset="0"/>
                           </a:rPr>
                           <m:t>100</m:t>
                         </m:r>
                         <m:r>
-                          <a:rPr lang="fi-FI" i="1" dirty="0">
+                          <a:rPr lang="fi-FI" sz="1600" i="1" dirty="0">
                             <a:latin typeface="Cambria Math" panose="02040503050406030204" pitchFamily="18" charset="0"/>
                           </a:rPr>
                           <m:t>∗</m:t>
@@ -21319,26 +21299,17 @@
                           <m:rPr>
                             <m:nor/>
                           </m:rPr>
-                          <a:rPr lang="en-GB" i="1" dirty="0"/>
+                          <a:rPr lang="en-GB" sz="1600" i="1" dirty="0"/>
                           <m:t>0.0240</m:t>
                         </m:r>
                         <m:r>
                           <m:rPr>
                             <m:nor/>
                           </m:rPr>
-                          <a:rPr lang="fi-FI" i="1" dirty="0">
+                          <a:rPr lang="fi-FI" sz="1600" i="1" dirty="0">
                             <a:latin typeface="Cambria Math" panose="02040503050406030204" pitchFamily="18" charset="0"/>
                           </a:rPr>
-                          <m:t>/</m:t>
-                        </m:r>
-                        <m:r>
-                          <m:rPr>
-                            <m:nor/>
-                          </m:rPr>
-                          <a:rPr lang="fi-FI" i="1" dirty="0">
-                            <a:latin typeface="Cambria Math" panose="02040503050406030204" pitchFamily="18" charset="0"/>
-                          </a:rPr>
-                          <m:t>4912</m:t>
+                          <m:t>/4912</m:t>
                         </m:r>
                       </m:den>
                     </m:f>
@@ -21370,7 +21341,7 @@
             <p:spPr>
               <a:xfrm>
                 <a:off x="4952704" y="5073916"/>
-                <a:ext cx="5477718" cy="543547"/>
+                <a:ext cx="4992713" cy="493405"/>
               </a:xfrm>
               <a:prstGeom prst="rect">
                 <a:avLst/>
@@ -21378,7 +21349,7 @@
               <a:blipFill>
                 <a:blip r:embed="rId8"/>
                 <a:stretch>
-                  <a:fillRect b="-10112"/>
+                  <a:fillRect r="-122" b="-7407"/>
                 </a:stretch>
               </a:blipFill>
             </p:spPr>
@@ -21397,8 +21368,8 @@
           </p:sp>
         </mc:Fallback>
       </mc:AlternateContent>
-      <mc:AlternateContent xmlns:mc="http://schemas.openxmlformats.org/markup-compatibility/2006">
-        <mc:Choice xmlns:a14="http://schemas.microsoft.com/office/drawing/2010/main" Requires="a14">
+      <mc:AlternateContent xmlns:mc="http://schemas.openxmlformats.org/markup-compatibility/2006" xmlns:a14="http://schemas.microsoft.com/office/drawing/2010/main">
+        <mc:Choice Requires="a14">
           <p:sp>
             <p:nvSpPr>
               <p:cNvPr id="19" name="Tekstiruutu 18">
@@ -21484,7 +21455,7 @@
                                     <m:nor/>
                                   </m:rPr>
                                   <a:rPr lang="fi-FI" dirty="0"/>
-                                  <m:t>-0.0121</m:t>
+                                  <m:t>−0.0121</m:t>
                                 </m:r>
                               </m:e>
                               <m:sup>
@@ -21548,7 +21519,7 @@
                                     <m:nor/>
                                   </m:rPr>
                                   <a:rPr lang="fi-FI" dirty="0"/>
-                                  <m:t>-0.0500</m:t>
+                                  <m:t>−0.0500</m:t>
                                 </m:r>
                               </m:e>
                               <m:sup>
@@ -21574,7 +21545,7 @@
             </p:txBody>
           </p:sp>
         </mc:Choice>
-        <mc:Fallback>
+        <mc:Fallback xmlns="">
           <p:sp>
             <p:nvSpPr>
               <p:cNvPr id="19" name="Tekstiruutu 18">
@@ -22534,8 +22505,8 @@
           </a:p>
         </p:txBody>
       </p:sp>
-      <mc:AlternateContent xmlns:mc="http://schemas.openxmlformats.org/markup-compatibility/2006">
-        <mc:Choice xmlns:a14="http://schemas.microsoft.com/office/drawing/2010/main" Requires="a14">
+      <mc:AlternateContent xmlns:mc="http://schemas.openxmlformats.org/markup-compatibility/2006" xmlns:a14="http://schemas.microsoft.com/office/drawing/2010/main">
+        <mc:Choice Requires="a14">
           <p:sp>
             <p:nvSpPr>
               <p:cNvPr id="12" name="Suorakulmio 11">
@@ -22805,7 +22776,7 @@
             </p:txBody>
           </p:sp>
         </mc:Choice>
-        <mc:Fallback>
+        <mc:Fallback xmlns="">
           <p:sp>
             <p:nvSpPr>
               <p:cNvPr id="12" name="Suorakulmio 11">
@@ -23128,6 +23099,4499 @@
 </file>
 
 <file path=ppt/slides/slide29.xml><?xml version="1.0" encoding="utf-8"?>
+<p:sld xmlns:a="http://schemas.openxmlformats.org/drawingml/2006/main" xmlns:r="http://schemas.openxmlformats.org/officeDocument/2006/relationships" xmlns:p="http://schemas.openxmlformats.org/presentationml/2006/main">
+  <p:cSld>
+    <p:bg>
+      <p:bgPr>
+        <a:solidFill>
+          <a:schemeClr val="bg1"/>
+        </a:solidFill>
+        <a:effectLst/>
+      </p:bgPr>
+    </p:bg>
+    <p:spTree>
+      <p:nvGrpSpPr>
+        <p:cNvPr id="1" name=""/>
+        <p:cNvGrpSpPr/>
+        <p:nvPr/>
+      </p:nvGrpSpPr>
+      <p:grpSpPr>
+        <a:xfrm>
+          <a:off x="0" y="0"/>
+          <a:ext cx="0" cy="0"/>
+          <a:chOff x="0" y="0"/>
+          <a:chExt cx="0" cy="0"/>
+        </a:xfrm>
+      </p:grpSpPr>
+      <p:sp>
+        <p:nvSpPr>
+          <p:cNvPr id="71" name="Rectangle 70">
+            <a:extLst>
+              <a:ext uri="{FF2B5EF4-FFF2-40B4-BE49-F238E27FC236}">
+                <a16:creationId xmlns:a16="http://schemas.microsoft.com/office/drawing/2014/main" id="{AB45A142-4255-493C-8284-5D566C121B10}"/>
+              </a:ext>
+            </a:extLst>
+          </p:cNvPr>
+          <p:cNvSpPr>
+            <a:spLocks noGrp="1" noRot="1" noChangeAspect="1" noMove="1" noResize="1" noEditPoints="1" noAdjustHandles="1" noChangeArrowheads="1" noChangeShapeType="1" noTextEdit="1"/>
+          </p:cNvSpPr>
+          <p:nvPr>
+            <p:extLst>
+              <p:ext uri="{386F3935-93C4-4BCD-93E2-E3B085C9AB24}">
+                <p16:designElem xmlns:p16="http://schemas.microsoft.com/office/powerpoint/2015/main" val="1"/>
+              </p:ext>
+            </p:extLst>
+          </p:nvPr>
+        </p:nvSpPr>
+        <p:spPr bwMode="ltGray">
+          <a:xfrm>
+            <a:off x="336884" y="321177"/>
+            <a:ext cx="4332307" cy="6179552"/>
+          </a:xfrm>
+          <a:prstGeom prst="rect">
+            <a:avLst/>
+          </a:prstGeom>
+          <a:solidFill>
+            <a:schemeClr val="tx1">
+              <a:lumMod val="75000"/>
+              <a:lumOff val="25000"/>
+            </a:schemeClr>
+          </a:solidFill>
+          <a:ln w="127000" cap="sq" cmpd="thinThick">
+            <a:solidFill>
+              <a:schemeClr val="tx1">
+                <a:lumMod val="75000"/>
+                <a:lumOff val="25000"/>
+              </a:schemeClr>
+            </a:solidFill>
+          </a:ln>
+        </p:spPr>
+        <p:style>
+          <a:lnRef idx="2">
+            <a:schemeClr val="accent1">
+              <a:shade val="50000"/>
+            </a:schemeClr>
+          </a:lnRef>
+          <a:fillRef idx="1">
+            <a:schemeClr val="accent1"/>
+          </a:fillRef>
+          <a:effectRef idx="0">
+            <a:schemeClr val="accent1"/>
+          </a:effectRef>
+          <a:fontRef idx="minor">
+            <a:schemeClr val="lt1"/>
+          </a:fontRef>
+        </p:style>
+        <p:txBody>
+          <a:bodyPr rtlCol="0" anchor="ctr"/>
+          <a:lstStyle/>
+          <a:p>
+            <a:pPr algn="ctr"/>
+            <a:endParaRPr lang="en-US"/>
+          </a:p>
+        </p:txBody>
+      </p:sp>
+      <p:cxnSp>
+        <p:nvCxnSpPr>
+          <p:cNvPr id="73" name="Straight Connector 72">
+            <a:extLst>
+              <a:ext uri="{FF2B5EF4-FFF2-40B4-BE49-F238E27FC236}">
+                <a16:creationId xmlns:a16="http://schemas.microsoft.com/office/drawing/2014/main" id="{38FB9660-F42F-4313-BBC4-47C007FE484C}"/>
+              </a:ext>
+            </a:extLst>
+          </p:cNvPr>
+          <p:cNvCxnSpPr>
+            <a:cxnSpLocks noGrp="1" noRot="1" noChangeAspect="1" noMove="1" noResize="1" noEditPoints="1" noAdjustHandles="1" noChangeArrowheads="1" noChangeShapeType="1"/>
+          </p:cNvCxnSpPr>
+          <p:nvPr>
+            <p:extLst>
+              <p:ext uri="{386F3935-93C4-4BCD-93E2-E3B085C9AB24}">
+                <p16:designElem xmlns:p16="http://schemas.microsoft.com/office/powerpoint/2015/main" val="1"/>
+              </p:ext>
+            </p:extLst>
+          </p:nvPr>
+        </p:nvCxnSpPr>
+        <p:spPr>
+          <a:xfrm>
+            <a:off x="1191126" y="3910267"/>
+            <a:ext cx="2586790" cy="0"/>
+          </a:xfrm>
+          <a:prstGeom prst="line">
+            <a:avLst/>
+          </a:prstGeom>
+          <a:ln w="22225">
+            <a:solidFill>
+              <a:schemeClr val="bg1">
+                <a:lumMod val="85000"/>
+              </a:schemeClr>
+            </a:solidFill>
+          </a:ln>
+        </p:spPr>
+        <p:style>
+          <a:lnRef idx="1">
+            <a:schemeClr val="accent1"/>
+          </a:lnRef>
+          <a:fillRef idx="0">
+            <a:schemeClr val="accent1"/>
+          </a:fillRef>
+          <a:effectRef idx="0">
+            <a:schemeClr val="accent1"/>
+          </a:effectRef>
+          <a:fontRef idx="minor">
+            <a:schemeClr val="tx1"/>
+          </a:fontRef>
+        </p:style>
+      </p:cxnSp>
+      <p:sp>
+        <p:nvSpPr>
+          <p:cNvPr id="5" name="Tekstiruutu 4">
+            <a:extLst>
+              <a:ext uri="{FF2B5EF4-FFF2-40B4-BE49-F238E27FC236}">
+                <a16:creationId xmlns:a16="http://schemas.microsoft.com/office/drawing/2014/main" id="{96513FD4-02A8-4B70-98A1-6EDA16999002}"/>
+              </a:ext>
+            </a:extLst>
+          </p:cNvPr>
+          <p:cNvSpPr txBox="1"/>
+          <p:nvPr/>
+        </p:nvSpPr>
+        <p:spPr>
+          <a:xfrm>
+            <a:off x="501997" y="914400"/>
+            <a:ext cx="4103583" cy="2918123"/>
+          </a:xfrm>
+          <a:prstGeom prst="rect">
+            <a:avLst/>
+          </a:prstGeom>
+        </p:spPr>
+        <p:txBody>
+          <a:bodyPr vert="horz" lIns="91440" tIns="45720" rIns="91440" bIns="45720" rtlCol="0" anchor="b">
+            <a:normAutofit/>
+          </a:bodyPr>
+          <a:lstStyle/>
+          <a:p>
+            <a:pPr algn="ctr">
+              <a:lnSpc>
+                <a:spcPct val="90000"/>
+              </a:lnSpc>
+              <a:spcBef>
+                <a:spcPct val="0"/>
+              </a:spcBef>
+              <a:spcAft>
+                <a:spcPts val="600"/>
+              </a:spcAft>
+            </a:pPr>
+            <a:r>
+              <a:rPr lang="en-US" sz="4800" dirty="0">
+                <a:solidFill>
+                  <a:schemeClr val="bg1"/>
+                </a:solidFill>
+                <a:latin typeface="+mj-lt"/>
+                <a:ea typeface="+mj-ea"/>
+                <a:cs typeface="+mj-cs"/>
+              </a:rPr>
+              <a:t>Map Presentation</a:t>
+            </a:r>
+            <a:endParaRPr lang="en-US" sz="4800" kern="1200" dirty="0">
+              <a:solidFill>
+                <a:schemeClr val="bg1"/>
+              </a:solidFill>
+              <a:latin typeface="+mj-lt"/>
+              <a:ea typeface="+mj-ea"/>
+              <a:cs typeface="+mj-cs"/>
+            </a:endParaRPr>
+          </a:p>
+        </p:txBody>
+      </p:sp>
+      <p:sp>
+        <p:nvSpPr>
+          <p:cNvPr id="2" name="Suorakulmio 1">
+            <a:extLst>
+              <a:ext uri="{FF2B5EF4-FFF2-40B4-BE49-F238E27FC236}">
+                <a16:creationId xmlns:a16="http://schemas.microsoft.com/office/drawing/2014/main" id="{13F807D7-280C-4F47-BCA7-CA0BB4D0C28C}"/>
+              </a:ext>
+            </a:extLst>
+          </p:cNvPr>
+          <p:cNvSpPr/>
+          <p:nvPr/>
+        </p:nvSpPr>
+        <p:spPr>
+          <a:xfrm>
+            <a:off x="5621796" y="638499"/>
+            <a:ext cx="3687271" cy="3495750"/>
+          </a:xfrm>
+          <a:prstGeom prst="rect">
+            <a:avLst/>
+          </a:prstGeom>
+          <a:solidFill>
+            <a:schemeClr val="accent1">
+              <a:lumMod val="20000"/>
+              <a:lumOff val="80000"/>
+            </a:schemeClr>
+          </a:solidFill>
+        </p:spPr>
+        <p:style>
+          <a:lnRef idx="2">
+            <a:schemeClr val="accent1">
+              <a:shade val="50000"/>
+            </a:schemeClr>
+          </a:lnRef>
+          <a:fillRef idx="1">
+            <a:schemeClr val="accent1"/>
+          </a:fillRef>
+          <a:effectRef idx="0">
+            <a:schemeClr val="accent1"/>
+          </a:effectRef>
+          <a:fontRef idx="minor">
+            <a:schemeClr val="lt1"/>
+          </a:fontRef>
+        </p:style>
+        <p:txBody>
+          <a:bodyPr rtlCol="0" anchor="ctr"/>
+          <a:lstStyle/>
+          <a:p>
+            <a:pPr algn="ctr"/>
+            <a:endParaRPr lang="en-GB" sz="1000" dirty="0">
+              <a:solidFill>
+                <a:schemeClr val="tx1"/>
+              </a:solidFill>
+            </a:endParaRPr>
+          </a:p>
+        </p:txBody>
+      </p:sp>
+      <p:cxnSp>
+        <p:nvCxnSpPr>
+          <p:cNvPr id="4" name="Suora nuoliyhdysviiva 3">
+            <a:extLst>
+              <a:ext uri="{FF2B5EF4-FFF2-40B4-BE49-F238E27FC236}">
+                <a16:creationId xmlns:a16="http://schemas.microsoft.com/office/drawing/2014/main" id="{CBE482D2-980D-49A7-820E-9A2CC021E301}"/>
+              </a:ext>
+            </a:extLst>
+          </p:cNvPr>
+          <p:cNvCxnSpPr>
+            <a:cxnSpLocks/>
+          </p:cNvCxnSpPr>
+          <p:nvPr/>
+        </p:nvCxnSpPr>
+        <p:spPr>
+          <a:xfrm>
+            <a:off x="7489862" y="2265770"/>
+            <a:ext cx="0" cy="2128205"/>
+          </a:xfrm>
+          <a:prstGeom prst="straightConnector1">
+            <a:avLst/>
+          </a:prstGeom>
+          <a:ln>
+            <a:solidFill>
+              <a:schemeClr val="tx1"/>
+            </a:solidFill>
+            <a:tailEnd type="triangle"/>
+          </a:ln>
+        </p:spPr>
+        <p:style>
+          <a:lnRef idx="1">
+            <a:schemeClr val="accent1"/>
+          </a:lnRef>
+          <a:fillRef idx="0">
+            <a:schemeClr val="accent1"/>
+          </a:fillRef>
+          <a:effectRef idx="0">
+            <a:schemeClr val="accent1"/>
+          </a:effectRef>
+          <a:fontRef idx="minor">
+            <a:schemeClr val="tx1"/>
+          </a:fontRef>
+        </p:style>
+      </p:cxnSp>
+      <p:cxnSp>
+        <p:nvCxnSpPr>
+          <p:cNvPr id="7" name="Suora nuoliyhdysviiva 6">
+            <a:extLst>
+              <a:ext uri="{FF2B5EF4-FFF2-40B4-BE49-F238E27FC236}">
+                <a16:creationId xmlns:a16="http://schemas.microsoft.com/office/drawing/2014/main" id="{4418CF40-3981-410C-ADA3-4197230E06E6}"/>
+              </a:ext>
+            </a:extLst>
+          </p:cNvPr>
+          <p:cNvCxnSpPr>
+            <a:cxnSpLocks/>
+          </p:cNvCxnSpPr>
+          <p:nvPr/>
+        </p:nvCxnSpPr>
+        <p:spPr>
+          <a:xfrm>
+            <a:off x="7489862" y="2273862"/>
+            <a:ext cx="2217218" cy="0"/>
+          </a:xfrm>
+          <a:prstGeom prst="straightConnector1">
+            <a:avLst/>
+          </a:prstGeom>
+          <a:ln>
+            <a:solidFill>
+              <a:schemeClr val="tx1"/>
+            </a:solidFill>
+            <a:tailEnd type="triangle"/>
+          </a:ln>
+        </p:spPr>
+        <p:style>
+          <a:lnRef idx="1">
+            <a:schemeClr val="accent1"/>
+          </a:lnRef>
+          <a:fillRef idx="0">
+            <a:schemeClr val="accent1"/>
+          </a:fillRef>
+          <a:effectRef idx="0">
+            <a:schemeClr val="accent1"/>
+          </a:effectRef>
+          <a:fontRef idx="minor">
+            <a:schemeClr val="tx1"/>
+          </a:fontRef>
+        </p:style>
+      </p:cxnSp>
+      <p:sp>
+        <p:nvSpPr>
+          <p:cNvPr id="15" name="Tekstiruutu 14">
+            <a:extLst>
+              <a:ext uri="{FF2B5EF4-FFF2-40B4-BE49-F238E27FC236}">
+                <a16:creationId xmlns:a16="http://schemas.microsoft.com/office/drawing/2014/main" id="{64ED1A36-9807-45F7-832D-57EA79E9692D}"/>
+              </a:ext>
+            </a:extLst>
+          </p:cNvPr>
+          <p:cNvSpPr txBox="1"/>
+          <p:nvPr/>
+        </p:nvSpPr>
+        <p:spPr>
+          <a:xfrm>
+            <a:off x="7547853" y="4270864"/>
+            <a:ext cx="235962" cy="246221"/>
+          </a:xfrm>
+          <a:prstGeom prst="rect">
+            <a:avLst/>
+          </a:prstGeom>
+          <a:noFill/>
+        </p:spPr>
+        <p:txBody>
+          <a:bodyPr wrap="none" rtlCol="0">
+            <a:spAutoFit/>
+          </a:bodyPr>
+          <a:lstStyle/>
+          <a:p>
+            <a:r>
+              <a:rPr lang="fi-FI" sz="1000" dirty="0"/>
+              <a:t>z</a:t>
+            </a:r>
+            <a:endParaRPr lang="en-GB" sz="1000" dirty="0"/>
+          </a:p>
+        </p:txBody>
+      </p:sp>
+      <p:sp>
+        <p:nvSpPr>
+          <p:cNvPr id="16" name="Tekstiruutu 15">
+            <a:extLst>
+              <a:ext uri="{FF2B5EF4-FFF2-40B4-BE49-F238E27FC236}">
+                <a16:creationId xmlns:a16="http://schemas.microsoft.com/office/drawing/2014/main" id="{F59CF272-4753-4DA3-90E4-8DA50840D965}"/>
+              </a:ext>
+            </a:extLst>
+          </p:cNvPr>
+          <p:cNvSpPr txBox="1"/>
+          <p:nvPr/>
+        </p:nvSpPr>
+        <p:spPr>
+          <a:xfrm>
+            <a:off x="9836222" y="2273862"/>
+            <a:ext cx="240772" cy="246221"/>
+          </a:xfrm>
+          <a:prstGeom prst="rect">
+            <a:avLst/>
+          </a:prstGeom>
+          <a:noFill/>
+        </p:spPr>
+        <p:txBody>
+          <a:bodyPr wrap="none" rtlCol="0">
+            <a:spAutoFit/>
+          </a:bodyPr>
+          <a:lstStyle/>
+          <a:p>
+            <a:r>
+              <a:rPr lang="fi-FI" sz="1000" dirty="0"/>
+              <a:t>x</a:t>
+            </a:r>
+            <a:endParaRPr lang="en-GB" sz="1000" dirty="0"/>
+          </a:p>
+        </p:txBody>
+      </p:sp>
+      <p:sp>
+        <p:nvSpPr>
+          <p:cNvPr id="17" name="Tekstiruutu 16">
+            <a:extLst>
+              <a:ext uri="{FF2B5EF4-FFF2-40B4-BE49-F238E27FC236}">
+                <a16:creationId xmlns:a16="http://schemas.microsoft.com/office/drawing/2014/main" id="{CAE9A6BD-415E-4138-9CC7-A5EA270DF69C}"/>
+              </a:ext>
+            </a:extLst>
+          </p:cNvPr>
+          <p:cNvSpPr txBox="1"/>
+          <p:nvPr/>
+        </p:nvSpPr>
+        <p:spPr>
+          <a:xfrm>
+            <a:off x="6677410" y="192921"/>
+            <a:ext cx="1252266" cy="246221"/>
+          </a:xfrm>
+          <a:prstGeom prst="rect">
+            <a:avLst/>
+          </a:prstGeom>
+          <a:noFill/>
+        </p:spPr>
+        <p:txBody>
+          <a:bodyPr wrap="none" rtlCol="0">
+            <a:spAutoFit/>
+          </a:bodyPr>
+          <a:lstStyle/>
+          <a:p>
+            <a:r>
+              <a:rPr lang="fi-FI" sz="1000" dirty="0"/>
+              <a:t>image x - </a:t>
+            </a:r>
+            <a:r>
+              <a:rPr lang="fi-FI" sz="1000" dirty="0" err="1"/>
+              <a:t>coordinate</a:t>
+            </a:r>
+            <a:endParaRPr lang="en-GB" sz="1000" dirty="0"/>
+          </a:p>
+        </p:txBody>
+      </p:sp>
+      <p:sp>
+        <p:nvSpPr>
+          <p:cNvPr id="18" name="Tekstiruutu 17">
+            <a:extLst>
+              <a:ext uri="{FF2B5EF4-FFF2-40B4-BE49-F238E27FC236}">
+                <a16:creationId xmlns:a16="http://schemas.microsoft.com/office/drawing/2014/main" id="{E8757CD8-1361-49FC-871A-BD329EF1894D}"/>
+              </a:ext>
+            </a:extLst>
+          </p:cNvPr>
+          <p:cNvSpPr txBox="1"/>
+          <p:nvPr/>
+        </p:nvSpPr>
+        <p:spPr>
+          <a:xfrm>
+            <a:off x="4737354" y="2037290"/>
+            <a:ext cx="750526" cy="400110"/>
+          </a:xfrm>
+          <a:prstGeom prst="rect">
+            <a:avLst/>
+          </a:prstGeom>
+          <a:noFill/>
+        </p:spPr>
+        <p:txBody>
+          <a:bodyPr wrap="none" rtlCol="0">
+            <a:spAutoFit/>
+          </a:bodyPr>
+          <a:lstStyle/>
+          <a:p>
+            <a:r>
+              <a:rPr lang="fi-FI" sz="1000" dirty="0"/>
+              <a:t>image y – </a:t>
+            </a:r>
+            <a:br>
+              <a:rPr lang="fi-FI" sz="1000" dirty="0"/>
+            </a:br>
+            <a:r>
+              <a:rPr lang="fi-FI" sz="1000" dirty="0" err="1"/>
+              <a:t>coordinate</a:t>
+            </a:r>
+            <a:endParaRPr lang="en-GB" sz="1000" dirty="0"/>
+          </a:p>
+        </p:txBody>
+      </p:sp>
+      <p:cxnSp>
+        <p:nvCxnSpPr>
+          <p:cNvPr id="14" name="Suora yhdysviiva 13">
+            <a:extLst>
+              <a:ext uri="{FF2B5EF4-FFF2-40B4-BE49-F238E27FC236}">
+                <a16:creationId xmlns:a16="http://schemas.microsoft.com/office/drawing/2014/main" id="{F15F5094-FDEE-40B1-AF85-6800B1381F04}"/>
+              </a:ext>
+            </a:extLst>
+          </p:cNvPr>
+          <p:cNvCxnSpPr/>
+          <p:nvPr/>
+        </p:nvCxnSpPr>
+        <p:spPr>
+          <a:xfrm flipV="1">
+            <a:off x="7489862" y="647363"/>
+            <a:ext cx="849664" cy="1618407"/>
+          </a:xfrm>
+          <a:prstGeom prst="line">
+            <a:avLst/>
+          </a:prstGeom>
+          <a:ln>
+            <a:solidFill>
+              <a:srgbClr val="FF0000"/>
+            </a:solidFill>
+          </a:ln>
+        </p:spPr>
+        <p:style>
+          <a:lnRef idx="1">
+            <a:schemeClr val="accent1"/>
+          </a:lnRef>
+          <a:fillRef idx="0">
+            <a:schemeClr val="accent1"/>
+          </a:fillRef>
+          <a:effectRef idx="0">
+            <a:schemeClr val="accent1"/>
+          </a:effectRef>
+          <a:fontRef idx="minor">
+            <a:schemeClr val="tx1"/>
+          </a:fontRef>
+        </p:style>
+      </p:cxnSp>
+      <p:cxnSp>
+        <p:nvCxnSpPr>
+          <p:cNvPr id="20" name="Suora yhdysviiva 19">
+            <a:extLst>
+              <a:ext uri="{FF2B5EF4-FFF2-40B4-BE49-F238E27FC236}">
+                <a16:creationId xmlns:a16="http://schemas.microsoft.com/office/drawing/2014/main" id="{288C7D1B-EFEA-4C9F-80E6-D3D88FDF7495}"/>
+              </a:ext>
+            </a:extLst>
+          </p:cNvPr>
+          <p:cNvCxnSpPr>
+            <a:cxnSpLocks/>
+          </p:cNvCxnSpPr>
+          <p:nvPr/>
+        </p:nvCxnSpPr>
+        <p:spPr>
+          <a:xfrm flipH="1" flipV="1">
+            <a:off x="6470266" y="647363"/>
+            <a:ext cx="1019597" cy="1618408"/>
+          </a:xfrm>
+          <a:prstGeom prst="line">
+            <a:avLst/>
+          </a:prstGeom>
+          <a:ln>
+            <a:solidFill>
+              <a:srgbClr val="FF0000"/>
+            </a:solidFill>
+          </a:ln>
+        </p:spPr>
+        <p:style>
+          <a:lnRef idx="1">
+            <a:schemeClr val="accent1"/>
+          </a:lnRef>
+          <a:fillRef idx="0">
+            <a:schemeClr val="accent1"/>
+          </a:fillRef>
+          <a:effectRef idx="0">
+            <a:schemeClr val="accent1"/>
+          </a:effectRef>
+          <a:fontRef idx="minor">
+            <a:schemeClr val="tx1"/>
+          </a:fontRef>
+        </p:style>
+      </p:cxnSp>
+      <p:cxnSp>
+        <p:nvCxnSpPr>
+          <p:cNvPr id="23" name="Suora nuoliyhdysviiva 22">
+            <a:extLst>
+              <a:ext uri="{FF2B5EF4-FFF2-40B4-BE49-F238E27FC236}">
+                <a16:creationId xmlns:a16="http://schemas.microsoft.com/office/drawing/2014/main" id="{C138E5C0-0B12-4652-90D1-CECFC1BB91C3}"/>
+              </a:ext>
+            </a:extLst>
+          </p:cNvPr>
+          <p:cNvCxnSpPr/>
+          <p:nvPr/>
+        </p:nvCxnSpPr>
+        <p:spPr>
+          <a:xfrm flipH="1" flipV="1">
+            <a:off x="5625289" y="517877"/>
+            <a:ext cx="3729146" cy="8111"/>
+          </a:xfrm>
+          <a:prstGeom prst="straightConnector1">
+            <a:avLst/>
+          </a:prstGeom>
+          <a:ln>
+            <a:headEnd type="arrow" w="med" len="med"/>
+            <a:tailEnd type="none" w="med" len="med"/>
+          </a:ln>
+        </p:spPr>
+        <p:style>
+          <a:lnRef idx="1">
+            <a:schemeClr val="accent1"/>
+          </a:lnRef>
+          <a:fillRef idx="0">
+            <a:schemeClr val="accent1"/>
+          </a:fillRef>
+          <a:effectRef idx="0">
+            <a:schemeClr val="accent1"/>
+          </a:effectRef>
+          <a:fontRef idx="minor">
+            <a:schemeClr val="tx1"/>
+          </a:fontRef>
+        </p:style>
+      </p:cxnSp>
+      <p:cxnSp>
+        <p:nvCxnSpPr>
+          <p:cNvPr id="26" name="Suora nuoliyhdysviiva 25">
+            <a:extLst>
+              <a:ext uri="{FF2B5EF4-FFF2-40B4-BE49-F238E27FC236}">
+                <a16:creationId xmlns:a16="http://schemas.microsoft.com/office/drawing/2014/main" id="{498AFB8C-879E-4E17-A471-FB335F434A5A}"/>
+              </a:ext>
+            </a:extLst>
+          </p:cNvPr>
+          <p:cNvCxnSpPr>
+            <a:cxnSpLocks/>
+          </p:cNvCxnSpPr>
+          <p:nvPr/>
+        </p:nvCxnSpPr>
+        <p:spPr>
+          <a:xfrm>
+            <a:off x="5487880" y="647363"/>
+            <a:ext cx="22572" cy="3486886"/>
+          </a:xfrm>
+          <a:prstGeom prst="straightConnector1">
+            <a:avLst/>
+          </a:prstGeom>
+          <a:ln>
+            <a:headEnd type="none" w="med" len="med"/>
+            <a:tailEnd type="arrow" w="med" len="med"/>
+          </a:ln>
+        </p:spPr>
+        <p:style>
+          <a:lnRef idx="1">
+            <a:schemeClr val="accent1"/>
+          </a:lnRef>
+          <a:fillRef idx="0">
+            <a:schemeClr val="accent1"/>
+          </a:fillRef>
+          <a:effectRef idx="0">
+            <a:schemeClr val="accent1"/>
+          </a:effectRef>
+          <a:fontRef idx="minor">
+            <a:schemeClr val="tx1"/>
+          </a:fontRef>
+        </p:style>
+      </p:cxnSp>
+      <p:sp>
+        <p:nvSpPr>
+          <p:cNvPr id="29" name="Tekstiruutu 28">
+            <a:extLst>
+              <a:ext uri="{FF2B5EF4-FFF2-40B4-BE49-F238E27FC236}">
+                <a16:creationId xmlns:a16="http://schemas.microsoft.com/office/drawing/2014/main" id="{ECE75A47-BB43-4B7D-94C4-5DA51FB7D1EE}"/>
+              </a:ext>
+            </a:extLst>
+          </p:cNvPr>
+          <p:cNvSpPr txBox="1"/>
+          <p:nvPr/>
+        </p:nvSpPr>
+        <p:spPr>
+          <a:xfrm>
+            <a:off x="7056504" y="1242813"/>
+            <a:ext cx="817853" cy="246221"/>
+          </a:xfrm>
+          <a:prstGeom prst="rect">
+            <a:avLst/>
+          </a:prstGeom>
+          <a:noFill/>
+        </p:spPr>
+        <p:txBody>
+          <a:bodyPr wrap="none" rtlCol="0">
+            <a:spAutoFit/>
+          </a:bodyPr>
+          <a:lstStyle/>
+          <a:p>
+            <a:r>
+              <a:rPr lang="fi-FI" sz="1000" dirty="0" err="1">
+                <a:solidFill>
+                  <a:srgbClr val="FF0000"/>
+                </a:solidFill>
+              </a:rPr>
+              <a:t>field</a:t>
+            </a:r>
+            <a:r>
+              <a:rPr lang="fi-FI" sz="1000" dirty="0">
+                <a:solidFill>
+                  <a:srgbClr val="FF0000"/>
+                </a:solidFill>
+              </a:rPr>
+              <a:t> of </a:t>
+            </a:r>
+            <a:r>
+              <a:rPr lang="fi-FI" sz="1000" dirty="0" err="1">
+                <a:solidFill>
+                  <a:srgbClr val="FF0000"/>
+                </a:solidFill>
+              </a:rPr>
+              <a:t>view</a:t>
+            </a:r>
+            <a:endParaRPr lang="en-GB" sz="1000" dirty="0">
+              <a:solidFill>
+                <a:srgbClr val="FF0000"/>
+              </a:solidFill>
+            </a:endParaRPr>
+          </a:p>
+        </p:txBody>
+      </p:sp>
+      <p:sp>
+        <p:nvSpPr>
+          <p:cNvPr id="27" name="Ellipsi 26">
+            <a:extLst>
+              <a:ext uri="{FF2B5EF4-FFF2-40B4-BE49-F238E27FC236}">
+                <a16:creationId xmlns:a16="http://schemas.microsoft.com/office/drawing/2014/main" id="{5F7F4321-1A22-442B-BB23-5C37387287D0}"/>
+              </a:ext>
+            </a:extLst>
+          </p:cNvPr>
+          <p:cNvSpPr/>
+          <p:nvPr/>
+        </p:nvSpPr>
+        <p:spPr>
+          <a:xfrm>
+            <a:off x="6951079" y="962952"/>
+            <a:ext cx="57969" cy="61376"/>
+          </a:xfrm>
+          <a:prstGeom prst="ellipse">
+            <a:avLst/>
+          </a:prstGeom>
+        </p:spPr>
+        <p:style>
+          <a:lnRef idx="2">
+            <a:schemeClr val="accent1">
+              <a:shade val="50000"/>
+            </a:schemeClr>
+          </a:lnRef>
+          <a:fillRef idx="1">
+            <a:schemeClr val="accent1"/>
+          </a:fillRef>
+          <a:effectRef idx="0">
+            <a:schemeClr val="accent1"/>
+          </a:effectRef>
+          <a:fontRef idx="minor">
+            <a:schemeClr val="lt1"/>
+          </a:fontRef>
+        </p:style>
+        <p:txBody>
+          <a:bodyPr rtlCol="0" anchor="ctr"/>
+          <a:lstStyle/>
+          <a:p>
+            <a:pPr algn="ctr"/>
+            <a:endParaRPr lang="en-GB"/>
+          </a:p>
+        </p:txBody>
+      </p:sp>
+      <p:sp>
+        <p:nvSpPr>
+          <p:cNvPr id="31" name="Tekstiruutu 30">
+            <a:extLst>
+              <a:ext uri="{FF2B5EF4-FFF2-40B4-BE49-F238E27FC236}">
+                <a16:creationId xmlns:a16="http://schemas.microsoft.com/office/drawing/2014/main" id="{78ED5AD6-7B7B-4F8A-9CFD-F1287691AB2F}"/>
+              </a:ext>
+            </a:extLst>
+          </p:cNvPr>
+          <p:cNvSpPr txBox="1"/>
+          <p:nvPr/>
+        </p:nvSpPr>
+        <p:spPr>
+          <a:xfrm>
+            <a:off x="6962707" y="859977"/>
+            <a:ext cx="511679" cy="246221"/>
+          </a:xfrm>
+          <a:prstGeom prst="rect">
+            <a:avLst/>
+          </a:prstGeom>
+          <a:noFill/>
+        </p:spPr>
+        <p:txBody>
+          <a:bodyPr wrap="none" rtlCol="0">
+            <a:spAutoFit/>
+          </a:bodyPr>
+          <a:lstStyle/>
+          <a:p>
+            <a:r>
+              <a:rPr lang="fi-FI" sz="1000" dirty="0" err="1"/>
+              <a:t>object</a:t>
+            </a:r>
+            <a:endParaRPr lang="en-GB" sz="1000" dirty="0"/>
+          </a:p>
+        </p:txBody>
+      </p:sp>
+      <p:sp>
+        <p:nvSpPr>
+          <p:cNvPr id="28" name="Suorakulmio 27">
+            <a:extLst>
+              <a:ext uri="{FF2B5EF4-FFF2-40B4-BE49-F238E27FC236}">
+                <a16:creationId xmlns:a16="http://schemas.microsoft.com/office/drawing/2014/main" id="{A9B76F4B-C669-41B9-91B1-BEDB04FD082F}"/>
+              </a:ext>
+            </a:extLst>
+          </p:cNvPr>
+          <p:cNvSpPr/>
+          <p:nvPr/>
+        </p:nvSpPr>
+        <p:spPr>
+          <a:xfrm>
+            <a:off x="7383007" y="2177281"/>
+            <a:ext cx="240772" cy="176980"/>
+          </a:xfrm>
+          <a:prstGeom prst="rect">
+            <a:avLst/>
+          </a:prstGeom>
+        </p:spPr>
+        <p:style>
+          <a:lnRef idx="2">
+            <a:schemeClr val="accent1">
+              <a:shade val="50000"/>
+            </a:schemeClr>
+          </a:lnRef>
+          <a:fillRef idx="1">
+            <a:schemeClr val="accent1"/>
+          </a:fillRef>
+          <a:effectRef idx="0">
+            <a:schemeClr val="accent1"/>
+          </a:effectRef>
+          <a:fontRef idx="minor">
+            <a:schemeClr val="lt1"/>
+          </a:fontRef>
+        </p:style>
+        <p:txBody>
+          <a:bodyPr rtlCol="0" anchor="ctr"/>
+          <a:lstStyle/>
+          <a:p>
+            <a:pPr algn="ctr"/>
+            <a:endParaRPr lang="en-GB"/>
+          </a:p>
+        </p:txBody>
+      </p:sp>
+      <p:sp>
+        <p:nvSpPr>
+          <p:cNvPr id="33" name="Tekstiruutu 32">
+            <a:extLst>
+              <a:ext uri="{FF2B5EF4-FFF2-40B4-BE49-F238E27FC236}">
+                <a16:creationId xmlns:a16="http://schemas.microsoft.com/office/drawing/2014/main" id="{C7AFC4E6-8D61-4866-BB1F-270171FF8B00}"/>
+              </a:ext>
+            </a:extLst>
+          </p:cNvPr>
+          <p:cNvSpPr txBox="1"/>
+          <p:nvPr/>
+        </p:nvSpPr>
+        <p:spPr>
+          <a:xfrm>
+            <a:off x="7547852" y="2314290"/>
+            <a:ext cx="644728" cy="246221"/>
+          </a:xfrm>
+          <a:prstGeom prst="rect">
+            <a:avLst/>
+          </a:prstGeom>
+          <a:noFill/>
+        </p:spPr>
+        <p:txBody>
+          <a:bodyPr wrap="none" rtlCol="0">
+            <a:spAutoFit/>
+          </a:bodyPr>
+          <a:lstStyle/>
+          <a:p>
+            <a:r>
+              <a:rPr lang="fi-FI" sz="1000" dirty="0" err="1"/>
+              <a:t>observer</a:t>
+            </a:r>
+            <a:endParaRPr lang="en-GB" sz="1000" dirty="0"/>
+          </a:p>
+        </p:txBody>
+      </p:sp>
+      <mc:AlternateContent xmlns:mc="http://schemas.openxmlformats.org/markup-compatibility/2006">
+        <mc:Choice xmlns:a14="http://schemas.microsoft.com/office/drawing/2010/main" Requires="a14">
+          <p:sp>
+            <p:nvSpPr>
+              <p:cNvPr id="34" name="Tekstiruutu 33">
+                <a:extLst>
+                  <a:ext uri="{FF2B5EF4-FFF2-40B4-BE49-F238E27FC236}">
+                    <a16:creationId xmlns:a16="http://schemas.microsoft.com/office/drawing/2014/main" id="{B0E1292E-57FD-4787-921D-F934B7AAFF49}"/>
+                  </a:ext>
+                </a:extLst>
+              </p:cNvPr>
+              <p:cNvSpPr txBox="1"/>
+              <p:nvPr/>
+            </p:nvSpPr>
+            <p:spPr>
+              <a:xfrm>
+                <a:off x="5382684" y="4822496"/>
+                <a:ext cx="2627258" cy="1477328"/>
+              </a:xfrm>
+              <a:prstGeom prst="rect">
+                <a:avLst/>
+              </a:prstGeom>
+              <a:noFill/>
+              <a:ln>
+                <a:noFill/>
+              </a:ln>
+            </p:spPr>
+            <p:txBody>
+              <a:bodyPr wrap="none" lIns="0" tIns="0" rIns="0" bIns="0" rtlCol="0">
+                <a:spAutoFit/>
+              </a:bodyPr>
+              <a:lstStyle/>
+              <a:p>
+                <a:r>
+                  <a:rPr lang="en-GB" sz="1200" i="1" dirty="0"/>
+                  <a:t>x</a:t>
+                </a:r>
+                <a:r>
+                  <a:rPr lang="en-GB" sz="1200" i="1" baseline="-25000" dirty="0" err="1"/>
+                  <a:t>w</a:t>
+                </a:r>
+                <a14:m>
+                  <m:oMath xmlns:m="http://schemas.openxmlformats.org/officeDocument/2006/math">
+                    <m:r>
+                      <a:rPr lang="en-GB" sz="1200" i="1" smtClean="0">
+                        <a:latin typeface="Cambria Math" panose="02040503050406030204" pitchFamily="18" charset="0"/>
+                      </a:rPr>
+                      <m:t>=</m:t>
+                    </m:r>
+                    <m:r>
+                      <a:rPr lang="fi-FI" sz="1200" b="0" i="1" smtClean="0">
+                        <a:latin typeface="Cambria Math" panose="02040503050406030204" pitchFamily="18" charset="0"/>
+                      </a:rPr>
+                      <m:t>𝑜𝑏𝑗𝑒𝑐𝑡</m:t>
+                    </m:r>
+                    <m:r>
+                      <a:rPr lang="fi-FI" sz="1200" b="0" i="1" smtClean="0">
+                        <a:latin typeface="Cambria Math" panose="02040503050406030204" pitchFamily="18" charset="0"/>
+                      </a:rPr>
+                      <m:t> </m:t>
+                    </m:r>
+                    <m:r>
+                      <a:rPr lang="fi-FI" sz="1200" b="0" i="1" smtClean="0">
+                        <a:latin typeface="Cambria Math" panose="02040503050406030204" pitchFamily="18" charset="0"/>
+                      </a:rPr>
+                      <m:t>𝑤𝑜𝑟𝑙𝑑</m:t>
+                    </m:r>
+                    <m:r>
+                      <a:rPr lang="fi-FI" sz="1200" b="0" i="1" smtClean="0">
+                        <a:latin typeface="Cambria Math" panose="02040503050406030204" pitchFamily="18" charset="0"/>
+                      </a:rPr>
+                      <m:t> </m:t>
+                    </m:r>
+                    <m:r>
+                      <a:rPr lang="fi-FI" sz="1200" b="0" i="1" smtClean="0">
+                        <a:latin typeface="Cambria Math" panose="02040503050406030204" pitchFamily="18" charset="0"/>
+                      </a:rPr>
+                      <m:t>𝑥</m:t>
+                    </m:r>
+                    <m:r>
+                      <a:rPr lang="fi-FI" sz="1200" b="0" i="1" smtClean="0">
+                        <a:latin typeface="Cambria Math" panose="02040503050406030204" pitchFamily="18" charset="0"/>
+                      </a:rPr>
+                      <m:t> </m:t>
+                    </m:r>
+                    <m:r>
+                      <a:rPr lang="fi-FI" sz="1200" b="0" i="1" smtClean="0">
+                        <a:latin typeface="Cambria Math" panose="02040503050406030204" pitchFamily="18" charset="0"/>
+                      </a:rPr>
+                      <m:t>𝑐𝑜𝑜𝑟𝑑𝑖𝑛𝑎𝑡𝑒</m:t>
+                    </m:r>
+                    <m:r>
+                      <a:rPr lang="fi-FI" sz="1200" b="0" i="1" smtClean="0">
+                        <a:latin typeface="Cambria Math" panose="02040503050406030204" pitchFamily="18" charset="0"/>
+                      </a:rPr>
+                      <m:t> </m:t>
+                    </m:r>
+                    <m:d>
+                      <m:dPr>
+                        <m:ctrlPr>
+                          <a:rPr lang="fi-FI" sz="1200" b="0" i="1" smtClean="0">
+                            <a:latin typeface="Cambria Math" panose="02040503050406030204" pitchFamily="18" charset="0"/>
+                          </a:rPr>
+                        </m:ctrlPr>
+                      </m:dPr>
+                      <m:e>
+                        <m:r>
+                          <a:rPr lang="fi-FI" sz="1200" b="0" i="1" smtClean="0">
+                            <a:latin typeface="Cambria Math" panose="02040503050406030204" pitchFamily="18" charset="0"/>
+                          </a:rPr>
+                          <m:t>𝑚</m:t>
+                        </m:r>
+                      </m:e>
+                    </m:d>
+                  </m:oMath>
+                </a14:m>
+                <a:endParaRPr lang="fi-FI" sz="1200" b="0" i="1" dirty="0"/>
+              </a:p>
+              <a:p>
+                <a:r>
+                  <a:rPr lang="en-GB" sz="1200" i="1" dirty="0" err="1"/>
+                  <a:t>z</a:t>
+                </a:r>
+                <a:r>
+                  <a:rPr lang="en-GB" sz="1200" i="1" baseline="-25000" dirty="0" err="1"/>
+                  <a:t>w</a:t>
+                </a:r>
+                <a14:m>
+                  <m:oMath xmlns:m="http://schemas.openxmlformats.org/officeDocument/2006/math">
+                    <m:r>
+                      <a:rPr lang="en-GB" sz="1200" i="1">
+                        <a:latin typeface="Cambria Math" panose="02040503050406030204" pitchFamily="18" charset="0"/>
+                      </a:rPr>
+                      <m:t>=</m:t>
+                    </m:r>
+                    <m:r>
+                      <a:rPr lang="fi-FI" sz="1200" i="1">
+                        <a:latin typeface="Cambria Math" panose="02040503050406030204" pitchFamily="18" charset="0"/>
+                      </a:rPr>
+                      <m:t>𝑜𝑏𝑗𝑒𝑐𝑡</m:t>
+                    </m:r>
+                    <m:r>
+                      <a:rPr lang="fi-FI" sz="1200" i="1">
+                        <a:latin typeface="Cambria Math" panose="02040503050406030204" pitchFamily="18" charset="0"/>
+                      </a:rPr>
+                      <m:t> </m:t>
+                    </m:r>
+                    <m:r>
+                      <a:rPr lang="fi-FI" sz="1200" i="1">
+                        <a:latin typeface="Cambria Math" panose="02040503050406030204" pitchFamily="18" charset="0"/>
+                      </a:rPr>
+                      <m:t>𝑤𝑜𝑟𝑙𝑑</m:t>
+                    </m:r>
+                    <m:r>
+                      <a:rPr lang="fi-FI" sz="1200" i="1">
+                        <a:latin typeface="Cambria Math" panose="02040503050406030204" pitchFamily="18" charset="0"/>
+                      </a:rPr>
+                      <m:t> </m:t>
+                    </m:r>
+                    <m:r>
+                      <a:rPr lang="fi-FI" sz="1200" b="0" i="1" smtClean="0">
+                        <a:latin typeface="Cambria Math" panose="02040503050406030204" pitchFamily="18" charset="0"/>
+                      </a:rPr>
+                      <m:t>𝑧</m:t>
+                    </m:r>
+                    <m:r>
+                      <a:rPr lang="fi-FI" sz="1200" i="1">
+                        <a:latin typeface="Cambria Math" panose="02040503050406030204" pitchFamily="18" charset="0"/>
+                      </a:rPr>
+                      <m:t> </m:t>
+                    </m:r>
+                    <m:r>
+                      <a:rPr lang="fi-FI" sz="1200" i="1">
+                        <a:latin typeface="Cambria Math" panose="02040503050406030204" pitchFamily="18" charset="0"/>
+                      </a:rPr>
+                      <m:t>𝑐𝑜𝑜𝑟𝑑𝑖𝑛𝑎𝑡𝑒</m:t>
+                    </m:r>
+                    <m:d>
+                      <m:dPr>
+                        <m:ctrlPr>
+                          <a:rPr lang="fi-FI" sz="1200" i="1">
+                            <a:latin typeface="Cambria Math" panose="02040503050406030204" pitchFamily="18" charset="0"/>
+                          </a:rPr>
+                        </m:ctrlPr>
+                      </m:dPr>
+                      <m:e>
+                        <m:r>
+                          <a:rPr lang="fi-FI" sz="1200" i="1">
+                            <a:latin typeface="Cambria Math" panose="02040503050406030204" pitchFamily="18" charset="0"/>
+                          </a:rPr>
+                          <m:t>𝑚</m:t>
+                        </m:r>
+                      </m:e>
+                    </m:d>
+                  </m:oMath>
+                </a14:m>
+                <a:endParaRPr lang="fi-FI" sz="1200" i="1" dirty="0"/>
+              </a:p>
+              <a:p>
+                <a:r>
+                  <a:rPr lang="en-GB" sz="1200" i="1" dirty="0"/>
+                  <a:t>x</a:t>
+                </a:r>
+                <a:r>
+                  <a:rPr lang="en-GB" sz="1200" i="1" baseline="-25000" dirty="0"/>
+                  <a:t>i</a:t>
+                </a:r>
+                <a14:m>
+                  <m:oMath xmlns:m="http://schemas.openxmlformats.org/officeDocument/2006/math">
+                    <m:r>
+                      <a:rPr lang="en-GB" sz="1200" i="1">
+                        <a:latin typeface="Cambria Math" panose="02040503050406030204" pitchFamily="18" charset="0"/>
+                      </a:rPr>
+                      <m:t>=</m:t>
+                    </m:r>
+                    <m:r>
+                      <a:rPr lang="fi-FI" sz="1200" i="1">
+                        <a:latin typeface="Cambria Math" panose="02040503050406030204" pitchFamily="18" charset="0"/>
+                      </a:rPr>
+                      <m:t>𝑜𝑏𝑗𝑒𝑐𝑡</m:t>
+                    </m:r>
+                    <m:r>
+                      <a:rPr lang="fi-FI" sz="1200" i="1">
+                        <a:latin typeface="Cambria Math" panose="02040503050406030204" pitchFamily="18" charset="0"/>
+                      </a:rPr>
+                      <m:t> </m:t>
+                    </m:r>
+                    <m:r>
+                      <a:rPr lang="fi-FI" sz="1200" b="0" i="1" smtClean="0">
+                        <a:latin typeface="Cambria Math" panose="02040503050406030204" pitchFamily="18" charset="0"/>
+                      </a:rPr>
+                      <m:t>𝑖𝑚𝑎𝑔𝑒</m:t>
+                    </m:r>
+                    <m:r>
+                      <a:rPr lang="fi-FI" sz="1200" i="1">
+                        <a:latin typeface="Cambria Math" panose="02040503050406030204" pitchFamily="18" charset="0"/>
+                      </a:rPr>
+                      <m:t> </m:t>
+                    </m:r>
+                    <m:r>
+                      <a:rPr lang="fi-FI" sz="1200" i="1">
+                        <a:latin typeface="Cambria Math" panose="02040503050406030204" pitchFamily="18" charset="0"/>
+                      </a:rPr>
+                      <m:t>𝑥</m:t>
+                    </m:r>
+                    <m:r>
+                      <a:rPr lang="fi-FI" sz="1200" i="1">
+                        <a:latin typeface="Cambria Math" panose="02040503050406030204" pitchFamily="18" charset="0"/>
+                      </a:rPr>
+                      <m:t> </m:t>
+                    </m:r>
+                    <m:r>
+                      <a:rPr lang="fi-FI" sz="1200" i="1">
+                        <a:latin typeface="Cambria Math" panose="02040503050406030204" pitchFamily="18" charset="0"/>
+                      </a:rPr>
+                      <m:t>𝑐𝑜𝑜𝑟𝑑𝑖𝑛𝑎𝑡𝑒</m:t>
+                    </m:r>
+                    <m:r>
+                      <a:rPr lang="fi-FI" sz="1200" i="1">
+                        <a:latin typeface="Cambria Math" panose="02040503050406030204" pitchFamily="18" charset="0"/>
+                      </a:rPr>
+                      <m:t> </m:t>
+                    </m:r>
+                    <m:d>
+                      <m:dPr>
+                        <m:ctrlPr>
+                          <a:rPr lang="fi-FI" sz="1200" i="1">
+                            <a:latin typeface="Cambria Math" panose="02040503050406030204" pitchFamily="18" charset="0"/>
+                          </a:rPr>
+                        </m:ctrlPr>
+                      </m:dPr>
+                      <m:e>
+                        <m:r>
+                          <a:rPr lang="fi-FI" sz="1200" b="0" i="1" smtClean="0">
+                            <a:latin typeface="Cambria Math" panose="02040503050406030204" pitchFamily="18" charset="0"/>
+                          </a:rPr>
+                          <m:t>𝑝𝑖𝑥𝑒𝑙</m:t>
+                        </m:r>
+                      </m:e>
+                    </m:d>
+                  </m:oMath>
+                </a14:m>
+                <a:endParaRPr lang="fi-FI" sz="1200" i="1" dirty="0"/>
+              </a:p>
+              <a:p>
+                <a:r>
+                  <a:rPr lang="en-GB" sz="1200" i="1" dirty="0" err="1"/>
+                  <a:t>y</a:t>
+                </a:r>
+                <a:r>
+                  <a:rPr lang="en-GB" sz="1200" i="1" baseline="-25000" dirty="0" err="1"/>
+                  <a:t>i</a:t>
+                </a:r>
+                <a14:m>
+                  <m:oMath xmlns:m="http://schemas.openxmlformats.org/officeDocument/2006/math">
+                    <m:r>
+                      <a:rPr lang="en-GB" sz="1200" i="1">
+                        <a:latin typeface="Cambria Math" panose="02040503050406030204" pitchFamily="18" charset="0"/>
+                      </a:rPr>
+                      <m:t>=</m:t>
+                    </m:r>
+                    <m:r>
+                      <a:rPr lang="fi-FI" sz="1200" i="1">
+                        <a:latin typeface="Cambria Math" panose="02040503050406030204" pitchFamily="18" charset="0"/>
+                      </a:rPr>
+                      <m:t>𝑜𝑏𝑗𝑒𝑐𝑡</m:t>
+                    </m:r>
+                    <m:r>
+                      <a:rPr lang="fi-FI" sz="1200" i="1">
+                        <a:latin typeface="Cambria Math" panose="02040503050406030204" pitchFamily="18" charset="0"/>
+                      </a:rPr>
+                      <m:t> </m:t>
+                    </m:r>
+                    <m:r>
+                      <a:rPr lang="fi-FI" sz="1200" b="0" i="1" smtClean="0">
+                        <a:latin typeface="Cambria Math" panose="02040503050406030204" pitchFamily="18" charset="0"/>
+                      </a:rPr>
+                      <m:t>𝑖𝑚𝑎𝑔𝑒</m:t>
+                    </m:r>
+                    <m:r>
+                      <a:rPr lang="fi-FI" sz="1200" i="1">
+                        <a:latin typeface="Cambria Math" panose="02040503050406030204" pitchFamily="18" charset="0"/>
+                      </a:rPr>
+                      <m:t> </m:t>
+                    </m:r>
+                    <m:r>
+                      <a:rPr lang="fi-FI" sz="1200" b="0" i="1" smtClean="0">
+                        <a:latin typeface="Cambria Math" panose="02040503050406030204" pitchFamily="18" charset="0"/>
+                      </a:rPr>
+                      <m:t>𝑦</m:t>
+                    </m:r>
+                    <m:r>
+                      <a:rPr lang="fi-FI" sz="1200" i="1">
+                        <a:latin typeface="Cambria Math" panose="02040503050406030204" pitchFamily="18" charset="0"/>
+                      </a:rPr>
+                      <m:t> </m:t>
+                    </m:r>
+                    <m:r>
+                      <a:rPr lang="fi-FI" sz="1200" i="1">
+                        <a:latin typeface="Cambria Math" panose="02040503050406030204" pitchFamily="18" charset="0"/>
+                      </a:rPr>
+                      <m:t>𝑐𝑜𝑜𝑟𝑑𝑖𝑛𝑎𝑡𝑒</m:t>
+                    </m:r>
+                    <m:r>
+                      <a:rPr lang="fi-FI" sz="1200" b="0" i="1" smtClean="0">
+                        <a:latin typeface="Cambria Math" panose="02040503050406030204" pitchFamily="18" charset="0"/>
+                      </a:rPr>
+                      <m:t> (</m:t>
+                    </m:r>
+                    <m:r>
+                      <a:rPr lang="fi-FI" sz="1200" b="0" i="1" smtClean="0">
+                        <a:latin typeface="Cambria Math" panose="02040503050406030204" pitchFamily="18" charset="0"/>
+                      </a:rPr>
+                      <m:t>𝑝𝑖𝑥𝑒𝑙</m:t>
+                    </m:r>
+                    <m:r>
+                      <a:rPr lang="fi-FI" sz="1200" b="0" i="1" smtClean="0">
+                        <a:latin typeface="Cambria Math" panose="02040503050406030204" pitchFamily="18" charset="0"/>
+                      </a:rPr>
+                      <m:t>)</m:t>
+                    </m:r>
+                  </m:oMath>
+                </a14:m>
+                <a:endParaRPr lang="fi-FI" sz="1200" i="1" dirty="0"/>
+              </a:p>
+              <a:p>
+                <a:r>
+                  <a:rPr lang="fi-FI" sz="1200" i="1" dirty="0" err="1"/>
+                  <a:t>h</a:t>
+                </a:r>
+                <a:r>
+                  <a:rPr lang="fi-FI" sz="1200" i="1" baseline="-25000" dirty="0" err="1"/>
+                  <a:t>w</a:t>
+                </a:r>
+                <a:r>
+                  <a:rPr lang="fi-FI" sz="1200" i="1" dirty="0"/>
+                  <a:t>= image </a:t>
+                </a:r>
+                <a:r>
+                  <a:rPr lang="fi-FI" sz="1200" i="1" dirty="0" err="1"/>
+                  <a:t>area</a:t>
+                </a:r>
+                <a:r>
+                  <a:rPr lang="fi-FI" sz="1200" i="1" dirty="0"/>
+                  <a:t> </a:t>
+                </a:r>
+                <a:r>
+                  <a:rPr lang="fi-FI" sz="1200" i="1" dirty="0" err="1"/>
+                  <a:t>world</a:t>
+                </a:r>
+                <a:r>
+                  <a:rPr lang="fi-FI" sz="1200" i="1" dirty="0"/>
+                  <a:t> </a:t>
+                </a:r>
+                <a:r>
+                  <a:rPr lang="fi-FI" sz="1200" i="1" dirty="0" err="1"/>
+                  <a:t>height</a:t>
+                </a:r>
+                <a:r>
+                  <a:rPr lang="fi-FI" sz="1200" i="1" dirty="0"/>
+                  <a:t> (m)</a:t>
+                </a:r>
+              </a:p>
+              <a:p>
+                <a:r>
+                  <a:rPr lang="fi-FI" sz="1200" i="1" dirty="0"/>
+                  <a:t>h</a:t>
+                </a:r>
+                <a:r>
+                  <a:rPr lang="fi-FI" sz="1200" i="1" baseline="-25000" dirty="0"/>
+                  <a:t>i</a:t>
+                </a:r>
+                <a:r>
+                  <a:rPr lang="fi-FI" sz="1200" i="1" dirty="0"/>
+                  <a:t> = image </a:t>
+                </a:r>
+                <a:r>
+                  <a:rPr lang="fi-FI" sz="1200" i="1" dirty="0" err="1"/>
+                  <a:t>area</a:t>
+                </a:r>
+                <a:r>
+                  <a:rPr lang="fi-FI" sz="1200" i="1" dirty="0"/>
+                  <a:t> image </a:t>
+                </a:r>
+                <a:r>
+                  <a:rPr lang="fi-FI" sz="1200" i="1" dirty="0" err="1"/>
+                  <a:t>height</a:t>
+                </a:r>
+                <a:r>
+                  <a:rPr lang="fi-FI" sz="1200" i="1" dirty="0"/>
+                  <a:t> (</a:t>
+                </a:r>
+                <a:r>
+                  <a:rPr lang="fi-FI" sz="1200" i="1" dirty="0" err="1"/>
+                  <a:t>pixels</a:t>
+                </a:r>
+                <a:r>
+                  <a:rPr lang="fi-FI" sz="1200" i="1" dirty="0"/>
+                  <a:t>)</a:t>
+                </a:r>
+              </a:p>
+              <a:p>
+                <a:r>
+                  <a:rPr lang="fi-FI" sz="1200" i="1" dirty="0" err="1"/>
+                  <a:t>w</a:t>
+                </a:r>
+                <a:r>
+                  <a:rPr lang="fi-FI" sz="1200" i="1" baseline="-25000" dirty="0" err="1"/>
+                  <a:t>w</a:t>
+                </a:r>
+                <a:r>
+                  <a:rPr lang="fi-FI" sz="1200" i="1" dirty="0"/>
+                  <a:t>= image </a:t>
+                </a:r>
+                <a:r>
+                  <a:rPr lang="fi-FI" sz="1200" i="1" dirty="0" err="1"/>
+                  <a:t>area</a:t>
+                </a:r>
+                <a:r>
+                  <a:rPr lang="fi-FI" sz="1200" i="1" dirty="0"/>
+                  <a:t> </a:t>
+                </a:r>
+                <a:r>
+                  <a:rPr lang="fi-FI" sz="1200" i="1" dirty="0" err="1"/>
+                  <a:t>world</a:t>
+                </a:r>
+                <a:r>
+                  <a:rPr lang="fi-FI" sz="1200" i="1" dirty="0"/>
+                  <a:t> </a:t>
+                </a:r>
+                <a:r>
+                  <a:rPr lang="fi-FI" sz="1200" i="1" dirty="0" err="1"/>
+                  <a:t>width</a:t>
+                </a:r>
+                <a:r>
+                  <a:rPr lang="fi-FI" sz="1200" i="1" dirty="0"/>
+                  <a:t> (m)</a:t>
+                </a:r>
+              </a:p>
+              <a:p>
+                <a:r>
+                  <a:rPr lang="fi-FI" sz="1200" i="1" dirty="0" err="1"/>
+                  <a:t>w</a:t>
+                </a:r>
+                <a:r>
+                  <a:rPr lang="fi-FI" sz="1200" i="1" baseline="-25000" dirty="0" err="1"/>
+                  <a:t>i</a:t>
+                </a:r>
+                <a:r>
+                  <a:rPr lang="fi-FI" sz="1200" i="1" dirty="0"/>
+                  <a:t> = image </a:t>
+                </a:r>
+                <a:r>
+                  <a:rPr lang="fi-FI" sz="1200" i="1" dirty="0" err="1"/>
+                  <a:t>area</a:t>
+                </a:r>
+                <a:r>
+                  <a:rPr lang="fi-FI" sz="1200" i="1" dirty="0"/>
+                  <a:t> image </a:t>
+                </a:r>
+                <a:r>
+                  <a:rPr lang="fi-FI" sz="1200" i="1" dirty="0" err="1"/>
+                  <a:t>width</a:t>
+                </a:r>
+                <a:r>
+                  <a:rPr lang="fi-FI" sz="1200" i="1" dirty="0"/>
+                  <a:t> (</a:t>
+                </a:r>
+                <a:r>
+                  <a:rPr lang="fi-FI" sz="1200" i="1" dirty="0" err="1"/>
+                  <a:t>pixels</a:t>
+                </a:r>
+                <a:r>
+                  <a:rPr lang="fi-FI" sz="1200" i="1" dirty="0"/>
+                  <a:t>)</a:t>
+                </a:r>
+              </a:p>
+            </p:txBody>
+          </p:sp>
+        </mc:Choice>
+        <mc:Fallback>
+          <p:sp>
+            <p:nvSpPr>
+              <p:cNvPr id="34" name="Tekstiruutu 33">
+                <a:extLst>
+                  <a:ext uri="{FF2B5EF4-FFF2-40B4-BE49-F238E27FC236}">
+                    <a16:creationId xmlns:a16="http://schemas.microsoft.com/office/drawing/2014/main" id="{B0E1292E-57FD-4787-921D-F934B7AAFF49}"/>
+                  </a:ext>
+                </a:extLst>
+              </p:cNvPr>
+              <p:cNvSpPr txBox="1">
+                <a:spLocks noRot="1" noChangeAspect="1" noMove="1" noResize="1" noEditPoints="1" noAdjustHandles="1" noChangeArrowheads="1" noChangeShapeType="1" noTextEdit="1"/>
+              </p:cNvSpPr>
+              <p:nvPr/>
+            </p:nvSpPr>
+            <p:spPr>
+              <a:xfrm>
+                <a:off x="5382684" y="4822496"/>
+                <a:ext cx="2627258" cy="1477328"/>
+              </a:xfrm>
+              <a:prstGeom prst="rect">
+                <a:avLst/>
+              </a:prstGeom>
+              <a:blipFill>
+                <a:blip r:embed="rId2"/>
+                <a:stretch>
+                  <a:fillRect l="-3712" t="-3306" b="-5785"/>
+                </a:stretch>
+              </a:blipFill>
+              <a:ln>
+                <a:noFill/>
+              </a:ln>
+            </p:spPr>
+            <p:txBody>
+              <a:bodyPr/>
+              <a:lstStyle/>
+              <a:p>
+                <a:r>
+                  <a:rPr lang="en-GB">
+                    <a:noFill/>
+                  </a:rPr>
+                  <a:t> </a:t>
+                </a:r>
+              </a:p>
+            </p:txBody>
+          </p:sp>
+        </mc:Fallback>
+      </mc:AlternateContent>
+      <mc:AlternateContent xmlns:mc="http://schemas.openxmlformats.org/markup-compatibility/2006">
+        <mc:Choice xmlns:a14="http://schemas.microsoft.com/office/drawing/2010/main" Requires="a14">
+          <p:sp>
+            <p:nvSpPr>
+              <p:cNvPr id="39" name="Tekstiruutu 38">
+                <a:extLst>
+                  <a:ext uri="{FF2B5EF4-FFF2-40B4-BE49-F238E27FC236}">
+                    <a16:creationId xmlns:a16="http://schemas.microsoft.com/office/drawing/2014/main" id="{E71A3BD4-3BB5-4D6B-ABA5-D22DEE205F8D}"/>
+                  </a:ext>
+                </a:extLst>
+              </p:cNvPr>
+              <p:cNvSpPr txBox="1"/>
+              <p:nvPr/>
+            </p:nvSpPr>
+            <p:spPr>
+              <a:xfrm>
+                <a:off x="8240199" y="4681147"/>
+                <a:ext cx="3548472" cy="491288"/>
+              </a:xfrm>
+              <a:prstGeom prst="rect">
+                <a:avLst/>
+              </a:prstGeom>
+              <a:noFill/>
+            </p:spPr>
+            <p:txBody>
+              <a:bodyPr wrap="none" rtlCol="0">
+                <a:spAutoFit/>
+              </a:bodyPr>
+              <a:lstStyle/>
+              <a:p>
+                <a:r>
+                  <a:rPr lang="fi-FI" dirty="0"/>
+                  <a:t>(x</a:t>
+                </a:r>
+                <a:r>
+                  <a:rPr lang="fi-FI" baseline="-25000" dirty="0"/>
+                  <a:t>i</a:t>
+                </a:r>
+                <a:r>
+                  <a:rPr lang="fi-FI" dirty="0"/>
+                  <a:t>, y</a:t>
+                </a:r>
+                <a:r>
+                  <a:rPr lang="fi-FI" baseline="-25000" dirty="0"/>
+                  <a:t>i</a:t>
+                </a:r>
+                <a:r>
+                  <a:rPr lang="fi-FI" dirty="0"/>
+                  <a:t>) = (</a:t>
+                </a:r>
+                <a:r>
+                  <a:rPr lang="en-GB" dirty="0"/>
+                  <a:t> </a:t>
+                </a:r>
+                <a14:m>
+                  <m:oMath xmlns:m="http://schemas.openxmlformats.org/officeDocument/2006/math">
+                    <m:f>
+                      <m:fPr>
+                        <m:ctrlPr>
+                          <a:rPr lang="en-GB" i="1">
+                            <a:latin typeface="Cambria Math" panose="02040503050406030204" pitchFamily="18" charset="0"/>
+                          </a:rPr>
+                        </m:ctrlPr>
+                      </m:fPr>
+                      <m:num>
+                        <m:sSub>
+                          <m:sSubPr>
+                            <m:ctrlPr>
+                              <a:rPr lang="en-GB" i="1">
+                                <a:latin typeface="Cambria Math" panose="02040503050406030204" pitchFamily="18" charset="0"/>
+                              </a:rPr>
+                            </m:ctrlPr>
+                          </m:sSubPr>
+                          <m:e>
+                            <m:r>
+                              <a:rPr lang="fi-FI" b="0" i="1" smtClean="0">
+                                <a:latin typeface="Cambria Math" panose="02040503050406030204" pitchFamily="18" charset="0"/>
+                              </a:rPr>
+                              <m:t>𝑤</m:t>
+                            </m:r>
+                          </m:e>
+                          <m:sub>
+                            <m:r>
+                              <a:rPr lang="fi-FI" b="0" i="1" smtClean="0">
+                                <a:latin typeface="Cambria Math" panose="02040503050406030204" pitchFamily="18" charset="0"/>
+                              </a:rPr>
+                              <m:t>𝑖</m:t>
+                            </m:r>
+                          </m:sub>
+                        </m:sSub>
+                      </m:num>
+                      <m:den>
+                        <m:r>
+                          <a:rPr lang="fi-FI" b="0" i="1" smtClean="0">
+                            <a:latin typeface="Cambria Math" panose="02040503050406030204" pitchFamily="18" charset="0"/>
+                          </a:rPr>
+                          <m:t>2</m:t>
+                        </m:r>
+                      </m:den>
+                    </m:f>
+                    <m:r>
+                      <a:rPr lang="fi-FI" b="0" i="1" smtClean="0">
+                        <a:latin typeface="Cambria Math" panose="02040503050406030204" pitchFamily="18" charset="0"/>
+                      </a:rPr>
+                      <m:t>+</m:t>
+                    </m:r>
+                    <m:r>
+                      <a:rPr lang="fi-FI" b="0" i="1" smtClean="0">
+                        <a:latin typeface="Cambria Math" panose="02040503050406030204" pitchFamily="18" charset="0"/>
+                      </a:rPr>
+                      <m:t>𝑥</m:t>
+                    </m:r>
+                  </m:oMath>
+                </a14:m>
+                <a:r>
+                  <a:rPr lang="fi-FI" baseline="-25000" dirty="0"/>
+                  <a:t>w</a:t>
+                </a:r>
+                <a:r>
+                  <a:rPr lang="fi-FI" dirty="0"/>
+                  <a:t>*</a:t>
+                </a:r>
+                <a:r>
+                  <a:rPr lang="en-GB" dirty="0"/>
+                  <a:t> </a:t>
+                </a:r>
+                <a14:m>
+                  <m:oMath xmlns:m="http://schemas.openxmlformats.org/officeDocument/2006/math">
+                    <m:f>
+                      <m:fPr>
+                        <m:ctrlPr>
+                          <a:rPr lang="en-GB" i="1">
+                            <a:latin typeface="Cambria Math" panose="02040503050406030204" pitchFamily="18" charset="0"/>
+                          </a:rPr>
+                        </m:ctrlPr>
+                      </m:fPr>
+                      <m:num>
+                        <m:sSub>
+                          <m:sSubPr>
+                            <m:ctrlPr>
+                              <a:rPr lang="en-GB" i="1">
+                                <a:latin typeface="Cambria Math" panose="02040503050406030204" pitchFamily="18" charset="0"/>
+                              </a:rPr>
+                            </m:ctrlPr>
+                          </m:sSubPr>
+                          <m:e>
+                            <m:r>
+                              <a:rPr lang="fi-FI" b="0" i="1" smtClean="0">
+                                <a:latin typeface="Cambria Math" panose="02040503050406030204" pitchFamily="18" charset="0"/>
+                              </a:rPr>
+                              <m:t>𝑤</m:t>
+                            </m:r>
+                          </m:e>
+                          <m:sub>
+                            <m:r>
+                              <a:rPr lang="fi-FI" b="0" i="1" smtClean="0">
+                                <a:latin typeface="Cambria Math" panose="02040503050406030204" pitchFamily="18" charset="0"/>
+                              </a:rPr>
+                              <m:t>𝑖</m:t>
+                            </m:r>
+                          </m:sub>
+                        </m:sSub>
+                      </m:num>
+                      <m:den>
+                        <m:r>
+                          <a:rPr lang="fi-FI" b="0" i="1" smtClean="0">
+                            <a:latin typeface="Cambria Math" panose="02040503050406030204" pitchFamily="18" charset="0"/>
+                          </a:rPr>
+                          <m:t>𝑤</m:t>
+                        </m:r>
+                        <m:r>
+                          <a:rPr lang="fi-FI" b="0" i="1" baseline="-25000" smtClean="0">
+                            <a:latin typeface="Cambria Math" panose="02040503050406030204" pitchFamily="18" charset="0"/>
+                          </a:rPr>
+                          <m:t>𝑤</m:t>
+                        </m:r>
+                      </m:den>
+                    </m:f>
+                  </m:oMath>
+                </a14:m>
+                <a:r>
+                  <a:rPr lang="fi-FI" dirty="0"/>
+                  <a:t>,    </a:t>
+                </a:r>
+                <a14:m>
+                  <m:oMath xmlns:m="http://schemas.openxmlformats.org/officeDocument/2006/math">
+                    <m:f>
+                      <m:fPr>
+                        <m:ctrlPr>
+                          <a:rPr lang="en-GB" i="1">
+                            <a:latin typeface="Cambria Math" panose="02040503050406030204" pitchFamily="18" charset="0"/>
+                          </a:rPr>
+                        </m:ctrlPr>
+                      </m:fPr>
+                      <m:num>
+                        <m:sSub>
+                          <m:sSubPr>
+                            <m:ctrlPr>
+                              <a:rPr lang="en-GB" i="1">
+                                <a:latin typeface="Cambria Math" panose="02040503050406030204" pitchFamily="18" charset="0"/>
+                              </a:rPr>
+                            </m:ctrlPr>
+                          </m:sSubPr>
+                          <m:e>
+                            <m:r>
+                              <a:rPr lang="fi-FI" b="0" i="1" smtClean="0">
+                                <a:latin typeface="Cambria Math" panose="02040503050406030204" pitchFamily="18" charset="0"/>
+                              </a:rPr>
+                              <m:t>h</m:t>
+                            </m:r>
+                          </m:e>
+                          <m:sub>
+                            <m:r>
+                              <a:rPr lang="fi-FI" b="0" i="1" smtClean="0">
+                                <a:latin typeface="Cambria Math" panose="02040503050406030204" pitchFamily="18" charset="0"/>
+                              </a:rPr>
+                              <m:t>𝑖</m:t>
+                            </m:r>
+                          </m:sub>
+                        </m:sSub>
+                      </m:num>
+                      <m:den>
+                        <m:r>
+                          <a:rPr lang="fi-FI" i="1">
+                            <a:latin typeface="Cambria Math" panose="02040503050406030204" pitchFamily="18" charset="0"/>
+                          </a:rPr>
+                          <m:t>2</m:t>
+                        </m:r>
+                      </m:den>
+                    </m:f>
+                    <m:r>
+                      <a:rPr lang="fi-FI" b="0" i="1" smtClean="0">
+                        <a:latin typeface="Cambria Math" panose="02040503050406030204" pitchFamily="18" charset="0"/>
+                      </a:rPr>
+                      <m:t>+</m:t>
+                    </m:r>
+                    <m:r>
+                      <a:rPr lang="fi-FI" b="0" i="1" smtClean="0">
+                        <a:latin typeface="Cambria Math" panose="02040503050406030204" pitchFamily="18" charset="0"/>
+                      </a:rPr>
+                      <m:t>𝑧𝑤</m:t>
+                    </m:r>
+                  </m:oMath>
+                </a14:m>
+                <a:r>
+                  <a:rPr lang="fi-FI" dirty="0"/>
+                  <a:t>*</a:t>
+                </a:r>
+                <a:r>
+                  <a:rPr lang="en-GB" dirty="0"/>
+                  <a:t> </a:t>
+                </a:r>
+                <a14:m>
+                  <m:oMath xmlns:m="http://schemas.openxmlformats.org/officeDocument/2006/math">
+                    <m:f>
+                      <m:fPr>
+                        <m:ctrlPr>
+                          <a:rPr lang="en-GB" i="1">
+                            <a:latin typeface="Cambria Math" panose="02040503050406030204" pitchFamily="18" charset="0"/>
+                          </a:rPr>
+                        </m:ctrlPr>
+                      </m:fPr>
+                      <m:num>
+                        <m:r>
+                          <a:rPr lang="fi-FI" b="0" i="1" smtClean="0">
+                            <a:latin typeface="Cambria Math" panose="02040503050406030204" pitchFamily="18" charset="0"/>
+                          </a:rPr>
+                          <m:t>h</m:t>
+                        </m:r>
+                        <m:r>
+                          <a:rPr lang="fi-FI" b="0" i="1" baseline="-25000" smtClean="0">
+                            <a:latin typeface="Cambria Math" panose="02040503050406030204" pitchFamily="18" charset="0"/>
+                          </a:rPr>
+                          <m:t>𝑖</m:t>
+                        </m:r>
+                      </m:num>
+                      <m:den>
+                        <m:r>
+                          <a:rPr lang="fi-FI" b="0" i="1" smtClean="0">
+                            <a:latin typeface="Cambria Math" panose="02040503050406030204" pitchFamily="18" charset="0"/>
+                          </a:rPr>
+                          <m:t>h</m:t>
+                        </m:r>
+                        <m:r>
+                          <a:rPr lang="fi-FI" b="0" i="1" baseline="-25000" smtClean="0">
+                            <a:latin typeface="Cambria Math" panose="02040503050406030204" pitchFamily="18" charset="0"/>
+                          </a:rPr>
+                          <m:t>𝑤</m:t>
+                        </m:r>
+                      </m:den>
+                    </m:f>
+                  </m:oMath>
+                </a14:m>
+                <a:r>
+                  <a:rPr lang="fi-FI" dirty="0"/>
+                  <a:t>)</a:t>
+                </a:r>
+                <a:endParaRPr lang="en-GB" dirty="0"/>
+              </a:p>
+            </p:txBody>
+          </p:sp>
+        </mc:Choice>
+        <mc:Fallback>
+          <p:sp>
+            <p:nvSpPr>
+              <p:cNvPr id="39" name="Tekstiruutu 38">
+                <a:extLst>
+                  <a:ext uri="{FF2B5EF4-FFF2-40B4-BE49-F238E27FC236}">
+                    <a16:creationId xmlns:a16="http://schemas.microsoft.com/office/drawing/2014/main" id="{E71A3BD4-3BB5-4D6B-ABA5-D22DEE205F8D}"/>
+                  </a:ext>
+                </a:extLst>
+              </p:cNvPr>
+              <p:cNvSpPr txBox="1">
+                <a:spLocks noRot="1" noChangeAspect="1" noMove="1" noResize="1" noEditPoints="1" noAdjustHandles="1" noChangeArrowheads="1" noChangeShapeType="1" noTextEdit="1"/>
+              </p:cNvSpPr>
+              <p:nvPr/>
+            </p:nvSpPr>
+            <p:spPr>
+              <a:xfrm>
+                <a:off x="8240199" y="4681147"/>
+                <a:ext cx="3548472" cy="491288"/>
+              </a:xfrm>
+              <a:prstGeom prst="rect">
+                <a:avLst/>
+              </a:prstGeom>
+              <a:blipFill>
+                <a:blip r:embed="rId3"/>
+                <a:stretch>
+                  <a:fillRect l="-1546" r="-515" b="-8750"/>
+                </a:stretch>
+              </a:blipFill>
+            </p:spPr>
+            <p:txBody>
+              <a:bodyPr/>
+              <a:lstStyle/>
+              <a:p>
+                <a:r>
+                  <a:rPr lang="en-GB">
+                    <a:noFill/>
+                  </a:rPr>
+                  <a:t> </a:t>
+                </a:r>
+              </a:p>
+            </p:txBody>
+          </p:sp>
+        </mc:Fallback>
+      </mc:AlternateContent>
+      <mc:AlternateContent xmlns:mc="http://schemas.openxmlformats.org/markup-compatibility/2006">
+        <mc:Choice xmlns:a14="http://schemas.microsoft.com/office/drawing/2010/main" Requires="a14">
+          <p:sp>
+            <p:nvSpPr>
+              <p:cNvPr id="40" name="Tekstiruutu 39">
+                <a:extLst>
+                  <a:ext uri="{FF2B5EF4-FFF2-40B4-BE49-F238E27FC236}">
+                    <a16:creationId xmlns:a16="http://schemas.microsoft.com/office/drawing/2014/main" id="{CDA7925E-E983-4BBD-9F7B-04BAC0122EA6}"/>
+                  </a:ext>
+                </a:extLst>
+              </p:cNvPr>
+              <p:cNvSpPr txBox="1"/>
+              <p:nvPr/>
+            </p:nvSpPr>
+            <p:spPr>
+              <a:xfrm>
+                <a:off x="8240199" y="5253355"/>
+                <a:ext cx="2959400" cy="491288"/>
+              </a:xfrm>
+              <a:prstGeom prst="rect">
+                <a:avLst/>
+              </a:prstGeom>
+              <a:noFill/>
+            </p:spPr>
+            <p:txBody>
+              <a:bodyPr wrap="none" rtlCol="0">
+                <a:spAutoFit/>
+              </a:bodyPr>
+              <a:lstStyle/>
+              <a:p>
+                <a14:m>
+                  <m:oMath xmlns:m="http://schemas.openxmlformats.org/officeDocument/2006/math">
+                    <m:f>
+                      <m:fPr>
+                        <m:ctrlPr>
+                          <a:rPr lang="en-GB" i="1">
+                            <a:latin typeface="Cambria Math" panose="02040503050406030204" pitchFamily="18" charset="0"/>
+                          </a:rPr>
+                        </m:ctrlPr>
+                      </m:fPr>
+                      <m:num>
+                        <m:sSub>
+                          <m:sSubPr>
+                            <m:ctrlPr>
+                              <a:rPr lang="en-GB" i="1">
+                                <a:latin typeface="Cambria Math" panose="02040503050406030204" pitchFamily="18" charset="0"/>
+                              </a:rPr>
+                            </m:ctrlPr>
+                          </m:sSubPr>
+                          <m:e>
+                            <m:r>
+                              <a:rPr lang="fi-FI" b="0" i="1" smtClean="0">
+                                <a:latin typeface="Cambria Math" panose="02040503050406030204" pitchFamily="18" charset="0"/>
+                              </a:rPr>
+                              <m:t>𝑤</m:t>
+                            </m:r>
+                          </m:e>
+                          <m:sub>
+                            <m:r>
+                              <a:rPr lang="fi-FI" b="0" i="1" smtClean="0">
+                                <a:latin typeface="Cambria Math" panose="02040503050406030204" pitchFamily="18" charset="0"/>
+                              </a:rPr>
+                              <m:t>𝑖</m:t>
+                            </m:r>
+                          </m:sub>
+                        </m:sSub>
+                      </m:num>
+                      <m:den>
+                        <m:r>
+                          <a:rPr lang="fi-FI" b="0" i="1" smtClean="0">
+                            <a:latin typeface="Cambria Math" panose="02040503050406030204" pitchFamily="18" charset="0"/>
+                          </a:rPr>
+                          <m:t>𝑤</m:t>
+                        </m:r>
+                        <m:r>
+                          <a:rPr lang="fi-FI" b="0" i="1" baseline="-25000" smtClean="0">
+                            <a:latin typeface="Cambria Math" panose="02040503050406030204" pitchFamily="18" charset="0"/>
+                          </a:rPr>
+                          <m:t>𝑤</m:t>
+                        </m:r>
+                      </m:den>
+                    </m:f>
+                  </m:oMath>
+                </a14:m>
+                <a:r>
+                  <a:rPr lang="en-GB" dirty="0"/>
+                  <a:t> = </a:t>
+                </a:r>
+                <a14:m>
+                  <m:oMath xmlns:m="http://schemas.openxmlformats.org/officeDocument/2006/math">
+                    <m:f>
+                      <m:fPr>
+                        <m:ctrlPr>
+                          <a:rPr lang="en-GB" i="1">
+                            <a:latin typeface="Cambria Math" panose="02040503050406030204" pitchFamily="18" charset="0"/>
+                          </a:rPr>
+                        </m:ctrlPr>
+                      </m:fPr>
+                      <m:num>
+                        <m:r>
+                          <a:rPr lang="fi-FI" b="0" i="1" smtClean="0">
+                            <a:latin typeface="Cambria Math" panose="02040503050406030204" pitchFamily="18" charset="0"/>
+                          </a:rPr>
+                          <m:t>h</m:t>
+                        </m:r>
+                        <m:r>
+                          <a:rPr lang="fi-FI" b="0" i="1" baseline="-25000" smtClean="0">
+                            <a:latin typeface="Cambria Math" panose="02040503050406030204" pitchFamily="18" charset="0"/>
+                          </a:rPr>
+                          <m:t>𝑖</m:t>
+                        </m:r>
+                      </m:num>
+                      <m:den>
+                        <m:r>
+                          <a:rPr lang="fi-FI" b="0" i="1" smtClean="0">
+                            <a:latin typeface="Cambria Math" panose="02040503050406030204" pitchFamily="18" charset="0"/>
+                          </a:rPr>
+                          <m:t>h</m:t>
+                        </m:r>
+                        <m:r>
+                          <a:rPr lang="fi-FI" b="0" i="1" baseline="-25000" smtClean="0">
+                            <a:latin typeface="Cambria Math" panose="02040503050406030204" pitchFamily="18" charset="0"/>
+                          </a:rPr>
+                          <m:t>𝑤</m:t>
+                        </m:r>
+                      </m:den>
+                    </m:f>
+                  </m:oMath>
+                </a14:m>
+                <a:r>
+                  <a:rPr lang="en-GB" dirty="0"/>
+                  <a:t> = p (pixel/meter ratio)</a:t>
+                </a:r>
+              </a:p>
+            </p:txBody>
+          </p:sp>
+        </mc:Choice>
+        <mc:Fallback>
+          <p:sp>
+            <p:nvSpPr>
+              <p:cNvPr id="40" name="Tekstiruutu 39">
+                <a:extLst>
+                  <a:ext uri="{FF2B5EF4-FFF2-40B4-BE49-F238E27FC236}">
+                    <a16:creationId xmlns:a16="http://schemas.microsoft.com/office/drawing/2014/main" id="{CDA7925E-E983-4BBD-9F7B-04BAC0122EA6}"/>
+                  </a:ext>
+                </a:extLst>
+              </p:cNvPr>
+              <p:cNvSpPr txBox="1">
+                <a:spLocks noRot="1" noChangeAspect="1" noMove="1" noResize="1" noEditPoints="1" noAdjustHandles="1" noChangeArrowheads="1" noChangeShapeType="1" noTextEdit="1"/>
+              </p:cNvSpPr>
+              <p:nvPr/>
+            </p:nvSpPr>
+            <p:spPr>
+              <a:xfrm>
+                <a:off x="8240199" y="5253355"/>
+                <a:ext cx="2959400" cy="491288"/>
+              </a:xfrm>
+              <a:prstGeom prst="rect">
+                <a:avLst/>
+              </a:prstGeom>
+              <a:blipFill>
+                <a:blip r:embed="rId4"/>
+                <a:stretch>
+                  <a:fillRect r="-1031" b="-8750"/>
+                </a:stretch>
+              </a:blipFill>
+            </p:spPr>
+            <p:txBody>
+              <a:bodyPr/>
+              <a:lstStyle/>
+              <a:p>
+                <a:r>
+                  <a:rPr lang="en-GB">
+                    <a:noFill/>
+                  </a:rPr>
+                  <a:t> </a:t>
+                </a:r>
+              </a:p>
+            </p:txBody>
+          </p:sp>
+        </mc:Fallback>
+      </mc:AlternateContent>
+      <mc:AlternateContent xmlns:mc="http://schemas.openxmlformats.org/markup-compatibility/2006">
+        <mc:Choice xmlns:a14="http://schemas.microsoft.com/office/drawing/2010/main" Requires="a14">
+          <p:sp>
+            <p:nvSpPr>
+              <p:cNvPr id="41" name="Tekstiruutu 40">
+                <a:extLst>
+                  <a:ext uri="{FF2B5EF4-FFF2-40B4-BE49-F238E27FC236}">
+                    <a16:creationId xmlns:a16="http://schemas.microsoft.com/office/drawing/2014/main" id="{E2A6F846-99B6-4AD3-8262-34FE2452DFD7}"/>
+                  </a:ext>
+                </a:extLst>
+              </p:cNvPr>
+              <p:cNvSpPr txBox="1"/>
+              <p:nvPr/>
+            </p:nvSpPr>
+            <p:spPr>
+              <a:xfrm>
+                <a:off x="8215923" y="5921663"/>
+                <a:ext cx="3315075" cy="489814"/>
+              </a:xfrm>
+              <a:prstGeom prst="rect">
+                <a:avLst/>
+              </a:prstGeom>
+              <a:noFill/>
+            </p:spPr>
+            <p:txBody>
+              <a:bodyPr wrap="none" rtlCol="0">
+                <a:spAutoFit/>
+              </a:bodyPr>
+              <a:lstStyle/>
+              <a:p>
+                <a:r>
+                  <a:rPr lang="fi-FI" dirty="0"/>
+                  <a:t>(x</a:t>
+                </a:r>
+                <a:r>
+                  <a:rPr lang="fi-FI" baseline="-25000" dirty="0"/>
+                  <a:t>i</a:t>
+                </a:r>
+                <a:r>
+                  <a:rPr lang="fi-FI" dirty="0"/>
+                  <a:t>, y</a:t>
+                </a:r>
+                <a:r>
+                  <a:rPr lang="fi-FI" baseline="-25000" dirty="0"/>
+                  <a:t>i</a:t>
+                </a:r>
+                <a:r>
+                  <a:rPr lang="fi-FI" dirty="0"/>
+                  <a:t>) = (</a:t>
+                </a:r>
+                <a:r>
+                  <a:rPr lang="en-GB" dirty="0"/>
+                  <a:t> </a:t>
+                </a:r>
+                <a14:m>
+                  <m:oMath xmlns:m="http://schemas.openxmlformats.org/officeDocument/2006/math">
+                    <m:f>
+                      <m:fPr>
+                        <m:ctrlPr>
+                          <a:rPr lang="en-GB" i="1">
+                            <a:latin typeface="Cambria Math" panose="02040503050406030204" pitchFamily="18" charset="0"/>
+                          </a:rPr>
+                        </m:ctrlPr>
+                      </m:fPr>
+                      <m:num>
+                        <m:sSub>
+                          <m:sSubPr>
+                            <m:ctrlPr>
+                              <a:rPr lang="en-GB" i="1">
+                                <a:latin typeface="Cambria Math" panose="02040503050406030204" pitchFamily="18" charset="0"/>
+                              </a:rPr>
+                            </m:ctrlPr>
+                          </m:sSubPr>
+                          <m:e>
+                            <m:r>
+                              <a:rPr lang="fi-FI" b="0" i="1" smtClean="0">
+                                <a:latin typeface="Cambria Math" panose="02040503050406030204" pitchFamily="18" charset="0"/>
+                              </a:rPr>
+                              <m:t>𝑤</m:t>
+                            </m:r>
+                          </m:e>
+                          <m:sub>
+                            <m:r>
+                              <a:rPr lang="fi-FI" b="0" i="1" smtClean="0">
+                                <a:latin typeface="Cambria Math" panose="02040503050406030204" pitchFamily="18" charset="0"/>
+                              </a:rPr>
+                              <m:t>𝑖</m:t>
+                            </m:r>
+                          </m:sub>
+                        </m:sSub>
+                      </m:num>
+                      <m:den>
+                        <m:r>
+                          <a:rPr lang="fi-FI" b="0" i="1" smtClean="0">
+                            <a:latin typeface="Cambria Math" panose="02040503050406030204" pitchFamily="18" charset="0"/>
+                          </a:rPr>
+                          <m:t>2</m:t>
+                        </m:r>
+                      </m:den>
+                    </m:f>
+                    <m:r>
+                      <a:rPr lang="fi-FI" b="0" i="1" smtClean="0">
+                        <a:latin typeface="Cambria Math" panose="02040503050406030204" pitchFamily="18" charset="0"/>
+                      </a:rPr>
+                      <m:t>+</m:t>
+                    </m:r>
+                    <m:r>
+                      <a:rPr lang="fi-FI" b="0" i="1" smtClean="0">
+                        <a:latin typeface="Cambria Math" panose="02040503050406030204" pitchFamily="18" charset="0"/>
+                      </a:rPr>
+                      <m:t>𝑥</m:t>
+                    </m:r>
+                  </m:oMath>
+                </a14:m>
+                <a:r>
+                  <a:rPr lang="fi-FI" baseline="-25000" dirty="0"/>
+                  <a:t>w</a:t>
+                </a:r>
+                <a:r>
+                  <a:rPr lang="fi-FI" dirty="0"/>
+                  <a:t>*</a:t>
+                </a:r>
+                <a:r>
+                  <a:rPr lang="en-GB" dirty="0"/>
+                  <a:t> </a:t>
+                </a:r>
+                <a14:m>
+                  <m:oMath xmlns:m="http://schemas.openxmlformats.org/officeDocument/2006/math">
+                    <m:r>
+                      <a:rPr lang="fi-FI" i="1" smtClean="0">
+                        <a:latin typeface="Cambria Math" panose="02040503050406030204" pitchFamily="18" charset="0"/>
+                      </a:rPr>
+                      <m:t>𝑝</m:t>
+                    </m:r>
+                  </m:oMath>
+                </a14:m>
+                <a:r>
+                  <a:rPr lang="fi-FI" dirty="0"/>
+                  <a:t>,    </a:t>
+                </a:r>
+                <a14:m>
+                  <m:oMath xmlns:m="http://schemas.openxmlformats.org/officeDocument/2006/math">
+                    <m:f>
+                      <m:fPr>
+                        <m:ctrlPr>
+                          <a:rPr lang="en-GB" i="1">
+                            <a:latin typeface="Cambria Math" panose="02040503050406030204" pitchFamily="18" charset="0"/>
+                          </a:rPr>
+                        </m:ctrlPr>
+                      </m:fPr>
+                      <m:num>
+                        <m:sSub>
+                          <m:sSubPr>
+                            <m:ctrlPr>
+                              <a:rPr lang="en-GB" i="1">
+                                <a:latin typeface="Cambria Math" panose="02040503050406030204" pitchFamily="18" charset="0"/>
+                              </a:rPr>
+                            </m:ctrlPr>
+                          </m:sSubPr>
+                          <m:e>
+                            <m:r>
+                              <a:rPr lang="fi-FI" b="0" i="1" smtClean="0">
+                                <a:latin typeface="Cambria Math" panose="02040503050406030204" pitchFamily="18" charset="0"/>
+                              </a:rPr>
+                              <m:t>h</m:t>
+                            </m:r>
+                          </m:e>
+                          <m:sub>
+                            <m:r>
+                              <a:rPr lang="fi-FI" b="0" i="1" smtClean="0">
+                                <a:latin typeface="Cambria Math" panose="02040503050406030204" pitchFamily="18" charset="0"/>
+                              </a:rPr>
+                              <m:t>𝑖</m:t>
+                            </m:r>
+                          </m:sub>
+                        </m:sSub>
+                      </m:num>
+                      <m:den>
+                        <m:r>
+                          <a:rPr lang="fi-FI" i="1">
+                            <a:latin typeface="Cambria Math" panose="02040503050406030204" pitchFamily="18" charset="0"/>
+                          </a:rPr>
+                          <m:t>2</m:t>
+                        </m:r>
+                      </m:den>
+                    </m:f>
+                    <m:r>
+                      <a:rPr lang="fi-FI" b="0" i="1" smtClean="0">
+                        <a:latin typeface="Cambria Math" panose="02040503050406030204" pitchFamily="18" charset="0"/>
+                      </a:rPr>
+                      <m:t>+</m:t>
+                    </m:r>
+                    <m:r>
+                      <a:rPr lang="fi-FI" b="0" i="1" smtClean="0">
+                        <a:latin typeface="Cambria Math" panose="02040503050406030204" pitchFamily="18" charset="0"/>
+                      </a:rPr>
+                      <m:t>𝑧𝑤</m:t>
+                    </m:r>
+                  </m:oMath>
+                </a14:m>
+                <a:r>
+                  <a:rPr lang="fi-FI" dirty="0"/>
+                  <a:t>*p)</a:t>
+                </a:r>
+                <a:endParaRPr lang="en-GB" dirty="0"/>
+              </a:p>
+            </p:txBody>
+          </p:sp>
+        </mc:Choice>
+        <mc:Fallback>
+          <p:sp>
+            <p:nvSpPr>
+              <p:cNvPr id="41" name="Tekstiruutu 40">
+                <a:extLst>
+                  <a:ext uri="{FF2B5EF4-FFF2-40B4-BE49-F238E27FC236}">
+                    <a16:creationId xmlns:a16="http://schemas.microsoft.com/office/drawing/2014/main" id="{E2A6F846-99B6-4AD3-8262-34FE2452DFD7}"/>
+                  </a:ext>
+                </a:extLst>
+              </p:cNvPr>
+              <p:cNvSpPr txBox="1">
+                <a:spLocks noRot="1" noChangeAspect="1" noMove="1" noResize="1" noEditPoints="1" noAdjustHandles="1" noChangeArrowheads="1" noChangeShapeType="1" noTextEdit="1"/>
+              </p:cNvSpPr>
+              <p:nvPr/>
+            </p:nvSpPr>
+            <p:spPr>
+              <a:xfrm>
+                <a:off x="8215923" y="5921663"/>
+                <a:ext cx="3315075" cy="489814"/>
+              </a:xfrm>
+              <a:prstGeom prst="rect">
+                <a:avLst/>
+              </a:prstGeom>
+              <a:blipFill>
+                <a:blip r:embed="rId5"/>
+                <a:stretch>
+                  <a:fillRect l="-1654" r="-551" b="-7407"/>
+                </a:stretch>
+              </a:blipFill>
+            </p:spPr>
+            <p:txBody>
+              <a:bodyPr/>
+              <a:lstStyle/>
+              <a:p>
+                <a:r>
+                  <a:rPr lang="en-GB">
+                    <a:noFill/>
+                  </a:rPr>
+                  <a:t> </a:t>
+                </a:r>
+              </a:p>
+            </p:txBody>
+          </p:sp>
+        </mc:Fallback>
+      </mc:AlternateContent>
+    </p:spTree>
+    <p:extLst>
+      <p:ext uri="{BB962C8B-B14F-4D97-AF65-F5344CB8AC3E}">
+        <p14:creationId xmlns:p14="http://schemas.microsoft.com/office/powerpoint/2010/main" val="2173498209"/>
+      </p:ext>
+    </p:extLst>
+  </p:cSld>
+  <p:clrMapOvr>
+    <a:masterClrMapping/>
+  </p:clrMapOvr>
+</p:sld>
+</file>
+
+<file path=ppt/slides/slide3.xml><?xml version="1.0" encoding="utf-8"?>
+<p:sld xmlns:a="http://schemas.openxmlformats.org/drawingml/2006/main" xmlns:r="http://schemas.openxmlformats.org/officeDocument/2006/relationships" xmlns:p="http://schemas.openxmlformats.org/presentationml/2006/main">
+  <p:cSld>
+    <p:bg>
+      <p:bgPr>
+        <a:solidFill>
+          <a:schemeClr val="bg1"/>
+        </a:solidFill>
+        <a:effectLst/>
+      </p:bgPr>
+    </p:bg>
+    <p:spTree>
+      <p:nvGrpSpPr>
+        <p:cNvPr id="1" name=""/>
+        <p:cNvGrpSpPr/>
+        <p:nvPr/>
+      </p:nvGrpSpPr>
+      <p:grpSpPr>
+        <a:xfrm>
+          <a:off x="0" y="0"/>
+          <a:ext cx="0" cy="0"/>
+          <a:chOff x="0" y="0"/>
+          <a:chExt cx="0" cy="0"/>
+        </a:xfrm>
+      </p:grpSpPr>
+      <p:sp>
+        <p:nvSpPr>
+          <p:cNvPr id="71" name="Rectangle 70">
+            <a:extLst>
+              <a:ext uri="{FF2B5EF4-FFF2-40B4-BE49-F238E27FC236}">
+                <a16:creationId xmlns:a16="http://schemas.microsoft.com/office/drawing/2014/main" id="{AB45A142-4255-493C-8284-5D566C121B10}"/>
+              </a:ext>
+            </a:extLst>
+          </p:cNvPr>
+          <p:cNvSpPr>
+            <a:spLocks noGrp="1" noRot="1" noChangeAspect="1" noMove="1" noResize="1" noEditPoints="1" noAdjustHandles="1" noChangeArrowheads="1" noChangeShapeType="1" noTextEdit="1"/>
+          </p:cNvSpPr>
+          <p:nvPr>
+            <p:extLst>
+              <p:ext uri="{386F3935-93C4-4BCD-93E2-E3B085C9AB24}">
+                <p16:designElem xmlns:p16="http://schemas.microsoft.com/office/powerpoint/2015/main" val="1"/>
+              </p:ext>
+            </p:extLst>
+          </p:nvPr>
+        </p:nvSpPr>
+        <p:spPr bwMode="ltGray">
+          <a:xfrm>
+            <a:off x="336884" y="321177"/>
+            <a:ext cx="4332307" cy="6179552"/>
+          </a:xfrm>
+          <a:prstGeom prst="rect">
+            <a:avLst/>
+          </a:prstGeom>
+          <a:solidFill>
+            <a:schemeClr val="tx1">
+              <a:lumMod val="75000"/>
+              <a:lumOff val="25000"/>
+            </a:schemeClr>
+          </a:solidFill>
+          <a:ln w="127000" cap="sq" cmpd="thinThick">
+            <a:solidFill>
+              <a:schemeClr val="tx1">
+                <a:lumMod val="75000"/>
+                <a:lumOff val="25000"/>
+              </a:schemeClr>
+            </a:solidFill>
+          </a:ln>
+        </p:spPr>
+        <p:style>
+          <a:lnRef idx="2">
+            <a:schemeClr val="accent1">
+              <a:shade val="50000"/>
+            </a:schemeClr>
+          </a:lnRef>
+          <a:fillRef idx="1">
+            <a:schemeClr val="accent1"/>
+          </a:fillRef>
+          <a:effectRef idx="0">
+            <a:schemeClr val="accent1"/>
+          </a:effectRef>
+          <a:fontRef idx="minor">
+            <a:schemeClr val="lt1"/>
+          </a:fontRef>
+        </p:style>
+        <p:txBody>
+          <a:bodyPr rtlCol="0" anchor="ctr"/>
+          <a:lstStyle/>
+          <a:p>
+            <a:pPr algn="ctr"/>
+            <a:endParaRPr lang="en-US"/>
+          </a:p>
+        </p:txBody>
+      </p:sp>
+      <p:cxnSp>
+        <p:nvCxnSpPr>
+          <p:cNvPr id="73" name="Straight Connector 72">
+            <a:extLst>
+              <a:ext uri="{FF2B5EF4-FFF2-40B4-BE49-F238E27FC236}">
+                <a16:creationId xmlns:a16="http://schemas.microsoft.com/office/drawing/2014/main" id="{38FB9660-F42F-4313-BBC4-47C007FE484C}"/>
+              </a:ext>
+            </a:extLst>
+          </p:cNvPr>
+          <p:cNvCxnSpPr>
+            <a:cxnSpLocks noGrp="1" noRot="1" noChangeAspect="1" noMove="1" noResize="1" noEditPoints="1" noAdjustHandles="1" noChangeArrowheads="1" noChangeShapeType="1"/>
+          </p:cNvCxnSpPr>
+          <p:nvPr>
+            <p:extLst>
+              <p:ext uri="{386F3935-93C4-4BCD-93E2-E3B085C9AB24}">
+                <p16:designElem xmlns:p16="http://schemas.microsoft.com/office/powerpoint/2015/main" val="1"/>
+              </p:ext>
+            </p:extLst>
+          </p:nvPr>
+        </p:nvCxnSpPr>
+        <p:spPr>
+          <a:xfrm>
+            <a:off x="1191126" y="3910267"/>
+            <a:ext cx="2586790" cy="0"/>
+          </a:xfrm>
+          <a:prstGeom prst="line">
+            <a:avLst/>
+          </a:prstGeom>
+          <a:ln w="22225">
+            <a:solidFill>
+              <a:schemeClr val="bg1">
+                <a:lumMod val="85000"/>
+              </a:schemeClr>
+            </a:solidFill>
+          </a:ln>
+        </p:spPr>
+        <p:style>
+          <a:lnRef idx="1">
+            <a:schemeClr val="accent1"/>
+          </a:lnRef>
+          <a:fillRef idx="0">
+            <a:schemeClr val="accent1"/>
+          </a:fillRef>
+          <a:effectRef idx="0">
+            <a:schemeClr val="accent1"/>
+          </a:effectRef>
+          <a:fontRef idx="minor">
+            <a:schemeClr val="tx1"/>
+          </a:fontRef>
+        </p:style>
+      </p:cxnSp>
+      <p:sp>
+        <p:nvSpPr>
+          <p:cNvPr id="5" name="Tekstiruutu 4">
+            <a:extLst>
+              <a:ext uri="{FF2B5EF4-FFF2-40B4-BE49-F238E27FC236}">
+                <a16:creationId xmlns:a16="http://schemas.microsoft.com/office/drawing/2014/main" id="{96513FD4-02A8-4B70-98A1-6EDA16999002}"/>
+              </a:ext>
+            </a:extLst>
+          </p:cNvPr>
+          <p:cNvSpPr txBox="1"/>
+          <p:nvPr/>
+        </p:nvSpPr>
+        <p:spPr>
+          <a:xfrm>
+            <a:off x="501997" y="914400"/>
+            <a:ext cx="4103583" cy="2918123"/>
+          </a:xfrm>
+          <a:prstGeom prst="rect">
+            <a:avLst/>
+          </a:prstGeom>
+        </p:spPr>
+        <p:txBody>
+          <a:bodyPr vert="horz" lIns="91440" tIns="45720" rIns="91440" bIns="45720" rtlCol="0" anchor="b">
+            <a:normAutofit/>
+          </a:bodyPr>
+          <a:lstStyle/>
+          <a:p>
+            <a:pPr algn="ctr">
+              <a:lnSpc>
+                <a:spcPct val="90000"/>
+              </a:lnSpc>
+              <a:spcBef>
+                <a:spcPct val="0"/>
+              </a:spcBef>
+              <a:spcAft>
+                <a:spcPts val="600"/>
+              </a:spcAft>
+            </a:pPr>
+            <a:r>
+              <a:rPr lang="en-US" sz="4800" kern="1200" dirty="0">
+                <a:solidFill>
+                  <a:schemeClr val="bg1"/>
+                </a:solidFill>
+                <a:latin typeface="+mj-lt"/>
+                <a:ea typeface="+mj-ea"/>
+                <a:cs typeface="+mj-cs"/>
+              </a:rPr>
+              <a:t>Previous Audit</a:t>
+            </a:r>
+          </a:p>
+        </p:txBody>
+      </p:sp>
+      <p:sp>
+        <p:nvSpPr>
+          <p:cNvPr id="2" name="Tekstiruutu 1">
+            <a:extLst>
+              <a:ext uri="{FF2B5EF4-FFF2-40B4-BE49-F238E27FC236}">
+                <a16:creationId xmlns:a16="http://schemas.microsoft.com/office/drawing/2014/main" id="{2351A849-7652-496A-8029-F9213A5D2FB4}"/>
+              </a:ext>
+            </a:extLst>
+          </p:cNvPr>
+          <p:cNvSpPr txBox="1"/>
+          <p:nvPr/>
+        </p:nvSpPr>
+        <p:spPr>
+          <a:xfrm>
+            <a:off x="5189516" y="415636"/>
+            <a:ext cx="6323611" cy="6247864"/>
+          </a:xfrm>
+          <a:prstGeom prst="rect">
+            <a:avLst/>
+          </a:prstGeom>
+          <a:noFill/>
+        </p:spPr>
+        <p:txBody>
+          <a:bodyPr wrap="square" rtlCol="0">
+            <a:spAutoFit/>
+          </a:bodyPr>
+          <a:lstStyle/>
+          <a:p>
+            <a:r>
+              <a:rPr lang="fi-FI" sz="1600" dirty="0"/>
+              <a:t>Open </a:t>
+            </a:r>
+            <a:r>
+              <a:rPr lang="fi-FI" sz="1600" dirty="0" err="1"/>
+              <a:t>questions</a:t>
+            </a:r>
+            <a:r>
+              <a:rPr lang="fi-FI" sz="1600" dirty="0"/>
+              <a:t>:</a:t>
+            </a:r>
+          </a:p>
+          <a:p>
+            <a:pPr marL="285750" indent="-285750">
+              <a:buFont typeface="Arial" panose="020B0604020202020204" pitchFamily="34" charset="0"/>
+              <a:buChar char="•"/>
+            </a:pPr>
+            <a:r>
+              <a:rPr lang="fi-FI" sz="1600" dirty="0" err="1"/>
+              <a:t>Role</a:t>
+            </a:r>
+            <a:r>
+              <a:rPr lang="fi-FI" sz="1600" dirty="0"/>
+              <a:t> of </a:t>
+            </a:r>
+            <a:r>
+              <a:rPr lang="fi-FI" sz="1600" dirty="0" err="1"/>
+              <a:t>classical</a:t>
+            </a:r>
+            <a:r>
+              <a:rPr lang="fi-FI" sz="1600" dirty="0"/>
+              <a:t> </a:t>
+            </a:r>
+            <a:r>
+              <a:rPr lang="fi-FI" sz="1600" dirty="0" err="1"/>
+              <a:t>object</a:t>
+            </a:r>
+            <a:r>
+              <a:rPr lang="fi-FI" sz="1600" dirty="0"/>
+              <a:t> </a:t>
+            </a:r>
+            <a:r>
+              <a:rPr lang="fi-FI" sz="1600" dirty="0" err="1"/>
+              <a:t>tracking</a:t>
+            </a:r>
+            <a:r>
+              <a:rPr lang="fi-FI" sz="1600" dirty="0"/>
+              <a:t> </a:t>
+            </a:r>
+            <a:r>
+              <a:rPr lang="fi-FI" sz="1600" dirty="0" err="1"/>
+              <a:t>alrorithms</a:t>
+            </a:r>
+            <a:r>
+              <a:rPr lang="fi-FI" sz="1600" dirty="0"/>
+              <a:t>?</a:t>
+            </a:r>
+          </a:p>
+          <a:p>
+            <a:pPr marL="285750" indent="-285750">
+              <a:buFont typeface="Arial" panose="020B0604020202020204" pitchFamily="34" charset="0"/>
+              <a:buChar char="•"/>
+            </a:pPr>
+            <a:r>
+              <a:rPr lang="fi-FI" sz="1600" dirty="0" err="1"/>
+              <a:t>What</a:t>
+            </a:r>
+            <a:r>
+              <a:rPr lang="fi-FI" sz="1600" dirty="0"/>
+              <a:t> to </a:t>
+            </a:r>
+            <a:r>
+              <a:rPr lang="fi-FI" sz="1600" dirty="0" err="1"/>
+              <a:t>do</a:t>
+            </a:r>
+            <a:r>
+              <a:rPr lang="fi-FI" sz="1600" dirty="0"/>
+              <a:t> </a:t>
+            </a:r>
+            <a:r>
+              <a:rPr lang="fi-FI" sz="1600" dirty="0" err="1"/>
+              <a:t>with</a:t>
+            </a:r>
+            <a:r>
+              <a:rPr lang="fi-FI" sz="1600" dirty="0"/>
+              <a:t> </a:t>
+            </a:r>
+            <a:r>
+              <a:rPr lang="fi-FI" sz="1600" dirty="0" err="1"/>
+              <a:t>multiple</a:t>
+            </a:r>
+            <a:r>
+              <a:rPr lang="fi-FI" sz="1600" dirty="0"/>
+              <a:t> </a:t>
+            </a:r>
+            <a:r>
+              <a:rPr lang="fi-FI" sz="1600" dirty="0" err="1"/>
+              <a:t>bounding</a:t>
+            </a:r>
+            <a:r>
+              <a:rPr lang="fi-FI" sz="1600" dirty="0"/>
+              <a:t> </a:t>
+            </a:r>
+            <a:r>
+              <a:rPr lang="fi-FI" sz="1600" dirty="0" err="1"/>
+              <a:t>boxes</a:t>
+            </a:r>
+            <a:r>
+              <a:rPr lang="fi-FI" sz="1600" dirty="0"/>
+              <a:t> </a:t>
+            </a:r>
+            <a:r>
+              <a:rPr lang="fi-FI" sz="1600" dirty="0" err="1"/>
+              <a:t>around</a:t>
+            </a:r>
+            <a:r>
+              <a:rPr lang="fi-FI" sz="1600" dirty="0"/>
+              <a:t> </a:t>
+            </a:r>
+            <a:r>
+              <a:rPr lang="fi-FI" sz="1600" dirty="0" err="1"/>
+              <a:t>one</a:t>
+            </a:r>
+            <a:r>
+              <a:rPr lang="fi-FI" sz="1600" dirty="0"/>
+              <a:t> </a:t>
+            </a:r>
+            <a:r>
+              <a:rPr lang="fi-FI" sz="1600" dirty="0" err="1"/>
+              <a:t>object</a:t>
+            </a:r>
+            <a:r>
+              <a:rPr lang="fi-FI" sz="1600" dirty="0"/>
+              <a:t>?</a:t>
+            </a:r>
+          </a:p>
+          <a:p>
+            <a:pPr marL="285750" indent="-285750">
+              <a:buFont typeface="Arial" panose="020B0604020202020204" pitchFamily="34" charset="0"/>
+              <a:buChar char="•"/>
+            </a:pPr>
+            <a:r>
+              <a:rPr lang="fi-FI" sz="1600" dirty="0" err="1"/>
+              <a:t>Appropriate</a:t>
+            </a:r>
+            <a:r>
+              <a:rPr lang="fi-FI" sz="1600" dirty="0"/>
+              <a:t> </a:t>
+            </a:r>
+            <a:r>
+              <a:rPr lang="fi-FI" sz="1600" dirty="0" err="1"/>
+              <a:t>minimum</a:t>
+            </a:r>
+            <a:r>
+              <a:rPr lang="fi-FI" sz="1600" dirty="0"/>
+              <a:t> </a:t>
+            </a:r>
+            <a:r>
+              <a:rPr lang="fi-FI" sz="1600" dirty="0" err="1"/>
+              <a:t>confidence</a:t>
+            </a:r>
+            <a:r>
+              <a:rPr lang="fi-FI" sz="1600" dirty="0"/>
+              <a:t> </a:t>
+            </a:r>
+            <a:r>
+              <a:rPr lang="fi-FI" sz="1600" dirty="0" err="1"/>
+              <a:t>level</a:t>
+            </a:r>
+            <a:r>
+              <a:rPr lang="fi-FI" sz="1600" dirty="0"/>
+              <a:t>?</a:t>
+            </a:r>
+          </a:p>
+          <a:p>
+            <a:pPr marL="285750" indent="-285750">
+              <a:buFont typeface="Arial" panose="020B0604020202020204" pitchFamily="34" charset="0"/>
+              <a:buChar char="•"/>
+            </a:pPr>
+            <a:r>
+              <a:rPr lang="fi-FI" sz="1600" dirty="0" err="1"/>
+              <a:t>What</a:t>
+            </a:r>
+            <a:r>
+              <a:rPr lang="fi-FI" sz="1600" dirty="0"/>
+              <a:t> to </a:t>
+            </a:r>
+            <a:r>
+              <a:rPr lang="fi-FI" sz="1600" dirty="0" err="1"/>
+              <a:t>do</a:t>
+            </a:r>
+            <a:r>
+              <a:rPr lang="fi-FI" sz="1600" dirty="0"/>
+              <a:t> </a:t>
+            </a:r>
+            <a:r>
+              <a:rPr lang="fi-FI" sz="1600" dirty="0" err="1"/>
+              <a:t>with</a:t>
+            </a:r>
+            <a:r>
+              <a:rPr lang="fi-FI" sz="1600" dirty="0"/>
+              <a:t> </a:t>
+            </a:r>
+            <a:r>
+              <a:rPr lang="fi-FI" sz="1600" dirty="0" err="1"/>
+              <a:t>false</a:t>
+            </a:r>
+            <a:r>
+              <a:rPr lang="fi-FI" sz="1600" dirty="0"/>
+              <a:t> </a:t>
+            </a:r>
+            <a:r>
+              <a:rPr lang="fi-FI" sz="1600" dirty="0" err="1"/>
+              <a:t>detections</a:t>
+            </a:r>
+            <a:r>
+              <a:rPr lang="fi-FI" sz="1600" dirty="0"/>
+              <a:t> inside </a:t>
+            </a:r>
+            <a:r>
+              <a:rPr lang="fi-FI" sz="1600" dirty="0" err="1"/>
+              <a:t>other</a:t>
+            </a:r>
+            <a:r>
+              <a:rPr lang="fi-FI" sz="1600" dirty="0"/>
+              <a:t> </a:t>
+            </a:r>
+            <a:r>
+              <a:rPr lang="fi-FI" sz="1600" dirty="0" err="1"/>
+              <a:t>objects</a:t>
+            </a:r>
+            <a:r>
+              <a:rPr lang="fi-FI" sz="1600" dirty="0"/>
+              <a:t>?</a:t>
+            </a:r>
+          </a:p>
+          <a:p>
+            <a:pPr marL="285750" indent="-285750">
+              <a:buFont typeface="Arial" panose="020B0604020202020204" pitchFamily="34" charset="0"/>
+              <a:buChar char="•"/>
+            </a:pPr>
+            <a:r>
+              <a:rPr lang="fi-FI" sz="1600" dirty="0" err="1"/>
+              <a:t>What</a:t>
+            </a:r>
+            <a:r>
+              <a:rPr lang="fi-FI" sz="1600" dirty="0"/>
+              <a:t> to </a:t>
+            </a:r>
+            <a:r>
+              <a:rPr lang="fi-FI" sz="1600" dirty="0" err="1"/>
+              <a:t>do</a:t>
+            </a:r>
+            <a:r>
+              <a:rPr lang="fi-FI" sz="1600" dirty="0"/>
+              <a:t> </a:t>
+            </a:r>
+            <a:r>
+              <a:rPr lang="fi-FI" sz="1600" dirty="0" err="1"/>
+              <a:t>with</a:t>
+            </a:r>
+            <a:r>
+              <a:rPr lang="fi-FI" sz="1600" dirty="0"/>
+              <a:t> </a:t>
+            </a:r>
+            <a:r>
+              <a:rPr lang="fi-FI" sz="1600" dirty="0" err="1"/>
+              <a:t>false</a:t>
+            </a:r>
+            <a:r>
+              <a:rPr lang="fi-FI" sz="1600" dirty="0"/>
+              <a:t> </a:t>
+            </a:r>
+            <a:r>
+              <a:rPr lang="fi-FI" sz="1600" dirty="0" err="1"/>
+              <a:t>detections</a:t>
+            </a:r>
+            <a:r>
+              <a:rPr lang="fi-FI" sz="1600" dirty="0"/>
+              <a:t> </a:t>
+            </a:r>
+            <a:r>
+              <a:rPr lang="fi-FI" sz="1600" dirty="0" err="1"/>
+              <a:t>from</a:t>
+            </a:r>
+            <a:r>
+              <a:rPr lang="fi-FI" sz="1600" dirty="0"/>
+              <a:t> </a:t>
+            </a:r>
+            <a:r>
+              <a:rPr lang="fi-FI" sz="1600" dirty="0" err="1"/>
+              <a:t>the</a:t>
+            </a:r>
+            <a:r>
+              <a:rPr lang="fi-FI" sz="1600" dirty="0"/>
+              <a:t> </a:t>
+            </a:r>
+            <a:r>
+              <a:rPr lang="fi-FI" sz="1600" dirty="0" err="1"/>
+              <a:t>background</a:t>
+            </a:r>
+            <a:r>
+              <a:rPr lang="fi-FI" sz="1600" dirty="0"/>
+              <a:t>?</a:t>
+            </a:r>
+          </a:p>
+          <a:p>
+            <a:pPr marL="285750" indent="-285750">
+              <a:buFont typeface="Arial" panose="020B0604020202020204" pitchFamily="34" charset="0"/>
+              <a:buChar char="•"/>
+            </a:pPr>
+            <a:r>
+              <a:rPr lang="fi-FI" sz="1600" dirty="0"/>
+              <a:t>How to set Kalman </a:t>
+            </a:r>
+            <a:r>
+              <a:rPr lang="fi-FI" sz="1600" dirty="0" err="1"/>
+              <a:t>filter</a:t>
+            </a:r>
+            <a:r>
+              <a:rPr lang="fi-FI" sz="1600" dirty="0"/>
+              <a:t> </a:t>
+            </a:r>
+            <a:r>
+              <a:rPr lang="fi-FI" sz="1600" dirty="0" err="1"/>
+              <a:t>parameters</a:t>
+            </a:r>
+            <a:r>
+              <a:rPr lang="fi-FI" sz="1600" dirty="0"/>
+              <a:t> for image </a:t>
+            </a:r>
+            <a:r>
+              <a:rPr lang="fi-FI" sz="1600" dirty="0" err="1"/>
+              <a:t>object</a:t>
+            </a:r>
+            <a:r>
+              <a:rPr lang="fi-FI" sz="1600" dirty="0"/>
+              <a:t> </a:t>
+            </a:r>
+            <a:r>
+              <a:rPr lang="fi-FI" sz="1600" dirty="0" err="1"/>
+              <a:t>filtering</a:t>
+            </a:r>
+            <a:r>
+              <a:rPr lang="fi-FI" sz="1600" dirty="0"/>
+              <a:t>?</a:t>
+            </a:r>
+          </a:p>
+          <a:p>
+            <a:pPr marL="285750" indent="-285750">
+              <a:buFont typeface="Arial" panose="020B0604020202020204" pitchFamily="34" charset="0"/>
+              <a:buChar char="•"/>
+            </a:pPr>
+            <a:r>
+              <a:rPr lang="fi-FI" sz="1600" dirty="0" err="1"/>
+              <a:t>Hungarian</a:t>
+            </a:r>
+            <a:r>
+              <a:rPr lang="fi-FI" sz="1600" dirty="0"/>
+              <a:t> </a:t>
+            </a:r>
+            <a:r>
+              <a:rPr lang="fi-FI" sz="1600" dirty="0" err="1"/>
+              <a:t>algorithms</a:t>
+            </a:r>
+            <a:r>
+              <a:rPr lang="fi-FI" sz="1600" dirty="0"/>
+              <a:t> </a:t>
+            </a:r>
+            <a:r>
+              <a:rPr lang="fi-FI" sz="1600" dirty="0" err="1"/>
+              <a:t>special</a:t>
+            </a:r>
+            <a:r>
+              <a:rPr lang="fi-FI" sz="1600" dirty="0"/>
+              <a:t> case for </a:t>
+            </a:r>
+            <a:r>
+              <a:rPr lang="fi-FI" sz="1600" dirty="0" err="1"/>
+              <a:t>hidden</a:t>
+            </a:r>
+            <a:r>
+              <a:rPr lang="fi-FI" sz="1600" dirty="0"/>
+              <a:t> </a:t>
+            </a:r>
+            <a:r>
+              <a:rPr lang="fi-FI" sz="1600" dirty="0" err="1"/>
+              <a:t>objects</a:t>
+            </a:r>
+            <a:endParaRPr lang="fi-FI" sz="1600" dirty="0"/>
+          </a:p>
+          <a:p>
+            <a:endParaRPr lang="fi-FI" sz="1600" dirty="0"/>
+          </a:p>
+          <a:p>
+            <a:r>
+              <a:rPr lang="fi-FI" sz="1600" dirty="0"/>
+              <a:t>To </a:t>
+            </a:r>
+            <a:r>
+              <a:rPr lang="fi-FI" sz="1600" dirty="0" err="1"/>
+              <a:t>do</a:t>
+            </a:r>
+            <a:r>
+              <a:rPr lang="fi-FI" sz="1600" dirty="0"/>
+              <a:t>:</a:t>
+            </a:r>
+          </a:p>
+          <a:p>
+            <a:pPr marL="285750" indent="-285750">
+              <a:buFont typeface="Arial" panose="020B0604020202020204" pitchFamily="34" charset="0"/>
+              <a:buChar char="•"/>
+            </a:pPr>
+            <a:r>
+              <a:rPr lang="fi-FI" sz="1600" dirty="0" err="1"/>
+              <a:t>Close</a:t>
+            </a:r>
+            <a:r>
+              <a:rPr lang="fi-FI" sz="1600" dirty="0"/>
+              <a:t> open </a:t>
+            </a:r>
+            <a:r>
+              <a:rPr lang="fi-FI" sz="1600" dirty="0" err="1"/>
+              <a:t>questions</a:t>
+            </a:r>
+            <a:endParaRPr lang="fi-FI" sz="1600" dirty="0"/>
+          </a:p>
+          <a:p>
+            <a:pPr marL="285750" indent="-285750">
+              <a:buFont typeface="Arial" panose="020B0604020202020204" pitchFamily="34" charset="0"/>
+              <a:buChar char="•"/>
+            </a:pPr>
+            <a:r>
+              <a:rPr lang="fi-FI" sz="1600" dirty="0"/>
+              <a:t>Image </a:t>
+            </a:r>
+            <a:r>
+              <a:rPr lang="fi-FI" sz="1600" dirty="0" err="1"/>
+              <a:t>object</a:t>
+            </a:r>
+            <a:r>
+              <a:rPr lang="fi-FI" sz="1600" dirty="0"/>
+              <a:t> status</a:t>
+            </a:r>
+          </a:p>
+          <a:p>
+            <a:pPr marL="285750" indent="-285750">
+              <a:buFont typeface="Arial" panose="020B0604020202020204" pitchFamily="34" charset="0"/>
+              <a:buChar char="•"/>
+            </a:pPr>
+            <a:r>
+              <a:rPr lang="fi-FI" sz="1600" dirty="0"/>
+              <a:t>Image </a:t>
+            </a:r>
+            <a:r>
+              <a:rPr lang="fi-FI" sz="1600" dirty="0" err="1"/>
+              <a:t>object</a:t>
+            </a:r>
+            <a:r>
+              <a:rPr lang="fi-FI" sz="1600" dirty="0"/>
+              <a:t> </a:t>
+            </a:r>
+            <a:r>
+              <a:rPr lang="fi-FI" sz="1600" dirty="0" err="1"/>
+              <a:t>velocity</a:t>
+            </a:r>
+            <a:r>
+              <a:rPr lang="fi-FI" sz="1600" dirty="0"/>
+              <a:t> </a:t>
+            </a:r>
+            <a:r>
+              <a:rPr lang="fi-FI" sz="1600" dirty="0" err="1"/>
+              <a:t>estimation</a:t>
+            </a:r>
+            <a:endParaRPr lang="fi-FI" sz="1600" dirty="0"/>
+          </a:p>
+          <a:p>
+            <a:pPr marL="285750" indent="-285750">
+              <a:buFont typeface="Arial" panose="020B0604020202020204" pitchFamily="34" charset="0"/>
+              <a:buChar char="•"/>
+            </a:pPr>
+            <a:r>
+              <a:rPr lang="fi-FI" sz="1600" dirty="0" err="1"/>
+              <a:t>Probabilistic</a:t>
+            </a:r>
+            <a:r>
+              <a:rPr lang="fi-FI" sz="1600" dirty="0"/>
+              <a:t> </a:t>
+            </a:r>
+            <a:r>
+              <a:rPr lang="fi-FI" sz="1600" dirty="0" err="1"/>
+              <a:t>approach</a:t>
+            </a:r>
+            <a:r>
+              <a:rPr lang="fi-FI" sz="1600" dirty="0"/>
+              <a:t> for </a:t>
+            </a:r>
+            <a:r>
+              <a:rPr lang="fi-FI" sz="1600" dirty="0" err="1"/>
+              <a:t>matching</a:t>
+            </a:r>
+            <a:r>
+              <a:rPr lang="fi-FI" sz="1600" dirty="0"/>
+              <a:t> </a:t>
+            </a:r>
+            <a:r>
+              <a:rPr lang="fi-FI" sz="1600" dirty="0" err="1"/>
+              <a:t>detected</a:t>
+            </a:r>
+            <a:r>
+              <a:rPr lang="fi-FI" sz="1600" dirty="0"/>
+              <a:t> and image </a:t>
+            </a:r>
+            <a:r>
+              <a:rPr lang="fi-FI" sz="1600" dirty="0" err="1"/>
+              <a:t>objects</a:t>
+            </a:r>
+            <a:endParaRPr lang="fi-FI" sz="1600" dirty="0"/>
+          </a:p>
+          <a:p>
+            <a:pPr marL="285750" indent="-285750">
+              <a:buFont typeface="Arial" panose="020B0604020202020204" pitchFamily="34" charset="0"/>
+              <a:buChar char="•"/>
+            </a:pPr>
+            <a:r>
+              <a:rPr lang="fi-FI" sz="1600" dirty="0"/>
+              <a:t>2d -&gt; 3d </a:t>
+            </a:r>
+            <a:r>
+              <a:rPr lang="fi-FI" sz="1600" dirty="0" err="1"/>
+              <a:t>transformation</a:t>
+            </a:r>
+            <a:endParaRPr lang="fi-FI" sz="1600" dirty="0"/>
+          </a:p>
+          <a:p>
+            <a:pPr marL="285750" indent="-285750">
+              <a:buFont typeface="Arial" panose="020B0604020202020204" pitchFamily="34" charset="0"/>
+              <a:buChar char="•"/>
+            </a:pPr>
+            <a:r>
+              <a:rPr lang="fi-FI" sz="1600" dirty="0"/>
+              <a:t>World </a:t>
+            </a:r>
+            <a:r>
+              <a:rPr lang="fi-FI" sz="1600" dirty="0" err="1"/>
+              <a:t>object</a:t>
+            </a:r>
+            <a:r>
+              <a:rPr lang="fi-FI" sz="1600" dirty="0"/>
+              <a:t> </a:t>
+            </a:r>
+            <a:r>
+              <a:rPr lang="fi-FI" sz="1600" dirty="0" err="1"/>
+              <a:t>state</a:t>
+            </a:r>
+            <a:r>
+              <a:rPr lang="fi-FI" sz="1600" dirty="0"/>
+              <a:t> </a:t>
+            </a:r>
+            <a:r>
+              <a:rPr lang="fi-FI" sz="1600" dirty="0" err="1"/>
+              <a:t>estimation</a:t>
+            </a:r>
+            <a:endParaRPr lang="fi-FI" sz="1600" dirty="0"/>
+          </a:p>
+          <a:p>
+            <a:pPr marL="285750" indent="-285750">
+              <a:buFont typeface="Arial" panose="020B0604020202020204" pitchFamily="34" charset="0"/>
+              <a:buChar char="•"/>
+            </a:pPr>
+            <a:endParaRPr lang="fi-FI" sz="1600" dirty="0"/>
+          </a:p>
+          <a:p>
+            <a:r>
+              <a:rPr lang="fi-FI" sz="1600" dirty="0" err="1"/>
+              <a:t>Other</a:t>
+            </a:r>
+            <a:r>
+              <a:rPr lang="fi-FI" sz="1600" dirty="0"/>
+              <a:t>:</a:t>
+            </a:r>
+          </a:p>
+          <a:p>
+            <a:pPr marL="285750" indent="-285750">
+              <a:buFont typeface="Arial" panose="020B0604020202020204" pitchFamily="34" charset="0"/>
+              <a:buChar char="•"/>
+            </a:pPr>
+            <a:r>
+              <a:rPr lang="fi-FI" sz="1600" dirty="0" err="1"/>
+              <a:t>Semantic</a:t>
+            </a:r>
+            <a:r>
+              <a:rPr lang="fi-FI" sz="1600" dirty="0"/>
+              <a:t> </a:t>
+            </a:r>
+            <a:r>
+              <a:rPr lang="fi-FI" sz="1600" dirty="0" err="1"/>
+              <a:t>segmentation</a:t>
+            </a:r>
+            <a:endParaRPr lang="fi-FI" sz="1600" dirty="0"/>
+          </a:p>
+          <a:p>
+            <a:pPr marL="285750" indent="-285750">
+              <a:buFont typeface="Arial" panose="020B0604020202020204" pitchFamily="34" charset="0"/>
+              <a:buChar char="•"/>
+            </a:pPr>
+            <a:r>
+              <a:rPr lang="fi-FI" sz="1600" dirty="0" err="1"/>
+              <a:t>Organisations</a:t>
+            </a:r>
+            <a:r>
+              <a:rPr lang="fi-FI" sz="1600" dirty="0"/>
+              <a:t> to </a:t>
+            </a:r>
+            <a:r>
+              <a:rPr lang="fi-FI" sz="1600" dirty="0" err="1"/>
+              <a:t>follow</a:t>
+            </a:r>
+            <a:r>
+              <a:rPr lang="fi-FI" sz="1600" dirty="0"/>
+              <a:t>: ICCV, ICRA, NIPS, IROS, </a:t>
+            </a:r>
+            <a:r>
+              <a:rPr lang="fi-FI" sz="1600" dirty="0" err="1"/>
+              <a:t>arXiv</a:t>
+            </a:r>
+            <a:endParaRPr lang="fi-FI" sz="1600" dirty="0"/>
+          </a:p>
+          <a:p>
+            <a:pPr marL="285750" indent="-285750">
+              <a:buFont typeface="Arial" panose="020B0604020202020204" pitchFamily="34" charset="0"/>
+              <a:buChar char="•"/>
+            </a:pPr>
+            <a:r>
+              <a:rPr lang="fi-FI" sz="1600" dirty="0" err="1"/>
+              <a:t>Camera</a:t>
+            </a:r>
+            <a:r>
+              <a:rPr lang="fi-FI" sz="1600" dirty="0"/>
+              <a:t> </a:t>
+            </a:r>
+            <a:r>
+              <a:rPr lang="fi-FI" sz="1600" dirty="0" err="1"/>
+              <a:t>motion</a:t>
+            </a:r>
+            <a:r>
+              <a:rPr lang="fi-FI" sz="1600" dirty="0"/>
+              <a:t> (</a:t>
+            </a:r>
+            <a:r>
+              <a:rPr lang="fi-FI" sz="1600" dirty="0" err="1"/>
+              <a:t>yaw</a:t>
+            </a:r>
+            <a:r>
+              <a:rPr lang="fi-FI" sz="1600" dirty="0"/>
+              <a:t>, </a:t>
+            </a:r>
+            <a:r>
+              <a:rPr lang="fi-FI" sz="1600" dirty="0" err="1"/>
+              <a:t>pitch</a:t>
+            </a:r>
+            <a:r>
+              <a:rPr lang="fi-FI" sz="1600" dirty="0"/>
+              <a:t>)</a:t>
+            </a:r>
+          </a:p>
+          <a:p>
+            <a:pPr marL="285750" indent="-285750">
+              <a:buFont typeface="Arial" panose="020B0604020202020204" pitchFamily="34" charset="0"/>
+              <a:buChar char="•"/>
+            </a:pPr>
+            <a:r>
+              <a:rPr lang="fi-FI" sz="1600" dirty="0"/>
+              <a:t>Grid </a:t>
+            </a:r>
+            <a:r>
+              <a:rPr lang="fi-FI" sz="1600" dirty="0" err="1"/>
+              <a:t>or</a:t>
+            </a:r>
+            <a:r>
+              <a:rPr lang="fi-FI" sz="1600" dirty="0"/>
+              <a:t> </a:t>
+            </a:r>
+            <a:r>
+              <a:rPr lang="fi-FI" sz="1600" dirty="0" err="1"/>
+              <a:t>continuos</a:t>
+            </a:r>
+            <a:r>
+              <a:rPr lang="fi-FI" sz="1600" dirty="0"/>
+              <a:t> </a:t>
+            </a:r>
+            <a:r>
+              <a:rPr lang="fi-FI" sz="1600" dirty="0" err="1"/>
+              <a:t>presentation</a:t>
+            </a:r>
+            <a:r>
+              <a:rPr lang="fi-FI" sz="1600" dirty="0"/>
+              <a:t>?</a:t>
+            </a:r>
+          </a:p>
+          <a:p>
+            <a:pPr marL="285750" indent="-285750">
+              <a:buFont typeface="Arial" panose="020B0604020202020204" pitchFamily="34" charset="0"/>
+              <a:buChar char="•"/>
+            </a:pPr>
+            <a:r>
+              <a:rPr lang="fi-FI" sz="1600" dirty="0"/>
+              <a:t>Class </a:t>
+            </a:r>
+            <a:r>
+              <a:rPr lang="fi-FI" sz="1600" dirty="0" err="1"/>
+              <a:t>specific</a:t>
+            </a:r>
+            <a:r>
+              <a:rPr lang="fi-FI" sz="1600" dirty="0"/>
+              <a:t>  </a:t>
+            </a:r>
+            <a:r>
+              <a:rPr lang="fi-FI" sz="1600" dirty="0" err="1"/>
+              <a:t>attributes</a:t>
+            </a:r>
+            <a:endParaRPr lang="fi-FI" sz="1600" dirty="0"/>
+          </a:p>
+          <a:p>
+            <a:pPr marL="285750" indent="-285750">
+              <a:buFont typeface="Arial" panose="020B0604020202020204" pitchFamily="34" charset="0"/>
+              <a:buChar char="•"/>
+            </a:pPr>
+            <a:r>
+              <a:rPr lang="fi-FI" sz="1600" dirty="0"/>
+              <a:t>Object </a:t>
+            </a:r>
+            <a:r>
+              <a:rPr lang="fi-FI" sz="1600" dirty="0" err="1"/>
+              <a:t>history</a:t>
+            </a:r>
+            <a:endParaRPr lang="fi-FI" sz="1600" dirty="0"/>
+          </a:p>
+          <a:p>
+            <a:pPr marL="285750" indent="-285750">
+              <a:buFont typeface="Arial" panose="020B0604020202020204" pitchFamily="34" charset="0"/>
+              <a:buChar char="•"/>
+            </a:pPr>
+            <a:endParaRPr lang="en-GB" sz="1600" dirty="0"/>
+          </a:p>
+        </p:txBody>
+      </p:sp>
+    </p:spTree>
+    <p:extLst>
+      <p:ext uri="{BB962C8B-B14F-4D97-AF65-F5344CB8AC3E}">
+        <p14:creationId xmlns:p14="http://schemas.microsoft.com/office/powerpoint/2010/main" val="3763392121"/>
+      </p:ext>
+    </p:extLst>
+  </p:cSld>
+  <p:clrMapOvr>
+    <a:masterClrMapping/>
+  </p:clrMapOvr>
+</p:sld>
+</file>
+
+<file path=ppt/slides/slide30.xml><?xml version="1.0" encoding="utf-8"?>
+<p:sld xmlns:a="http://schemas.openxmlformats.org/drawingml/2006/main" xmlns:r="http://schemas.openxmlformats.org/officeDocument/2006/relationships" xmlns:p="http://schemas.openxmlformats.org/presentationml/2006/main">
+  <p:cSld>
+    <p:bg>
+      <p:bgPr>
+        <a:solidFill>
+          <a:schemeClr val="bg1"/>
+        </a:solidFill>
+        <a:effectLst/>
+      </p:bgPr>
+    </p:bg>
+    <p:spTree>
+      <p:nvGrpSpPr>
+        <p:cNvPr id="1" name=""/>
+        <p:cNvGrpSpPr/>
+        <p:nvPr/>
+      </p:nvGrpSpPr>
+      <p:grpSpPr>
+        <a:xfrm>
+          <a:off x="0" y="0"/>
+          <a:ext cx="0" cy="0"/>
+          <a:chOff x="0" y="0"/>
+          <a:chExt cx="0" cy="0"/>
+        </a:xfrm>
+      </p:grpSpPr>
+      <p:sp>
+        <p:nvSpPr>
+          <p:cNvPr id="71" name="Rectangle 70">
+            <a:extLst>
+              <a:ext uri="{FF2B5EF4-FFF2-40B4-BE49-F238E27FC236}">
+                <a16:creationId xmlns:a16="http://schemas.microsoft.com/office/drawing/2014/main" id="{AB45A142-4255-493C-8284-5D566C121B10}"/>
+              </a:ext>
+            </a:extLst>
+          </p:cNvPr>
+          <p:cNvSpPr>
+            <a:spLocks noGrp="1" noRot="1" noChangeAspect="1" noMove="1" noResize="1" noEditPoints="1" noAdjustHandles="1" noChangeArrowheads="1" noChangeShapeType="1" noTextEdit="1"/>
+          </p:cNvSpPr>
+          <p:nvPr>
+            <p:extLst>
+              <p:ext uri="{386F3935-93C4-4BCD-93E2-E3B085C9AB24}">
+                <p16:designElem xmlns:p16="http://schemas.microsoft.com/office/powerpoint/2015/main" val="1"/>
+              </p:ext>
+            </p:extLst>
+          </p:nvPr>
+        </p:nvSpPr>
+        <p:spPr bwMode="ltGray">
+          <a:xfrm>
+            <a:off x="336884" y="321177"/>
+            <a:ext cx="4332307" cy="6179552"/>
+          </a:xfrm>
+          <a:prstGeom prst="rect">
+            <a:avLst/>
+          </a:prstGeom>
+          <a:solidFill>
+            <a:schemeClr val="tx1">
+              <a:lumMod val="75000"/>
+              <a:lumOff val="25000"/>
+            </a:schemeClr>
+          </a:solidFill>
+          <a:ln w="127000" cap="sq" cmpd="thinThick">
+            <a:solidFill>
+              <a:schemeClr val="tx1">
+                <a:lumMod val="75000"/>
+                <a:lumOff val="25000"/>
+              </a:schemeClr>
+            </a:solidFill>
+          </a:ln>
+        </p:spPr>
+        <p:style>
+          <a:lnRef idx="2">
+            <a:schemeClr val="accent1">
+              <a:shade val="50000"/>
+            </a:schemeClr>
+          </a:lnRef>
+          <a:fillRef idx="1">
+            <a:schemeClr val="accent1"/>
+          </a:fillRef>
+          <a:effectRef idx="0">
+            <a:schemeClr val="accent1"/>
+          </a:effectRef>
+          <a:fontRef idx="minor">
+            <a:schemeClr val="lt1"/>
+          </a:fontRef>
+        </p:style>
+        <p:txBody>
+          <a:bodyPr rtlCol="0" anchor="ctr"/>
+          <a:lstStyle/>
+          <a:p>
+            <a:pPr algn="ctr"/>
+            <a:endParaRPr lang="en-US"/>
+          </a:p>
+        </p:txBody>
+      </p:sp>
+      <p:cxnSp>
+        <p:nvCxnSpPr>
+          <p:cNvPr id="73" name="Straight Connector 72">
+            <a:extLst>
+              <a:ext uri="{FF2B5EF4-FFF2-40B4-BE49-F238E27FC236}">
+                <a16:creationId xmlns:a16="http://schemas.microsoft.com/office/drawing/2014/main" id="{38FB9660-F42F-4313-BBC4-47C007FE484C}"/>
+              </a:ext>
+            </a:extLst>
+          </p:cNvPr>
+          <p:cNvCxnSpPr>
+            <a:cxnSpLocks noGrp="1" noRot="1" noChangeAspect="1" noMove="1" noResize="1" noEditPoints="1" noAdjustHandles="1" noChangeArrowheads="1" noChangeShapeType="1"/>
+          </p:cNvCxnSpPr>
+          <p:nvPr>
+            <p:extLst>
+              <p:ext uri="{386F3935-93C4-4BCD-93E2-E3B085C9AB24}">
+                <p16:designElem xmlns:p16="http://schemas.microsoft.com/office/powerpoint/2015/main" val="1"/>
+              </p:ext>
+            </p:extLst>
+          </p:nvPr>
+        </p:nvCxnSpPr>
+        <p:spPr>
+          <a:xfrm>
+            <a:off x="1191126" y="3910267"/>
+            <a:ext cx="2586790" cy="0"/>
+          </a:xfrm>
+          <a:prstGeom prst="line">
+            <a:avLst/>
+          </a:prstGeom>
+          <a:ln w="22225">
+            <a:solidFill>
+              <a:schemeClr val="bg1">
+                <a:lumMod val="85000"/>
+              </a:schemeClr>
+            </a:solidFill>
+          </a:ln>
+        </p:spPr>
+        <p:style>
+          <a:lnRef idx="1">
+            <a:schemeClr val="accent1"/>
+          </a:lnRef>
+          <a:fillRef idx="0">
+            <a:schemeClr val="accent1"/>
+          </a:fillRef>
+          <a:effectRef idx="0">
+            <a:schemeClr val="accent1"/>
+          </a:effectRef>
+          <a:fontRef idx="minor">
+            <a:schemeClr val="tx1"/>
+          </a:fontRef>
+        </p:style>
+      </p:cxnSp>
+      <p:sp>
+        <p:nvSpPr>
+          <p:cNvPr id="5" name="Tekstiruutu 4">
+            <a:extLst>
+              <a:ext uri="{FF2B5EF4-FFF2-40B4-BE49-F238E27FC236}">
+                <a16:creationId xmlns:a16="http://schemas.microsoft.com/office/drawing/2014/main" id="{96513FD4-02A8-4B70-98A1-6EDA16999002}"/>
+              </a:ext>
+            </a:extLst>
+          </p:cNvPr>
+          <p:cNvSpPr txBox="1"/>
+          <p:nvPr/>
+        </p:nvSpPr>
+        <p:spPr>
+          <a:xfrm>
+            <a:off x="501997" y="914400"/>
+            <a:ext cx="4103583" cy="2918123"/>
+          </a:xfrm>
+          <a:prstGeom prst="rect">
+            <a:avLst/>
+          </a:prstGeom>
+        </p:spPr>
+        <p:txBody>
+          <a:bodyPr vert="horz" lIns="91440" tIns="45720" rIns="91440" bIns="45720" rtlCol="0" anchor="b">
+            <a:normAutofit/>
+          </a:bodyPr>
+          <a:lstStyle/>
+          <a:p>
+            <a:pPr algn="ctr">
+              <a:lnSpc>
+                <a:spcPct val="90000"/>
+              </a:lnSpc>
+              <a:spcBef>
+                <a:spcPct val="0"/>
+              </a:spcBef>
+              <a:spcAft>
+                <a:spcPts val="600"/>
+              </a:spcAft>
+            </a:pPr>
+            <a:r>
+              <a:rPr lang="en-US" sz="4800" dirty="0">
+                <a:solidFill>
+                  <a:schemeClr val="bg1"/>
+                </a:solidFill>
+                <a:latin typeface="+mj-lt"/>
+                <a:ea typeface="+mj-ea"/>
+                <a:cs typeface="+mj-cs"/>
+              </a:rPr>
+              <a:t>Map Presentation</a:t>
+            </a:r>
+            <a:endParaRPr lang="en-US" sz="4800" kern="1200" dirty="0">
+              <a:solidFill>
+                <a:schemeClr val="bg1"/>
+              </a:solidFill>
+              <a:latin typeface="+mj-lt"/>
+              <a:ea typeface="+mj-ea"/>
+              <a:cs typeface="+mj-cs"/>
+            </a:endParaRPr>
+          </a:p>
+        </p:txBody>
+      </p:sp>
+      <p:sp>
+        <p:nvSpPr>
+          <p:cNvPr id="2" name="Suorakulmio 1">
+            <a:extLst>
+              <a:ext uri="{FF2B5EF4-FFF2-40B4-BE49-F238E27FC236}">
+                <a16:creationId xmlns:a16="http://schemas.microsoft.com/office/drawing/2014/main" id="{13F807D7-280C-4F47-BCA7-CA0BB4D0C28C}"/>
+              </a:ext>
+            </a:extLst>
+          </p:cNvPr>
+          <p:cNvSpPr/>
+          <p:nvPr/>
+        </p:nvSpPr>
+        <p:spPr>
+          <a:xfrm>
+            <a:off x="5621796" y="638499"/>
+            <a:ext cx="3687271" cy="3495750"/>
+          </a:xfrm>
+          <a:prstGeom prst="rect">
+            <a:avLst/>
+          </a:prstGeom>
+          <a:solidFill>
+            <a:schemeClr val="accent1">
+              <a:lumMod val="20000"/>
+              <a:lumOff val="80000"/>
+            </a:schemeClr>
+          </a:solidFill>
+        </p:spPr>
+        <p:style>
+          <a:lnRef idx="2">
+            <a:schemeClr val="accent1">
+              <a:shade val="50000"/>
+            </a:schemeClr>
+          </a:lnRef>
+          <a:fillRef idx="1">
+            <a:schemeClr val="accent1"/>
+          </a:fillRef>
+          <a:effectRef idx="0">
+            <a:schemeClr val="accent1"/>
+          </a:effectRef>
+          <a:fontRef idx="minor">
+            <a:schemeClr val="lt1"/>
+          </a:fontRef>
+        </p:style>
+        <p:txBody>
+          <a:bodyPr rtlCol="0" anchor="ctr"/>
+          <a:lstStyle/>
+          <a:p>
+            <a:pPr algn="ctr"/>
+            <a:endParaRPr lang="en-GB" sz="1000" dirty="0">
+              <a:solidFill>
+                <a:schemeClr val="tx1"/>
+              </a:solidFill>
+            </a:endParaRPr>
+          </a:p>
+        </p:txBody>
+      </p:sp>
+      <p:cxnSp>
+        <p:nvCxnSpPr>
+          <p:cNvPr id="4" name="Suora nuoliyhdysviiva 3">
+            <a:extLst>
+              <a:ext uri="{FF2B5EF4-FFF2-40B4-BE49-F238E27FC236}">
+                <a16:creationId xmlns:a16="http://schemas.microsoft.com/office/drawing/2014/main" id="{CBE482D2-980D-49A7-820E-9A2CC021E301}"/>
+              </a:ext>
+            </a:extLst>
+          </p:cNvPr>
+          <p:cNvCxnSpPr>
+            <a:cxnSpLocks/>
+          </p:cNvCxnSpPr>
+          <p:nvPr/>
+        </p:nvCxnSpPr>
+        <p:spPr>
+          <a:xfrm>
+            <a:off x="7489862" y="2265770"/>
+            <a:ext cx="0" cy="2128205"/>
+          </a:xfrm>
+          <a:prstGeom prst="straightConnector1">
+            <a:avLst/>
+          </a:prstGeom>
+          <a:ln>
+            <a:solidFill>
+              <a:schemeClr val="tx1"/>
+            </a:solidFill>
+            <a:tailEnd type="triangle"/>
+          </a:ln>
+        </p:spPr>
+        <p:style>
+          <a:lnRef idx="1">
+            <a:schemeClr val="accent1"/>
+          </a:lnRef>
+          <a:fillRef idx="0">
+            <a:schemeClr val="accent1"/>
+          </a:fillRef>
+          <a:effectRef idx="0">
+            <a:schemeClr val="accent1"/>
+          </a:effectRef>
+          <a:fontRef idx="minor">
+            <a:schemeClr val="tx1"/>
+          </a:fontRef>
+        </p:style>
+      </p:cxnSp>
+      <p:cxnSp>
+        <p:nvCxnSpPr>
+          <p:cNvPr id="7" name="Suora nuoliyhdysviiva 6">
+            <a:extLst>
+              <a:ext uri="{FF2B5EF4-FFF2-40B4-BE49-F238E27FC236}">
+                <a16:creationId xmlns:a16="http://schemas.microsoft.com/office/drawing/2014/main" id="{4418CF40-3981-410C-ADA3-4197230E06E6}"/>
+              </a:ext>
+            </a:extLst>
+          </p:cNvPr>
+          <p:cNvCxnSpPr>
+            <a:cxnSpLocks/>
+          </p:cNvCxnSpPr>
+          <p:nvPr/>
+        </p:nvCxnSpPr>
+        <p:spPr>
+          <a:xfrm>
+            <a:off x="7489862" y="2273862"/>
+            <a:ext cx="2217218" cy="0"/>
+          </a:xfrm>
+          <a:prstGeom prst="straightConnector1">
+            <a:avLst/>
+          </a:prstGeom>
+          <a:ln>
+            <a:solidFill>
+              <a:schemeClr val="tx1"/>
+            </a:solidFill>
+            <a:tailEnd type="triangle"/>
+          </a:ln>
+        </p:spPr>
+        <p:style>
+          <a:lnRef idx="1">
+            <a:schemeClr val="accent1"/>
+          </a:lnRef>
+          <a:fillRef idx="0">
+            <a:schemeClr val="accent1"/>
+          </a:fillRef>
+          <a:effectRef idx="0">
+            <a:schemeClr val="accent1"/>
+          </a:effectRef>
+          <a:fontRef idx="minor">
+            <a:schemeClr val="tx1"/>
+          </a:fontRef>
+        </p:style>
+      </p:cxnSp>
+      <p:sp>
+        <p:nvSpPr>
+          <p:cNvPr id="15" name="Tekstiruutu 14">
+            <a:extLst>
+              <a:ext uri="{FF2B5EF4-FFF2-40B4-BE49-F238E27FC236}">
+                <a16:creationId xmlns:a16="http://schemas.microsoft.com/office/drawing/2014/main" id="{64ED1A36-9807-45F7-832D-57EA79E9692D}"/>
+              </a:ext>
+            </a:extLst>
+          </p:cNvPr>
+          <p:cNvSpPr txBox="1"/>
+          <p:nvPr/>
+        </p:nvSpPr>
+        <p:spPr>
+          <a:xfrm>
+            <a:off x="7547853" y="4270864"/>
+            <a:ext cx="235962" cy="246221"/>
+          </a:xfrm>
+          <a:prstGeom prst="rect">
+            <a:avLst/>
+          </a:prstGeom>
+          <a:noFill/>
+        </p:spPr>
+        <p:txBody>
+          <a:bodyPr wrap="none" rtlCol="0">
+            <a:spAutoFit/>
+          </a:bodyPr>
+          <a:lstStyle/>
+          <a:p>
+            <a:r>
+              <a:rPr lang="fi-FI" sz="1000" dirty="0"/>
+              <a:t>z</a:t>
+            </a:r>
+            <a:endParaRPr lang="en-GB" sz="1000" dirty="0"/>
+          </a:p>
+        </p:txBody>
+      </p:sp>
+      <p:sp>
+        <p:nvSpPr>
+          <p:cNvPr id="16" name="Tekstiruutu 15">
+            <a:extLst>
+              <a:ext uri="{FF2B5EF4-FFF2-40B4-BE49-F238E27FC236}">
+                <a16:creationId xmlns:a16="http://schemas.microsoft.com/office/drawing/2014/main" id="{F59CF272-4753-4DA3-90E4-8DA50840D965}"/>
+              </a:ext>
+            </a:extLst>
+          </p:cNvPr>
+          <p:cNvSpPr txBox="1"/>
+          <p:nvPr/>
+        </p:nvSpPr>
+        <p:spPr>
+          <a:xfrm>
+            <a:off x="9836222" y="2273862"/>
+            <a:ext cx="240772" cy="246221"/>
+          </a:xfrm>
+          <a:prstGeom prst="rect">
+            <a:avLst/>
+          </a:prstGeom>
+          <a:noFill/>
+        </p:spPr>
+        <p:txBody>
+          <a:bodyPr wrap="none" rtlCol="0">
+            <a:spAutoFit/>
+          </a:bodyPr>
+          <a:lstStyle/>
+          <a:p>
+            <a:r>
+              <a:rPr lang="fi-FI" sz="1000" dirty="0"/>
+              <a:t>x</a:t>
+            </a:r>
+            <a:endParaRPr lang="en-GB" sz="1000" dirty="0"/>
+          </a:p>
+        </p:txBody>
+      </p:sp>
+      <p:sp>
+        <p:nvSpPr>
+          <p:cNvPr id="17" name="Tekstiruutu 16">
+            <a:extLst>
+              <a:ext uri="{FF2B5EF4-FFF2-40B4-BE49-F238E27FC236}">
+                <a16:creationId xmlns:a16="http://schemas.microsoft.com/office/drawing/2014/main" id="{CAE9A6BD-415E-4138-9CC7-A5EA270DF69C}"/>
+              </a:ext>
+            </a:extLst>
+          </p:cNvPr>
+          <p:cNvSpPr txBox="1"/>
+          <p:nvPr/>
+        </p:nvSpPr>
+        <p:spPr>
+          <a:xfrm>
+            <a:off x="6677410" y="192921"/>
+            <a:ext cx="1252266" cy="246221"/>
+          </a:xfrm>
+          <a:prstGeom prst="rect">
+            <a:avLst/>
+          </a:prstGeom>
+          <a:noFill/>
+        </p:spPr>
+        <p:txBody>
+          <a:bodyPr wrap="none" rtlCol="0">
+            <a:spAutoFit/>
+          </a:bodyPr>
+          <a:lstStyle/>
+          <a:p>
+            <a:r>
+              <a:rPr lang="fi-FI" sz="1000" dirty="0"/>
+              <a:t>image x - </a:t>
+            </a:r>
+            <a:r>
+              <a:rPr lang="fi-FI" sz="1000" dirty="0" err="1"/>
+              <a:t>coordinate</a:t>
+            </a:r>
+            <a:endParaRPr lang="en-GB" sz="1000" dirty="0"/>
+          </a:p>
+        </p:txBody>
+      </p:sp>
+      <p:sp>
+        <p:nvSpPr>
+          <p:cNvPr id="18" name="Tekstiruutu 17">
+            <a:extLst>
+              <a:ext uri="{FF2B5EF4-FFF2-40B4-BE49-F238E27FC236}">
+                <a16:creationId xmlns:a16="http://schemas.microsoft.com/office/drawing/2014/main" id="{E8757CD8-1361-49FC-871A-BD329EF1894D}"/>
+              </a:ext>
+            </a:extLst>
+          </p:cNvPr>
+          <p:cNvSpPr txBox="1"/>
+          <p:nvPr/>
+        </p:nvSpPr>
+        <p:spPr>
+          <a:xfrm>
+            <a:off x="4737354" y="2037290"/>
+            <a:ext cx="750526" cy="400110"/>
+          </a:xfrm>
+          <a:prstGeom prst="rect">
+            <a:avLst/>
+          </a:prstGeom>
+          <a:noFill/>
+        </p:spPr>
+        <p:txBody>
+          <a:bodyPr wrap="none" rtlCol="0">
+            <a:spAutoFit/>
+          </a:bodyPr>
+          <a:lstStyle/>
+          <a:p>
+            <a:r>
+              <a:rPr lang="fi-FI" sz="1000" dirty="0"/>
+              <a:t>image y – </a:t>
+            </a:r>
+            <a:br>
+              <a:rPr lang="fi-FI" sz="1000" dirty="0"/>
+            </a:br>
+            <a:r>
+              <a:rPr lang="fi-FI" sz="1000" dirty="0" err="1"/>
+              <a:t>coordinate</a:t>
+            </a:r>
+            <a:endParaRPr lang="en-GB" sz="1000" dirty="0"/>
+          </a:p>
+        </p:txBody>
+      </p:sp>
+      <p:cxnSp>
+        <p:nvCxnSpPr>
+          <p:cNvPr id="14" name="Suora yhdysviiva 13">
+            <a:extLst>
+              <a:ext uri="{FF2B5EF4-FFF2-40B4-BE49-F238E27FC236}">
+                <a16:creationId xmlns:a16="http://schemas.microsoft.com/office/drawing/2014/main" id="{F15F5094-FDEE-40B1-AF85-6800B1381F04}"/>
+              </a:ext>
+            </a:extLst>
+          </p:cNvPr>
+          <p:cNvCxnSpPr/>
+          <p:nvPr/>
+        </p:nvCxnSpPr>
+        <p:spPr>
+          <a:xfrm flipV="1">
+            <a:off x="7489862" y="647363"/>
+            <a:ext cx="849664" cy="1618407"/>
+          </a:xfrm>
+          <a:prstGeom prst="line">
+            <a:avLst/>
+          </a:prstGeom>
+          <a:ln>
+            <a:solidFill>
+              <a:srgbClr val="FF0000"/>
+            </a:solidFill>
+          </a:ln>
+        </p:spPr>
+        <p:style>
+          <a:lnRef idx="1">
+            <a:schemeClr val="accent1"/>
+          </a:lnRef>
+          <a:fillRef idx="0">
+            <a:schemeClr val="accent1"/>
+          </a:fillRef>
+          <a:effectRef idx="0">
+            <a:schemeClr val="accent1"/>
+          </a:effectRef>
+          <a:fontRef idx="minor">
+            <a:schemeClr val="tx1"/>
+          </a:fontRef>
+        </p:style>
+      </p:cxnSp>
+      <p:cxnSp>
+        <p:nvCxnSpPr>
+          <p:cNvPr id="20" name="Suora yhdysviiva 19">
+            <a:extLst>
+              <a:ext uri="{FF2B5EF4-FFF2-40B4-BE49-F238E27FC236}">
+                <a16:creationId xmlns:a16="http://schemas.microsoft.com/office/drawing/2014/main" id="{288C7D1B-EFEA-4C9F-80E6-D3D88FDF7495}"/>
+              </a:ext>
+            </a:extLst>
+          </p:cNvPr>
+          <p:cNvCxnSpPr>
+            <a:cxnSpLocks/>
+          </p:cNvCxnSpPr>
+          <p:nvPr/>
+        </p:nvCxnSpPr>
+        <p:spPr>
+          <a:xfrm flipH="1" flipV="1">
+            <a:off x="6470266" y="647363"/>
+            <a:ext cx="1019597" cy="1618408"/>
+          </a:xfrm>
+          <a:prstGeom prst="line">
+            <a:avLst/>
+          </a:prstGeom>
+          <a:ln>
+            <a:solidFill>
+              <a:srgbClr val="FF0000"/>
+            </a:solidFill>
+          </a:ln>
+        </p:spPr>
+        <p:style>
+          <a:lnRef idx="1">
+            <a:schemeClr val="accent1"/>
+          </a:lnRef>
+          <a:fillRef idx="0">
+            <a:schemeClr val="accent1"/>
+          </a:fillRef>
+          <a:effectRef idx="0">
+            <a:schemeClr val="accent1"/>
+          </a:effectRef>
+          <a:fontRef idx="minor">
+            <a:schemeClr val="tx1"/>
+          </a:fontRef>
+        </p:style>
+      </p:cxnSp>
+      <p:cxnSp>
+        <p:nvCxnSpPr>
+          <p:cNvPr id="23" name="Suora nuoliyhdysviiva 22">
+            <a:extLst>
+              <a:ext uri="{FF2B5EF4-FFF2-40B4-BE49-F238E27FC236}">
+                <a16:creationId xmlns:a16="http://schemas.microsoft.com/office/drawing/2014/main" id="{C138E5C0-0B12-4652-90D1-CECFC1BB91C3}"/>
+              </a:ext>
+            </a:extLst>
+          </p:cNvPr>
+          <p:cNvCxnSpPr/>
+          <p:nvPr/>
+        </p:nvCxnSpPr>
+        <p:spPr>
+          <a:xfrm flipH="1" flipV="1">
+            <a:off x="5625289" y="517877"/>
+            <a:ext cx="3729146" cy="8111"/>
+          </a:xfrm>
+          <a:prstGeom prst="straightConnector1">
+            <a:avLst/>
+          </a:prstGeom>
+          <a:ln>
+            <a:headEnd type="arrow" w="med" len="med"/>
+            <a:tailEnd type="none" w="med" len="med"/>
+          </a:ln>
+        </p:spPr>
+        <p:style>
+          <a:lnRef idx="1">
+            <a:schemeClr val="accent1"/>
+          </a:lnRef>
+          <a:fillRef idx="0">
+            <a:schemeClr val="accent1"/>
+          </a:fillRef>
+          <a:effectRef idx="0">
+            <a:schemeClr val="accent1"/>
+          </a:effectRef>
+          <a:fontRef idx="minor">
+            <a:schemeClr val="tx1"/>
+          </a:fontRef>
+        </p:style>
+      </p:cxnSp>
+      <p:cxnSp>
+        <p:nvCxnSpPr>
+          <p:cNvPr id="26" name="Suora nuoliyhdysviiva 25">
+            <a:extLst>
+              <a:ext uri="{FF2B5EF4-FFF2-40B4-BE49-F238E27FC236}">
+                <a16:creationId xmlns:a16="http://schemas.microsoft.com/office/drawing/2014/main" id="{498AFB8C-879E-4E17-A471-FB335F434A5A}"/>
+              </a:ext>
+            </a:extLst>
+          </p:cNvPr>
+          <p:cNvCxnSpPr>
+            <a:cxnSpLocks/>
+          </p:cNvCxnSpPr>
+          <p:nvPr/>
+        </p:nvCxnSpPr>
+        <p:spPr>
+          <a:xfrm>
+            <a:off x="5487880" y="647363"/>
+            <a:ext cx="22572" cy="3486886"/>
+          </a:xfrm>
+          <a:prstGeom prst="straightConnector1">
+            <a:avLst/>
+          </a:prstGeom>
+          <a:ln>
+            <a:headEnd type="none" w="med" len="med"/>
+            <a:tailEnd type="arrow" w="med" len="med"/>
+          </a:ln>
+        </p:spPr>
+        <p:style>
+          <a:lnRef idx="1">
+            <a:schemeClr val="accent1"/>
+          </a:lnRef>
+          <a:fillRef idx="0">
+            <a:schemeClr val="accent1"/>
+          </a:fillRef>
+          <a:effectRef idx="0">
+            <a:schemeClr val="accent1"/>
+          </a:effectRef>
+          <a:fontRef idx="minor">
+            <a:schemeClr val="tx1"/>
+          </a:fontRef>
+        </p:style>
+      </p:cxnSp>
+      <p:sp>
+        <p:nvSpPr>
+          <p:cNvPr id="29" name="Tekstiruutu 28">
+            <a:extLst>
+              <a:ext uri="{FF2B5EF4-FFF2-40B4-BE49-F238E27FC236}">
+                <a16:creationId xmlns:a16="http://schemas.microsoft.com/office/drawing/2014/main" id="{ECE75A47-BB43-4B7D-94C4-5DA51FB7D1EE}"/>
+              </a:ext>
+            </a:extLst>
+          </p:cNvPr>
+          <p:cNvSpPr txBox="1"/>
+          <p:nvPr/>
+        </p:nvSpPr>
+        <p:spPr>
+          <a:xfrm>
+            <a:off x="7056504" y="1242813"/>
+            <a:ext cx="817853" cy="246221"/>
+          </a:xfrm>
+          <a:prstGeom prst="rect">
+            <a:avLst/>
+          </a:prstGeom>
+          <a:noFill/>
+        </p:spPr>
+        <p:txBody>
+          <a:bodyPr wrap="none" rtlCol="0">
+            <a:spAutoFit/>
+          </a:bodyPr>
+          <a:lstStyle/>
+          <a:p>
+            <a:r>
+              <a:rPr lang="fi-FI" sz="1000" dirty="0" err="1">
+                <a:solidFill>
+                  <a:srgbClr val="FF0000"/>
+                </a:solidFill>
+              </a:rPr>
+              <a:t>field</a:t>
+            </a:r>
+            <a:r>
+              <a:rPr lang="fi-FI" sz="1000" dirty="0">
+                <a:solidFill>
+                  <a:srgbClr val="FF0000"/>
+                </a:solidFill>
+              </a:rPr>
+              <a:t> of </a:t>
+            </a:r>
+            <a:r>
+              <a:rPr lang="fi-FI" sz="1000" dirty="0" err="1">
+                <a:solidFill>
+                  <a:srgbClr val="FF0000"/>
+                </a:solidFill>
+              </a:rPr>
+              <a:t>view</a:t>
+            </a:r>
+            <a:endParaRPr lang="en-GB" sz="1000" dirty="0">
+              <a:solidFill>
+                <a:srgbClr val="FF0000"/>
+              </a:solidFill>
+            </a:endParaRPr>
+          </a:p>
+        </p:txBody>
+      </p:sp>
+      <p:sp>
+        <p:nvSpPr>
+          <p:cNvPr id="27" name="Ellipsi 26">
+            <a:extLst>
+              <a:ext uri="{FF2B5EF4-FFF2-40B4-BE49-F238E27FC236}">
+                <a16:creationId xmlns:a16="http://schemas.microsoft.com/office/drawing/2014/main" id="{5F7F4321-1A22-442B-BB23-5C37387287D0}"/>
+              </a:ext>
+            </a:extLst>
+          </p:cNvPr>
+          <p:cNvSpPr/>
+          <p:nvPr/>
+        </p:nvSpPr>
+        <p:spPr>
+          <a:xfrm>
+            <a:off x="6951079" y="962952"/>
+            <a:ext cx="57969" cy="61376"/>
+          </a:xfrm>
+          <a:prstGeom prst="ellipse">
+            <a:avLst/>
+          </a:prstGeom>
+        </p:spPr>
+        <p:style>
+          <a:lnRef idx="2">
+            <a:schemeClr val="accent1">
+              <a:shade val="50000"/>
+            </a:schemeClr>
+          </a:lnRef>
+          <a:fillRef idx="1">
+            <a:schemeClr val="accent1"/>
+          </a:fillRef>
+          <a:effectRef idx="0">
+            <a:schemeClr val="accent1"/>
+          </a:effectRef>
+          <a:fontRef idx="minor">
+            <a:schemeClr val="lt1"/>
+          </a:fontRef>
+        </p:style>
+        <p:txBody>
+          <a:bodyPr rtlCol="0" anchor="ctr"/>
+          <a:lstStyle/>
+          <a:p>
+            <a:pPr algn="ctr"/>
+            <a:endParaRPr lang="en-GB"/>
+          </a:p>
+        </p:txBody>
+      </p:sp>
+      <p:sp>
+        <p:nvSpPr>
+          <p:cNvPr id="31" name="Tekstiruutu 30">
+            <a:extLst>
+              <a:ext uri="{FF2B5EF4-FFF2-40B4-BE49-F238E27FC236}">
+                <a16:creationId xmlns:a16="http://schemas.microsoft.com/office/drawing/2014/main" id="{78ED5AD6-7B7B-4F8A-9CFD-F1287691AB2F}"/>
+              </a:ext>
+            </a:extLst>
+          </p:cNvPr>
+          <p:cNvSpPr txBox="1"/>
+          <p:nvPr/>
+        </p:nvSpPr>
+        <p:spPr>
+          <a:xfrm>
+            <a:off x="6962707" y="859977"/>
+            <a:ext cx="511679" cy="246221"/>
+          </a:xfrm>
+          <a:prstGeom prst="rect">
+            <a:avLst/>
+          </a:prstGeom>
+          <a:noFill/>
+        </p:spPr>
+        <p:txBody>
+          <a:bodyPr wrap="none" rtlCol="0">
+            <a:spAutoFit/>
+          </a:bodyPr>
+          <a:lstStyle/>
+          <a:p>
+            <a:r>
+              <a:rPr lang="fi-FI" sz="1000" dirty="0" err="1"/>
+              <a:t>object</a:t>
+            </a:r>
+            <a:endParaRPr lang="en-GB" sz="1000" dirty="0"/>
+          </a:p>
+        </p:txBody>
+      </p:sp>
+      <p:sp>
+        <p:nvSpPr>
+          <p:cNvPr id="28" name="Suorakulmio 27">
+            <a:extLst>
+              <a:ext uri="{FF2B5EF4-FFF2-40B4-BE49-F238E27FC236}">
+                <a16:creationId xmlns:a16="http://schemas.microsoft.com/office/drawing/2014/main" id="{A9B76F4B-C669-41B9-91B1-BEDB04FD082F}"/>
+              </a:ext>
+            </a:extLst>
+          </p:cNvPr>
+          <p:cNvSpPr/>
+          <p:nvPr/>
+        </p:nvSpPr>
+        <p:spPr>
+          <a:xfrm>
+            <a:off x="7383007" y="2177281"/>
+            <a:ext cx="240772" cy="176980"/>
+          </a:xfrm>
+          <a:prstGeom prst="rect">
+            <a:avLst/>
+          </a:prstGeom>
+        </p:spPr>
+        <p:style>
+          <a:lnRef idx="2">
+            <a:schemeClr val="accent1">
+              <a:shade val="50000"/>
+            </a:schemeClr>
+          </a:lnRef>
+          <a:fillRef idx="1">
+            <a:schemeClr val="accent1"/>
+          </a:fillRef>
+          <a:effectRef idx="0">
+            <a:schemeClr val="accent1"/>
+          </a:effectRef>
+          <a:fontRef idx="minor">
+            <a:schemeClr val="lt1"/>
+          </a:fontRef>
+        </p:style>
+        <p:txBody>
+          <a:bodyPr rtlCol="0" anchor="ctr"/>
+          <a:lstStyle/>
+          <a:p>
+            <a:pPr algn="ctr"/>
+            <a:endParaRPr lang="en-GB"/>
+          </a:p>
+        </p:txBody>
+      </p:sp>
+      <p:sp>
+        <p:nvSpPr>
+          <p:cNvPr id="33" name="Tekstiruutu 32">
+            <a:extLst>
+              <a:ext uri="{FF2B5EF4-FFF2-40B4-BE49-F238E27FC236}">
+                <a16:creationId xmlns:a16="http://schemas.microsoft.com/office/drawing/2014/main" id="{C7AFC4E6-8D61-4866-BB1F-270171FF8B00}"/>
+              </a:ext>
+            </a:extLst>
+          </p:cNvPr>
+          <p:cNvSpPr txBox="1"/>
+          <p:nvPr/>
+        </p:nvSpPr>
+        <p:spPr>
+          <a:xfrm>
+            <a:off x="7547852" y="2314290"/>
+            <a:ext cx="644728" cy="246221"/>
+          </a:xfrm>
+          <a:prstGeom prst="rect">
+            <a:avLst/>
+          </a:prstGeom>
+          <a:noFill/>
+        </p:spPr>
+        <p:txBody>
+          <a:bodyPr wrap="none" rtlCol="0">
+            <a:spAutoFit/>
+          </a:bodyPr>
+          <a:lstStyle/>
+          <a:p>
+            <a:r>
+              <a:rPr lang="fi-FI" sz="1000" dirty="0" err="1"/>
+              <a:t>observer</a:t>
+            </a:r>
+            <a:endParaRPr lang="en-GB" sz="1000" dirty="0"/>
+          </a:p>
+        </p:txBody>
+      </p:sp>
+      <mc:AlternateContent xmlns:mc="http://schemas.openxmlformats.org/markup-compatibility/2006">
+        <mc:Choice xmlns:a14="http://schemas.microsoft.com/office/drawing/2010/main" Requires="a14">
+          <p:sp>
+            <p:nvSpPr>
+              <p:cNvPr id="24" name="Tekstiruutu 23">
+                <a:extLst>
+                  <a:ext uri="{FF2B5EF4-FFF2-40B4-BE49-F238E27FC236}">
+                    <a16:creationId xmlns:a16="http://schemas.microsoft.com/office/drawing/2014/main" id="{C5A57789-9AB3-4D13-9C2C-D5CBC8B938B1}"/>
+                  </a:ext>
+                </a:extLst>
+              </p:cNvPr>
+              <p:cNvSpPr txBox="1"/>
+              <p:nvPr/>
+            </p:nvSpPr>
+            <p:spPr>
+              <a:xfrm>
+                <a:off x="8810552" y="5429244"/>
+                <a:ext cx="1481496" cy="369332"/>
+              </a:xfrm>
+              <a:prstGeom prst="rect">
+                <a:avLst/>
+              </a:prstGeom>
+              <a:noFill/>
+              <a:ln>
+                <a:noFill/>
+              </a:ln>
+            </p:spPr>
+            <p:txBody>
+              <a:bodyPr wrap="none" lIns="0" tIns="0" rIns="0" bIns="0" rtlCol="0">
+                <a:spAutoFit/>
+              </a:bodyPr>
+              <a:lstStyle/>
+              <a:p>
+                <a:r>
+                  <a:rPr lang="en-GB" sz="1200" i="1" dirty="0"/>
+                  <a:t>s</a:t>
+                </a:r>
+                <a:r>
+                  <a:rPr lang="en-GB" sz="1200" i="1" baseline="-25000" dirty="0" err="1"/>
+                  <a:t>w</a:t>
+                </a:r>
+                <a14:m>
+                  <m:oMath xmlns:m="http://schemas.openxmlformats.org/officeDocument/2006/math">
+                    <m:r>
+                      <a:rPr lang="en-GB" sz="1200" i="1" smtClean="0">
+                        <a:latin typeface="Cambria Math" panose="02040503050406030204" pitchFamily="18" charset="0"/>
+                      </a:rPr>
+                      <m:t>=</m:t>
+                    </m:r>
+                    <m:r>
+                      <a:rPr lang="fi-FI" sz="1200" b="0" i="1" smtClean="0">
+                        <a:latin typeface="Cambria Math" panose="02040503050406030204" pitchFamily="18" charset="0"/>
+                      </a:rPr>
+                      <m:t>𝑠𝑒𝑛𝑠𝑜𝑟</m:t>
+                    </m:r>
+                    <m:r>
+                      <a:rPr lang="fi-FI" sz="1200" b="0" i="1" smtClean="0">
+                        <a:latin typeface="Cambria Math" panose="02040503050406030204" pitchFamily="18" charset="0"/>
+                      </a:rPr>
+                      <m:t> </m:t>
+                    </m:r>
+                    <m:r>
+                      <a:rPr lang="fi-FI" sz="1200" b="0" i="1" smtClean="0">
+                        <a:latin typeface="Cambria Math" panose="02040503050406030204" pitchFamily="18" charset="0"/>
+                      </a:rPr>
+                      <m:t>𝑤𝑖𝑑𝑡h</m:t>
+                    </m:r>
+                    <m:r>
+                      <a:rPr lang="fi-FI" sz="1200" b="0" i="1" smtClean="0">
+                        <a:latin typeface="Cambria Math" panose="02040503050406030204" pitchFamily="18" charset="0"/>
+                      </a:rPr>
+                      <m:t> </m:t>
+                    </m:r>
+                    <m:d>
+                      <m:dPr>
+                        <m:ctrlPr>
+                          <a:rPr lang="fi-FI" sz="1200" b="0" i="1" smtClean="0">
+                            <a:latin typeface="Cambria Math" panose="02040503050406030204" pitchFamily="18" charset="0"/>
+                          </a:rPr>
+                        </m:ctrlPr>
+                      </m:dPr>
+                      <m:e>
+                        <m:r>
+                          <a:rPr lang="fi-FI" sz="1200" b="0" i="1" smtClean="0">
+                            <a:latin typeface="Cambria Math" panose="02040503050406030204" pitchFamily="18" charset="0"/>
+                          </a:rPr>
+                          <m:t>𝑚</m:t>
+                        </m:r>
+                      </m:e>
+                    </m:d>
+                  </m:oMath>
+                </a14:m>
+                <a:endParaRPr lang="fi-FI" sz="1200" b="0" i="1" dirty="0"/>
+              </a:p>
+              <a:p>
+                <a:r>
+                  <a:rPr lang="fi-FI" sz="1200" i="1" dirty="0"/>
+                  <a:t>f = </a:t>
+                </a:r>
+                <a:r>
+                  <a:rPr lang="fi-FI" sz="1200" i="1" dirty="0" err="1"/>
+                  <a:t>focal</a:t>
+                </a:r>
+                <a:r>
+                  <a:rPr lang="fi-FI" sz="1200" i="1" dirty="0"/>
+                  <a:t> </a:t>
+                </a:r>
+                <a:r>
+                  <a:rPr lang="fi-FI" sz="1200" i="1" dirty="0" err="1"/>
+                  <a:t>length</a:t>
+                </a:r>
+                <a:r>
+                  <a:rPr lang="fi-FI" sz="1200" i="1" dirty="0"/>
+                  <a:t> (m)</a:t>
+                </a:r>
+              </a:p>
+            </p:txBody>
+          </p:sp>
+        </mc:Choice>
+        <mc:Fallback>
+          <p:sp>
+            <p:nvSpPr>
+              <p:cNvPr id="24" name="Tekstiruutu 23">
+                <a:extLst>
+                  <a:ext uri="{FF2B5EF4-FFF2-40B4-BE49-F238E27FC236}">
+                    <a16:creationId xmlns:a16="http://schemas.microsoft.com/office/drawing/2014/main" id="{C5A57789-9AB3-4D13-9C2C-D5CBC8B938B1}"/>
+                  </a:ext>
+                </a:extLst>
+              </p:cNvPr>
+              <p:cNvSpPr txBox="1">
+                <a:spLocks noRot="1" noChangeAspect="1" noMove="1" noResize="1" noEditPoints="1" noAdjustHandles="1" noChangeArrowheads="1" noChangeShapeType="1" noTextEdit="1"/>
+              </p:cNvSpPr>
+              <p:nvPr/>
+            </p:nvSpPr>
+            <p:spPr>
+              <a:xfrm>
+                <a:off x="8810552" y="5429244"/>
+                <a:ext cx="1481496" cy="369332"/>
+              </a:xfrm>
+              <a:prstGeom prst="rect">
+                <a:avLst/>
+              </a:prstGeom>
+              <a:blipFill>
+                <a:blip r:embed="rId2"/>
+                <a:stretch>
+                  <a:fillRect l="-6173" t="-13333" b="-25000"/>
+                </a:stretch>
+              </a:blipFill>
+              <a:ln>
+                <a:noFill/>
+              </a:ln>
+            </p:spPr>
+            <p:txBody>
+              <a:bodyPr/>
+              <a:lstStyle/>
+              <a:p>
+                <a:r>
+                  <a:rPr lang="en-GB">
+                    <a:noFill/>
+                  </a:rPr>
+                  <a:t> </a:t>
+                </a:r>
+              </a:p>
+            </p:txBody>
+          </p:sp>
+        </mc:Fallback>
+      </mc:AlternateContent>
+      <mc:AlternateContent xmlns:mc="http://schemas.openxmlformats.org/markup-compatibility/2006">
+        <mc:Choice xmlns:a14="http://schemas.microsoft.com/office/drawing/2010/main" Requires="a14">
+          <p:sp>
+            <p:nvSpPr>
+              <p:cNvPr id="3" name="Tekstiruutu 2">
+                <a:extLst>
+                  <a:ext uri="{FF2B5EF4-FFF2-40B4-BE49-F238E27FC236}">
+                    <a16:creationId xmlns:a16="http://schemas.microsoft.com/office/drawing/2014/main" id="{60591A14-AD52-4159-A48F-D276B0F191AF}"/>
+                  </a:ext>
+                </a:extLst>
+              </p:cNvPr>
+              <p:cNvSpPr txBox="1"/>
+              <p:nvPr/>
+            </p:nvSpPr>
+            <p:spPr>
+              <a:xfrm>
+                <a:off x="5420411" y="5297268"/>
+                <a:ext cx="2245423" cy="522900"/>
+              </a:xfrm>
+              <a:prstGeom prst="rect">
+                <a:avLst/>
+              </a:prstGeom>
+              <a:noFill/>
+            </p:spPr>
+            <p:txBody>
+              <a:bodyPr wrap="none" lIns="0" tIns="0" rIns="0" bIns="0" rtlCol="0">
+                <a:spAutoFit/>
+              </a:bodyPr>
+              <a:lstStyle/>
+              <a:p>
+                <a14:m>
+                  <m:oMathPara xmlns:m="http://schemas.openxmlformats.org/officeDocument/2006/math">
+                    <m:oMathParaPr>
+                      <m:jc m:val="centerGroup"/>
+                    </m:oMathParaPr>
+                    <m:oMath xmlns:m="http://schemas.openxmlformats.org/officeDocument/2006/math">
+                      <m:r>
+                        <a:rPr lang="fi-FI" b="0" i="1" smtClean="0">
+                          <a:latin typeface="Cambria Math" panose="02040503050406030204" pitchFamily="18" charset="0"/>
+                        </a:rPr>
+                        <m:t>𝐹𝑂𝑉</m:t>
+                      </m:r>
+                      <m:r>
+                        <a:rPr lang="en-GB" i="1" smtClean="0">
+                          <a:latin typeface="Cambria Math" panose="02040503050406030204" pitchFamily="18" charset="0"/>
+                        </a:rPr>
+                        <m:t>=</m:t>
+                      </m:r>
+                      <m:r>
+                        <a:rPr lang="fi-FI" b="0" i="1" smtClean="0">
+                          <a:latin typeface="Cambria Math" panose="02040503050406030204" pitchFamily="18" charset="0"/>
+                        </a:rPr>
+                        <m:t>2∗</m:t>
+                      </m:r>
+                      <m:r>
+                        <m:rPr>
+                          <m:sty m:val="p"/>
+                        </m:rPr>
+                        <a:rPr lang="fi-FI" b="0" i="0" smtClean="0">
+                          <a:latin typeface="Cambria Math" panose="02040503050406030204" pitchFamily="18" charset="0"/>
+                        </a:rPr>
+                        <m:t>atan</m:t>
+                      </m:r>
+                      <m:r>
+                        <a:rPr lang="fi-FI" b="0" i="1" smtClean="0">
+                          <a:latin typeface="Cambria Math" panose="02040503050406030204" pitchFamily="18" charset="0"/>
+                        </a:rPr>
+                        <m:t>⁡(</m:t>
+                      </m:r>
+                      <m:f>
+                        <m:fPr>
+                          <m:ctrlPr>
+                            <a:rPr lang="fi-FI" b="0" i="1" smtClean="0">
+                              <a:latin typeface="Cambria Math" panose="02040503050406030204" pitchFamily="18" charset="0"/>
+                            </a:rPr>
+                          </m:ctrlPr>
+                        </m:fPr>
+                        <m:num>
+                          <m:sSub>
+                            <m:sSubPr>
+                              <m:ctrlPr>
+                                <a:rPr lang="fi-FI" b="0" i="1" smtClean="0">
+                                  <a:latin typeface="Cambria Math" panose="02040503050406030204" pitchFamily="18" charset="0"/>
+                                </a:rPr>
+                              </m:ctrlPr>
+                            </m:sSubPr>
+                            <m:e>
+                              <m:r>
+                                <a:rPr lang="fi-FI" b="0" i="1" smtClean="0">
+                                  <a:latin typeface="Cambria Math" panose="02040503050406030204" pitchFamily="18" charset="0"/>
+                                </a:rPr>
+                                <m:t>𝑠</m:t>
+                              </m:r>
+                            </m:e>
+                            <m:sub>
+                              <m:r>
+                                <a:rPr lang="fi-FI" b="0" i="1" smtClean="0">
+                                  <a:latin typeface="Cambria Math" panose="02040503050406030204" pitchFamily="18" charset="0"/>
+                                </a:rPr>
+                                <m:t>𝑤</m:t>
+                              </m:r>
+                            </m:sub>
+                          </m:sSub>
+                        </m:num>
+                        <m:den>
+                          <m:r>
+                            <a:rPr lang="fi-FI" b="0" i="1" smtClean="0">
+                              <a:latin typeface="Cambria Math" panose="02040503050406030204" pitchFamily="18" charset="0"/>
+                            </a:rPr>
+                            <m:t>2∗</m:t>
+                          </m:r>
+                          <m:r>
+                            <a:rPr lang="fi-FI" b="0" i="1" smtClean="0">
+                              <a:latin typeface="Cambria Math" panose="02040503050406030204" pitchFamily="18" charset="0"/>
+                            </a:rPr>
+                            <m:t>𝑓</m:t>
+                          </m:r>
+                        </m:den>
+                      </m:f>
+                      <m:r>
+                        <a:rPr lang="fi-FI" b="0" i="1" smtClean="0">
+                          <a:latin typeface="Cambria Math" panose="02040503050406030204" pitchFamily="18" charset="0"/>
+                        </a:rPr>
+                        <m:t>)</m:t>
+                      </m:r>
+                    </m:oMath>
+                  </m:oMathPara>
+                </a14:m>
+                <a:endParaRPr lang="en-GB" dirty="0"/>
+              </a:p>
+            </p:txBody>
+          </p:sp>
+        </mc:Choice>
+        <mc:Fallback>
+          <p:sp>
+            <p:nvSpPr>
+              <p:cNvPr id="3" name="Tekstiruutu 2">
+                <a:extLst>
+                  <a:ext uri="{FF2B5EF4-FFF2-40B4-BE49-F238E27FC236}">
+                    <a16:creationId xmlns:a16="http://schemas.microsoft.com/office/drawing/2014/main" id="{60591A14-AD52-4159-A48F-D276B0F191AF}"/>
+                  </a:ext>
+                </a:extLst>
+              </p:cNvPr>
+              <p:cNvSpPr txBox="1">
+                <a:spLocks noRot="1" noChangeAspect="1" noMove="1" noResize="1" noEditPoints="1" noAdjustHandles="1" noChangeArrowheads="1" noChangeShapeType="1" noTextEdit="1"/>
+              </p:cNvSpPr>
+              <p:nvPr/>
+            </p:nvSpPr>
+            <p:spPr>
+              <a:xfrm>
+                <a:off x="5420411" y="5297268"/>
+                <a:ext cx="2245423" cy="522900"/>
+              </a:xfrm>
+              <a:prstGeom prst="rect">
+                <a:avLst/>
+              </a:prstGeom>
+              <a:blipFill>
+                <a:blip r:embed="rId3"/>
+                <a:stretch>
+                  <a:fillRect/>
+                </a:stretch>
+              </a:blipFill>
+            </p:spPr>
+            <p:txBody>
+              <a:bodyPr/>
+              <a:lstStyle/>
+              <a:p>
+                <a:r>
+                  <a:rPr lang="en-GB">
+                    <a:noFill/>
+                  </a:rPr>
+                  <a:t> </a:t>
+                </a:r>
+              </a:p>
+            </p:txBody>
+          </p:sp>
+        </mc:Fallback>
+      </mc:AlternateContent>
+    </p:spTree>
+    <p:extLst>
+      <p:ext uri="{BB962C8B-B14F-4D97-AF65-F5344CB8AC3E}">
+        <p14:creationId xmlns:p14="http://schemas.microsoft.com/office/powerpoint/2010/main" val="49622725"/>
+      </p:ext>
+    </p:extLst>
+  </p:cSld>
+  <p:clrMapOvr>
+    <a:masterClrMapping/>
+  </p:clrMapOvr>
+</p:sld>
+</file>
+
+<file path=ppt/slides/slide31.xml><?xml version="1.0" encoding="utf-8"?>
 <p:sld xmlns:a="http://schemas.openxmlformats.org/drawingml/2006/main" xmlns:r="http://schemas.openxmlformats.org/officeDocument/2006/relationships" xmlns:p="http://schemas.openxmlformats.org/presentationml/2006/main">
   <p:cSld>
     <p:bg>
@@ -23808,7 +28272,7 @@
 </p:sld>
 </file>
 
-<file path=ppt/slides/slide3.xml><?xml version="1.0" encoding="utf-8"?>
+<file path=ppt/slides/slide32.xml><?xml version="1.0" encoding="utf-8"?>
 <p:sld xmlns:a="http://schemas.openxmlformats.org/drawingml/2006/main" xmlns:r="http://schemas.openxmlformats.org/officeDocument/2006/relationships" xmlns:p="http://schemas.openxmlformats.org/presentationml/2006/main">
   <p:cSld>
     <p:bg>
@@ -23999,991 +28463,6 @@
                 <a:ea typeface="+mj-ea"/>
                 <a:cs typeface="+mj-cs"/>
               </a:rPr>
-              <a:t>Previous Audit</a:t>
-            </a:r>
-          </a:p>
-        </p:txBody>
-      </p:sp>
-      <p:sp>
-        <p:nvSpPr>
-          <p:cNvPr id="2" name="Tekstiruutu 1">
-            <a:extLst>
-              <a:ext uri="{FF2B5EF4-FFF2-40B4-BE49-F238E27FC236}">
-                <a16:creationId xmlns:a16="http://schemas.microsoft.com/office/drawing/2014/main" id="{2351A849-7652-496A-8029-F9213A5D2FB4}"/>
-              </a:ext>
-            </a:extLst>
-          </p:cNvPr>
-          <p:cNvSpPr txBox="1"/>
-          <p:nvPr/>
-        </p:nvSpPr>
-        <p:spPr>
-          <a:xfrm>
-            <a:off x="5189516" y="415636"/>
-            <a:ext cx="6323611" cy="6247864"/>
-          </a:xfrm>
-          <a:prstGeom prst="rect">
-            <a:avLst/>
-          </a:prstGeom>
-          <a:noFill/>
-        </p:spPr>
-        <p:txBody>
-          <a:bodyPr wrap="square" rtlCol="0">
-            <a:spAutoFit/>
-          </a:bodyPr>
-          <a:lstStyle/>
-          <a:p>
-            <a:r>
-              <a:rPr lang="fi-FI" sz="1600" dirty="0"/>
-              <a:t>Open </a:t>
-            </a:r>
-            <a:r>
-              <a:rPr lang="fi-FI" sz="1600" dirty="0" err="1"/>
-              <a:t>questions</a:t>
-            </a:r>
-            <a:r>
-              <a:rPr lang="fi-FI" sz="1600" dirty="0"/>
-              <a:t>:</a:t>
-            </a:r>
-          </a:p>
-          <a:p>
-            <a:pPr marL="285750" indent="-285750">
-              <a:buFont typeface="Arial" panose="020B0604020202020204" pitchFamily="34" charset="0"/>
-              <a:buChar char="•"/>
-            </a:pPr>
-            <a:r>
-              <a:rPr lang="fi-FI" sz="1600" dirty="0" err="1"/>
-              <a:t>Role</a:t>
-            </a:r>
-            <a:r>
-              <a:rPr lang="fi-FI" sz="1600" dirty="0"/>
-              <a:t> of </a:t>
-            </a:r>
-            <a:r>
-              <a:rPr lang="fi-FI" sz="1600" dirty="0" err="1"/>
-              <a:t>classical</a:t>
-            </a:r>
-            <a:r>
-              <a:rPr lang="fi-FI" sz="1600" dirty="0"/>
-              <a:t> </a:t>
-            </a:r>
-            <a:r>
-              <a:rPr lang="fi-FI" sz="1600" dirty="0" err="1"/>
-              <a:t>object</a:t>
-            </a:r>
-            <a:r>
-              <a:rPr lang="fi-FI" sz="1600" dirty="0"/>
-              <a:t> </a:t>
-            </a:r>
-            <a:r>
-              <a:rPr lang="fi-FI" sz="1600" dirty="0" err="1"/>
-              <a:t>tracking</a:t>
-            </a:r>
-            <a:r>
-              <a:rPr lang="fi-FI" sz="1600" dirty="0"/>
-              <a:t> </a:t>
-            </a:r>
-            <a:r>
-              <a:rPr lang="fi-FI" sz="1600" dirty="0" err="1"/>
-              <a:t>alrorithms</a:t>
-            </a:r>
-            <a:r>
-              <a:rPr lang="fi-FI" sz="1600" dirty="0"/>
-              <a:t>?</a:t>
-            </a:r>
-          </a:p>
-          <a:p>
-            <a:pPr marL="285750" indent="-285750">
-              <a:buFont typeface="Arial" panose="020B0604020202020204" pitchFamily="34" charset="0"/>
-              <a:buChar char="•"/>
-            </a:pPr>
-            <a:r>
-              <a:rPr lang="fi-FI" sz="1600" dirty="0" err="1"/>
-              <a:t>What</a:t>
-            </a:r>
-            <a:r>
-              <a:rPr lang="fi-FI" sz="1600" dirty="0"/>
-              <a:t> to </a:t>
-            </a:r>
-            <a:r>
-              <a:rPr lang="fi-FI" sz="1600" dirty="0" err="1"/>
-              <a:t>do</a:t>
-            </a:r>
-            <a:r>
-              <a:rPr lang="fi-FI" sz="1600" dirty="0"/>
-              <a:t> </a:t>
-            </a:r>
-            <a:r>
-              <a:rPr lang="fi-FI" sz="1600" dirty="0" err="1"/>
-              <a:t>with</a:t>
-            </a:r>
-            <a:r>
-              <a:rPr lang="fi-FI" sz="1600" dirty="0"/>
-              <a:t> </a:t>
-            </a:r>
-            <a:r>
-              <a:rPr lang="fi-FI" sz="1600" dirty="0" err="1"/>
-              <a:t>multiple</a:t>
-            </a:r>
-            <a:r>
-              <a:rPr lang="fi-FI" sz="1600" dirty="0"/>
-              <a:t> </a:t>
-            </a:r>
-            <a:r>
-              <a:rPr lang="fi-FI" sz="1600" dirty="0" err="1"/>
-              <a:t>bounding</a:t>
-            </a:r>
-            <a:r>
-              <a:rPr lang="fi-FI" sz="1600" dirty="0"/>
-              <a:t> </a:t>
-            </a:r>
-            <a:r>
-              <a:rPr lang="fi-FI" sz="1600" dirty="0" err="1"/>
-              <a:t>boxes</a:t>
-            </a:r>
-            <a:r>
-              <a:rPr lang="fi-FI" sz="1600" dirty="0"/>
-              <a:t> </a:t>
-            </a:r>
-            <a:r>
-              <a:rPr lang="fi-FI" sz="1600" dirty="0" err="1"/>
-              <a:t>around</a:t>
-            </a:r>
-            <a:r>
-              <a:rPr lang="fi-FI" sz="1600" dirty="0"/>
-              <a:t> </a:t>
-            </a:r>
-            <a:r>
-              <a:rPr lang="fi-FI" sz="1600" dirty="0" err="1"/>
-              <a:t>one</a:t>
-            </a:r>
-            <a:r>
-              <a:rPr lang="fi-FI" sz="1600" dirty="0"/>
-              <a:t> </a:t>
-            </a:r>
-            <a:r>
-              <a:rPr lang="fi-FI" sz="1600" dirty="0" err="1"/>
-              <a:t>object</a:t>
-            </a:r>
-            <a:r>
-              <a:rPr lang="fi-FI" sz="1600" dirty="0"/>
-              <a:t>?</a:t>
-            </a:r>
-          </a:p>
-          <a:p>
-            <a:pPr marL="285750" indent="-285750">
-              <a:buFont typeface="Arial" panose="020B0604020202020204" pitchFamily="34" charset="0"/>
-              <a:buChar char="•"/>
-            </a:pPr>
-            <a:r>
-              <a:rPr lang="fi-FI" sz="1600" dirty="0" err="1"/>
-              <a:t>Appropriate</a:t>
-            </a:r>
-            <a:r>
-              <a:rPr lang="fi-FI" sz="1600" dirty="0"/>
-              <a:t> </a:t>
-            </a:r>
-            <a:r>
-              <a:rPr lang="fi-FI" sz="1600" dirty="0" err="1"/>
-              <a:t>minimum</a:t>
-            </a:r>
-            <a:r>
-              <a:rPr lang="fi-FI" sz="1600" dirty="0"/>
-              <a:t> </a:t>
-            </a:r>
-            <a:r>
-              <a:rPr lang="fi-FI" sz="1600" dirty="0" err="1"/>
-              <a:t>confidence</a:t>
-            </a:r>
-            <a:r>
-              <a:rPr lang="fi-FI" sz="1600" dirty="0"/>
-              <a:t> </a:t>
-            </a:r>
-            <a:r>
-              <a:rPr lang="fi-FI" sz="1600" dirty="0" err="1"/>
-              <a:t>level</a:t>
-            </a:r>
-            <a:r>
-              <a:rPr lang="fi-FI" sz="1600" dirty="0"/>
-              <a:t>?</a:t>
-            </a:r>
-          </a:p>
-          <a:p>
-            <a:pPr marL="285750" indent="-285750">
-              <a:buFont typeface="Arial" panose="020B0604020202020204" pitchFamily="34" charset="0"/>
-              <a:buChar char="•"/>
-            </a:pPr>
-            <a:r>
-              <a:rPr lang="fi-FI" sz="1600" dirty="0" err="1"/>
-              <a:t>What</a:t>
-            </a:r>
-            <a:r>
-              <a:rPr lang="fi-FI" sz="1600" dirty="0"/>
-              <a:t> to </a:t>
-            </a:r>
-            <a:r>
-              <a:rPr lang="fi-FI" sz="1600" dirty="0" err="1"/>
-              <a:t>do</a:t>
-            </a:r>
-            <a:r>
-              <a:rPr lang="fi-FI" sz="1600" dirty="0"/>
-              <a:t> </a:t>
-            </a:r>
-            <a:r>
-              <a:rPr lang="fi-FI" sz="1600" dirty="0" err="1"/>
-              <a:t>with</a:t>
-            </a:r>
-            <a:r>
-              <a:rPr lang="fi-FI" sz="1600" dirty="0"/>
-              <a:t> </a:t>
-            </a:r>
-            <a:r>
-              <a:rPr lang="fi-FI" sz="1600" dirty="0" err="1"/>
-              <a:t>false</a:t>
-            </a:r>
-            <a:r>
-              <a:rPr lang="fi-FI" sz="1600" dirty="0"/>
-              <a:t> </a:t>
-            </a:r>
-            <a:r>
-              <a:rPr lang="fi-FI" sz="1600" dirty="0" err="1"/>
-              <a:t>detections</a:t>
-            </a:r>
-            <a:r>
-              <a:rPr lang="fi-FI" sz="1600" dirty="0"/>
-              <a:t> inside </a:t>
-            </a:r>
-            <a:r>
-              <a:rPr lang="fi-FI" sz="1600" dirty="0" err="1"/>
-              <a:t>other</a:t>
-            </a:r>
-            <a:r>
-              <a:rPr lang="fi-FI" sz="1600" dirty="0"/>
-              <a:t> </a:t>
-            </a:r>
-            <a:r>
-              <a:rPr lang="fi-FI" sz="1600" dirty="0" err="1"/>
-              <a:t>objects</a:t>
-            </a:r>
-            <a:r>
-              <a:rPr lang="fi-FI" sz="1600" dirty="0"/>
-              <a:t>?</a:t>
-            </a:r>
-          </a:p>
-          <a:p>
-            <a:pPr marL="285750" indent="-285750">
-              <a:buFont typeface="Arial" panose="020B0604020202020204" pitchFamily="34" charset="0"/>
-              <a:buChar char="•"/>
-            </a:pPr>
-            <a:r>
-              <a:rPr lang="fi-FI" sz="1600" dirty="0" err="1"/>
-              <a:t>What</a:t>
-            </a:r>
-            <a:r>
-              <a:rPr lang="fi-FI" sz="1600" dirty="0"/>
-              <a:t> to </a:t>
-            </a:r>
-            <a:r>
-              <a:rPr lang="fi-FI" sz="1600" dirty="0" err="1"/>
-              <a:t>do</a:t>
-            </a:r>
-            <a:r>
-              <a:rPr lang="fi-FI" sz="1600" dirty="0"/>
-              <a:t> </a:t>
-            </a:r>
-            <a:r>
-              <a:rPr lang="fi-FI" sz="1600" dirty="0" err="1"/>
-              <a:t>with</a:t>
-            </a:r>
-            <a:r>
-              <a:rPr lang="fi-FI" sz="1600" dirty="0"/>
-              <a:t> </a:t>
-            </a:r>
-            <a:r>
-              <a:rPr lang="fi-FI" sz="1600" dirty="0" err="1"/>
-              <a:t>false</a:t>
-            </a:r>
-            <a:r>
-              <a:rPr lang="fi-FI" sz="1600" dirty="0"/>
-              <a:t> </a:t>
-            </a:r>
-            <a:r>
-              <a:rPr lang="fi-FI" sz="1600" dirty="0" err="1"/>
-              <a:t>detections</a:t>
-            </a:r>
-            <a:r>
-              <a:rPr lang="fi-FI" sz="1600" dirty="0"/>
-              <a:t> </a:t>
-            </a:r>
-            <a:r>
-              <a:rPr lang="fi-FI" sz="1600" dirty="0" err="1"/>
-              <a:t>from</a:t>
-            </a:r>
-            <a:r>
-              <a:rPr lang="fi-FI" sz="1600" dirty="0"/>
-              <a:t> </a:t>
-            </a:r>
-            <a:r>
-              <a:rPr lang="fi-FI" sz="1600" dirty="0" err="1"/>
-              <a:t>the</a:t>
-            </a:r>
-            <a:r>
-              <a:rPr lang="fi-FI" sz="1600" dirty="0"/>
-              <a:t> </a:t>
-            </a:r>
-            <a:r>
-              <a:rPr lang="fi-FI" sz="1600" dirty="0" err="1"/>
-              <a:t>background</a:t>
-            </a:r>
-            <a:r>
-              <a:rPr lang="fi-FI" sz="1600" dirty="0"/>
-              <a:t>?</a:t>
-            </a:r>
-          </a:p>
-          <a:p>
-            <a:pPr marL="285750" indent="-285750">
-              <a:buFont typeface="Arial" panose="020B0604020202020204" pitchFamily="34" charset="0"/>
-              <a:buChar char="•"/>
-            </a:pPr>
-            <a:r>
-              <a:rPr lang="fi-FI" sz="1600" dirty="0"/>
-              <a:t>How to set Kalman </a:t>
-            </a:r>
-            <a:r>
-              <a:rPr lang="fi-FI" sz="1600" dirty="0" err="1"/>
-              <a:t>filter</a:t>
-            </a:r>
-            <a:r>
-              <a:rPr lang="fi-FI" sz="1600" dirty="0"/>
-              <a:t> </a:t>
-            </a:r>
-            <a:r>
-              <a:rPr lang="fi-FI" sz="1600" dirty="0" err="1"/>
-              <a:t>parameters</a:t>
-            </a:r>
-            <a:r>
-              <a:rPr lang="fi-FI" sz="1600" dirty="0"/>
-              <a:t> for image </a:t>
-            </a:r>
-            <a:r>
-              <a:rPr lang="fi-FI" sz="1600" dirty="0" err="1"/>
-              <a:t>object</a:t>
-            </a:r>
-            <a:r>
-              <a:rPr lang="fi-FI" sz="1600" dirty="0"/>
-              <a:t> </a:t>
-            </a:r>
-            <a:r>
-              <a:rPr lang="fi-FI" sz="1600" dirty="0" err="1"/>
-              <a:t>filtering</a:t>
-            </a:r>
-            <a:r>
-              <a:rPr lang="fi-FI" sz="1600" dirty="0"/>
-              <a:t>?</a:t>
-            </a:r>
-          </a:p>
-          <a:p>
-            <a:pPr marL="285750" indent="-285750">
-              <a:buFont typeface="Arial" panose="020B0604020202020204" pitchFamily="34" charset="0"/>
-              <a:buChar char="•"/>
-            </a:pPr>
-            <a:r>
-              <a:rPr lang="fi-FI" sz="1600" dirty="0" err="1"/>
-              <a:t>Hungarian</a:t>
-            </a:r>
-            <a:r>
-              <a:rPr lang="fi-FI" sz="1600" dirty="0"/>
-              <a:t> </a:t>
-            </a:r>
-            <a:r>
-              <a:rPr lang="fi-FI" sz="1600" dirty="0" err="1"/>
-              <a:t>algorithms</a:t>
-            </a:r>
-            <a:r>
-              <a:rPr lang="fi-FI" sz="1600" dirty="0"/>
-              <a:t> </a:t>
-            </a:r>
-            <a:r>
-              <a:rPr lang="fi-FI" sz="1600" dirty="0" err="1"/>
-              <a:t>special</a:t>
-            </a:r>
-            <a:r>
-              <a:rPr lang="fi-FI" sz="1600" dirty="0"/>
-              <a:t> case for </a:t>
-            </a:r>
-            <a:r>
-              <a:rPr lang="fi-FI" sz="1600" dirty="0" err="1"/>
-              <a:t>hidden</a:t>
-            </a:r>
-            <a:r>
-              <a:rPr lang="fi-FI" sz="1600" dirty="0"/>
-              <a:t> </a:t>
-            </a:r>
-            <a:r>
-              <a:rPr lang="fi-FI" sz="1600" dirty="0" err="1"/>
-              <a:t>objects</a:t>
-            </a:r>
-            <a:endParaRPr lang="fi-FI" sz="1600" dirty="0"/>
-          </a:p>
-          <a:p>
-            <a:endParaRPr lang="fi-FI" sz="1600" dirty="0"/>
-          </a:p>
-          <a:p>
-            <a:r>
-              <a:rPr lang="fi-FI" sz="1600" dirty="0"/>
-              <a:t>To </a:t>
-            </a:r>
-            <a:r>
-              <a:rPr lang="fi-FI" sz="1600" dirty="0" err="1"/>
-              <a:t>do</a:t>
-            </a:r>
-            <a:r>
-              <a:rPr lang="fi-FI" sz="1600" dirty="0"/>
-              <a:t>:</a:t>
-            </a:r>
-          </a:p>
-          <a:p>
-            <a:pPr marL="285750" indent="-285750">
-              <a:buFont typeface="Arial" panose="020B0604020202020204" pitchFamily="34" charset="0"/>
-              <a:buChar char="•"/>
-            </a:pPr>
-            <a:r>
-              <a:rPr lang="fi-FI" sz="1600" dirty="0" err="1"/>
-              <a:t>Close</a:t>
-            </a:r>
-            <a:r>
-              <a:rPr lang="fi-FI" sz="1600" dirty="0"/>
-              <a:t> open </a:t>
-            </a:r>
-            <a:r>
-              <a:rPr lang="fi-FI" sz="1600" dirty="0" err="1"/>
-              <a:t>questions</a:t>
-            </a:r>
-            <a:endParaRPr lang="fi-FI" sz="1600" dirty="0"/>
-          </a:p>
-          <a:p>
-            <a:pPr marL="285750" indent="-285750">
-              <a:buFont typeface="Arial" panose="020B0604020202020204" pitchFamily="34" charset="0"/>
-              <a:buChar char="•"/>
-            </a:pPr>
-            <a:r>
-              <a:rPr lang="fi-FI" sz="1600" dirty="0"/>
-              <a:t>Image </a:t>
-            </a:r>
-            <a:r>
-              <a:rPr lang="fi-FI" sz="1600" dirty="0" err="1"/>
-              <a:t>object</a:t>
-            </a:r>
-            <a:r>
-              <a:rPr lang="fi-FI" sz="1600" dirty="0"/>
-              <a:t> status</a:t>
-            </a:r>
-          </a:p>
-          <a:p>
-            <a:pPr marL="285750" indent="-285750">
-              <a:buFont typeface="Arial" panose="020B0604020202020204" pitchFamily="34" charset="0"/>
-              <a:buChar char="•"/>
-            </a:pPr>
-            <a:r>
-              <a:rPr lang="fi-FI" sz="1600" dirty="0"/>
-              <a:t>Image </a:t>
-            </a:r>
-            <a:r>
-              <a:rPr lang="fi-FI" sz="1600" dirty="0" err="1"/>
-              <a:t>object</a:t>
-            </a:r>
-            <a:r>
-              <a:rPr lang="fi-FI" sz="1600" dirty="0"/>
-              <a:t> </a:t>
-            </a:r>
-            <a:r>
-              <a:rPr lang="fi-FI" sz="1600" dirty="0" err="1"/>
-              <a:t>velocity</a:t>
-            </a:r>
-            <a:r>
-              <a:rPr lang="fi-FI" sz="1600" dirty="0"/>
-              <a:t> </a:t>
-            </a:r>
-            <a:r>
-              <a:rPr lang="fi-FI" sz="1600" dirty="0" err="1"/>
-              <a:t>estimation</a:t>
-            </a:r>
-            <a:endParaRPr lang="fi-FI" sz="1600" dirty="0"/>
-          </a:p>
-          <a:p>
-            <a:pPr marL="285750" indent="-285750">
-              <a:buFont typeface="Arial" panose="020B0604020202020204" pitchFamily="34" charset="0"/>
-              <a:buChar char="•"/>
-            </a:pPr>
-            <a:r>
-              <a:rPr lang="fi-FI" sz="1600" dirty="0" err="1"/>
-              <a:t>Probabilistic</a:t>
-            </a:r>
-            <a:r>
-              <a:rPr lang="fi-FI" sz="1600" dirty="0"/>
-              <a:t> </a:t>
-            </a:r>
-            <a:r>
-              <a:rPr lang="fi-FI" sz="1600" dirty="0" err="1"/>
-              <a:t>approach</a:t>
-            </a:r>
-            <a:r>
-              <a:rPr lang="fi-FI" sz="1600" dirty="0"/>
-              <a:t> for </a:t>
-            </a:r>
-            <a:r>
-              <a:rPr lang="fi-FI" sz="1600" dirty="0" err="1"/>
-              <a:t>matching</a:t>
-            </a:r>
-            <a:r>
-              <a:rPr lang="fi-FI" sz="1600" dirty="0"/>
-              <a:t> </a:t>
-            </a:r>
-            <a:r>
-              <a:rPr lang="fi-FI" sz="1600" dirty="0" err="1"/>
-              <a:t>detected</a:t>
-            </a:r>
-            <a:r>
-              <a:rPr lang="fi-FI" sz="1600" dirty="0"/>
-              <a:t> and image </a:t>
-            </a:r>
-            <a:r>
-              <a:rPr lang="fi-FI" sz="1600" dirty="0" err="1"/>
-              <a:t>objects</a:t>
-            </a:r>
-            <a:endParaRPr lang="fi-FI" sz="1600" dirty="0"/>
-          </a:p>
-          <a:p>
-            <a:pPr marL="285750" indent="-285750">
-              <a:buFont typeface="Arial" panose="020B0604020202020204" pitchFamily="34" charset="0"/>
-              <a:buChar char="•"/>
-            </a:pPr>
-            <a:r>
-              <a:rPr lang="fi-FI" sz="1600" dirty="0"/>
-              <a:t>2d -&gt; 3d </a:t>
-            </a:r>
-            <a:r>
-              <a:rPr lang="fi-FI" sz="1600" dirty="0" err="1"/>
-              <a:t>transformation</a:t>
-            </a:r>
-            <a:endParaRPr lang="fi-FI" sz="1600" dirty="0"/>
-          </a:p>
-          <a:p>
-            <a:pPr marL="285750" indent="-285750">
-              <a:buFont typeface="Arial" panose="020B0604020202020204" pitchFamily="34" charset="0"/>
-              <a:buChar char="•"/>
-            </a:pPr>
-            <a:r>
-              <a:rPr lang="fi-FI" sz="1600" dirty="0"/>
-              <a:t>World </a:t>
-            </a:r>
-            <a:r>
-              <a:rPr lang="fi-FI" sz="1600" dirty="0" err="1"/>
-              <a:t>object</a:t>
-            </a:r>
-            <a:r>
-              <a:rPr lang="fi-FI" sz="1600" dirty="0"/>
-              <a:t> </a:t>
-            </a:r>
-            <a:r>
-              <a:rPr lang="fi-FI" sz="1600" dirty="0" err="1"/>
-              <a:t>state</a:t>
-            </a:r>
-            <a:r>
-              <a:rPr lang="fi-FI" sz="1600" dirty="0"/>
-              <a:t> </a:t>
-            </a:r>
-            <a:r>
-              <a:rPr lang="fi-FI" sz="1600" dirty="0" err="1"/>
-              <a:t>estimation</a:t>
-            </a:r>
-            <a:endParaRPr lang="fi-FI" sz="1600" dirty="0"/>
-          </a:p>
-          <a:p>
-            <a:pPr marL="285750" indent="-285750">
-              <a:buFont typeface="Arial" panose="020B0604020202020204" pitchFamily="34" charset="0"/>
-              <a:buChar char="•"/>
-            </a:pPr>
-            <a:endParaRPr lang="fi-FI" sz="1600" dirty="0"/>
-          </a:p>
-          <a:p>
-            <a:r>
-              <a:rPr lang="fi-FI" sz="1600" dirty="0" err="1"/>
-              <a:t>Other</a:t>
-            </a:r>
-            <a:r>
-              <a:rPr lang="fi-FI" sz="1600" dirty="0"/>
-              <a:t>:</a:t>
-            </a:r>
-          </a:p>
-          <a:p>
-            <a:pPr marL="285750" indent="-285750">
-              <a:buFont typeface="Arial" panose="020B0604020202020204" pitchFamily="34" charset="0"/>
-              <a:buChar char="•"/>
-            </a:pPr>
-            <a:r>
-              <a:rPr lang="fi-FI" sz="1600" dirty="0" err="1"/>
-              <a:t>Semantic</a:t>
-            </a:r>
-            <a:r>
-              <a:rPr lang="fi-FI" sz="1600" dirty="0"/>
-              <a:t> </a:t>
-            </a:r>
-            <a:r>
-              <a:rPr lang="fi-FI" sz="1600" dirty="0" err="1"/>
-              <a:t>segmentation</a:t>
-            </a:r>
-            <a:endParaRPr lang="fi-FI" sz="1600" dirty="0"/>
-          </a:p>
-          <a:p>
-            <a:pPr marL="285750" indent="-285750">
-              <a:buFont typeface="Arial" panose="020B0604020202020204" pitchFamily="34" charset="0"/>
-              <a:buChar char="•"/>
-            </a:pPr>
-            <a:r>
-              <a:rPr lang="fi-FI" sz="1600" dirty="0" err="1"/>
-              <a:t>Organisations</a:t>
-            </a:r>
-            <a:r>
-              <a:rPr lang="fi-FI" sz="1600" dirty="0"/>
-              <a:t> to </a:t>
-            </a:r>
-            <a:r>
-              <a:rPr lang="fi-FI" sz="1600" dirty="0" err="1"/>
-              <a:t>follow</a:t>
-            </a:r>
-            <a:r>
-              <a:rPr lang="fi-FI" sz="1600" dirty="0"/>
-              <a:t>: ICCV, ICRA, NIPS, IROS, </a:t>
-            </a:r>
-            <a:r>
-              <a:rPr lang="fi-FI" sz="1600" dirty="0" err="1"/>
-              <a:t>arXiv</a:t>
-            </a:r>
-            <a:endParaRPr lang="fi-FI" sz="1600" dirty="0"/>
-          </a:p>
-          <a:p>
-            <a:pPr marL="285750" indent="-285750">
-              <a:buFont typeface="Arial" panose="020B0604020202020204" pitchFamily="34" charset="0"/>
-              <a:buChar char="•"/>
-            </a:pPr>
-            <a:r>
-              <a:rPr lang="fi-FI" sz="1600" dirty="0" err="1"/>
-              <a:t>Camera</a:t>
-            </a:r>
-            <a:r>
-              <a:rPr lang="fi-FI" sz="1600" dirty="0"/>
-              <a:t> </a:t>
-            </a:r>
-            <a:r>
-              <a:rPr lang="fi-FI" sz="1600" dirty="0" err="1"/>
-              <a:t>motion</a:t>
-            </a:r>
-            <a:r>
-              <a:rPr lang="fi-FI" sz="1600" dirty="0"/>
-              <a:t> (</a:t>
-            </a:r>
-            <a:r>
-              <a:rPr lang="fi-FI" sz="1600" dirty="0" err="1"/>
-              <a:t>yaw</a:t>
-            </a:r>
-            <a:r>
-              <a:rPr lang="fi-FI" sz="1600" dirty="0"/>
-              <a:t>, </a:t>
-            </a:r>
-            <a:r>
-              <a:rPr lang="fi-FI" sz="1600" dirty="0" err="1"/>
-              <a:t>pitch</a:t>
-            </a:r>
-            <a:r>
-              <a:rPr lang="fi-FI" sz="1600" dirty="0"/>
-              <a:t>)</a:t>
-            </a:r>
-          </a:p>
-          <a:p>
-            <a:pPr marL="285750" indent="-285750">
-              <a:buFont typeface="Arial" panose="020B0604020202020204" pitchFamily="34" charset="0"/>
-              <a:buChar char="•"/>
-            </a:pPr>
-            <a:r>
-              <a:rPr lang="fi-FI" sz="1600" dirty="0"/>
-              <a:t>Grid </a:t>
-            </a:r>
-            <a:r>
-              <a:rPr lang="fi-FI" sz="1600" dirty="0" err="1"/>
-              <a:t>or</a:t>
-            </a:r>
-            <a:r>
-              <a:rPr lang="fi-FI" sz="1600" dirty="0"/>
-              <a:t> </a:t>
-            </a:r>
-            <a:r>
-              <a:rPr lang="fi-FI" sz="1600" dirty="0" err="1"/>
-              <a:t>continuos</a:t>
-            </a:r>
-            <a:r>
-              <a:rPr lang="fi-FI" sz="1600" dirty="0"/>
-              <a:t> </a:t>
-            </a:r>
-            <a:r>
-              <a:rPr lang="fi-FI" sz="1600" dirty="0" err="1"/>
-              <a:t>presentation</a:t>
-            </a:r>
-            <a:r>
-              <a:rPr lang="fi-FI" sz="1600" dirty="0"/>
-              <a:t>?</a:t>
-            </a:r>
-          </a:p>
-          <a:p>
-            <a:pPr marL="285750" indent="-285750">
-              <a:buFont typeface="Arial" panose="020B0604020202020204" pitchFamily="34" charset="0"/>
-              <a:buChar char="•"/>
-            </a:pPr>
-            <a:r>
-              <a:rPr lang="fi-FI" sz="1600" dirty="0"/>
-              <a:t>Class </a:t>
-            </a:r>
-            <a:r>
-              <a:rPr lang="fi-FI" sz="1600" dirty="0" err="1"/>
-              <a:t>specific</a:t>
-            </a:r>
-            <a:r>
-              <a:rPr lang="fi-FI" sz="1600" dirty="0"/>
-              <a:t>  </a:t>
-            </a:r>
-            <a:r>
-              <a:rPr lang="fi-FI" sz="1600" dirty="0" err="1"/>
-              <a:t>attributes</a:t>
-            </a:r>
-            <a:endParaRPr lang="fi-FI" sz="1600" dirty="0"/>
-          </a:p>
-          <a:p>
-            <a:pPr marL="285750" indent="-285750">
-              <a:buFont typeface="Arial" panose="020B0604020202020204" pitchFamily="34" charset="0"/>
-              <a:buChar char="•"/>
-            </a:pPr>
-            <a:r>
-              <a:rPr lang="fi-FI" sz="1600" dirty="0"/>
-              <a:t>Object </a:t>
-            </a:r>
-            <a:r>
-              <a:rPr lang="fi-FI" sz="1600" dirty="0" err="1"/>
-              <a:t>history</a:t>
-            </a:r>
-            <a:endParaRPr lang="fi-FI" sz="1600" dirty="0"/>
-          </a:p>
-          <a:p>
-            <a:pPr marL="285750" indent="-285750">
-              <a:buFont typeface="Arial" panose="020B0604020202020204" pitchFamily="34" charset="0"/>
-              <a:buChar char="•"/>
-            </a:pPr>
-            <a:endParaRPr lang="en-GB" sz="1600" dirty="0"/>
-          </a:p>
-        </p:txBody>
-      </p:sp>
-    </p:spTree>
-    <p:extLst>
-      <p:ext uri="{BB962C8B-B14F-4D97-AF65-F5344CB8AC3E}">
-        <p14:creationId xmlns:p14="http://schemas.microsoft.com/office/powerpoint/2010/main" val="3763392121"/>
-      </p:ext>
-    </p:extLst>
-  </p:cSld>
-  <p:clrMapOvr>
-    <a:masterClrMapping/>
-  </p:clrMapOvr>
-</p:sld>
-</file>
-
-<file path=ppt/slides/slide30.xml><?xml version="1.0" encoding="utf-8"?>
-<p:sld xmlns:a="http://schemas.openxmlformats.org/drawingml/2006/main" xmlns:r="http://schemas.openxmlformats.org/officeDocument/2006/relationships" xmlns:p="http://schemas.openxmlformats.org/presentationml/2006/main">
-  <p:cSld>
-    <p:bg>
-      <p:bgPr>
-        <a:solidFill>
-          <a:schemeClr val="bg1"/>
-        </a:solidFill>
-        <a:effectLst/>
-      </p:bgPr>
-    </p:bg>
-    <p:spTree>
-      <p:nvGrpSpPr>
-        <p:cNvPr id="1" name=""/>
-        <p:cNvGrpSpPr/>
-        <p:nvPr/>
-      </p:nvGrpSpPr>
-      <p:grpSpPr>
-        <a:xfrm>
-          <a:off x="0" y="0"/>
-          <a:ext cx="0" cy="0"/>
-          <a:chOff x="0" y="0"/>
-          <a:chExt cx="0" cy="0"/>
-        </a:xfrm>
-      </p:grpSpPr>
-      <p:sp>
-        <p:nvSpPr>
-          <p:cNvPr id="71" name="Rectangle 70">
-            <a:extLst>
-              <a:ext uri="{FF2B5EF4-FFF2-40B4-BE49-F238E27FC236}">
-                <a16:creationId xmlns:a16="http://schemas.microsoft.com/office/drawing/2014/main" id="{AB45A142-4255-493C-8284-5D566C121B10}"/>
-              </a:ext>
-            </a:extLst>
-          </p:cNvPr>
-          <p:cNvSpPr>
-            <a:spLocks noGrp="1" noRot="1" noChangeAspect="1" noMove="1" noResize="1" noEditPoints="1" noAdjustHandles="1" noChangeArrowheads="1" noChangeShapeType="1" noTextEdit="1"/>
-          </p:cNvSpPr>
-          <p:nvPr>
-            <p:extLst>
-              <p:ext uri="{386F3935-93C4-4BCD-93E2-E3B085C9AB24}">
-                <p16:designElem xmlns:p16="http://schemas.microsoft.com/office/powerpoint/2015/main" val="1"/>
-              </p:ext>
-            </p:extLst>
-          </p:nvPr>
-        </p:nvSpPr>
-        <p:spPr bwMode="ltGray">
-          <a:xfrm>
-            <a:off x="336884" y="321177"/>
-            <a:ext cx="4332307" cy="6179552"/>
-          </a:xfrm>
-          <a:prstGeom prst="rect">
-            <a:avLst/>
-          </a:prstGeom>
-          <a:solidFill>
-            <a:schemeClr val="tx1">
-              <a:lumMod val="75000"/>
-              <a:lumOff val="25000"/>
-            </a:schemeClr>
-          </a:solidFill>
-          <a:ln w="127000" cap="sq" cmpd="thinThick">
-            <a:solidFill>
-              <a:schemeClr val="tx1">
-                <a:lumMod val="75000"/>
-                <a:lumOff val="25000"/>
-              </a:schemeClr>
-            </a:solidFill>
-          </a:ln>
-        </p:spPr>
-        <p:style>
-          <a:lnRef idx="2">
-            <a:schemeClr val="accent1">
-              <a:shade val="50000"/>
-            </a:schemeClr>
-          </a:lnRef>
-          <a:fillRef idx="1">
-            <a:schemeClr val="accent1"/>
-          </a:fillRef>
-          <a:effectRef idx="0">
-            <a:schemeClr val="accent1"/>
-          </a:effectRef>
-          <a:fontRef idx="minor">
-            <a:schemeClr val="lt1"/>
-          </a:fontRef>
-        </p:style>
-        <p:txBody>
-          <a:bodyPr rtlCol="0" anchor="ctr"/>
-          <a:lstStyle/>
-          <a:p>
-            <a:pPr algn="ctr"/>
-            <a:endParaRPr lang="en-US"/>
-          </a:p>
-        </p:txBody>
-      </p:sp>
-      <p:cxnSp>
-        <p:nvCxnSpPr>
-          <p:cNvPr id="73" name="Straight Connector 72">
-            <a:extLst>
-              <a:ext uri="{FF2B5EF4-FFF2-40B4-BE49-F238E27FC236}">
-                <a16:creationId xmlns:a16="http://schemas.microsoft.com/office/drawing/2014/main" id="{38FB9660-F42F-4313-BBC4-47C007FE484C}"/>
-              </a:ext>
-            </a:extLst>
-          </p:cNvPr>
-          <p:cNvCxnSpPr>
-            <a:cxnSpLocks noGrp="1" noRot="1" noChangeAspect="1" noMove="1" noResize="1" noEditPoints="1" noAdjustHandles="1" noChangeArrowheads="1" noChangeShapeType="1"/>
-          </p:cNvCxnSpPr>
-          <p:nvPr>
-            <p:extLst>
-              <p:ext uri="{386F3935-93C4-4BCD-93E2-E3B085C9AB24}">
-                <p16:designElem xmlns:p16="http://schemas.microsoft.com/office/powerpoint/2015/main" val="1"/>
-              </p:ext>
-            </p:extLst>
-          </p:nvPr>
-        </p:nvCxnSpPr>
-        <p:spPr>
-          <a:xfrm>
-            <a:off x="1191126" y="3910267"/>
-            <a:ext cx="2586790" cy="0"/>
-          </a:xfrm>
-          <a:prstGeom prst="line">
-            <a:avLst/>
-          </a:prstGeom>
-          <a:ln w="22225">
-            <a:solidFill>
-              <a:schemeClr val="bg1">
-                <a:lumMod val="85000"/>
-              </a:schemeClr>
-            </a:solidFill>
-          </a:ln>
-        </p:spPr>
-        <p:style>
-          <a:lnRef idx="1">
-            <a:schemeClr val="accent1"/>
-          </a:lnRef>
-          <a:fillRef idx="0">
-            <a:schemeClr val="accent1"/>
-          </a:fillRef>
-          <a:effectRef idx="0">
-            <a:schemeClr val="accent1"/>
-          </a:effectRef>
-          <a:fontRef idx="minor">
-            <a:schemeClr val="tx1"/>
-          </a:fontRef>
-        </p:style>
-      </p:cxnSp>
-      <p:sp>
-        <p:nvSpPr>
-          <p:cNvPr id="5" name="Tekstiruutu 4">
-            <a:extLst>
-              <a:ext uri="{FF2B5EF4-FFF2-40B4-BE49-F238E27FC236}">
-                <a16:creationId xmlns:a16="http://schemas.microsoft.com/office/drawing/2014/main" id="{96513FD4-02A8-4B70-98A1-6EDA16999002}"/>
-              </a:ext>
-            </a:extLst>
-          </p:cNvPr>
-          <p:cNvSpPr txBox="1"/>
-          <p:nvPr/>
-        </p:nvSpPr>
-        <p:spPr>
-          <a:xfrm>
-            <a:off x="501997" y="914400"/>
-            <a:ext cx="4103583" cy="2918123"/>
-          </a:xfrm>
-          <a:prstGeom prst="rect">
-            <a:avLst/>
-          </a:prstGeom>
-        </p:spPr>
-        <p:txBody>
-          <a:bodyPr vert="horz" lIns="91440" tIns="45720" rIns="91440" bIns="45720" rtlCol="0" anchor="b">
-            <a:normAutofit/>
-          </a:bodyPr>
-          <a:lstStyle/>
-          <a:p>
-            <a:pPr algn="ctr">
-              <a:lnSpc>
-                <a:spcPct val="90000"/>
-              </a:lnSpc>
-              <a:spcBef>
-                <a:spcPct val="0"/>
-              </a:spcBef>
-              <a:spcAft>
-                <a:spcPts val="600"/>
-              </a:spcAft>
-            </a:pPr>
-            <a:r>
-              <a:rPr lang="en-US" sz="4800" kern="1200" dirty="0">
-                <a:solidFill>
-                  <a:schemeClr val="bg1"/>
-                </a:solidFill>
-                <a:latin typeface="+mj-lt"/>
-                <a:ea typeface="+mj-ea"/>
-                <a:cs typeface="+mj-cs"/>
-              </a:rPr>
               <a:t>Perception</a:t>
             </a:r>
           </a:p>
@@ -25037,7 +28516,7 @@
 </p:sld>
 </file>
 
-<file path=ppt/slides/slide31.xml><?xml version="1.0" encoding="utf-8"?>
+<file path=ppt/slides/slide33.xml><?xml version="1.0" encoding="utf-8"?>
 <p:sld xmlns:a="http://schemas.openxmlformats.org/drawingml/2006/main" xmlns:r="http://schemas.openxmlformats.org/officeDocument/2006/relationships" xmlns:p="http://schemas.openxmlformats.org/presentationml/2006/main">
   <p:cSld>
     <p:bg>
@@ -25714,7 +29193,7 @@
 </p:sld>
 </file>
 
-<file path=ppt/slides/slide32.xml><?xml version="1.0" encoding="utf-8"?>
+<file path=ppt/slides/slide34.xml><?xml version="1.0" encoding="utf-8"?>
 <p:sld xmlns:a="http://schemas.openxmlformats.org/drawingml/2006/main" xmlns:r="http://schemas.openxmlformats.org/officeDocument/2006/relationships" xmlns:p="http://schemas.openxmlformats.org/presentationml/2006/main">
   <p:cSld>
     <p:bg>
@@ -26065,7 +29544,7 @@
 </p:sld>
 </file>
 
-<file path=ppt/slides/slide33.xml><?xml version="1.0" encoding="utf-8"?>
+<file path=ppt/slides/slide35.xml><?xml version="1.0" encoding="utf-8"?>
 <p:sld xmlns:a="http://schemas.openxmlformats.org/drawingml/2006/main" xmlns:r="http://schemas.openxmlformats.org/officeDocument/2006/relationships" xmlns:p="http://schemas.openxmlformats.org/presentationml/2006/main">
   <p:cSld>
     <p:bg>
@@ -26750,7 +30229,7 @@
 </p:sld>
 </file>
 
-<file path=ppt/slides/slide34.xml><?xml version="1.0" encoding="utf-8"?>
+<file path=ppt/slides/slide36.xml><?xml version="1.0" encoding="utf-8"?>
 <p:sld xmlns:a="http://schemas.openxmlformats.org/drawingml/2006/main" xmlns:r="http://schemas.openxmlformats.org/officeDocument/2006/relationships" xmlns:p="http://schemas.openxmlformats.org/presentationml/2006/main">
   <p:cSld>
     <p:bg>
@@ -26969,7 +30448,7 @@
         <p:spPr>
           <a:xfrm>
             <a:off x="6192216" y="2597184"/>
-            <a:ext cx="2490618" cy="646331"/>
+            <a:ext cx="5650265" cy="923330"/>
           </a:xfrm>
           <a:prstGeom prst="rect">
             <a:avLst/>
@@ -27015,6 +30494,60 @@
             <a:r>
               <a:rPr lang="fi-FI" dirty="0" err="1"/>
               <a:t>recognition</a:t>
+            </a:r>
+            <a:r>
+              <a:rPr lang="fi-FI" dirty="0"/>
+              <a:t>?</a:t>
+            </a:r>
+          </a:p>
+          <a:p>
+            <a:pPr marL="285750" indent="-285750">
+              <a:buFont typeface="Arial" panose="020B0604020202020204" pitchFamily="34" charset="0"/>
+              <a:buChar char="•"/>
+            </a:pPr>
+            <a:r>
+              <a:rPr lang="fi-FI" dirty="0" err="1"/>
+              <a:t>Turning</a:t>
+            </a:r>
+            <a:r>
+              <a:rPr lang="fi-FI" dirty="0"/>
+              <a:t> </a:t>
+            </a:r>
+            <a:r>
+              <a:rPr lang="fi-FI" dirty="0" err="1"/>
+              <a:t>camera</a:t>
+            </a:r>
+            <a:r>
+              <a:rPr lang="fi-FI" dirty="0"/>
+              <a:t>, </a:t>
+            </a:r>
+            <a:r>
+              <a:rPr lang="fi-FI" dirty="0" err="1"/>
+              <a:t>estimation</a:t>
+            </a:r>
+            <a:r>
+              <a:rPr lang="fi-FI" dirty="0"/>
+              <a:t> </a:t>
+            </a:r>
+            <a:r>
+              <a:rPr lang="fi-FI" dirty="0" err="1"/>
+              <a:t>by</a:t>
+            </a:r>
+            <a:r>
+              <a:rPr lang="fi-FI" dirty="0"/>
+              <a:t> </a:t>
+            </a:r>
+            <a:r>
+              <a:rPr lang="fi-FI" dirty="0" err="1"/>
+              <a:t>background</a:t>
+            </a:r>
+            <a:r>
+              <a:rPr lang="fi-FI" dirty="0"/>
+              <a:t> </a:t>
+            </a:r>
+            <a:r>
+              <a:rPr lang="fi-FI" dirty="0" err="1"/>
+              <a:t>movement</a:t>
             </a:r>
             <a:r>
               <a:rPr lang="fi-FI" dirty="0"/>
@@ -27036,7 +30569,7 @@
 </p:sld>
 </file>
 
-<file path=ppt/slides/slide35.xml><?xml version="1.0" encoding="utf-8"?>
+<file path=ppt/slides/slide37.xml><?xml version="1.0" encoding="utf-8"?>
 <p:sld xmlns:a="http://schemas.openxmlformats.org/drawingml/2006/main" xmlns:r="http://schemas.openxmlformats.org/officeDocument/2006/relationships" xmlns:p="http://schemas.openxmlformats.org/presentationml/2006/main">
   <p:cSld>
     <p:spTree>

--- a/presentations/Audit 20180301.pptx
+++ b/presentations/Audit 20180301.pptx
@@ -5,7 +5,7 @@
     <p:sldMasterId id="2147483648" r:id="rId1"/>
   </p:sldMasterIdLst>
   <p:notesMasterIdLst>
-    <p:notesMasterId r:id="rId39"/>
+    <p:notesMasterId r:id="rId44"/>
   </p:notesMasterIdLst>
   <p:sldIdLst>
     <p:sldId id="256" r:id="rId2"/>
@@ -38,13 +38,18 @@
     <p:sldId id="414" r:id="rId29"/>
     <p:sldId id="415" r:id="rId30"/>
     <p:sldId id="416" r:id="rId31"/>
-    <p:sldId id="387" r:id="rId32"/>
-    <p:sldId id="336" r:id="rId33"/>
-    <p:sldId id="356" r:id="rId34"/>
-    <p:sldId id="357" r:id="rId35"/>
-    <p:sldId id="368" r:id="rId36"/>
-    <p:sldId id="371" r:id="rId37"/>
-    <p:sldId id="298" r:id="rId38"/>
+    <p:sldId id="417" r:id="rId32"/>
+    <p:sldId id="418" r:id="rId33"/>
+    <p:sldId id="419" r:id="rId34"/>
+    <p:sldId id="420" r:id="rId35"/>
+    <p:sldId id="421" r:id="rId36"/>
+    <p:sldId id="387" r:id="rId37"/>
+    <p:sldId id="336" r:id="rId38"/>
+    <p:sldId id="356" r:id="rId39"/>
+    <p:sldId id="357" r:id="rId40"/>
+    <p:sldId id="368" r:id="rId41"/>
+    <p:sldId id="371" r:id="rId42"/>
+    <p:sldId id="298" r:id="rId43"/>
   </p:sldIdLst>
   <p:sldSz cx="12192000" cy="6858000"/>
   <p:notesSz cx="6858000" cy="9144000"/>
@@ -237,7 +242,7 @@
           <a:p>
             <a:fld id="{419674A6-AE52-4650-90C3-47547F301181}" type="datetimeFigureOut">
               <a:rPr lang="en-GB" smtClean="0"/>
-              <a:t>25/01/2018</a:t>
+              <a:t>30/01/2018</a:t>
             </a:fld>
             <a:endParaRPr lang="en-GB"/>
           </a:p>
@@ -654,7 +659,7 @@
           <a:p>
             <a:fld id="{044A8A7F-4678-4ADA-A967-6C2095B09219}" type="datetimeFigureOut">
               <a:rPr lang="en-GB" smtClean="0"/>
-              <a:t>25/01/2018</a:t>
+              <a:t>30/01/2018</a:t>
             </a:fld>
             <a:endParaRPr lang="en-GB"/>
           </a:p>
@@ -854,7 +859,7 @@
           <a:p>
             <a:fld id="{044A8A7F-4678-4ADA-A967-6C2095B09219}" type="datetimeFigureOut">
               <a:rPr lang="en-GB" smtClean="0"/>
-              <a:t>25/01/2018</a:t>
+              <a:t>30/01/2018</a:t>
             </a:fld>
             <a:endParaRPr lang="en-GB"/>
           </a:p>
@@ -1064,7 +1069,7 @@
           <a:p>
             <a:fld id="{044A8A7F-4678-4ADA-A967-6C2095B09219}" type="datetimeFigureOut">
               <a:rPr lang="en-GB" smtClean="0"/>
-              <a:t>25/01/2018</a:t>
+              <a:t>30/01/2018</a:t>
             </a:fld>
             <a:endParaRPr lang="en-GB"/>
           </a:p>
@@ -1264,7 +1269,7 @@
           <a:p>
             <a:fld id="{044A8A7F-4678-4ADA-A967-6C2095B09219}" type="datetimeFigureOut">
               <a:rPr lang="en-GB" smtClean="0"/>
-              <a:t>25/01/2018</a:t>
+              <a:t>30/01/2018</a:t>
             </a:fld>
             <a:endParaRPr lang="en-GB"/>
           </a:p>
@@ -1540,7 +1545,7 @@
           <a:p>
             <a:fld id="{044A8A7F-4678-4ADA-A967-6C2095B09219}" type="datetimeFigureOut">
               <a:rPr lang="en-GB" smtClean="0"/>
-              <a:t>25/01/2018</a:t>
+              <a:t>30/01/2018</a:t>
             </a:fld>
             <a:endParaRPr lang="en-GB"/>
           </a:p>
@@ -1808,7 +1813,7 @@
           <a:p>
             <a:fld id="{044A8A7F-4678-4ADA-A967-6C2095B09219}" type="datetimeFigureOut">
               <a:rPr lang="en-GB" smtClean="0"/>
-              <a:t>25/01/2018</a:t>
+              <a:t>30/01/2018</a:t>
             </a:fld>
             <a:endParaRPr lang="en-GB"/>
           </a:p>
@@ -2223,7 +2228,7 @@
           <a:p>
             <a:fld id="{044A8A7F-4678-4ADA-A967-6C2095B09219}" type="datetimeFigureOut">
               <a:rPr lang="en-GB" smtClean="0"/>
-              <a:t>25/01/2018</a:t>
+              <a:t>30/01/2018</a:t>
             </a:fld>
             <a:endParaRPr lang="en-GB"/>
           </a:p>
@@ -2365,7 +2370,7 @@
           <a:p>
             <a:fld id="{044A8A7F-4678-4ADA-A967-6C2095B09219}" type="datetimeFigureOut">
               <a:rPr lang="en-GB" smtClean="0"/>
-              <a:t>25/01/2018</a:t>
+              <a:t>30/01/2018</a:t>
             </a:fld>
             <a:endParaRPr lang="en-GB"/>
           </a:p>
@@ -2478,7 +2483,7 @@
           <a:p>
             <a:fld id="{044A8A7F-4678-4ADA-A967-6C2095B09219}" type="datetimeFigureOut">
               <a:rPr lang="en-GB" smtClean="0"/>
-              <a:t>25/01/2018</a:t>
+              <a:t>30/01/2018</a:t>
             </a:fld>
             <a:endParaRPr lang="en-GB"/>
           </a:p>
@@ -2791,7 +2796,7 @@
           <a:p>
             <a:fld id="{044A8A7F-4678-4ADA-A967-6C2095B09219}" type="datetimeFigureOut">
               <a:rPr lang="en-GB" smtClean="0"/>
-              <a:t>25/01/2018</a:t>
+              <a:t>30/01/2018</a:t>
             </a:fld>
             <a:endParaRPr lang="en-GB"/>
           </a:p>
@@ -3080,7 +3085,7 @@
           <a:p>
             <a:fld id="{044A8A7F-4678-4ADA-A967-6C2095B09219}" type="datetimeFigureOut">
               <a:rPr lang="en-GB" smtClean="0"/>
-              <a:t>25/01/2018</a:t>
+              <a:t>30/01/2018</a:t>
             </a:fld>
             <a:endParaRPr lang="en-GB"/>
           </a:p>
@@ -3323,7 +3328,7 @@
           <a:p>
             <a:fld id="{044A8A7F-4678-4ADA-A967-6C2095B09219}" type="datetimeFigureOut">
               <a:rPr lang="en-GB" smtClean="0"/>
-              <a:t>25/01/2018</a:t>
+              <a:t>30/01/2018</a:t>
             </a:fld>
             <a:endParaRPr lang="en-GB"/>
           </a:p>
@@ -16740,8 +16745,8 @@
           </a:p>
         </p:txBody>
       </p:sp>
-      <mc:AlternateContent xmlns:mc="http://schemas.openxmlformats.org/markup-compatibility/2006">
-        <mc:Choice xmlns:a14="http://schemas.microsoft.com/office/drawing/2010/main" Requires="a14">
+      <mc:AlternateContent xmlns:mc="http://schemas.openxmlformats.org/markup-compatibility/2006" xmlns:a14="http://schemas.microsoft.com/office/drawing/2010/main">
+        <mc:Choice Requires="a14">
           <p:sp>
             <p:nvSpPr>
               <p:cNvPr id="38" name="Tekstiruutu 37">
@@ -17067,7 +17072,7 @@
             </p:txBody>
           </p:sp>
         </mc:Choice>
-        <mc:Fallback>
+        <mc:Fallback xmlns="">
           <p:sp>
             <p:nvSpPr>
               <p:cNvPr id="38" name="Tekstiruutu 37">
@@ -19852,8 +19857,8 @@
           </p:sp>
         </mc:Fallback>
       </mc:AlternateContent>
-      <mc:AlternateContent xmlns:mc="http://schemas.openxmlformats.org/markup-compatibility/2006">
-        <mc:Choice xmlns:a14="http://schemas.microsoft.com/office/drawing/2010/main" Requires="a14">
+      <mc:AlternateContent xmlns:mc="http://schemas.openxmlformats.org/markup-compatibility/2006" xmlns:a14="http://schemas.microsoft.com/office/drawing/2010/main">
+        <mc:Choice Requires="a14">
           <p:sp>
             <p:nvSpPr>
               <p:cNvPr id="45" name="Tekstiruutu 44">
@@ -20179,7 +20184,7 @@
             </p:txBody>
           </p:sp>
         </mc:Choice>
-        <mc:Fallback>
+        <mc:Fallback xmlns="">
           <p:sp>
             <p:nvSpPr>
               <p:cNvPr id="45" name="Tekstiruutu 44">
@@ -21134,8 +21139,8 @@
           </p:sp>
         </mc:Fallback>
       </mc:AlternateContent>
-      <mc:AlternateContent xmlns:mc="http://schemas.openxmlformats.org/markup-compatibility/2006">
-        <mc:Choice xmlns:a14="http://schemas.microsoft.com/office/drawing/2010/main" Requires="a14">
+      <mc:AlternateContent xmlns:mc="http://schemas.openxmlformats.org/markup-compatibility/2006" xmlns:a14="http://schemas.microsoft.com/office/drawing/2010/main">
+        <mc:Choice Requires="a14">
           <p:sp>
             <p:nvSpPr>
               <p:cNvPr id="18" name="Suorakulmio 17">
@@ -21323,7 +21328,7 @@
             </p:txBody>
           </p:sp>
         </mc:Choice>
-        <mc:Fallback>
+        <mc:Fallback xmlns="">
           <p:sp>
             <p:nvSpPr>
               <p:cNvPr id="18" name="Suorakulmio 17">
@@ -23991,8 +23996,8 @@
           </a:p>
         </p:txBody>
       </p:sp>
-      <mc:AlternateContent xmlns:mc="http://schemas.openxmlformats.org/markup-compatibility/2006">
-        <mc:Choice xmlns:a14="http://schemas.microsoft.com/office/drawing/2010/main" Requires="a14">
+      <mc:AlternateContent xmlns:mc="http://schemas.openxmlformats.org/markup-compatibility/2006" xmlns:a14="http://schemas.microsoft.com/office/drawing/2010/main">
+        <mc:Choice Requires="a14">
           <p:sp>
             <p:nvSpPr>
               <p:cNvPr id="34" name="Tekstiruutu 33">
@@ -24511,7 +24516,7 @@
             </p:txBody>
           </p:sp>
         </mc:Choice>
-        <mc:Fallback>
+        <mc:Fallback xmlns="">
           <p:sp>
             <p:nvSpPr>
               <p:cNvPr id="34" name="Tekstiruutu 33">
@@ -24559,8 +24564,8 @@
           </p:sp>
         </mc:Fallback>
       </mc:AlternateContent>
-      <mc:AlternateContent xmlns:mc="http://schemas.openxmlformats.org/markup-compatibility/2006">
-        <mc:Choice xmlns:a14="http://schemas.microsoft.com/office/drawing/2010/main" Requires="a14">
+      <mc:AlternateContent xmlns:mc="http://schemas.openxmlformats.org/markup-compatibility/2006" xmlns:a14="http://schemas.microsoft.com/office/drawing/2010/main">
+        <mc:Choice Requires="a14">
           <p:sp>
             <p:nvSpPr>
               <p:cNvPr id="39" name="Tekstiruutu 38">
@@ -24861,7 +24866,7 @@
             </p:txBody>
           </p:sp>
         </mc:Choice>
-        <mc:Fallback>
+        <mc:Fallback xmlns="">
           <p:sp>
             <p:nvSpPr>
               <p:cNvPr id="39" name="Tekstiruutu 38">
@@ -24906,8 +24911,8 @@
           </p:sp>
         </mc:Fallback>
       </mc:AlternateContent>
-      <mc:AlternateContent xmlns:mc="http://schemas.openxmlformats.org/markup-compatibility/2006">
-        <mc:Choice xmlns:a14="http://schemas.microsoft.com/office/drawing/2010/main" Requires="a14">
+      <mc:AlternateContent xmlns:mc="http://schemas.openxmlformats.org/markup-compatibility/2006" xmlns:a14="http://schemas.microsoft.com/office/drawing/2010/main">
+        <mc:Choice Requires="a14">
           <p:sp>
             <p:nvSpPr>
               <p:cNvPr id="40" name="Tekstiruutu 39">
@@ -25043,7 +25048,7 @@
             </p:txBody>
           </p:sp>
         </mc:Choice>
-        <mc:Fallback>
+        <mc:Fallback xmlns="">
           <p:sp>
             <p:nvSpPr>
               <p:cNvPr id="40" name="Tekstiruutu 39">
@@ -25088,8 +25093,8 @@
           </p:sp>
         </mc:Fallback>
       </mc:AlternateContent>
-      <mc:AlternateContent xmlns:mc="http://schemas.openxmlformats.org/markup-compatibility/2006">
-        <mc:Choice xmlns:a14="http://schemas.microsoft.com/office/drawing/2010/main" Requires="a14">
+      <mc:AlternateContent xmlns:mc="http://schemas.openxmlformats.org/markup-compatibility/2006" xmlns:a14="http://schemas.microsoft.com/office/drawing/2010/main">
+        <mc:Choice Requires="a14">
           <p:sp>
             <p:nvSpPr>
               <p:cNvPr id="41" name="Tekstiruutu 40">
@@ -25297,7 +25302,7 @@
             </p:txBody>
           </p:sp>
         </mc:Choice>
-        <mc:Fallback>
+        <mc:Fallback xmlns="">
           <p:sp>
             <p:nvSpPr>
               <p:cNvPr id="41" name="Tekstiruutu 40">
@@ -27233,8 +27238,8 @@
           </a:p>
         </p:txBody>
       </p:sp>
-      <mc:AlternateContent xmlns:mc="http://schemas.openxmlformats.org/markup-compatibility/2006">
-        <mc:Choice xmlns:a14="http://schemas.microsoft.com/office/drawing/2010/main" Requires="a14">
+      <mc:AlternateContent xmlns:mc="http://schemas.openxmlformats.org/markup-compatibility/2006" xmlns:a14="http://schemas.microsoft.com/office/drawing/2010/main">
+        <mc:Choice Requires="a14">
           <p:sp>
             <p:nvSpPr>
               <p:cNvPr id="24" name="Tekstiruutu 23">
@@ -27352,7 +27357,7 @@
             </p:txBody>
           </p:sp>
         </mc:Choice>
-        <mc:Fallback>
+        <mc:Fallback xmlns="">
           <p:sp>
             <p:nvSpPr>
               <p:cNvPr id="24" name="Tekstiruutu 23">
@@ -27400,8 +27405,8 @@
           </p:sp>
         </mc:Fallback>
       </mc:AlternateContent>
-      <mc:AlternateContent xmlns:mc="http://schemas.openxmlformats.org/markup-compatibility/2006">
-        <mc:Choice xmlns:a14="http://schemas.microsoft.com/office/drawing/2010/main" Requires="a14">
+      <mc:AlternateContent xmlns:mc="http://schemas.openxmlformats.org/markup-compatibility/2006" xmlns:a14="http://schemas.microsoft.com/office/drawing/2010/main">
+        <mc:Choice Requires="a14">
           <p:sp>
             <p:nvSpPr>
               <p:cNvPr id="3" name="Tekstiruutu 2">
@@ -27430,6 +27435,7 @@
               </a:bodyPr>
               <a:lstStyle/>
               <a:p>
+                <a:pPr/>
                 <a14:m>
                   <m:oMathPara xmlns:m="http://schemas.openxmlformats.org/officeDocument/2006/math">
                     <m:oMathParaPr>
@@ -27533,7 +27539,7 @@
             </p:txBody>
           </p:sp>
         </mc:Choice>
-        <mc:Fallback>
+        <mc:Fallback xmlns="">
           <p:sp>
             <p:nvSpPr>
               <p:cNvPr id="3" name="Tekstiruutu 2">
@@ -27592,6 +27598,6059 @@
 </file>
 
 <file path=ppt/slides/slide31.xml><?xml version="1.0" encoding="utf-8"?>
+<p:sld xmlns:a="http://schemas.openxmlformats.org/drawingml/2006/main" xmlns:r="http://schemas.openxmlformats.org/officeDocument/2006/relationships" xmlns:p="http://schemas.openxmlformats.org/presentationml/2006/main">
+  <p:cSld>
+    <p:bg>
+      <p:bgPr>
+        <a:solidFill>
+          <a:schemeClr val="bg1"/>
+        </a:solidFill>
+        <a:effectLst/>
+      </p:bgPr>
+    </p:bg>
+    <p:spTree>
+      <p:nvGrpSpPr>
+        <p:cNvPr id="1" name=""/>
+        <p:cNvGrpSpPr/>
+        <p:nvPr/>
+      </p:nvGrpSpPr>
+      <p:grpSpPr>
+        <a:xfrm>
+          <a:off x="0" y="0"/>
+          <a:ext cx="0" cy="0"/>
+          <a:chOff x="0" y="0"/>
+          <a:chExt cx="0" cy="0"/>
+        </a:xfrm>
+      </p:grpSpPr>
+      <p:sp>
+        <p:nvSpPr>
+          <p:cNvPr id="8" name="Suorakulmio 7">
+            <a:extLst>
+              <a:ext uri="{FF2B5EF4-FFF2-40B4-BE49-F238E27FC236}">
+                <a16:creationId xmlns:a16="http://schemas.microsoft.com/office/drawing/2014/main" id="{F45448E5-2E20-41FC-9CAF-A198A47FB42D}"/>
+              </a:ext>
+            </a:extLst>
+          </p:cNvPr>
+          <p:cNvSpPr/>
+          <p:nvPr/>
+        </p:nvSpPr>
+        <p:spPr>
+          <a:xfrm>
+            <a:off x="5366342" y="3049204"/>
+            <a:ext cx="4082143" cy="3282043"/>
+          </a:xfrm>
+          <a:prstGeom prst="rect">
+            <a:avLst/>
+          </a:prstGeom>
+        </p:spPr>
+        <p:style>
+          <a:lnRef idx="2">
+            <a:schemeClr val="accent1">
+              <a:shade val="50000"/>
+            </a:schemeClr>
+          </a:lnRef>
+          <a:fillRef idx="1">
+            <a:schemeClr val="accent1"/>
+          </a:fillRef>
+          <a:effectRef idx="0">
+            <a:schemeClr val="accent1"/>
+          </a:effectRef>
+          <a:fontRef idx="minor">
+            <a:schemeClr val="lt1"/>
+          </a:fontRef>
+        </p:style>
+        <p:txBody>
+          <a:bodyPr rtlCol="0" anchor="ctr"/>
+          <a:lstStyle/>
+          <a:p>
+            <a:pPr algn="ctr"/>
+            <a:endParaRPr lang="en-GB"/>
+          </a:p>
+        </p:txBody>
+      </p:sp>
+      <p:sp>
+        <p:nvSpPr>
+          <p:cNvPr id="71" name="Rectangle 70">
+            <a:extLst>
+              <a:ext uri="{FF2B5EF4-FFF2-40B4-BE49-F238E27FC236}">
+                <a16:creationId xmlns:a16="http://schemas.microsoft.com/office/drawing/2014/main" id="{AB45A142-4255-493C-8284-5D566C121B10}"/>
+              </a:ext>
+            </a:extLst>
+          </p:cNvPr>
+          <p:cNvSpPr>
+            <a:spLocks noGrp="1" noRot="1" noChangeAspect="1" noMove="1" noResize="1" noEditPoints="1" noAdjustHandles="1" noChangeArrowheads="1" noChangeShapeType="1" noTextEdit="1"/>
+          </p:cNvSpPr>
+          <p:nvPr>
+            <p:extLst>
+              <p:ext uri="{386F3935-93C4-4BCD-93E2-E3B085C9AB24}">
+                <p16:designElem xmlns:p16="http://schemas.microsoft.com/office/powerpoint/2015/main" val="1"/>
+              </p:ext>
+            </p:extLst>
+          </p:nvPr>
+        </p:nvSpPr>
+        <p:spPr bwMode="ltGray">
+          <a:xfrm>
+            <a:off x="336884" y="321177"/>
+            <a:ext cx="4332307" cy="6179552"/>
+          </a:xfrm>
+          <a:prstGeom prst="rect">
+            <a:avLst/>
+          </a:prstGeom>
+          <a:solidFill>
+            <a:schemeClr val="tx1">
+              <a:lumMod val="75000"/>
+              <a:lumOff val="25000"/>
+            </a:schemeClr>
+          </a:solidFill>
+          <a:ln w="127000" cap="sq" cmpd="thinThick">
+            <a:solidFill>
+              <a:schemeClr val="tx1">
+                <a:lumMod val="75000"/>
+                <a:lumOff val="25000"/>
+              </a:schemeClr>
+            </a:solidFill>
+          </a:ln>
+        </p:spPr>
+        <p:style>
+          <a:lnRef idx="2">
+            <a:schemeClr val="accent1">
+              <a:shade val="50000"/>
+            </a:schemeClr>
+          </a:lnRef>
+          <a:fillRef idx="1">
+            <a:schemeClr val="accent1"/>
+          </a:fillRef>
+          <a:effectRef idx="0">
+            <a:schemeClr val="accent1"/>
+          </a:effectRef>
+          <a:fontRef idx="minor">
+            <a:schemeClr val="lt1"/>
+          </a:fontRef>
+        </p:style>
+        <p:txBody>
+          <a:bodyPr rtlCol="0" anchor="ctr"/>
+          <a:lstStyle/>
+          <a:p>
+            <a:pPr algn="ctr"/>
+            <a:endParaRPr lang="en-US"/>
+          </a:p>
+        </p:txBody>
+      </p:sp>
+      <p:cxnSp>
+        <p:nvCxnSpPr>
+          <p:cNvPr id="73" name="Straight Connector 72">
+            <a:extLst>
+              <a:ext uri="{FF2B5EF4-FFF2-40B4-BE49-F238E27FC236}">
+                <a16:creationId xmlns:a16="http://schemas.microsoft.com/office/drawing/2014/main" id="{38FB9660-F42F-4313-BBC4-47C007FE484C}"/>
+              </a:ext>
+            </a:extLst>
+          </p:cNvPr>
+          <p:cNvCxnSpPr>
+            <a:cxnSpLocks noGrp="1" noRot="1" noChangeAspect="1" noMove="1" noResize="1" noEditPoints="1" noAdjustHandles="1" noChangeArrowheads="1" noChangeShapeType="1"/>
+          </p:cNvCxnSpPr>
+          <p:nvPr>
+            <p:extLst>
+              <p:ext uri="{386F3935-93C4-4BCD-93E2-E3B085C9AB24}">
+                <p16:designElem xmlns:p16="http://schemas.microsoft.com/office/powerpoint/2015/main" val="1"/>
+              </p:ext>
+            </p:extLst>
+          </p:nvPr>
+        </p:nvCxnSpPr>
+        <p:spPr>
+          <a:xfrm>
+            <a:off x="1191126" y="3910267"/>
+            <a:ext cx="2586790" cy="0"/>
+          </a:xfrm>
+          <a:prstGeom prst="line">
+            <a:avLst/>
+          </a:prstGeom>
+          <a:ln w="22225">
+            <a:solidFill>
+              <a:schemeClr val="bg1">
+                <a:lumMod val="85000"/>
+              </a:schemeClr>
+            </a:solidFill>
+          </a:ln>
+        </p:spPr>
+        <p:style>
+          <a:lnRef idx="1">
+            <a:schemeClr val="accent1"/>
+          </a:lnRef>
+          <a:fillRef idx="0">
+            <a:schemeClr val="accent1"/>
+          </a:fillRef>
+          <a:effectRef idx="0">
+            <a:schemeClr val="accent1"/>
+          </a:effectRef>
+          <a:fontRef idx="minor">
+            <a:schemeClr val="tx1"/>
+          </a:fontRef>
+        </p:style>
+      </p:cxnSp>
+      <p:sp>
+        <p:nvSpPr>
+          <p:cNvPr id="5" name="Tekstiruutu 4">
+            <a:extLst>
+              <a:ext uri="{FF2B5EF4-FFF2-40B4-BE49-F238E27FC236}">
+                <a16:creationId xmlns:a16="http://schemas.microsoft.com/office/drawing/2014/main" id="{96513FD4-02A8-4B70-98A1-6EDA16999002}"/>
+              </a:ext>
+            </a:extLst>
+          </p:cNvPr>
+          <p:cNvSpPr txBox="1"/>
+          <p:nvPr/>
+        </p:nvSpPr>
+        <p:spPr>
+          <a:xfrm>
+            <a:off x="501997" y="914400"/>
+            <a:ext cx="4103583" cy="2918123"/>
+          </a:xfrm>
+          <a:prstGeom prst="rect">
+            <a:avLst/>
+          </a:prstGeom>
+        </p:spPr>
+        <p:txBody>
+          <a:bodyPr vert="horz" lIns="91440" tIns="45720" rIns="91440" bIns="45720" rtlCol="0" anchor="b">
+            <a:normAutofit/>
+          </a:bodyPr>
+          <a:lstStyle/>
+          <a:p>
+            <a:pPr algn="ctr">
+              <a:lnSpc>
+                <a:spcPct val="90000"/>
+              </a:lnSpc>
+              <a:spcBef>
+                <a:spcPct val="0"/>
+              </a:spcBef>
+              <a:spcAft>
+                <a:spcPts val="600"/>
+              </a:spcAft>
+            </a:pPr>
+            <a:r>
+              <a:rPr lang="en-US" sz="4800" kern="1200" dirty="0">
+                <a:solidFill>
+                  <a:schemeClr val="bg1"/>
+                </a:solidFill>
+                <a:latin typeface="+mj-lt"/>
+                <a:ea typeface="+mj-ea"/>
+                <a:cs typeface="+mj-cs"/>
+              </a:rPr>
+              <a:t>Enti</a:t>
+            </a:r>
+            <a:r>
+              <a:rPr lang="en-US" sz="4800" dirty="0">
+                <a:solidFill>
+                  <a:schemeClr val="bg1"/>
+                </a:solidFill>
+                <a:latin typeface="+mj-lt"/>
+                <a:ea typeface="+mj-ea"/>
+                <a:cs typeface="+mj-cs"/>
+              </a:rPr>
+              <a:t>ty Diagram</a:t>
+            </a:r>
+            <a:endParaRPr lang="en-US" sz="4800" kern="1200" dirty="0">
+              <a:solidFill>
+                <a:schemeClr val="bg1"/>
+              </a:solidFill>
+              <a:latin typeface="+mj-lt"/>
+              <a:ea typeface="+mj-ea"/>
+              <a:cs typeface="+mj-cs"/>
+            </a:endParaRPr>
+          </a:p>
+        </p:txBody>
+      </p:sp>
+      <p:sp>
+        <p:nvSpPr>
+          <p:cNvPr id="6" name="Suorakulmio 5">
+            <a:extLst>
+              <a:ext uri="{FF2B5EF4-FFF2-40B4-BE49-F238E27FC236}">
+                <a16:creationId xmlns:a16="http://schemas.microsoft.com/office/drawing/2014/main" id="{BEACC466-3E2F-4447-AF39-36361EDD3AF7}"/>
+              </a:ext>
+            </a:extLst>
+          </p:cNvPr>
+          <p:cNvSpPr/>
+          <p:nvPr/>
+        </p:nvSpPr>
+        <p:spPr>
+          <a:xfrm>
+            <a:off x="10329068" y="1247611"/>
+            <a:ext cx="902733" cy="522514"/>
+          </a:xfrm>
+          <a:prstGeom prst="rect">
+            <a:avLst/>
+          </a:prstGeom>
+        </p:spPr>
+        <p:style>
+          <a:lnRef idx="2">
+            <a:schemeClr val="accent1">
+              <a:shade val="50000"/>
+            </a:schemeClr>
+          </a:lnRef>
+          <a:fillRef idx="1">
+            <a:schemeClr val="accent1"/>
+          </a:fillRef>
+          <a:effectRef idx="0">
+            <a:schemeClr val="accent1"/>
+          </a:effectRef>
+          <a:fontRef idx="minor">
+            <a:schemeClr val="lt1"/>
+          </a:fontRef>
+        </p:style>
+        <p:txBody>
+          <a:bodyPr rtlCol="0" anchor="ctr"/>
+          <a:lstStyle/>
+          <a:p>
+            <a:pPr algn="ctr"/>
+            <a:r>
+              <a:rPr lang="fi-FI" sz="1400" dirty="0" err="1"/>
+              <a:t>Detected</a:t>
+            </a:r>
+            <a:br>
+              <a:rPr lang="fi-FI" sz="1400" dirty="0"/>
+            </a:br>
+            <a:r>
+              <a:rPr lang="fi-FI" sz="1400" dirty="0"/>
+              <a:t>Object</a:t>
+            </a:r>
+            <a:endParaRPr lang="en-GB" sz="1400" dirty="0"/>
+          </a:p>
+        </p:txBody>
+      </p:sp>
+      <p:sp>
+        <p:nvSpPr>
+          <p:cNvPr id="25" name="Suorakulmio 24">
+            <a:extLst>
+              <a:ext uri="{FF2B5EF4-FFF2-40B4-BE49-F238E27FC236}">
+                <a16:creationId xmlns:a16="http://schemas.microsoft.com/office/drawing/2014/main" id="{274EC1DB-6D61-46E5-B1CE-15E570364972}"/>
+              </a:ext>
+            </a:extLst>
+          </p:cNvPr>
+          <p:cNvSpPr/>
+          <p:nvPr/>
+        </p:nvSpPr>
+        <p:spPr>
+          <a:xfrm>
+            <a:off x="6946912" y="1617350"/>
+            <a:ext cx="902733" cy="522514"/>
+          </a:xfrm>
+          <a:prstGeom prst="rect">
+            <a:avLst/>
+          </a:prstGeom>
+        </p:spPr>
+        <p:style>
+          <a:lnRef idx="2">
+            <a:schemeClr val="accent1">
+              <a:shade val="50000"/>
+            </a:schemeClr>
+          </a:lnRef>
+          <a:fillRef idx="1">
+            <a:schemeClr val="accent1"/>
+          </a:fillRef>
+          <a:effectRef idx="0">
+            <a:schemeClr val="accent1"/>
+          </a:effectRef>
+          <a:fontRef idx="minor">
+            <a:schemeClr val="lt1"/>
+          </a:fontRef>
+        </p:style>
+        <p:txBody>
+          <a:bodyPr rtlCol="0" anchor="ctr"/>
+          <a:lstStyle/>
+          <a:p>
+            <a:pPr algn="ctr"/>
+            <a:r>
+              <a:rPr lang="fi-FI" sz="1400" dirty="0"/>
+              <a:t>Image</a:t>
+            </a:r>
+            <a:br>
+              <a:rPr lang="fi-FI" sz="1400" dirty="0"/>
+            </a:br>
+            <a:r>
+              <a:rPr lang="fi-FI" sz="1400" dirty="0"/>
+              <a:t>Object</a:t>
+            </a:r>
+            <a:endParaRPr lang="en-GB" sz="1400" dirty="0"/>
+          </a:p>
+        </p:txBody>
+      </p:sp>
+      <p:sp>
+        <p:nvSpPr>
+          <p:cNvPr id="30" name="Suorakulmio 29">
+            <a:extLst>
+              <a:ext uri="{FF2B5EF4-FFF2-40B4-BE49-F238E27FC236}">
+                <a16:creationId xmlns:a16="http://schemas.microsoft.com/office/drawing/2014/main" id="{A49D3F9E-38AA-44FA-A95C-852B55B43B40}"/>
+              </a:ext>
+            </a:extLst>
+          </p:cNvPr>
+          <p:cNvSpPr/>
+          <p:nvPr/>
+        </p:nvSpPr>
+        <p:spPr>
+          <a:xfrm>
+            <a:off x="5456931" y="3183847"/>
+            <a:ext cx="902733" cy="522514"/>
+          </a:xfrm>
+          <a:prstGeom prst="rect">
+            <a:avLst/>
+          </a:prstGeom>
+        </p:spPr>
+        <p:style>
+          <a:lnRef idx="2">
+            <a:schemeClr val="accent1">
+              <a:shade val="50000"/>
+            </a:schemeClr>
+          </a:lnRef>
+          <a:fillRef idx="1">
+            <a:schemeClr val="accent1"/>
+          </a:fillRef>
+          <a:effectRef idx="0">
+            <a:schemeClr val="accent1"/>
+          </a:effectRef>
+          <a:fontRef idx="minor">
+            <a:schemeClr val="lt1"/>
+          </a:fontRef>
+        </p:style>
+        <p:txBody>
+          <a:bodyPr rtlCol="0" anchor="ctr"/>
+          <a:lstStyle/>
+          <a:p>
+            <a:pPr algn="ctr"/>
+            <a:r>
+              <a:rPr lang="fi-FI" sz="1400" dirty="0" err="1"/>
+              <a:t>Aero</a:t>
+            </a:r>
+            <a:r>
+              <a:rPr lang="fi-FI" sz="1400" dirty="0"/>
+              <a:t>-</a:t>
+            </a:r>
+          </a:p>
+          <a:p>
+            <a:pPr algn="ctr"/>
+            <a:r>
+              <a:rPr lang="fi-FI" sz="1400" dirty="0" err="1"/>
+              <a:t>plane</a:t>
+            </a:r>
+            <a:endParaRPr lang="en-GB" sz="1400" dirty="0"/>
+          </a:p>
+        </p:txBody>
+      </p:sp>
+      <p:sp>
+        <p:nvSpPr>
+          <p:cNvPr id="32" name="Suorakulmio 31">
+            <a:extLst>
+              <a:ext uri="{FF2B5EF4-FFF2-40B4-BE49-F238E27FC236}">
+                <a16:creationId xmlns:a16="http://schemas.microsoft.com/office/drawing/2014/main" id="{3A384F69-F1C3-4606-A43D-3CEDB10AD9CA}"/>
+              </a:ext>
+            </a:extLst>
+          </p:cNvPr>
+          <p:cNvSpPr/>
+          <p:nvPr/>
+        </p:nvSpPr>
+        <p:spPr>
+          <a:xfrm>
+            <a:off x="5456931" y="3796920"/>
+            <a:ext cx="902733" cy="522514"/>
+          </a:xfrm>
+          <a:prstGeom prst="rect">
+            <a:avLst/>
+          </a:prstGeom>
+        </p:spPr>
+        <p:style>
+          <a:lnRef idx="2">
+            <a:schemeClr val="accent1">
+              <a:shade val="50000"/>
+            </a:schemeClr>
+          </a:lnRef>
+          <a:fillRef idx="1">
+            <a:schemeClr val="accent1"/>
+          </a:fillRef>
+          <a:effectRef idx="0">
+            <a:schemeClr val="accent1"/>
+          </a:effectRef>
+          <a:fontRef idx="minor">
+            <a:schemeClr val="lt1"/>
+          </a:fontRef>
+        </p:style>
+        <p:txBody>
+          <a:bodyPr rtlCol="0" anchor="ctr"/>
+          <a:lstStyle/>
+          <a:p>
+            <a:pPr algn="ctr"/>
+            <a:r>
+              <a:rPr lang="fi-FI" sz="1400" dirty="0"/>
+              <a:t>Bicycle</a:t>
+            </a:r>
+          </a:p>
+        </p:txBody>
+      </p:sp>
+      <p:sp>
+        <p:nvSpPr>
+          <p:cNvPr id="34" name="Suorakulmio 33">
+            <a:extLst>
+              <a:ext uri="{FF2B5EF4-FFF2-40B4-BE49-F238E27FC236}">
+                <a16:creationId xmlns:a16="http://schemas.microsoft.com/office/drawing/2014/main" id="{A88E6C4B-EAF2-460D-996A-AF6687EAEB2E}"/>
+              </a:ext>
+            </a:extLst>
+          </p:cNvPr>
+          <p:cNvSpPr/>
+          <p:nvPr/>
+        </p:nvSpPr>
+        <p:spPr>
+          <a:xfrm>
+            <a:off x="5456930" y="5077961"/>
+            <a:ext cx="902733" cy="522514"/>
+          </a:xfrm>
+          <a:prstGeom prst="rect">
+            <a:avLst/>
+          </a:prstGeom>
+        </p:spPr>
+        <p:style>
+          <a:lnRef idx="2">
+            <a:schemeClr val="accent1">
+              <a:shade val="50000"/>
+            </a:schemeClr>
+          </a:lnRef>
+          <a:fillRef idx="1">
+            <a:schemeClr val="accent1"/>
+          </a:fillRef>
+          <a:effectRef idx="0">
+            <a:schemeClr val="accent1"/>
+          </a:effectRef>
+          <a:fontRef idx="minor">
+            <a:schemeClr val="lt1"/>
+          </a:fontRef>
+        </p:style>
+        <p:txBody>
+          <a:bodyPr rtlCol="0" anchor="ctr"/>
+          <a:lstStyle/>
+          <a:p>
+            <a:pPr algn="ctr"/>
+            <a:r>
+              <a:rPr lang="fi-FI" sz="1400" dirty="0"/>
+              <a:t>Boat</a:t>
+            </a:r>
+          </a:p>
+        </p:txBody>
+      </p:sp>
+      <p:sp>
+        <p:nvSpPr>
+          <p:cNvPr id="35" name="Suorakulmio 34">
+            <a:extLst>
+              <a:ext uri="{FF2B5EF4-FFF2-40B4-BE49-F238E27FC236}">
+                <a16:creationId xmlns:a16="http://schemas.microsoft.com/office/drawing/2014/main" id="{327B2259-90D9-4220-87AD-DCB9063D3156}"/>
+              </a:ext>
+            </a:extLst>
+          </p:cNvPr>
+          <p:cNvSpPr/>
+          <p:nvPr/>
+        </p:nvSpPr>
+        <p:spPr>
+          <a:xfrm>
+            <a:off x="5443324" y="5744285"/>
+            <a:ext cx="902733" cy="522514"/>
+          </a:xfrm>
+          <a:prstGeom prst="rect">
+            <a:avLst/>
+          </a:prstGeom>
+        </p:spPr>
+        <p:style>
+          <a:lnRef idx="2">
+            <a:schemeClr val="accent1">
+              <a:shade val="50000"/>
+            </a:schemeClr>
+          </a:lnRef>
+          <a:fillRef idx="1">
+            <a:schemeClr val="accent1"/>
+          </a:fillRef>
+          <a:effectRef idx="0">
+            <a:schemeClr val="accent1"/>
+          </a:effectRef>
+          <a:fontRef idx="minor">
+            <a:schemeClr val="lt1"/>
+          </a:fontRef>
+        </p:style>
+        <p:txBody>
+          <a:bodyPr rtlCol="0" anchor="ctr"/>
+          <a:lstStyle/>
+          <a:p>
+            <a:pPr algn="ctr"/>
+            <a:r>
+              <a:rPr lang="fi-FI" sz="1400" dirty="0" err="1"/>
+              <a:t>Bottle</a:t>
+            </a:r>
+            <a:endParaRPr lang="fi-FI" sz="1400" dirty="0"/>
+          </a:p>
+        </p:txBody>
+      </p:sp>
+      <p:sp>
+        <p:nvSpPr>
+          <p:cNvPr id="36" name="Suorakulmio 35">
+            <a:extLst>
+              <a:ext uri="{FF2B5EF4-FFF2-40B4-BE49-F238E27FC236}">
+                <a16:creationId xmlns:a16="http://schemas.microsoft.com/office/drawing/2014/main" id="{415AC65E-F2F0-447D-94F2-C1B59FE5182C}"/>
+              </a:ext>
+            </a:extLst>
+          </p:cNvPr>
+          <p:cNvSpPr/>
+          <p:nvPr/>
+        </p:nvSpPr>
+        <p:spPr>
+          <a:xfrm>
+            <a:off x="6443248" y="3183847"/>
+            <a:ext cx="902733" cy="522514"/>
+          </a:xfrm>
+          <a:prstGeom prst="rect">
+            <a:avLst/>
+          </a:prstGeom>
+        </p:spPr>
+        <p:style>
+          <a:lnRef idx="2">
+            <a:schemeClr val="accent1">
+              <a:shade val="50000"/>
+            </a:schemeClr>
+          </a:lnRef>
+          <a:fillRef idx="1">
+            <a:schemeClr val="accent1"/>
+          </a:fillRef>
+          <a:effectRef idx="0">
+            <a:schemeClr val="accent1"/>
+          </a:effectRef>
+          <a:fontRef idx="minor">
+            <a:schemeClr val="lt1"/>
+          </a:fontRef>
+        </p:style>
+        <p:txBody>
+          <a:bodyPr rtlCol="0" anchor="ctr"/>
+          <a:lstStyle/>
+          <a:p>
+            <a:pPr algn="ctr"/>
+            <a:r>
+              <a:rPr lang="fi-FI" sz="1400" dirty="0" err="1"/>
+              <a:t>Bus</a:t>
+            </a:r>
+            <a:endParaRPr lang="fi-FI" sz="1400" dirty="0"/>
+          </a:p>
+        </p:txBody>
+      </p:sp>
+      <p:sp>
+        <p:nvSpPr>
+          <p:cNvPr id="37" name="Suorakulmio 36">
+            <a:extLst>
+              <a:ext uri="{FF2B5EF4-FFF2-40B4-BE49-F238E27FC236}">
+                <a16:creationId xmlns:a16="http://schemas.microsoft.com/office/drawing/2014/main" id="{C6F64520-558F-4AC1-9001-F34D62A1BF47}"/>
+              </a:ext>
+            </a:extLst>
+          </p:cNvPr>
+          <p:cNvSpPr/>
+          <p:nvPr/>
+        </p:nvSpPr>
+        <p:spPr>
+          <a:xfrm>
+            <a:off x="6443248" y="3799216"/>
+            <a:ext cx="902733" cy="522514"/>
+          </a:xfrm>
+          <a:prstGeom prst="rect">
+            <a:avLst/>
+          </a:prstGeom>
+        </p:spPr>
+        <p:style>
+          <a:lnRef idx="2">
+            <a:schemeClr val="accent1">
+              <a:shade val="50000"/>
+            </a:schemeClr>
+          </a:lnRef>
+          <a:fillRef idx="1">
+            <a:schemeClr val="accent1"/>
+          </a:fillRef>
+          <a:effectRef idx="0">
+            <a:schemeClr val="accent1"/>
+          </a:effectRef>
+          <a:fontRef idx="minor">
+            <a:schemeClr val="lt1"/>
+          </a:fontRef>
+        </p:style>
+        <p:txBody>
+          <a:bodyPr rtlCol="0" anchor="ctr"/>
+          <a:lstStyle/>
+          <a:p>
+            <a:pPr algn="ctr"/>
+            <a:r>
+              <a:rPr lang="fi-FI" sz="1400" dirty="0" err="1"/>
+              <a:t>Car</a:t>
+            </a:r>
+            <a:endParaRPr lang="en-GB" sz="1400" dirty="0"/>
+          </a:p>
+        </p:txBody>
+      </p:sp>
+      <p:sp>
+        <p:nvSpPr>
+          <p:cNvPr id="38" name="Suorakulmio 37">
+            <a:extLst>
+              <a:ext uri="{FF2B5EF4-FFF2-40B4-BE49-F238E27FC236}">
+                <a16:creationId xmlns:a16="http://schemas.microsoft.com/office/drawing/2014/main" id="{FF4DCCAE-7A17-4A25-BBB9-9204FB568A06}"/>
+              </a:ext>
+            </a:extLst>
+          </p:cNvPr>
+          <p:cNvSpPr/>
+          <p:nvPr/>
+        </p:nvSpPr>
+        <p:spPr>
+          <a:xfrm>
+            <a:off x="6432373" y="4438652"/>
+            <a:ext cx="902733" cy="522514"/>
+          </a:xfrm>
+          <a:prstGeom prst="rect">
+            <a:avLst/>
+          </a:prstGeom>
+        </p:spPr>
+        <p:style>
+          <a:lnRef idx="2">
+            <a:schemeClr val="accent1">
+              <a:shade val="50000"/>
+            </a:schemeClr>
+          </a:lnRef>
+          <a:fillRef idx="1">
+            <a:schemeClr val="accent1"/>
+          </a:fillRef>
+          <a:effectRef idx="0">
+            <a:schemeClr val="accent1"/>
+          </a:effectRef>
+          <a:fontRef idx="minor">
+            <a:schemeClr val="lt1"/>
+          </a:fontRef>
+        </p:style>
+        <p:txBody>
+          <a:bodyPr rtlCol="0" anchor="ctr"/>
+          <a:lstStyle/>
+          <a:p>
+            <a:pPr algn="ctr"/>
+            <a:r>
+              <a:rPr lang="fi-FI" sz="1400" dirty="0"/>
+              <a:t>Cat</a:t>
+            </a:r>
+          </a:p>
+        </p:txBody>
+      </p:sp>
+      <p:sp>
+        <p:nvSpPr>
+          <p:cNvPr id="39" name="Suorakulmio 38">
+            <a:extLst>
+              <a:ext uri="{FF2B5EF4-FFF2-40B4-BE49-F238E27FC236}">
+                <a16:creationId xmlns:a16="http://schemas.microsoft.com/office/drawing/2014/main" id="{FE40CAAB-5245-4C7C-85A4-740D6C8D12A6}"/>
+              </a:ext>
+            </a:extLst>
+          </p:cNvPr>
+          <p:cNvSpPr/>
+          <p:nvPr/>
+        </p:nvSpPr>
+        <p:spPr>
+          <a:xfrm>
+            <a:off x="6437036" y="5074388"/>
+            <a:ext cx="902733" cy="522514"/>
+          </a:xfrm>
+          <a:prstGeom prst="rect">
+            <a:avLst/>
+          </a:prstGeom>
+        </p:spPr>
+        <p:style>
+          <a:lnRef idx="2">
+            <a:schemeClr val="accent1">
+              <a:shade val="50000"/>
+            </a:schemeClr>
+          </a:lnRef>
+          <a:fillRef idx="1">
+            <a:schemeClr val="accent1"/>
+          </a:fillRef>
+          <a:effectRef idx="0">
+            <a:schemeClr val="accent1"/>
+          </a:effectRef>
+          <a:fontRef idx="minor">
+            <a:schemeClr val="lt1"/>
+          </a:fontRef>
+        </p:style>
+        <p:txBody>
+          <a:bodyPr rtlCol="0" anchor="ctr"/>
+          <a:lstStyle/>
+          <a:p>
+            <a:pPr algn="ctr"/>
+            <a:r>
+              <a:rPr lang="fi-FI" sz="1400" dirty="0"/>
+              <a:t>Chair</a:t>
+            </a:r>
+          </a:p>
+        </p:txBody>
+      </p:sp>
+      <p:sp>
+        <p:nvSpPr>
+          <p:cNvPr id="40" name="Suorakulmio 39">
+            <a:extLst>
+              <a:ext uri="{FF2B5EF4-FFF2-40B4-BE49-F238E27FC236}">
+                <a16:creationId xmlns:a16="http://schemas.microsoft.com/office/drawing/2014/main" id="{BBE09E47-003B-4AEF-BDF1-4DB6DD27DB3C}"/>
+              </a:ext>
+            </a:extLst>
+          </p:cNvPr>
+          <p:cNvSpPr/>
+          <p:nvPr/>
+        </p:nvSpPr>
+        <p:spPr>
+          <a:xfrm>
+            <a:off x="6454525" y="5738842"/>
+            <a:ext cx="902733" cy="522514"/>
+          </a:xfrm>
+          <a:prstGeom prst="rect">
+            <a:avLst/>
+          </a:prstGeom>
+        </p:spPr>
+        <p:style>
+          <a:lnRef idx="2">
+            <a:schemeClr val="accent1">
+              <a:shade val="50000"/>
+            </a:schemeClr>
+          </a:lnRef>
+          <a:fillRef idx="1">
+            <a:schemeClr val="accent1"/>
+          </a:fillRef>
+          <a:effectRef idx="0">
+            <a:schemeClr val="accent1"/>
+          </a:effectRef>
+          <a:fontRef idx="minor">
+            <a:schemeClr val="lt1"/>
+          </a:fontRef>
+        </p:style>
+        <p:txBody>
+          <a:bodyPr rtlCol="0" anchor="ctr"/>
+          <a:lstStyle/>
+          <a:p>
+            <a:pPr algn="ctr"/>
+            <a:r>
+              <a:rPr lang="fi-FI" sz="1400" dirty="0" err="1"/>
+              <a:t>Cow</a:t>
+            </a:r>
+            <a:endParaRPr lang="en-GB" sz="1400" dirty="0"/>
+          </a:p>
+        </p:txBody>
+      </p:sp>
+      <p:sp>
+        <p:nvSpPr>
+          <p:cNvPr id="41" name="Suorakulmio 40">
+            <a:extLst>
+              <a:ext uri="{FF2B5EF4-FFF2-40B4-BE49-F238E27FC236}">
+                <a16:creationId xmlns:a16="http://schemas.microsoft.com/office/drawing/2014/main" id="{2A73C208-3B3A-44E3-AC49-1B8B7BCD1E3B}"/>
+              </a:ext>
+            </a:extLst>
+          </p:cNvPr>
+          <p:cNvSpPr/>
+          <p:nvPr/>
+        </p:nvSpPr>
+        <p:spPr>
+          <a:xfrm>
+            <a:off x="7429565" y="3163504"/>
+            <a:ext cx="902733" cy="522514"/>
+          </a:xfrm>
+          <a:prstGeom prst="rect">
+            <a:avLst/>
+          </a:prstGeom>
+        </p:spPr>
+        <p:style>
+          <a:lnRef idx="2">
+            <a:schemeClr val="accent1">
+              <a:shade val="50000"/>
+            </a:schemeClr>
+          </a:lnRef>
+          <a:fillRef idx="1">
+            <a:schemeClr val="accent1"/>
+          </a:fillRef>
+          <a:effectRef idx="0">
+            <a:schemeClr val="accent1"/>
+          </a:effectRef>
+          <a:fontRef idx="minor">
+            <a:schemeClr val="lt1"/>
+          </a:fontRef>
+        </p:style>
+        <p:txBody>
+          <a:bodyPr rtlCol="0" anchor="ctr"/>
+          <a:lstStyle/>
+          <a:p>
+            <a:pPr algn="ctr"/>
+            <a:r>
+              <a:rPr lang="fi-FI" sz="1400" dirty="0" err="1"/>
+              <a:t>Dining</a:t>
+            </a:r>
+            <a:br>
+              <a:rPr lang="fi-FI" sz="1400" dirty="0"/>
+            </a:br>
+            <a:r>
+              <a:rPr lang="fi-FI" sz="1400" dirty="0" err="1"/>
+              <a:t>Table</a:t>
+            </a:r>
+            <a:endParaRPr lang="en-GB" sz="1400" dirty="0"/>
+          </a:p>
+        </p:txBody>
+      </p:sp>
+      <p:sp>
+        <p:nvSpPr>
+          <p:cNvPr id="42" name="Suorakulmio 41">
+            <a:extLst>
+              <a:ext uri="{FF2B5EF4-FFF2-40B4-BE49-F238E27FC236}">
+                <a16:creationId xmlns:a16="http://schemas.microsoft.com/office/drawing/2014/main" id="{037986D3-B3C7-405F-9604-7DB0BB8B70F2}"/>
+              </a:ext>
+            </a:extLst>
+          </p:cNvPr>
+          <p:cNvSpPr/>
+          <p:nvPr/>
+        </p:nvSpPr>
+        <p:spPr>
+          <a:xfrm>
+            <a:off x="7429565" y="3796920"/>
+            <a:ext cx="902733" cy="522514"/>
+          </a:xfrm>
+          <a:prstGeom prst="rect">
+            <a:avLst/>
+          </a:prstGeom>
+        </p:spPr>
+        <p:style>
+          <a:lnRef idx="2">
+            <a:schemeClr val="accent1">
+              <a:shade val="50000"/>
+            </a:schemeClr>
+          </a:lnRef>
+          <a:fillRef idx="1">
+            <a:schemeClr val="accent1"/>
+          </a:fillRef>
+          <a:effectRef idx="0">
+            <a:schemeClr val="accent1"/>
+          </a:effectRef>
+          <a:fontRef idx="minor">
+            <a:schemeClr val="lt1"/>
+          </a:fontRef>
+        </p:style>
+        <p:txBody>
+          <a:bodyPr rtlCol="0" anchor="ctr"/>
+          <a:lstStyle/>
+          <a:p>
+            <a:pPr algn="ctr"/>
+            <a:r>
+              <a:rPr lang="fi-FI" sz="1400" dirty="0" err="1"/>
+              <a:t>Dog</a:t>
+            </a:r>
+            <a:endParaRPr lang="fi-FI" sz="1400" dirty="0"/>
+          </a:p>
+        </p:txBody>
+      </p:sp>
+      <p:sp>
+        <p:nvSpPr>
+          <p:cNvPr id="43" name="Suorakulmio 42">
+            <a:extLst>
+              <a:ext uri="{FF2B5EF4-FFF2-40B4-BE49-F238E27FC236}">
+                <a16:creationId xmlns:a16="http://schemas.microsoft.com/office/drawing/2014/main" id="{2EAC4D93-B7B2-4954-9093-BEFC17399C38}"/>
+              </a:ext>
+            </a:extLst>
+          </p:cNvPr>
+          <p:cNvSpPr/>
+          <p:nvPr/>
+        </p:nvSpPr>
+        <p:spPr>
+          <a:xfrm>
+            <a:off x="8415882" y="3163504"/>
+            <a:ext cx="902733" cy="522514"/>
+          </a:xfrm>
+          <a:prstGeom prst="rect">
+            <a:avLst/>
+          </a:prstGeom>
+        </p:spPr>
+        <p:style>
+          <a:lnRef idx="2">
+            <a:schemeClr val="accent1">
+              <a:shade val="50000"/>
+            </a:schemeClr>
+          </a:lnRef>
+          <a:fillRef idx="1">
+            <a:schemeClr val="accent1"/>
+          </a:fillRef>
+          <a:effectRef idx="0">
+            <a:schemeClr val="accent1"/>
+          </a:effectRef>
+          <a:fontRef idx="minor">
+            <a:schemeClr val="lt1"/>
+          </a:fontRef>
+        </p:style>
+        <p:txBody>
+          <a:bodyPr rtlCol="0" anchor="ctr"/>
+          <a:lstStyle/>
+          <a:p>
+            <a:pPr algn="ctr"/>
+            <a:r>
+              <a:rPr lang="fi-FI" sz="1400" dirty="0" err="1"/>
+              <a:t>Potted</a:t>
+            </a:r>
+            <a:br>
+              <a:rPr lang="fi-FI" sz="1400" dirty="0"/>
+            </a:br>
+            <a:r>
+              <a:rPr lang="fi-FI" sz="1400" dirty="0" err="1"/>
+              <a:t>Plant</a:t>
+            </a:r>
+            <a:endParaRPr lang="fi-FI" sz="1400" dirty="0"/>
+          </a:p>
+        </p:txBody>
+      </p:sp>
+      <p:sp>
+        <p:nvSpPr>
+          <p:cNvPr id="44" name="Suorakulmio 43">
+            <a:extLst>
+              <a:ext uri="{FF2B5EF4-FFF2-40B4-BE49-F238E27FC236}">
+                <a16:creationId xmlns:a16="http://schemas.microsoft.com/office/drawing/2014/main" id="{9ED07A40-31D6-4F8F-B63C-FB8D89835405}"/>
+              </a:ext>
+            </a:extLst>
+          </p:cNvPr>
+          <p:cNvSpPr/>
+          <p:nvPr/>
+        </p:nvSpPr>
+        <p:spPr>
+          <a:xfrm>
+            <a:off x="7427235" y="5745468"/>
+            <a:ext cx="902733" cy="522514"/>
+          </a:xfrm>
+          <a:prstGeom prst="rect">
+            <a:avLst/>
+          </a:prstGeom>
+        </p:spPr>
+        <p:style>
+          <a:lnRef idx="2">
+            <a:schemeClr val="accent1">
+              <a:shade val="50000"/>
+            </a:schemeClr>
+          </a:lnRef>
+          <a:fillRef idx="1">
+            <a:schemeClr val="accent1"/>
+          </a:fillRef>
+          <a:effectRef idx="0">
+            <a:schemeClr val="accent1"/>
+          </a:effectRef>
+          <a:fontRef idx="minor">
+            <a:schemeClr val="lt1"/>
+          </a:fontRef>
+        </p:style>
+        <p:txBody>
+          <a:bodyPr rtlCol="0" anchor="ctr"/>
+          <a:lstStyle/>
+          <a:p>
+            <a:pPr algn="ctr"/>
+            <a:r>
+              <a:rPr lang="fi-FI" sz="1400" dirty="0"/>
+              <a:t>Person</a:t>
+            </a:r>
+          </a:p>
+        </p:txBody>
+      </p:sp>
+      <p:sp>
+        <p:nvSpPr>
+          <p:cNvPr id="45" name="Suorakulmio 44">
+            <a:extLst>
+              <a:ext uri="{FF2B5EF4-FFF2-40B4-BE49-F238E27FC236}">
+                <a16:creationId xmlns:a16="http://schemas.microsoft.com/office/drawing/2014/main" id="{A048CA2D-DABF-4DBD-A9ED-C488526ACCAD}"/>
+              </a:ext>
+            </a:extLst>
+          </p:cNvPr>
+          <p:cNvSpPr/>
+          <p:nvPr/>
+        </p:nvSpPr>
+        <p:spPr>
+          <a:xfrm>
+            <a:off x="7440462" y="5078803"/>
+            <a:ext cx="902733" cy="522514"/>
+          </a:xfrm>
+          <a:prstGeom prst="rect">
+            <a:avLst/>
+          </a:prstGeom>
+        </p:spPr>
+        <p:style>
+          <a:lnRef idx="2">
+            <a:schemeClr val="accent1">
+              <a:shade val="50000"/>
+            </a:schemeClr>
+          </a:lnRef>
+          <a:fillRef idx="1">
+            <a:schemeClr val="accent1"/>
+          </a:fillRef>
+          <a:effectRef idx="0">
+            <a:schemeClr val="accent1"/>
+          </a:effectRef>
+          <a:fontRef idx="minor">
+            <a:schemeClr val="lt1"/>
+          </a:fontRef>
+        </p:style>
+        <p:txBody>
+          <a:bodyPr rtlCol="0" anchor="ctr"/>
+          <a:lstStyle/>
+          <a:p>
+            <a:pPr algn="ctr"/>
+            <a:r>
+              <a:rPr lang="fi-FI" sz="1400" dirty="0"/>
+              <a:t>Motor</a:t>
+            </a:r>
+            <a:br>
+              <a:rPr lang="fi-FI" sz="1400" dirty="0"/>
+            </a:br>
+            <a:r>
+              <a:rPr lang="fi-FI" sz="1400" dirty="0" err="1"/>
+              <a:t>bike</a:t>
+            </a:r>
+            <a:endParaRPr lang="en-GB" sz="1400" dirty="0"/>
+          </a:p>
+        </p:txBody>
+      </p:sp>
+      <p:sp>
+        <p:nvSpPr>
+          <p:cNvPr id="46" name="Suorakulmio 45">
+            <a:extLst>
+              <a:ext uri="{FF2B5EF4-FFF2-40B4-BE49-F238E27FC236}">
+                <a16:creationId xmlns:a16="http://schemas.microsoft.com/office/drawing/2014/main" id="{E31791F9-FAE1-4D30-B7D9-8F4F9E065946}"/>
+              </a:ext>
+            </a:extLst>
+          </p:cNvPr>
+          <p:cNvSpPr/>
+          <p:nvPr/>
+        </p:nvSpPr>
+        <p:spPr>
+          <a:xfrm>
+            <a:off x="7427235" y="4430336"/>
+            <a:ext cx="902733" cy="522514"/>
+          </a:xfrm>
+          <a:prstGeom prst="rect">
+            <a:avLst/>
+          </a:prstGeom>
+        </p:spPr>
+        <p:style>
+          <a:lnRef idx="2">
+            <a:schemeClr val="accent1">
+              <a:shade val="50000"/>
+            </a:schemeClr>
+          </a:lnRef>
+          <a:fillRef idx="1">
+            <a:schemeClr val="accent1"/>
+          </a:fillRef>
+          <a:effectRef idx="0">
+            <a:schemeClr val="accent1"/>
+          </a:effectRef>
+          <a:fontRef idx="minor">
+            <a:schemeClr val="lt1"/>
+          </a:fontRef>
+        </p:style>
+        <p:txBody>
+          <a:bodyPr rtlCol="0" anchor="ctr"/>
+          <a:lstStyle/>
+          <a:p>
+            <a:pPr algn="ctr"/>
+            <a:r>
+              <a:rPr lang="fi-FI" sz="1400" dirty="0" err="1"/>
+              <a:t>Horse</a:t>
+            </a:r>
+            <a:endParaRPr lang="fi-FI" sz="1400" dirty="0"/>
+          </a:p>
+        </p:txBody>
+      </p:sp>
+      <p:sp>
+        <p:nvSpPr>
+          <p:cNvPr id="47" name="Suorakulmio 46">
+            <a:extLst>
+              <a:ext uri="{FF2B5EF4-FFF2-40B4-BE49-F238E27FC236}">
+                <a16:creationId xmlns:a16="http://schemas.microsoft.com/office/drawing/2014/main" id="{FE759CBE-32B0-4570-82A5-C10617A7F6A8}"/>
+              </a:ext>
+            </a:extLst>
+          </p:cNvPr>
+          <p:cNvSpPr/>
+          <p:nvPr/>
+        </p:nvSpPr>
+        <p:spPr>
+          <a:xfrm>
+            <a:off x="5456931" y="4435278"/>
+            <a:ext cx="902733" cy="522514"/>
+          </a:xfrm>
+          <a:prstGeom prst="rect">
+            <a:avLst/>
+          </a:prstGeom>
+        </p:spPr>
+        <p:style>
+          <a:lnRef idx="2">
+            <a:schemeClr val="accent1">
+              <a:shade val="50000"/>
+            </a:schemeClr>
+          </a:lnRef>
+          <a:fillRef idx="1">
+            <a:schemeClr val="accent1"/>
+          </a:fillRef>
+          <a:effectRef idx="0">
+            <a:schemeClr val="accent1"/>
+          </a:effectRef>
+          <a:fontRef idx="minor">
+            <a:schemeClr val="lt1"/>
+          </a:fontRef>
+        </p:style>
+        <p:txBody>
+          <a:bodyPr rtlCol="0" anchor="ctr"/>
+          <a:lstStyle/>
+          <a:p>
+            <a:pPr algn="ctr"/>
+            <a:r>
+              <a:rPr lang="fi-FI" sz="1400" dirty="0"/>
+              <a:t>Bird</a:t>
+            </a:r>
+          </a:p>
+        </p:txBody>
+      </p:sp>
+      <p:sp>
+        <p:nvSpPr>
+          <p:cNvPr id="48" name="Suorakulmio 47">
+            <a:extLst>
+              <a:ext uri="{FF2B5EF4-FFF2-40B4-BE49-F238E27FC236}">
+                <a16:creationId xmlns:a16="http://schemas.microsoft.com/office/drawing/2014/main" id="{850B231C-4C53-441C-A0BC-6EE5D9A4F2D9}"/>
+              </a:ext>
+            </a:extLst>
+          </p:cNvPr>
+          <p:cNvSpPr/>
+          <p:nvPr/>
+        </p:nvSpPr>
+        <p:spPr>
+          <a:xfrm>
+            <a:off x="8432613" y="5733106"/>
+            <a:ext cx="902733" cy="522514"/>
+          </a:xfrm>
+          <a:prstGeom prst="rect">
+            <a:avLst/>
+          </a:prstGeom>
+        </p:spPr>
+        <p:style>
+          <a:lnRef idx="2">
+            <a:schemeClr val="accent1">
+              <a:shade val="50000"/>
+            </a:schemeClr>
+          </a:lnRef>
+          <a:fillRef idx="1">
+            <a:schemeClr val="accent1"/>
+          </a:fillRef>
+          <a:effectRef idx="0">
+            <a:schemeClr val="accent1"/>
+          </a:effectRef>
+          <a:fontRef idx="minor">
+            <a:schemeClr val="lt1"/>
+          </a:fontRef>
+        </p:style>
+        <p:txBody>
+          <a:bodyPr rtlCol="0" anchor="ctr"/>
+          <a:lstStyle/>
+          <a:p>
+            <a:pPr algn="ctr"/>
+            <a:r>
+              <a:rPr lang="fi-FI" sz="1400" dirty="0"/>
+              <a:t>TV</a:t>
+            </a:r>
+          </a:p>
+          <a:p>
+            <a:pPr algn="ctr"/>
+            <a:r>
+              <a:rPr lang="fi-FI" sz="1400" dirty="0" err="1"/>
+              <a:t>Monitor</a:t>
+            </a:r>
+            <a:endParaRPr lang="fi-FI" sz="1400" dirty="0"/>
+          </a:p>
+        </p:txBody>
+      </p:sp>
+      <p:sp>
+        <p:nvSpPr>
+          <p:cNvPr id="49" name="Suorakulmio 48">
+            <a:extLst>
+              <a:ext uri="{FF2B5EF4-FFF2-40B4-BE49-F238E27FC236}">
+                <a16:creationId xmlns:a16="http://schemas.microsoft.com/office/drawing/2014/main" id="{A48F19A2-9A37-43C9-8C8A-5DE9118A5D2C}"/>
+              </a:ext>
+            </a:extLst>
+          </p:cNvPr>
+          <p:cNvSpPr/>
+          <p:nvPr/>
+        </p:nvSpPr>
+        <p:spPr>
+          <a:xfrm>
+            <a:off x="8432613" y="5072068"/>
+            <a:ext cx="902733" cy="522514"/>
+          </a:xfrm>
+          <a:prstGeom prst="rect">
+            <a:avLst/>
+          </a:prstGeom>
+        </p:spPr>
+        <p:style>
+          <a:lnRef idx="2">
+            <a:schemeClr val="accent1">
+              <a:shade val="50000"/>
+            </a:schemeClr>
+          </a:lnRef>
+          <a:fillRef idx="1">
+            <a:schemeClr val="accent1"/>
+          </a:fillRef>
+          <a:effectRef idx="0">
+            <a:schemeClr val="accent1"/>
+          </a:effectRef>
+          <a:fontRef idx="minor">
+            <a:schemeClr val="lt1"/>
+          </a:fontRef>
+        </p:style>
+        <p:txBody>
+          <a:bodyPr rtlCol="0" anchor="ctr"/>
+          <a:lstStyle/>
+          <a:p>
+            <a:pPr algn="ctr"/>
+            <a:r>
+              <a:rPr lang="fi-FI" sz="1400" dirty="0"/>
+              <a:t>Train</a:t>
+            </a:r>
+          </a:p>
+        </p:txBody>
+      </p:sp>
+      <p:sp>
+        <p:nvSpPr>
+          <p:cNvPr id="50" name="Suorakulmio 49">
+            <a:extLst>
+              <a:ext uri="{FF2B5EF4-FFF2-40B4-BE49-F238E27FC236}">
+                <a16:creationId xmlns:a16="http://schemas.microsoft.com/office/drawing/2014/main" id="{8CC3E81E-C735-4B4B-88CA-4DDBDC309496}"/>
+              </a:ext>
+            </a:extLst>
+          </p:cNvPr>
+          <p:cNvSpPr/>
+          <p:nvPr/>
+        </p:nvSpPr>
+        <p:spPr>
+          <a:xfrm>
+            <a:off x="8422097" y="4438652"/>
+            <a:ext cx="902733" cy="522514"/>
+          </a:xfrm>
+          <a:prstGeom prst="rect">
+            <a:avLst/>
+          </a:prstGeom>
+        </p:spPr>
+        <p:style>
+          <a:lnRef idx="2">
+            <a:schemeClr val="accent1">
+              <a:shade val="50000"/>
+            </a:schemeClr>
+          </a:lnRef>
+          <a:fillRef idx="1">
+            <a:schemeClr val="accent1"/>
+          </a:fillRef>
+          <a:effectRef idx="0">
+            <a:schemeClr val="accent1"/>
+          </a:effectRef>
+          <a:fontRef idx="minor">
+            <a:schemeClr val="lt1"/>
+          </a:fontRef>
+        </p:style>
+        <p:txBody>
+          <a:bodyPr rtlCol="0" anchor="ctr"/>
+          <a:lstStyle/>
+          <a:p>
+            <a:pPr algn="ctr"/>
+            <a:r>
+              <a:rPr lang="fi-FI" sz="1400" dirty="0" err="1"/>
+              <a:t>Sofa</a:t>
+            </a:r>
+            <a:endParaRPr lang="fi-FI" sz="1400" dirty="0"/>
+          </a:p>
+        </p:txBody>
+      </p:sp>
+      <p:sp>
+        <p:nvSpPr>
+          <p:cNvPr id="51" name="Suorakulmio 50">
+            <a:extLst>
+              <a:ext uri="{FF2B5EF4-FFF2-40B4-BE49-F238E27FC236}">
+                <a16:creationId xmlns:a16="http://schemas.microsoft.com/office/drawing/2014/main" id="{3B27AD58-10B6-4CE8-8E31-21AC7C5B0D87}"/>
+              </a:ext>
+            </a:extLst>
+          </p:cNvPr>
+          <p:cNvSpPr/>
+          <p:nvPr/>
+        </p:nvSpPr>
+        <p:spPr>
+          <a:xfrm>
+            <a:off x="8415882" y="3796920"/>
+            <a:ext cx="902733" cy="522514"/>
+          </a:xfrm>
+          <a:prstGeom prst="rect">
+            <a:avLst/>
+          </a:prstGeom>
+        </p:spPr>
+        <p:style>
+          <a:lnRef idx="2">
+            <a:schemeClr val="accent1">
+              <a:shade val="50000"/>
+            </a:schemeClr>
+          </a:lnRef>
+          <a:fillRef idx="1">
+            <a:schemeClr val="accent1"/>
+          </a:fillRef>
+          <a:effectRef idx="0">
+            <a:schemeClr val="accent1"/>
+          </a:effectRef>
+          <a:fontRef idx="minor">
+            <a:schemeClr val="lt1"/>
+          </a:fontRef>
+        </p:style>
+        <p:txBody>
+          <a:bodyPr rtlCol="0" anchor="ctr"/>
+          <a:lstStyle/>
+          <a:p>
+            <a:pPr algn="ctr"/>
+            <a:r>
+              <a:rPr lang="fi-FI" sz="1400" dirty="0" err="1"/>
+              <a:t>Sheep</a:t>
+            </a:r>
+            <a:endParaRPr lang="fi-FI" sz="1400" dirty="0"/>
+          </a:p>
+        </p:txBody>
+      </p:sp>
+      <p:cxnSp>
+        <p:nvCxnSpPr>
+          <p:cNvPr id="10" name="Suora nuoliyhdysviiva 9">
+            <a:extLst>
+              <a:ext uri="{FF2B5EF4-FFF2-40B4-BE49-F238E27FC236}">
+                <a16:creationId xmlns:a16="http://schemas.microsoft.com/office/drawing/2014/main" id="{A8A00797-08DE-44B8-B1D6-F464AFFB953D}"/>
+              </a:ext>
+            </a:extLst>
+          </p:cNvPr>
+          <p:cNvCxnSpPr>
+            <a:stCxn id="8" idx="0"/>
+            <a:endCxn id="25" idx="2"/>
+          </p:cNvCxnSpPr>
+          <p:nvPr/>
+        </p:nvCxnSpPr>
+        <p:spPr>
+          <a:xfrm flipH="1" flipV="1">
+            <a:off x="7398279" y="2139864"/>
+            <a:ext cx="9135" cy="909340"/>
+          </a:xfrm>
+          <a:prstGeom prst="straightConnector1">
+            <a:avLst/>
+          </a:prstGeom>
+          <a:ln>
+            <a:tailEnd type="triangle"/>
+          </a:ln>
+        </p:spPr>
+        <p:style>
+          <a:lnRef idx="1">
+            <a:schemeClr val="accent1"/>
+          </a:lnRef>
+          <a:fillRef idx="0">
+            <a:schemeClr val="accent1"/>
+          </a:fillRef>
+          <a:effectRef idx="0">
+            <a:schemeClr val="accent1"/>
+          </a:effectRef>
+          <a:fontRef idx="minor">
+            <a:schemeClr val="tx1"/>
+          </a:fontRef>
+        </p:style>
+      </p:cxnSp>
+      <p:sp>
+        <p:nvSpPr>
+          <p:cNvPr id="52" name="Suorakulmio 51">
+            <a:extLst>
+              <a:ext uri="{FF2B5EF4-FFF2-40B4-BE49-F238E27FC236}">
+                <a16:creationId xmlns:a16="http://schemas.microsoft.com/office/drawing/2014/main" id="{D1DE8417-18B1-4374-B10F-78EA5333D386}"/>
+              </a:ext>
+            </a:extLst>
+          </p:cNvPr>
+          <p:cNvSpPr/>
+          <p:nvPr/>
+        </p:nvSpPr>
+        <p:spPr>
+          <a:xfrm>
+            <a:off x="8334930" y="1607541"/>
+            <a:ext cx="902733" cy="522514"/>
+          </a:xfrm>
+          <a:prstGeom prst="rect">
+            <a:avLst/>
+          </a:prstGeom>
+        </p:spPr>
+        <p:style>
+          <a:lnRef idx="2">
+            <a:schemeClr val="accent1">
+              <a:shade val="50000"/>
+            </a:schemeClr>
+          </a:lnRef>
+          <a:fillRef idx="1">
+            <a:schemeClr val="accent1"/>
+          </a:fillRef>
+          <a:effectRef idx="0">
+            <a:schemeClr val="accent1"/>
+          </a:effectRef>
+          <a:fontRef idx="minor">
+            <a:schemeClr val="lt1"/>
+          </a:fontRef>
+        </p:style>
+        <p:txBody>
+          <a:bodyPr rtlCol="0" anchor="ctr"/>
+          <a:lstStyle/>
+          <a:p>
+            <a:pPr algn="ctr"/>
+            <a:r>
+              <a:rPr lang="fi-FI" sz="1400" dirty="0" err="1"/>
+              <a:t>Event</a:t>
+            </a:r>
+            <a:endParaRPr lang="en-GB" sz="1400" dirty="0"/>
+          </a:p>
+        </p:txBody>
+      </p:sp>
+      <p:sp>
+        <p:nvSpPr>
+          <p:cNvPr id="53" name="Suorakulmio 52">
+            <a:extLst>
+              <a:ext uri="{FF2B5EF4-FFF2-40B4-BE49-F238E27FC236}">
+                <a16:creationId xmlns:a16="http://schemas.microsoft.com/office/drawing/2014/main" id="{FC4F93F1-C068-4EF1-9638-9A7B8C12381E}"/>
+              </a:ext>
+            </a:extLst>
+          </p:cNvPr>
+          <p:cNvSpPr/>
+          <p:nvPr/>
+        </p:nvSpPr>
+        <p:spPr>
+          <a:xfrm>
+            <a:off x="7633885" y="321177"/>
+            <a:ext cx="902733" cy="522514"/>
+          </a:xfrm>
+          <a:prstGeom prst="rect">
+            <a:avLst/>
+          </a:prstGeom>
+        </p:spPr>
+        <p:style>
+          <a:lnRef idx="2">
+            <a:schemeClr val="accent1">
+              <a:shade val="50000"/>
+            </a:schemeClr>
+          </a:lnRef>
+          <a:fillRef idx="1">
+            <a:schemeClr val="accent1"/>
+          </a:fillRef>
+          <a:effectRef idx="0">
+            <a:schemeClr val="accent1"/>
+          </a:effectRef>
+          <a:fontRef idx="minor">
+            <a:schemeClr val="lt1"/>
+          </a:fontRef>
+        </p:style>
+        <p:txBody>
+          <a:bodyPr rtlCol="0" anchor="ctr"/>
+          <a:lstStyle/>
+          <a:p>
+            <a:pPr algn="ctr"/>
+            <a:r>
+              <a:rPr lang="fi-FI" sz="1400" dirty="0"/>
+              <a:t>Image</a:t>
+            </a:r>
+            <a:br>
+              <a:rPr lang="fi-FI" sz="1400" dirty="0"/>
+            </a:br>
+            <a:r>
+              <a:rPr lang="fi-FI" sz="1400" dirty="0"/>
+              <a:t>World</a:t>
+            </a:r>
+            <a:endParaRPr lang="en-GB" sz="1400" dirty="0"/>
+          </a:p>
+        </p:txBody>
+      </p:sp>
+      <p:cxnSp>
+        <p:nvCxnSpPr>
+          <p:cNvPr id="12" name="Suora yhdysviiva 11">
+            <a:extLst>
+              <a:ext uri="{FF2B5EF4-FFF2-40B4-BE49-F238E27FC236}">
+                <a16:creationId xmlns:a16="http://schemas.microsoft.com/office/drawing/2014/main" id="{144805A2-9C45-4C76-B815-6908AA6C9645}"/>
+              </a:ext>
+            </a:extLst>
+          </p:cNvPr>
+          <p:cNvCxnSpPr>
+            <a:cxnSpLocks/>
+            <a:stCxn id="53" idx="2"/>
+          </p:cNvCxnSpPr>
+          <p:nvPr/>
+        </p:nvCxnSpPr>
+        <p:spPr>
+          <a:xfrm flipH="1">
+            <a:off x="7398280" y="843691"/>
+            <a:ext cx="686972" cy="744506"/>
+          </a:xfrm>
+          <a:prstGeom prst="line">
+            <a:avLst/>
+          </a:prstGeom>
+          <a:ln>
+            <a:tailEnd type="diamond" w="lg" len="lg"/>
+          </a:ln>
+        </p:spPr>
+        <p:style>
+          <a:lnRef idx="1">
+            <a:schemeClr val="accent1"/>
+          </a:lnRef>
+          <a:fillRef idx="0">
+            <a:schemeClr val="accent1"/>
+          </a:fillRef>
+          <a:effectRef idx="0">
+            <a:schemeClr val="accent1"/>
+          </a:effectRef>
+          <a:fontRef idx="minor">
+            <a:schemeClr val="tx1"/>
+          </a:fontRef>
+        </p:style>
+      </p:cxnSp>
+      <p:cxnSp>
+        <p:nvCxnSpPr>
+          <p:cNvPr id="55" name="Suora yhdysviiva 54">
+            <a:extLst>
+              <a:ext uri="{FF2B5EF4-FFF2-40B4-BE49-F238E27FC236}">
+                <a16:creationId xmlns:a16="http://schemas.microsoft.com/office/drawing/2014/main" id="{043ADC59-5CD2-45D9-9BFA-B325D950F963}"/>
+              </a:ext>
+            </a:extLst>
+          </p:cNvPr>
+          <p:cNvCxnSpPr>
+            <a:cxnSpLocks/>
+            <a:stCxn id="53" idx="2"/>
+            <a:endCxn id="52" idx="0"/>
+          </p:cNvCxnSpPr>
+          <p:nvPr/>
+        </p:nvCxnSpPr>
+        <p:spPr>
+          <a:xfrm>
+            <a:off x="8085252" y="843691"/>
+            <a:ext cx="701045" cy="763850"/>
+          </a:xfrm>
+          <a:prstGeom prst="line">
+            <a:avLst/>
+          </a:prstGeom>
+          <a:ln>
+            <a:tailEnd type="diamond" w="lg" len="lg"/>
+          </a:ln>
+        </p:spPr>
+        <p:style>
+          <a:lnRef idx="1">
+            <a:schemeClr val="accent1"/>
+          </a:lnRef>
+          <a:fillRef idx="0">
+            <a:schemeClr val="accent1"/>
+          </a:fillRef>
+          <a:effectRef idx="0">
+            <a:schemeClr val="accent1"/>
+          </a:effectRef>
+          <a:fontRef idx="minor">
+            <a:schemeClr val="tx1"/>
+          </a:fontRef>
+        </p:style>
+      </p:cxnSp>
+      <p:sp>
+        <p:nvSpPr>
+          <p:cNvPr id="57" name="Tekstiruutu 56">
+            <a:extLst>
+              <a:ext uri="{FF2B5EF4-FFF2-40B4-BE49-F238E27FC236}">
+                <a16:creationId xmlns:a16="http://schemas.microsoft.com/office/drawing/2014/main" id="{957EE039-98E6-48B8-BE2C-20EFEAEC8B92}"/>
+              </a:ext>
+            </a:extLst>
+          </p:cNvPr>
+          <p:cNvSpPr txBox="1"/>
+          <p:nvPr/>
+        </p:nvSpPr>
+        <p:spPr>
+          <a:xfrm>
+            <a:off x="5364664" y="406535"/>
+            <a:ext cx="803105" cy="369332"/>
+          </a:xfrm>
+          <a:prstGeom prst="rect">
+            <a:avLst/>
+          </a:prstGeom>
+          <a:noFill/>
+        </p:spPr>
+        <p:txBody>
+          <a:bodyPr wrap="none" rtlCol="0">
+            <a:spAutoFit/>
+          </a:bodyPr>
+          <a:lstStyle/>
+          <a:p>
+            <a:r>
+              <a:rPr lang="fi-FI" dirty="0" err="1"/>
+              <a:t>Before</a:t>
+            </a:r>
+            <a:endParaRPr lang="en-GB" dirty="0"/>
+          </a:p>
+        </p:txBody>
+      </p:sp>
+    </p:spTree>
+    <p:extLst>
+      <p:ext uri="{BB962C8B-B14F-4D97-AF65-F5344CB8AC3E}">
+        <p14:creationId xmlns:p14="http://schemas.microsoft.com/office/powerpoint/2010/main" val="2508378906"/>
+      </p:ext>
+    </p:extLst>
+  </p:cSld>
+  <p:clrMapOvr>
+    <a:masterClrMapping/>
+  </p:clrMapOvr>
+</p:sld>
+</file>
+
+<file path=ppt/slides/slide32.xml><?xml version="1.0" encoding="utf-8"?>
+<p:sld xmlns:a="http://schemas.openxmlformats.org/drawingml/2006/main" xmlns:r="http://schemas.openxmlformats.org/officeDocument/2006/relationships" xmlns:p="http://schemas.openxmlformats.org/presentationml/2006/main">
+  <p:cSld>
+    <p:bg>
+      <p:bgPr>
+        <a:solidFill>
+          <a:schemeClr val="bg1"/>
+        </a:solidFill>
+        <a:effectLst/>
+      </p:bgPr>
+    </p:bg>
+    <p:spTree>
+      <p:nvGrpSpPr>
+        <p:cNvPr id="1" name=""/>
+        <p:cNvGrpSpPr/>
+        <p:nvPr/>
+      </p:nvGrpSpPr>
+      <p:grpSpPr>
+        <a:xfrm>
+          <a:off x="0" y="0"/>
+          <a:ext cx="0" cy="0"/>
+          <a:chOff x="0" y="0"/>
+          <a:chExt cx="0" cy="0"/>
+        </a:xfrm>
+      </p:grpSpPr>
+      <p:sp>
+        <p:nvSpPr>
+          <p:cNvPr id="71" name="Rectangle 70">
+            <a:extLst>
+              <a:ext uri="{FF2B5EF4-FFF2-40B4-BE49-F238E27FC236}">
+                <a16:creationId xmlns:a16="http://schemas.microsoft.com/office/drawing/2014/main" id="{AB45A142-4255-493C-8284-5D566C121B10}"/>
+              </a:ext>
+            </a:extLst>
+          </p:cNvPr>
+          <p:cNvSpPr>
+            <a:spLocks noGrp="1" noRot="1" noChangeAspect="1" noMove="1" noResize="1" noEditPoints="1" noAdjustHandles="1" noChangeArrowheads="1" noChangeShapeType="1" noTextEdit="1"/>
+          </p:cNvSpPr>
+          <p:nvPr>
+            <p:extLst>
+              <p:ext uri="{386F3935-93C4-4BCD-93E2-E3B085C9AB24}">
+                <p16:designElem xmlns:p16="http://schemas.microsoft.com/office/powerpoint/2015/main" val="1"/>
+              </p:ext>
+            </p:extLst>
+          </p:nvPr>
+        </p:nvSpPr>
+        <p:spPr bwMode="ltGray">
+          <a:xfrm>
+            <a:off x="336884" y="321177"/>
+            <a:ext cx="4332307" cy="6179552"/>
+          </a:xfrm>
+          <a:prstGeom prst="rect">
+            <a:avLst/>
+          </a:prstGeom>
+          <a:solidFill>
+            <a:schemeClr val="tx1">
+              <a:lumMod val="75000"/>
+              <a:lumOff val="25000"/>
+            </a:schemeClr>
+          </a:solidFill>
+          <a:ln w="127000" cap="sq" cmpd="thinThick">
+            <a:solidFill>
+              <a:schemeClr val="tx1">
+                <a:lumMod val="75000"/>
+                <a:lumOff val="25000"/>
+              </a:schemeClr>
+            </a:solidFill>
+          </a:ln>
+        </p:spPr>
+        <p:style>
+          <a:lnRef idx="2">
+            <a:schemeClr val="accent1">
+              <a:shade val="50000"/>
+            </a:schemeClr>
+          </a:lnRef>
+          <a:fillRef idx="1">
+            <a:schemeClr val="accent1"/>
+          </a:fillRef>
+          <a:effectRef idx="0">
+            <a:schemeClr val="accent1"/>
+          </a:effectRef>
+          <a:fontRef idx="minor">
+            <a:schemeClr val="lt1"/>
+          </a:fontRef>
+        </p:style>
+        <p:txBody>
+          <a:bodyPr rtlCol="0" anchor="ctr"/>
+          <a:lstStyle/>
+          <a:p>
+            <a:pPr algn="ctr"/>
+            <a:endParaRPr lang="en-US"/>
+          </a:p>
+        </p:txBody>
+      </p:sp>
+      <p:cxnSp>
+        <p:nvCxnSpPr>
+          <p:cNvPr id="73" name="Straight Connector 72">
+            <a:extLst>
+              <a:ext uri="{FF2B5EF4-FFF2-40B4-BE49-F238E27FC236}">
+                <a16:creationId xmlns:a16="http://schemas.microsoft.com/office/drawing/2014/main" id="{38FB9660-F42F-4313-BBC4-47C007FE484C}"/>
+              </a:ext>
+            </a:extLst>
+          </p:cNvPr>
+          <p:cNvCxnSpPr>
+            <a:cxnSpLocks noGrp="1" noRot="1" noChangeAspect="1" noMove="1" noResize="1" noEditPoints="1" noAdjustHandles="1" noChangeArrowheads="1" noChangeShapeType="1"/>
+          </p:cNvCxnSpPr>
+          <p:nvPr>
+            <p:extLst>
+              <p:ext uri="{386F3935-93C4-4BCD-93E2-E3B085C9AB24}">
+                <p16:designElem xmlns:p16="http://schemas.microsoft.com/office/powerpoint/2015/main" val="1"/>
+              </p:ext>
+            </p:extLst>
+          </p:nvPr>
+        </p:nvCxnSpPr>
+        <p:spPr>
+          <a:xfrm>
+            <a:off x="1191126" y="3910267"/>
+            <a:ext cx="2586790" cy="0"/>
+          </a:xfrm>
+          <a:prstGeom prst="line">
+            <a:avLst/>
+          </a:prstGeom>
+          <a:ln w="22225">
+            <a:solidFill>
+              <a:schemeClr val="bg1">
+                <a:lumMod val="85000"/>
+              </a:schemeClr>
+            </a:solidFill>
+          </a:ln>
+        </p:spPr>
+        <p:style>
+          <a:lnRef idx="1">
+            <a:schemeClr val="accent1"/>
+          </a:lnRef>
+          <a:fillRef idx="0">
+            <a:schemeClr val="accent1"/>
+          </a:fillRef>
+          <a:effectRef idx="0">
+            <a:schemeClr val="accent1"/>
+          </a:effectRef>
+          <a:fontRef idx="minor">
+            <a:schemeClr val="tx1"/>
+          </a:fontRef>
+        </p:style>
+      </p:cxnSp>
+      <p:sp>
+        <p:nvSpPr>
+          <p:cNvPr id="5" name="Tekstiruutu 4">
+            <a:extLst>
+              <a:ext uri="{FF2B5EF4-FFF2-40B4-BE49-F238E27FC236}">
+                <a16:creationId xmlns:a16="http://schemas.microsoft.com/office/drawing/2014/main" id="{96513FD4-02A8-4B70-98A1-6EDA16999002}"/>
+              </a:ext>
+            </a:extLst>
+          </p:cNvPr>
+          <p:cNvSpPr txBox="1"/>
+          <p:nvPr/>
+        </p:nvSpPr>
+        <p:spPr>
+          <a:xfrm>
+            <a:off x="501997" y="914400"/>
+            <a:ext cx="4103583" cy="2918123"/>
+          </a:xfrm>
+          <a:prstGeom prst="rect">
+            <a:avLst/>
+          </a:prstGeom>
+        </p:spPr>
+        <p:txBody>
+          <a:bodyPr vert="horz" lIns="91440" tIns="45720" rIns="91440" bIns="45720" rtlCol="0" anchor="b">
+            <a:normAutofit/>
+          </a:bodyPr>
+          <a:lstStyle/>
+          <a:p>
+            <a:pPr algn="ctr">
+              <a:lnSpc>
+                <a:spcPct val="90000"/>
+              </a:lnSpc>
+              <a:spcBef>
+                <a:spcPct val="0"/>
+              </a:spcBef>
+              <a:spcAft>
+                <a:spcPts val="600"/>
+              </a:spcAft>
+            </a:pPr>
+            <a:r>
+              <a:rPr lang="en-US" sz="4800" kern="1200" dirty="0">
+                <a:solidFill>
+                  <a:schemeClr val="bg1"/>
+                </a:solidFill>
+                <a:latin typeface="+mj-lt"/>
+                <a:ea typeface="+mj-ea"/>
+                <a:cs typeface="+mj-cs"/>
+              </a:rPr>
+              <a:t>Enti</a:t>
+            </a:r>
+            <a:r>
+              <a:rPr lang="en-US" sz="4800" dirty="0">
+                <a:solidFill>
+                  <a:schemeClr val="bg1"/>
+                </a:solidFill>
+                <a:latin typeface="+mj-lt"/>
+                <a:ea typeface="+mj-ea"/>
+                <a:cs typeface="+mj-cs"/>
+              </a:rPr>
+              <a:t>ty Diagram</a:t>
+            </a:r>
+            <a:endParaRPr lang="en-US" sz="4800" kern="1200" dirty="0">
+              <a:solidFill>
+                <a:schemeClr val="bg1"/>
+              </a:solidFill>
+              <a:latin typeface="+mj-lt"/>
+              <a:ea typeface="+mj-ea"/>
+              <a:cs typeface="+mj-cs"/>
+            </a:endParaRPr>
+          </a:p>
+        </p:txBody>
+      </p:sp>
+      <p:sp>
+        <p:nvSpPr>
+          <p:cNvPr id="29" name="Tekstiruutu 28">
+            <a:extLst>
+              <a:ext uri="{FF2B5EF4-FFF2-40B4-BE49-F238E27FC236}">
+                <a16:creationId xmlns:a16="http://schemas.microsoft.com/office/drawing/2014/main" id="{2ABD744B-13A6-4597-83B7-497F1D6DF024}"/>
+              </a:ext>
+            </a:extLst>
+          </p:cNvPr>
+          <p:cNvSpPr txBox="1"/>
+          <p:nvPr/>
+        </p:nvSpPr>
+        <p:spPr>
+          <a:xfrm>
+            <a:off x="5961163" y="1404172"/>
+            <a:ext cx="5322932" cy="2862322"/>
+          </a:xfrm>
+          <a:prstGeom prst="rect">
+            <a:avLst/>
+          </a:prstGeom>
+          <a:noFill/>
+        </p:spPr>
+        <p:txBody>
+          <a:bodyPr wrap="square" rtlCol="0">
+            <a:spAutoFit/>
+          </a:bodyPr>
+          <a:lstStyle/>
+          <a:p>
+            <a:r>
+              <a:rPr lang="fi-FI" dirty="0"/>
+              <a:t>V2.0 </a:t>
+            </a:r>
+            <a:r>
+              <a:rPr lang="fi-FI" dirty="0" err="1"/>
+              <a:t>goal</a:t>
+            </a:r>
+            <a:endParaRPr lang="fi-FI" dirty="0"/>
+          </a:p>
+          <a:p>
+            <a:endParaRPr lang="fi-FI" dirty="0"/>
+          </a:p>
+          <a:p>
+            <a:pPr marL="285750" indent="-285750">
+              <a:buFont typeface="Arial" panose="020B0604020202020204" pitchFamily="34" charset="0"/>
+              <a:buChar char="•"/>
+            </a:pPr>
+            <a:r>
+              <a:rPr lang="fi-FI" dirty="0" err="1"/>
+              <a:t>Detected</a:t>
+            </a:r>
+            <a:r>
+              <a:rPr lang="fi-FI" dirty="0"/>
+              <a:t> </a:t>
+            </a:r>
+            <a:r>
+              <a:rPr lang="fi-FI" dirty="0" err="1"/>
+              <a:t>classes</a:t>
+            </a:r>
+            <a:r>
+              <a:rPr lang="fi-FI" dirty="0"/>
+              <a:t> </a:t>
+            </a:r>
+            <a:r>
+              <a:rPr lang="fi-FI" dirty="0" err="1"/>
+              <a:t>not</a:t>
+            </a:r>
+            <a:r>
+              <a:rPr lang="fi-FI" dirty="0"/>
+              <a:t> </a:t>
+            </a:r>
+            <a:r>
+              <a:rPr lang="fi-FI" dirty="0" err="1"/>
+              <a:t>hardcoded</a:t>
+            </a:r>
+            <a:endParaRPr lang="fi-FI" dirty="0"/>
+          </a:p>
+          <a:p>
+            <a:pPr marL="285750" indent="-285750">
+              <a:buFont typeface="Arial" panose="020B0604020202020204" pitchFamily="34" charset="0"/>
+              <a:buChar char="•"/>
+            </a:pPr>
+            <a:r>
+              <a:rPr lang="fi-FI" dirty="0"/>
+              <a:t>Object </a:t>
+            </a:r>
+            <a:r>
+              <a:rPr lang="fi-FI" dirty="0" err="1"/>
+              <a:t>class</a:t>
+            </a:r>
+            <a:r>
+              <a:rPr lang="fi-FI" dirty="0"/>
+              <a:t> </a:t>
+            </a:r>
+            <a:r>
+              <a:rPr lang="fi-FI" dirty="0" err="1"/>
+              <a:t>may</a:t>
+            </a:r>
+            <a:r>
+              <a:rPr lang="fi-FI" dirty="0"/>
+              <a:t> </a:t>
+            </a:r>
+            <a:r>
+              <a:rPr lang="fi-FI" dirty="0" err="1"/>
+              <a:t>change</a:t>
+            </a:r>
+            <a:endParaRPr lang="fi-FI" dirty="0"/>
+          </a:p>
+          <a:p>
+            <a:pPr marL="285750" indent="-285750">
+              <a:buFont typeface="Arial" panose="020B0604020202020204" pitchFamily="34" charset="0"/>
+              <a:buChar char="•"/>
+            </a:pPr>
+            <a:r>
+              <a:rPr lang="fi-FI" dirty="0" err="1"/>
+              <a:t>Support</a:t>
+            </a:r>
+            <a:r>
+              <a:rPr lang="fi-FI" dirty="0"/>
+              <a:t> for </a:t>
+            </a:r>
+            <a:r>
+              <a:rPr lang="fi-FI" dirty="0" err="1"/>
+              <a:t>many</a:t>
+            </a:r>
+            <a:r>
+              <a:rPr lang="fi-FI" dirty="0"/>
+              <a:t> </a:t>
+            </a:r>
+            <a:r>
+              <a:rPr lang="fi-FI" dirty="0" err="1"/>
+              <a:t>cameras</a:t>
+            </a:r>
+            <a:r>
+              <a:rPr lang="fi-FI" dirty="0"/>
+              <a:t> , </a:t>
+            </a:r>
+            <a:r>
+              <a:rPr lang="fi-FI" dirty="0" err="1"/>
+              <a:t>rotations</a:t>
+            </a:r>
+            <a:endParaRPr lang="fi-FI" dirty="0"/>
+          </a:p>
+          <a:p>
+            <a:pPr marL="285750" indent="-285750">
+              <a:buFont typeface="Arial" panose="020B0604020202020204" pitchFamily="34" charset="0"/>
+              <a:buChar char="•"/>
+            </a:pPr>
+            <a:r>
+              <a:rPr lang="fi-FI" dirty="0" err="1"/>
+              <a:t>Names</a:t>
+            </a:r>
+            <a:r>
+              <a:rPr lang="fi-FI" dirty="0"/>
+              <a:t> </a:t>
+            </a:r>
+            <a:r>
+              <a:rPr lang="fi-FI" dirty="0" err="1"/>
+              <a:t>less</a:t>
+            </a:r>
+            <a:r>
+              <a:rPr lang="fi-FI" dirty="0"/>
+              <a:t> </a:t>
+            </a:r>
+            <a:r>
+              <a:rPr lang="fi-FI" dirty="0" err="1"/>
+              <a:t>awkward</a:t>
+            </a:r>
+            <a:endParaRPr lang="fi-FI" dirty="0"/>
+          </a:p>
+          <a:p>
+            <a:pPr marL="285750" indent="-285750">
+              <a:buFont typeface="Arial" panose="020B0604020202020204" pitchFamily="34" charset="0"/>
+              <a:buChar char="•"/>
+            </a:pPr>
+            <a:r>
+              <a:rPr lang="fi-FI" dirty="0" err="1"/>
+              <a:t>Cleaning</a:t>
+            </a:r>
+            <a:endParaRPr lang="fi-FI" dirty="0"/>
+          </a:p>
+          <a:p>
+            <a:pPr marL="285750" indent="-285750">
+              <a:buFont typeface="Arial" panose="020B0604020202020204" pitchFamily="34" charset="0"/>
+              <a:buChar char="•"/>
+            </a:pPr>
+            <a:r>
+              <a:rPr lang="fi-FI" dirty="0"/>
+              <a:t>Python </a:t>
+            </a:r>
+            <a:r>
+              <a:rPr lang="fi-FI" dirty="0" err="1"/>
+              <a:t>style</a:t>
+            </a:r>
+            <a:r>
+              <a:rPr lang="fi-FI" dirty="0"/>
+              <a:t> </a:t>
+            </a:r>
+            <a:r>
+              <a:rPr lang="fi-FI" dirty="0" err="1"/>
+              <a:t>guide</a:t>
+            </a:r>
+            <a:r>
+              <a:rPr lang="fi-FI" dirty="0"/>
+              <a:t> </a:t>
+            </a:r>
+            <a:r>
+              <a:rPr lang="fi-FI" dirty="0" err="1"/>
+              <a:t>followed</a:t>
+            </a:r>
+            <a:r>
+              <a:rPr lang="fi-FI" dirty="0"/>
+              <a:t>, </a:t>
+            </a:r>
+            <a:r>
+              <a:rPr lang="fi-FI" dirty="0" err="1"/>
+              <a:t>excluding</a:t>
+            </a:r>
+            <a:r>
+              <a:rPr lang="fi-FI" dirty="0"/>
+              <a:t> </a:t>
+            </a:r>
+            <a:r>
+              <a:rPr lang="fi-FI" dirty="0" err="1"/>
+              <a:t>line</a:t>
+            </a:r>
+            <a:r>
+              <a:rPr lang="fi-FI" dirty="0"/>
+              <a:t> </a:t>
+            </a:r>
+            <a:r>
+              <a:rPr lang="fi-FI" dirty="0" err="1"/>
+              <a:t>length</a:t>
+            </a:r>
+            <a:endParaRPr lang="fi-FI" dirty="0"/>
+          </a:p>
+          <a:p>
+            <a:pPr marL="285750" indent="-285750">
+              <a:buFont typeface="Arial" panose="020B0604020202020204" pitchFamily="34" charset="0"/>
+              <a:buChar char="•"/>
+            </a:pPr>
+            <a:r>
+              <a:rPr lang="fi-FI" dirty="0" err="1"/>
+              <a:t>Code</a:t>
+            </a:r>
+            <a:r>
+              <a:rPr lang="fi-FI" dirty="0"/>
+              <a:t> </a:t>
+            </a:r>
+            <a:r>
+              <a:rPr lang="fi-FI" dirty="0" err="1"/>
+              <a:t>optimization</a:t>
+            </a:r>
+            <a:endParaRPr lang="fi-FI" dirty="0"/>
+          </a:p>
+          <a:p>
+            <a:pPr marL="285750" indent="-285750">
+              <a:buFont typeface="Arial" panose="020B0604020202020204" pitchFamily="34" charset="0"/>
+              <a:buChar char="•"/>
+            </a:pPr>
+            <a:r>
+              <a:rPr lang="fi-FI" dirty="0"/>
+              <a:t>One </a:t>
+            </a:r>
+            <a:r>
+              <a:rPr lang="fi-FI" dirty="0" err="1"/>
+              <a:t>package</a:t>
+            </a:r>
+            <a:endParaRPr lang="en-GB" dirty="0"/>
+          </a:p>
+        </p:txBody>
+      </p:sp>
+      <p:sp>
+        <p:nvSpPr>
+          <p:cNvPr id="39" name="Tekstiruutu 38">
+            <a:extLst>
+              <a:ext uri="{FF2B5EF4-FFF2-40B4-BE49-F238E27FC236}">
+                <a16:creationId xmlns:a16="http://schemas.microsoft.com/office/drawing/2014/main" id="{4478F502-7529-4F48-B637-0784A4FF6235}"/>
+              </a:ext>
+            </a:extLst>
+          </p:cNvPr>
+          <p:cNvSpPr txBox="1"/>
+          <p:nvPr/>
+        </p:nvSpPr>
+        <p:spPr>
+          <a:xfrm>
+            <a:off x="5961163" y="5084496"/>
+            <a:ext cx="5322932" cy="646331"/>
+          </a:xfrm>
+          <a:prstGeom prst="rect">
+            <a:avLst/>
+          </a:prstGeom>
+          <a:noFill/>
+        </p:spPr>
+        <p:txBody>
+          <a:bodyPr wrap="square" rtlCol="0">
+            <a:spAutoFit/>
+          </a:bodyPr>
+          <a:lstStyle/>
+          <a:p>
+            <a:r>
+              <a:rPr lang="fi-FI" dirty="0" err="1"/>
+              <a:t>Name</a:t>
+            </a:r>
+            <a:r>
+              <a:rPr lang="fi-FI" dirty="0"/>
+              <a:t> of </a:t>
+            </a:r>
+            <a:r>
+              <a:rPr lang="fi-FI" dirty="0" err="1"/>
+              <a:t>the</a:t>
+            </a:r>
+            <a:r>
+              <a:rPr lang="fi-FI" dirty="0"/>
+              <a:t> software </a:t>
+            </a:r>
+            <a:r>
+              <a:rPr lang="fi-FI" dirty="0" err="1"/>
+              <a:t>package</a:t>
+            </a:r>
+            <a:r>
+              <a:rPr lang="fi-FI" dirty="0"/>
+              <a:t>: </a:t>
+            </a:r>
+            <a:r>
+              <a:rPr lang="fi-FI" dirty="0" err="1"/>
+              <a:t>ShadowWorld</a:t>
+            </a:r>
+            <a:endParaRPr lang="fi-FI" dirty="0"/>
+          </a:p>
+          <a:p>
+            <a:r>
+              <a:rPr lang="fi-FI" dirty="0"/>
+              <a:t>(</a:t>
+            </a:r>
+            <a:r>
+              <a:rPr lang="fi-FI" dirty="0" err="1"/>
+              <a:t>Plato</a:t>
+            </a:r>
+            <a:r>
+              <a:rPr lang="fi-FI" dirty="0"/>
+              <a:t>: </a:t>
+            </a:r>
+            <a:r>
+              <a:rPr lang="fi-FI" dirty="0" err="1"/>
+              <a:t>Allegory</a:t>
+            </a:r>
+            <a:r>
+              <a:rPr lang="fi-FI" dirty="0"/>
+              <a:t> of </a:t>
+            </a:r>
+            <a:r>
+              <a:rPr lang="fi-FI" dirty="0" err="1"/>
+              <a:t>the</a:t>
+            </a:r>
+            <a:r>
+              <a:rPr lang="fi-FI" dirty="0"/>
+              <a:t> </a:t>
+            </a:r>
+            <a:r>
+              <a:rPr lang="fi-FI" dirty="0" err="1"/>
+              <a:t>Cave</a:t>
+            </a:r>
+            <a:r>
+              <a:rPr lang="fi-FI" dirty="0"/>
+              <a:t>)</a:t>
+            </a:r>
+          </a:p>
+        </p:txBody>
+      </p:sp>
+    </p:spTree>
+    <p:extLst>
+      <p:ext uri="{BB962C8B-B14F-4D97-AF65-F5344CB8AC3E}">
+        <p14:creationId xmlns:p14="http://schemas.microsoft.com/office/powerpoint/2010/main" val="1448319497"/>
+      </p:ext>
+    </p:extLst>
+  </p:cSld>
+  <p:clrMapOvr>
+    <a:masterClrMapping/>
+  </p:clrMapOvr>
+</p:sld>
+</file>
+
+<file path=ppt/slides/slide33.xml><?xml version="1.0" encoding="utf-8"?>
+<p:sld xmlns:a="http://schemas.openxmlformats.org/drawingml/2006/main" xmlns:r="http://schemas.openxmlformats.org/officeDocument/2006/relationships" xmlns:p="http://schemas.openxmlformats.org/presentationml/2006/main">
+  <p:cSld>
+    <p:bg>
+      <p:bgPr>
+        <a:solidFill>
+          <a:schemeClr val="bg1"/>
+        </a:solidFill>
+        <a:effectLst/>
+      </p:bgPr>
+    </p:bg>
+    <p:spTree>
+      <p:nvGrpSpPr>
+        <p:cNvPr id="1" name=""/>
+        <p:cNvGrpSpPr/>
+        <p:nvPr/>
+      </p:nvGrpSpPr>
+      <p:grpSpPr>
+        <a:xfrm>
+          <a:off x="0" y="0"/>
+          <a:ext cx="0" cy="0"/>
+          <a:chOff x="0" y="0"/>
+          <a:chExt cx="0" cy="0"/>
+        </a:xfrm>
+      </p:grpSpPr>
+      <p:sp>
+        <p:nvSpPr>
+          <p:cNvPr id="61" name="Suorakulmio 60">
+            <a:extLst>
+              <a:ext uri="{FF2B5EF4-FFF2-40B4-BE49-F238E27FC236}">
+                <a16:creationId xmlns:a16="http://schemas.microsoft.com/office/drawing/2014/main" id="{6FC7DA83-29F7-4F4F-AD70-50C533320A2A}"/>
+              </a:ext>
+            </a:extLst>
+          </p:cNvPr>
+          <p:cNvSpPr/>
+          <p:nvPr/>
+        </p:nvSpPr>
+        <p:spPr>
+          <a:xfrm>
+            <a:off x="9195239" y="3045150"/>
+            <a:ext cx="1439415" cy="959251"/>
+          </a:xfrm>
+          <a:prstGeom prst="rect">
+            <a:avLst/>
+          </a:prstGeom>
+          <a:solidFill>
+            <a:schemeClr val="accent4">
+              <a:lumMod val="60000"/>
+              <a:lumOff val="40000"/>
+            </a:schemeClr>
+          </a:solidFill>
+        </p:spPr>
+        <p:style>
+          <a:lnRef idx="2">
+            <a:schemeClr val="accent1">
+              <a:shade val="50000"/>
+            </a:schemeClr>
+          </a:lnRef>
+          <a:fillRef idx="1">
+            <a:schemeClr val="accent1"/>
+          </a:fillRef>
+          <a:effectRef idx="0">
+            <a:schemeClr val="accent1"/>
+          </a:effectRef>
+          <a:fontRef idx="minor">
+            <a:schemeClr val="lt1"/>
+          </a:fontRef>
+        </p:style>
+        <p:txBody>
+          <a:bodyPr rtlCol="0" anchor="ctr"/>
+          <a:lstStyle/>
+          <a:p>
+            <a:pPr algn="ctr"/>
+            <a:endParaRPr lang="en-GB"/>
+          </a:p>
+        </p:txBody>
+      </p:sp>
+      <p:sp>
+        <p:nvSpPr>
+          <p:cNvPr id="45" name="Suorakulmio 44">
+            <a:extLst>
+              <a:ext uri="{FF2B5EF4-FFF2-40B4-BE49-F238E27FC236}">
+                <a16:creationId xmlns:a16="http://schemas.microsoft.com/office/drawing/2014/main" id="{3206FB31-207D-45A7-82A9-E9EBDE3C60CD}"/>
+              </a:ext>
+            </a:extLst>
+          </p:cNvPr>
+          <p:cNvSpPr/>
+          <p:nvPr/>
+        </p:nvSpPr>
+        <p:spPr>
+          <a:xfrm>
+            <a:off x="9016241" y="3246488"/>
+            <a:ext cx="1439415" cy="959251"/>
+          </a:xfrm>
+          <a:prstGeom prst="rect">
+            <a:avLst/>
+          </a:prstGeom>
+          <a:solidFill>
+            <a:schemeClr val="accent5">
+              <a:lumMod val="60000"/>
+              <a:lumOff val="40000"/>
+            </a:schemeClr>
+          </a:solidFill>
+        </p:spPr>
+        <p:style>
+          <a:lnRef idx="2">
+            <a:schemeClr val="accent1">
+              <a:shade val="50000"/>
+            </a:schemeClr>
+          </a:lnRef>
+          <a:fillRef idx="1">
+            <a:schemeClr val="accent1"/>
+          </a:fillRef>
+          <a:effectRef idx="0">
+            <a:schemeClr val="accent1"/>
+          </a:effectRef>
+          <a:fontRef idx="minor">
+            <a:schemeClr val="lt1"/>
+          </a:fontRef>
+        </p:style>
+        <p:txBody>
+          <a:bodyPr rtlCol="0" anchor="ctr"/>
+          <a:lstStyle/>
+          <a:p>
+            <a:pPr algn="ctr"/>
+            <a:endParaRPr lang="en-GB"/>
+          </a:p>
+        </p:txBody>
+      </p:sp>
+      <p:sp>
+        <p:nvSpPr>
+          <p:cNvPr id="18" name="Suorakulmio 17">
+            <a:extLst>
+              <a:ext uri="{FF2B5EF4-FFF2-40B4-BE49-F238E27FC236}">
+                <a16:creationId xmlns:a16="http://schemas.microsoft.com/office/drawing/2014/main" id="{97F6E6D6-ED6B-4B4D-A419-FE2A4987A895}"/>
+              </a:ext>
+            </a:extLst>
+          </p:cNvPr>
+          <p:cNvSpPr/>
+          <p:nvPr/>
+        </p:nvSpPr>
+        <p:spPr>
+          <a:xfrm>
+            <a:off x="5279923" y="3270184"/>
+            <a:ext cx="1439415" cy="959251"/>
+          </a:xfrm>
+          <a:prstGeom prst="rect">
+            <a:avLst/>
+          </a:prstGeom>
+          <a:solidFill>
+            <a:schemeClr val="accent5">
+              <a:lumMod val="60000"/>
+              <a:lumOff val="40000"/>
+            </a:schemeClr>
+          </a:solidFill>
+        </p:spPr>
+        <p:style>
+          <a:lnRef idx="2">
+            <a:schemeClr val="accent1">
+              <a:shade val="50000"/>
+            </a:schemeClr>
+          </a:lnRef>
+          <a:fillRef idx="1">
+            <a:schemeClr val="accent1"/>
+          </a:fillRef>
+          <a:effectRef idx="0">
+            <a:schemeClr val="accent1"/>
+          </a:effectRef>
+          <a:fontRef idx="minor">
+            <a:schemeClr val="lt1"/>
+          </a:fontRef>
+        </p:style>
+        <p:txBody>
+          <a:bodyPr rtlCol="0" anchor="ctr"/>
+          <a:lstStyle/>
+          <a:p>
+            <a:pPr algn="ctr"/>
+            <a:endParaRPr lang="en-GB"/>
+          </a:p>
+        </p:txBody>
+      </p:sp>
+      <p:sp>
+        <p:nvSpPr>
+          <p:cNvPr id="17" name="Suorakulmio 16">
+            <a:extLst>
+              <a:ext uri="{FF2B5EF4-FFF2-40B4-BE49-F238E27FC236}">
+                <a16:creationId xmlns:a16="http://schemas.microsoft.com/office/drawing/2014/main" id="{7CB33338-C409-4B17-B5C4-F8768B297662}"/>
+              </a:ext>
+            </a:extLst>
+          </p:cNvPr>
+          <p:cNvSpPr/>
+          <p:nvPr/>
+        </p:nvSpPr>
+        <p:spPr>
+          <a:xfrm>
+            <a:off x="5181309" y="1032055"/>
+            <a:ext cx="6729841" cy="1096763"/>
+          </a:xfrm>
+          <a:prstGeom prst="rect">
+            <a:avLst/>
+          </a:prstGeom>
+          <a:solidFill>
+            <a:schemeClr val="accent5">
+              <a:lumMod val="60000"/>
+              <a:lumOff val="40000"/>
+            </a:schemeClr>
+          </a:solidFill>
+        </p:spPr>
+        <p:style>
+          <a:lnRef idx="2">
+            <a:schemeClr val="accent1">
+              <a:shade val="50000"/>
+            </a:schemeClr>
+          </a:lnRef>
+          <a:fillRef idx="1">
+            <a:schemeClr val="accent1"/>
+          </a:fillRef>
+          <a:effectRef idx="0">
+            <a:schemeClr val="accent1"/>
+          </a:effectRef>
+          <a:fontRef idx="minor">
+            <a:schemeClr val="lt1"/>
+          </a:fontRef>
+        </p:style>
+        <p:txBody>
+          <a:bodyPr rtlCol="0" anchor="ctr"/>
+          <a:lstStyle/>
+          <a:p>
+            <a:pPr algn="ctr"/>
+            <a:endParaRPr lang="en-GB" dirty="0"/>
+          </a:p>
+        </p:txBody>
+      </p:sp>
+      <p:sp>
+        <p:nvSpPr>
+          <p:cNvPr id="71" name="Rectangle 70">
+            <a:extLst>
+              <a:ext uri="{FF2B5EF4-FFF2-40B4-BE49-F238E27FC236}">
+                <a16:creationId xmlns:a16="http://schemas.microsoft.com/office/drawing/2014/main" id="{AB45A142-4255-493C-8284-5D566C121B10}"/>
+              </a:ext>
+            </a:extLst>
+          </p:cNvPr>
+          <p:cNvSpPr>
+            <a:spLocks noGrp="1" noRot="1" noChangeAspect="1" noMove="1" noResize="1" noEditPoints="1" noAdjustHandles="1" noChangeArrowheads="1" noChangeShapeType="1" noTextEdit="1"/>
+          </p:cNvSpPr>
+          <p:nvPr>
+            <p:extLst>
+              <p:ext uri="{386F3935-93C4-4BCD-93E2-E3B085C9AB24}">
+                <p16:designElem xmlns:p16="http://schemas.microsoft.com/office/powerpoint/2015/main" val="1"/>
+              </p:ext>
+            </p:extLst>
+          </p:nvPr>
+        </p:nvSpPr>
+        <p:spPr bwMode="ltGray">
+          <a:xfrm>
+            <a:off x="336884" y="321177"/>
+            <a:ext cx="4332307" cy="6179552"/>
+          </a:xfrm>
+          <a:prstGeom prst="rect">
+            <a:avLst/>
+          </a:prstGeom>
+          <a:solidFill>
+            <a:schemeClr val="tx1">
+              <a:lumMod val="75000"/>
+              <a:lumOff val="25000"/>
+            </a:schemeClr>
+          </a:solidFill>
+          <a:ln w="127000" cap="sq" cmpd="thinThick">
+            <a:solidFill>
+              <a:schemeClr val="tx1">
+                <a:lumMod val="75000"/>
+                <a:lumOff val="25000"/>
+              </a:schemeClr>
+            </a:solidFill>
+          </a:ln>
+        </p:spPr>
+        <p:style>
+          <a:lnRef idx="2">
+            <a:schemeClr val="accent1">
+              <a:shade val="50000"/>
+            </a:schemeClr>
+          </a:lnRef>
+          <a:fillRef idx="1">
+            <a:schemeClr val="accent1"/>
+          </a:fillRef>
+          <a:effectRef idx="0">
+            <a:schemeClr val="accent1"/>
+          </a:effectRef>
+          <a:fontRef idx="minor">
+            <a:schemeClr val="lt1"/>
+          </a:fontRef>
+        </p:style>
+        <p:txBody>
+          <a:bodyPr rtlCol="0" anchor="ctr"/>
+          <a:lstStyle/>
+          <a:p>
+            <a:pPr algn="ctr"/>
+            <a:endParaRPr lang="en-US"/>
+          </a:p>
+        </p:txBody>
+      </p:sp>
+      <p:cxnSp>
+        <p:nvCxnSpPr>
+          <p:cNvPr id="73" name="Straight Connector 72">
+            <a:extLst>
+              <a:ext uri="{FF2B5EF4-FFF2-40B4-BE49-F238E27FC236}">
+                <a16:creationId xmlns:a16="http://schemas.microsoft.com/office/drawing/2014/main" id="{38FB9660-F42F-4313-BBC4-47C007FE484C}"/>
+              </a:ext>
+            </a:extLst>
+          </p:cNvPr>
+          <p:cNvCxnSpPr>
+            <a:cxnSpLocks noGrp="1" noRot="1" noChangeAspect="1" noMove="1" noResize="1" noEditPoints="1" noAdjustHandles="1" noChangeArrowheads="1" noChangeShapeType="1"/>
+          </p:cNvCxnSpPr>
+          <p:nvPr>
+            <p:extLst>
+              <p:ext uri="{386F3935-93C4-4BCD-93E2-E3B085C9AB24}">
+                <p16:designElem xmlns:p16="http://schemas.microsoft.com/office/powerpoint/2015/main" val="1"/>
+              </p:ext>
+            </p:extLst>
+          </p:nvPr>
+        </p:nvCxnSpPr>
+        <p:spPr>
+          <a:xfrm>
+            <a:off x="1191126" y="3910267"/>
+            <a:ext cx="2586790" cy="0"/>
+          </a:xfrm>
+          <a:prstGeom prst="line">
+            <a:avLst/>
+          </a:prstGeom>
+          <a:ln w="22225">
+            <a:solidFill>
+              <a:schemeClr val="bg1">
+                <a:lumMod val="85000"/>
+              </a:schemeClr>
+            </a:solidFill>
+          </a:ln>
+        </p:spPr>
+        <p:style>
+          <a:lnRef idx="1">
+            <a:schemeClr val="accent1"/>
+          </a:lnRef>
+          <a:fillRef idx="0">
+            <a:schemeClr val="accent1"/>
+          </a:fillRef>
+          <a:effectRef idx="0">
+            <a:schemeClr val="accent1"/>
+          </a:effectRef>
+          <a:fontRef idx="minor">
+            <a:schemeClr val="tx1"/>
+          </a:fontRef>
+        </p:style>
+      </p:cxnSp>
+      <p:sp>
+        <p:nvSpPr>
+          <p:cNvPr id="5" name="Tekstiruutu 4">
+            <a:extLst>
+              <a:ext uri="{FF2B5EF4-FFF2-40B4-BE49-F238E27FC236}">
+                <a16:creationId xmlns:a16="http://schemas.microsoft.com/office/drawing/2014/main" id="{96513FD4-02A8-4B70-98A1-6EDA16999002}"/>
+              </a:ext>
+            </a:extLst>
+          </p:cNvPr>
+          <p:cNvSpPr txBox="1"/>
+          <p:nvPr/>
+        </p:nvSpPr>
+        <p:spPr>
+          <a:xfrm>
+            <a:off x="501997" y="914400"/>
+            <a:ext cx="4103583" cy="2918123"/>
+          </a:xfrm>
+          <a:prstGeom prst="rect">
+            <a:avLst/>
+          </a:prstGeom>
+        </p:spPr>
+        <p:txBody>
+          <a:bodyPr vert="horz" lIns="91440" tIns="45720" rIns="91440" bIns="45720" rtlCol="0" anchor="b">
+            <a:normAutofit/>
+          </a:bodyPr>
+          <a:lstStyle/>
+          <a:p>
+            <a:pPr algn="ctr">
+              <a:lnSpc>
+                <a:spcPct val="90000"/>
+              </a:lnSpc>
+              <a:spcBef>
+                <a:spcPct val="0"/>
+              </a:spcBef>
+              <a:spcAft>
+                <a:spcPts val="600"/>
+              </a:spcAft>
+            </a:pPr>
+            <a:r>
+              <a:rPr lang="en-US" sz="4800" kern="1200" dirty="0">
+                <a:solidFill>
+                  <a:schemeClr val="bg1"/>
+                </a:solidFill>
+                <a:latin typeface="+mj-lt"/>
+                <a:ea typeface="+mj-ea"/>
+                <a:cs typeface="+mj-cs"/>
+              </a:rPr>
+              <a:t>Enti</a:t>
+            </a:r>
+            <a:r>
+              <a:rPr lang="en-US" sz="4800" dirty="0">
+                <a:solidFill>
+                  <a:schemeClr val="bg1"/>
+                </a:solidFill>
+                <a:latin typeface="+mj-lt"/>
+                <a:ea typeface="+mj-ea"/>
+                <a:cs typeface="+mj-cs"/>
+              </a:rPr>
+              <a:t>ty Diagram</a:t>
+            </a:r>
+            <a:endParaRPr lang="en-US" sz="4800" kern="1200" dirty="0">
+              <a:solidFill>
+                <a:schemeClr val="bg1"/>
+              </a:solidFill>
+              <a:latin typeface="+mj-lt"/>
+              <a:ea typeface="+mj-ea"/>
+              <a:cs typeface="+mj-cs"/>
+            </a:endParaRPr>
+          </a:p>
+        </p:txBody>
+      </p:sp>
+      <p:sp>
+        <p:nvSpPr>
+          <p:cNvPr id="6" name="Suorakulmio 5">
+            <a:extLst>
+              <a:ext uri="{FF2B5EF4-FFF2-40B4-BE49-F238E27FC236}">
+                <a16:creationId xmlns:a16="http://schemas.microsoft.com/office/drawing/2014/main" id="{BEACC466-3E2F-4447-AF39-36361EDD3AF7}"/>
+              </a:ext>
+            </a:extLst>
+          </p:cNvPr>
+          <p:cNvSpPr/>
+          <p:nvPr/>
+        </p:nvSpPr>
+        <p:spPr>
+          <a:xfrm>
+            <a:off x="9272963" y="5683657"/>
+            <a:ext cx="902733" cy="522514"/>
+          </a:xfrm>
+          <a:prstGeom prst="rect">
+            <a:avLst/>
+          </a:prstGeom>
+        </p:spPr>
+        <p:style>
+          <a:lnRef idx="2">
+            <a:schemeClr val="accent1">
+              <a:shade val="50000"/>
+            </a:schemeClr>
+          </a:lnRef>
+          <a:fillRef idx="1">
+            <a:schemeClr val="accent1"/>
+          </a:fillRef>
+          <a:effectRef idx="0">
+            <a:schemeClr val="accent1"/>
+          </a:effectRef>
+          <a:fontRef idx="minor">
+            <a:schemeClr val="lt1"/>
+          </a:fontRef>
+        </p:style>
+        <p:txBody>
+          <a:bodyPr rtlCol="0" anchor="ctr"/>
+          <a:lstStyle/>
+          <a:p>
+            <a:pPr algn="ctr"/>
+            <a:r>
+              <a:rPr lang="fi-FI" sz="1400" dirty="0" err="1"/>
+              <a:t>Detection</a:t>
+            </a:r>
+            <a:endParaRPr lang="en-GB" sz="1400" dirty="0"/>
+          </a:p>
+        </p:txBody>
+      </p:sp>
+      <p:sp>
+        <p:nvSpPr>
+          <p:cNvPr id="25" name="Suorakulmio 24">
+            <a:extLst>
+              <a:ext uri="{FF2B5EF4-FFF2-40B4-BE49-F238E27FC236}">
+                <a16:creationId xmlns:a16="http://schemas.microsoft.com/office/drawing/2014/main" id="{274EC1DB-6D61-46E5-B1CE-15E570364972}"/>
+              </a:ext>
+            </a:extLst>
+          </p:cNvPr>
+          <p:cNvSpPr/>
+          <p:nvPr/>
+        </p:nvSpPr>
+        <p:spPr>
+          <a:xfrm>
+            <a:off x="9284583" y="4534512"/>
+            <a:ext cx="902733" cy="522514"/>
+          </a:xfrm>
+          <a:prstGeom prst="rect">
+            <a:avLst/>
+          </a:prstGeom>
+        </p:spPr>
+        <p:style>
+          <a:lnRef idx="2">
+            <a:schemeClr val="accent1">
+              <a:shade val="50000"/>
+            </a:schemeClr>
+          </a:lnRef>
+          <a:fillRef idx="1">
+            <a:schemeClr val="accent1"/>
+          </a:fillRef>
+          <a:effectRef idx="0">
+            <a:schemeClr val="accent1"/>
+          </a:effectRef>
+          <a:fontRef idx="minor">
+            <a:schemeClr val="lt1"/>
+          </a:fontRef>
+        </p:style>
+        <p:txBody>
+          <a:bodyPr rtlCol="0" anchor="ctr"/>
+          <a:lstStyle/>
+          <a:p>
+            <a:pPr algn="ctr"/>
+            <a:r>
+              <a:rPr lang="fi-FI" sz="1400" dirty="0" err="1"/>
+              <a:t>Pattern</a:t>
+            </a:r>
+            <a:endParaRPr lang="en-GB" sz="1400" dirty="0"/>
+          </a:p>
+        </p:txBody>
+      </p:sp>
+      <p:sp>
+        <p:nvSpPr>
+          <p:cNvPr id="52" name="Suorakulmio 51">
+            <a:extLst>
+              <a:ext uri="{FF2B5EF4-FFF2-40B4-BE49-F238E27FC236}">
+                <a16:creationId xmlns:a16="http://schemas.microsoft.com/office/drawing/2014/main" id="{D1DE8417-18B1-4374-B10F-78EA5333D386}"/>
+              </a:ext>
+            </a:extLst>
+          </p:cNvPr>
+          <p:cNvSpPr/>
+          <p:nvPr/>
+        </p:nvSpPr>
+        <p:spPr>
+          <a:xfrm>
+            <a:off x="5548263" y="4579418"/>
+            <a:ext cx="902733" cy="522514"/>
+          </a:xfrm>
+          <a:prstGeom prst="rect">
+            <a:avLst/>
+          </a:prstGeom>
+        </p:spPr>
+        <p:style>
+          <a:lnRef idx="2">
+            <a:schemeClr val="accent1">
+              <a:shade val="50000"/>
+            </a:schemeClr>
+          </a:lnRef>
+          <a:fillRef idx="1">
+            <a:schemeClr val="accent1"/>
+          </a:fillRef>
+          <a:effectRef idx="0">
+            <a:schemeClr val="accent1"/>
+          </a:effectRef>
+          <a:fontRef idx="minor">
+            <a:schemeClr val="lt1"/>
+          </a:fontRef>
+        </p:style>
+        <p:txBody>
+          <a:bodyPr rtlCol="0" anchor="ctr"/>
+          <a:lstStyle/>
+          <a:p>
+            <a:pPr algn="ctr"/>
+            <a:r>
+              <a:rPr lang="fi-FI" sz="1400" dirty="0" err="1"/>
+              <a:t>Event</a:t>
+            </a:r>
+            <a:endParaRPr lang="en-GB" sz="1400" dirty="0"/>
+          </a:p>
+        </p:txBody>
+      </p:sp>
+      <p:sp>
+        <p:nvSpPr>
+          <p:cNvPr id="53" name="Suorakulmio 52">
+            <a:extLst>
+              <a:ext uri="{FF2B5EF4-FFF2-40B4-BE49-F238E27FC236}">
+                <a16:creationId xmlns:a16="http://schemas.microsoft.com/office/drawing/2014/main" id="{FC4F93F1-C068-4EF1-9638-9A7B8C12381E}"/>
+              </a:ext>
+            </a:extLst>
+          </p:cNvPr>
+          <p:cNvSpPr/>
+          <p:nvPr/>
+        </p:nvSpPr>
+        <p:spPr>
+          <a:xfrm>
+            <a:off x="7158229" y="3495219"/>
+            <a:ext cx="902733" cy="522514"/>
+          </a:xfrm>
+          <a:prstGeom prst="rect">
+            <a:avLst/>
+          </a:prstGeom>
+        </p:spPr>
+        <p:style>
+          <a:lnRef idx="2">
+            <a:schemeClr val="accent1">
+              <a:shade val="50000"/>
+            </a:schemeClr>
+          </a:lnRef>
+          <a:fillRef idx="1">
+            <a:schemeClr val="accent1"/>
+          </a:fillRef>
+          <a:effectRef idx="0">
+            <a:schemeClr val="accent1"/>
+          </a:effectRef>
+          <a:fontRef idx="minor">
+            <a:schemeClr val="lt1"/>
+          </a:fontRef>
+        </p:style>
+        <p:txBody>
+          <a:bodyPr rtlCol="0" anchor="ctr"/>
+          <a:lstStyle/>
+          <a:p>
+            <a:pPr algn="ctr"/>
+            <a:r>
+              <a:rPr lang="fi-FI" sz="1400" dirty="0"/>
+              <a:t>World</a:t>
+            </a:r>
+            <a:endParaRPr lang="en-GB" sz="1400" dirty="0"/>
+          </a:p>
+        </p:txBody>
+      </p:sp>
+      <p:cxnSp>
+        <p:nvCxnSpPr>
+          <p:cNvPr id="12" name="Suora yhdysviiva 11">
+            <a:extLst>
+              <a:ext uri="{FF2B5EF4-FFF2-40B4-BE49-F238E27FC236}">
+                <a16:creationId xmlns:a16="http://schemas.microsoft.com/office/drawing/2014/main" id="{144805A2-9C45-4C76-B815-6908AA6C9645}"/>
+              </a:ext>
+            </a:extLst>
+          </p:cNvPr>
+          <p:cNvCxnSpPr>
+            <a:cxnSpLocks/>
+            <a:stCxn id="53" idx="2"/>
+            <a:endCxn id="56" idx="0"/>
+          </p:cNvCxnSpPr>
+          <p:nvPr/>
+        </p:nvCxnSpPr>
+        <p:spPr>
+          <a:xfrm>
+            <a:off x="7609596" y="4017733"/>
+            <a:ext cx="1" cy="526740"/>
+          </a:xfrm>
+          <a:prstGeom prst="line">
+            <a:avLst/>
+          </a:prstGeom>
+          <a:ln>
+            <a:tailEnd type="diamond" w="lg" len="lg"/>
+          </a:ln>
+        </p:spPr>
+        <p:style>
+          <a:lnRef idx="1">
+            <a:schemeClr val="accent1"/>
+          </a:lnRef>
+          <a:fillRef idx="0">
+            <a:schemeClr val="accent1"/>
+          </a:fillRef>
+          <a:effectRef idx="0">
+            <a:schemeClr val="accent1"/>
+          </a:effectRef>
+          <a:fontRef idx="minor">
+            <a:schemeClr val="tx1"/>
+          </a:fontRef>
+        </p:style>
+      </p:cxnSp>
+      <p:sp>
+        <p:nvSpPr>
+          <p:cNvPr id="57" name="Tekstiruutu 56">
+            <a:extLst>
+              <a:ext uri="{FF2B5EF4-FFF2-40B4-BE49-F238E27FC236}">
+                <a16:creationId xmlns:a16="http://schemas.microsoft.com/office/drawing/2014/main" id="{957EE039-98E6-48B8-BE2C-20EFEAEC8B92}"/>
+              </a:ext>
+            </a:extLst>
+          </p:cNvPr>
+          <p:cNvSpPr txBox="1"/>
+          <p:nvPr/>
+        </p:nvSpPr>
+        <p:spPr>
+          <a:xfrm>
+            <a:off x="5018460" y="192370"/>
+            <a:ext cx="607859" cy="369332"/>
+          </a:xfrm>
+          <a:prstGeom prst="rect">
+            <a:avLst/>
+          </a:prstGeom>
+          <a:noFill/>
+        </p:spPr>
+        <p:txBody>
+          <a:bodyPr wrap="none" rtlCol="0">
+            <a:spAutoFit/>
+          </a:bodyPr>
+          <a:lstStyle/>
+          <a:p>
+            <a:r>
+              <a:rPr lang="fi-FI" dirty="0"/>
+              <a:t>V2.0</a:t>
+            </a:r>
+            <a:endParaRPr lang="en-GB" dirty="0"/>
+          </a:p>
+        </p:txBody>
+      </p:sp>
+      <p:sp>
+        <p:nvSpPr>
+          <p:cNvPr id="54" name="Suorakulmio 53">
+            <a:extLst>
+              <a:ext uri="{FF2B5EF4-FFF2-40B4-BE49-F238E27FC236}">
+                <a16:creationId xmlns:a16="http://schemas.microsoft.com/office/drawing/2014/main" id="{14082D5C-F184-4269-9634-AC97F1857C8A}"/>
+              </a:ext>
+            </a:extLst>
+          </p:cNvPr>
+          <p:cNvSpPr/>
+          <p:nvPr/>
+        </p:nvSpPr>
+        <p:spPr>
+          <a:xfrm>
+            <a:off x="9284588" y="3489484"/>
+            <a:ext cx="902733" cy="522514"/>
+          </a:xfrm>
+          <a:prstGeom prst="rect">
+            <a:avLst/>
+          </a:prstGeom>
+        </p:spPr>
+        <p:style>
+          <a:lnRef idx="2">
+            <a:schemeClr val="accent1">
+              <a:shade val="50000"/>
+            </a:schemeClr>
+          </a:lnRef>
+          <a:fillRef idx="1">
+            <a:schemeClr val="accent1"/>
+          </a:fillRef>
+          <a:effectRef idx="0">
+            <a:schemeClr val="accent1"/>
+          </a:effectRef>
+          <a:fontRef idx="minor">
+            <a:schemeClr val="lt1"/>
+          </a:fontRef>
+        </p:style>
+        <p:txBody>
+          <a:bodyPr rtlCol="0" anchor="ctr"/>
+          <a:lstStyle/>
+          <a:p>
+            <a:pPr algn="ctr"/>
+            <a:r>
+              <a:rPr lang="fi-FI" sz="1400" dirty="0" err="1"/>
+              <a:t>Camera</a:t>
+            </a:r>
+            <a:endParaRPr lang="en-GB" sz="1400" dirty="0"/>
+          </a:p>
+        </p:txBody>
+      </p:sp>
+      <p:sp>
+        <p:nvSpPr>
+          <p:cNvPr id="56" name="Suorakulmio 55">
+            <a:extLst>
+              <a:ext uri="{FF2B5EF4-FFF2-40B4-BE49-F238E27FC236}">
+                <a16:creationId xmlns:a16="http://schemas.microsoft.com/office/drawing/2014/main" id="{9A75DD22-8B98-406E-8887-C226C8700C24}"/>
+              </a:ext>
+            </a:extLst>
+          </p:cNvPr>
+          <p:cNvSpPr/>
+          <p:nvPr/>
+        </p:nvSpPr>
+        <p:spPr>
+          <a:xfrm>
+            <a:off x="7158230" y="4544473"/>
+            <a:ext cx="902733" cy="522514"/>
+          </a:xfrm>
+          <a:prstGeom prst="rect">
+            <a:avLst/>
+          </a:prstGeom>
+        </p:spPr>
+        <p:style>
+          <a:lnRef idx="2">
+            <a:schemeClr val="accent1">
+              <a:shade val="50000"/>
+            </a:schemeClr>
+          </a:lnRef>
+          <a:fillRef idx="1">
+            <a:schemeClr val="accent1"/>
+          </a:fillRef>
+          <a:effectRef idx="0">
+            <a:schemeClr val="accent1"/>
+          </a:effectRef>
+          <a:fontRef idx="minor">
+            <a:schemeClr val="lt1"/>
+          </a:fontRef>
+        </p:style>
+        <p:txBody>
+          <a:bodyPr rtlCol="0" anchor="ctr"/>
+          <a:lstStyle/>
+          <a:p>
+            <a:pPr algn="ctr"/>
+            <a:r>
+              <a:rPr lang="fi-FI" sz="1400" dirty="0" err="1"/>
+              <a:t>Body</a:t>
+            </a:r>
+            <a:endParaRPr lang="en-GB" sz="1400" dirty="0"/>
+          </a:p>
+        </p:txBody>
+      </p:sp>
+      <p:cxnSp>
+        <p:nvCxnSpPr>
+          <p:cNvPr id="58" name="Suora yhdysviiva 57">
+            <a:extLst>
+              <a:ext uri="{FF2B5EF4-FFF2-40B4-BE49-F238E27FC236}">
+                <a16:creationId xmlns:a16="http://schemas.microsoft.com/office/drawing/2014/main" id="{592ECC62-FC6F-40FC-BDB3-886AE72979E3}"/>
+              </a:ext>
+            </a:extLst>
+          </p:cNvPr>
+          <p:cNvCxnSpPr>
+            <a:cxnSpLocks/>
+            <a:stCxn id="53" idx="3"/>
+            <a:endCxn id="54" idx="1"/>
+          </p:cNvCxnSpPr>
+          <p:nvPr/>
+        </p:nvCxnSpPr>
+        <p:spPr>
+          <a:xfrm flipV="1">
+            <a:off x="8060962" y="3750741"/>
+            <a:ext cx="1223626" cy="5735"/>
+          </a:xfrm>
+          <a:prstGeom prst="line">
+            <a:avLst/>
+          </a:prstGeom>
+          <a:ln>
+            <a:tailEnd type="diamond" w="lg" len="lg"/>
+          </a:ln>
+        </p:spPr>
+        <p:style>
+          <a:lnRef idx="1">
+            <a:schemeClr val="accent1"/>
+          </a:lnRef>
+          <a:fillRef idx="0">
+            <a:schemeClr val="accent1"/>
+          </a:fillRef>
+          <a:effectRef idx="0">
+            <a:schemeClr val="accent1"/>
+          </a:effectRef>
+          <a:fontRef idx="minor">
+            <a:schemeClr val="tx1"/>
+          </a:fontRef>
+        </p:style>
+      </p:cxnSp>
+      <p:cxnSp>
+        <p:nvCxnSpPr>
+          <p:cNvPr id="59" name="Suora yhdysviiva 58">
+            <a:extLst>
+              <a:ext uri="{FF2B5EF4-FFF2-40B4-BE49-F238E27FC236}">
+                <a16:creationId xmlns:a16="http://schemas.microsoft.com/office/drawing/2014/main" id="{2DF7824D-EF7E-4C71-98A7-62238CD3FF54}"/>
+              </a:ext>
+            </a:extLst>
+          </p:cNvPr>
+          <p:cNvCxnSpPr>
+            <a:cxnSpLocks/>
+            <a:stCxn id="54" idx="2"/>
+          </p:cNvCxnSpPr>
+          <p:nvPr/>
+        </p:nvCxnSpPr>
+        <p:spPr>
+          <a:xfrm>
+            <a:off x="9735955" y="4011998"/>
+            <a:ext cx="0" cy="522514"/>
+          </a:xfrm>
+          <a:prstGeom prst="line">
+            <a:avLst/>
+          </a:prstGeom>
+          <a:ln>
+            <a:tailEnd type="diamond" w="lg" len="lg"/>
+          </a:ln>
+        </p:spPr>
+        <p:style>
+          <a:lnRef idx="1">
+            <a:schemeClr val="accent1"/>
+          </a:lnRef>
+          <a:fillRef idx="0">
+            <a:schemeClr val="accent1"/>
+          </a:fillRef>
+          <a:effectRef idx="0">
+            <a:schemeClr val="accent1"/>
+          </a:effectRef>
+          <a:fontRef idx="minor">
+            <a:schemeClr val="tx1"/>
+          </a:fontRef>
+        </p:style>
+      </p:cxnSp>
+      <p:cxnSp>
+        <p:nvCxnSpPr>
+          <p:cNvPr id="60" name="Suora yhdysviiva 59">
+            <a:extLst>
+              <a:ext uri="{FF2B5EF4-FFF2-40B4-BE49-F238E27FC236}">
+                <a16:creationId xmlns:a16="http://schemas.microsoft.com/office/drawing/2014/main" id="{E558373A-9029-4FAA-BBE9-3A2C70A6C624}"/>
+              </a:ext>
+            </a:extLst>
+          </p:cNvPr>
+          <p:cNvCxnSpPr>
+            <a:cxnSpLocks/>
+            <a:stCxn id="25" idx="2"/>
+            <a:endCxn id="6" idx="0"/>
+          </p:cNvCxnSpPr>
+          <p:nvPr/>
+        </p:nvCxnSpPr>
+        <p:spPr>
+          <a:xfrm flipH="1">
+            <a:off x="9724330" y="5057026"/>
+            <a:ext cx="11620" cy="626631"/>
+          </a:xfrm>
+          <a:prstGeom prst="line">
+            <a:avLst/>
+          </a:prstGeom>
+          <a:ln>
+            <a:tailEnd type="diamond" w="lg" len="lg"/>
+          </a:ln>
+        </p:spPr>
+        <p:style>
+          <a:lnRef idx="1">
+            <a:schemeClr val="accent1"/>
+          </a:lnRef>
+          <a:fillRef idx="0">
+            <a:schemeClr val="accent1"/>
+          </a:fillRef>
+          <a:effectRef idx="0">
+            <a:schemeClr val="accent1"/>
+          </a:effectRef>
+          <a:fontRef idx="minor">
+            <a:schemeClr val="tx1"/>
+          </a:fontRef>
+        </p:style>
+      </p:cxnSp>
+      <p:sp>
+        <p:nvSpPr>
+          <p:cNvPr id="70" name="Tekstiruutu 69">
+            <a:extLst>
+              <a:ext uri="{FF2B5EF4-FFF2-40B4-BE49-F238E27FC236}">
+                <a16:creationId xmlns:a16="http://schemas.microsoft.com/office/drawing/2014/main" id="{F1E5B7A4-BBC8-441C-951F-3ABB6CFC50D8}"/>
+              </a:ext>
+            </a:extLst>
+          </p:cNvPr>
+          <p:cNvSpPr txBox="1"/>
+          <p:nvPr/>
+        </p:nvSpPr>
+        <p:spPr>
+          <a:xfrm>
+            <a:off x="8071633" y="4968969"/>
+            <a:ext cx="1034257" cy="261610"/>
+          </a:xfrm>
+          <a:prstGeom prst="rect">
+            <a:avLst/>
+          </a:prstGeom>
+          <a:noFill/>
+        </p:spPr>
+        <p:txBody>
+          <a:bodyPr wrap="none" rtlCol="0">
+            <a:spAutoFit/>
+          </a:bodyPr>
+          <a:lstStyle/>
+          <a:p>
+            <a:r>
+              <a:rPr lang="fi-FI" sz="1100" dirty="0"/>
+              <a:t>”</a:t>
+            </a:r>
+            <a:r>
+              <a:rPr lang="fi-FI" sz="1100" dirty="0" err="1"/>
+              <a:t>WorldObject</a:t>
+            </a:r>
+            <a:r>
+              <a:rPr lang="fi-FI" sz="1100" dirty="0"/>
+              <a:t>”</a:t>
+            </a:r>
+            <a:endParaRPr lang="en-GB" sz="1100" dirty="0"/>
+          </a:p>
+        </p:txBody>
+      </p:sp>
+      <p:sp>
+        <p:nvSpPr>
+          <p:cNvPr id="74" name="Tekstiruutu 73">
+            <a:extLst>
+              <a:ext uri="{FF2B5EF4-FFF2-40B4-BE49-F238E27FC236}">
+                <a16:creationId xmlns:a16="http://schemas.microsoft.com/office/drawing/2014/main" id="{B392B1F6-F64F-479E-BFB9-81D7106A3755}"/>
+              </a:ext>
+            </a:extLst>
+          </p:cNvPr>
+          <p:cNvSpPr txBox="1"/>
+          <p:nvPr/>
+        </p:nvSpPr>
+        <p:spPr>
+          <a:xfrm>
+            <a:off x="10232763" y="4420588"/>
+            <a:ext cx="1031051" cy="261610"/>
+          </a:xfrm>
+          <a:prstGeom prst="rect">
+            <a:avLst/>
+          </a:prstGeom>
+          <a:noFill/>
+        </p:spPr>
+        <p:txBody>
+          <a:bodyPr wrap="none" rtlCol="0">
+            <a:spAutoFit/>
+          </a:bodyPr>
+          <a:lstStyle/>
+          <a:p>
+            <a:r>
+              <a:rPr lang="fi-FI" sz="1100" dirty="0"/>
+              <a:t>”ImageObject”</a:t>
+            </a:r>
+            <a:endParaRPr lang="en-GB" sz="1100" dirty="0"/>
+          </a:p>
+        </p:txBody>
+      </p:sp>
+      <p:sp>
+        <p:nvSpPr>
+          <p:cNvPr id="75" name="Tekstiruutu 74">
+            <a:extLst>
+              <a:ext uri="{FF2B5EF4-FFF2-40B4-BE49-F238E27FC236}">
+                <a16:creationId xmlns:a16="http://schemas.microsoft.com/office/drawing/2014/main" id="{5616542A-33A4-4DA9-8D85-6D57C2C4E21F}"/>
+              </a:ext>
+            </a:extLst>
+          </p:cNvPr>
+          <p:cNvSpPr txBox="1"/>
+          <p:nvPr/>
+        </p:nvSpPr>
+        <p:spPr>
+          <a:xfrm>
+            <a:off x="10300543" y="6366704"/>
+            <a:ext cx="1204176" cy="261610"/>
+          </a:xfrm>
+          <a:prstGeom prst="rect">
+            <a:avLst/>
+          </a:prstGeom>
+          <a:noFill/>
+        </p:spPr>
+        <p:txBody>
+          <a:bodyPr wrap="none" rtlCol="0">
+            <a:spAutoFit/>
+          </a:bodyPr>
+          <a:lstStyle/>
+          <a:p>
+            <a:r>
+              <a:rPr lang="fi-FI" sz="1100" dirty="0"/>
+              <a:t>”</a:t>
+            </a:r>
+            <a:r>
+              <a:rPr lang="fi-FI" sz="1100" dirty="0" err="1"/>
+              <a:t>DetectedObject</a:t>
+            </a:r>
+            <a:r>
+              <a:rPr lang="fi-FI" sz="1100" dirty="0"/>
+              <a:t>”</a:t>
+            </a:r>
+            <a:endParaRPr lang="en-GB" sz="1100" dirty="0"/>
+          </a:p>
+        </p:txBody>
+      </p:sp>
+      <p:sp>
+        <p:nvSpPr>
+          <p:cNvPr id="84" name="Suorakulmio 83">
+            <a:extLst>
+              <a:ext uri="{FF2B5EF4-FFF2-40B4-BE49-F238E27FC236}">
+                <a16:creationId xmlns:a16="http://schemas.microsoft.com/office/drawing/2014/main" id="{AA7589FB-0E66-4DC1-8273-ED11EF4B19F4}"/>
+              </a:ext>
+            </a:extLst>
+          </p:cNvPr>
+          <p:cNvSpPr/>
+          <p:nvPr/>
+        </p:nvSpPr>
+        <p:spPr>
+          <a:xfrm>
+            <a:off x="7168900" y="5683657"/>
+            <a:ext cx="902733" cy="522514"/>
+          </a:xfrm>
+          <a:prstGeom prst="rect">
+            <a:avLst/>
+          </a:prstGeom>
+        </p:spPr>
+        <p:style>
+          <a:lnRef idx="2">
+            <a:schemeClr val="accent1">
+              <a:shade val="50000"/>
+            </a:schemeClr>
+          </a:lnRef>
+          <a:fillRef idx="1">
+            <a:schemeClr val="accent1"/>
+          </a:fillRef>
+          <a:effectRef idx="0">
+            <a:schemeClr val="accent1"/>
+          </a:effectRef>
+          <a:fontRef idx="minor">
+            <a:schemeClr val="lt1"/>
+          </a:fontRef>
+        </p:style>
+        <p:txBody>
+          <a:bodyPr rtlCol="0" anchor="ctr"/>
+          <a:lstStyle/>
+          <a:p>
+            <a:pPr algn="ctr"/>
+            <a:r>
+              <a:rPr lang="fi-FI" sz="1400" dirty="0" err="1"/>
+              <a:t>Trace</a:t>
+            </a:r>
+            <a:endParaRPr lang="en-GB" sz="1400" dirty="0"/>
+          </a:p>
+        </p:txBody>
+      </p:sp>
+      <p:cxnSp>
+        <p:nvCxnSpPr>
+          <p:cNvPr id="85" name="Suora yhdysviiva 84">
+            <a:extLst>
+              <a:ext uri="{FF2B5EF4-FFF2-40B4-BE49-F238E27FC236}">
+                <a16:creationId xmlns:a16="http://schemas.microsoft.com/office/drawing/2014/main" id="{0F3A1815-F72A-4B39-B0D1-7CB31CB723E5}"/>
+              </a:ext>
+            </a:extLst>
+          </p:cNvPr>
+          <p:cNvCxnSpPr>
+            <a:cxnSpLocks/>
+            <a:stCxn id="56" idx="2"/>
+            <a:endCxn id="84" idx="0"/>
+          </p:cNvCxnSpPr>
+          <p:nvPr/>
+        </p:nvCxnSpPr>
+        <p:spPr>
+          <a:xfrm>
+            <a:off x="7609597" y="5066987"/>
+            <a:ext cx="10670" cy="616670"/>
+          </a:xfrm>
+          <a:prstGeom prst="line">
+            <a:avLst/>
+          </a:prstGeom>
+          <a:ln>
+            <a:tailEnd type="diamond" w="lg" len="lg"/>
+          </a:ln>
+        </p:spPr>
+        <p:style>
+          <a:lnRef idx="1">
+            <a:schemeClr val="accent1"/>
+          </a:lnRef>
+          <a:fillRef idx="0">
+            <a:schemeClr val="accent1"/>
+          </a:fillRef>
+          <a:effectRef idx="0">
+            <a:schemeClr val="accent1"/>
+          </a:effectRef>
+          <a:fontRef idx="minor">
+            <a:schemeClr val="tx1"/>
+          </a:fontRef>
+        </p:style>
+      </p:cxnSp>
+      <p:sp>
+        <p:nvSpPr>
+          <p:cNvPr id="30" name="Suorakulmio 29">
+            <a:extLst>
+              <a:ext uri="{FF2B5EF4-FFF2-40B4-BE49-F238E27FC236}">
+                <a16:creationId xmlns:a16="http://schemas.microsoft.com/office/drawing/2014/main" id="{6A6FA8DE-5DA7-4637-A395-BBBB3FF52C8A}"/>
+              </a:ext>
+            </a:extLst>
+          </p:cNvPr>
+          <p:cNvSpPr/>
+          <p:nvPr/>
+        </p:nvSpPr>
+        <p:spPr>
+          <a:xfrm>
+            <a:off x="5459822" y="3495219"/>
+            <a:ext cx="1034257" cy="522514"/>
+          </a:xfrm>
+          <a:prstGeom prst="rect">
+            <a:avLst/>
+          </a:prstGeom>
+        </p:spPr>
+        <p:style>
+          <a:lnRef idx="2">
+            <a:schemeClr val="accent1">
+              <a:shade val="50000"/>
+            </a:schemeClr>
+          </a:lnRef>
+          <a:fillRef idx="1">
+            <a:schemeClr val="accent1"/>
+          </a:fillRef>
+          <a:effectRef idx="0">
+            <a:schemeClr val="accent1"/>
+          </a:effectRef>
+          <a:fontRef idx="minor">
+            <a:schemeClr val="lt1"/>
+          </a:fontRef>
+        </p:style>
+        <p:txBody>
+          <a:bodyPr rtlCol="0" anchor="ctr"/>
+          <a:lstStyle/>
+          <a:p>
+            <a:pPr algn="ctr"/>
+            <a:r>
+              <a:rPr lang="fi-FI" sz="1400" dirty="0" err="1"/>
+              <a:t>Speech</a:t>
+            </a:r>
+            <a:endParaRPr lang="fi-FI" sz="1400" dirty="0"/>
+          </a:p>
+          <a:p>
+            <a:pPr algn="ctr"/>
+            <a:r>
+              <a:rPr lang="fi-FI" sz="1400" dirty="0" err="1"/>
+              <a:t>Synthesizer</a:t>
+            </a:r>
+            <a:endParaRPr lang="en-GB" sz="1400" dirty="0"/>
+          </a:p>
+        </p:txBody>
+      </p:sp>
+      <p:cxnSp>
+        <p:nvCxnSpPr>
+          <p:cNvPr id="9" name="Suora yhdysviiva 8">
+            <a:extLst>
+              <a:ext uri="{FF2B5EF4-FFF2-40B4-BE49-F238E27FC236}">
+                <a16:creationId xmlns:a16="http://schemas.microsoft.com/office/drawing/2014/main" id="{8BFF7B3F-0FBB-4738-95C4-3D48343BA5C4}"/>
+              </a:ext>
+            </a:extLst>
+          </p:cNvPr>
+          <p:cNvCxnSpPr>
+            <a:stCxn id="53" idx="1"/>
+            <a:endCxn id="30" idx="3"/>
+          </p:cNvCxnSpPr>
+          <p:nvPr/>
+        </p:nvCxnSpPr>
+        <p:spPr>
+          <a:xfrm flipH="1">
+            <a:off x="6494079" y="3756476"/>
+            <a:ext cx="664150" cy="0"/>
+          </a:xfrm>
+          <a:prstGeom prst="line">
+            <a:avLst/>
+          </a:prstGeom>
+        </p:spPr>
+        <p:style>
+          <a:lnRef idx="1">
+            <a:schemeClr val="accent1"/>
+          </a:lnRef>
+          <a:fillRef idx="0">
+            <a:schemeClr val="accent1"/>
+          </a:fillRef>
+          <a:effectRef idx="0">
+            <a:schemeClr val="accent1"/>
+          </a:effectRef>
+          <a:fontRef idx="minor">
+            <a:schemeClr val="tx1"/>
+          </a:fontRef>
+        </p:style>
+      </p:cxnSp>
+      <p:cxnSp>
+        <p:nvCxnSpPr>
+          <p:cNvPr id="36" name="Suora yhdysviiva 35">
+            <a:extLst>
+              <a:ext uri="{FF2B5EF4-FFF2-40B4-BE49-F238E27FC236}">
+                <a16:creationId xmlns:a16="http://schemas.microsoft.com/office/drawing/2014/main" id="{12A98C7A-6DD1-41DF-90C9-44182ADC3627}"/>
+              </a:ext>
+            </a:extLst>
+          </p:cNvPr>
+          <p:cNvCxnSpPr>
+            <a:cxnSpLocks/>
+          </p:cNvCxnSpPr>
+          <p:nvPr/>
+        </p:nvCxnSpPr>
+        <p:spPr>
+          <a:xfrm flipH="1">
+            <a:off x="5986116" y="4015501"/>
+            <a:ext cx="5334" cy="528972"/>
+          </a:xfrm>
+          <a:prstGeom prst="line">
+            <a:avLst/>
+          </a:prstGeom>
+          <a:ln>
+            <a:tailEnd type="diamond" w="lg" len="lg"/>
+          </a:ln>
+        </p:spPr>
+        <p:style>
+          <a:lnRef idx="1">
+            <a:schemeClr val="accent1"/>
+          </a:lnRef>
+          <a:fillRef idx="0">
+            <a:schemeClr val="accent1"/>
+          </a:fillRef>
+          <a:effectRef idx="0">
+            <a:schemeClr val="accent1"/>
+          </a:effectRef>
+          <a:fontRef idx="minor">
+            <a:schemeClr val="tx1"/>
+          </a:fontRef>
+        </p:style>
+      </p:cxnSp>
+      <p:sp>
+        <p:nvSpPr>
+          <p:cNvPr id="27" name="Suorakulmio 26">
+            <a:extLst>
+              <a:ext uri="{FF2B5EF4-FFF2-40B4-BE49-F238E27FC236}">
+                <a16:creationId xmlns:a16="http://schemas.microsoft.com/office/drawing/2014/main" id="{2DD1B54C-0440-4B6F-8236-610B0C17DD2A}"/>
+              </a:ext>
+            </a:extLst>
+          </p:cNvPr>
+          <p:cNvSpPr/>
+          <p:nvPr/>
+        </p:nvSpPr>
+        <p:spPr>
+          <a:xfrm>
+            <a:off x="5387306" y="1302614"/>
+            <a:ext cx="902733" cy="522514"/>
+          </a:xfrm>
+          <a:prstGeom prst="rect">
+            <a:avLst/>
+          </a:prstGeom>
+        </p:spPr>
+        <p:style>
+          <a:lnRef idx="2">
+            <a:schemeClr val="accent1">
+              <a:shade val="50000"/>
+            </a:schemeClr>
+          </a:lnRef>
+          <a:fillRef idx="1">
+            <a:schemeClr val="accent1"/>
+          </a:fillRef>
+          <a:effectRef idx="0">
+            <a:schemeClr val="accent1"/>
+          </a:effectRef>
+          <a:fontRef idx="minor">
+            <a:schemeClr val="lt1"/>
+          </a:fontRef>
+        </p:style>
+        <p:txBody>
+          <a:bodyPr rtlCol="0" anchor="ctr"/>
+          <a:lstStyle/>
+          <a:p>
+            <a:pPr algn="ctr"/>
+            <a:r>
+              <a:rPr lang="fi-FI" sz="1400" dirty="0"/>
+              <a:t>View3D</a:t>
+            </a:r>
+            <a:endParaRPr lang="en-GB" sz="1400" dirty="0"/>
+          </a:p>
+        </p:txBody>
+      </p:sp>
+      <p:sp>
+        <p:nvSpPr>
+          <p:cNvPr id="28" name="Suorakulmio 27">
+            <a:extLst>
+              <a:ext uri="{FF2B5EF4-FFF2-40B4-BE49-F238E27FC236}">
+                <a16:creationId xmlns:a16="http://schemas.microsoft.com/office/drawing/2014/main" id="{05BCCA7E-1B91-44B7-9E89-B8E8AF1F2C3D}"/>
+              </a:ext>
+            </a:extLst>
+          </p:cNvPr>
+          <p:cNvSpPr/>
+          <p:nvPr/>
+        </p:nvSpPr>
+        <p:spPr>
+          <a:xfrm>
+            <a:off x="6515552" y="1292668"/>
+            <a:ext cx="902733" cy="522514"/>
+          </a:xfrm>
+          <a:prstGeom prst="rect">
+            <a:avLst/>
+          </a:prstGeom>
+        </p:spPr>
+        <p:style>
+          <a:lnRef idx="2">
+            <a:schemeClr val="accent1">
+              <a:shade val="50000"/>
+            </a:schemeClr>
+          </a:lnRef>
+          <a:fillRef idx="1">
+            <a:schemeClr val="accent1"/>
+          </a:fillRef>
+          <a:effectRef idx="0">
+            <a:schemeClr val="accent1"/>
+          </a:effectRef>
+          <a:fontRef idx="minor">
+            <a:schemeClr val="lt1"/>
+          </a:fontRef>
+        </p:style>
+        <p:txBody>
+          <a:bodyPr rtlCol="0" anchor="ctr"/>
+          <a:lstStyle/>
+          <a:p>
+            <a:pPr algn="ctr"/>
+            <a:r>
+              <a:rPr lang="fi-FI" sz="1400" dirty="0" err="1"/>
+              <a:t>Map</a:t>
+            </a:r>
+            <a:endParaRPr lang="en-GB" sz="1400" dirty="0"/>
+          </a:p>
+        </p:txBody>
+      </p:sp>
+      <p:sp>
+        <p:nvSpPr>
+          <p:cNvPr id="32" name="Suorakulmio 31">
+            <a:extLst>
+              <a:ext uri="{FF2B5EF4-FFF2-40B4-BE49-F238E27FC236}">
+                <a16:creationId xmlns:a16="http://schemas.microsoft.com/office/drawing/2014/main" id="{8607468F-35E2-4BF1-B4A7-27259D5AA676}"/>
+              </a:ext>
+            </a:extLst>
+          </p:cNvPr>
+          <p:cNvSpPr/>
+          <p:nvPr/>
+        </p:nvSpPr>
+        <p:spPr>
+          <a:xfrm>
+            <a:off x="7009431" y="2522636"/>
+            <a:ext cx="1194387" cy="522514"/>
+          </a:xfrm>
+          <a:prstGeom prst="rect">
+            <a:avLst/>
+          </a:prstGeom>
+        </p:spPr>
+        <p:style>
+          <a:lnRef idx="2">
+            <a:schemeClr val="accent1">
+              <a:shade val="50000"/>
+            </a:schemeClr>
+          </a:lnRef>
+          <a:fillRef idx="1">
+            <a:schemeClr val="accent1"/>
+          </a:fillRef>
+          <a:effectRef idx="0">
+            <a:schemeClr val="accent1"/>
+          </a:effectRef>
+          <a:fontRef idx="minor">
+            <a:schemeClr val="lt1"/>
+          </a:fontRef>
+        </p:style>
+        <p:txBody>
+          <a:bodyPr rtlCol="0" anchor="ctr"/>
+          <a:lstStyle/>
+          <a:p>
+            <a:pPr algn="ctr"/>
+            <a:r>
+              <a:rPr lang="fi-FI" sz="1400" dirty="0"/>
+              <a:t>Presentation</a:t>
+            </a:r>
+            <a:endParaRPr lang="en-GB" sz="1400" dirty="0"/>
+          </a:p>
+        </p:txBody>
+      </p:sp>
+      <p:cxnSp>
+        <p:nvCxnSpPr>
+          <p:cNvPr id="34" name="Suora yhdysviiva 33">
+            <a:extLst>
+              <a:ext uri="{FF2B5EF4-FFF2-40B4-BE49-F238E27FC236}">
+                <a16:creationId xmlns:a16="http://schemas.microsoft.com/office/drawing/2014/main" id="{0D3611DB-B326-43D3-874F-D05283346FCB}"/>
+              </a:ext>
+            </a:extLst>
+          </p:cNvPr>
+          <p:cNvCxnSpPr>
+            <a:cxnSpLocks/>
+            <a:stCxn id="53" idx="0"/>
+            <a:endCxn id="32" idx="2"/>
+          </p:cNvCxnSpPr>
+          <p:nvPr/>
+        </p:nvCxnSpPr>
+        <p:spPr>
+          <a:xfrm flipH="1" flipV="1">
+            <a:off x="7606625" y="3045150"/>
+            <a:ext cx="2971" cy="450069"/>
+          </a:xfrm>
+          <a:prstGeom prst="line">
+            <a:avLst/>
+          </a:prstGeom>
+          <a:ln>
+            <a:tailEnd type="diamond" w="lg" len="lg"/>
+          </a:ln>
+        </p:spPr>
+        <p:style>
+          <a:lnRef idx="1">
+            <a:schemeClr val="accent1"/>
+          </a:lnRef>
+          <a:fillRef idx="0">
+            <a:schemeClr val="accent1"/>
+          </a:fillRef>
+          <a:effectRef idx="0">
+            <a:schemeClr val="accent1"/>
+          </a:effectRef>
+          <a:fontRef idx="minor">
+            <a:schemeClr val="tx1"/>
+          </a:fontRef>
+        </p:style>
+      </p:cxnSp>
+      <p:cxnSp>
+        <p:nvCxnSpPr>
+          <p:cNvPr id="8" name="Suora nuoliyhdysviiva 7">
+            <a:extLst>
+              <a:ext uri="{FF2B5EF4-FFF2-40B4-BE49-F238E27FC236}">
+                <a16:creationId xmlns:a16="http://schemas.microsoft.com/office/drawing/2014/main" id="{CA5EF8D4-35B4-45B7-880B-E79740153689}"/>
+              </a:ext>
+            </a:extLst>
+          </p:cNvPr>
+          <p:cNvCxnSpPr>
+            <a:cxnSpLocks/>
+            <a:stCxn id="28" idx="2"/>
+          </p:cNvCxnSpPr>
+          <p:nvPr/>
+        </p:nvCxnSpPr>
+        <p:spPr>
+          <a:xfrm>
+            <a:off x="6966919" y="1815182"/>
+            <a:ext cx="389541" cy="705341"/>
+          </a:xfrm>
+          <a:prstGeom prst="straightConnector1">
+            <a:avLst/>
+          </a:prstGeom>
+          <a:ln>
+            <a:tailEnd type="triangle"/>
+          </a:ln>
+        </p:spPr>
+        <p:style>
+          <a:lnRef idx="1">
+            <a:schemeClr val="accent1"/>
+          </a:lnRef>
+          <a:fillRef idx="0">
+            <a:schemeClr val="accent1"/>
+          </a:fillRef>
+          <a:effectRef idx="0">
+            <a:schemeClr val="accent1"/>
+          </a:effectRef>
+          <a:fontRef idx="minor">
+            <a:schemeClr val="tx1"/>
+          </a:fontRef>
+        </p:style>
+      </p:cxnSp>
+      <p:cxnSp>
+        <p:nvCxnSpPr>
+          <p:cNvPr id="16" name="Suora nuoliyhdysviiva 15">
+            <a:extLst>
+              <a:ext uri="{FF2B5EF4-FFF2-40B4-BE49-F238E27FC236}">
+                <a16:creationId xmlns:a16="http://schemas.microsoft.com/office/drawing/2014/main" id="{466BEEC1-806B-42E9-8318-4EDC13576ADF}"/>
+              </a:ext>
+            </a:extLst>
+          </p:cNvPr>
+          <p:cNvCxnSpPr>
+            <a:cxnSpLocks/>
+            <a:stCxn id="27" idx="2"/>
+          </p:cNvCxnSpPr>
+          <p:nvPr/>
+        </p:nvCxnSpPr>
+        <p:spPr>
+          <a:xfrm>
+            <a:off x="5838673" y="1825128"/>
+            <a:ext cx="1211301" cy="695395"/>
+          </a:xfrm>
+          <a:prstGeom prst="straightConnector1">
+            <a:avLst/>
+          </a:prstGeom>
+          <a:ln>
+            <a:tailEnd type="triangle"/>
+          </a:ln>
+        </p:spPr>
+        <p:style>
+          <a:lnRef idx="1">
+            <a:schemeClr val="accent1"/>
+          </a:lnRef>
+          <a:fillRef idx="0">
+            <a:schemeClr val="accent1"/>
+          </a:fillRef>
+          <a:effectRef idx="0">
+            <a:schemeClr val="accent1"/>
+          </a:effectRef>
+          <a:fontRef idx="minor">
+            <a:schemeClr val="tx1"/>
+          </a:fontRef>
+        </p:style>
+      </p:cxnSp>
+      <p:sp>
+        <p:nvSpPr>
+          <p:cNvPr id="26" name="Tekstiruutu 25">
+            <a:extLst>
+              <a:ext uri="{FF2B5EF4-FFF2-40B4-BE49-F238E27FC236}">
+                <a16:creationId xmlns:a16="http://schemas.microsoft.com/office/drawing/2014/main" id="{01054B19-D50E-490C-811B-E53429C0633F}"/>
+              </a:ext>
+            </a:extLst>
+          </p:cNvPr>
+          <p:cNvSpPr txBox="1"/>
+          <p:nvPr/>
+        </p:nvSpPr>
+        <p:spPr>
+          <a:xfrm>
+            <a:off x="11237250" y="1369259"/>
+            <a:ext cx="343364" cy="369332"/>
+          </a:xfrm>
+          <a:prstGeom prst="rect">
+            <a:avLst/>
+          </a:prstGeom>
+          <a:noFill/>
+        </p:spPr>
+        <p:txBody>
+          <a:bodyPr wrap="none" rtlCol="0">
+            <a:spAutoFit/>
+          </a:bodyPr>
+          <a:lstStyle/>
+          <a:p>
+            <a:r>
+              <a:rPr lang="fi-FI" dirty="0"/>
+              <a:t>…</a:t>
+            </a:r>
+            <a:endParaRPr lang="en-GB" dirty="0"/>
+          </a:p>
+        </p:txBody>
+      </p:sp>
+      <p:sp>
+        <p:nvSpPr>
+          <p:cNvPr id="62" name="Suorakulmio 61">
+            <a:extLst>
+              <a:ext uri="{FF2B5EF4-FFF2-40B4-BE49-F238E27FC236}">
+                <a16:creationId xmlns:a16="http://schemas.microsoft.com/office/drawing/2014/main" id="{62ED518C-0060-4A95-9B9A-4C7F1C0CF71F}"/>
+              </a:ext>
+            </a:extLst>
+          </p:cNvPr>
+          <p:cNvSpPr/>
+          <p:nvPr/>
+        </p:nvSpPr>
+        <p:spPr>
+          <a:xfrm>
+            <a:off x="7680317" y="1292668"/>
+            <a:ext cx="902733" cy="522514"/>
+          </a:xfrm>
+          <a:prstGeom prst="rect">
+            <a:avLst/>
+          </a:prstGeom>
+        </p:spPr>
+        <p:style>
+          <a:lnRef idx="2">
+            <a:schemeClr val="accent1">
+              <a:shade val="50000"/>
+            </a:schemeClr>
+          </a:lnRef>
+          <a:fillRef idx="1">
+            <a:schemeClr val="accent1"/>
+          </a:fillRef>
+          <a:effectRef idx="0">
+            <a:schemeClr val="accent1"/>
+          </a:effectRef>
+          <a:fontRef idx="minor">
+            <a:schemeClr val="lt1"/>
+          </a:fontRef>
+        </p:style>
+        <p:txBody>
+          <a:bodyPr rtlCol="0" anchor="ctr"/>
+          <a:lstStyle/>
+          <a:p>
+            <a:pPr algn="ctr"/>
+            <a:r>
+              <a:rPr lang="fi-FI" sz="1400" dirty="0" err="1"/>
+              <a:t>Graph</a:t>
+            </a:r>
+            <a:endParaRPr lang="en-GB" sz="1400" dirty="0"/>
+          </a:p>
+        </p:txBody>
+      </p:sp>
+      <p:cxnSp>
+        <p:nvCxnSpPr>
+          <p:cNvPr id="40" name="Suora nuoliyhdysviiva 39">
+            <a:extLst>
+              <a:ext uri="{FF2B5EF4-FFF2-40B4-BE49-F238E27FC236}">
+                <a16:creationId xmlns:a16="http://schemas.microsoft.com/office/drawing/2014/main" id="{19E494FB-1018-4B33-852B-00BDC96C8CF8}"/>
+              </a:ext>
+            </a:extLst>
+          </p:cNvPr>
+          <p:cNvCxnSpPr>
+            <a:cxnSpLocks/>
+            <a:stCxn id="62" idx="2"/>
+            <a:endCxn id="32" idx="0"/>
+          </p:cNvCxnSpPr>
+          <p:nvPr/>
+        </p:nvCxnSpPr>
+        <p:spPr>
+          <a:xfrm flipH="1">
+            <a:off x="7606625" y="1815182"/>
+            <a:ext cx="525059" cy="707454"/>
+          </a:xfrm>
+          <a:prstGeom prst="straightConnector1">
+            <a:avLst/>
+          </a:prstGeom>
+          <a:ln>
+            <a:tailEnd type="triangle"/>
+          </a:ln>
+        </p:spPr>
+        <p:style>
+          <a:lnRef idx="1">
+            <a:schemeClr val="accent1"/>
+          </a:lnRef>
+          <a:fillRef idx="0">
+            <a:schemeClr val="accent1"/>
+          </a:fillRef>
+          <a:effectRef idx="0">
+            <a:schemeClr val="accent1"/>
+          </a:effectRef>
+          <a:fontRef idx="minor">
+            <a:schemeClr val="tx1"/>
+          </a:fontRef>
+        </p:style>
+      </p:cxnSp>
+      <p:cxnSp>
+        <p:nvCxnSpPr>
+          <p:cNvPr id="42" name="Suora yhdysviiva 41">
+            <a:extLst>
+              <a:ext uri="{FF2B5EF4-FFF2-40B4-BE49-F238E27FC236}">
+                <a16:creationId xmlns:a16="http://schemas.microsoft.com/office/drawing/2014/main" id="{5E79AE49-F827-4BE2-9F1C-4B037C609A56}"/>
+              </a:ext>
+            </a:extLst>
+          </p:cNvPr>
+          <p:cNvCxnSpPr>
+            <a:cxnSpLocks/>
+            <a:endCxn id="25" idx="1"/>
+          </p:cNvCxnSpPr>
+          <p:nvPr/>
+        </p:nvCxnSpPr>
+        <p:spPr>
+          <a:xfrm flipV="1">
+            <a:off x="8071633" y="4795769"/>
+            <a:ext cx="1212950" cy="8378"/>
+          </a:xfrm>
+          <a:prstGeom prst="line">
+            <a:avLst/>
+          </a:prstGeom>
+          <a:ln>
+            <a:tailEnd type="diamond" w="lg" len="lg"/>
+          </a:ln>
+        </p:spPr>
+        <p:style>
+          <a:lnRef idx="1">
+            <a:schemeClr val="accent1"/>
+          </a:lnRef>
+          <a:fillRef idx="0">
+            <a:schemeClr val="accent1"/>
+          </a:fillRef>
+          <a:effectRef idx="0">
+            <a:schemeClr val="accent1"/>
+          </a:effectRef>
+          <a:fontRef idx="minor">
+            <a:schemeClr val="tx1"/>
+          </a:fontRef>
+        </p:style>
+      </p:cxnSp>
+      <p:sp>
+        <p:nvSpPr>
+          <p:cNvPr id="44" name="Suorakulmio 43">
+            <a:extLst>
+              <a:ext uri="{FF2B5EF4-FFF2-40B4-BE49-F238E27FC236}">
+                <a16:creationId xmlns:a16="http://schemas.microsoft.com/office/drawing/2014/main" id="{2D6EB59B-05FC-40B5-944D-B8A4AB4755A6}"/>
+              </a:ext>
+            </a:extLst>
+          </p:cNvPr>
+          <p:cNvSpPr/>
+          <p:nvPr/>
+        </p:nvSpPr>
+        <p:spPr>
+          <a:xfrm>
+            <a:off x="8833215" y="1280930"/>
+            <a:ext cx="902733" cy="522514"/>
+          </a:xfrm>
+          <a:prstGeom prst="rect">
+            <a:avLst/>
+          </a:prstGeom>
+        </p:spPr>
+        <p:style>
+          <a:lnRef idx="2">
+            <a:schemeClr val="accent1">
+              <a:shade val="50000"/>
+            </a:schemeClr>
+          </a:lnRef>
+          <a:fillRef idx="1">
+            <a:schemeClr val="accent1"/>
+          </a:fillRef>
+          <a:effectRef idx="0">
+            <a:schemeClr val="accent1"/>
+          </a:effectRef>
+          <a:fontRef idx="minor">
+            <a:schemeClr val="lt1"/>
+          </a:fontRef>
+        </p:style>
+        <p:txBody>
+          <a:bodyPr rtlCol="0" anchor="ctr"/>
+          <a:lstStyle/>
+          <a:p>
+            <a:pPr algn="ctr"/>
+            <a:r>
+              <a:rPr lang="fi-FI" sz="1400" dirty="0" err="1"/>
+              <a:t>LogFile</a:t>
+            </a:r>
+            <a:endParaRPr lang="en-GB" sz="1400" dirty="0"/>
+          </a:p>
+        </p:txBody>
+      </p:sp>
+      <p:sp>
+        <p:nvSpPr>
+          <p:cNvPr id="51" name="Suorakulmio 50">
+            <a:extLst>
+              <a:ext uri="{FF2B5EF4-FFF2-40B4-BE49-F238E27FC236}">
+                <a16:creationId xmlns:a16="http://schemas.microsoft.com/office/drawing/2014/main" id="{EEC7556A-4BF5-46F9-B2E7-D790A3700D9D}"/>
+              </a:ext>
+            </a:extLst>
+          </p:cNvPr>
+          <p:cNvSpPr/>
+          <p:nvPr/>
+        </p:nvSpPr>
+        <p:spPr>
+          <a:xfrm>
+            <a:off x="10645583" y="5069030"/>
+            <a:ext cx="902733" cy="522514"/>
+          </a:xfrm>
+          <a:prstGeom prst="rect">
+            <a:avLst/>
+          </a:prstGeom>
+        </p:spPr>
+        <p:style>
+          <a:lnRef idx="2">
+            <a:schemeClr val="accent1">
+              <a:shade val="50000"/>
+            </a:schemeClr>
+          </a:lnRef>
+          <a:fillRef idx="1">
+            <a:schemeClr val="accent1"/>
+          </a:fillRef>
+          <a:effectRef idx="0">
+            <a:schemeClr val="accent1"/>
+          </a:effectRef>
+          <a:fontRef idx="minor">
+            <a:schemeClr val="lt1"/>
+          </a:fontRef>
+        </p:style>
+        <p:txBody>
+          <a:bodyPr rtlCol="0" anchor="ctr"/>
+          <a:lstStyle/>
+          <a:p>
+            <a:pPr algn="ctr"/>
+            <a:r>
+              <a:rPr lang="fi-FI" sz="1400" dirty="0" err="1"/>
+              <a:t>Bounding</a:t>
+            </a:r>
+            <a:endParaRPr lang="fi-FI" sz="1400" dirty="0"/>
+          </a:p>
+          <a:p>
+            <a:pPr algn="ctr"/>
+            <a:r>
+              <a:rPr lang="fi-FI" sz="1400" dirty="0"/>
+              <a:t>Box</a:t>
+            </a:r>
+            <a:endParaRPr lang="en-GB" sz="1400" dirty="0"/>
+          </a:p>
+        </p:txBody>
+      </p:sp>
+      <p:cxnSp>
+        <p:nvCxnSpPr>
+          <p:cNvPr id="19" name="Suora nuoliyhdysviiva 18">
+            <a:extLst>
+              <a:ext uri="{FF2B5EF4-FFF2-40B4-BE49-F238E27FC236}">
+                <a16:creationId xmlns:a16="http://schemas.microsoft.com/office/drawing/2014/main" id="{E23BE853-C62A-42EF-8525-ABF3F1C5822A}"/>
+              </a:ext>
+            </a:extLst>
+          </p:cNvPr>
+          <p:cNvCxnSpPr>
+            <a:stCxn id="25" idx="3"/>
+            <a:endCxn id="51" idx="1"/>
+          </p:cNvCxnSpPr>
+          <p:nvPr/>
+        </p:nvCxnSpPr>
+        <p:spPr>
+          <a:xfrm>
+            <a:off x="10187316" y="4795769"/>
+            <a:ext cx="458267" cy="534518"/>
+          </a:xfrm>
+          <a:prstGeom prst="straightConnector1">
+            <a:avLst/>
+          </a:prstGeom>
+          <a:ln>
+            <a:tailEnd type="triangle"/>
+          </a:ln>
+        </p:spPr>
+        <p:style>
+          <a:lnRef idx="1">
+            <a:schemeClr val="accent1"/>
+          </a:lnRef>
+          <a:fillRef idx="0">
+            <a:schemeClr val="accent1"/>
+          </a:fillRef>
+          <a:effectRef idx="0">
+            <a:schemeClr val="accent1"/>
+          </a:effectRef>
+          <a:fontRef idx="minor">
+            <a:schemeClr val="tx1"/>
+          </a:fontRef>
+        </p:style>
+      </p:cxnSp>
+      <p:cxnSp>
+        <p:nvCxnSpPr>
+          <p:cNvPr id="21" name="Suora nuoliyhdysviiva 20">
+            <a:extLst>
+              <a:ext uri="{FF2B5EF4-FFF2-40B4-BE49-F238E27FC236}">
+                <a16:creationId xmlns:a16="http://schemas.microsoft.com/office/drawing/2014/main" id="{FE02D9B3-5E62-48C1-8223-826CD18979A7}"/>
+              </a:ext>
+            </a:extLst>
+          </p:cNvPr>
+          <p:cNvCxnSpPr>
+            <a:cxnSpLocks/>
+            <a:stCxn id="6" idx="3"/>
+            <a:endCxn id="51" idx="1"/>
+          </p:cNvCxnSpPr>
+          <p:nvPr/>
+        </p:nvCxnSpPr>
+        <p:spPr>
+          <a:xfrm flipV="1">
+            <a:off x="10175696" y="5330287"/>
+            <a:ext cx="469887" cy="614627"/>
+          </a:xfrm>
+          <a:prstGeom prst="straightConnector1">
+            <a:avLst/>
+          </a:prstGeom>
+          <a:ln>
+            <a:tailEnd type="triangle"/>
+          </a:ln>
+        </p:spPr>
+        <p:style>
+          <a:lnRef idx="1">
+            <a:schemeClr val="accent1"/>
+          </a:lnRef>
+          <a:fillRef idx="0">
+            <a:schemeClr val="accent1"/>
+          </a:fillRef>
+          <a:effectRef idx="0">
+            <a:schemeClr val="accent1"/>
+          </a:effectRef>
+          <a:fontRef idx="minor">
+            <a:schemeClr val="tx1"/>
+          </a:fontRef>
+        </p:style>
+      </p:cxnSp>
+      <p:sp>
+        <p:nvSpPr>
+          <p:cNvPr id="63" name="Suorakulmio 62">
+            <a:extLst>
+              <a:ext uri="{FF2B5EF4-FFF2-40B4-BE49-F238E27FC236}">
+                <a16:creationId xmlns:a16="http://schemas.microsoft.com/office/drawing/2014/main" id="{E83AACC2-4F26-4FD1-93DA-8904B72F9E2E}"/>
+              </a:ext>
+            </a:extLst>
+          </p:cNvPr>
+          <p:cNvSpPr/>
+          <p:nvPr/>
+        </p:nvSpPr>
+        <p:spPr>
+          <a:xfrm>
+            <a:off x="10004289" y="1280930"/>
+            <a:ext cx="902733" cy="522514"/>
+          </a:xfrm>
+          <a:prstGeom prst="rect">
+            <a:avLst/>
+          </a:prstGeom>
+        </p:spPr>
+        <p:style>
+          <a:lnRef idx="2">
+            <a:schemeClr val="accent1">
+              <a:shade val="50000"/>
+            </a:schemeClr>
+          </a:lnRef>
+          <a:fillRef idx="1">
+            <a:schemeClr val="accent1"/>
+          </a:fillRef>
+          <a:effectRef idx="0">
+            <a:schemeClr val="accent1"/>
+          </a:effectRef>
+          <a:fontRef idx="minor">
+            <a:schemeClr val="lt1"/>
+          </a:fontRef>
+        </p:style>
+        <p:txBody>
+          <a:bodyPr rtlCol="0" anchor="ctr"/>
+          <a:lstStyle/>
+          <a:p>
+            <a:pPr algn="ctr"/>
+            <a:r>
+              <a:rPr lang="fi-FI" sz="1400" dirty="0" err="1"/>
+              <a:t>TraceFile</a:t>
+            </a:r>
+            <a:endParaRPr lang="en-GB" sz="1400" dirty="0"/>
+          </a:p>
+        </p:txBody>
+      </p:sp>
+      <p:cxnSp>
+        <p:nvCxnSpPr>
+          <p:cNvPr id="43" name="Suora nuoliyhdysviiva 42">
+            <a:extLst>
+              <a:ext uri="{FF2B5EF4-FFF2-40B4-BE49-F238E27FC236}">
+                <a16:creationId xmlns:a16="http://schemas.microsoft.com/office/drawing/2014/main" id="{1D2C8FD2-633E-4B07-8E17-CB22BCA44E12}"/>
+              </a:ext>
+            </a:extLst>
+          </p:cNvPr>
+          <p:cNvCxnSpPr>
+            <a:cxnSpLocks/>
+            <a:stCxn id="44" idx="2"/>
+          </p:cNvCxnSpPr>
+          <p:nvPr/>
+        </p:nvCxnSpPr>
+        <p:spPr>
+          <a:xfrm flipH="1">
+            <a:off x="7829087" y="1803444"/>
+            <a:ext cx="1455495" cy="717079"/>
+          </a:xfrm>
+          <a:prstGeom prst="straightConnector1">
+            <a:avLst/>
+          </a:prstGeom>
+          <a:ln>
+            <a:tailEnd type="triangle"/>
+          </a:ln>
+        </p:spPr>
+        <p:style>
+          <a:lnRef idx="1">
+            <a:schemeClr val="accent1"/>
+          </a:lnRef>
+          <a:fillRef idx="0">
+            <a:schemeClr val="accent1"/>
+          </a:fillRef>
+          <a:effectRef idx="0">
+            <a:schemeClr val="accent1"/>
+          </a:effectRef>
+          <a:fontRef idx="minor">
+            <a:schemeClr val="tx1"/>
+          </a:fontRef>
+        </p:style>
+      </p:cxnSp>
+      <p:cxnSp>
+        <p:nvCxnSpPr>
+          <p:cNvPr id="47" name="Suora nuoliyhdysviiva 46">
+            <a:extLst>
+              <a:ext uri="{FF2B5EF4-FFF2-40B4-BE49-F238E27FC236}">
+                <a16:creationId xmlns:a16="http://schemas.microsoft.com/office/drawing/2014/main" id="{37817CF8-6D1C-48AB-B7B0-AFECF774BEA0}"/>
+              </a:ext>
+            </a:extLst>
+          </p:cNvPr>
+          <p:cNvCxnSpPr>
+            <a:cxnSpLocks/>
+            <a:stCxn id="63" idx="2"/>
+          </p:cNvCxnSpPr>
+          <p:nvPr/>
+        </p:nvCxnSpPr>
+        <p:spPr>
+          <a:xfrm flipH="1">
+            <a:off x="8203820" y="1803444"/>
+            <a:ext cx="2251836" cy="719192"/>
+          </a:xfrm>
+          <a:prstGeom prst="straightConnector1">
+            <a:avLst/>
+          </a:prstGeom>
+          <a:ln>
+            <a:tailEnd type="triangle"/>
+          </a:ln>
+        </p:spPr>
+        <p:style>
+          <a:lnRef idx="1">
+            <a:schemeClr val="accent1"/>
+          </a:lnRef>
+          <a:fillRef idx="0">
+            <a:schemeClr val="accent1"/>
+          </a:fillRef>
+          <a:effectRef idx="0">
+            <a:schemeClr val="accent1"/>
+          </a:effectRef>
+          <a:fontRef idx="minor">
+            <a:schemeClr val="tx1"/>
+          </a:fontRef>
+        </p:style>
+      </p:cxnSp>
+    </p:spTree>
+    <p:extLst>
+      <p:ext uri="{BB962C8B-B14F-4D97-AF65-F5344CB8AC3E}">
+        <p14:creationId xmlns:p14="http://schemas.microsoft.com/office/powerpoint/2010/main" val="325648411"/>
+      </p:ext>
+    </p:extLst>
+  </p:cSld>
+  <p:clrMapOvr>
+    <a:masterClrMapping/>
+  </p:clrMapOvr>
+</p:sld>
+</file>
+
+<file path=ppt/slides/slide34.xml><?xml version="1.0" encoding="utf-8"?>
+<p:sld xmlns:a="http://schemas.openxmlformats.org/drawingml/2006/main" xmlns:r="http://schemas.openxmlformats.org/officeDocument/2006/relationships" xmlns:p="http://schemas.openxmlformats.org/presentationml/2006/main">
+  <p:cSld>
+    <p:bg>
+      <p:bgPr>
+        <a:solidFill>
+          <a:schemeClr val="bg1"/>
+        </a:solidFill>
+        <a:effectLst/>
+      </p:bgPr>
+    </p:bg>
+    <p:spTree>
+      <p:nvGrpSpPr>
+        <p:cNvPr id="1" name=""/>
+        <p:cNvGrpSpPr/>
+        <p:nvPr/>
+      </p:nvGrpSpPr>
+      <p:grpSpPr>
+        <a:xfrm>
+          <a:off x="0" y="0"/>
+          <a:ext cx="0" cy="0"/>
+          <a:chOff x="0" y="0"/>
+          <a:chExt cx="0" cy="0"/>
+        </a:xfrm>
+      </p:grpSpPr>
+      <p:sp>
+        <p:nvSpPr>
+          <p:cNvPr id="71" name="Rectangle 70">
+            <a:extLst>
+              <a:ext uri="{FF2B5EF4-FFF2-40B4-BE49-F238E27FC236}">
+                <a16:creationId xmlns:a16="http://schemas.microsoft.com/office/drawing/2014/main" id="{AB45A142-4255-493C-8284-5D566C121B10}"/>
+              </a:ext>
+            </a:extLst>
+          </p:cNvPr>
+          <p:cNvSpPr>
+            <a:spLocks noGrp="1" noRot="1" noChangeAspect="1" noMove="1" noResize="1" noEditPoints="1" noAdjustHandles="1" noChangeArrowheads="1" noChangeShapeType="1" noTextEdit="1"/>
+          </p:cNvSpPr>
+          <p:nvPr>
+            <p:extLst>
+              <p:ext uri="{386F3935-93C4-4BCD-93E2-E3B085C9AB24}">
+                <p16:designElem xmlns:p16="http://schemas.microsoft.com/office/powerpoint/2015/main" val="1"/>
+              </p:ext>
+            </p:extLst>
+          </p:nvPr>
+        </p:nvSpPr>
+        <p:spPr bwMode="ltGray">
+          <a:xfrm>
+            <a:off x="336884" y="321177"/>
+            <a:ext cx="4332307" cy="6179552"/>
+          </a:xfrm>
+          <a:prstGeom prst="rect">
+            <a:avLst/>
+          </a:prstGeom>
+          <a:solidFill>
+            <a:schemeClr val="tx1">
+              <a:lumMod val="75000"/>
+              <a:lumOff val="25000"/>
+            </a:schemeClr>
+          </a:solidFill>
+          <a:ln w="127000" cap="sq" cmpd="thinThick">
+            <a:solidFill>
+              <a:schemeClr val="tx1">
+                <a:lumMod val="75000"/>
+                <a:lumOff val="25000"/>
+              </a:schemeClr>
+            </a:solidFill>
+          </a:ln>
+        </p:spPr>
+        <p:style>
+          <a:lnRef idx="2">
+            <a:schemeClr val="accent1">
+              <a:shade val="50000"/>
+            </a:schemeClr>
+          </a:lnRef>
+          <a:fillRef idx="1">
+            <a:schemeClr val="accent1"/>
+          </a:fillRef>
+          <a:effectRef idx="0">
+            <a:schemeClr val="accent1"/>
+          </a:effectRef>
+          <a:fontRef idx="minor">
+            <a:schemeClr val="lt1"/>
+          </a:fontRef>
+        </p:style>
+        <p:txBody>
+          <a:bodyPr rtlCol="0" anchor="ctr"/>
+          <a:lstStyle/>
+          <a:p>
+            <a:pPr algn="ctr"/>
+            <a:endParaRPr lang="en-US"/>
+          </a:p>
+        </p:txBody>
+      </p:sp>
+      <p:cxnSp>
+        <p:nvCxnSpPr>
+          <p:cNvPr id="73" name="Straight Connector 72">
+            <a:extLst>
+              <a:ext uri="{FF2B5EF4-FFF2-40B4-BE49-F238E27FC236}">
+                <a16:creationId xmlns:a16="http://schemas.microsoft.com/office/drawing/2014/main" id="{38FB9660-F42F-4313-BBC4-47C007FE484C}"/>
+              </a:ext>
+            </a:extLst>
+          </p:cNvPr>
+          <p:cNvCxnSpPr>
+            <a:cxnSpLocks noGrp="1" noRot="1" noChangeAspect="1" noMove="1" noResize="1" noEditPoints="1" noAdjustHandles="1" noChangeArrowheads="1" noChangeShapeType="1"/>
+          </p:cNvCxnSpPr>
+          <p:nvPr>
+            <p:extLst>
+              <p:ext uri="{386F3935-93C4-4BCD-93E2-E3B085C9AB24}">
+                <p16:designElem xmlns:p16="http://schemas.microsoft.com/office/powerpoint/2015/main" val="1"/>
+              </p:ext>
+            </p:extLst>
+          </p:nvPr>
+        </p:nvCxnSpPr>
+        <p:spPr>
+          <a:xfrm>
+            <a:off x="1191126" y="3910267"/>
+            <a:ext cx="2586790" cy="0"/>
+          </a:xfrm>
+          <a:prstGeom prst="line">
+            <a:avLst/>
+          </a:prstGeom>
+          <a:ln w="22225">
+            <a:solidFill>
+              <a:schemeClr val="bg1">
+                <a:lumMod val="85000"/>
+              </a:schemeClr>
+            </a:solidFill>
+          </a:ln>
+        </p:spPr>
+        <p:style>
+          <a:lnRef idx="1">
+            <a:schemeClr val="accent1"/>
+          </a:lnRef>
+          <a:fillRef idx="0">
+            <a:schemeClr val="accent1"/>
+          </a:fillRef>
+          <a:effectRef idx="0">
+            <a:schemeClr val="accent1"/>
+          </a:effectRef>
+          <a:fontRef idx="minor">
+            <a:schemeClr val="tx1"/>
+          </a:fontRef>
+        </p:style>
+      </p:cxnSp>
+      <p:sp>
+        <p:nvSpPr>
+          <p:cNvPr id="5" name="Tekstiruutu 4">
+            <a:extLst>
+              <a:ext uri="{FF2B5EF4-FFF2-40B4-BE49-F238E27FC236}">
+                <a16:creationId xmlns:a16="http://schemas.microsoft.com/office/drawing/2014/main" id="{96513FD4-02A8-4B70-98A1-6EDA16999002}"/>
+              </a:ext>
+            </a:extLst>
+          </p:cNvPr>
+          <p:cNvSpPr txBox="1"/>
+          <p:nvPr/>
+        </p:nvSpPr>
+        <p:spPr>
+          <a:xfrm>
+            <a:off x="501997" y="914400"/>
+            <a:ext cx="4103583" cy="2918123"/>
+          </a:xfrm>
+          <a:prstGeom prst="rect">
+            <a:avLst/>
+          </a:prstGeom>
+        </p:spPr>
+        <p:txBody>
+          <a:bodyPr vert="horz" lIns="91440" tIns="45720" rIns="91440" bIns="45720" rtlCol="0" anchor="b">
+            <a:normAutofit/>
+          </a:bodyPr>
+          <a:lstStyle/>
+          <a:p>
+            <a:pPr algn="ctr">
+              <a:lnSpc>
+                <a:spcPct val="90000"/>
+              </a:lnSpc>
+              <a:spcBef>
+                <a:spcPct val="0"/>
+              </a:spcBef>
+              <a:spcAft>
+                <a:spcPts val="600"/>
+              </a:spcAft>
+            </a:pPr>
+            <a:r>
+              <a:rPr lang="en-US" sz="4800" kern="1200" dirty="0">
+                <a:solidFill>
+                  <a:schemeClr val="bg1"/>
+                </a:solidFill>
+                <a:latin typeface="+mj-lt"/>
+                <a:ea typeface="+mj-ea"/>
+                <a:cs typeface="+mj-cs"/>
+              </a:rPr>
+              <a:t>Entities</a:t>
+            </a:r>
+          </a:p>
+        </p:txBody>
+      </p:sp>
+      <p:sp>
+        <p:nvSpPr>
+          <p:cNvPr id="2" name="Tekstiruutu 1">
+            <a:extLst>
+              <a:ext uri="{FF2B5EF4-FFF2-40B4-BE49-F238E27FC236}">
+                <a16:creationId xmlns:a16="http://schemas.microsoft.com/office/drawing/2014/main" id="{7942C94A-FC6C-4DA0-9DF9-240CD065D3C9}"/>
+              </a:ext>
+            </a:extLst>
+          </p:cNvPr>
+          <p:cNvSpPr txBox="1"/>
+          <p:nvPr/>
+        </p:nvSpPr>
+        <p:spPr>
+          <a:xfrm>
+            <a:off x="10020558" y="321177"/>
+            <a:ext cx="1822935" cy="3139321"/>
+          </a:xfrm>
+          <a:prstGeom prst="rect">
+            <a:avLst/>
+          </a:prstGeom>
+          <a:noFill/>
+        </p:spPr>
+        <p:txBody>
+          <a:bodyPr wrap="none" rtlCol="0">
+            <a:spAutoFit/>
+          </a:bodyPr>
+          <a:lstStyle/>
+          <a:p>
+            <a:r>
+              <a:rPr lang="fi-FI" sz="1100" dirty="0" err="1"/>
+              <a:t>Detection</a:t>
+            </a:r>
+            <a:endParaRPr lang="fi-FI" sz="1100" dirty="0"/>
+          </a:p>
+          <a:p>
+            <a:r>
+              <a:rPr lang="fi-FI" sz="1100" dirty="0"/>
+              <a:t>-----------------------</a:t>
+            </a:r>
+          </a:p>
+          <a:p>
+            <a:r>
+              <a:rPr lang="fi-FI" sz="1100" dirty="0"/>
+              <a:t>id</a:t>
+            </a:r>
+          </a:p>
+          <a:p>
+            <a:r>
+              <a:rPr lang="fi-FI" sz="1100" dirty="0" err="1"/>
+              <a:t>pattern</a:t>
+            </a:r>
+            <a:endParaRPr lang="fi-FI" sz="1100" dirty="0"/>
+          </a:p>
+          <a:p>
+            <a:r>
+              <a:rPr lang="fi-FI" sz="1100" dirty="0" err="1"/>
+              <a:t>time</a:t>
+            </a:r>
+            <a:endParaRPr lang="fi-FI" sz="1100" dirty="0"/>
+          </a:p>
+          <a:p>
+            <a:r>
+              <a:rPr lang="fi-FI" sz="1100" dirty="0" err="1"/>
+              <a:t>class_id</a:t>
+            </a:r>
+            <a:endParaRPr lang="fi-FI" sz="1100" dirty="0"/>
+          </a:p>
+          <a:p>
+            <a:r>
+              <a:rPr lang="fi-FI" sz="1100" dirty="0" err="1"/>
+              <a:t>x_min</a:t>
+            </a:r>
+            <a:endParaRPr lang="fi-FI" sz="1100" dirty="0"/>
+          </a:p>
+          <a:p>
+            <a:r>
+              <a:rPr lang="fi-FI" sz="1100" dirty="0" err="1"/>
+              <a:t>x_max</a:t>
+            </a:r>
+            <a:endParaRPr lang="fi-FI" sz="1100" dirty="0"/>
+          </a:p>
+          <a:p>
+            <a:r>
+              <a:rPr lang="fi-FI" sz="1100" dirty="0" err="1"/>
+              <a:t>y_min</a:t>
+            </a:r>
+            <a:endParaRPr lang="fi-FI" sz="1100" dirty="0"/>
+          </a:p>
+          <a:p>
+            <a:r>
+              <a:rPr lang="fi-FI" sz="1100" dirty="0" err="1"/>
+              <a:t>y_max</a:t>
+            </a:r>
+            <a:endParaRPr lang="fi-FI" sz="1100" dirty="0"/>
+          </a:p>
+          <a:p>
+            <a:r>
+              <a:rPr lang="fi-FI" sz="1100" dirty="0" err="1"/>
+              <a:t>appearance</a:t>
+            </a:r>
+            <a:endParaRPr lang="fi-FI" sz="1100" dirty="0"/>
+          </a:p>
+          <a:p>
+            <a:r>
+              <a:rPr lang="fi-FI" sz="1100" dirty="0" err="1"/>
+              <a:t>confidence</a:t>
+            </a:r>
+            <a:endParaRPr lang="fi-FI" sz="1100" dirty="0"/>
+          </a:p>
+          <a:p>
+            <a:r>
+              <a:rPr lang="fi-FI" sz="1100" dirty="0" err="1"/>
+              <a:t>matched</a:t>
+            </a:r>
+            <a:endParaRPr lang="fi-FI" sz="1100" dirty="0"/>
+          </a:p>
+          <a:p>
+            <a:r>
+              <a:rPr lang="fi-FI" sz="1100" dirty="0"/>
+              <a:t>-----------------------</a:t>
+            </a:r>
+          </a:p>
+          <a:p>
+            <a:r>
+              <a:rPr lang="fi-FI" sz="1100" dirty="0"/>
+              <a:t>__</a:t>
+            </a:r>
+            <a:r>
+              <a:rPr lang="fi-FI" sz="1100" dirty="0" err="1"/>
+              <a:t>init</a:t>
+            </a:r>
+            <a:r>
+              <a:rPr lang="fi-FI" sz="1100" dirty="0"/>
+              <a:t>__</a:t>
+            </a:r>
+          </a:p>
+          <a:p>
+            <a:r>
+              <a:rPr lang="fi-FI" sz="1100" dirty="0" err="1"/>
+              <a:t>pattern_distance</a:t>
+            </a:r>
+            <a:endParaRPr lang="fi-FI" sz="1100" dirty="0"/>
+          </a:p>
+          <a:p>
+            <a:r>
+              <a:rPr lang="fi-FI" sz="1100" dirty="0" err="1"/>
+              <a:t>pattern_distance_with_class</a:t>
+            </a:r>
+            <a:endParaRPr lang="fi-FI" sz="1100" dirty="0"/>
+          </a:p>
+          <a:p>
+            <a:endParaRPr lang="fi-FI" sz="1100" dirty="0"/>
+          </a:p>
+        </p:txBody>
+      </p:sp>
+      <p:sp>
+        <p:nvSpPr>
+          <p:cNvPr id="43" name="Tekstiruutu 42">
+            <a:extLst>
+              <a:ext uri="{FF2B5EF4-FFF2-40B4-BE49-F238E27FC236}">
+                <a16:creationId xmlns:a16="http://schemas.microsoft.com/office/drawing/2014/main" id="{02948103-23AC-4358-818F-5E04B882C836}"/>
+              </a:ext>
+            </a:extLst>
+          </p:cNvPr>
+          <p:cNvSpPr txBox="1"/>
+          <p:nvPr/>
+        </p:nvSpPr>
+        <p:spPr>
+          <a:xfrm>
+            <a:off x="7522808" y="321177"/>
+            <a:ext cx="1467068" cy="6524863"/>
+          </a:xfrm>
+          <a:prstGeom prst="rect">
+            <a:avLst/>
+          </a:prstGeom>
+          <a:noFill/>
+        </p:spPr>
+        <p:txBody>
+          <a:bodyPr wrap="none" rtlCol="0">
+            <a:spAutoFit/>
+          </a:bodyPr>
+          <a:lstStyle/>
+          <a:p>
+            <a:r>
+              <a:rPr lang="fi-FI" sz="1100" dirty="0" err="1"/>
+              <a:t>Pattern</a:t>
+            </a:r>
+            <a:endParaRPr lang="fi-FI" sz="1100" dirty="0"/>
+          </a:p>
+          <a:p>
+            <a:r>
+              <a:rPr lang="fi-FI" sz="1100" dirty="0"/>
+              <a:t>-----------------------</a:t>
+            </a:r>
+          </a:p>
+          <a:p>
+            <a:r>
+              <a:rPr lang="fi-FI" sz="1100" dirty="0"/>
+              <a:t>id</a:t>
+            </a:r>
+          </a:p>
+          <a:p>
+            <a:r>
+              <a:rPr lang="fi-FI" sz="1100" dirty="0" err="1"/>
+              <a:t>camera</a:t>
+            </a:r>
+            <a:endParaRPr lang="fi-FI" sz="1100" dirty="0"/>
+          </a:p>
+          <a:p>
+            <a:r>
+              <a:rPr lang="fi-FI" sz="1100" dirty="0" err="1"/>
+              <a:t>detections</a:t>
+            </a:r>
+            <a:endParaRPr lang="fi-FI" sz="1100" dirty="0"/>
+          </a:p>
+          <a:p>
+            <a:r>
+              <a:rPr lang="fi-FI" sz="1100" dirty="0" err="1"/>
+              <a:t>class_id</a:t>
+            </a:r>
+            <a:endParaRPr lang="fi-FI" sz="1100" dirty="0"/>
+          </a:p>
+          <a:p>
+            <a:r>
+              <a:rPr lang="fi-FI" sz="1100" dirty="0" err="1"/>
+              <a:t>x_min</a:t>
+            </a:r>
+            <a:endParaRPr lang="fi-FI" sz="1100" dirty="0"/>
+          </a:p>
+          <a:p>
+            <a:r>
+              <a:rPr lang="fi-FI" sz="1100" dirty="0" err="1"/>
+              <a:t>x_max</a:t>
+            </a:r>
+            <a:endParaRPr lang="fi-FI" sz="1100" dirty="0"/>
+          </a:p>
+          <a:p>
+            <a:r>
+              <a:rPr lang="fi-FI" sz="1100" dirty="0" err="1"/>
+              <a:t>y_min</a:t>
+            </a:r>
+            <a:endParaRPr lang="fi-FI" sz="1100" dirty="0"/>
+          </a:p>
+          <a:p>
+            <a:r>
+              <a:rPr lang="fi-FI" sz="1100" dirty="0" err="1"/>
+              <a:t>y_max</a:t>
+            </a:r>
+            <a:endParaRPr lang="fi-FI" sz="1100" dirty="0"/>
+          </a:p>
+          <a:p>
+            <a:r>
+              <a:rPr lang="fi-FI" sz="1100" dirty="0" err="1"/>
+              <a:t>vx_min</a:t>
+            </a:r>
+            <a:endParaRPr lang="fi-FI" sz="1100" dirty="0"/>
+          </a:p>
+          <a:p>
+            <a:r>
+              <a:rPr lang="fi-FI" sz="1100" dirty="0" err="1"/>
+              <a:t>vx_max</a:t>
+            </a:r>
+            <a:endParaRPr lang="fi-FI" sz="1100" dirty="0"/>
+          </a:p>
+          <a:p>
+            <a:r>
+              <a:rPr lang="fi-FI" sz="1100" dirty="0" err="1"/>
+              <a:t>vy_min</a:t>
+            </a:r>
+            <a:endParaRPr lang="fi-FI" sz="1100" dirty="0"/>
+          </a:p>
+          <a:p>
+            <a:r>
+              <a:rPr lang="fi-FI" sz="1100" dirty="0" err="1"/>
+              <a:t>vy_max</a:t>
+            </a:r>
+            <a:endParaRPr lang="fi-FI" sz="1100" dirty="0"/>
+          </a:p>
+          <a:p>
+            <a:r>
+              <a:rPr lang="fi-FI" sz="1100" dirty="0" err="1"/>
+              <a:t>sigma_x_min</a:t>
+            </a:r>
+            <a:endParaRPr lang="fi-FI" sz="1100" dirty="0"/>
+          </a:p>
+          <a:p>
+            <a:r>
+              <a:rPr lang="fi-FI" sz="1100" dirty="0" err="1"/>
+              <a:t>sigma_x_max</a:t>
+            </a:r>
+            <a:endParaRPr lang="fi-FI" sz="1100" dirty="0"/>
+          </a:p>
+          <a:p>
+            <a:r>
+              <a:rPr lang="fi-FI" sz="1100" dirty="0" err="1"/>
+              <a:t>sigma_y_min</a:t>
+            </a:r>
+            <a:endParaRPr lang="fi-FI" sz="1100" dirty="0"/>
+          </a:p>
+          <a:p>
+            <a:r>
+              <a:rPr lang="fi-FI" sz="1100" dirty="0" err="1"/>
+              <a:t>sigma_x_max</a:t>
+            </a:r>
+            <a:endParaRPr lang="fi-FI" sz="1100" dirty="0"/>
+          </a:p>
+          <a:p>
+            <a:r>
+              <a:rPr lang="fi-FI" sz="1100" dirty="0" err="1"/>
+              <a:t>appearance</a:t>
+            </a:r>
+            <a:endParaRPr lang="fi-FI" sz="1100" dirty="0"/>
+          </a:p>
+          <a:p>
+            <a:r>
+              <a:rPr lang="fi-FI" sz="1100" dirty="0" err="1"/>
+              <a:t>confidence</a:t>
+            </a:r>
+            <a:endParaRPr lang="fi-FI" sz="1100" dirty="0"/>
+          </a:p>
+          <a:p>
+            <a:r>
+              <a:rPr lang="fi-FI" sz="1100" dirty="0" err="1"/>
+              <a:t>bounding_box_color</a:t>
+            </a:r>
+            <a:endParaRPr lang="fi-FI" sz="1100" dirty="0"/>
+          </a:p>
+          <a:p>
+            <a:r>
+              <a:rPr lang="fi-FI" sz="1100" dirty="0" err="1"/>
+              <a:t>border_left</a:t>
+            </a:r>
+            <a:endParaRPr lang="fi-FI" sz="1100" dirty="0"/>
+          </a:p>
+          <a:p>
+            <a:r>
+              <a:rPr lang="fi-FI" sz="1100" dirty="0" err="1"/>
+              <a:t>border_right</a:t>
+            </a:r>
+            <a:endParaRPr lang="fi-FI" sz="1100" dirty="0"/>
+          </a:p>
+          <a:p>
+            <a:r>
+              <a:rPr lang="fi-FI" sz="1100" dirty="0" err="1"/>
+              <a:t>border_top</a:t>
+            </a:r>
+            <a:endParaRPr lang="fi-FI" sz="1100" dirty="0"/>
+          </a:p>
+          <a:p>
+            <a:r>
+              <a:rPr lang="fi-FI" sz="1100" dirty="0" err="1"/>
+              <a:t>border_bottom</a:t>
+            </a:r>
+            <a:endParaRPr lang="fi-FI" sz="1100" dirty="0"/>
+          </a:p>
+          <a:p>
+            <a:r>
+              <a:rPr lang="fi-FI" sz="1100" dirty="0" err="1"/>
+              <a:t>retention_count</a:t>
+            </a:r>
+            <a:endParaRPr lang="fi-FI" sz="1100" dirty="0"/>
+          </a:p>
+          <a:p>
+            <a:r>
+              <a:rPr lang="fi-FI" sz="1100" dirty="0" err="1"/>
+              <a:t>matched</a:t>
+            </a:r>
+            <a:endParaRPr lang="fi-FI" sz="1100" dirty="0"/>
+          </a:p>
+          <a:p>
+            <a:r>
+              <a:rPr lang="fi-FI" sz="1100" dirty="0"/>
+              <a:t>----------------------</a:t>
+            </a:r>
+          </a:p>
+          <a:p>
+            <a:r>
+              <a:rPr lang="fi-FI" sz="1100" dirty="0"/>
+              <a:t>__</a:t>
+            </a:r>
+            <a:r>
+              <a:rPr lang="fi-FI" sz="1100" dirty="0" err="1"/>
+              <a:t>init</a:t>
+            </a:r>
+            <a:r>
+              <a:rPr lang="fi-FI" sz="1100" dirty="0"/>
+              <a:t>__</a:t>
+            </a:r>
+          </a:p>
+          <a:p>
+            <a:r>
+              <a:rPr lang="fi-FI" sz="1100" dirty="0" err="1"/>
+              <a:t>border_count</a:t>
+            </a:r>
+            <a:endParaRPr lang="fi-FI" sz="1100" dirty="0"/>
+          </a:p>
+          <a:p>
+            <a:r>
+              <a:rPr lang="fi-FI" sz="1100" dirty="0" err="1"/>
+              <a:t>center_point</a:t>
+            </a:r>
+            <a:endParaRPr lang="fi-FI" sz="1100" dirty="0"/>
+          </a:p>
+          <a:p>
+            <a:r>
+              <a:rPr lang="fi-FI" sz="1100" dirty="0" err="1"/>
+              <a:t>center_point_velocity</a:t>
+            </a:r>
+            <a:endParaRPr lang="fi-FI" sz="1100" dirty="0"/>
+          </a:p>
+          <a:p>
+            <a:r>
+              <a:rPr lang="fi-FI" sz="1100" dirty="0" err="1"/>
+              <a:t>correct</a:t>
+            </a:r>
+            <a:endParaRPr lang="fi-FI" sz="1100" dirty="0"/>
+          </a:p>
+          <a:p>
+            <a:r>
+              <a:rPr lang="fi-FI" sz="1100" dirty="0" err="1"/>
+              <a:t>Is_center_reliable</a:t>
+            </a:r>
+            <a:endParaRPr lang="fi-FI" sz="1100" dirty="0"/>
+          </a:p>
+          <a:p>
+            <a:r>
+              <a:rPr lang="fi-FI" sz="1100" dirty="0" err="1"/>
+              <a:t>Is_vanished</a:t>
+            </a:r>
+            <a:endParaRPr lang="fi-FI" sz="1100" dirty="0"/>
+          </a:p>
+          <a:p>
+            <a:r>
+              <a:rPr lang="fi-FI" sz="1100" dirty="0" err="1"/>
+              <a:t>location_variance</a:t>
+            </a:r>
+            <a:endParaRPr lang="fi-FI" sz="1100" dirty="0"/>
+          </a:p>
+          <a:p>
+            <a:r>
+              <a:rPr lang="fi-FI" sz="1100" dirty="0" err="1"/>
+              <a:t>predict</a:t>
+            </a:r>
+            <a:endParaRPr lang="fi-FI" sz="1100" dirty="0"/>
+          </a:p>
+          <a:p>
+            <a:r>
+              <a:rPr lang="fi-FI" sz="1100" dirty="0" err="1"/>
+              <a:t>set_border_behaviour</a:t>
+            </a:r>
+            <a:endParaRPr lang="fi-FI" sz="1100" dirty="0"/>
+          </a:p>
+        </p:txBody>
+      </p:sp>
+      <p:sp>
+        <p:nvSpPr>
+          <p:cNvPr id="44" name="Tekstiruutu 43">
+            <a:extLst>
+              <a:ext uri="{FF2B5EF4-FFF2-40B4-BE49-F238E27FC236}">
+                <a16:creationId xmlns:a16="http://schemas.microsoft.com/office/drawing/2014/main" id="{2B9CF260-940F-406A-AD01-A41B2E3F6E7E}"/>
+              </a:ext>
+            </a:extLst>
+          </p:cNvPr>
+          <p:cNvSpPr txBox="1"/>
+          <p:nvPr/>
+        </p:nvSpPr>
+        <p:spPr>
+          <a:xfrm>
+            <a:off x="5296694" y="321177"/>
+            <a:ext cx="1180131" cy="3477875"/>
+          </a:xfrm>
+          <a:prstGeom prst="rect">
+            <a:avLst/>
+          </a:prstGeom>
+          <a:noFill/>
+        </p:spPr>
+        <p:txBody>
+          <a:bodyPr wrap="none" rtlCol="0">
+            <a:spAutoFit/>
+          </a:bodyPr>
+          <a:lstStyle/>
+          <a:p>
+            <a:r>
+              <a:rPr lang="fi-FI" sz="1100" dirty="0" err="1"/>
+              <a:t>Camera</a:t>
+            </a:r>
+            <a:endParaRPr lang="fi-FI" sz="1100" dirty="0"/>
+          </a:p>
+          <a:p>
+            <a:r>
+              <a:rPr lang="fi-FI" sz="1100" dirty="0"/>
+              <a:t>-----------------------</a:t>
+            </a:r>
+          </a:p>
+          <a:p>
+            <a:r>
+              <a:rPr lang="fi-FI" sz="1100" dirty="0"/>
+              <a:t>id</a:t>
+            </a:r>
+          </a:p>
+          <a:p>
+            <a:r>
+              <a:rPr lang="fi-FI" sz="1100" dirty="0" err="1"/>
+              <a:t>world</a:t>
+            </a:r>
+            <a:endParaRPr lang="fi-FI" sz="1100" dirty="0"/>
+          </a:p>
+          <a:p>
+            <a:r>
+              <a:rPr lang="fi-FI" sz="1100" dirty="0" err="1"/>
+              <a:t>patterns</a:t>
+            </a:r>
+            <a:endParaRPr lang="fi-FI" sz="1100" dirty="0"/>
+          </a:p>
+          <a:p>
+            <a:r>
+              <a:rPr lang="fi-FI" sz="1100" dirty="0" err="1"/>
+              <a:t>image_width</a:t>
+            </a:r>
+            <a:endParaRPr lang="fi-FI" sz="1100" dirty="0"/>
+          </a:p>
+          <a:p>
+            <a:r>
+              <a:rPr lang="fi-FI" sz="1100" dirty="0" err="1"/>
+              <a:t>image_height</a:t>
+            </a:r>
+            <a:endParaRPr lang="fi-FI" sz="1100" dirty="0"/>
+          </a:p>
+          <a:p>
+            <a:r>
+              <a:rPr lang="fi-FI" sz="1100" dirty="0" err="1"/>
+              <a:t>focal_length</a:t>
+            </a:r>
+            <a:endParaRPr lang="fi-FI" sz="1100" dirty="0"/>
+          </a:p>
+          <a:p>
+            <a:r>
+              <a:rPr lang="fi-FI" sz="1100" dirty="0" err="1"/>
+              <a:t>sensor_width</a:t>
+            </a:r>
+            <a:endParaRPr lang="fi-FI" sz="1100" dirty="0"/>
+          </a:p>
+          <a:p>
+            <a:r>
+              <a:rPr lang="fi-FI" sz="1100" dirty="0" err="1"/>
+              <a:t>sensor_height</a:t>
+            </a:r>
+            <a:endParaRPr lang="fi-FI" sz="1100" dirty="0"/>
+          </a:p>
+          <a:p>
+            <a:r>
+              <a:rPr lang="fi-FI" sz="1100" dirty="0" err="1"/>
+              <a:t>field_of_view</a:t>
+            </a:r>
+            <a:endParaRPr lang="fi-FI" sz="1100" dirty="0"/>
+          </a:p>
+          <a:p>
+            <a:r>
+              <a:rPr lang="fi-FI" sz="1100" dirty="0"/>
+              <a:t>x</a:t>
+            </a:r>
+          </a:p>
+          <a:p>
+            <a:r>
+              <a:rPr lang="fi-FI" sz="1100" dirty="0"/>
+              <a:t>y</a:t>
+            </a:r>
+          </a:p>
+          <a:p>
+            <a:r>
+              <a:rPr lang="fi-FI" sz="1100" dirty="0"/>
+              <a:t>z</a:t>
+            </a:r>
+          </a:p>
+          <a:p>
+            <a:r>
+              <a:rPr lang="fi-FI" sz="1100" dirty="0" err="1"/>
+              <a:t>yaw</a:t>
+            </a:r>
+            <a:endParaRPr lang="fi-FI" sz="1100" dirty="0"/>
+          </a:p>
+          <a:p>
+            <a:r>
+              <a:rPr lang="fi-FI" sz="1100" dirty="0" err="1"/>
+              <a:t>pitch</a:t>
+            </a:r>
+            <a:endParaRPr lang="fi-FI" sz="1100" dirty="0"/>
+          </a:p>
+          <a:p>
+            <a:r>
+              <a:rPr lang="fi-FI" sz="1100" dirty="0"/>
+              <a:t>roll</a:t>
+            </a:r>
+          </a:p>
+          <a:p>
+            <a:r>
+              <a:rPr lang="fi-FI" sz="1100" dirty="0"/>
+              <a:t>-----------------------</a:t>
+            </a:r>
+          </a:p>
+          <a:p>
+            <a:r>
+              <a:rPr lang="fi-FI" sz="1100" dirty="0"/>
+              <a:t>__</a:t>
+            </a:r>
+            <a:r>
+              <a:rPr lang="fi-FI" sz="1100" dirty="0" err="1"/>
+              <a:t>init</a:t>
+            </a:r>
+            <a:r>
+              <a:rPr lang="fi-FI" sz="1100" dirty="0"/>
+              <a:t>__</a:t>
+            </a:r>
+          </a:p>
+          <a:p>
+            <a:endParaRPr lang="fi-FI" sz="1100" dirty="0"/>
+          </a:p>
+        </p:txBody>
+      </p:sp>
+    </p:spTree>
+    <p:extLst>
+      <p:ext uri="{BB962C8B-B14F-4D97-AF65-F5344CB8AC3E}">
+        <p14:creationId xmlns:p14="http://schemas.microsoft.com/office/powerpoint/2010/main" val="1153043437"/>
+      </p:ext>
+    </p:extLst>
+  </p:cSld>
+  <p:clrMapOvr>
+    <a:masterClrMapping/>
+  </p:clrMapOvr>
+</p:sld>
+</file>
+
+<file path=ppt/slides/slide35.xml><?xml version="1.0" encoding="utf-8"?>
+<p:sld xmlns:a="http://schemas.openxmlformats.org/drawingml/2006/main" xmlns:r="http://schemas.openxmlformats.org/officeDocument/2006/relationships" xmlns:p="http://schemas.openxmlformats.org/presentationml/2006/main">
+  <p:cSld>
+    <p:bg>
+      <p:bgPr>
+        <a:solidFill>
+          <a:schemeClr val="bg1"/>
+        </a:solidFill>
+        <a:effectLst/>
+      </p:bgPr>
+    </p:bg>
+    <p:spTree>
+      <p:nvGrpSpPr>
+        <p:cNvPr id="1" name=""/>
+        <p:cNvGrpSpPr/>
+        <p:nvPr/>
+      </p:nvGrpSpPr>
+      <p:grpSpPr>
+        <a:xfrm>
+          <a:off x="0" y="0"/>
+          <a:ext cx="0" cy="0"/>
+          <a:chOff x="0" y="0"/>
+          <a:chExt cx="0" cy="0"/>
+        </a:xfrm>
+      </p:grpSpPr>
+      <p:sp>
+        <p:nvSpPr>
+          <p:cNvPr id="71" name="Rectangle 70">
+            <a:extLst>
+              <a:ext uri="{FF2B5EF4-FFF2-40B4-BE49-F238E27FC236}">
+                <a16:creationId xmlns:a16="http://schemas.microsoft.com/office/drawing/2014/main" id="{AB45A142-4255-493C-8284-5D566C121B10}"/>
+              </a:ext>
+            </a:extLst>
+          </p:cNvPr>
+          <p:cNvSpPr>
+            <a:spLocks noGrp="1" noRot="1" noChangeAspect="1" noMove="1" noResize="1" noEditPoints="1" noAdjustHandles="1" noChangeArrowheads="1" noChangeShapeType="1" noTextEdit="1"/>
+          </p:cNvSpPr>
+          <p:nvPr>
+            <p:extLst>
+              <p:ext uri="{386F3935-93C4-4BCD-93E2-E3B085C9AB24}">
+                <p16:designElem xmlns:p16="http://schemas.microsoft.com/office/powerpoint/2015/main" val="1"/>
+              </p:ext>
+            </p:extLst>
+          </p:nvPr>
+        </p:nvSpPr>
+        <p:spPr bwMode="ltGray">
+          <a:xfrm>
+            <a:off x="336884" y="321177"/>
+            <a:ext cx="4332307" cy="6179552"/>
+          </a:xfrm>
+          <a:prstGeom prst="rect">
+            <a:avLst/>
+          </a:prstGeom>
+          <a:solidFill>
+            <a:schemeClr val="tx1">
+              <a:lumMod val="75000"/>
+              <a:lumOff val="25000"/>
+            </a:schemeClr>
+          </a:solidFill>
+          <a:ln w="127000" cap="sq" cmpd="thinThick">
+            <a:solidFill>
+              <a:schemeClr val="tx1">
+                <a:lumMod val="75000"/>
+                <a:lumOff val="25000"/>
+              </a:schemeClr>
+            </a:solidFill>
+          </a:ln>
+        </p:spPr>
+        <p:style>
+          <a:lnRef idx="2">
+            <a:schemeClr val="accent1">
+              <a:shade val="50000"/>
+            </a:schemeClr>
+          </a:lnRef>
+          <a:fillRef idx="1">
+            <a:schemeClr val="accent1"/>
+          </a:fillRef>
+          <a:effectRef idx="0">
+            <a:schemeClr val="accent1"/>
+          </a:effectRef>
+          <a:fontRef idx="minor">
+            <a:schemeClr val="lt1"/>
+          </a:fontRef>
+        </p:style>
+        <p:txBody>
+          <a:bodyPr rtlCol="0" anchor="ctr"/>
+          <a:lstStyle/>
+          <a:p>
+            <a:pPr algn="ctr"/>
+            <a:endParaRPr lang="en-US"/>
+          </a:p>
+        </p:txBody>
+      </p:sp>
+      <p:cxnSp>
+        <p:nvCxnSpPr>
+          <p:cNvPr id="73" name="Straight Connector 72">
+            <a:extLst>
+              <a:ext uri="{FF2B5EF4-FFF2-40B4-BE49-F238E27FC236}">
+                <a16:creationId xmlns:a16="http://schemas.microsoft.com/office/drawing/2014/main" id="{38FB9660-F42F-4313-BBC4-47C007FE484C}"/>
+              </a:ext>
+            </a:extLst>
+          </p:cNvPr>
+          <p:cNvCxnSpPr>
+            <a:cxnSpLocks noGrp="1" noRot="1" noChangeAspect="1" noMove="1" noResize="1" noEditPoints="1" noAdjustHandles="1" noChangeArrowheads="1" noChangeShapeType="1"/>
+          </p:cNvCxnSpPr>
+          <p:nvPr>
+            <p:extLst>
+              <p:ext uri="{386F3935-93C4-4BCD-93E2-E3B085C9AB24}">
+                <p16:designElem xmlns:p16="http://schemas.microsoft.com/office/powerpoint/2015/main" val="1"/>
+              </p:ext>
+            </p:extLst>
+          </p:nvPr>
+        </p:nvCxnSpPr>
+        <p:spPr>
+          <a:xfrm>
+            <a:off x="1191126" y="3910267"/>
+            <a:ext cx="2586790" cy="0"/>
+          </a:xfrm>
+          <a:prstGeom prst="line">
+            <a:avLst/>
+          </a:prstGeom>
+          <a:ln w="22225">
+            <a:solidFill>
+              <a:schemeClr val="bg1">
+                <a:lumMod val="85000"/>
+              </a:schemeClr>
+            </a:solidFill>
+          </a:ln>
+        </p:spPr>
+        <p:style>
+          <a:lnRef idx="1">
+            <a:schemeClr val="accent1"/>
+          </a:lnRef>
+          <a:fillRef idx="0">
+            <a:schemeClr val="accent1"/>
+          </a:fillRef>
+          <a:effectRef idx="0">
+            <a:schemeClr val="accent1"/>
+          </a:effectRef>
+          <a:fontRef idx="minor">
+            <a:schemeClr val="tx1"/>
+          </a:fontRef>
+        </p:style>
+      </p:cxnSp>
+      <p:sp>
+        <p:nvSpPr>
+          <p:cNvPr id="5" name="Tekstiruutu 4">
+            <a:extLst>
+              <a:ext uri="{FF2B5EF4-FFF2-40B4-BE49-F238E27FC236}">
+                <a16:creationId xmlns:a16="http://schemas.microsoft.com/office/drawing/2014/main" id="{96513FD4-02A8-4B70-98A1-6EDA16999002}"/>
+              </a:ext>
+            </a:extLst>
+          </p:cNvPr>
+          <p:cNvSpPr txBox="1"/>
+          <p:nvPr/>
+        </p:nvSpPr>
+        <p:spPr>
+          <a:xfrm>
+            <a:off x="501997" y="914400"/>
+            <a:ext cx="4103583" cy="2918123"/>
+          </a:xfrm>
+          <a:prstGeom prst="rect">
+            <a:avLst/>
+          </a:prstGeom>
+        </p:spPr>
+        <p:txBody>
+          <a:bodyPr vert="horz" lIns="91440" tIns="45720" rIns="91440" bIns="45720" rtlCol="0" anchor="b">
+            <a:normAutofit/>
+          </a:bodyPr>
+          <a:lstStyle/>
+          <a:p>
+            <a:pPr algn="ctr">
+              <a:lnSpc>
+                <a:spcPct val="90000"/>
+              </a:lnSpc>
+              <a:spcBef>
+                <a:spcPct val="0"/>
+              </a:spcBef>
+              <a:spcAft>
+                <a:spcPts val="600"/>
+              </a:spcAft>
+            </a:pPr>
+            <a:r>
+              <a:rPr lang="en-US" sz="4800" kern="1200" dirty="0">
+                <a:solidFill>
+                  <a:schemeClr val="bg1"/>
+                </a:solidFill>
+                <a:latin typeface="+mj-lt"/>
+                <a:ea typeface="+mj-ea"/>
+                <a:cs typeface="+mj-cs"/>
+              </a:rPr>
+              <a:t>Entities</a:t>
+            </a:r>
+          </a:p>
+        </p:txBody>
+      </p:sp>
+      <p:sp>
+        <p:nvSpPr>
+          <p:cNvPr id="2" name="Tekstiruutu 1">
+            <a:extLst>
+              <a:ext uri="{FF2B5EF4-FFF2-40B4-BE49-F238E27FC236}">
+                <a16:creationId xmlns:a16="http://schemas.microsoft.com/office/drawing/2014/main" id="{7942C94A-FC6C-4DA0-9DF9-240CD065D3C9}"/>
+              </a:ext>
+            </a:extLst>
+          </p:cNvPr>
+          <p:cNvSpPr txBox="1"/>
+          <p:nvPr/>
+        </p:nvSpPr>
+        <p:spPr>
+          <a:xfrm>
+            <a:off x="10020558" y="321177"/>
+            <a:ext cx="1180131" cy="1785104"/>
+          </a:xfrm>
+          <a:prstGeom prst="rect">
+            <a:avLst/>
+          </a:prstGeom>
+          <a:noFill/>
+        </p:spPr>
+        <p:txBody>
+          <a:bodyPr wrap="none" rtlCol="0">
+            <a:spAutoFit/>
+          </a:bodyPr>
+          <a:lstStyle/>
+          <a:p>
+            <a:r>
+              <a:rPr lang="fi-FI" sz="1100" dirty="0" err="1"/>
+              <a:t>Event</a:t>
+            </a:r>
+            <a:endParaRPr lang="fi-FI" sz="1100" dirty="0"/>
+          </a:p>
+          <a:p>
+            <a:r>
+              <a:rPr lang="fi-FI" sz="1100" dirty="0"/>
+              <a:t>-----------------------</a:t>
+            </a:r>
+          </a:p>
+          <a:p>
+            <a:r>
+              <a:rPr lang="fi-FI" sz="1100" dirty="0"/>
+              <a:t>body1</a:t>
+            </a:r>
+          </a:p>
+          <a:p>
+            <a:r>
+              <a:rPr lang="fi-FI" sz="1100" dirty="0"/>
+              <a:t>body2</a:t>
+            </a:r>
+          </a:p>
+          <a:p>
+            <a:r>
+              <a:rPr lang="fi-FI" sz="1100" dirty="0" err="1"/>
+              <a:t>time</a:t>
+            </a:r>
+            <a:endParaRPr lang="fi-FI" sz="1100" dirty="0"/>
+          </a:p>
+          <a:p>
+            <a:r>
+              <a:rPr lang="fi-FI" sz="1100" dirty="0" err="1"/>
+              <a:t>category</a:t>
+            </a:r>
+            <a:endParaRPr lang="fi-FI" sz="1100" dirty="0"/>
+          </a:p>
+          <a:p>
+            <a:r>
+              <a:rPr lang="fi-FI" sz="1100" dirty="0" err="1"/>
+              <a:t>priority</a:t>
+            </a:r>
+            <a:endParaRPr lang="fi-FI" sz="1100" dirty="0"/>
+          </a:p>
+          <a:p>
+            <a:r>
+              <a:rPr lang="fi-FI" sz="1100" dirty="0"/>
+              <a:t>-----------------------</a:t>
+            </a:r>
+          </a:p>
+          <a:p>
+            <a:r>
+              <a:rPr lang="fi-FI" sz="1100" dirty="0"/>
+              <a:t>__</a:t>
+            </a:r>
+            <a:r>
+              <a:rPr lang="fi-FI" sz="1100" dirty="0" err="1"/>
+              <a:t>init</a:t>
+            </a:r>
+            <a:r>
+              <a:rPr lang="fi-FI" sz="1100" dirty="0"/>
+              <a:t>__</a:t>
+            </a:r>
+          </a:p>
+          <a:p>
+            <a:endParaRPr lang="fi-FI" sz="1100" dirty="0"/>
+          </a:p>
+        </p:txBody>
+      </p:sp>
+      <p:sp>
+        <p:nvSpPr>
+          <p:cNvPr id="43" name="Tekstiruutu 42">
+            <a:extLst>
+              <a:ext uri="{FF2B5EF4-FFF2-40B4-BE49-F238E27FC236}">
+                <a16:creationId xmlns:a16="http://schemas.microsoft.com/office/drawing/2014/main" id="{02948103-23AC-4358-818F-5E04B882C836}"/>
+              </a:ext>
+            </a:extLst>
+          </p:cNvPr>
+          <p:cNvSpPr txBox="1"/>
+          <p:nvPr/>
+        </p:nvSpPr>
+        <p:spPr>
+          <a:xfrm>
+            <a:off x="7522808" y="321177"/>
+            <a:ext cx="1467068" cy="6524863"/>
+          </a:xfrm>
+          <a:prstGeom prst="rect">
+            <a:avLst/>
+          </a:prstGeom>
+          <a:noFill/>
+        </p:spPr>
+        <p:txBody>
+          <a:bodyPr wrap="none" rtlCol="0">
+            <a:spAutoFit/>
+          </a:bodyPr>
+          <a:lstStyle/>
+          <a:p>
+            <a:r>
+              <a:rPr lang="fi-FI" sz="1100" dirty="0" err="1"/>
+              <a:t>Body</a:t>
+            </a:r>
+            <a:endParaRPr lang="fi-FI" sz="1100" dirty="0"/>
+          </a:p>
+          <a:p>
+            <a:r>
+              <a:rPr lang="fi-FI" sz="1100" dirty="0"/>
+              <a:t>-----------------------</a:t>
+            </a:r>
+          </a:p>
+          <a:p>
+            <a:r>
+              <a:rPr lang="fi-FI" sz="1100" dirty="0"/>
+              <a:t>id</a:t>
+            </a:r>
+          </a:p>
+          <a:p>
+            <a:r>
+              <a:rPr lang="fi-FI" sz="1100" dirty="0" err="1"/>
+              <a:t>world</a:t>
+            </a:r>
+            <a:endParaRPr lang="fi-FI" sz="1100" dirty="0"/>
+          </a:p>
+          <a:p>
+            <a:r>
+              <a:rPr lang="fi-FI" sz="1100" dirty="0" err="1"/>
+              <a:t>events</a:t>
+            </a:r>
+            <a:endParaRPr lang="fi-FI" sz="1100" dirty="0"/>
+          </a:p>
+          <a:p>
+            <a:r>
+              <a:rPr lang="fi-FI" sz="1100" dirty="0" err="1"/>
+              <a:t>traces</a:t>
+            </a:r>
+            <a:endParaRPr lang="fi-FI" sz="1100" dirty="0"/>
+          </a:p>
+          <a:p>
+            <a:r>
+              <a:rPr lang="fi-FI" sz="1100" dirty="0"/>
+              <a:t>x</a:t>
+            </a:r>
+          </a:p>
+          <a:p>
+            <a:r>
+              <a:rPr lang="fi-FI" sz="1100" dirty="0"/>
+              <a:t>y</a:t>
+            </a:r>
+          </a:p>
+          <a:p>
+            <a:r>
+              <a:rPr lang="fi-FI" sz="1100" dirty="0"/>
+              <a:t>z</a:t>
+            </a:r>
+          </a:p>
+          <a:p>
+            <a:r>
+              <a:rPr lang="fi-FI" sz="1100" dirty="0" err="1"/>
+              <a:t>vx</a:t>
+            </a:r>
+            <a:endParaRPr lang="fi-FI" sz="1100" dirty="0"/>
+          </a:p>
+          <a:p>
+            <a:r>
+              <a:rPr lang="fi-FI" sz="1100" dirty="0" err="1"/>
+              <a:t>vy</a:t>
+            </a:r>
+            <a:endParaRPr lang="fi-FI" sz="1100" dirty="0"/>
+          </a:p>
+          <a:p>
+            <a:r>
+              <a:rPr lang="fi-FI" sz="1100" dirty="0" err="1"/>
+              <a:t>vz</a:t>
+            </a:r>
+            <a:endParaRPr lang="fi-FI" sz="1100" dirty="0"/>
+          </a:p>
+          <a:p>
+            <a:r>
+              <a:rPr lang="fi-FI" sz="1100" dirty="0"/>
+              <a:t>ax</a:t>
+            </a:r>
+          </a:p>
+          <a:p>
+            <a:r>
+              <a:rPr lang="fi-FI" sz="1100" dirty="0"/>
+              <a:t>ay</a:t>
+            </a:r>
+          </a:p>
+          <a:p>
+            <a:r>
+              <a:rPr lang="fi-FI" sz="1100" dirty="0" err="1"/>
+              <a:t>az</a:t>
+            </a:r>
+            <a:endParaRPr lang="fi-FI" sz="1100" dirty="0"/>
+          </a:p>
+          <a:p>
+            <a:r>
+              <a:rPr lang="fi-FI" sz="1100" dirty="0" err="1"/>
+              <a:t>height_min</a:t>
+            </a:r>
+            <a:endParaRPr lang="fi-FI" sz="1100" dirty="0"/>
+          </a:p>
+          <a:p>
+            <a:r>
+              <a:rPr lang="fi-FI" sz="1100" dirty="0" err="1"/>
+              <a:t>height_mean</a:t>
+            </a:r>
+            <a:endParaRPr lang="fi-FI" sz="1100" dirty="0"/>
+          </a:p>
+          <a:p>
+            <a:r>
+              <a:rPr lang="fi-FI" sz="1100" dirty="0" err="1"/>
+              <a:t>height_max</a:t>
+            </a:r>
+            <a:endParaRPr lang="fi-FI" sz="1100" dirty="0"/>
+          </a:p>
+          <a:p>
+            <a:r>
+              <a:rPr lang="fi-FI" sz="1100" dirty="0" err="1"/>
+              <a:t>width_min</a:t>
+            </a:r>
+            <a:endParaRPr lang="fi-FI" sz="1100" dirty="0"/>
+          </a:p>
+          <a:p>
+            <a:r>
+              <a:rPr lang="fi-FI" sz="1100" dirty="0" err="1"/>
+              <a:t>width_mean</a:t>
+            </a:r>
+            <a:endParaRPr lang="fi-FI" sz="1100" dirty="0"/>
+          </a:p>
+          <a:p>
+            <a:r>
+              <a:rPr lang="fi-FI" sz="1100" dirty="0" err="1"/>
+              <a:t>width_max</a:t>
+            </a:r>
+            <a:endParaRPr lang="fi-FI" sz="1100" dirty="0"/>
+          </a:p>
+          <a:p>
+            <a:r>
+              <a:rPr lang="fi-FI" sz="1100" dirty="0" err="1"/>
+              <a:t>length_min</a:t>
+            </a:r>
+            <a:endParaRPr lang="fi-FI" sz="1100" dirty="0"/>
+          </a:p>
+          <a:p>
+            <a:r>
+              <a:rPr lang="fi-FI" sz="1100" dirty="0" err="1"/>
+              <a:t>length_mean</a:t>
+            </a:r>
+            <a:endParaRPr lang="fi-FI" sz="1100" dirty="0"/>
+          </a:p>
+          <a:p>
+            <a:r>
+              <a:rPr lang="fi-FI" sz="1100" dirty="0" err="1"/>
+              <a:t>length_max</a:t>
+            </a:r>
+            <a:endParaRPr lang="fi-FI" sz="1100" dirty="0"/>
+          </a:p>
+          <a:p>
+            <a:r>
+              <a:rPr lang="fi-FI" sz="1100" dirty="0" err="1"/>
+              <a:t>velocity_max</a:t>
+            </a:r>
+            <a:endParaRPr lang="fi-FI" sz="1100" dirty="0"/>
+          </a:p>
+          <a:p>
+            <a:r>
+              <a:rPr lang="fi-FI" sz="1100" dirty="0" err="1"/>
+              <a:t>acceleration_max</a:t>
+            </a:r>
+            <a:endParaRPr lang="fi-FI" sz="1100" dirty="0"/>
+          </a:p>
+          <a:p>
+            <a:endParaRPr lang="fi-FI" sz="1100" dirty="0"/>
+          </a:p>
+          <a:p>
+            <a:r>
+              <a:rPr lang="fi-FI" sz="1100" dirty="0"/>
+              <a:t>----------------------</a:t>
+            </a:r>
+          </a:p>
+          <a:p>
+            <a:r>
+              <a:rPr lang="fi-FI" sz="1100" dirty="0"/>
+              <a:t>__</a:t>
+            </a:r>
+            <a:r>
+              <a:rPr lang="fi-FI" sz="1100" dirty="0" err="1"/>
+              <a:t>init</a:t>
+            </a:r>
+            <a:r>
+              <a:rPr lang="fi-FI" sz="1100" dirty="0"/>
+              <a:t>__</a:t>
+            </a:r>
+          </a:p>
+          <a:p>
+            <a:r>
+              <a:rPr lang="fi-FI" sz="1100" dirty="0" err="1"/>
+              <a:t>border_count</a:t>
+            </a:r>
+            <a:endParaRPr lang="fi-FI" sz="1100" dirty="0"/>
+          </a:p>
+          <a:p>
+            <a:r>
+              <a:rPr lang="fi-FI" sz="1100" dirty="0" err="1"/>
+              <a:t>center_point</a:t>
+            </a:r>
+            <a:endParaRPr lang="fi-FI" sz="1100" dirty="0"/>
+          </a:p>
+          <a:p>
+            <a:r>
+              <a:rPr lang="fi-FI" sz="1100" dirty="0" err="1"/>
+              <a:t>center_point_velocity</a:t>
+            </a:r>
+            <a:endParaRPr lang="fi-FI" sz="1100" dirty="0"/>
+          </a:p>
+          <a:p>
+            <a:r>
+              <a:rPr lang="fi-FI" sz="1100" dirty="0" err="1"/>
+              <a:t>correct</a:t>
+            </a:r>
+            <a:endParaRPr lang="fi-FI" sz="1100" dirty="0"/>
+          </a:p>
+          <a:p>
+            <a:r>
+              <a:rPr lang="fi-FI" sz="1100" dirty="0" err="1"/>
+              <a:t>Is_center_reliable</a:t>
+            </a:r>
+            <a:endParaRPr lang="fi-FI" sz="1100" dirty="0"/>
+          </a:p>
+          <a:p>
+            <a:r>
+              <a:rPr lang="fi-FI" sz="1100" dirty="0" err="1"/>
+              <a:t>Is_vanished</a:t>
+            </a:r>
+            <a:endParaRPr lang="fi-FI" sz="1100" dirty="0"/>
+          </a:p>
+          <a:p>
+            <a:r>
+              <a:rPr lang="fi-FI" sz="1100" dirty="0" err="1"/>
+              <a:t>location_variance</a:t>
+            </a:r>
+            <a:endParaRPr lang="fi-FI" sz="1100" dirty="0"/>
+          </a:p>
+          <a:p>
+            <a:r>
+              <a:rPr lang="fi-FI" sz="1100" dirty="0" err="1"/>
+              <a:t>predict</a:t>
+            </a:r>
+            <a:endParaRPr lang="fi-FI" sz="1100" dirty="0"/>
+          </a:p>
+          <a:p>
+            <a:r>
+              <a:rPr lang="fi-FI" sz="1100" dirty="0" err="1"/>
+              <a:t>set_border_behaviour</a:t>
+            </a:r>
+            <a:endParaRPr lang="fi-FI" sz="1100" dirty="0"/>
+          </a:p>
+        </p:txBody>
+      </p:sp>
+      <p:sp>
+        <p:nvSpPr>
+          <p:cNvPr id="44" name="Tekstiruutu 43">
+            <a:extLst>
+              <a:ext uri="{FF2B5EF4-FFF2-40B4-BE49-F238E27FC236}">
+                <a16:creationId xmlns:a16="http://schemas.microsoft.com/office/drawing/2014/main" id="{2B9CF260-940F-406A-AD01-A41B2E3F6E7E}"/>
+              </a:ext>
+            </a:extLst>
+          </p:cNvPr>
+          <p:cNvSpPr txBox="1"/>
+          <p:nvPr/>
+        </p:nvSpPr>
+        <p:spPr>
+          <a:xfrm>
+            <a:off x="5296694" y="321177"/>
+            <a:ext cx="1303562" cy="1615827"/>
+          </a:xfrm>
+          <a:prstGeom prst="rect">
+            <a:avLst/>
+          </a:prstGeom>
+          <a:noFill/>
+        </p:spPr>
+        <p:txBody>
+          <a:bodyPr wrap="none" rtlCol="0">
+            <a:spAutoFit/>
+          </a:bodyPr>
+          <a:lstStyle/>
+          <a:p>
+            <a:r>
+              <a:rPr lang="fi-FI" sz="1100" dirty="0"/>
+              <a:t>World</a:t>
+            </a:r>
+          </a:p>
+          <a:p>
+            <a:r>
+              <a:rPr lang="fi-FI" sz="1100" dirty="0"/>
+              <a:t>-----------------------</a:t>
+            </a:r>
+          </a:p>
+          <a:p>
+            <a:r>
+              <a:rPr lang="fi-FI" sz="1100" dirty="0" err="1"/>
+              <a:t>bodies</a:t>
+            </a:r>
+            <a:endParaRPr lang="fi-FI" sz="1100" dirty="0"/>
+          </a:p>
+          <a:p>
+            <a:r>
+              <a:rPr lang="fi-FI" sz="1100" dirty="0" err="1"/>
+              <a:t>cameras</a:t>
+            </a:r>
+            <a:endParaRPr lang="fi-FI" sz="1100" dirty="0"/>
+          </a:p>
+          <a:p>
+            <a:r>
+              <a:rPr lang="fi-FI" sz="1100" dirty="0" err="1"/>
+              <a:t>speech_synthesizer</a:t>
+            </a:r>
+            <a:endParaRPr lang="fi-FI" sz="1100" dirty="0"/>
+          </a:p>
+          <a:p>
+            <a:r>
+              <a:rPr lang="fi-FI" sz="1100" dirty="0"/>
+              <a:t>-----------------------</a:t>
+            </a:r>
+          </a:p>
+          <a:p>
+            <a:r>
+              <a:rPr lang="fi-FI" sz="1100" dirty="0"/>
+              <a:t>__</a:t>
+            </a:r>
+            <a:r>
+              <a:rPr lang="fi-FI" sz="1100" dirty="0" err="1"/>
+              <a:t>init</a:t>
+            </a:r>
+            <a:r>
+              <a:rPr lang="fi-FI" sz="1100" dirty="0"/>
+              <a:t>__</a:t>
+            </a:r>
+          </a:p>
+          <a:p>
+            <a:r>
+              <a:rPr lang="fi-FI" sz="1100" dirty="0" err="1"/>
+              <a:t>update</a:t>
+            </a:r>
+            <a:endParaRPr lang="fi-FI" sz="1100" dirty="0"/>
+          </a:p>
+          <a:p>
+            <a:endParaRPr lang="fi-FI" sz="1100" dirty="0"/>
+          </a:p>
+        </p:txBody>
+      </p:sp>
+      <p:sp>
+        <p:nvSpPr>
+          <p:cNvPr id="8" name="Tekstiruutu 7">
+            <a:extLst>
+              <a:ext uri="{FF2B5EF4-FFF2-40B4-BE49-F238E27FC236}">
+                <a16:creationId xmlns:a16="http://schemas.microsoft.com/office/drawing/2014/main" id="{78A23EDA-16DF-4FC3-9225-50D09EBE476F}"/>
+              </a:ext>
+            </a:extLst>
+          </p:cNvPr>
+          <p:cNvSpPr txBox="1"/>
+          <p:nvPr/>
+        </p:nvSpPr>
+        <p:spPr>
+          <a:xfrm>
+            <a:off x="10020557" y="2518401"/>
+            <a:ext cx="1180131" cy="1785104"/>
+          </a:xfrm>
+          <a:prstGeom prst="rect">
+            <a:avLst/>
+          </a:prstGeom>
+          <a:noFill/>
+        </p:spPr>
+        <p:txBody>
+          <a:bodyPr wrap="none" rtlCol="0">
+            <a:spAutoFit/>
+          </a:bodyPr>
+          <a:lstStyle/>
+          <a:p>
+            <a:r>
+              <a:rPr lang="fi-FI" sz="1100" dirty="0" err="1"/>
+              <a:t>Trace</a:t>
+            </a:r>
+            <a:endParaRPr lang="fi-FI" sz="1100" dirty="0"/>
+          </a:p>
+          <a:p>
+            <a:r>
+              <a:rPr lang="fi-FI" sz="1100" dirty="0"/>
+              <a:t>-----------------------</a:t>
+            </a:r>
+          </a:p>
+          <a:p>
+            <a:r>
+              <a:rPr lang="fi-FI" sz="1100" dirty="0" err="1"/>
+              <a:t>body</a:t>
+            </a:r>
+            <a:endParaRPr lang="fi-FI" sz="1100" dirty="0"/>
+          </a:p>
+          <a:p>
+            <a:r>
+              <a:rPr lang="fi-FI" sz="1100" dirty="0" err="1"/>
+              <a:t>time</a:t>
+            </a:r>
+            <a:endParaRPr lang="fi-FI" sz="1100" dirty="0"/>
+          </a:p>
+          <a:p>
+            <a:r>
+              <a:rPr lang="fi-FI" sz="1100" dirty="0"/>
+              <a:t>x</a:t>
+            </a:r>
+          </a:p>
+          <a:p>
+            <a:r>
+              <a:rPr lang="fi-FI" sz="1100" dirty="0"/>
+              <a:t>Y</a:t>
+            </a:r>
+          </a:p>
+          <a:p>
+            <a:r>
+              <a:rPr lang="fi-FI" sz="1100" dirty="0"/>
+              <a:t>z</a:t>
+            </a:r>
+          </a:p>
+          <a:p>
+            <a:r>
+              <a:rPr lang="fi-FI" sz="1100" dirty="0"/>
+              <a:t>-----------------------</a:t>
+            </a:r>
+          </a:p>
+          <a:p>
+            <a:r>
+              <a:rPr lang="fi-FI" sz="1100" dirty="0"/>
+              <a:t>__</a:t>
+            </a:r>
+            <a:r>
+              <a:rPr lang="fi-FI" sz="1100" dirty="0" err="1"/>
+              <a:t>init</a:t>
+            </a:r>
+            <a:r>
+              <a:rPr lang="fi-FI" sz="1100" dirty="0"/>
+              <a:t>__</a:t>
+            </a:r>
+          </a:p>
+          <a:p>
+            <a:endParaRPr lang="fi-FI" sz="1100" dirty="0"/>
+          </a:p>
+        </p:txBody>
+      </p:sp>
+      <p:sp>
+        <p:nvSpPr>
+          <p:cNvPr id="9" name="Tekstiruutu 8">
+            <a:extLst>
+              <a:ext uri="{FF2B5EF4-FFF2-40B4-BE49-F238E27FC236}">
+                <a16:creationId xmlns:a16="http://schemas.microsoft.com/office/drawing/2014/main" id="{1077E1F0-D4BC-4B52-B3E0-7CA49458700E}"/>
+              </a:ext>
+            </a:extLst>
+          </p:cNvPr>
+          <p:cNvSpPr txBox="1"/>
+          <p:nvPr/>
+        </p:nvSpPr>
+        <p:spPr>
+          <a:xfrm>
+            <a:off x="5296694" y="2216696"/>
+            <a:ext cx="1252266" cy="1277273"/>
+          </a:xfrm>
+          <a:prstGeom prst="rect">
+            <a:avLst/>
+          </a:prstGeom>
+          <a:noFill/>
+        </p:spPr>
+        <p:txBody>
+          <a:bodyPr wrap="none" rtlCol="0">
+            <a:spAutoFit/>
+          </a:bodyPr>
+          <a:lstStyle/>
+          <a:p>
+            <a:r>
+              <a:rPr lang="fi-FI" sz="1100" dirty="0" err="1"/>
+              <a:t>SpeechSynthesizer</a:t>
+            </a:r>
+            <a:endParaRPr lang="fi-FI" sz="1100" dirty="0"/>
+          </a:p>
+          <a:p>
+            <a:r>
+              <a:rPr lang="fi-FI" sz="1100" dirty="0"/>
+              <a:t>-----------------------</a:t>
+            </a:r>
+          </a:p>
+          <a:p>
+            <a:r>
+              <a:rPr lang="fi-FI" sz="1100" dirty="0" err="1"/>
+              <a:t>engine</a:t>
+            </a:r>
+            <a:endParaRPr lang="fi-FI" sz="1100" dirty="0"/>
+          </a:p>
+          <a:p>
+            <a:r>
+              <a:rPr lang="fi-FI" sz="1100" dirty="0"/>
+              <a:t>-----------------------</a:t>
+            </a:r>
+          </a:p>
+          <a:p>
+            <a:r>
+              <a:rPr lang="fi-FI" sz="1100" dirty="0"/>
+              <a:t>__</a:t>
+            </a:r>
+            <a:r>
+              <a:rPr lang="fi-FI" sz="1100" dirty="0" err="1"/>
+              <a:t>init</a:t>
+            </a:r>
+            <a:r>
+              <a:rPr lang="fi-FI" sz="1100" dirty="0"/>
+              <a:t>__</a:t>
+            </a:r>
+          </a:p>
+          <a:p>
+            <a:r>
+              <a:rPr lang="fi-FI" sz="1100" dirty="0" err="1"/>
+              <a:t>say</a:t>
+            </a:r>
+            <a:endParaRPr lang="fi-FI" sz="1100" dirty="0"/>
+          </a:p>
+          <a:p>
+            <a:endParaRPr lang="fi-FI" sz="1100" dirty="0"/>
+          </a:p>
+        </p:txBody>
+      </p:sp>
+    </p:spTree>
+    <p:extLst>
+      <p:ext uri="{BB962C8B-B14F-4D97-AF65-F5344CB8AC3E}">
+        <p14:creationId xmlns:p14="http://schemas.microsoft.com/office/powerpoint/2010/main" val="491048404"/>
+      </p:ext>
+    </p:extLst>
+  </p:cSld>
+  <p:clrMapOvr>
+    <a:masterClrMapping/>
+  </p:clrMapOvr>
+</p:sld>
+</file>
+
+<file path=ppt/slides/slide36.xml><?xml version="1.0" encoding="utf-8"?>
 <p:sld xmlns:a="http://schemas.openxmlformats.org/drawingml/2006/main" xmlns:r="http://schemas.openxmlformats.org/officeDocument/2006/relationships" xmlns:p="http://schemas.openxmlformats.org/presentationml/2006/main">
   <p:cSld>
     <p:bg>
@@ -28272,7 +34331,7 @@
 </p:sld>
 </file>
 
-<file path=ppt/slides/slide32.xml><?xml version="1.0" encoding="utf-8"?>
+<file path=ppt/slides/slide37.xml><?xml version="1.0" encoding="utf-8"?>
 <p:sld xmlns:a="http://schemas.openxmlformats.org/drawingml/2006/main" xmlns:r="http://schemas.openxmlformats.org/officeDocument/2006/relationships" xmlns:p="http://schemas.openxmlformats.org/presentationml/2006/main">
   <p:cSld>
     <p:bg>
@@ -28516,7 +34575,7 @@
 </p:sld>
 </file>
 
-<file path=ppt/slides/slide33.xml><?xml version="1.0" encoding="utf-8"?>
+<file path=ppt/slides/slide38.xml><?xml version="1.0" encoding="utf-8"?>
 <p:sld xmlns:a="http://schemas.openxmlformats.org/drawingml/2006/main" xmlns:r="http://schemas.openxmlformats.org/officeDocument/2006/relationships" xmlns:p="http://schemas.openxmlformats.org/presentationml/2006/main">
   <p:cSld>
     <p:bg>
@@ -29193,7 +35252,7 @@
 </p:sld>
 </file>
 
-<file path=ppt/slides/slide34.xml><?xml version="1.0" encoding="utf-8"?>
+<file path=ppt/slides/slide39.xml><?xml version="1.0" encoding="utf-8"?>
 <p:sld xmlns:a="http://schemas.openxmlformats.org/drawingml/2006/main" xmlns:r="http://schemas.openxmlformats.org/officeDocument/2006/relationships" xmlns:p="http://schemas.openxmlformats.org/presentationml/2006/main">
   <p:cSld>
     <p:bg>
@@ -29544,7 +35603,7 @@
 </p:sld>
 </file>
 
-<file path=ppt/slides/slide35.xml><?xml version="1.0" encoding="utf-8"?>
+<file path=ppt/slides/slide4.xml><?xml version="1.0" encoding="utf-8"?>
 <p:sld xmlns:a="http://schemas.openxmlformats.org/drawingml/2006/main" xmlns:r="http://schemas.openxmlformats.org/officeDocument/2006/relationships" xmlns:p="http://schemas.openxmlformats.org/presentationml/2006/main">
   <p:cSld>
     <p:bg>
@@ -30198,19 +36257,7 @@
             <a:pPr algn="l"/>
             <a:r>
               <a:rPr lang="fi-FI" sz="4800" dirty="0"/>
-              <a:t>To </a:t>
-            </a:r>
-            <a:r>
-              <a:rPr lang="fi-FI" sz="4800" dirty="0" err="1"/>
-              <a:t>Be</a:t>
-            </a:r>
-            <a:r>
-              <a:rPr lang="fi-FI" sz="4800" dirty="0"/>
-              <a:t> </a:t>
-            </a:r>
-            <a:r>
-              <a:rPr lang="fi-FI" sz="4800" dirty="0" err="1"/>
-              <a:t>Discussed</a:t>
+              <a:t>Project Plan</a:t>
             </a:r>
             <a:endParaRPr lang="en-GB" sz="4800" dirty="0"/>
           </a:p>
@@ -30219,7 +36266,7 @@
     </p:spTree>
     <p:extLst>
       <p:ext uri="{BB962C8B-B14F-4D97-AF65-F5344CB8AC3E}">
-        <p14:creationId xmlns:p14="http://schemas.microsoft.com/office/powerpoint/2010/main" val="3341535097"/>
+        <p14:creationId xmlns:p14="http://schemas.microsoft.com/office/powerpoint/2010/main" val="482920744"/>
       </p:ext>
     </p:extLst>
   </p:cSld>
@@ -30229,471 +36276,7 @@
 </p:sld>
 </file>
 
-<file path=ppt/slides/slide36.xml><?xml version="1.0" encoding="utf-8"?>
-<p:sld xmlns:a="http://schemas.openxmlformats.org/drawingml/2006/main" xmlns:r="http://schemas.openxmlformats.org/officeDocument/2006/relationships" xmlns:p="http://schemas.openxmlformats.org/presentationml/2006/main">
-  <p:cSld>
-    <p:bg>
-      <p:bgPr>
-        <a:solidFill>
-          <a:schemeClr val="bg1"/>
-        </a:solidFill>
-        <a:effectLst/>
-      </p:bgPr>
-    </p:bg>
-    <p:spTree>
-      <p:nvGrpSpPr>
-        <p:cNvPr id="1" name=""/>
-        <p:cNvGrpSpPr/>
-        <p:nvPr/>
-      </p:nvGrpSpPr>
-      <p:grpSpPr>
-        <a:xfrm>
-          <a:off x="0" y="0"/>
-          <a:ext cx="0" cy="0"/>
-          <a:chOff x="0" y="0"/>
-          <a:chExt cx="0" cy="0"/>
-        </a:xfrm>
-      </p:grpSpPr>
-      <p:sp>
-        <p:nvSpPr>
-          <p:cNvPr id="71" name="Rectangle 70">
-            <a:extLst>
-              <a:ext uri="{FF2B5EF4-FFF2-40B4-BE49-F238E27FC236}">
-                <a16:creationId xmlns:a16="http://schemas.microsoft.com/office/drawing/2014/main" id="{AB45A142-4255-493C-8284-5D566C121B10}"/>
-              </a:ext>
-            </a:extLst>
-          </p:cNvPr>
-          <p:cNvSpPr>
-            <a:spLocks noGrp="1" noRot="1" noChangeAspect="1" noMove="1" noResize="1" noEditPoints="1" noAdjustHandles="1" noChangeArrowheads="1" noChangeShapeType="1" noTextEdit="1"/>
-          </p:cNvSpPr>
-          <p:nvPr>
-            <p:extLst>
-              <p:ext uri="{386F3935-93C4-4BCD-93E2-E3B085C9AB24}">
-                <p16:designElem xmlns:p16="http://schemas.microsoft.com/office/powerpoint/2015/main" val="1"/>
-              </p:ext>
-            </p:extLst>
-          </p:nvPr>
-        </p:nvSpPr>
-        <p:spPr bwMode="ltGray">
-          <a:xfrm>
-            <a:off x="336884" y="321177"/>
-            <a:ext cx="4332307" cy="6179552"/>
-          </a:xfrm>
-          <a:prstGeom prst="rect">
-            <a:avLst/>
-          </a:prstGeom>
-          <a:solidFill>
-            <a:schemeClr val="tx1">
-              <a:lumMod val="75000"/>
-              <a:lumOff val="25000"/>
-            </a:schemeClr>
-          </a:solidFill>
-          <a:ln w="127000" cap="sq" cmpd="thinThick">
-            <a:solidFill>
-              <a:schemeClr val="tx1">
-                <a:lumMod val="75000"/>
-                <a:lumOff val="25000"/>
-              </a:schemeClr>
-            </a:solidFill>
-          </a:ln>
-        </p:spPr>
-        <p:style>
-          <a:lnRef idx="2">
-            <a:schemeClr val="accent1">
-              <a:shade val="50000"/>
-            </a:schemeClr>
-          </a:lnRef>
-          <a:fillRef idx="1">
-            <a:schemeClr val="accent1"/>
-          </a:fillRef>
-          <a:effectRef idx="0">
-            <a:schemeClr val="accent1"/>
-          </a:effectRef>
-          <a:fontRef idx="minor">
-            <a:schemeClr val="lt1"/>
-          </a:fontRef>
-        </p:style>
-        <p:txBody>
-          <a:bodyPr rtlCol="0" anchor="ctr"/>
-          <a:lstStyle/>
-          <a:p>
-            <a:pPr algn="ctr"/>
-            <a:endParaRPr lang="en-US"/>
-          </a:p>
-        </p:txBody>
-      </p:sp>
-      <p:cxnSp>
-        <p:nvCxnSpPr>
-          <p:cNvPr id="73" name="Straight Connector 72">
-            <a:extLst>
-              <a:ext uri="{FF2B5EF4-FFF2-40B4-BE49-F238E27FC236}">
-                <a16:creationId xmlns:a16="http://schemas.microsoft.com/office/drawing/2014/main" id="{38FB9660-F42F-4313-BBC4-47C007FE484C}"/>
-              </a:ext>
-            </a:extLst>
-          </p:cNvPr>
-          <p:cNvCxnSpPr>
-            <a:cxnSpLocks noGrp="1" noRot="1" noChangeAspect="1" noMove="1" noResize="1" noEditPoints="1" noAdjustHandles="1" noChangeArrowheads="1" noChangeShapeType="1"/>
-          </p:cNvCxnSpPr>
-          <p:nvPr>
-            <p:extLst>
-              <p:ext uri="{386F3935-93C4-4BCD-93E2-E3B085C9AB24}">
-                <p16:designElem xmlns:p16="http://schemas.microsoft.com/office/powerpoint/2015/main" val="1"/>
-              </p:ext>
-            </p:extLst>
-          </p:nvPr>
-        </p:nvCxnSpPr>
-        <p:spPr>
-          <a:xfrm>
-            <a:off x="1191126" y="3910267"/>
-            <a:ext cx="2586790" cy="0"/>
-          </a:xfrm>
-          <a:prstGeom prst="line">
-            <a:avLst/>
-          </a:prstGeom>
-          <a:ln w="22225">
-            <a:solidFill>
-              <a:schemeClr val="bg1">
-                <a:lumMod val="85000"/>
-              </a:schemeClr>
-            </a:solidFill>
-          </a:ln>
-        </p:spPr>
-        <p:style>
-          <a:lnRef idx="1">
-            <a:schemeClr val="accent1"/>
-          </a:lnRef>
-          <a:fillRef idx="0">
-            <a:schemeClr val="accent1"/>
-          </a:fillRef>
-          <a:effectRef idx="0">
-            <a:schemeClr val="accent1"/>
-          </a:effectRef>
-          <a:fontRef idx="minor">
-            <a:schemeClr val="tx1"/>
-          </a:fontRef>
-        </p:style>
-      </p:cxnSp>
-      <p:sp>
-        <p:nvSpPr>
-          <p:cNvPr id="5" name="Tekstiruutu 4">
-            <a:extLst>
-              <a:ext uri="{FF2B5EF4-FFF2-40B4-BE49-F238E27FC236}">
-                <a16:creationId xmlns:a16="http://schemas.microsoft.com/office/drawing/2014/main" id="{96513FD4-02A8-4B70-98A1-6EDA16999002}"/>
-              </a:ext>
-            </a:extLst>
-          </p:cNvPr>
-          <p:cNvSpPr txBox="1"/>
-          <p:nvPr/>
-        </p:nvSpPr>
-        <p:spPr>
-          <a:xfrm>
-            <a:off x="501997" y="914400"/>
-            <a:ext cx="4103583" cy="2918123"/>
-          </a:xfrm>
-          <a:prstGeom prst="rect">
-            <a:avLst/>
-          </a:prstGeom>
-        </p:spPr>
-        <p:txBody>
-          <a:bodyPr vert="horz" lIns="91440" tIns="45720" rIns="91440" bIns="45720" rtlCol="0" anchor="b">
-            <a:normAutofit/>
-          </a:bodyPr>
-          <a:lstStyle/>
-          <a:p>
-            <a:pPr algn="ctr">
-              <a:lnSpc>
-                <a:spcPct val="90000"/>
-              </a:lnSpc>
-              <a:spcBef>
-                <a:spcPct val="0"/>
-              </a:spcBef>
-              <a:spcAft>
-                <a:spcPts val="600"/>
-              </a:spcAft>
-            </a:pPr>
-            <a:r>
-              <a:rPr lang="en-US" sz="4800" dirty="0">
-                <a:solidFill>
-                  <a:schemeClr val="bg1"/>
-                </a:solidFill>
-                <a:latin typeface="+mj-lt"/>
-                <a:ea typeface="+mj-ea"/>
-                <a:cs typeface="+mj-cs"/>
-              </a:rPr>
-              <a:t>To Be Discussed</a:t>
-            </a:r>
-            <a:endParaRPr lang="en-US" sz="4800" kern="1200" dirty="0">
-              <a:solidFill>
-                <a:schemeClr val="bg1"/>
-              </a:solidFill>
-              <a:latin typeface="+mj-lt"/>
-              <a:ea typeface="+mj-ea"/>
-              <a:cs typeface="+mj-cs"/>
-            </a:endParaRPr>
-          </a:p>
-        </p:txBody>
-      </p:sp>
-      <p:sp>
-        <p:nvSpPr>
-          <p:cNvPr id="2" name="Tekstiruutu 1">
-            <a:extLst>
-              <a:ext uri="{FF2B5EF4-FFF2-40B4-BE49-F238E27FC236}">
-                <a16:creationId xmlns:a16="http://schemas.microsoft.com/office/drawing/2014/main" id="{6BB30F7A-5F1A-4DE8-836D-D8A2D0BA3F2D}"/>
-              </a:ext>
-            </a:extLst>
-          </p:cNvPr>
-          <p:cNvSpPr txBox="1"/>
-          <p:nvPr/>
-        </p:nvSpPr>
-        <p:spPr>
-          <a:xfrm>
-            <a:off x="6192216" y="2597184"/>
-            <a:ext cx="5650265" cy="923330"/>
-          </a:xfrm>
-          <a:prstGeom prst="rect">
-            <a:avLst/>
-          </a:prstGeom>
-          <a:noFill/>
-        </p:spPr>
-        <p:txBody>
-          <a:bodyPr wrap="none" rtlCol="0">
-            <a:spAutoFit/>
-          </a:bodyPr>
-          <a:lstStyle/>
-          <a:p>
-            <a:pPr marL="285750" indent="-285750">
-              <a:buFont typeface="Arial" panose="020B0604020202020204" pitchFamily="34" charset="0"/>
-              <a:buChar char="•"/>
-            </a:pPr>
-            <a:r>
-              <a:rPr lang="fi-FI" dirty="0"/>
-              <a:t>Activity </a:t>
-            </a:r>
-            <a:r>
-              <a:rPr lang="fi-FI" dirty="0" err="1"/>
-              <a:t>recognition</a:t>
-            </a:r>
-            <a:r>
-              <a:rPr lang="fi-FI" dirty="0"/>
-              <a:t>?</a:t>
-            </a:r>
-          </a:p>
-          <a:p>
-            <a:pPr marL="285750" indent="-285750">
-              <a:buFont typeface="Arial" panose="020B0604020202020204" pitchFamily="34" charset="0"/>
-              <a:buChar char="•"/>
-            </a:pPr>
-            <a:r>
-              <a:rPr lang="fi-FI" dirty="0" err="1"/>
-              <a:t>Emotion</a:t>
-            </a:r>
-            <a:r>
-              <a:rPr lang="fi-FI" dirty="0"/>
-              <a:t> </a:t>
-            </a:r>
-            <a:r>
-              <a:rPr lang="fi-FI" dirty="0" err="1"/>
-              <a:t>recognition</a:t>
-            </a:r>
-            <a:r>
-              <a:rPr lang="fi-FI" dirty="0"/>
-              <a:t>?</a:t>
-            </a:r>
-          </a:p>
-          <a:p>
-            <a:pPr marL="285750" indent="-285750">
-              <a:buFont typeface="Arial" panose="020B0604020202020204" pitchFamily="34" charset="0"/>
-              <a:buChar char="•"/>
-            </a:pPr>
-            <a:r>
-              <a:rPr lang="fi-FI" dirty="0" err="1"/>
-              <a:t>Turning</a:t>
-            </a:r>
-            <a:r>
-              <a:rPr lang="fi-FI" dirty="0"/>
-              <a:t> </a:t>
-            </a:r>
-            <a:r>
-              <a:rPr lang="fi-FI" dirty="0" err="1"/>
-              <a:t>camera</a:t>
-            </a:r>
-            <a:r>
-              <a:rPr lang="fi-FI" dirty="0"/>
-              <a:t>, </a:t>
-            </a:r>
-            <a:r>
-              <a:rPr lang="fi-FI" dirty="0" err="1"/>
-              <a:t>estimation</a:t>
-            </a:r>
-            <a:r>
-              <a:rPr lang="fi-FI" dirty="0"/>
-              <a:t> </a:t>
-            </a:r>
-            <a:r>
-              <a:rPr lang="fi-FI" dirty="0" err="1"/>
-              <a:t>by</a:t>
-            </a:r>
-            <a:r>
-              <a:rPr lang="fi-FI" dirty="0"/>
-              <a:t> </a:t>
-            </a:r>
-            <a:r>
-              <a:rPr lang="fi-FI" dirty="0" err="1"/>
-              <a:t>background</a:t>
-            </a:r>
-            <a:r>
-              <a:rPr lang="fi-FI" dirty="0"/>
-              <a:t> </a:t>
-            </a:r>
-            <a:r>
-              <a:rPr lang="fi-FI" dirty="0" err="1"/>
-              <a:t>movement</a:t>
-            </a:r>
-            <a:r>
-              <a:rPr lang="fi-FI" dirty="0"/>
-              <a:t>?</a:t>
-            </a:r>
-          </a:p>
-        </p:txBody>
-      </p:sp>
-    </p:spTree>
-    <p:extLst>
-      <p:ext uri="{BB962C8B-B14F-4D97-AF65-F5344CB8AC3E}">
-        <p14:creationId xmlns:p14="http://schemas.microsoft.com/office/powerpoint/2010/main" val="2980159203"/>
-      </p:ext>
-    </p:extLst>
-  </p:cSld>
-  <p:clrMapOvr>
-    <a:masterClrMapping/>
-  </p:clrMapOvr>
-</p:sld>
-</file>
-
-<file path=ppt/slides/slide37.xml><?xml version="1.0" encoding="utf-8"?>
-<p:sld xmlns:a="http://schemas.openxmlformats.org/drawingml/2006/main" xmlns:r="http://schemas.openxmlformats.org/officeDocument/2006/relationships" xmlns:p="http://schemas.openxmlformats.org/presentationml/2006/main">
-  <p:cSld>
-    <p:spTree>
-      <p:nvGrpSpPr>
-        <p:cNvPr id="1" name=""/>
-        <p:cNvGrpSpPr/>
-        <p:nvPr/>
-      </p:nvGrpSpPr>
-      <p:grpSpPr>
-        <a:xfrm>
-          <a:off x="0" y="0"/>
-          <a:ext cx="0" cy="0"/>
-          <a:chOff x="0" y="0"/>
-          <a:chExt cx="0" cy="0"/>
-        </a:xfrm>
-      </p:grpSpPr>
-      <p:sp>
-        <p:nvSpPr>
-          <p:cNvPr id="2" name="Otsikko 1">
-            <a:extLst>
-              <a:ext uri="{FF2B5EF4-FFF2-40B4-BE49-F238E27FC236}">
-                <a16:creationId xmlns:a16="http://schemas.microsoft.com/office/drawing/2014/main" id="{49E609EE-A375-424B-9FE9-E5C311FC51C5}"/>
-              </a:ext>
-            </a:extLst>
-          </p:cNvPr>
-          <p:cNvSpPr>
-            <a:spLocks noGrp="1"/>
-          </p:cNvSpPr>
-          <p:nvPr>
-            <p:ph type="ctrTitle"/>
-          </p:nvPr>
-        </p:nvSpPr>
-        <p:spPr/>
-        <p:txBody>
-          <a:bodyPr/>
-          <a:lstStyle/>
-          <a:p>
-            <a:r>
-              <a:rPr lang="fi-FI" dirty="0" err="1"/>
-              <a:t>Thank</a:t>
-            </a:r>
-            <a:r>
-              <a:rPr lang="fi-FI" dirty="0"/>
-              <a:t> </a:t>
-            </a:r>
-            <a:r>
-              <a:rPr lang="fi-FI" dirty="0" err="1"/>
-              <a:t>you</a:t>
-            </a:r>
-            <a:r>
-              <a:rPr lang="fi-FI" dirty="0"/>
-              <a:t>!</a:t>
-            </a:r>
-            <a:endParaRPr lang="en-GB" dirty="0"/>
-          </a:p>
-        </p:txBody>
-      </p:sp>
-      <p:sp>
-        <p:nvSpPr>
-          <p:cNvPr id="3" name="Tekstiruutu 2">
-            <a:extLst>
-              <a:ext uri="{FF2B5EF4-FFF2-40B4-BE49-F238E27FC236}">
-                <a16:creationId xmlns:a16="http://schemas.microsoft.com/office/drawing/2014/main" id="{1506AA38-8F86-4309-9943-7572D6D5FD0A}"/>
-              </a:ext>
-            </a:extLst>
-          </p:cNvPr>
-          <p:cNvSpPr txBox="1"/>
-          <p:nvPr/>
-        </p:nvSpPr>
-        <p:spPr>
-          <a:xfrm>
-            <a:off x="3872287" y="4812307"/>
-            <a:ext cx="4089196" cy="923330"/>
-          </a:xfrm>
-          <a:prstGeom prst="rect">
-            <a:avLst/>
-          </a:prstGeom>
-          <a:noFill/>
-        </p:spPr>
-        <p:txBody>
-          <a:bodyPr wrap="none" rtlCol="0">
-            <a:spAutoFit/>
-          </a:bodyPr>
-          <a:lstStyle/>
-          <a:p>
-            <a:pPr algn="ctr"/>
-            <a:r>
-              <a:rPr lang="fi-FI" dirty="0">
-                <a:hlinkClick r:id="rId2"/>
-              </a:rPr>
-              <a:t>lampola@student.tut.fi</a:t>
-            </a:r>
-            <a:endParaRPr lang="fi-FI" dirty="0"/>
-          </a:p>
-          <a:p>
-            <a:pPr algn="ctr"/>
-            <a:r>
-              <a:rPr lang="en-GB" dirty="0">
-                <a:hlinkClick r:id="rId3"/>
-              </a:rPr>
-              <a:t>https://github.com/SakariLampola/Thesis</a:t>
-            </a:r>
-            <a:endParaRPr lang="en-GB" dirty="0"/>
-          </a:p>
-          <a:p>
-            <a:pPr algn="ctr"/>
-            <a:endParaRPr lang="en-GB" dirty="0"/>
-          </a:p>
-        </p:txBody>
-      </p:sp>
-    </p:spTree>
-    <p:extLst>
-      <p:ext uri="{BB962C8B-B14F-4D97-AF65-F5344CB8AC3E}">
-        <p14:creationId xmlns:p14="http://schemas.microsoft.com/office/powerpoint/2010/main" val="4154642894"/>
-      </p:ext>
-    </p:extLst>
-  </p:cSld>
-  <p:clrMapOvr>
-    <a:masterClrMapping/>
-  </p:clrMapOvr>
-</p:sld>
-</file>
-
-<file path=ppt/slides/slide4.xml><?xml version="1.0" encoding="utf-8"?>
+<file path=ppt/slides/slide40.xml><?xml version="1.0" encoding="utf-8"?>
 <p:sld xmlns:a="http://schemas.openxmlformats.org/drawingml/2006/main" xmlns:r="http://schemas.openxmlformats.org/officeDocument/2006/relationships" xmlns:p="http://schemas.openxmlformats.org/presentationml/2006/main">
   <p:cSld>
     <p:bg>
@@ -31347,7 +36930,19 @@
             <a:pPr algn="l"/>
             <a:r>
               <a:rPr lang="fi-FI" sz="4800" dirty="0"/>
-              <a:t>Project Plan</a:t>
+              <a:t>To </a:t>
+            </a:r>
+            <a:r>
+              <a:rPr lang="fi-FI" sz="4800" dirty="0" err="1"/>
+              <a:t>Be</a:t>
+            </a:r>
+            <a:r>
+              <a:rPr lang="fi-FI" sz="4800" dirty="0"/>
+              <a:t> </a:t>
+            </a:r>
+            <a:r>
+              <a:rPr lang="fi-FI" sz="4800" dirty="0" err="1"/>
+              <a:t>Discussed</a:t>
             </a:r>
             <a:endParaRPr lang="en-GB" sz="4800" dirty="0"/>
           </a:p>
@@ -31356,7 +36951,471 @@
     </p:spTree>
     <p:extLst>
       <p:ext uri="{BB962C8B-B14F-4D97-AF65-F5344CB8AC3E}">
-        <p14:creationId xmlns:p14="http://schemas.microsoft.com/office/powerpoint/2010/main" val="482920744"/>
+        <p14:creationId xmlns:p14="http://schemas.microsoft.com/office/powerpoint/2010/main" val="3341535097"/>
+      </p:ext>
+    </p:extLst>
+  </p:cSld>
+  <p:clrMapOvr>
+    <a:masterClrMapping/>
+  </p:clrMapOvr>
+</p:sld>
+</file>
+
+<file path=ppt/slides/slide41.xml><?xml version="1.0" encoding="utf-8"?>
+<p:sld xmlns:a="http://schemas.openxmlformats.org/drawingml/2006/main" xmlns:r="http://schemas.openxmlformats.org/officeDocument/2006/relationships" xmlns:p="http://schemas.openxmlformats.org/presentationml/2006/main">
+  <p:cSld>
+    <p:bg>
+      <p:bgPr>
+        <a:solidFill>
+          <a:schemeClr val="bg1"/>
+        </a:solidFill>
+        <a:effectLst/>
+      </p:bgPr>
+    </p:bg>
+    <p:spTree>
+      <p:nvGrpSpPr>
+        <p:cNvPr id="1" name=""/>
+        <p:cNvGrpSpPr/>
+        <p:nvPr/>
+      </p:nvGrpSpPr>
+      <p:grpSpPr>
+        <a:xfrm>
+          <a:off x="0" y="0"/>
+          <a:ext cx="0" cy="0"/>
+          <a:chOff x="0" y="0"/>
+          <a:chExt cx="0" cy="0"/>
+        </a:xfrm>
+      </p:grpSpPr>
+      <p:sp>
+        <p:nvSpPr>
+          <p:cNvPr id="71" name="Rectangle 70">
+            <a:extLst>
+              <a:ext uri="{FF2B5EF4-FFF2-40B4-BE49-F238E27FC236}">
+                <a16:creationId xmlns:a16="http://schemas.microsoft.com/office/drawing/2014/main" id="{AB45A142-4255-493C-8284-5D566C121B10}"/>
+              </a:ext>
+            </a:extLst>
+          </p:cNvPr>
+          <p:cNvSpPr>
+            <a:spLocks noGrp="1" noRot="1" noChangeAspect="1" noMove="1" noResize="1" noEditPoints="1" noAdjustHandles="1" noChangeArrowheads="1" noChangeShapeType="1" noTextEdit="1"/>
+          </p:cNvSpPr>
+          <p:nvPr>
+            <p:extLst>
+              <p:ext uri="{386F3935-93C4-4BCD-93E2-E3B085C9AB24}">
+                <p16:designElem xmlns:p16="http://schemas.microsoft.com/office/powerpoint/2015/main" val="1"/>
+              </p:ext>
+            </p:extLst>
+          </p:nvPr>
+        </p:nvSpPr>
+        <p:spPr bwMode="ltGray">
+          <a:xfrm>
+            <a:off x="336884" y="321177"/>
+            <a:ext cx="4332307" cy="6179552"/>
+          </a:xfrm>
+          <a:prstGeom prst="rect">
+            <a:avLst/>
+          </a:prstGeom>
+          <a:solidFill>
+            <a:schemeClr val="tx1">
+              <a:lumMod val="75000"/>
+              <a:lumOff val="25000"/>
+            </a:schemeClr>
+          </a:solidFill>
+          <a:ln w="127000" cap="sq" cmpd="thinThick">
+            <a:solidFill>
+              <a:schemeClr val="tx1">
+                <a:lumMod val="75000"/>
+                <a:lumOff val="25000"/>
+              </a:schemeClr>
+            </a:solidFill>
+          </a:ln>
+        </p:spPr>
+        <p:style>
+          <a:lnRef idx="2">
+            <a:schemeClr val="accent1">
+              <a:shade val="50000"/>
+            </a:schemeClr>
+          </a:lnRef>
+          <a:fillRef idx="1">
+            <a:schemeClr val="accent1"/>
+          </a:fillRef>
+          <a:effectRef idx="0">
+            <a:schemeClr val="accent1"/>
+          </a:effectRef>
+          <a:fontRef idx="minor">
+            <a:schemeClr val="lt1"/>
+          </a:fontRef>
+        </p:style>
+        <p:txBody>
+          <a:bodyPr rtlCol="0" anchor="ctr"/>
+          <a:lstStyle/>
+          <a:p>
+            <a:pPr algn="ctr"/>
+            <a:endParaRPr lang="en-US"/>
+          </a:p>
+        </p:txBody>
+      </p:sp>
+      <p:cxnSp>
+        <p:nvCxnSpPr>
+          <p:cNvPr id="73" name="Straight Connector 72">
+            <a:extLst>
+              <a:ext uri="{FF2B5EF4-FFF2-40B4-BE49-F238E27FC236}">
+                <a16:creationId xmlns:a16="http://schemas.microsoft.com/office/drawing/2014/main" id="{38FB9660-F42F-4313-BBC4-47C007FE484C}"/>
+              </a:ext>
+            </a:extLst>
+          </p:cNvPr>
+          <p:cNvCxnSpPr>
+            <a:cxnSpLocks noGrp="1" noRot="1" noChangeAspect="1" noMove="1" noResize="1" noEditPoints="1" noAdjustHandles="1" noChangeArrowheads="1" noChangeShapeType="1"/>
+          </p:cNvCxnSpPr>
+          <p:nvPr>
+            <p:extLst>
+              <p:ext uri="{386F3935-93C4-4BCD-93E2-E3B085C9AB24}">
+                <p16:designElem xmlns:p16="http://schemas.microsoft.com/office/powerpoint/2015/main" val="1"/>
+              </p:ext>
+            </p:extLst>
+          </p:nvPr>
+        </p:nvCxnSpPr>
+        <p:spPr>
+          <a:xfrm>
+            <a:off x="1191126" y="3910267"/>
+            <a:ext cx="2586790" cy="0"/>
+          </a:xfrm>
+          <a:prstGeom prst="line">
+            <a:avLst/>
+          </a:prstGeom>
+          <a:ln w="22225">
+            <a:solidFill>
+              <a:schemeClr val="bg1">
+                <a:lumMod val="85000"/>
+              </a:schemeClr>
+            </a:solidFill>
+          </a:ln>
+        </p:spPr>
+        <p:style>
+          <a:lnRef idx="1">
+            <a:schemeClr val="accent1"/>
+          </a:lnRef>
+          <a:fillRef idx="0">
+            <a:schemeClr val="accent1"/>
+          </a:fillRef>
+          <a:effectRef idx="0">
+            <a:schemeClr val="accent1"/>
+          </a:effectRef>
+          <a:fontRef idx="minor">
+            <a:schemeClr val="tx1"/>
+          </a:fontRef>
+        </p:style>
+      </p:cxnSp>
+      <p:sp>
+        <p:nvSpPr>
+          <p:cNvPr id="5" name="Tekstiruutu 4">
+            <a:extLst>
+              <a:ext uri="{FF2B5EF4-FFF2-40B4-BE49-F238E27FC236}">
+                <a16:creationId xmlns:a16="http://schemas.microsoft.com/office/drawing/2014/main" id="{96513FD4-02A8-4B70-98A1-6EDA16999002}"/>
+              </a:ext>
+            </a:extLst>
+          </p:cNvPr>
+          <p:cNvSpPr txBox="1"/>
+          <p:nvPr/>
+        </p:nvSpPr>
+        <p:spPr>
+          <a:xfrm>
+            <a:off x="501997" y="914400"/>
+            <a:ext cx="4103583" cy="2918123"/>
+          </a:xfrm>
+          <a:prstGeom prst="rect">
+            <a:avLst/>
+          </a:prstGeom>
+        </p:spPr>
+        <p:txBody>
+          <a:bodyPr vert="horz" lIns="91440" tIns="45720" rIns="91440" bIns="45720" rtlCol="0" anchor="b">
+            <a:normAutofit/>
+          </a:bodyPr>
+          <a:lstStyle/>
+          <a:p>
+            <a:pPr algn="ctr">
+              <a:lnSpc>
+                <a:spcPct val="90000"/>
+              </a:lnSpc>
+              <a:spcBef>
+                <a:spcPct val="0"/>
+              </a:spcBef>
+              <a:spcAft>
+                <a:spcPts val="600"/>
+              </a:spcAft>
+            </a:pPr>
+            <a:r>
+              <a:rPr lang="en-US" sz="4800" dirty="0">
+                <a:solidFill>
+                  <a:schemeClr val="bg1"/>
+                </a:solidFill>
+                <a:latin typeface="+mj-lt"/>
+                <a:ea typeface="+mj-ea"/>
+                <a:cs typeface="+mj-cs"/>
+              </a:rPr>
+              <a:t>To Be Discussed</a:t>
+            </a:r>
+            <a:endParaRPr lang="en-US" sz="4800" kern="1200" dirty="0">
+              <a:solidFill>
+                <a:schemeClr val="bg1"/>
+              </a:solidFill>
+              <a:latin typeface="+mj-lt"/>
+              <a:ea typeface="+mj-ea"/>
+              <a:cs typeface="+mj-cs"/>
+            </a:endParaRPr>
+          </a:p>
+        </p:txBody>
+      </p:sp>
+      <p:sp>
+        <p:nvSpPr>
+          <p:cNvPr id="2" name="Tekstiruutu 1">
+            <a:extLst>
+              <a:ext uri="{FF2B5EF4-FFF2-40B4-BE49-F238E27FC236}">
+                <a16:creationId xmlns:a16="http://schemas.microsoft.com/office/drawing/2014/main" id="{6BB30F7A-5F1A-4DE8-836D-D8A2D0BA3F2D}"/>
+              </a:ext>
+            </a:extLst>
+          </p:cNvPr>
+          <p:cNvSpPr txBox="1"/>
+          <p:nvPr/>
+        </p:nvSpPr>
+        <p:spPr>
+          <a:xfrm>
+            <a:off x="6192216" y="2597184"/>
+            <a:ext cx="5650265" cy="923330"/>
+          </a:xfrm>
+          <a:prstGeom prst="rect">
+            <a:avLst/>
+          </a:prstGeom>
+          <a:noFill/>
+        </p:spPr>
+        <p:txBody>
+          <a:bodyPr wrap="none" rtlCol="0">
+            <a:spAutoFit/>
+          </a:bodyPr>
+          <a:lstStyle/>
+          <a:p>
+            <a:pPr marL="285750" indent="-285750">
+              <a:buFont typeface="Arial" panose="020B0604020202020204" pitchFamily="34" charset="0"/>
+              <a:buChar char="•"/>
+            </a:pPr>
+            <a:r>
+              <a:rPr lang="fi-FI" dirty="0"/>
+              <a:t>Activity </a:t>
+            </a:r>
+            <a:r>
+              <a:rPr lang="fi-FI" dirty="0" err="1"/>
+              <a:t>recognition</a:t>
+            </a:r>
+            <a:r>
+              <a:rPr lang="fi-FI" dirty="0"/>
+              <a:t>?</a:t>
+            </a:r>
+          </a:p>
+          <a:p>
+            <a:pPr marL="285750" indent="-285750">
+              <a:buFont typeface="Arial" panose="020B0604020202020204" pitchFamily="34" charset="0"/>
+              <a:buChar char="•"/>
+            </a:pPr>
+            <a:r>
+              <a:rPr lang="fi-FI" dirty="0" err="1"/>
+              <a:t>Emotion</a:t>
+            </a:r>
+            <a:r>
+              <a:rPr lang="fi-FI" dirty="0"/>
+              <a:t> </a:t>
+            </a:r>
+            <a:r>
+              <a:rPr lang="fi-FI" dirty="0" err="1"/>
+              <a:t>recognition</a:t>
+            </a:r>
+            <a:r>
+              <a:rPr lang="fi-FI" dirty="0"/>
+              <a:t>?</a:t>
+            </a:r>
+          </a:p>
+          <a:p>
+            <a:pPr marL="285750" indent="-285750">
+              <a:buFont typeface="Arial" panose="020B0604020202020204" pitchFamily="34" charset="0"/>
+              <a:buChar char="•"/>
+            </a:pPr>
+            <a:r>
+              <a:rPr lang="fi-FI" dirty="0" err="1"/>
+              <a:t>Turning</a:t>
+            </a:r>
+            <a:r>
+              <a:rPr lang="fi-FI" dirty="0"/>
+              <a:t> </a:t>
+            </a:r>
+            <a:r>
+              <a:rPr lang="fi-FI" dirty="0" err="1"/>
+              <a:t>camera</a:t>
+            </a:r>
+            <a:r>
+              <a:rPr lang="fi-FI" dirty="0"/>
+              <a:t>, </a:t>
+            </a:r>
+            <a:r>
+              <a:rPr lang="fi-FI" dirty="0" err="1"/>
+              <a:t>estimation</a:t>
+            </a:r>
+            <a:r>
+              <a:rPr lang="fi-FI" dirty="0"/>
+              <a:t> </a:t>
+            </a:r>
+            <a:r>
+              <a:rPr lang="fi-FI" dirty="0" err="1"/>
+              <a:t>by</a:t>
+            </a:r>
+            <a:r>
+              <a:rPr lang="fi-FI" dirty="0"/>
+              <a:t> </a:t>
+            </a:r>
+            <a:r>
+              <a:rPr lang="fi-FI" dirty="0" err="1"/>
+              <a:t>background</a:t>
+            </a:r>
+            <a:r>
+              <a:rPr lang="fi-FI" dirty="0"/>
+              <a:t> </a:t>
+            </a:r>
+            <a:r>
+              <a:rPr lang="fi-FI" dirty="0" err="1"/>
+              <a:t>movement</a:t>
+            </a:r>
+            <a:r>
+              <a:rPr lang="fi-FI" dirty="0"/>
+              <a:t>?</a:t>
+            </a:r>
+          </a:p>
+        </p:txBody>
+      </p:sp>
+    </p:spTree>
+    <p:extLst>
+      <p:ext uri="{BB962C8B-B14F-4D97-AF65-F5344CB8AC3E}">
+        <p14:creationId xmlns:p14="http://schemas.microsoft.com/office/powerpoint/2010/main" val="2980159203"/>
+      </p:ext>
+    </p:extLst>
+  </p:cSld>
+  <p:clrMapOvr>
+    <a:masterClrMapping/>
+  </p:clrMapOvr>
+</p:sld>
+</file>
+
+<file path=ppt/slides/slide42.xml><?xml version="1.0" encoding="utf-8"?>
+<p:sld xmlns:a="http://schemas.openxmlformats.org/drawingml/2006/main" xmlns:r="http://schemas.openxmlformats.org/officeDocument/2006/relationships" xmlns:p="http://schemas.openxmlformats.org/presentationml/2006/main">
+  <p:cSld>
+    <p:spTree>
+      <p:nvGrpSpPr>
+        <p:cNvPr id="1" name=""/>
+        <p:cNvGrpSpPr/>
+        <p:nvPr/>
+      </p:nvGrpSpPr>
+      <p:grpSpPr>
+        <a:xfrm>
+          <a:off x="0" y="0"/>
+          <a:ext cx="0" cy="0"/>
+          <a:chOff x="0" y="0"/>
+          <a:chExt cx="0" cy="0"/>
+        </a:xfrm>
+      </p:grpSpPr>
+      <p:sp>
+        <p:nvSpPr>
+          <p:cNvPr id="2" name="Otsikko 1">
+            <a:extLst>
+              <a:ext uri="{FF2B5EF4-FFF2-40B4-BE49-F238E27FC236}">
+                <a16:creationId xmlns:a16="http://schemas.microsoft.com/office/drawing/2014/main" id="{49E609EE-A375-424B-9FE9-E5C311FC51C5}"/>
+              </a:ext>
+            </a:extLst>
+          </p:cNvPr>
+          <p:cNvSpPr>
+            <a:spLocks noGrp="1"/>
+          </p:cNvSpPr>
+          <p:nvPr>
+            <p:ph type="ctrTitle"/>
+          </p:nvPr>
+        </p:nvSpPr>
+        <p:spPr/>
+        <p:txBody>
+          <a:bodyPr/>
+          <a:lstStyle/>
+          <a:p>
+            <a:r>
+              <a:rPr lang="fi-FI" dirty="0" err="1"/>
+              <a:t>Thank</a:t>
+            </a:r>
+            <a:r>
+              <a:rPr lang="fi-FI" dirty="0"/>
+              <a:t> </a:t>
+            </a:r>
+            <a:r>
+              <a:rPr lang="fi-FI" dirty="0" err="1"/>
+              <a:t>you</a:t>
+            </a:r>
+            <a:r>
+              <a:rPr lang="fi-FI" dirty="0"/>
+              <a:t>!</a:t>
+            </a:r>
+            <a:endParaRPr lang="en-GB" dirty="0"/>
+          </a:p>
+        </p:txBody>
+      </p:sp>
+      <p:sp>
+        <p:nvSpPr>
+          <p:cNvPr id="3" name="Tekstiruutu 2">
+            <a:extLst>
+              <a:ext uri="{FF2B5EF4-FFF2-40B4-BE49-F238E27FC236}">
+                <a16:creationId xmlns:a16="http://schemas.microsoft.com/office/drawing/2014/main" id="{1506AA38-8F86-4309-9943-7572D6D5FD0A}"/>
+              </a:ext>
+            </a:extLst>
+          </p:cNvPr>
+          <p:cNvSpPr txBox="1"/>
+          <p:nvPr/>
+        </p:nvSpPr>
+        <p:spPr>
+          <a:xfrm>
+            <a:off x="3872287" y="4812307"/>
+            <a:ext cx="4089196" cy="923330"/>
+          </a:xfrm>
+          <a:prstGeom prst="rect">
+            <a:avLst/>
+          </a:prstGeom>
+          <a:noFill/>
+        </p:spPr>
+        <p:txBody>
+          <a:bodyPr wrap="none" rtlCol="0">
+            <a:spAutoFit/>
+          </a:bodyPr>
+          <a:lstStyle/>
+          <a:p>
+            <a:pPr algn="ctr"/>
+            <a:r>
+              <a:rPr lang="fi-FI" dirty="0">
+                <a:hlinkClick r:id="rId2"/>
+              </a:rPr>
+              <a:t>lampola@student.tut.fi</a:t>
+            </a:r>
+            <a:endParaRPr lang="fi-FI" dirty="0"/>
+          </a:p>
+          <a:p>
+            <a:pPr algn="ctr"/>
+            <a:r>
+              <a:rPr lang="en-GB" dirty="0">
+                <a:hlinkClick r:id="rId3"/>
+              </a:rPr>
+              <a:t>https://github.com/SakariLampola/Thesis</a:t>
+            </a:r>
+            <a:endParaRPr lang="en-GB" dirty="0"/>
+          </a:p>
+          <a:p>
+            <a:pPr algn="ctr"/>
+            <a:endParaRPr lang="en-GB" dirty="0"/>
+          </a:p>
+        </p:txBody>
+      </p:sp>
+    </p:spTree>
+    <p:extLst>
+      <p:ext uri="{BB962C8B-B14F-4D97-AF65-F5344CB8AC3E}">
+        <p14:creationId xmlns:p14="http://schemas.microsoft.com/office/powerpoint/2010/main" val="4154642894"/>
       </p:ext>
     </p:extLst>
   </p:cSld>

--- a/presentations/Audit 20180301.pptx
+++ b/presentations/Audit 20180301.pptx
@@ -242,7 +242,7 @@
           <a:p>
             <a:fld id="{419674A6-AE52-4650-90C3-47547F301181}" type="datetimeFigureOut">
               <a:rPr lang="en-GB" smtClean="0"/>
-              <a:t>30/01/2018</a:t>
+              <a:t>31/01/2018</a:t>
             </a:fld>
             <a:endParaRPr lang="en-GB"/>
           </a:p>
@@ -659,7 +659,7 @@
           <a:p>
             <a:fld id="{044A8A7F-4678-4ADA-A967-6C2095B09219}" type="datetimeFigureOut">
               <a:rPr lang="en-GB" smtClean="0"/>
-              <a:t>30/01/2018</a:t>
+              <a:t>31/01/2018</a:t>
             </a:fld>
             <a:endParaRPr lang="en-GB"/>
           </a:p>
@@ -859,7 +859,7 @@
           <a:p>
             <a:fld id="{044A8A7F-4678-4ADA-A967-6C2095B09219}" type="datetimeFigureOut">
               <a:rPr lang="en-GB" smtClean="0"/>
-              <a:t>30/01/2018</a:t>
+              <a:t>31/01/2018</a:t>
             </a:fld>
             <a:endParaRPr lang="en-GB"/>
           </a:p>
@@ -1069,7 +1069,7 @@
           <a:p>
             <a:fld id="{044A8A7F-4678-4ADA-A967-6C2095B09219}" type="datetimeFigureOut">
               <a:rPr lang="en-GB" smtClean="0"/>
-              <a:t>30/01/2018</a:t>
+              <a:t>31/01/2018</a:t>
             </a:fld>
             <a:endParaRPr lang="en-GB"/>
           </a:p>
@@ -1269,7 +1269,7 @@
           <a:p>
             <a:fld id="{044A8A7F-4678-4ADA-A967-6C2095B09219}" type="datetimeFigureOut">
               <a:rPr lang="en-GB" smtClean="0"/>
-              <a:t>30/01/2018</a:t>
+              <a:t>31/01/2018</a:t>
             </a:fld>
             <a:endParaRPr lang="en-GB"/>
           </a:p>
@@ -1545,7 +1545,7 @@
           <a:p>
             <a:fld id="{044A8A7F-4678-4ADA-A967-6C2095B09219}" type="datetimeFigureOut">
               <a:rPr lang="en-GB" smtClean="0"/>
-              <a:t>30/01/2018</a:t>
+              <a:t>31/01/2018</a:t>
             </a:fld>
             <a:endParaRPr lang="en-GB"/>
           </a:p>
@@ -1813,7 +1813,7 @@
           <a:p>
             <a:fld id="{044A8A7F-4678-4ADA-A967-6C2095B09219}" type="datetimeFigureOut">
               <a:rPr lang="en-GB" smtClean="0"/>
-              <a:t>30/01/2018</a:t>
+              <a:t>31/01/2018</a:t>
             </a:fld>
             <a:endParaRPr lang="en-GB"/>
           </a:p>
@@ -2228,7 +2228,7 @@
           <a:p>
             <a:fld id="{044A8A7F-4678-4ADA-A967-6C2095B09219}" type="datetimeFigureOut">
               <a:rPr lang="en-GB" smtClean="0"/>
-              <a:t>30/01/2018</a:t>
+              <a:t>31/01/2018</a:t>
             </a:fld>
             <a:endParaRPr lang="en-GB"/>
           </a:p>
@@ -2370,7 +2370,7 @@
           <a:p>
             <a:fld id="{044A8A7F-4678-4ADA-A967-6C2095B09219}" type="datetimeFigureOut">
               <a:rPr lang="en-GB" smtClean="0"/>
-              <a:t>30/01/2018</a:t>
+              <a:t>31/01/2018</a:t>
             </a:fld>
             <a:endParaRPr lang="en-GB"/>
           </a:p>
@@ -2483,7 +2483,7 @@
           <a:p>
             <a:fld id="{044A8A7F-4678-4ADA-A967-6C2095B09219}" type="datetimeFigureOut">
               <a:rPr lang="en-GB" smtClean="0"/>
-              <a:t>30/01/2018</a:t>
+              <a:t>31/01/2018</a:t>
             </a:fld>
             <a:endParaRPr lang="en-GB"/>
           </a:p>
@@ -2796,7 +2796,7 @@
           <a:p>
             <a:fld id="{044A8A7F-4678-4ADA-A967-6C2095B09219}" type="datetimeFigureOut">
               <a:rPr lang="en-GB" smtClean="0"/>
-              <a:t>30/01/2018</a:t>
+              <a:t>31/01/2018</a:t>
             </a:fld>
             <a:endParaRPr lang="en-GB"/>
           </a:p>
@@ -3085,7 +3085,7 @@
           <a:p>
             <a:fld id="{044A8A7F-4678-4ADA-A967-6C2095B09219}" type="datetimeFigureOut">
               <a:rPr lang="en-GB" smtClean="0"/>
-              <a:t>30/01/2018</a:t>
+              <a:t>31/01/2018</a:t>
             </a:fld>
             <a:endParaRPr lang="en-GB"/>
           </a:p>
@@ -3328,7 +3328,7 @@
           <a:p>
             <a:fld id="{044A8A7F-4678-4ADA-A967-6C2095B09219}" type="datetimeFigureOut">
               <a:rPr lang="en-GB" smtClean="0"/>
-              <a:t>30/01/2018</a:t>
+              <a:t>31/01/2018</a:t>
             </a:fld>
             <a:endParaRPr lang="en-GB"/>
           </a:p>
@@ -30027,7 +30027,7 @@
         </p:nvSpPr>
         <p:spPr>
           <a:xfrm>
-            <a:off x="5279923" y="3270184"/>
+            <a:off x="5211861" y="3062708"/>
             <a:ext cx="1439415" cy="959251"/>
           </a:xfrm>
           <a:prstGeom prst="rect">
@@ -30079,8 +30079,8 @@
         </p:nvSpPr>
         <p:spPr>
           <a:xfrm>
-            <a:off x="5181309" y="1032055"/>
-            <a:ext cx="6729841" cy="1096763"/>
+            <a:off x="5181310" y="1032055"/>
+            <a:ext cx="5199161" cy="1096763"/>
           </a:xfrm>
           <a:prstGeom prst="rect">
             <a:avLst/>
@@ -30321,7 +30321,7 @@
         </p:nvSpPr>
         <p:spPr>
           <a:xfrm>
-            <a:off x="9272963" y="5683657"/>
+            <a:off x="10902631" y="4790481"/>
             <a:ext cx="902733" cy="522514"/>
           </a:xfrm>
           <a:prstGeom prst="rect">
@@ -30371,7 +30371,7 @@
         </p:nvSpPr>
         <p:spPr>
           <a:xfrm>
-            <a:off x="9284583" y="4534512"/>
+            <a:off x="9298450" y="4802053"/>
             <a:ext cx="902733" cy="522514"/>
           </a:xfrm>
           <a:prstGeom prst="rect">
@@ -30421,7 +30421,7 @@
         </p:nvSpPr>
         <p:spPr>
           <a:xfrm>
-            <a:off x="5548263" y="4579418"/>
+            <a:off x="5649622" y="4720228"/>
             <a:ext cx="902733" cy="522514"/>
           </a:xfrm>
           <a:prstGeom prst="rect">
@@ -30526,7 +30526,7 @@
         <p:spPr>
           <a:xfrm>
             <a:off x="7609596" y="4017733"/>
-            <a:ext cx="1" cy="526740"/>
+            <a:ext cx="1" cy="792698"/>
           </a:xfrm>
           <a:prstGeom prst="line">
             <a:avLst/>
@@ -30650,7 +30650,7 @@
         </p:nvSpPr>
         <p:spPr>
           <a:xfrm>
-            <a:off x="7158230" y="4544473"/>
+            <a:off x="7158230" y="4810431"/>
             <a:ext cx="902733" cy="522514"/>
           </a:xfrm>
           <a:prstGeom prst="rect">
@@ -30741,13 +30741,14 @@
           <p:cNvCxnSpPr>
             <a:cxnSpLocks/>
             <a:stCxn id="54" idx="2"/>
+            <a:endCxn id="25" idx="0"/>
           </p:cNvCxnSpPr>
           <p:nvPr/>
         </p:nvCxnSpPr>
         <p:spPr>
           <a:xfrm>
             <a:off x="9735955" y="4011998"/>
-            <a:ext cx="0" cy="522514"/>
+            <a:ext cx="13862" cy="790055"/>
           </a:xfrm>
           <a:prstGeom prst="line">
             <a:avLst/>
@@ -30782,15 +30783,15 @@
           </p:cNvPr>
           <p:cNvCxnSpPr>
             <a:cxnSpLocks/>
-            <a:stCxn id="25" idx="2"/>
-            <a:endCxn id="6" idx="0"/>
+            <a:stCxn id="25" idx="3"/>
+            <a:endCxn id="6" idx="1"/>
           </p:cNvCxnSpPr>
           <p:nvPr/>
         </p:nvCxnSpPr>
         <p:spPr>
-          <a:xfrm flipH="1">
-            <a:off x="9724330" y="5057026"/>
-            <a:ext cx="11620" cy="626631"/>
+          <a:xfrm flipV="1">
+            <a:off x="10201183" y="5051738"/>
+            <a:ext cx="701448" cy="11572"/>
           </a:xfrm>
           <a:prstGeom prst="line">
             <a:avLst/>
@@ -30828,7 +30829,7 @@
         </p:nvSpPr>
         <p:spPr>
           <a:xfrm>
-            <a:off x="8071633" y="4968969"/>
+            <a:off x="7522811" y="4507026"/>
             <a:ext cx="1034257" cy="261610"/>
           </a:xfrm>
           <a:prstGeom prst="rect">
@@ -30872,7 +30873,7 @@
         </p:nvSpPr>
         <p:spPr>
           <a:xfrm>
-            <a:off x="10232763" y="4420588"/>
+            <a:off x="8755414" y="4458618"/>
             <a:ext cx="1031051" cy="261610"/>
           </a:xfrm>
           <a:prstGeom prst="rect">
@@ -30908,7 +30909,7 @@
         </p:nvSpPr>
         <p:spPr>
           <a:xfrm>
-            <a:off x="10300543" y="6366704"/>
+            <a:off x="10924077" y="4335878"/>
             <a:ext cx="1204176" cy="261610"/>
           </a:xfrm>
           <a:prstGeom prst="rect">
@@ -30952,7 +30953,7 @@
         </p:nvSpPr>
         <p:spPr>
           <a:xfrm>
-            <a:off x="7168900" y="5683657"/>
+            <a:off x="6785167" y="5911926"/>
             <a:ext cx="902733" cy="522514"/>
           </a:xfrm>
           <a:prstGeom prst="rect">
@@ -30999,15 +31000,14 @@
           </p:cNvPr>
           <p:cNvCxnSpPr>
             <a:cxnSpLocks/>
-            <a:stCxn id="56" idx="2"/>
             <a:endCxn id="84" idx="0"/>
           </p:cNvCxnSpPr>
           <p:nvPr/>
         </p:nvCxnSpPr>
         <p:spPr>
-          <a:xfrm>
-            <a:off x="7609597" y="5066987"/>
-            <a:ext cx="10670" cy="616670"/>
+          <a:xfrm flipH="1">
+            <a:off x="7236534" y="5299724"/>
+            <a:ext cx="286277" cy="612202"/>
           </a:xfrm>
           <a:prstGeom prst="line">
             <a:avLst/>
@@ -31045,7 +31045,7 @@
         </p:nvSpPr>
         <p:spPr>
           <a:xfrm>
-            <a:off x="5459822" y="3495219"/>
+            <a:off x="5391760" y="3287743"/>
             <a:ext cx="1034257" cy="522514"/>
           </a:xfrm>
           <a:prstGeom prst="rect">
@@ -31105,9 +31105,9 @@
           <p:nvPr/>
         </p:nvCxnSpPr>
         <p:spPr>
-          <a:xfrm flipH="1">
-            <a:off x="6494079" y="3756476"/>
-            <a:ext cx="664150" cy="0"/>
+          <a:xfrm flipH="1" flipV="1">
+            <a:off x="6426017" y="3549000"/>
+            <a:ext cx="732212" cy="207476"/>
           </a:xfrm>
           <a:prstGeom prst="line">
             <a:avLst/>
@@ -31139,13 +31139,14 @@
           </p:cNvPr>
           <p:cNvCxnSpPr>
             <a:cxnSpLocks/>
+            <a:endCxn id="52" idx="0"/>
           </p:cNvCxnSpPr>
           <p:nvPr/>
         </p:nvCxnSpPr>
         <p:spPr>
           <a:xfrm flipH="1">
-            <a:off x="5986116" y="4015501"/>
-            <a:ext cx="5334" cy="528972"/>
+            <a:off x="6100989" y="4021959"/>
+            <a:ext cx="1112806" cy="698269"/>
           </a:xfrm>
           <a:prstGeom prst="line">
             <a:avLst/>
@@ -31184,7 +31185,7 @@
         <p:spPr>
           <a:xfrm>
             <a:off x="5387306" y="1302614"/>
-            <a:ext cx="902733" cy="522514"/>
+            <a:ext cx="1121937" cy="522514"/>
           </a:xfrm>
           <a:prstGeom prst="rect">
             <a:avLst/>
@@ -31213,7 +31214,7 @@
             <a:pPr algn="ctr"/>
             <a:r>
               <a:rPr lang="fi-FI" sz="1400" dirty="0"/>
-              <a:t>View3D</a:t>
+              <a:t>Presentation3D</a:t>
             </a:r>
             <a:endParaRPr lang="en-GB" sz="1400" dirty="0"/>
           </a:p>
@@ -31221,10 +31222,10 @@
       </p:sp>
       <p:sp>
         <p:nvSpPr>
-          <p:cNvPr id="28" name="Suorakulmio 27">
-            <a:extLst>
-              <a:ext uri="{FF2B5EF4-FFF2-40B4-BE49-F238E27FC236}">
-                <a16:creationId xmlns:a16="http://schemas.microsoft.com/office/drawing/2014/main" id="{05BCCA7E-1B91-44B7-9E89-B8E8AF1F2C3D}"/>
+          <p:cNvPr id="32" name="Suorakulmio 31">
+            <a:extLst>
+              <a:ext uri="{FF2B5EF4-FFF2-40B4-BE49-F238E27FC236}">
+                <a16:creationId xmlns:a16="http://schemas.microsoft.com/office/drawing/2014/main" id="{8607468F-35E2-4BF1-B4A7-27259D5AA676}"/>
               </a:ext>
             </a:extLst>
           </p:cNvPr>
@@ -31233,8 +31234,8 @@
         </p:nvSpPr>
         <p:spPr>
           <a:xfrm>
-            <a:off x="6515552" y="1292668"/>
-            <a:ext cx="902733" cy="522514"/>
+            <a:off x="7009431" y="2522636"/>
+            <a:ext cx="1194387" cy="522514"/>
           </a:xfrm>
           <a:prstGeom prst="rect">
             <a:avLst/>
@@ -31262,56 +31263,6 @@
           <a:p>
             <a:pPr algn="ctr"/>
             <a:r>
-              <a:rPr lang="fi-FI" sz="1400" dirty="0" err="1"/>
-              <a:t>Map</a:t>
-            </a:r>
-            <a:endParaRPr lang="en-GB" sz="1400" dirty="0"/>
-          </a:p>
-        </p:txBody>
-      </p:sp>
-      <p:sp>
-        <p:nvSpPr>
-          <p:cNvPr id="32" name="Suorakulmio 31">
-            <a:extLst>
-              <a:ext uri="{FF2B5EF4-FFF2-40B4-BE49-F238E27FC236}">
-                <a16:creationId xmlns:a16="http://schemas.microsoft.com/office/drawing/2014/main" id="{8607468F-35E2-4BF1-B4A7-27259D5AA676}"/>
-              </a:ext>
-            </a:extLst>
-          </p:cNvPr>
-          <p:cNvSpPr/>
-          <p:nvPr/>
-        </p:nvSpPr>
-        <p:spPr>
-          <a:xfrm>
-            <a:off x="7009431" y="2522636"/>
-            <a:ext cx="1194387" cy="522514"/>
-          </a:xfrm>
-          <a:prstGeom prst="rect">
-            <a:avLst/>
-          </a:prstGeom>
-        </p:spPr>
-        <p:style>
-          <a:lnRef idx="2">
-            <a:schemeClr val="accent1">
-              <a:shade val="50000"/>
-            </a:schemeClr>
-          </a:lnRef>
-          <a:fillRef idx="1">
-            <a:schemeClr val="accent1"/>
-          </a:fillRef>
-          <a:effectRef idx="0">
-            <a:schemeClr val="accent1"/>
-          </a:effectRef>
-          <a:fontRef idx="minor">
-            <a:schemeClr val="lt1"/>
-          </a:fontRef>
-        </p:style>
-        <p:txBody>
-          <a:bodyPr rtlCol="0" anchor="ctr"/>
-          <a:lstStyle/>
-          <a:p>
-            <a:pPr algn="ctr"/>
-            <a:r>
               <a:rPr lang="fi-FI" sz="1400" dirty="0"/>
               <a:t>Presentation</a:t>
             </a:r>
@@ -31345,48 +31296,6 @@
           </a:prstGeom>
           <a:ln>
             <a:tailEnd type="diamond" w="lg" len="lg"/>
-          </a:ln>
-        </p:spPr>
-        <p:style>
-          <a:lnRef idx="1">
-            <a:schemeClr val="accent1"/>
-          </a:lnRef>
-          <a:fillRef idx="0">
-            <a:schemeClr val="accent1"/>
-          </a:fillRef>
-          <a:effectRef idx="0">
-            <a:schemeClr val="accent1"/>
-          </a:effectRef>
-          <a:fontRef idx="minor">
-            <a:schemeClr val="tx1"/>
-          </a:fontRef>
-        </p:style>
-      </p:cxnSp>
-      <p:cxnSp>
-        <p:nvCxnSpPr>
-          <p:cNvPr id="8" name="Suora nuoliyhdysviiva 7">
-            <a:extLst>
-              <a:ext uri="{FF2B5EF4-FFF2-40B4-BE49-F238E27FC236}">
-                <a16:creationId xmlns:a16="http://schemas.microsoft.com/office/drawing/2014/main" id="{CA5EF8D4-35B4-45B7-880B-E79740153689}"/>
-              </a:ext>
-            </a:extLst>
-          </p:cNvPr>
-          <p:cNvCxnSpPr>
-            <a:cxnSpLocks/>
-            <a:stCxn id="28" idx="2"/>
-          </p:cNvCxnSpPr>
-          <p:nvPr/>
-        </p:nvCxnSpPr>
-        <p:spPr>
-          <a:xfrm>
-            <a:off x="6966919" y="1815182"/>
-            <a:ext cx="389541" cy="705341"/>
-          </a:xfrm>
-          <a:prstGeom prst="straightConnector1">
-            <a:avLst/>
-          </a:prstGeom>
-          <a:ln>
-            <a:tailEnd type="triangle"/>
           </a:ln>
         </p:spPr>
         <p:style>
@@ -31421,8 +31330,8 @@
         </p:nvCxnSpPr>
         <p:spPr>
           <a:xfrm>
-            <a:off x="5838673" y="1825128"/>
-            <a:ext cx="1211301" cy="695395"/>
+            <a:off x="5948275" y="1825128"/>
+            <a:ext cx="1101699" cy="695395"/>
           </a:xfrm>
           <a:prstGeom prst="straightConnector1">
             <a:avLst/>
@@ -31460,7 +31369,7 @@
         </p:nvSpPr>
         <p:spPr>
           <a:xfrm>
-            <a:off x="11237250" y="1369259"/>
+            <a:off x="9564266" y="1369675"/>
             <a:ext cx="343364" cy="369332"/>
           </a:xfrm>
           <a:prstGeom prst="rect">
@@ -31496,8 +31405,8 @@
         </p:nvSpPr>
         <p:spPr>
           <a:xfrm>
-            <a:off x="7680317" y="1292668"/>
-            <a:ext cx="902733" cy="522514"/>
+            <a:off x="6676021" y="1293084"/>
+            <a:ext cx="1121937" cy="522514"/>
           </a:xfrm>
           <a:prstGeom prst="rect">
             <a:avLst/>
@@ -31526,7 +31435,7 @@
             <a:pPr algn="ctr"/>
             <a:r>
               <a:rPr lang="fi-FI" sz="1400" dirty="0" err="1"/>
-              <a:t>Graph</a:t>
+              <a:t>PresentationMap</a:t>
             </a:r>
             <a:endParaRPr lang="en-GB" sz="1400" dirty="0"/>
           </a:p>
@@ -31544,14 +31453,13 @@
           <p:cNvCxnSpPr>
             <a:cxnSpLocks/>
             <a:stCxn id="62" idx="2"/>
-            <a:endCxn id="32" idx="0"/>
           </p:cNvCxnSpPr>
           <p:nvPr/>
         </p:nvCxnSpPr>
         <p:spPr>
-          <a:xfrm flipH="1">
-            <a:off x="7606625" y="1815182"/>
-            <a:ext cx="525059" cy="707454"/>
+          <a:xfrm>
+            <a:off x="7236990" y="1815598"/>
+            <a:ext cx="169972" cy="704925"/>
           </a:xfrm>
           <a:prstGeom prst="straightConnector1">
             <a:avLst/>
@@ -31586,13 +31494,12 @@
           </p:cNvPr>
           <p:cNvCxnSpPr>
             <a:cxnSpLocks/>
-            <a:endCxn id="25" idx="1"/>
           </p:cNvCxnSpPr>
           <p:nvPr/>
         </p:nvCxnSpPr>
         <p:spPr>
           <a:xfrm flipV="1">
-            <a:off x="8071633" y="4795769"/>
+            <a:off x="8057990" y="5063310"/>
             <a:ext cx="1212950" cy="8378"/>
           </a:xfrm>
           <a:prstGeom prst="line">
@@ -31619,10 +31526,10 @@
       </p:cxnSp>
       <p:sp>
         <p:nvSpPr>
-          <p:cNvPr id="44" name="Suorakulmio 43">
-            <a:extLst>
-              <a:ext uri="{FF2B5EF4-FFF2-40B4-BE49-F238E27FC236}">
-                <a16:creationId xmlns:a16="http://schemas.microsoft.com/office/drawing/2014/main" id="{2D6EB59B-05FC-40B5-944D-B8A4AB4755A6}"/>
+          <p:cNvPr id="51" name="Suorakulmio 50">
+            <a:extLst>
+              <a:ext uri="{FF2B5EF4-FFF2-40B4-BE49-F238E27FC236}">
+                <a16:creationId xmlns:a16="http://schemas.microsoft.com/office/drawing/2014/main" id="{EEC7556A-4BF5-46F9-B2E7-D790A3700D9D}"/>
               </a:ext>
             </a:extLst>
           </p:cNvPr>
@@ -31631,7 +31538,7 @@
         </p:nvSpPr>
         <p:spPr>
           <a:xfrm>
-            <a:off x="8833215" y="1280930"/>
+            <a:off x="10092689" y="5911926"/>
             <a:ext cx="902733" cy="522514"/>
           </a:xfrm>
           <a:prstGeom prst="rect">
@@ -31661,56 +31568,6 @@
             <a:pPr algn="ctr"/>
             <a:r>
               <a:rPr lang="fi-FI" sz="1400" dirty="0" err="1"/>
-              <a:t>LogFile</a:t>
-            </a:r>
-            <a:endParaRPr lang="en-GB" sz="1400" dirty="0"/>
-          </a:p>
-        </p:txBody>
-      </p:sp>
-      <p:sp>
-        <p:nvSpPr>
-          <p:cNvPr id="51" name="Suorakulmio 50">
-            <a:extLst>
-              <a:ext uri="{FF2B5EF4-FFF2-40B4-BE49-F238E27FC236}">
-                <a16:creationId xmlns:a16="http://schemas.microsoft.com/office/drawing/2014/main" id="{EEC7556A-4BF5-46F9-B2E7-D790A3700D9D}"/>
-              </a:ext>
-            </a:extLst>
-          </p:cNvPr>
-          <p:cNvSpPr/>
-          <p:nvPr/>
-        </p:nvSpPr>
-        <p:spPr>
-          <a:xfrm>
-            <a:off x="10645583" y="5069030"/>
-            <a:ext cx="902733" cy="522514"/>
-          </a:xfrm>
-          <a:prstGeom prst="rect">
-            <a:avLst/>
-          </a:prstGeom>
-        </p:spPr>
-        <p:style>
-          <a:lnRef idx="2">
-            <a:schemeClr val="accent1">
-              <a:shade val="50000"/>
-            </a:schemeClr>
-          </a:lnRef>
-          <a:fillRef idx="1">
-            <a:schemeClr val="accent1"/>
-          </a:fillRef>
-          <a:effectRef idx="0">
-            <a:schemeClr val="accent1"/>
-          </a:effectRef>
-          <a:fontRef idx="minor">
-            <a:schemeClr val="lt1"/>
-          </a:fontRef>
-        </p:style>
-        <p:txBody>
-          <a:bodyPr rtlCol="0" anchor="ctr"/>
-          <a:lstStyle/>
-          <a:p>
-            <a:pPr algn="ctr"/>
-            <a:r>
-              <a:rPr lang="fi-FI" sz="1400" dirty="0" err="1"/>
               <a:t>Bounding</a:t>
             </a:r>
             <a:endParaRPr lang="fi-FI" sz="1400" dirty="0"/>
@@ -31735,15 +31592,15 @@
             </a:extLst>
           </p:cNvPr>
           <p:cNvCxnSpPr>
-            <a:stCxn id="25" idx="3"/>
-            <a:endCxn id="51" idx="1"/>
+            <a:cxnSpLocks/>
+            <a:stCxn id="25" idx="2"/>
           </p:cNvCxnSpPr>
           <p:nvPr/>
         </p:nvCxnSpPr>
         <p:spPr>
           <a:xfrm>
-            <a:off x="10187316" y="4795769"/>
-            <a:ext cx="458267" cy="534518"/>
+            <a:off x="9749817" y="5324567"/>
+            <a:ext cx="630654" cy="575787"/>
           </a:xfrm>
           <a:prstGeom prst="straightConnector1">
             <a:avLst/>
@@ -31778,15 +31635,14 @@
           </p:cNvPr>
           <p:cNvCxnSpPr>
             <a:cxnSpLocks/>
-            <a:stCxn id="6" idx="3"/>
-            <a:endCxn id="51" idx="1"/>
+            <a:stCxn id="6" idx="2"/>
           </p:cNvCxnSpPr>
           <p:nvPr/>
         </p:nvCxnSpPr>
         <p:spPr>
-          <a:xfrm flipV="1">
-            <a:off x="10175696" y="5330287"/>
-            <a:ext cx="469887" cy="614627"/>
+          <a:xfrm flipH="1">
+            <a:off x="10817265" y="5312995"/>
+            <a:ext cx="536733" cy="587359"/>
           </a:xfrm>
           <a:prstGeom prst="straightConnector1">
             <a:avLst/>
@@ -31824,8 +31680,8 @@
         </p:nvSpPr>
         <p:spPr>
           <a:xfrm>
-            <a:off x="10004289" y="1280930"/>
-            <a:ext cx="902733" cy="522514"/>
+            <a:off x="8014311" y="1308460"/>
+            <a:ext cx="1121936" cy="522514"/>
           </a:xfrm>
           <a:prstGeom prst="rect">
             <a:avLst/>
@@ -31854,7 +31710,7 @@
             <a:pPr algn="ctr"/>
             <a:r>
               <a:rPr lang="fi-FI" sz="1400" dirty="0" err="1"/>
-              <a:t>TraceFile</a:t>
+              <a:t>PresentationLog</a:t>
             </a:r>
             <a:endParaRPr lang="en-GB" sz="1400" dirty="0"/>
           </a:p>
@@ -31871,14 +31727,13 @@
           </p:cNvPr>
           <p:cNvCxnSpPr>
             <a:cxnSpLocks/>
-            <a:stCxn id="44" idx="2"/>
           </p:cNvCxnSpPr>
           <p:nvPr/>
         </p:nvCxnSpPr>
         <p:spPr>
           <a:xfrm flipH="1">
-            <a:off x="7829087" y="1803444"/>
-            <a:ext cx="1455495" cy="717079"/>
+            <a:off x="7816939" y="1823155"/>
+            <a:ext cx="691723" cy="733161"/>
           </a:xfrm>
           <a:prstGeom prst="straightConnector1">
             <a:avLst/>
@@ -31904,29 +31759,122 @@
       </p:cxnSp>
       <p:cxnSp>
         <p:nvCxnSpPr>
-          <p:cNvPr id="47" name="Suora nuoliyhdysviiva 46">
-            <a:extLst>
-              <a:ext uri="{FF2B5EF4-FFF2-40B4-BE49-F238E27FC236}">
-                <a16:creationId xmlns:a16="http://schemas.microsoft.com/office/drawing/2014/main" id="{37817CF8-6D1C-48AB-B7B0-AFECF774BEA0}"/>
+          <p:cNvPr id="76" name="Suora yhdysviiva 75">
+            <a:extLst>
+              <a:ext uri="{FF2B5EF4-FFF2-40B4-BE49-F238E27FC236}">
+                <a16:creationId xmlns:a16="http://schemas.microsoft.com/office/drawing/2014/main" id="{8174A33F-847D-49FE-A81D-6EA562567268}"/>
               </a:ext>
             </a:extLst>
           </p:cNvPr>
           <p:cNvCxnSpPr>
             <a:cxnSpLocks/>
-            <a:stCxn id="63" idx="2"/>
+            <a:endCxn id="6" idx="0"/>
           </p:cNvCxnSpPr>
           <p:nvPr/>
         </p:nvCxnSpPr>
         <p:spPr>
-          <a:xfrm flipH="1">
-            <a:off x="8203820" y="1803444"/>
-            <a:ext cx="2251836" cy="719192"/>
-          </a:xfrm>
-          <a:prstGeom prst="straightConnector1">
+          <a:xfrm>
+            <a:off x="9797858" y="4011998"/>
+            <a:ext cx="1556140" cy="778483"/>
+          </a:xfrm>
+          <a:prstGeom prst="line">
             <a:avLst/>
           </a:prstGeom>
           <a:ln>
-            <a:tailEnd type="triangle"/>
+            <a:prstDash val="dash"/>
+            <a:tailEnd type="diamond" w="lg" len="lg"/>
+          </a:ln>
+        </p:spPr>
+        <p:style>
+          <a:lnRef idx="1">
+            <a:schemeClr val="accent1"/>
+          </a:lnRef>
+          <a:fillRef idx="0">
+            <a:schemeClr val="accent1"/>
+          </a:fillRef>
+          <a:effectRef idx="0">
+            <a:schemeClr val="accent1"/>
+          </a:effectRef>
+          <a:fontRef idx="minor">
+            <a:schemeClr val="tx1"/>
+          </a:fontRef>
+        </p:style>
+      </p:cxnSp>
+      <p:sp>
+        <p:nvSpPr>
+          <p:cNvPr id="82" name="Suorakulmio 81">
+            <a:extLst>
+              <a:ext uri="{FF2B5EF4-FFF2-40B4-BE49-F238E27FC236}">
+                <a16:creationId xmlns:a16="http://schemas.microsoft.com/office/drawing/2014/main" id="{EB7531FD-2B6E-4201-9B92-FC25A3C7BADB}"/>
+              </a:ext>
+            </a:extLst>
+          </p:cNvPr>
+          <p:cNvSpPr/>
+          <p:nvPr/>
+        </p:nvSpPr>
+        <p:spPr>
+          <a:xfrm>
+            <a:off x="7826529" y="5911926"/>
+            <a:ext cx="902733" cy="522514"/>
+          </a:xfrm>
+          <a:prstGeom prst="rect">
+            <a:avLst/>
+          </a:prstGeom>
+        </p:spPr>
+        <p:style>
+          <a:lnRef idx="2">
+            <a:schemeClr val="accent1">
+              <a:shade val="50000"/>
+            </a:schemeClr>
+          </a:lnRef>
+          <a:fillRef idx="1">
+            <a:schemeClr val="accent1"/>
+          </a:fillRef>
+          <a:effectRef idx="0">
+            <a:schemeClr val="accent1"/>
+          </a:effectRef>
+          <a:fontRef idx="minor">
+            <a:schemeClr val="lt1"/>
+          </a:fontRef>
+        </p:style>
+        <p:txBody>
+          <a:bodyPr rtlCol="0" anchor="ctr"/>
+          <a:lstStyle/>
+          <a:p>
+            <a:pPr algn="ctr"/>
+            <a:r>
+              <a:rPr lang="fi-FI" sz="1400" dirty="0" err="1"/>
+              <a:t>Forecast</a:t>
+            </a:r>
+            <a:endParaRPr lang="en-GB" sz="1400" dirty="0"/>
+          </a:p>
+        </p:txBody>
+      </p:sp>
+      <p:cxnSp>
+        <p:nvCxnSpPr>
+          <p:cNvPr id="83" name="Suora yhdysviiva 82">
+            <a:extLst>
+              <a:ext uri="{FF2B5EF4-FFF2-40B4-BE49-F238E27FC236}">
+                <a16:creationId xmlns:a16="http://schemas.microsoft.com/office/drawing/2014/main" id="{560BD738-A4C1-474D-9351-715C901E62BE}"/>
+              </a:ext>
+            </a:extLst>
+          </p:cNvPr>
+          <p:cNvCxnSpPr>
+            <a:cxnSpLocks/>
+            <a:endCxn id="82" idx="0"/>
+          </p:cNvCxnSpPr>
+          <p:nvPr/>
+        </p:nvCxnSpPr>
+        <p:spPr>
+          <a:xfrm>
+            <a:off x="7797958" y="5312995"/>
+            <a:ext cx="479938" cy="598931"/>
+          </a:xfrm>
+          <a:prstGeom prst="line">
+            <a:avLst/>
+          </a:prstGeom>
+          <a:ln>
+            <a:tailEnd type="diamond" w="lg" len="lg"/>
           </a:ln>
         </p:spPr>
         <p:style>

--- a/presentations/Audit 20180301.pptx
+++ b/presentations/Audit 20180301.pptx
@@ -242,7 +242,7 @@
           <a:p>
             <a:fld id="{419674A6-AE52-4650-90C3-47547F301181}" type="datetimeFigureOut">
               <a:rPr lang="en-GB" smtClean="0"/>
-              <a:t>31/01/2018</a:t>
+              <a:t>01/02/2018</a:t>
             </a:fld>
             <a:endParaRPr lang="en-GB"/>
           </a:p>
@@ -659,7 +659,7 @@
           <a:p>
             <a:fld id="{044A8A7F-4678-4ADA-A967-6C2095B09219}" type="datetimeFigureOut">
               <a:rPr lang="en-GB" smtClean="0"/>
-              <a:t>31/01/2018</a:t>
+              <a:t>01/02/2018</a:t>
             </a:fld>
             <a:endParaRPr lang="en-GB"/>
           </a:p>
@@ -859,7 +859,7 @@
           <a:p>
             <a:fld id="{044A8A7F-4678-4ADA-A967-6C2095B09219}" type="datetimeFigureOut">
               <a:rPr lang="en-GB" smtClean="0"/>
-              <a:t>31/01/2018</a:t>
+              <a:t>01/02/2018</a:t>
             </a:fld>
             <a:endParaRPr lang="en-GB"/>
           </a:p>
@@ -1069,7 +1069,7 @@
           <a:p>
             <a:fld id="{044A8A7F-4678-4ADA-A967-6C2095B09219}" type="datetimeFigureOut">
               <a:rPr lang="en-GB" smtClean="0"/>
-              <a:t>31/01/2018</a:t>
+              <a:t>01/02/2018</a:t>
             </a:fld>
             <a:endParaRPr lang="en-GB"/>
           </a:p>
@@ -1269,7 +1269,7 @@
           <a:p>
             <a:fld id="{044A8A7F-4678-4ADA-A967-6C2095B09219}" type="datetimeFigureOut">
               <a:rPr lang="en-GB" smtClean="0"/>
-              <a:t>31/01/2018</a:t>
+              <a:t>01/02/2018</a:t>
             </a:fld>
             <a:endParaRPr lang="en-GB"/>
           </a:p>
@@ -1545,7 +1545,7 @@
           <a:p>
             <a:fld id="{044A8A7F-4678-4ADA-A967-6C2095B09219}" type="datetimeFigureOut">
               <a:rPr lang="en-GB" smtClean="0"/>
-              <a:t>31/01/2018</a:t>
+              <a:t>01/02/2018</a:t>
             </a:fld>
             <a:endParaRPr lang="en-GB"/>
           </a:p>
@@ -1813,7 +1813,7 @@
           <a:p>
             <a:fld id="{044A8A7F-4678-4ADA-A967-6C2095B09219}" type="datetimeFigureOut">
               <a:rPr lang="en-GB" smtClean="0"/>
-              <a:t>31/01/2018</a:t>
+              <a:t>01/02/2018</a:t>
             </a:fld>
             <a:endParaRPr lang="en-GB"/>
           </a:p>
@@ -2228,7 +2228,7 @@
           <a:p>
             <a:fld id="{044A8A7F-4678-4ADA-A967-6C2095B09219}" type="datetimeFigureOut">
               <a:rPr lang="en-GB" smtClean="0"/>
-              <a:t>31/01/2018</a:t>
+              <a:t>01/02/2018</a:t>
             </a:fld>
             <a:endParaRPr lang="en-GB"/>
           </a:p>
@@ -2370,7 +2370,7 @@
           <a:p>
             <a:fld id="{044A8A7F-4678-4ADA-A967-6C2095B09219}" type="datetimeFigureOut">
               <a:rPr lang="en-GB" smtClean="0"/>
-              <a:t>31/01/2018</a:t>
+              <a:t>01/02/2018</a:t>
             </a:fld>
             <a:endParaRPr lang="en-GB"/>
           </a:p>
@@ -2483,7 +2483,7 @@
           <a:p>
             <a:fld id="{044A8A7F-4678-4ADA-A967-6C2095B09219}" type="datetimeFigureOut">
               <a:rPr lang="en-GB" smtClean="0"/>
-              <a:t>31/01/2018</a:t>
+              <a:t>01/02/2018</a:t>
             </a:fld>
             <a:endParaRPr lang="en-GB"/>
           </a:p>
@@ -2796,7 +2796,7 @@
           <a:p>
             <a:fld id="{044A8A7F-4678-4ADA-A967-6C2095B09219}" type="datetimeFigureOut">
               <a:rPr lang="en-GB" smtClean="0"/>
-              <a:t>31/01/2018</a:t>
+              <a:t>01/02/2018</a:t>
             </a:fld>
             <a:endParaRPr lang="en-GB"/>
           </a:p>
@@ -3085,7 +3085,7 @@
           <a:p>
             <a:fld id="{044A8A7F-4678-4ADA-A967-6C2095B09219}" type="datetimeFigureOut">
               <a:rPr lang="en-GB" smtClean="0"/>
-              <a:t>31/01/2018</a:t>
+              <a:t>01/02/2018</a:t>
             </a:fld>
             <a:endParaRPr lang="en-GB"/>
           </a:p>
@@ -3328,7 +3328,7 @@
           <a:p>
             <a:fld id="{044A8A7F-4678-4ADA-A967-6C2095B09219}" type="datetimeFigureOut">
               <a:rPr lang="en-GB" smtClean="0"/>
-              <a:t>31/01/2018</a:t>
+              <a:t>01/02/2018</a:t>
             </a:fld>
             <a:endParaRPr lang="en-GB"/>
           </a:p>
@@ -14104,7 +14104,7 @@
           <a:p>
             <a:r>
               <a:rPr lang="fi-FI" sz="1600" dirty="0" err="1"/>
-              <a:t>Simalar</a:t>
+              <a:t>Similar</a:t>
             </a:r>
             <a:r>
               <a:rPr lang="fi-FI" sz="1600" dirty="0"/>
